--- a/Documentation/5. Heuristic classifier.pptx
+++ b/Documentation/5. Heuristic classifier.pptx
@@ -212,7 +212,7 @@
           <a:p>
             <a:fld id="{1A21894F-B278-4D96-9594-A030EA633187}" type="datetimeFigureOut">
               <a:rPr lang="it-IT" smtClean="0"/>
-              <a:t>23/10/2024</a:t>
+              <a:t>24/10/2024</a:t>
             </a:fld>
             <a:endParaRPr lang="it-IT"/>
           </a:p>
@@ -2464,7 +2464,7 @@
           <a:p>
             <a:fld id="{58E4D78B-0F35-4E3B-A0B9-554BA787D8A4}" type="datetime1">
               <a:rPr lang="en-US" smtClean="0"/>
-              <a:t>10/23/2024</a:t>
+              <a:t>10/24/2024</a:t>
             </a:fld>
             <a:endParaRPr lang="en-US"/>
           </a:p>
@@ -2674,7 +2674,7 @@
           <a:p>
             <a:fld id="{604487E5-BE79-4BAC-AEB7-0CE0533B5E5C}" type="datetime1">
               <a:rPr lang="en-US" smtClean="0"/>
-              <a:t>10/23/2024</a:t>
+              <a:t>10/24/2024</a:t>
             </a:fld>
             <a:endParaRPr lang="en-US"/>
           </a:p>
@@ -2874,7 +2874,7 @@
           <a:p>
             <a:fld id="{DDA7E0CB-9E21-49FD-99A0-0CD75BBC45F4}" type="datetime1">
               <a:rPr lang="en-US" smtClean="0"/>
-              <a:t>10/23/2024</a:t>
+              <a:t>10/24/2024</a:t>
             </a:fld>
             <a:endParaRPr lang="en-US"/>
           </a:p>
@@ -3150,7 +3150,7 @@
           <a:p>
             <a:fld id="{661D7149-FE96-419A-8F67-9BD351842985}" type="datetime1">
               <a:rPr lang="en-US" smtClean="0"/>
-              <a:t>10/23/2024</a:t>
+              <a:t>10/24/2024</a:t>
             </a:fld>
             <a:endParaRPr lang="en-US"/>
           </a:p>
@@ -3418,7 +3418,7 @@
           <a:p>
             <a:fld id="{6CA97CEF-DD94-4A20-85BC-5094F3EA8887}" type="datetime1">
               <a:rPr lang="en-US" smtClean="0"/>
-              <a:t>10/23/2024</a:t>
+              <a:t>10/24/2024</a:t>
             </a:fld>
             <a:endParaRPr lang="en-US"/>
           </a:p>
@@ -3833,7 +3833,7 @@
           <a:p>
             <a:fld id="{9862EB4C-45F8-47BA-B435-B6097D61B684}" type="datetime1">
               <a:rPr lang="en-US" smtClean="0"/>
-              <a:t>10/23/2024</a:t>
+              <a:t>10/24/2024</a:t>
             </a:fld>
             <a:endParaRPr lang="en-US"/>
           </a:p>
@@ -3975,7 +3975,7 @@
           <a:p>
             <a:fld id="{FA7CD0E2-B7EC-4D81-9389-8F889EE865AB}" type="datetime1">
               <a:rPr lang="en-US" smtClean="0"/>
-              <a:t>10/23/2024</a:t>
+              <a:t>10/24/2024</a:t>
             </a:fld>
             <a:endParaRPr lang="en-US"/>
           </a:p>
@@ -4088,7 +4088,7 @@
           <a:p>
             <a:fld id="{18B47F5C-7FA0-44DA-BF82-413AB90208B7}" type="datetime1">
               <a:rPr lang="en-US" smtClean="0"/>
-              <a:t>10/23/2024</a:t>
+              <a:t>10/24/2024</a:t>
             </a:fld>
             <a:endParaRPr lang="en-US"/>
           </a:p>
@@ -4401,7 +4401,7 @@
           <a:p>
             <a:fld id="{403415A8-F8BD-47CC-8D20-53798396961D}" type="datetime1">
               <a:rPr lang="en-US" smtClean="0"/>
-              <a:t>10/23/2024</a:t>
+              <a:t>10/24/2024</a:t>
             </a:fld>
             <a:endParaRPr lang="en-US"/>
           </a:p>
@@ -4690,7 +4690,7 @@
           <a:p>
             <a:fld id="{6A12F5A1-6669-4CDD-B1B4-04FFE5C41ADE}" type="datetime1">
               <a:rPr lang="en-US" smtClean="0"/>
-              <a:t>10/23/2024</a:t>
+              <a:t>10/24/2024</a:t>
             </a:fld>
             <a:endParaRPr lang="en-US"/>
           </a:p>
@@ -4894,7 +4894,7 @@
           <a:p>
             <a:fld id="{63421662-C242-4258-8799-9F32C0D7CC75}" type="datetime1">
               <a:rPr lang="en-US" smtClean="0"/>
-              <a:t>10/23/2024</a:t>
+              <a:t>10/24/2024</a:t>
             </a:fld>
             <a:endParaRPr lang="en-US"/>
           </a:p>
@@ -6634,7 +6634,7 @@
         </p:nvSpPr>
         <p:spPr>
           <a:xfrm>
-            <a:off x="4055364" y="5816149"/>
+            <a:off x="5876673" y="4669538"/>
             <a:ext cx="731520" cy="247018"/>
           </a:xfrm>
           <a:prstGeom prst="rect">
@@ -6685,7 +6685,7 @@
         </p:nvSpPr>
         <p:spPr>
           <a:xfrm>
-            <a:off x="5912395" y="4669538"/>
+            <a:off x="4053441" y="5816149"/>
             <a:ext cx="731520" cy="247018"/>
           </a:xfrm>
           <a:prstGeom prst="rect">
@@ -6819,14 +6819,14 @@
           <p:cNvCxnSpPr>
             <a:cxnSpLocks/>
             <a:stCxn id="5" idx="3"/>
-            <a:endCxn id="8" idx="1"/>
+            <a:endCxn id="7" idx="1"/>
           </p:cNvCxnSpPr>
           <p:nvPr/>
         </p:nvCxnSpPr>
         <p:spPr>
           <a:xfrm flipV="1">
             <a:off x="5216652" y="4793047"/>
-            <a:ext cx="695743" cy="1"/>
+            <a:ext cx="660021" cy="1"/>
           </a:xfrm>
           <a:prstGeom prst="straightConnector1">
             <a:avLst/>
@@ -6861,15 +6861,14 @@
           </p:cNvPr>
           <p:cNvCxnSpPr>
             <a:cxnSpLocks/>
-            <a:stCxn id="5" idx="2"/>
-            <a:endCxn id="7" idx="0"/>
+            <a:endCxn id="8" idx="0"/>
           </p:cNvCxnSpPr>
           <p:nvPr/>
         </p:nvCxnSpPr>
         <p:spPr>
-          <a:xfrm>
-            <a:off x="4421124" y="5251840"/>
-            <a:ext cx="0" cy="564309"/>
+          <a:xfrm flipH="1">
+            <a:off x="4419201" y="5242696"/>
+            <a:ext cx="6495" cy="573453"/>
           </a:xfrm>
           <a:prstGeom prst="straightConnector1">
             <a:avLst/>
@@ -7120,56 +7119,156 @@
           <a:lstStyle/>
           <a:p>
             <a:r>
-              <a:rPr lang="en-GB" sz="1600" dirty="0"/>
-              <a:t>NB: in this way MAP_B, </a:t>
-            </a:r>
-            <a:r>
-              <a:rPr lang="en-GB" sz="1600" b="1" dirty="0"/>
+              <a:rPr lang="en-GB" sz="1200" dirty="0"/>
+              <a:t>NB: in this way MAP B, </a:t>
+            </a:r>
+            <a:r>
+              <a:rPr lang="en-GB" sz="1200" b="1" dirty="0"/>
               <a:t>effective</a:t>
             </a:r>
             <a:r>
-              <a:rPr lang="en-GB" sz="1600" dirty="0"/>
-              <a:t>, is chosen only if both the two antecedent conditions are satisfied, so is </a:t>
-            </a:r>
-            <a:r>
-              <a:rPr lang="en-GB" sz="1600" b="1" dirty="0"/>
+              <a:rPr lang="en-GB" sz="1200" dirty="0"/>
+              <a:t>, is </a:t>
+            </a:r>
+            <a:r>
+              <a:rPr lang="en-GB" sz="1200" b="1" dirty="0"/>
               <a:t>harder</a:t>
             </a:r>
             <a:r>
-              <a:rPr lang="en-GB" sz="1600" dirty="0"/>
+              <a:rPr lang="en-GB" sz="1200" dirty="0"/>
               <a:t> to </a:t>
             </a:r>
             <a:r>
-              <a:rPr lang="en-GB" sz="1600" b="1" dirty="0"/>
+              <a:rPr lang="en-GB" sz="1200" b="1" dirty="0"/>
               <a:t>be</a:t>
             </a:r>
             <a:r>
-              <a:rPr lang="en-GB" sz="1600" dirty="0"/>
+              <a:rPr lang="en-GB" sz="1200" dirty="0"/>
               <a:t> </a:t>
             </a:r>
             <a:r>
-              <a:rPr lang="en-GB" sz="1600" b="1" dirty="0"/>
+              <a:rPr lang="en-GB" sz="1200" b="1" dirty="0"/>
               <a:t>chosen</a:t>
             </a:r>
             <a:r>
-              <a:rPr lang="en-GB" sz="1600" dirty="0"/>
+              <a:rPr lang="en-GB" sz="1200" dirty="0"/>
               <a:t>, leading to a more </a:t>
             </a:r>
             <a:r>
-              <a:rPr lang="en-GB" sz="1600" b="1" dirty="0"/>
+              <a:rPr lang="en-GB" sz="1200" b="1" dirty="0"/>
               <a:t>“conservative”</a:t>
             </a:r>
             <a:r>
-              <a:rPr lang="en-GB" sz="1600" dirty="0"/>
+              <a:rPr lang="en-GB" sz="1200" dirty="0"/>
               <a:t> </a:t>
             </a:r>
             <a:r>
-              <a:rPr lang="en-GB" sz="1600" b="1" dirty="0"/>
+              <a:rPr lang="en-GB" sz="1200" b="1" dirty="0"/>
               <a:t>algorithm</a:t>
             </a:r>
             <a:r>
-              <a:rPr lang="en-GB" sz="1600" dirty="0"/>
-              <a:t>, as is should be the surgeon </a:t>
+              <a:rPr lang="en-GB" sz="1200" dirty="0"/>
+              <a:t>, as is should be the surgeon. </a:t>
+            </a:r>
+          </a:p>
+          <a:p>
+            <a:r>
+              <a:rPr lang="en-GB" sz="1200" dirty="0"/>
+              <a:t>MAP A, </a:t>
+            </a:r>
+            <a:r>
+              <a:rPr lang="en-GB" sz="1200" b="1" dirty="0"/>
+              <a:t>indifferent</a:t>
+            </a:r>
+            <a:r>
+              <a:rPr lang="en-GB" sz="1200" dirty="0"/>
+              <a:t>, is chosen </a:t>
+            </a:r>
+            <a:r>
+              <a:rPr lang="en-GB" sz="1200" b="1" dirty="0"/>
+              <a:t>even</a:t>
+            </a:r>
+            <a:r>
+              <a:rPr lang="en-GB" sz="1200" dirty="0"/>
+              <a:t> </a:t>
+            </a:r>
+            <a:r>
+              <a:rPr lang="en-GB" sz="1200" b="1" dirty="0"/>
+              <a:t>if</a:t>
+            </a:r>
+            <a:r>
+              <a:rPr lang="en-GB" sz="1200" dirty="0"/>
+              <a:t> the </a:t>
+            </a:r>
+            <a:r>
+              <a:rPr lang="en-GB" sz="1200" b="1" dirty="0"/>
+              <a:t>rules</a:t>
+            </a:r>
+            <a:r>
+              <a:rPr lang="en-GB" sz="1200" dirty="0"/>
+              <a:t> are </a:t>
+            </a:r>
+            <a:r>
+              <a:rPr lang="en-GB" sz="1200" b="1" dirty="0"/>
+              <a:t>not</a:t>
+            </a:r>
+            <a:r>
+              <a:rPr lang="en-GB" sz="1200" dirty="0"/>
+              <a:t> fully </a:t>
+            </a:r>
+            <a:r>
+              <a:rPr lang="en-GB" sz="1200" b="1" dirty="0"/>
+              <a:t>satisfied</a:t>
+            </a:r>
+            <a:r>
+              <a:rPr lang="en-GB" sz="1200" dirty="0"/>
+              <a:t> (e.g. noisy record).</a:t>
+            </a:r>
+          </a:p>
+          <a:p>
+            <a:r>
+              <a:rPr lang="en-GB" sz="1200" dirty="0"/>
+              <a:t>Finally, MAP C, </a:t>
+            </a:r>
+            <a:r>
+              <a:rPr lang="en-GB" sz="1200" b="1" dirty="0"/>
+              <a:t>dangerous</a:t>
+            </a:r>
+            <a:r>
+              <a:rPr lang="en-GB" sz="1200" dirty="0"/>
+              <a:t>, is chosen as </a:t>
+            </a:r>
+            <a:r>
+              <a:rPr lang="en-GB" sz="1200" b="1" dirty="0"/>
+              <a:t>first</a:t>
+            </a:r>
+            <a:r>
+              <a:rPr lang="en-GB" sz="1200" dirty="0"/>
+              <a:t> </a:t>
+            </a:r>
+            <a:r>
+              <a:rPr lang="en-GB" sz="1200" b="1" dirty="0"/>
+              <a:t>one</a:t>
+            </a:r>
+            <a:r>
+              <a:rPr lang="en-GB" sz="1200" dirty="0"/>
+              <a:t> if there’s a </a:t>
+            </a:r>
+            <a:r>
+              <a:rPr lang="en-GB" sz="1200" b="1" dirty="0"/>
+              <a:t>peak</a:t>
+            </a:r>
+            <a:r>
+              <a:rPr lang="en-GB" sz="1200" dirty="0"/>
+              <a:t> into the </a:t>
+            </a:r>
+            <a:r>
+              <a:rPr lang="en-GB" sz="1200" b="1" dirty="0"/>
+              <a:t>His</a:t>
+            </a:r>
+            <a:r>
+              <a:rPr lang="en-GB" sz="1200" dirty="0"/>
+              <a:t> bundle.</a:t>
             </a:r>
           </a:p>
         </p:txBody>
@@ -7629,10 +7728,10 @@
       </p:sp>
       <p:pic>
         <p:nvPicPr>
-          <p:cNvPr id="28" name="Immagine 27" descr="Immagine che contiene testo, schermata, numero, diagramma&#10;&#10;Descrizione generata automaticamente">
-            <a:extLst>
-              <a:ext uri="{FF2B5EF4-FFF2-40B4-BE49-F238E27FC236}">
-                <a16:creationId xmlns:a16="http://schemas.microsoft.com/office/drawing/2014/main" id="{D6CE5B4B-3B6A-3D09-7AC4-75D540F8A1BE}"/>
+          <p:cNvPr id="5" name="Immagine 4">
+            <a:extLst>
+              <a:ext uri="{FF2B5EF4-FFF2-40B4-BE49-F238E27FC236}">
+                <a16:creationId xmlns:a16="http://schemas.microsoft.com/office/drawing/2014/main" id="{D4C7E68B-7595-7125-E38B-AA9DAB4658D7}"/>
               </a:ext>
             </a:extLst>
           </p:cNvPr>
@@ -7655,7 +7754,7 @@
         </p:blipFill>
         <p:spPr>
           <a:xfrm>
-            <a:off x="304248" y="2259330"/>
+            <a:off x="5692140" y="2179320"/>
             <a:ext cx="5486682" cy="3657788"/>
           </a:xfrm>
           <a:prstGeom prst="rect">
@@ -7665,10 +7764,10 @@
       </p:pic>
       <p:pic>
         <p:nvPicPr>
-          <p:cNvPr id="31" name="Immagine 30" descr="Immagine che contiene testo, schermata, numero, diagramma&#10;&#10;Descrizione generata automaticamente">
-            <a:extLst>
-              <a:ext uri="{FF2B5EF4-FFF2-40B4-BE49-F238E27FC236}">
-                <a16:creationId xmlns:a16="http://schemas.microsoft.com/office/drawing/2014/main" id="{D8DBD714-3C9F-8801-5C59-D6C9EF072616}"/>
+          <p:cNvPr id="7" name="Immagine 6" descr="Immagine che contiene testo, schermata, numero, diagramma&#10;&#10;Descrizione generata automaticamente">
+            <a:extLst>
+              <a:ext uri="{FF2B5EF4-FFF2-40B4-BE49-F238E27FC236}">
+                <a16:creationId xmlns:a16="http://schemas.microsoft.com/office/drawing/2014/main" id="{044BA909-BEF3-2076-D4A4-082F69229582}"/>
               </a:ext>
             </a:extLst>
           </p:cNvPr>
@@ -7691,7 +7790,7 @@
         </p:blipFill>
         <p:spPr>
           <a:xfrm>
-            <a:off x="5468844" y="2259330"/>
+            <a:off x="464256" y="2179320"/>
             <a:ext cx="5486682" cy="3657788"/>
           </a:xfrm>
           <a:prstGeom prst="rect">
@@ -7922,13 +8021,13 @@
           <p:nvPr>
             <p:extLst>
               <p:ext uri="{D42A27DB-BD31-4B8C-83A1-F6EECF244321}">
-                <p14:modId xmlns:p14="http://schemas.microsoft.com/office/powerpoint/2010/main" val="2121048827"/>
+                <p14:modId xmlns:p14="http://schemas.microsoft.com/office/powerpoint/2010/main" val="804924939"/>
               </p:ext>
             </p:extLst>
           </p:nvPr>
         </p:nvGraphicFramePr>
         <p:xfrm>
-          <a:off x="1159866" y="2043323"/>
+          <a:off x="1159866" y="2104817"/>
           <a:ext cx="5488725" cy="3350358"/>
         </p:xfrm>
         <a:graphic>
@@ -8080,7 +8179,7 @@
                       <a:pPr algn="ctr"/>
                       <a:r>
                         <a:rPr lang="en-GB" sz="1400" noProof="0" dirty="0"/>
-                        <a:t>0.77</a:t>
+                        <a:t>0.76</a:t>
                       </a:r>
                     </a:p>
                   </a:txBody>
@@ -8094,7 +8193,7 @@
                       <a:pPr algn="ctr"/>
                       <a:r>
                         <a:rPr lang="en-GB" sz="1400" noProof="0" dirty="0"/>
-                        <a:t>0.55</a:t>
+                        <a:t>0.35</a:t>
                       </a:r>
                     </a:p>
                   </a:txBody>
@@ -8108,7 +8207,7 @@
                       <a:pPr algn="ctr"/>
                       <a:r>
                         <a:rPr lang="en-GB" sz="1400" noProof="0" dirty="0"/>
-                        <a:t>0.64</a:t>
+                        <a:t>0.48</a:t>
                       </a:r>
                     </a:p>
                   </a:txBody>
@@ -8164,7 +8263,7 @@
                       <a:pPr algn="ctr"/>
                       <a:r>
                         <a:rPr lang="en-GB" sz="1400" noProof="0" dirty="0"/>
-                        <a:t>0.10</a:t>
+                        <a:t>0.14</a:t>
                       </a:r>
                     </a:p>
                   </a:txBody>
@@ -8178,7 +8277,7 @@
                       <a:pPr algn="ctr"/>
                       <a:r>
                         <a:rPr lang="en-GB" sz="1400" noProof="0" dirty="0"/>
-                        <a:t>0.35</a:t>
+                        <a:t>0.72</a:t>
                       </a:r>
                     </a:p>
                   </a:txBody>
@@ -8192,7 +8291,7 @@
                       <a:pPr algn="ctr"/>
                       <a:r>
                         <a:rPr lang="en-GB" sz="1400" noProof="0" dirty="0"/>
-                        <a:t>0.16</a:t>
+                        <a:t>0.23</a:t>
                       </a:r>
                     </a:p>
                   </a:txBody>
@@ -8247,9 +8346,10 @@
                     <a:p>
                       <a:pPr algn="ctr"/>
                       <a:r>
-                        <a:rPr lang="en-GB" sz="1400" noProof="0" dirty="0"/>
+                        <a:rPr lang="en-GB" sz="1400" noProof="0"/>
                         <a:t>0.57</a:t>
                       </a:r>
+                      <a:endParaRPr lang="en-GB" sz="1400" noProof="0" dirty="0"/>
                     </a:p>
                   </a:txBody>
                   <a:tcPr anchor="ctr"/>
@@ -8261,9 +8361,10 @@
                     <a:p>
                       <a:pPr algn="ctr"/>
                       <a:r>
-                        <a:rPr lang="en-GB" sz="1400" noProof="0" dirty="0"/>
+                        <a:rPr lang="en-GB" sz="1400" noProof="0"/>
                         <a:t>0.25</a:t>
                       </a:r>
+                      <a:endParaRPr lang="en-GB" sz="1400" noProof="0" dirty="0"/>
                     </a:p>
                   </a:txBody>
                   <a:tcPr anchor="ctr"/>
@@ -8405,7 +8506,7 @@
                       <a:pPr algn="ctr"/>
                       <a:r>
                         <a:rPr lang="en-GB" sz="1400" noProof="0" dirty="0"/>
-                        <a:t>0.49</a:t>
+                        <a:t>0.38</a:t>
                       </a:r>
                     </a:p>
                   </a:txBody>
@@ -8459,7 +8560,7 @@
                       <a:pPr algn="ctr"/>
                       <a:r>
                         <a:rPr lang="en-GB" sz="1400" noProof="0" dirty="0"/>
-                        <a:t>0.48</a:t>
+                        <a:t>0.49</a:t>
                       </a:r>
                     </a:p>
                   </a:txBody>
@@ -8473,7 +8574,7 @@
                       <a:pPr algn="ctr"/>
                       <a:r>
                         <a:rPr lang="en-GB" sz="1400" noProof="0" dirty="0"/>
-                        <a:t>0.38</a:t>
+                        <a:t>0.44</a:t>
                       </a:r>
                     </a:p>
                   </a:txBody>
@@ -8487,7 +8588,7 @@
                       <a:pPr algn="ctr"/>
                       <a:r>
                         <a:rPr lang="en-GB" sz="1400" noProof="0" dirty="0"/>
-                        <a:t>0.38</a:t>
+                        <a:t>0.35</a:t>
                       </a:r>
                     </a:p>
                   </a:txBody>
@@ -8555,7 +8656,7 @@
                       <a:pPr algn="ctr"/>
                       <a:r>
                         <a:rPr lang="en-GB" sz="1400" noProof="0" dirty="0"/>
-                        <a:t>0.49</a:t>
+                        <a:t>0.38</a:t>
                       </a:r>
                     </a:p>
                   </a:txBody>
@@ -8569,7 +8670,7 @@
                       <a:pPr algn="ctr"/>
                       <a:r>
                         <a:rPr lang="en-GB" sz="1400" noProof="0" dirty="0"/>
-                        <a:t>0.55</a:t>
+                        <a:t>0.43</a:t>
                       </a:r>
                     </a:p>
                   </a:txBody>
@@ -8599,8 +8700,8 @@
           </a:graphicData>
         </a:graphic>
       </p:graphicFrame>
-      <mc:AlternateContent xmlns:mc="http://schemas.openxmlformats.org/markup-compatibility/2006">
-        <mc:Choice xmlns:a14="http://schemas.microsoft.com/office/drawing/2010/main" Requires="a14">
+      <mc:AlternateContent xmlns:mc="http://schemas.openxmlformats.org/markup-compatibility/2006" xmlns:a14="http://schemas.microsoft.com/office/drawing/2010/main">
+        <mc:Choice Requires="a14">
           <p:sp>
             <p:nvSpPr>
               <p:cNvPr id="7" name="CasellaDiTesto 6">
@@ -8629,6 +8730,7 @@
               </a:bodyPr>
               <a:lstStyle/>
               <a:p>
+                <a:pPr/>
                 <a14:m>
                   <m:oMathPara xmlns:m="http://schemas.openxmlformats.org/officeDocument/2006/math">
                     <m:oMathParaPr>
@@ -8692,7 +8794,7 @@
             </p:txBody>
           </p:sp>
         </mc:Choice>
-        <mc:Fallback>
+        <mc:Fallback xmlns="">
           <p:sp>
             <p:nvSpPr>
               <p:cNvPr id="7" name="CasellaDiTesto 6">
@@ -8737,8 +8839,8 @@
           </p:sp>
         </mc:Fallback>
       </mc:AlternateContent>
-      <mc:AlternateContent xmlns:mc="http://schemas.openxmlformats.org/markup-compatibility/2006">
-        <mc:Choice xmlns:a14="http://schemas.microsoft.com/office/drawing/2010/main" Requires="a14">
+      <mc:AlternateContent xmlns:mc="http://schemas.openxmlformats.org/markup-compatibility/2006" xmlns:a14="http://schemas.microsoft.com/office/drawing/2010/main">
+        <mc:Choice Requires="a14">
           <p:sp>
             <p:nvSpPr>
               <p:cNvPr id="8" name="CasellaDiTesto 7">
@@ -8767,6 +8869,7 @@
               </a:bodyPr>
               <a:lstStyle/>
               <a:p>
+                <a:pPr/>
                 <a14:m>
                   <m:oMathPara xmlns:m="http://schemas.openxmlformats.org/officeDocument/2006/math">
                     <m:oMathParaPr>
@@ -8830,7 +8933,7 @@
             </p:txBody>
           </p:sp>
         </mc:Choice>
-        <mc:Fallback>
+        <mc:Fallback xmlns="">
           <p:sp>
             <p:nvSpPr>
               <p:cNvPr id="8" name="CasellaDiTesto 7">
@@ -8875,8 +8978,8 @@
           </p:sp>
         </mc:Fallback>
       </mc:AlternateContent>
-      <mc:AlternateContent xmlns:mc="http://schemas.openxmlformats.org/markup-compatibility/2006">
-        <mc:Choice xmlns:a14="http://schemas.microsoft.com/office/drawing/2010/main" Requires="a14">
+      <mc:AlternateContent xmlns:mc="http://schemas.openxmlformats.org/markup-compatibility/2006" xmlns:a14="http://schemas.microsoft.com/office/drawing/2010/main">
+        <mc:Choice Requires="a14">
           <p:sp>
             <p:nvSpPr>
               <p:cNvPr id="10" name="CasellaDiTesto 9">
@@ -8905,6 +9008,7 @@
               </a:bodyPr>
               <a:lstStyle/>
               <a:p>
+                <a:pPr/>
                 <a14:m>
                   <m:oMathPara xmlns:m="http://schemas.openxmlformats.org/officeDocument/2006/math">
                     <m:oMathParaPr>
@@ -9005,7 +9109,7 @@
             </p:txBody>
           </p:sp>
         </mc:Choice>
-        <mc:Fallback>
+        <mc:Fallback xmlns="">
           <p:sp>
             <p:nvSpPr>
               <p:cNvPr id="10" name="CasellaDiTesto 9">
@@ -9050,8 +9154,8 @@
           </p:sp>
         </mc:Fallback>
       </mc:AlternateContent>
-      <mc:AlternateContent xmlns:mc="http://schemas.openxmlformats.org/markup-compatibility/2006">
-        <mc:Choice xmlns:a14="http://schemas.microsoft.com/office/drawing/2010/main" Requires="a14">
+      <mc:AlternateContent xmlns:mc="http://schemas.openxmlformats.org/markup-compatibility/2006" xmlns:a14="http://schemas.microsoft.com/office/drawing/2010/main">
+        <mc:Choice Requires="a14">
           <p:sp>
             <p:nvSpPr>
               <p:cNvPr id="13" name="CasellaDiTesto 12">
@@ -9080,6 +9184,7 @@
               </a:bodyPr>
               <a:lstStyle/>
               <a:p>
+                <a:pPr/>
                 <a14:m>
                   <m:oMathPara xmlns:m="http://schemas.openxmlformats.org/officeDocument/2006/math">
                     <m:oMathParaPr>
@@ -9179,7 +9284,7 @@
             </p:txBody>
           </p:sp>
         </mc:Choice>
-        <mc:Fallback>
+        <mc:Fallback xmlns="">
           <p:sp>
             <p:nvSpPr>
               <p:cNvPr id="13" name="CasellaDiTesto 12">
@@ -9669,45 +9774,11 @@
           <a:p>
             <a:r>
               <a:rPr lang="en-US" sz="1600" b="1" dirty="0"/>
-              <a:t>Map A is classified fairly well, </a:t>
+              <a:t>Map A, Map B and C are  bad classified</a:t>
             </a:r>
             <a:r>
               <a:rPr lang="en-US" sz="1600" dirty="0"/>
-              <a:t>with an </a:t>
-            </a:r>
-            <a:r>
-              <a:rPr lang="en-US" sz="1600" b="1" dirty="0"/>
-              <a:t>f1-score</a:t>
-            </a:r>
-            <a:r>
-              <a:rPr lang="en-US" sz="1600" dirty="0"/>
-              <a:t> of </a:t>
-            </a:r>
-            <a:r>
-              <a:rPr lang="en-US" sz="1600" b="1" dirty="0"/>
-              <a:t>0.64</a:t>
-            </a:r>
-            <a:r>
-              <a:rPr lang="en-US" sz="1600" dirty="0"/>
-              <a:t>, indicating </a:t>
-            </a:r>
-            <a:r>
-              <a:rPr lang="en-US" sz="1600" b="1" dirty="0"/>
-              <a:t>sufficient</a:t>
-            </a:r>
-            <a:r>
-              <a:rPr lang="en-US" sz="1600" dirty="0"/>
-              <a:t> performance</a:t>
-            </a:r>
-          </a:p>
-          <a:p>
-            <a:r>
-              <a:rPr lang="en-US" sz="1600" b="1" dirty="0"/>
-              <a:t>Map B and C are  bad classified</a:t>
-            </a:r>
-            <a:r>
-              <a:rPr lang="en-US" sz="1600" dirty="0"/>
-              <a:t>, with a very </a:t>
+              <a:t>, with a </a:t>
             </a:r>
             <a:r>
               <a:rPr lang="en-US" sz="1600" b="1" dirty="0"/>

--- a/Documentation/5. Heuristic classifier.pptx
+++ b/Documentation/5. Heuristic classifier.pptx
@@ -6302,7 +6302,7 @@
         </p:nvSpPr>
         <p:spPr>
           <a:xfrm>
-            <a:off x="607277" y="1606159"/>
+            <a:off x="218694" y="1483770"/>
             <a:ext cx="9743731" cy="4127129"/>
           </a:xfrm>
         </p:spPr>
@@ -6465,7 +6465,7 @@
         </p:nvSpPr>
         <p:spPr>
           <a:xfrm>
-            <a:off x="1320909" y="4500439"/>
+            <a:off x="745236" y="4296525"/>
             <a:ext cx="1591056" cy="585216"/>
           </a:xfrm>
           <a:prstGeom prst="roundRect">
@@ -6512,10 +6512,10 @@
       </p:sp>
       <p:sp>
         <p:nvSpPr>
-          <p:cNvPr id="5" name="Rettangolo con angoli arrotondati 4">
-            <a:extLst>
-              <a:ext uri="{FF2B5EF4-FFF2-40B4-BE49-F238E27FC236}">
-                <a16:creationId xmlns:a16="http://schemas.microsoft.com/office/drawing/2014/main" id="{825F59FB-A1A7-A26F-B08F-0467319CB1D3}"/>
+          <p:cNvPr id="6" name="Rettangolo 5">
+            <a:extLst>
+              <a:ext uri="{FF2B5EF4-FFF2-40B4-BE49-F238E27FC236}">
+                <a16:creationId xmlns:a16="http://schemas.microsoft.com/office/drawing/2014/main" id="{27C7E533-25B4-11AD-3FD3-26377F6DDABC}"/>
               </a:ext>
             </a:extLst>
           </p:cNvPr>
@@ -6524,66 +6524,7 @@
         </p:nvSpPr>
         <p:spPr>
           <a:xfrm>
-            <a:off x="3625596" y="4334255"/>
-            <a:ext cx="1591056" cy="917585"/>
-          </a:xfrm>
-          <a:prstGeom prst="roundRect">
-            <a:avLst/>
-          </a:prstGeom>
-          <a:noFill/>
-          <a:ln w="28575">
-            <a:solidFill>
-              <a:srgbClr val="0070C0"/>
-            </a:solidFill>
-          </a:ln>
-        </p:spPr>
-        <p:style>
-          <a:lnRef idx="2">
-            <a:schemeClr val="accent1">
-              <a:shade val="15000"/>
-            </a:schemeClr>
-          </a:lnRef>
-          <a:fillRef idx="1">
-            <a:schemeClr val="accent1"/>
-          </a:fillRef>
-          <a:effectRef idx="0">
-            <a:schemeClr val="accent1"/>
-          </a:effectRef>
-          <a:fontRef idx="minor">
-            <a:schemeClr val="lt1"/>
-          </a:fontRef>
-        </p:style>
-        <p:txBody>
-          <a:bodyPr rtlCol="0" anchor="ctr"/>
-          <a:lstStyle/>
-          <a:p>
-            <a:pPr algn="ctr"/>
-            <a:r>
-              <a:rPr lang="en-GB" sz="1400" dirty="0">
-                <a:solidFill>
-                  <a:schemeClr val="tx1"/>
-                </a:solidFill>
-              </a:rPr>
-              <a:t>Does the signal have an atrial peak higher than ventricular one?</a:t>
-            </a:r>
-          </a:p>
-        </p:txBody>
-      </p:sp>
-      <p:sp>
-        <p:nvSpPr>
-          <p:cNvPr id="6" name="Rettangolo 5">
-            <a:extLst>
-              <a:ext uri="{FF2B5EF4-FFF2-40B4-BE49-F238E27FC236}">
-                <a16:creationId xmlns:a16="http://schemas.microsoft.com/office/drawing/2014/main" id="{27C7E533-25B4-11AD-3FD3-26377F6DDABC}"/>
-              </a:ext>
-            </a:extLst>
-          </p:cNvPr>
-          <p:cNvSpPr/>
-          <p:nvPr/>
-        </p:nvSpPr>
-        <p:spPr>
-          <a:xfrm>
-            <a:off x="1750677" y="5819067"/>
+            <a:off x="1175004" y="5975145"/>
             <a:ext cx="731520" cy="247018"/>
           </a:xfrm>
           <a:prstGeom prst="rect">
@@ -6634,7 +6575,7 @@
         </p:nvSpPr>
         <p:spPr>
           <a:xfrm>
-            <a:off x="5876673" y="4669538"/>
+            <a:off x="4435957" y="5979973"/>
             <a:ext cx="731520" cy="247018"/>
           </a:xfrm>
           <a:prstGeom prst="rect">
@@ -6685,7 +6626,7 @@
         </p:nvSpPr>
         <p:spPr>
           <a:xfrm>
-            <a:off x="4053441" y="5816149"/>
+            <a:off x="7246508" y="4461596"/>
             <a:ext cx="731520" cy="247018"/>
           </a:xfrm>
           <a:prstGeom prst="rect">
@@ -6739,8 +6680,8 @@
         </p:nvCxnSpPr>
         <p:spPr>
           <a:xfrm>
-            <a:off x="2116437" y="5085655"/>
-            <a:ext cx="0" cy="733412"/>
+            <a:off x="1540764" y="4881741"/>
+            <a:ext cx="0" cy="1093404"/>
           </a:xfrm>
           <a:prstGeom prst="straightConnector1">
             <a:avLst/>
@@ -6782,8 +6723,8 @@
         </p:nvCxnSpPr>
         <p:spPr>
           <a:xfrm>
-            <a:off x="2911965" y="4793047"/>
-            <a:ext cx="713631" cy="1"/>
+            <a:off x="2336292" y="4589133"/>
+            <a:ext cx="802812" cy="0"/>
           </a:xfrm>
           <a:prstGeom prst="straightConnector1">
             <a:avLst/>
@@ -6819,14 +6760,14 @@
           <p:cNvCxnSpPr>
             <a:cxnSpLocks/>
             <a:stCxn id="5" idx="3"/>
-            <a:endCxn id="7" idx="1"/>
+            <a:endCxn id="8" idx="1"/>
           </p:cNvCxnSpPr>
           <p:nvPr/>
         </p:nvCxnSpPr>
         <p:spPr>
           <a:xfrm flipV="1">
-            <a:off x="5216652" y="4793047"/>
-            <a:ext cx="660021" cy="1"/>
+            <a:off x="6464330" y="4585105"/>
+            <a:ext cx="782178" cy="4028"/>
           </a:xfrm>
           <a:prstGeom prst="straightConnector1">
             <a:avLst/>
@@ -6861,14 +6802,15 @@
           </p:cNvPr>
           <p:cNvCxnSpPr>
             <a:cxnSpLocks/>
-            <a:endCxn id="8" idx="0"/>
+            <a:stCxn id="5" idx="2"/>
+            <a:endCxn id="7" idx="0"/>
           </p:cNvCxnSpPr>
           <p:nvPr/>
         </p:nvCxnSpPr>
         <p:spPr>
-          <a:xfrm flipH="1">
-            <a:off x="4419201" y="5242696"/>
-            <a:ext cx="6495" cy="573453"/>
+          <a:xfrm>
+            <a:off x="4801717" y="4962259"/>
+            <a:ext cx="0" cy="1017714"/>
           </a:xfrm>
           <a:prstGeom prst="straightConnector1">
             <a:avLst/>
@@ -6906,7 +6848,7 @@
         </p:nvSpPr>
         <p:spPr>
           <a:xfrm>
-            <a:off x="3011424" y="4477686"/>
+            <a:off x="2421348" y="4216006"/>
             <a:ext cx="505968" cy="307777"/>
           </a:xfrm>
           <a:prstGeom prst="rect">
@@ -6941,7 +6883,7 @@
         </p:nvSpPr>
         <p:spPr>
           <a:xfrm>
-            <a:off x="5316112" y="4477685"/>
+            <a:off x="6541407" y="4244277"/>
             <a:ext cx="505968" cy="307777"/>
           </a:xfrm>
           <a:prstGeom prst="rect">
@@ -6976,7 +6918,7 @@
         </p:nvSpPr>
         <p:spPr>
           <a:xfrm>
-            <a:off x="4421124" y="5381564"/>
+            <a:off x="4811978" y="5333719"/>
             <a:ext cx="505968" cy="307777"/>
           </a:xfrm>
           <a:prstGeom prst="rect">
@@ -7011,7 +6953,7 @@
         </p:nvSpPr>
         <p:spPr>
           <a:xfrm>
-            <a:off x="2116436" y="5381564"/>
+            <a:off x="1527613" y="5364317"/>
             <a:ext cx="505968" cy="307777"/>
           </a:xfrm>
           <a:prstGeom prst="rect">
@@ -7093,7 +7035,7 @@
         </p:nvSpPr>
         <p:spPr>
           <a:xfrm>
-            <a:off x="7490461" y="4333180"/>
+            <a:off x="8107832" y="4282680"/>
             <a:ext cx="3863339" cy="1606478"/>
           </a:xfrm>
           <a:prstGeom prst="roundRect">
@@ -7222,7 +7164,7 @@
             </a:r>
             <a:r>
               <a:rPr lang="en-GB" sz="1200" dirty="0"/>
-              <a:t> (e.g. noisy record).</a:t>
+              <a:t> (e.g. noisy record), because the first condition is “does the signal have a ventricular peak”.</a:t>
             </a:r>
           </a:p>
           <a:p>
@@ -7273,6 +7215,245 @@
           </a:p>
         </p:txBody>
       </p:sp>
+      <p:grpSp>
+        <p:nvGrpSpPr>
+          <p:cNvPr id="37" name="Gruppo 36">
+            <a:extLst>
+              <a:ext uri="{FF2B5EF4-FFF2-40B4-BE49-F238E27FC236}">
+                <a16:creationId xmlns:a16="http://schemas.microsoft.com/office/drawing/2014/main" id="{DB981D36-CFF4-0C9A-96C7-EBD2B708F679}"/>
+              </a:ext>
+            </a:extLst>
+          </p:cNvPr>
+          <p:cNvGrpSpPr/>
+          <p:nvPr/>
+        </p:nvGrpSpPr>
+        <p:grpSpPr>
+          <a:xfrm>
+            <a:off x="3139104" y="4216006"/>
+            <a:ext cx="3325226" cy="746253"/>
+            <a:chOff x="3625596" y="3904489"/>
+            <a:chExt cx="1591056" cy="746253"/>
+          </a:xfrm>
+        </p:grpSpPr>
+        <p:sp>
+          <p:nvSpPr>
+            <p:cNvPr id="5" name="Rettangolo con angoli arrotondati 4">
+              <a:extLst>
+                <a:ext uri="{FF2B5EF4-FFF2-40B4-BE49-F238E27FC236}">
+                  <a16:creationId xmlns:a16="http://schemas.microsoft.com/office/drawing/2014/main" id="{825F59FB-A1A7-A26F-B08F-0467319CB1D3}"/>
+                </a:ext>
+              </a:extLst>
+            </p:cNvPr>
+            <p:cNvSpPr/>
+            <p:nvPr/>
+          </p:nvSpPr>
+          <p:spPr>
+            <a:xfrm>
+              <a:off x="3625596" y="3904489"/>
+              <a:ext cx="1591056" cy="746253"/>
+            </a:xfrm>
+            <a:prstGeom prst="roundRect">
+              <a:avLst>
+                <a:gd name="adj" fmla="val 6370"/>
+              </a:avLst>
+            </a:prstGeom>
+            <a:noFill/>
+            <a:ln w="28575">
+              <a:solidFill>
+                <a:schemeClr val="accent5">
+                  <a:lumMod val="40000"/>
+                  <a:lumOff val="60000"/>
+                </a:schemeClr>
+              </a:solidFill>
+            </a:ln>
+          </p:spPr>
+          <p:style>
+            <a:lnRef idx="2">
+              <a:schemeClr val="accent1">
+                <a:shade val="15000"/>
+              </a:schemeClr>
+            </a:lnRef>
+            <a:fillRef idx="1">
+              <a:schemeClr val="accent1"/>
+            </a:fillRef>
+            <a:effectRef idx="0">
+              <a:schemeClr val="accent1"/>
+            </a:effectRef>
+            <a:fontRef idx="minor">
+              <a:schemeClr val="lt1"/>
+            </a:fontRef>
+          </p:style>
+          <p:txBody>
+            <a:bodyPr rtlCol="0" anchor="ctr"/>
+            <a:lstStyle/>
+            <a:p>
+              <a:pPr algn="ctr"/>
+              <a:endParaRPr lang="en-GB" sz="1400" dirty="0">
+                <a:solidFill>
+                  <a:schemeClr val="tx1"/>
+                </a:solidFill>
+              </a:endParaRPr>
+            </a:p>
+          </p:txBody>
+        </p:sp>
+        <p:sp>
+          <p:nvSpPr>
+            <p:cNvPr id="24" name="Rettangolo con angoli arrotondati 23">
+              <a:extLst>
+                <a:ext uri="{FF2B5EF4-FFF2-40B4-BE49-F238E27FC236}">
+                  <a16:creationId xmlns:a16="http://schemas.microsoft.com/office/drawing/2014/main" id="{57E7D106-18C7-8840-1832-D203EB595DC6}"/>
+                </a:ext>
+              </a:extLst>
+            </p:cNvPr>
+            <p:cNvSpPr/>
+            <p:nvPr/>
+          </p:nvSpPr>
+          <p:spPr>
+            <a:xfrm>
+              <a:off x="4509138" y="3979672"/>
+              <a:ext cx="670344" cy="605565"/>
+            </a:xfrm>
+            <a:prstGeom prst="roundRect">
+              <a:avLst/>
+            </a:prstGeom>
+            <a:noFill/>
+            <a:ln w="28575">
+              <a:solidFill>
+                <a:srgbClr val="0070C0"/>
+              </a:solidFill>
+            </a:ln>
+          </p:spPr>
+          <p:style>
+            <a:lnRef idx="2">
+              <a:schemeClr val="accent1">
+                <a:shade val="15000"/>
+              </a:schemeClr>
+            </a:lnRef>
+            <a:fillRef idx="1">
+              <a:schemeClr val="accent1"/>
+            </a:fillRef>
+            <a:effectRef idx="0">
+              <a:schemeClr val="accent1"/>
+            </a:effectRef>
+            <a:fontRef idx="minor">
+              <a:schemeClr val="lt1"/>
+            </a:fontRef>
+          </p:style>
+          <p:txBody>
+            <a:bodyPr rtlCol="0" anchor="ctr"/>
+            <a:lstStyle/>
+            <a:p>
+              <a:pPr algn="ctr"/>
+              <a:r>
+                <a:rPr lang="en-GB" sz="1200" dirty="0">
+                  <a:solidFill>
+                    <a:schemeClr val="tx1"/>
+                  </a:solidFill>
+                </a:rPr>
+                <a:t>Does the signal have a ventricular  peak? </a:t>
+              </a:r>
+            </a:p>
+          </p:txBody>
+        </p:sp>
+        <p:sp>
+          <p:nvSpPr>
+            <p:cNvPr id="26" name="Rettangolo con angoli arrotondati 25">
+              <a:extLst>
+                <a:ext uri="{FF2B5EF4-FFF2-40B4-BE49-F238E27FC236}">
+                  <a16:creationId xmlns:a16="http://schemas.microsoft.com/office/drawing/2014/main" id="{D0ED1A5E-1EBD-CA70-9475-20C2CEBF59BF}"/>
+                </a:ext>
+              </a:extLst>
+            </p:cNvPr>
+            <p:cNvSpPr/>
+            <p:nvPr/>
+          </p:nvSpPr>
+          <p:spPr>
+            <a:xfrm>
+              <a:off x="3662476" y="3987557"/>
+              <a:ext cx="670344" cy="597680"/>
+            </a:xfrm>
+            <a:prstGeom prst="roundRect">
+              <a:avLst/>
+            </a:prstGeom>
+            <a:noFill/>
+            <a:ln w="28575">
+              <a:solidFill>
+                <a:srgbClr val="0070C0"/>
+              </a:solidFill>
+            </a:ln>
+          </p:spPr>
+          <p:style>
+            <a:lnRef idx="2">
+              <a:schemeClr val="accent1">
+                <a:shade val="15000"/>
+              </a:schemeClr>
+            </a:lnRef>
+            <a:fillRef idx="1">
+              <a:schemeClr val="accent1"/>
+            </a:fillRef>
+            <a:effectRef idx="0">
+              <a:schemeClr val="accent1"/>
+            </a:effectRef>
+            <a:fontRef idx="minor">
+              <a:schemeClr val="lt1"/>
+            </a:fontRef>
+          </p:style>
+          <p:txBody>
+            <a:bodyPr rtlCol="0" anchor="ctr"/>
+            <a:lstStyle/>
+            <a:p>
+              <a:pPr algn="ctr"/>
+              <a:r>
+                <a:rPr lang="en-GB" sz="1200" dirty="0">
+                  <a:solidFill>
+                    <a:schemeClr val="tx1"/>
+                  </a:solidFill>
+                </a:rPr>
+                <a:t>Is the ventricular peak lower than atrial one?</a:t>
+              </a:r>
+            </a:p>
+          </p:txBody>
+        </p:sp>
+        <p:sp>
+          <p:nvSpPr>
+            <p:cNvPr id="31" name="CasellaDiTesto 30">
+              <a:extLst>
+                <a:ext uri="{FF2B5EF4-FFF2-40B4-BE49-F238E27FC236}">
+                  <a16:creationId xmlns:a16="http://schemas.microsoft.com/office/drawing/2014/main" id="{1F0F3E7D-7C19-2F1C-C77E-B532BE5DCDF0}"/>
+                </a:ext>
+              </a:extLst>
+            </p:cNvPr>
+            <p:cNvSpPr txBox="1"/>
+            <p:nvPr/>
+          </p:nvSpPr>
+          <p:spPr>
+            <a:xfrm>
+              <a:off x="4315215" y="4128565"/>
+              <a:ext cx="217044" cy="307777"/>
+            </a:xfrm>
+            <a:prstGeom prst="rect">
+              <a:avLst/>
+            </a:prstGeom>
+            <a:noFill/>
+          </p:spPr>
+          <p:txBody>
+            <a:bodyPr wrap="square" rtlCol="0">
+              <a:spAutoFit/>
+            </a:bodyPr>
+            <a:lstStyle/>
+            <a:p>
+              <a:r>
+                <a:rPr lang="it-IT" sz="1400" b="1" dirty="0">
+                  <a:solidFill>
+                    <a:srgbClr val="0070C0"/>
+                  </a:solidFill>
+                </a:rPr>
+                <a:t>OR</a:t>
+              </a:r>
+            </a:p>
+          </p:txBody>
+        </p:sp>
+      </p:grpSp>
     </p:spTree>
     <p:extLst>
       <p:ext uri="{BB962C8B-B14F-4D97-AF65-F5344CB8AC3E}">
@@ -7728,10 +7909,10 @@
       </p:sp>
       <p:pic>
         <p:nvPicPr>
-          <p:cNvPr id="5" name="Immagine 4">
-            <a:extLst>
-              <a:ext uri="{FF2B5EF4-FFF2-40B4-BE49-F238E27FC236}">
-                <a16:creationId xmlns:a16="http://schemas.microsoft.com/office/drawing/2014/main" id="{D4C7E68B-7595-7125-E38B-AA9DAB4658D7}"/>
+          <p:cNvPr id="6" name="Immagine 5" descr="Immagine che contiene testo, schermata, numero, Carattere&#10;&#10;Descrizione generata automaticamente">
+            <a:extLst>
+              <a:ext uri="{FF2B5EF4-FFF2-40B4-BE49-F238E27FC236}">
+                <a16:creationId xmlns:a16="http://schemas.microsoft.com/office/drawing/2014/main" id="{DCF0BA9F-AA61-36B4-A040-3156D9285655}"/>
               </a:ext>
             </a:extLst>
           </p:cNvPr>
@@ -7754,7 +7935,7 @@
         </p:blipFill>
         <p:spPr>
           <a:xfrm>
-            <a:off x="5692140" y="2179320"/>
+            <a:off x="5790930" y="2120523"/>
             <a:ext cx="5486682" cy="3657788"/>
           </a:xfrm>
           <a:prstGeom prst="rect">
@@ -7764,10 +7945,10 @@
       </p:pic>
       <p:pic>
         <p:nvPicPr>
-          <p:cNvPr id="7" name="Immagine 6" descr="Immagine che contiene testo, schermata, numero, diagramma&#10;&#10;Descrizione generata automaticamente">
-            <a:extLst>
-              <a:ext uri="{FF2B5EF4-FFF2-40B4-BE49-F238E27FC236}">
-                <a16:creationId xmlns:a16="http://schemas.microsoft.com/office/drawing/2014/main" id="{044BA909-BEF3-2076-D4A4-082F69229582}"/>
+          <p:cNvPr id="10" name="Immagine 9" descr="Immagine che contiene testo, schermata, numero, Carattere&#10;&#10;Descrizione generata automaticamente">
+            <a:extLst>
+              <a:ext uri="{FF2B5EF4-FFF2-40B4-BE49-F238E27FC236}">
+                <a16:creationId xmlns:a16="http://schemas.microsoft.com/office/drawing/2014/main" id="{BA787D21-AB9C-D701-53B1-E114E7F0E6BA}"/>
               </a:ext>
             </a:extLst>
           </p:cNvPr>
@@ -7790,7 +7971,7 @@
         </p:blipFill>
         <p:spPr>
           <a:xfrm>
-            <a:off x="464256" y="2179320"/>
+            <a:off x="607277" y="2120523"/>
             <a:ext cx="5486682" cy="3657788"/>
           </a:xfrm>
           <a:prstGeom prst="rect">
@@ -8021,7 +8202,7 @@
           <p:nvPr>
             <p:extLst>
               <p:ext uri="{D42A27DB-BD31-4B8C-83A1-F6EECF244321}">
-                <p14:modId xmlns:p14="http://schemas.microsoft.com/office/powerpoint/2010/main" val="804924939"/>
+                <p14:modId xmlns:p14="http://schemas.microsoft.com/office/powerpoint/2010/main" val="529515908"/>
               </p:ext>
             </p:extLst>
           </p:nvPr>
@@ -8179,7 +8360,7 @@
                       <a:pPr algn="ctr"/>
                       <a:r>
                         <a:rPr lang="en-GB" sz="1400" noProof="0" dirty="0"/>
-                        <a:t>0.76</a:t>
+                        <a:t>0.82</a:t>
                       </a:r>
                     </a:p>
                   </a:txBody>
@@ -8193,7 +8374,7 @@
                       <a:pPr algn="ctr"/>
                       <a:r>
                         <a:rPr lang="en-GB" sz="1400" noProof="0" dirty="0"/>
-                        <a:t>0.35</a:t>
+                        <a:t>0.42</a:t>
                       </a:r>
                     </a:p>
                   </a:txBody>
@@ -8207,7 +8388,7 @@
                       <a:pPr algn="ctr"/>
                       <a:r>
                         <a:rPr lang="en-GB" sz="1400" noProof="0" dirty="0"/>
-                        <a:t>0.48</a:t>
+                        <a:t>0.56</a:t>
                       </a:r>
                     </a:p>
                   </a:txBody>
@@ -8263,7 +8444,7 @@
                       <a:pPr algn="ctr"/>
                       <a:r>
                         <a:rPr lang="en-GB" sz="1400" noProof="0" dirty="0"/>
-                        <a:t>0.14</a:t>
+                        <a:t>0.13</a:t>
                       </a:r>
                     </a:p>
                   </a:txBody>
@@ -8277,7 +8458,7 @@
                       <a:pPr algn="ctr"/>
                       <a:r>
                         <a:rPr lang="en-GB" sz="1400" noProof="0" dirty="0"/>
-                        <a:t>0.72</a:t>
+                        <a:t>0.63</a:t>
                       </a:r>
                     </a:p>
                   </a:txBody>
@@ -8291,7 +8472,7 @@
                       <a:pPr algn="ctr"/>
                       <a:r>
                         <a:rPr lang="en-GB" sz="1400" noProof="0" dirty="0"/>
-                        <a:t>0.23</a:t>
+                        <a:t>0.22</a:t>
                       </a:r>
                     </a:p>
                   </a:txBody>
@@ -8346,10 +8527,9 @@
                     <a:p>
                       <a:pPr algn="ctr"/>
                       <a:r>
-                        <a:rPr lang="en-GB" sz="1400" noProof="0"/>
+                        <a:rPr lang="en-GB" sz="1400" noProof="0" dirty="0"/>
                         <a:t>0.57</a:t>
                       </a:r>
-                      <a:endParaRPr lang="en-GB" sz="1400" noProof="0" dirty="0"/>
                     </a:p>
                   </a:txBody>
                   <a:tcPr anchor="ctr"/>
@@ -8361,10 +8541,9 @@
                     <a:p>
                       <a:pPr algn="ctr"/>
                       <a:r>
-                        <a:rPr lang="en-GB" sz="1400" noProof="0"/>
+                        <a:rPr lang="en-GB" sz="1400" noProof="0" dirty="0"/>
                         <a:t>0.25</a:t>
                       </a:r>
-                      <a:endParaRPr lang="en-GB" sz="1400" noProof="0" dirty="0"/>
                     </a:p>
                   </a:txBody>
                   <a:tcPr anchor="ctr"/>
@@ -8506,7 +8685,7 @@
                       <a:pPr algn="ctr"/>
                       <a:r>
                         <a:rPr lang="en-GB" sz="1400" noProof="0" dirty="0"/>
-                        <a:t>0.38</a:t>
+                        <a:t>0.43</a:t>
                       </a:r>
                     </a:p>
                   </a:txBody>
@@ -8560,7 +8739,7 @@
                       <a:pPr algn="ctr"/>
                       <a:r>
                         <a:rPr lang="en-GB" sz="1400" noProof="0" dirty="0"/>
-                        <a:t>0.49</a:t>
+                        <a:t>0.50</a:t>
                       </a:r>
                     </a:p>
                   </a:txBody>
@@ -8574,7 +8753,7 @@
                       <a:pPr algn="ctr"/>
                       <a:r>
                         <a:rPr lang="en-GB" sz="1400" noProof="0" dirty="0"/>
-                        <a:t>0.44</a:t>
+                        <a:t>0.43</a:t>
                       </a:r>
                     </a:p>
                   </a:txBody>
@@ -8588,7 +8767,7 @@
                       <a:pPr algn="ctr"/>
                       <a:r>
                         <a:rPr lang="en-GB" sz="1400" noProof="0" dirty="0"/>
-                        <a:t>0.35</a:t>
+                        <a:t>0.37</a:t>
                       </a:r>
                     </a:p>
                   </a:txBody>
@@ -8642,21 +8821,7 @@
                       <a:pPr algn="ctr"/>
                       <a:r>
                         <a:rPr lang="en-GB" sz="1400" noProof="0" dirty="0"/>
-                        <a:t>0.67</a:t>
-                      </a:r>
-                    </a:p>
-                  </a:txBody>
-                  <a:tcPr anchor="ctr"/>
-                </a:tc>
-                <a:tc>
-                  <a:txBody>
-                    <a:bodyPr/>
-                    <a:lstStyle/>
-                    <a:p>
-                      <a:pPr algn="ctr"/>
-                      <a:r>
-                        <a:rPr lang="en-GB" sz="1400" noProof="0" dirty="0"/>
-                        <a:t>0.38</a:t>
+                        <a:t>0.71</a:t>
                       </a:r>
                     </a:p>
                   </a:txBody>
@@ -8671,6 +8836,20 @@
                       <a:r>
                         <a:rPr lang="en-GB" sz="1400" noProof="0" dirty="0"/>
                         <a:t>0.43</a:t>
+                      </a:r>
+                    </a:p>
+                  </a:txBody>
+                  <a:tcPr anchor="ctr"/>
+                </a:tc>
+                <a:tc>
+                  <a:txBody>
+                    <a:bodyPr/>
+                    <a:lstStyle/>
+                    <a:p>
+                      <a:pPr algn="ctr"/>
+                      <a:r>
+                        <a:rPr lang="en-GB" sz="1400" noProof="0" dirty="0"/>
+                        <a:t>0.49</a:t>
                       </a:r>
                     </a:p>
                   </a:txBody>
@@ -9768,13 +9947,24 @@
             </a:pPr>
             <a:r>
               <a:rPr lang="en-US" sz="1600" dirty="0"/>
-              <a:t>In general:</a:t>
+              <a:t>In general, performance are not satisfying, as it could be imaged. Precisely:</a:t>
             </a:r>
           </a:p>
           <a:p>
             <a:r>
               <a:rPr lang="en-US" sz="1600" b="1" dirty="0"/>
-              <a:t>Map A, Map B and C are  bad classified</a:t>
+              <a:t>Map A, </a:t>
+            </a:r>
+            <a:r>
+              <a:rPr lang="en-US" sz="1600" dirty="0"/>
+              <a:t>is fairly well classified, with sufficient f1-score and good precision, but low recall, meaning that there’s a huge percentage of FN.</a:t>
+            </a:r>
+            <a:endParaRPr lang="en-US" sz="1600" b="1" dirty="0"/>
+          </a:p>
+          <a:p>
+            <a:r>
+              <a:rPr lang="en-US" sz="1600" b="1" dirty="0"/>
+              <a:t>Map B and C are  bad classified</a:t>
             </a:r>
             <a:r>
               <a:rPr lang="en-US" sz="1600" dirty="0"/>
@@ -9786,14 +9976,64 @@
             </a:r>
             <a:r>
               <a:rPr lang="en-US" sz="1600" dirty="0"/>
-              <a:t>This leads to the conclusion that the </a:t>
+              <a:t>It should be noted that </a:t>
             </a:r>
             <a:r>
               <a:rPr lang="en-US" sz="1600" b="1" dirty="0"/>
-              <a:t>heuristic classifier does not correctly classify these classes, with a high rate of positive samples misclassified or with high rate of false positive.</a:t>
-            </a:r>
-          </a:p>
-          <a:p>
+              <a:t>Map B</a:t>
+            </a:r>
+            <a:r>
+              <a:rPr lang="en-US" sz="1600" dirty="0"/>
+              <a:t> has </a:t>
+            </a:r>
+            <a:r>
+              <a:rPr lang="en-US" sz="1600" b="1" dirty="0"/>
+              <a:t>sufficient</a:t>
+            </a:r>
+            <a:r>
+              <a:rPr lang="en-US" sz="1600" dirty="0"/>
+              <a:t> </a:t>
+            </a:r>
+            <a:r>
+              <a:rPr lang="en-US" sz="1600" b="1" dirty="0"/>
+              <a:t>recall</a:t>
+            </a:r>
+            <a:r>
+              <a:rPr lang="en-US" sz="1600" dirty="0"/>
+              <a:t> (i.e.,. FN are less than TP), while </a:t>
+            </a:r>
+            <a:r>
+              <a:rPr lang="en-US" sz="1600" b="1" dirty="0"/>
+              <a:t>Map</a:t>
+            </a:r>
+            <a:r>
+              <a:rPr lang="en-US" sz="1600" dirty="0"/>
+              <a:t> </a:t>
+            </a:r>
+            <a:r>
+              <a:rPr lang="en-US" sz="1600" b="1" dirty="0"/>
+              <a:t>C</a:t>
+            </a:r>
+            <a:r>
+              <a:rPr lang="en-US" sz="1600" dirty="0"/>
+              <a:t> has a </a:t>
+            </a:r>
+            <a:r>
+              <a:rPr lang="en-US" sz="1600" b="1" dirty="0"/>
+              <a:t>sufficient</a:t>
+            </a:r>
+            <a:r>
+              <a:rPr lang="en-US" sz="1600" dirty="0"/>
+              <a:t> </a:t>
+            </a:r>
+            <a:r>
+              <a:rPr lang="en-US" sz="1600" b="1" dirty="0"/>
+              <a:t>precision</a:t>
+            </a:r>
+            <a:r>
+              <a:rPr lang="en-US" sz="1600" dirty="0"/>
+              <a:t> (i.e., FP are less than TP)</a:t>
+            </a:r>
             <a:endParaRPr lang="en-US" sz="1600" b="1" dirty="0"/>
           </a:p>
           <a:p>

--- a/Documentation/5. Heuristic classifier.pptx
+++ b/Documentation/5. Heuristic classifier.pptx
@@ -5,7 +5,7 @@
     <p:sldMasterId id="2147483661" r:id="rId1"/>
   </p:sldMasterIdLst>
   <p:notesMasterIdLst>
-    <p:notesMasterId r:id="rId18"/>
+    <p:notesMasterId r:id="rId28"/>
   </p:notesMasterIdLst>
   <p:sldIdLst>
     <p:sldId id="573" r:id="rId2"/>
@@ -17,13 +17,23 @@
     <p:sldId id="632" r:id="rId8"/>
     <p:sldId id="633" r:id="rId9"/>
     <p:sldId id="634" r:id="rId10"/>
-    <p:sldId id="641" r:id="rId11"/>
-    <p:sldId id="635" r:id="rId12"/>
-    <p:sldId id="642" r:id="rId13"/>
-    <p:sldId id="636" r:id="rId14"/>
-    <p:sldId id="637" r:id="rId15"/>
-    <p:sldId id="643" r:id="rId16"/>
-    <p:sldId id="638" r:id="rId17"/>
+    <p:sldId id="644" r:id="rId11"/>
+    <p:sldId id="641" r:id="rId12"/>
+    <p:sldId id="635" r:id="rId13"/>
+    <p:sldId id="650" r:id="rId14"/>
+    <p:sldId id="642" r:id="rId15"/>
+    <p:sldId id="651" r:id="rId16"/>
+    <p:sldId id="652" r:id="rId17"/>
+    <p:sldId id="653" r:id="rId18"/>
+    <p:sldId id="647" r:id="rId19"/>
+    <p:sldId id="648" r:id="rId20"/>
+    <p:sldId id="649" r:id="rId21"/>
+    <p:sldId id="636" r:id="rId22"/>
+    <p:sldId id="645" r:id="rId23"/>
+    <p:sldId id="637" r:id="rId24"/>
+    <p:sldId id="646" r:id="rId25"/>
+    <p:sldId id="643" r:id="rId26"/>
+    <p:sldId id="638" r:id="rId27"/>
   </p:sldIdLst>
   <p:sldSz cx="12192000" cy="6858000"/>
   <p:notesSz cx="6858000" cy="9144000"/>
@@ -571,6 +581,114 @@
         <p:cNvPr id="1" name="">
           <a:extLst>
             <a:ext uri="{FF2B5EF4-FFF2-40B4-BE49-F238E27FC236}">
+              <a16:creationId xmlns:a16="http://schemas.microsoft.com/office/drawing/2014/main" id="{04FE3C3A-E7F1-3A0C-EC96-05D47DE9865C}"/>
+            </a:ext>
+          </a:extLst>
+        </p:cNvPr>
+        <p:cNvGrpSpPr/>
+        <p:nvPr/>
+      </p:nvGrpSpPr>
+      <p:grpSpPr>
+        <a:xfrm>
+          <a:off x="0" y="0"/>
+          <a:ext cx="0" cy="0"/>
+          <a:chOff x="0" y="0"/>
+          <a:chExt cx="0" cy="0"/>
+        </a:xfrm>
+      </p:grpSpPr>
+      <p:sp>
+        <p:nvSpPr>
+          <p:cNvPr id="2" name="Segnaposto immagine diapositiva 1">
+            <a:extLst>
+              <a:ext uri="{FF2B5EF4-FFF2-40B4-BE49-F238E27FC236}">
+                <a16:creationId xmlns:a16="http://schemas.microsoft.com/office/drawing/2014/main" id="{42AEF1A2-D470-C358-CAE2-EDA1D2DE3775}"/>
+              </a:ext>
+            </a:extLst>
+          </p:cNvPr>
+          <p:cNvSpPr>
+            <a:spLocks noGrp="1" noRot="1" noChangeAspect="1"/>
+          </p:cNvSpPr>
+          <p:nvPr>
+            <p:ph type="sldImg"/>
+          </p:nvPr>
+        </p:nvSpPr>
+        <p:spPr/>
+      </p:sp>
+      <p:sp>
+        <p:nvSpPr>
+          <p:cNvPr id="3" name="Segnaposto note 2">
+            <a:extLst>
+              <a:ext uri="{FF2B5EF4-FFF2-40B4-BE49-F238E27FC236}">
+                <a16:creationId xmlns:a16="http://schemas.microsoft.com/office/drawing/2014/main" id="{A32B0C29-8461-7BED-D50E-C04337C582E4}"/>
+              </a:ext>
+            </a:extLst>
+          </p:cNvPr>
+          <p:cNvSpPr>
+            <a:spLocks noGrp="1"/>
+          </p:cNvSpPr>
+          <p:nvPr>
+            <p:ph type="body" idx="1"/>
+          </p:nvPr>
+        </p:nvSpPr>
+        <p:spPr/>
+        <p:txBody>
+          <a:bodyPr/>
+          <a:lstStyle/>
+          <a:p>
+            <a:endParaRPr lang="en-US" dirty="0"/>
+          </a:p>
+        </p:txBody>
+      </p:sp>
+      <p:sp>
+        <p:nvSpPr>
+          <p:cNvPr id="4" name="Segnaposto numero diapositiva 3">
+            <a:extLst>
+              <a:ext uri="{FF2B5EF4-FFF2-40B4-BE49-F238E27FC236}">
+                <a16:creationId xmlns:a16="http://schemas.microsoft.com/office/drawing/2014/main" id="{47EBBD10-AB62-98C2-DF7B-FFEEA600FFB2}"/>
+              </a:ext>
+            </a:extLst>
+          </p:cNvPr>
+          <p:cNvSpPr>
+            <a:spLocks noGrp="1"/>
+          </p:cNvSpPr>
+          <p:nvPr>
+            <p:ph type="sldNum" sz="quarter" idx="5"/>
+          </p:nvPr>
+        </p:nvSpPr>
+        <p:spPr/>
+        <p:txBody>
+          <a:bodyPr/>
+          <a:lstStyle/>
+          <a:p>
+            <a:fld id="{802E5CB9-2BE2-4860-85EE-BBFABBF2603A}" type="slidenum">
+              <a:rPr lang="en-US" smtClean="0"/>
+              <a:t>11</a:t>
+            </a:fld>
+            <a:endParaRPr lang="en-US" dirty="0"/>
+          </a:p>
+        </p:txBody>
+      </p:sp>
+    </p:spTree>
+    <p:extLst>
+      <p:ext uri="{BB962C8B-B14F-4D97-AF65-F5344CB8AC3E}">
+        <p14:creationId xmlns:p14="http://schemas.microsoft.com/office/powerpoint/2010/main" val="2270648854"/>
+      </p:ext>
+    </p:extLst>
+  </p:cSld>
+  <p:clrMapOvr>
+    <a:masterClrMapping/>
+  </p:clrMapOvr>
+</p:notes>
+</file>
+
+<file path=ppt/notesSlides/notesSlide11.xml><?xml version="1.0" encoding="utf-8"?>
+<p:notes xmlns:a="http://schemas.openxmlformats.org/drawingml/2006/main" xmlns:r="http://schemas.openxmlformats.org/officeDocument/2006/relationships" xmlns:p="http://schemas.openxmlformats.org/presentationml/2006/main">
+  <p:cSld>
+    <p:spTree>
+      <p:nvGrpSpPr>
+        <p:cNvPr id="1" name="">
+          <a:extLst>
+            <a:ext uri="{FF2B5EF4-FFF2-40B4-BE49-F238E27FC236}">
               <a16:creationId xmlns:a16="http://schemas.microsoft.com/office/drawing/2014/main" id="{A794AD14-BFE8-B386-AFC9-30ECFEFB11F8}"/>
             </a:ext>
           </a:extLst>
@@ -652,7 +770,7 @@
           <a:p>
             <a:fld id="{802E5CB9-2BE2-4860-85EE-BBFABBF2603A}" type="slidenum">
               <a:rPr lang="en-US" smtClean="0"/>
-              <a:t>11</a:t>
+              <a:t>12</a:t>
             </a:fld>
             <a:endParaRPr lang="en-US"/>
           </a:p>
@@ -671,7 +789,115 @@
 </p:notes>
 </file>
 
-<file path=ppt/notesSlides/notesSlide11.xml><?xml version="1.0" encoding="utf-8"?>
+<file path=ppt/notesSlides/notesSlide12.xml><?xml version="1.0" encoding="utf-8"?>
+<p:notes xmlns:a="http://schemas.openxmlformats.org/drawingml/2006/main" xmlns:r="http://schemas.openxmlformats.org/officeDocument/2006/relationships" xmlns:p="http://schemas.openxmlformats.org/presentationml/2006/main">
+  <p:cSld>
+    <p:spTree>
+      <p:nvGrpSpPr>
+        <p:cNvPr id="1" name="">
+          <a:extLst>
+            <a:ext uri="{FF2B5EF4-FFF2-40B4-BE49-F238E27FC236}">
+              <a16:creationId xmlns:a16="http://schemas.microsoft.com/office/drawing/2014/main" id="{0D77B7DA-0ACF-A5F8-79C4-0FB556D97F56}"/>
+            </a:ext>
+          </a:extLst>
+        </p:cNvPr>
+        <p:cNvGrpSpPr/>
+        <p:nvPr/>
+      </p:nvGrpSpPr>
+      <p:grpSpPr>
+        <a:xfrm>
+          <a:off x="0" y="0"/>
+          <a:ext cx="0" cy="0"/>
+          <a:chOff x="0" y="0"/>
+          <a:chExt cx="0" cy="0"/>
+        </a:xfrm>
+      </p:grpSpPr>
+      <p:sp>
+        <p:nvSpPr>
+          <p:cNvPr id="2" name="Segnaposto immagine diapositiva 1">
+            <a:extLst>
+              <a:ext uri="{FF2B5EF4-FFF2-40B4-BE49-F238E27FC236}">
+                <a16:creationId xmlns:a16="http://schemas.microsoft.com/office/drawing/2014/main" id="{3B4A0DA4-6F09-A9F0-88D1-00804A7E30E2}"/>
+              </a:ext>
+            </a:extLst>
+          </p:cNvPr>
+          <p:cNvSpPr>
+            <a:spLocks noGrp="1" noRot="1" noChangeAspect="1"/>
+          </p:cNvSpPr>
+          <p:nvPr>
+            <p:ph type="sldImg"/>
+          </p:nvPr>
+        </p:nvSpPr>
+        <p:spPr/>
+      </p:sp>
+      <p:sp>
+        <p:nvSpPr>
+          <p:cNvPr id="3" name="Segnaposto note 2">
+            <a:extLst>
+              <a:ext uri="{FF2B5EF4-FFF2-40B4-BE49-F238E27FC236}">
+                <a16:creationId xmlns:a16="http://schemas.microsoft.com/office/drawing/2014/main" id="{4BB23A41-852C-84DA-3AEB-2AD5F65149F0}"/>
+              </a:ext>
+            </a:extLst>
+          </p:cNvPr>
+          <p:cNvSpPr>
+            <a:spLocks noGrp="1"/>
+          </p:cNvSpPr>
+          <p:nvPr>
+            <p:ph type="body" idx="1"/>
+          </p:nvPr>
+        </p:nvSpPr>
+        <p:spPr/>
+        <p:txBody>
+          <a:bodyPr/>
+          <a:lstStyle/>
+          <a:p>
+            <a:endParaRPr lang="en-US" dirty="0"/>
+          </a:p>
+        </p:txBody>
+      </p:sp>
+      <p:sp>
+        <p:nvSpPr>
+          <p:cNvPr id="4" name="Segnaposto numero diapositiva 3">
+            <a:extLst>
+              <a:ext uri="{FF2B5EF4-FFF2-40B4-BE49-F238E27FC236}">
+                <a16:creationId xmlns:a16="http://schemas.microsoft.com/office/drawing/2014/main" id="{DC9C8460-5BE8-C080-7808-06A84A84C2C7}"/>
+              </a:ext>
+            </a:extLst>
+          </p:cNvPr>
+          <p:cNvSpPr>
+            <a:spLocks noGrp="1"/>
+          </p:cNvSpPr>
+          <p:nvPr>
+            <p:ph type="sldNum" sz="quarter" idx="5"/>
+          </p:nvPr>
+        </p:nvSpPr>
+        <p:spPr/>
+        <p:txBody>
+          <a:bodyPr/>
+          <a:lstStyle/>
+          <a:p>
+            <a:fld id="{802E5CB9-2BE2-4860-85EE-BBFABBF2603A}" type="slidenum">
+              <a:rPr lang="en-US" smtClean="0"/>
+              <a:t>13</a:t>
+            </a:fld>
+            <a:endParaRPr lang="en-US"/>
+          </a:p>
+        </p:txBody>
+      </p:sp>
+    </p:spTree>
+    <p:extLst>
+      <p:ext uri="{BB962C8B-B14F-4D97-AF65-F5344CB8AC3E}">
+        <p14:creationId xmlns:p14="http://schemas.microsoft.com/office/powerpoint/2010/main" val="1094532318"/>
+      </p:ext>
+    </p:extLst>
+  </p:cSld>
+  <p:clrMapOvr>
+    <a:masterClrMapping/>
+  </p:clrMapOvr>
+</p:notes>
+</file>
+
+<file path=ppt/notesSlides/notesSlide13.xml><?xml version="1.0" encoding="utf-8"?>
 <p:notes xmlns:a="http://schemas.openxmlformats.org/drawingml/2006/main" xmlns:r="http://schemas.openxmlformats.org/officeDocument/2006/relationships" xmlns:p="http://schemas.openxmlformats.org/presentationml/2006/main">
   <p:cSld>
     <p:spTree>
@@ -760,7 +986,7 @@
           <a:p>
             <a:fld id="{802E5CB9-2BE2-4860-85EE-BBFABBF2603A}" type="slidenum">
               <a:rPr lang="en-US" smtClean="0"/>
-              <a:t>12</a:t>
+              <a:t>14</a:t>
             </a:fld>
             <a:endParaRPr lang="en-US" dirty="0"/>
           </a:p>
@@ -770,222 +996,6 @@
     <p:extLst>
       <p:ext uri="{BB962C8B-B14F-4D97-AF65-F5344CB8AC3E}">
         <p14:creationId xmlns:p14="http://schemas.microsoft.com/office/powerpoint/2010/main" val="1608627448"/>
-      </p:ext>
-    </p:extLst>
-  </p:cSld>
-  <p:clrMapOvr>
-    <a:masterClrMapping/>
-  </p:clrMapOvr>
-</p:notes>
-</file>
-
-<file path=ppt/notesSlides/notesSlide12.xml><?xml version="1.0" encoding="utf-8"?>
-<p:notes xmlns:a="http://schemas.openxmlformats.org/drawingml/2006/main" xmlns:r="http://schemas.openxmlformats.org/officeDocument/2006/relationships" xmlns:p="http://schemas.openxmlformats.org/presentationml/2006/main">
-  <p:cSld>
-    <p:spTree>
-      <p:nvGrpSpPr>
-        <p:cNvPr id="1" name="">
-          <a:extLst>
-            <a:ext uri="{FF2B5EF4-FFF2-40B4-BE49-F238E27FC236}">
-              <a16:creationId xmlns:a16="http://schemas.microsoft.com/office/drawing/2014/main" id="{72FEFD59-4314-5C46-CD1E-8C45307F0CF7}"/>
-            </a:ext>
-          </a:extLst>
-        </p:cNvPr>
-        <p:cNvGrpSpPr/>
-        <p:nvPr/>
-      </p:nvGrpSpPr>
-      <p:grpSpPr>
-        <a:xfrm>
-          <a:off x="0" y="0"/>
-          <a:ext cx="0" cy="0"/>
-          <a:chOff x="0" y="0"/>
-          <a:chExt cx="0" cy="0"/>
-        </a:xfrm>
-      </p:grpSpPr>
-      <p:sp>
-        <p:nvSpPr>
-          <p:cNvPr id="2" name="Segnaposto immagine diapositiva 1">
-            <a:extLst>
-              <a:ext uri="{FF2B5EF4-FFF2-40B4-BE49-F238E27FC236}">
-                <a16:creationId xmlns:a16="http://schemas.microsoft.com/office/drawing/2014/main" id="{419597FC-FF79-5DEC-0F17-E5ABBAA3F99B}"/>
-              </a:ext>
-            </a:extLst>
-          </p:cNvPr>
-          <p:cNvSpPr>
-            <a:spLocks noGrp="1" noRot="1" noChangeAspect="1"/>
-          </p:cNvSpPr>
-          <p:nvPr>
-            <p:ph type="sldImg"/>
-          </p:nvPr>
-        </p:nvSpPr>
-        <p:spPr/>
-      </p:sp>
-      <p:sp>
-        <p:nvSpPr>
-          <p:cNvPr id="3" name="Segnaposto note 2">
-            <a:extLst>
-              <a:ext uri="{FF2B5EF4-FFF2-40B4-BE49-F238E27FC236}">
-                <a16:creationId xmlns:a16="http://schemas.microsoft.com/office/drawing/2014/main" id="{89059967-8724-733B-07E7-0D1B96C5C3E9}"/>
-              </a:ext>
-            </a:extLst>
-          </p:cNvPr>
-          <p:cNvSpPr>
-            <a:spLocks noGrp="1"/>
-          </p:cNvSpPr>
-          <p:nvPr>
-            <p:ph type="body" idx="1"/>
-          </p:nvPr>
-        </p:nvSpPr>
-        <p:spPr/>
-        <p:txBody>
-          <a:bodyPr/>
-          <a:lstStyle/>
-          <a:p>
-            <a:endParaRPr lang="en-US" dirty="0"/>
-          </a:p>
-        </p:txBody>
-      </p:sp>
-      <p:sp>
-        <p:nvSpPr>
-          <p:cNvPr id="4" name="Segnaposto numero diapositiva 3">
-            <a:extLst>
-              <a:ext uri="{FF2B5EF4-FFF2-40B4-BE49-F238E27FC236}">
-                <a16:creationId xmlns:a16="http://schemas.microsoft.com/office/drawing/2014/main" id="{9633D229-E106-1042-7B4B-CC10B726E9BB}"/>
-              </a:ext>
-            </a:extLst>
-          </p:cNvPr>
-          <p:cNvSpPr>
-            <a:spLocks noGrp="1"/>
-          </p:cNvSpPr>
-          <p:nvPr>
-            <p:ph type="sldNum" sz="quarter" idx="5"/>
-          </p:nvPr>
-        </p:nvSpPr>
-        <p:spPr/>
-        <p:txBody>
-          <a:bodyPr/>
-          <a:lstStyle/>
-          <a:p>
-            <a:fld id="{802E5CB9-2BE2-4860-85EE-BBFABBF2603A}" type="slidenum">
-              <a:rPr lang="en-US" smtClean="0"/>
-              <a:t>13</a:t>
-            </a:fld>
-            <a:endParaRPr lang="en-US"/>
-          </a:p>
-        </p:txBody>
-      </p:sp>
-    </p:spTree>
-    <p:extLst>
-      <p:ext uri="{BB962C8B-B14F-4D97-AF65-F5344CB8AC3E}">
-        <p14:creationId xmlns:p14="http://schemas.microsoft.com/office/powerpoint/2010/main" val="2516647826"/>
-      </p:ext>
-    </p:extLst>
-  </p:cSld>
-  <p:clrMapOvr>
-    <a:masterClrMapping/>
-  </p:clrMapOvr>
-</p:notes>
-</file>
-
-<file path=ppt/notesSlides/notesSlide13.xml><?xml version="1.0" encoding="utf-8"?>
-<p:notes xmlns:a="http://schemas.openxmlformats.org/drawingml/2006/main" xmlns:r="http://schemas.openxmlformats.org/officeDocument/2006/relationships" xmlns:p="http://schemas.openxmlformats.org/presentationml/2006/main">
-  <p:cSld>
-    <p:spTree>
-      <p:nvGrpSpPr>
-        <p:cNvPr id="1" name="">
-          <a:extLst>
-            <a:ext uri="{FF2B5EF4-FFF2-40B4-BE49-F238E27FC236}">
-              <a16:creationId xmlns:a16="http://schemas.microsoft.com/office/drawing/2014/main" id="{17E9223A-FCFF-55FA-04F9-44BF5372A3A2}"/>
-            </a:ext>
-          </a:extLst>
-        </p:cNvPr>
-        <p:cNvGrpSpPr/>
-        <p:nvPr/>
-      </p:nvGrpSpPr>
-      <p:grpSpPr>
-        <a:xfrm>
-          <a:off x="0" y="0"/>
-          <a:ext cx="0" cy="0"/>
-          <a:chOff x="0" y="0"/>
-          <a:chExt cx="0" cy="0"/>
-        </a:xfrm>
-      </p:grpSpPr>
-      <p:sp>
-        <p:nvSpPr>
-          <p:cNvPr id="2" name="Segnaposto immagine diapositiva 1">
-            <a:extLst>
-              <a:ext uri="{FF2B5EF4-FFF2-40B4-BE49-F238E27FC236}">
-                <a16:creationId xmlns:a16="http://schemas.microsoft.com/office/drawing/2014/main" id="{09A4D566-AFF2-9804-9A1F-17CDEB03353C}"/>
-              </a:ext>
-            </a:extLst>
-          </p:cNvPr>
-          <p:cNvSpPr>
-            <a:spLocks noGrp="1" noRot="1" noChangeAspect="1"/>
-          </p:cNvSpPr>
-          <p:nvPr>
-            <p:ph type="sldImg"/>
-          </p:nvPr>
-        </p:nvSpPr>
-        <p:spPr/>
-      </p:sp>
-      <p:sp>
-        <p:nvSpPr>
-          <p:cNvPr id="3" name="Segnaposto note 2">
-            <a:extLst>
-              <a:ext uri="{FF2B5EF4-FFF2-40B4-BE49-F238E27FC236}">
-                <a16:creationId xmlns:a16="http://schemas.microsoft.com/office/drawing/2014/main" id="{43F08A0D-8022-D0BD-7D40-86B002A41B52}"/>
-              </a:ext>
-            </a:extLst>
-          </p:cNvPr>
-          <p:cNvSpPr>
-            <a:spLocks noGrp="1"/>
-          </p:cNvSpPr>
-          <p:nvPr>
-            <p:ph type="body" idx="1"/>
-          </p:nvPr>
-        </p:nvSpPr>
-        <p:spPr/>
-        <p:txBody>
-          <a:bodyPr/>
-          <a:lstStyle/>
-          <a:p>
-            <a:endParaRPr lang="en-US" dirty="0"/>
-          </a:p>
-        </p:txBody>
-      </p:sp>
-      <p:sp>
-        <p:nvSpPr>
-          <p:cNvPr id="4" name="Segnaposto numero diapositiva 3">
-            <a:extLst>
-              <a:ext uri="{FF2B5EF4-FFF2-40B4-BE49-F238E27FC236}">
-                <a16:creationId xmlns:a16="http://schemas.microsoft.com/office/drawing/2014/main" id="{C78781B6-6F09-B737-7621-9D5F0D37E70E}"/>
-              </a:ext>
-            </a:extLst>
-          </p:cNvPr>
-          <p:cNvSpPr>
-            <a:spLocks noGrp="1"/>
-          </p:cNvSpPr>
-          <p:nvPr>
-            <p:ph type="sldNum" sz="quarter" idx="5"/>
-          </p:nvPr>
-        </p:nvSpPr>
-        <p:spPr/>
-        <p:txBody>
-          <a:bodyPr/>
-          <a:lstStyle/>
-          <a:p>
-            <a:fld id="{802E5CB9-2BE2-4860-85EE-BBFABBF2603A}" type="slidenum">
-              <a:rPr lang="en-US" smtClean="0"/>
-              <a:t>14</a:t>
-            </a:fld>
-            <a:endParaRPr lang="en-US"/>
-          </a:p>
-        </p:txBody>
-      </p:sp>
-    </p:spTree>
-    <p:extLst>
-      <p:ext uri="{BB962C8B-B14F-4D97-AF65-F5344CB8AC3E}">
-        <p14:creationId xmlns:p14="http://schemas.microsoft.com/office/powerpoint/2010/main" val="3669632511"/>
       </p:ext>
     </p:extLst>
   </p:cSld>
@@ -1003,7 +1013,7 @@
         <p:cNvPr id="1" name="">
           <a:extLst>
             <a:ext uri="{FF2B5EF4-FFF2-40B4-BE49-F238E27FC236}">
-              <a16:creationId xmlns:a16="http://schemas.microsoft.com/office/drawing/2014/main" id="{AFFE1F5D-0B90-5637-860B-FA5A5293EFA2}"/>
+              <a16:creationId xmlns:a16="http://schemas.microsoft.com/office/drawing/2014/main" id="{06153C07-E0C0-224F-EBD0-91537C71FFF1}"/>
             </a:ext>
           </a:extLst>
         </p:cNvPr>
@@ -1023,7 +1033,7 @@
           <p:cNvPr id="2" name="Segnaposto immagine diapositiva 1">
             <a:extLst>
               <a:ext uri="{FF2B5EF4-FFF2-40B4-BE49-F238E27FC236}">
-                <a16:creationId xmlns:a16="http://schemas.microsoft.com/office/drawing/2014/main" id="{87B11FC0-C716-A8B4-FA4A-714E2669EBB3}"/>
+                <a16:creationId xmlns:a16="http://schemas.microsoft.com/office/drawing/2014/main" id="{1F483379-1350-1593-0FF1-32F99F455EFC}"/>
               </a:ext>
             </a:extLst>
           </p:cNvPr>
@@ -1041,7 +1051,7 @@
           <p:cNvPr id="3" name="Segnaposto note 2">
             <a:extLst>
               <a:ext uri="{FF2B5EF4-FFF2-40B4-BE49-F238E27FC236}">
-                <a16:creationId xmlns:a16="http://schemas.microsoft.com/office/drawing/2014/main" id="{0127135B-1C99-E037-F6A9-C53801653D24}"/>
+                <a16:creationId xmlns:a16="http://schemas.microsoft.com/office/drawing/2014/main" id="{39E6AE17-ABC2-ACF0-FD92-CF960DE0FCC3}"/>
               </a:ext>
             </a:extLst>
           </p:cNvPr>
@@ -1066,7 +1076,7 @@
           <p:cNvPr id="4" name="Segnaposto numero diapositiva 3">
             <a:extLst>
               <a:ext uri="{FF2B5EF4-FFF2-40B4-BE49-F238E27FC236}">
-                <a16:creationId xmlns:a16="http://schemas.microsoft.com/office/drawing/2014/main" id="{2FD00DC1-0C94-0D15-7AC1-C394128C4878}"/>
+                <a16:creationId xmlns:a16="http://schemas.microsoft.com/office/drawing/2014/main" id="{B76EC434-5461-564B-BBB2-EBB5DCBE744E}"/>
               </a:ext>
             </a:extLst>
           </p:cNvPr>
@@ -1086,14 +1096,14 @@
               <a:rPr lang="en-US" smtClean="0"/>
               <a:t>15</a:t>
             </a:fld>
-            <a:endParaRPr lang="en-US" dirty="0"/>
+            <a:endParaRPr lang="en-US"/>
           </a:p>
         </p:txBody>
       </p:sp>
     </p:spTree>
     <p:extLst>
       <p:ext uri="{BB962C8B-B14F-4D97-AF65-F5344CB8AC3E}">
-        <p14:creationId xmlns:p14="http://schemas.microsoft.com/office/powerpoint/2010/main" val="3049510192"/>
+        <p14:creationId xmlns:p14="http://schemas.microsoft.com/office/powerpoint/2010/main" val="2286056270"/>
       </p:ext>
     </p:extLst>
   </p:cSld>
@@ -1111,7 +1121,7 @@
         <p:cNvPr id="1" name="">
           <a:extLst>
             <a:ext uri="{FF2B5EF4-FFF2-40B4-BE49-F238E27FC236}">
-              <a16:creationId xmlns:a16="http://schemas.microsoft.com/office/drawing/2014/main" id="{65864513-E649-53E0-87A1-EEFA296BA632}"/>
+              <a16:creationId xmlns:a16="http://schemas.microsoft.com/office/drawing/2014/main" id="{99337CED-AF2F-4458-0842-9AF8339AAA64}"/>
             </a:ext>
           </a:extLst>
         </p:cNvPr>
@@ -1131,7 +1141,7 @@
           <p:cNvPr id="2" name="Segnaposto immagine diapositiva 1">
             <a:extLst>
               <a:ext uri="{FF2B5EF4-FFF2-40B4-BE49-F238E27FC236}">
-                <a16:creationId xmlns:a16="http://schemas.microsoft.com/office/drawing/2014/main" id="{8C1C4DF0-78E7-A95A-672D-9C964F6F0E03}"/>
+                <a16:creationId xmlns:a16="http://schemas.microsoft.com/office/drawing/2014/main" id="{4AF133B3-586F-6A6F-19A8-775D4DE232C2}"/>
               </a:ext>
             </a:extLst>
           </p:cNvPr>
@@ -1149,7 +1159,7 @@
           <p:cNvPr id="3" name="Segnaposto note 2">
             <a:extLst>
               <a:ext uri="{FF2B5EF4-FFF2-40B4-BE49-F238E27FC236}">
-                <a16:creationId xmlns:a16="http://schemas.microsoft.com/office/drawing/2014/main" id="{547BC4DC-F15B-3086-5F79-4531B76DC904}"/>
+                <a16:creationId xmlns:a16="http://schemas.microsoft.com/office/drawing/2014/main" id="{C591C4D2-5B50-A123-61FB-2D12826AAACE}"/>
               </a:ext>
             </a:extLst>
           </p:cNvPr>
@@ -1174,7 +1184,7 @@
           <p:cNvPr id="4" name="Segnaposto numero diapositiva 3">
             <a:extLst>
               <a:ext uri="{FF2B5EF4-FFF2-40B4-BE49-F238E27FC236}">
-                <a16:creationId xmlns:a16="http://schemas.microsoft.com/office/drawing/2014/main" id="{ADF4DD12-D8FC-83A5-D1C6-4F7434CEE2A4}"/>
+                <a16:creationId xmlns:a16="http://schemas.microsoft.com/office/drawing/2014/main" id="{C35C33EA-ED44-1B8F-F5C9-5BA671320956}"/>
               </a:ext>
             </a:extLst>
           </p:cNvPr>
@@ -1201,7 +1211,439 @@
     </p:spTree>
     <p:extLst>
       <p:ext uri="{BB962C8B-B14F-4D97-AF65-F5344CB8AC3E}">
-        <p14:creationId xmlns:p14="http://schemas.microsoft.com/office/powerpoint/2010/main" val="1525967442"/>
+        <p14:creationId xmlns:p14="http://schemas.microsoft.com/office/powerpoint/2010/main" val="2347426797"/>
+      </p:ext>
+    </p:extLst>
+  </p:cSld>
+  <p:clrMapOvr>
+    <a:masterClrMapping/>
+  </p:clrMapOvr>
+</p:notes>
+</file>
+
+<file path=ppt/notesSlides/notesSlide16.xml><?xml version="1.0" encoding="utf-8"?>
+<p:notes xmlns:a="http://schemas.openxmlformats.org/drawingml/2006/main" xmlns:r="http://schemas.openxmlformats.org/officeDocument/2006/relationships" xmlns:p="http://schemas.openxmlformats.org/presentationml/2006/main">
+  <p:cSld>
+    <p:spTree>
+      <p:nvGrpSpPr>
+        <p:cNvPr id="1" name="">
+          <a:extLst>
+            <a:ext uri="{FF2B5EF4-FFF2-40B4-BE49-F238E27FC236}">
+              <a16:creationId xmlns:a16="http://schemas.microsoft.com/office/drawing/2014/main" id="{9F0DD0B3-CD4E-A6DE-B300-E43A23E30548}"/>
+            </a:ext>
+          </a:extLst>
+        </p:cNvPr>
+        <p:cNvGrpSpPr/>
+        <p:nvPr/>
+      </p:nvGrpSpPr>
+      <p:grpSpPr>
+        <a:xfrm>
+          <a:off x="0" y="0"/>
+          <a:ext cx="0" cy="0"/>
+          <a:chOff x="0" y="0"/>
+          <a:chExt cx="0" cy="0"/>
+        </a:xfrm>
+      </p:grpSpPr>
+      <p:sp>
+        <p:nvSpPr>
+          <p:cNvPr id="2" name="Segnaposto immagine diapositiva 1">
+            <a:extLst>
+              <a:ext uri="{FF2B5EF4-FFF2-40B4-BE49-F238E27FC236}">
+                <a16:creationId xmlns:a16="http://schemas.microsoft.com/office/drawing/2014/main" id="{305F0353-4B78-D8F3-77B5-2FC658531085}"/>
+              </a:ext>
+            </a:extLst>
+          </p:cNvPr>
+          <p:cNvSpPr>
+            <a:spLocks noGrp="1" noRot="1" noChangeAspect="1"/>
+          </p:cNvSpPr>
+          <p:nvPr>
+            <p:ph type="sldImg"/>
+          </p:nvPr>
+        </p:nvSpPr>
+        <p:spPr/>
+      </p:sp>
+      <p:sp>
+        <p:nvSpPr>
+          <p:cNvPr id="3" name="Segnaposto note 2">
+            <a:extLst>
+              <a:ext uri="{FF2B5EF4-FFF2-40B4-BE49-F238E27FC236}">
+                <a16:creationId xmlns:a16="http://schemas.microsoft.com/office/drawing/2014/main" id="{D9EFEFD0-949D-2177-2254-8CA2B39853A6}"/>
+              </a:ext>
+            </a:extLst>
+          </p:cNvPr>
+          <p:cNvSpPr>
+            <a:spLocks noGrp="1"/>
+          </p:cNvSpPr>
+          <p:nvPr>
+            <p:ph type="body" idx="1"/>
+          </p:nvPr>
+        </p:nvSpPr>
+        <p:spPr/>
+        <p:txBody>
+          <a:bodyPr/>
+          <a:lstStyle/>
+          <a:p>
+            <a:endParaRPr lang="en-US" dirty="0"/>
+          </a:p>
+        </p:txBody>
+      </p:sp>
+      <p:sp>
+        <p:nvSpPr>
+          <p:cNvPr id="4" name="Segnaposto numero diapositiva 3">
+            <a:extLst>
+              <a:ext uri="{FF2B5EF4-FFF2-40B4-BE49-F238E27FC236}">
+                <a16:creationId xmlns:a16="http://schemas.microsoft.com/office/drawing/2014/main" id="{D2C834D0-45F2-12DC-E3D4-B1C23F533247}"/>
+              </a:ext>
+            </a:extLst>
+          </p:cNvPr>
+          <p:cNvSpPr>
+            <a:spLocks noGrp="1"/>
+          </p:cNvSpPr>
+          <p:nvPr>
+            <p:ph type="sldNum" sz="quarter" idx="5"/>
+          </p:nvPr>
+        </p:nvSpPr>
+        <p:spPr/>
+        <p:txBody>
+          <a:bodyPr/>
+          <a:lstStyle/>
+          <a:p>
+            <a:fld id="{802E5CB9-2BE2-4860-85EE-BBFABBF2603A}" type="slidenum">
+              <a:rPr lang="en-US" smtClean="0"/>
+              <a:t>17</a:t>
+            </a:fld>
+            <a:endParaRPr lang="en-US"/>
+          </a:p>
+        </p:txBody>
+      </p:sp>
+    </p:spTree>
+    <p:extLst>
+      <p:ext uri="{BB962C8B-B14F-4D97-AF65-F5344CB8AC3E}">
+        <p14:creationId xmlns:p14="http://schemas.microsoft.com/office/powerpoint/2010/main" val="478721792"/>
+      </p:ext>
+    </p:extLst>
+  </p:cSld>
+  <p:clrMapOvr>
+    <a:masterClrMapping/>
+  </p:clrMapOvr>
+</p:notes>
+</file>
+
+<file path=ppt/notesSlides/notesSlide17.xml><?xml version="1.0" encoding="utf-8"?>
+<p:notes xmlns:a="http://schemas.openxmlformats.org/drawingml/2006/main" xmlns:r="http://schemas.openxmlformats.org/officeDocument/2006/relationships" xmlns:p="http://schemas.openxmlformats.org/presentationml/2006/main">
+  <p:cSld>
+    <p:spTree>
+      <p:nvGrpSpPr>
+        <p:cNvPr id="1" name="">
+          <a:extLst>
+            <a:ext uri="{FF2B5EF4-FFF2-40B4-BE49-F238E27FC236}">
+              <a16:creationId xmlns:a16="http://schemas.microsoft.com/office/drawing/2014/main" id="{CD6AB686-E92C-652A-A1ED-BEBC424C9B81}"/>
+            </a:ext>
+          </a:extLst>
+        </p:cNvPr>
+        <p:cNvGrpSpPr/>
+        <p:nvPr/>
+      </p:nvGrpSpPr>
+      <p:grpSpPr>
+        <a:xfrm>
+          <a:off x="0" y="0"/>
+          <a:ext cx="0" cy="0"/>
+          <a:chOff x="0" y="0"/>
+          <a:chExt cx="0" cy="0"/>
+        </a:xfrm>
+      </p:grpSpPr>
+      <p:sp>
+        <p:nvSpPr>
+          <p:cNvPr id="2" name="Segnaposto immagine diapositiva 1">
+            <a:extLst>
+              <a:ext uri="{FF2B5EF4-FFF2-40B4-BE49-F238E27FC236}">
+                <a16:creationId xmlns:a16="http://schemas.microsoft.com/office/drawing/2014/main" id="{781BFA89-BE68-7672-E5C1-03BB68A3380A}"/>
+              </a:ext>
+            </a:extLst>
+          </p:cNvPr>
+          <p:cNvSpPr>
+            <a:spLocks noGrp="1" noRot="1" noChangeAspect="1"/>
+          </p:cNvSpPr>
+          <p:nvPr>
+            <p:ph type="sldImg"/>
+          </p:nvPr>
+        </p:nvSpPr>
+        <p:spPr/>
+      </p:sp>
+      <p:sp>
+        <p:nvSpPr>
+          <p:cNvPr id="3" name="Segnaposto note 2">
+            <a:extLst>
+              <a:ext uri="{FF2B5EF4-FFF2-40B4-BE49-F238E27FC236}">
+                <a16:creationId xmlns:a16="http://schemas.microsoft.com/office/drawing/2014/main" id="{B3649319-84B6-E977-8958-A46CE375EF0A}"/>
+              </a:ext>
+            </a:extLst>
+          </p:cNvPr>
+          <p:cNvSpPr>
+            <a:spLocks noGrp="1"/>
+          </p:cNvSpPr>
+          <p:nvPr>
+            <p:ph type="body" idx="1"/>
+          </p:nvPr>
+        </p:nvSpPr>
+        <p:spPr/>
+        <p:txBody>
+          <a:bodyPr/>
+          <a:lstStyle/>
+          <a:p>
+            <a:endParaRPr lang="en-US" dirty="0"/>
+          </a:p>
+        </p:txBody>
+      </p:sp>
+      <p:sp>
+        <p:nvSpPr>
+          <p:cNvPr id="4" name="Segnaposto numero diapositiva 3">
+            <a:extLst>
+              <a:ext uri="{FF2B5EF4-FFF2-40B4-BE49-F238E27FC236}">
+                <a16:creationId xmlns:a16="http://schemas.microsoft.com/office/drawing/2014/main" id="{A3D6061F-2591-9ACD-7D53-077AA23C0852}"/>
+              </a:ext>
+            </a:extLst>
+          </p:cNvPr>
+          <p:cNvSpPr>
+            <a:spLocks noGrp="1"/>
+          </p:cNvSpPr>
+          <p:nvPr>
+            <p:ph type="sldNum" sz="quarter" idx="5"/>
+          </p:nvPr>
+        </p:nvSpPr>
+        <p:spPr/>
+        <p:txBody>
+          <a:bodyPr/>
+          <a:lstStyle/>
+          <a:p>
+            <a:fld id="{802E5CB9-2BE2-4860-85EE-BBFABBF2603A}" type="slidenum">
+              <a:rPr lang="en-US" smtClean="0"/>
+              <a:t>18</a:t>
+            </a:fld>
+            <a:endParaRPr lang="en-US"/>
+          </a:p>
+        </p:txBody>
+      </p:sp>
+    </p:spTree>
+    <p:extLst>
+      <p:ext uri="{BB962C8B-B14F-4D97-AF65-F5344CB8AC3E}">
+        <p14:creationId xmlns:p14="http://schemas.microsoft.com/office/powerpoint/2010/main" val="2747683349"/>
+      </p:ext>
+    </p:extLst>
+  </p:cSld>
+  <p:clrMapOvr>
+    <a:masterClrMapping/>
+  </p:clrMapOvr>
+</p:notes>
+</file>
+
+<file path=ppt/notesSlides/notesSlide18.xml><?xml version="1.0" encoding="utf-8"?>
+<p:notes xmlns:a="http://schemas.openxmlformats.org/drawingml/2006/main" xmlns:r="http://schemas.openxmlformats.org/officeDocument/2006/relationships" xmlns:p="http://schemas.openxmlformats.org/presentationml/2006/main">
+  <p:cSld>
+    <p:spTree>
+      <p:nvGrpSpPr>
+        <p:cNvPr id="1" name="">
+          <a:extLst>
+            <a:ext uri="{FF2B5EF4-FFF2-40B4-BE49-F238E27FC236}">
+              <a16:creationId xmlns:a16="http://schemas.microsoft.com/office/drawing/2014/main" id="{627480E0-B886-E974-EF3B-7CB357F99069}"/>
+            </a:ext>
+          </a:extLst>
+        </p:cNvPr>
+        <p:cNvGrpSpPr/>
+        <p:nvPr/>
+      </p:nvGrpSpPr>
+      <p:grpSpPr>
+        <a:xfrm>
+          <a:off x="0" y="0"/>
+          <a:ext cx="0" cy="0"/>
+          <a:chOff x="0" y="0"/>
+          <a:chExt cx="0" cy="0"/>
+        </a:xfrm>
+      </p:grpSpPr>
+      <p:sp>
+        <p:nvSpPr>
+          <p:cNvPr id="2" name="Segnaposto immagine diapositiva 1">
+            <a:extLst>
+              <a:ext uri="{FF2B5EF4-FFF2-40B4-BE49-F238E27FC236}">
+                <a16:creationId xmlns:a16="http://schemas.microsoft.com/office/drawing/2014/main" id="{9235C26E-6A83-4B46-6C32-D76EA23AEC7D}"/>
+              </a:ext>
+            </a:extLst>
+          </p:cNvPr>
+          <p:cNvSpPr>
+            <a:spLocks noGrp="1" noRot="1" noChangeAspect="1"/>
+          </p:cNvSpPr>
+          <p:nvPr>
+            <p:ph type="sldImg"/>
+          </p:nvPr>
+        </p:nvSpPr>
+        <p:spPr/>
+      </p:sp>
+      <p:sp>
+        <p:nvSpPr>
+          <p:cNvPr id="3" name="Segnaposto note 2">
+            <a:extLst>
+              <a:ext uri="{FF2B5EF4-FFF2-40B4-BE49-F238E27FC236}">
+                <a16:creationId xmlns:a16="http://schemas.microsoft.com/office/drawing/2014/main" id="{5B4079D3-F4E6-D73F-1516-C89A120EFE94}"/>
+              </a:ext>
+            </a:extLst>
+          </p:cNvPr>
+          <p:cNvSpPr>
+            <a:spLocks noGrp="1"/>
+          </p:cNvSpPr>
+          <p:nvPr>
+            <p:ph type="body" idx="1"/>
+          </p:nvPr>
+        </p:nvSpPr>
+        <p:spPr/>
+        <p:txBody>
+          <a:bodyPr/>
+          <a:lstStyle/>
+          <a:p>
+            <a:endParaRPr lang="en-US" dirty="0"/>
+          </a:p>
+        </p:txBody>
+      </p:sp>
+      <p:sp>
+        <p:nvSpPr>
+          <p:cNvPr id="4" name="Segnaposto numero diapositiva 3">
+            <a:extLst>
+              <a:ext uri="{FF2B5EF4-FFF2-40B4-BE49-F238E27FC236}">
+                <a16:creationId xmlns:a16="http://schemas.microsoft.com/office/drawing/2014/main" id="{6021FF03-BB85-2DB2-09B7-13AC2715E43C}"/>
+              </a:ext>
+            </a:extLst>
+          </p:cNvPr>
+          <p:cNvSpPr>
+            <a:spLocks noGrp="1"/>
+          </p:cNvSpPr>
+          <p:nvPr>
+            <p:ph type="sldNum" sz="quarter" idx="5"/>
+          </p:nvPr>
+        </p:nvSpPr>
+        <p:spPr/>
+        <p:txBody>
+          <a:bodyPr/>
+          <a:lstStyle/>
+          <a:p>
+            <a:fld id="{802E5CB9-2BE2-4860-85EE-BBFABBF2603A}" type="slidenum">
+              <a:rPr lang="en-US" smtClean="0"/>
+              <a:t>19</a:t>
+            </a:fld>
+            <a:endParaRPr lang="en-US"/>
+          </a:p>
+        </p:txBody>
+      </p:sp>
+    </p:spTree>
+    <p:extLst>
+      <p:ext uri="{BB962C8B-B14F-4D97-AF65-F5344CB8AC3E}">
+        <p14:creationId xmlns:p14="http://schemas.microsoft.com/office/powerpoint/2010/main" val="3625022151"/>
+      </p:ext>
+    </p:extLst>
+  </p:cSld>
+  <p:clrMapOvr>
+    <a:masterClrMapping/>
+  </p:clrMapOvr>
+</p:notes>
+</file>
+
+<file path=ppt/notesSlides/notesSlide19.xml><?xml version="1.0" encoding="utf-8"?>
+<p:notes xmlns:a="http://schemas.openxmlformats.org/drawingml/2006/main" xmlns:r="http://schemas.openxmlformats.org/officeDocument/2006/relationships" xmlns:p="http://schemas.openxmlformats.org/presentationml/2006/main">
+  <p:cSld>
+    <p:spTree>
+      <p:nvGrpSpPr>
+        <p:cNvPr id="1" name="">
+          <a:extLst>
+            <a:ext uri="{FF2B5EF4-FFF2-40B4-BE49-F238E27FC236}">
+              <a16:creationId xmlns:a16="http://schemas.microsoft.com/office/drawing/2014/main" id="{5F8E2A9A-3EBF-8357-7310-33D60FB5B5F9}"/>
+            </a:ext>
+          </a:extLst>
+        </p:cNvPr>
+        <p:cNvGrpSpPr/>
+        <p:nvPr/>
+      </p:nvGrpSpPr>
+      <p:grpSpPr>
+        <a:xfrm>
+          <a:off x="0" y="0"/>
+          <a:ext cx="0" cy="0"/>
+          <a:chOff x="0" y="0"/>
+          <a:chExt cx="0" cy="0"/>
+        </a:xfrm>
+      </p:grpSpPr>
+      <p:sp>
+        <p:nvSpPr>
+          <p:cNvPr id="2" name="Segnaposto immagine diapositiva 1">
+            <a:extLst>
+              <a:ext uri="{FF2B5EF4-FFF2-40B4-BE49-F238E27FC236}">
+                <a16:creationId xmlns:a16="http://schemas.microsoft.com/office/drawing/2014/main" id="{7EF695BF-DA78-4207-5436-D34401A1332E}"/>
+              </a:ext>
+            </a:extLst>
+          </p:cNvPr>
+          <p:cNvSpPr>
+            <a:spLocks noGrp="1" noRot="1" noChangeAspect="1"/>
+          </p:cNvSpPr>
+          <p:nvPr>
+            <p:ph type="sldImg"/>
+          </p:nvPr>
+        </p:nvSpPr>
+        <p:spPr/>
+      </p:sp>
+      <p:sp>
+        <p:nvSpPr>
+          <p:cNvPr id="3" name="Segnaposto note 2">
+            <a:extLst>
+              <a:ext uri="{FF2B5EF4-FFF2-40B4-BE49-F238E27FC236}">
+                <a16:creationId xmlns:a16="http://schemas.microsoft.com/office/drawing/2014/main" id="{933E2A72-630A-1429-2A71-9FBB4D31BD17}"/>
+              </a:ext>
+            </a:extLst>
+          </p:cNvPr>
+          <p:cNvSpPr>
+            <a:spLocks noGrp="1"/>
+          </p:cNvSpPr>
+          <p:nvPr>
+            <p:ph type="body" idx="1"/>
+          </p:nvPr>
+        </p:nvSpPr>
+        <p:spPr/>
+        <p:txBody>
+          <a:bodyPr/>
+          <a:lstStyle/>
+          <a:p>
+            <a:endParaRPr lang="en-US" dirty="0"/>
+          </a:p>
+        </p:txBody>
+      </p:sp>
+      <p:sp>
+        <p:nvSpPr>
+          <p:cNvPr id="4" name="Segnaposto numero diapositiva 3">
+            <a:extLst>
+              <a:ext uri="{FF2B5EF4-FFF2-40B4-BE49-F238E27FC236}">
+                <a16:creationId xmlns:a16="http://schemas.microsoft.com/office/drawing/2014/main" id="{7E45F230-FDD7-C076-18B3-6C9D1B2722DC}"/>
+              </a:ext>
+            </a:extLst>
+          </p:cNvPr>
+          <p:cNvSpPr>
+            <a:spLocks noGrp="1"/>
+          </p:cNvSpPr>
+          <p:nvPr>
+            <p:ph type="sldNum" sz="quarter" idx="5"/>
+          </p:nvPr>
+        </p:nvSpPr>
+        <p:spPr/>
+        <p:txBody>
+          <a:bodyPr/>
+          <a:lstStyle/>
+          <a:p>
+            <a:fld id="{802E5CB9-2BE2-4860-85EE-BBFABBF2603A}" type="slidenum">
+              <a:rPr lang="en-US" smtClean="0"/>
+              <a:t>20</a:t>
+            </a:fld>
+            <a:endParaRPr lang="en-US"/>
+          </a:p>
+        </p:txBody>
+      </p:sp>
+    </p:spTree>
+    <p:extLst>
+      <p:ext uri="{BB962C8B-B14F-4D97-AF65-F5344CB8AC3E}">
+        <p14:creationId xmlns:p14="http://schemas.microsoft.com/office/powerpoint/2010/main" val="1803762023"/>
       </p:ext>
     </p:extLst>
   </p:cSld>
@@ -1310,6 +1752,654 @@
     <p:extLst>
       <p:ext uri="{BB962C8B-B14F-4D97-AF65-F5344CB8AC3E}">
         <p14:creationId xmlns:p14="http://schemas.microsoft.com/office/powerpoint/2010/main" val="2738281530"/>
+      </p:ext>
+    </p:extLst>
+  </p:cSld>
+  <p:clrMapOvr>
+    <a:masterClrMapping/>
+  </p:clrMapOvr>
+</p:notes>
+</file>
+
+<file path=ppt/notesSlides/notesSlide20.xml><?xml version="1.0" encoding="utf-8"?>
+<p:notes xmlns:a="http://schemas.openxmlformats.org/drawingml/2006/main" xmlns:r="http://schemas.openxmlformats.org/officeDocument/2006/relationships" xmlns:p="http://schemas.openxmlformats.org/presentationml/2006/main">
+  <p:cSld>
+    <p:spTree>
+      <p:nvGrpSpPr>
+        <p:cNvPr id="1" name="">
+          <a:extLst>
+            <a:ext uri="{FF2B5EF4-FFF2-40B4-BE49-F238E27FC236}">
+              <a16:creationId xmlns:a16="http://schemas.microsoft.com/office/drawing/2014/main" id="{72FEFD59-4314-5C46-CD1E-8C45307F0CF7}"/>
+            </a:ext>
+          </a:extLst>
+        </p:cNvPr>
+        <p:cNvGrpSpPr/>
+        <p:nvPr/>
+      </p:nvGrpSpPr>
+      <p:grpSpPr>
+        <a:xfrm>
+          <a:off x="0" y="0"/>
+          <a:ext cx="0" cy="0"/>
+          <a:chOff x="0" y="0"/>
+          <a:chExt cx="0" cy="0"/>
+        </a:xfrm>
+      </p:grpSpPr>
+      <p:sp>
+        <p:nvSpPr>
+          <p:cNvPr id="2" name="Segnaposto immagine diapositiva 1">
+            <a:extLst>
+              <a:ext uri="{FF2B5EF4-FFF2-40B4-BE49-F238E27FC236}">
+                <a16:creationId xmlns:a16="http://schemas.microsoft.com/office/drawing/2014/main" id="{419597FC-FF79-5DEC-0F17-E5ABBAA3F99B}"/>
+              </a:ext>
+            </a:extLst>
+          </p:cNvPr>
+          <p:cNvSpPr>
+            <a:spLocks noGrp="1" noRot="1" noChangeAspect="1"/>
+          </p:cNvSpPr>
+          <p:nvPr>
+            <p:ph type="sldImg"/>
+          </p:nvPr>
+        </p:nvSpPr>
+        <p:spPr/>
+      </p:sp>
+      <p:sp>
+        <p:nvSpPr>
+          <p:cNvPr id="3" name="Segnaposto note 2">
+            <a:extLst>
+              <a:ext uri="{FF2B5EF4-FFF2-40B4-BE49-F238E27FC236}">
+                <a16:creationId xmlns:a16="http://schemas.microsoft.com/office/drawing/2014/main" id="{89059967-8724-733B-07E7-0D1B96C5C3E9}"/>
+              </a:ext>
+            </a:extLst>
+          </p:cNvPr>
+          <p:cNvSpPr>
+            <a:spLocks noGrp="1"/>
+          </p:cNvSpPr>
+          <p:nvPr>
+            <p:ph type="body" idx="1"/>
+          </p:nvPr>
+        </p:nvSpPr>
+        <p:spPr/>
+        <p:txBody>
+          <a:bodyPr/>
+          <a:lstStyle/>
+          <a:p>
+            <a:endParaRPr lang="en-US" dirty="0"/>
+          </a:p>
+        </p:txBody>
+      </p:sp>
+      <p:sp>
+        <p:nvSpPr>
+          <p:cNvPr id="4" name="Segnaposto numero diapositiva 3">
+            <a:extLst>
+              <a:ext uri="{FF2B5EF4-FFF2-40B4-BE49-F238E27FC236}">
+                <a16:creationId xmlns:a16="http://schemas.microsoft.com/office/drawing/2014/main" id="{9633D229-E106-1042-7B4B-CC10B726E9BB}"/>
+              </a:ext>
+            </a:extLst>
+          </p:cNvPr>
+          <p:cNvSpPr>
+            <a:spLocks noGrp="1"/>
+          </p:cNvSpPr>
+          <p:nvPr>
+            <p:ph type="sldNum" sz="quarter" idx="5"/>
+          </p:nvPr>
+        </p:nvSpPr>
+        <p:spPr/>
+        <p:txBody>
+          <a:bodyPr/>
+          <a:lstStyle/>
+          <a:p>
+            <a:fld id="{802E5CB9-2BE2-4860-85EE-BBFABBF2603A}" type="slidenum">
+              <a:rPr lang="en-US" smtClean="0"/>
+              <a:t>21</a:t>
+            </a:fld>
+            <a:endParaRPr lang="en-US"/>
+          </a:p>
+        </p:txBody>
+      </p:sp>
+    </p:spTree>
+    <p:extLst>
+      <p:ext uri="{BB962C8B-B14F-4D97-AF65-F5344CB8AC3E}">
+        <p14:creationId xmlns:p14="http://schemas.microsoft.com/office/powerpoint/2010/main" val="2516647826"/>
+      </p:ext>
+    </p:extLst>
+  </p:cSld>
+  <p:clrMapOvr>
+    <a:masterClrMapping/>
+  </p:clrMapOvr>
+</p:notes>
+</file>
+
+<file path=ppt/notesSlides/notesSlide21.xml><?xml version="1.0" encoding="utf-8"?>
+<p:notes xmlns:a="http://schemas.openxmlformats.org/drawingml/2006/main" xmlns:r="http://schemas.openxmlformats.org/officeDocument/2006/relationships" xmlns:p="http://schemas.openxmlformats.org/presentationml/2006/main">
+  <p:cSld>
+    <p:spTree>
+      <p:nvGrpSpPr>
+        <p:cNvPr id="1" name="">
+          <a:extLst>
+            <a:ext uri="{FF2B5EF4-FFF2-40B4-BE49-F238E27FC236}">
+              <a16:creationId xmlns:a16="http://schemas.microsoft.com/office/drawing/2014/main" id="{08265E9D-DCD3-A27F-1271-5D161C1EA58B}"/>
+            </a:ext>
+          </a:extLst>
+        </p:cNvPr>
+        <p:cNvGrpSpPr/>
+        <p:nvPr/>
+      </p:nvGrpSpPr>
+      <p:grpSpPr>
+        <a:xfrm>
+          <a:off x="0" y="0"/>
+          <a:ext cx="0" cy="0"/>
+          <a:chOff x="0" y="0"/>
+          <a:chExt cx="0" cy="0"/>
+        </a:xfrm>
+      </p:grpSpPr>
+      <p:sp>
+        <p:nvSpPr>
+          <p:cNvPr id="2" name="Segnaposto immagine diapositiva 1">
+            <a:extLst>
+              <a:ext uri="{FF2B5EF4-FFF2-40B4-BE49-F238E27FC236}">
+                <a16:creationId xmlns:a16="http://schemas.microsoft.com/office/drawing/2014/main" id="{89715730-12EB-5503-03D4-838CD60D9485}"/>
+              </a:ext>
+            </a:extLst>
+          </p:cNvPr>
+          <p:cNvSpPr>
+            <a:spLocks noGrp="1" noRot="1" noChangeAspect="1"/>
+          </p:cNvSpPr>
+          <p:nvPr>
+            <p:ph type="sldImg"/>
+          </p:nvPr>
+        </p:nvSpPr>
+        <p:spPr/>
+      </p:sp>
+      <p:sp>
+        <p:nvSpPr>
+          <p:cNvPr id="3" name="Segnaposto note 2">
+            <a:extLst>
+              <a:ext uri="{FF2B5EF4-FFF2-40B4-BE49-F238E27FC236}">
+                <a16:creationId xmlns:a16="http://schemas.microsoft.com/office/drawing/2014/main" id="{0D1D67AE-A6FA-DA3D-992C-428C6AEF33A4}"/>
+              </a:ext>
+            </a:extLst>
+          </p:cNvPr>
+          <p:cNvSpPr>
+            <a:spLocks noGrp="1"/>
+          </p:cNvSpPr>
+          <p:nvPr>
+            <p:ph type="body" idx="1"/>
+          </p:nvPr>
+        </p:nvSpPr>
+        <p:spPr/>
+        <p:txBody>
+          <a:bodyPr/>
+          <a:lstStyle/>
+          <a:p>
+            <a:endParaRPr lang="en-US" dirty="0"/>
+          </a:p>
+        </p:txBody>
+      </p:sp>
+      <p:sp>
+        <p:nvSpPr>
+          <p:cNvPr id="4" name="Segnaposto numero diapositiva 3">
+            <a:extLst>
+              <a:ext uri="{FF2B5EF4-FFF2-40B4-BE49-F238E27FC236}">
+                <a16:creationId xmlns:a16="http://schemas.microsoft.com/office/drawing/2014/main" id="{BDDE6ACC-B06D-9569-D0A6-3C619729F12F}"/>
+              </a:ext>
+            </a:extLst>
+          </p:cNvPr>
+          <p:cNvSpPr>
+            <a:spLocks noGrp="1"/>
+          </p:cNvSpPr>
+          <p:nvPr>
+            <p:ph type="sldNum" sz="quarter" idx="5"/>
+          </p:nvPr>
+        </p:nvSpPr>
+        <p:spPr/>
+        <p:txBody>
+          <a:bodyPr/>
+          <a:lstStyle/>
+          <a:p>
+            <a:fld id="{802E5CB9-2BE2-4860-85EE-BBFABBF2603A}" type="slidenum">
+              <a:rPr lang="en-US" smtClean="0"/>
+              <a:t>22</a:t>
+            </a:fld>
+            <a:endParaRPr lang="en-US"/>
+          </a:p>
+        </p:txBody>
+      </p:sp>
+    </p:spTree>
+    <p:extLst>
+      <p:ext uri="{BB962C8B-B14F-4D97-AF65-F5344CB8AC3E}">
+        <p14:creationId xmlns:p14="http://schemas.microsoft.com/office/powerpoint/2010/main" val="1302741936"/>
+      </p:ext>
+    </p:extLst>
+  </p:cSld>
+  <p:clrMapOvr>
+    <a:masterClrMapping/>
+  </p:clrMapOvr>
+</p:notes>
+</file>
+
+<file path=ppt/notesSlides/notesSlide22.xml><?xml version="1.0" encoding="utf-8"?>
+<p:notes xmlns:a="http://schemas.openxmlformats.org/drawingml/2006/main" xmlns:r="http://schemas.openxmlformats.org/officeDocument/2006/relationships" xmlns:p="http://schemas.openxmlformats.org/presentationml/2006/main">
+  <p:cSld>
+    <p:spTree>
+      <p:nvGrpSpPr>
+        <p:cNvPr id="1" name="">
+          <a:extLst>
+            <a:ext uri="{FF2B5EF4-FFF2-40B4-BE49-F238E27FC236}">
+              <a16:creationId xmlns:a16="http://schemas.microsoft.com/office/drawing/2014/main" id="{17E9223A-FCFF-55FA-04F9-44BF5372A3A2}"/>
+            </a:ext>
+          </a:extLst>
+        </p:cNvPr>
+        <p:cNvGrpSpPr/>
+        <p:nvPr/>
+      </p:nvGrpSpPr>
+      <p:grpSpPr>
+        <a:xfrm>
+          <a:off x="0" y="0"/>
+          <a:ext cx="0" cy="0"/>
+          <a:chOff x="0" y="0"/>
+          <a:chExt cx="0" cy="0"/>
+        </a:xfrm>
+      </p:grpSpPr>
+      <p:sp>
+        <p:nvSpPr>
+          <p:cNvPr id="2" name="Segnaposto immagine diapositiva 1">
+            <a:extLst>
+              <a:ext uri="{FF2B5EF4-FFF2-40B4-BE49-F238E27FC236}">
+                <a16:creationId xmlns:a16="http://schemas.microsoft.com/office/drawing/2014/main" id="{09A4D566-AFF2-9804-9A1F-17CDEB03353C}"/>
+              </a:ext>
+            </a:extLst>
+          </p:cNvPr>
+          <p:cNvSpPr>
+            <a:spLocks noGrp="1" noRot="1" noChangeAspect="1"/>
+          </p:cNvSpPr>
+          <p:nvPr>
+            <p:ph type="sldImg"/>
+          </p:nvPr>
+        </p:nvSpPr>
+        <p:spPr/>
+      </p:sp>
+      <p:sp>
+        <p:nvSpPr>
+          <p:cNvPr id="3" name="Segnaposto note 2">
+            <a:extLst>
+              <a:ext uri="{FF2B5EF4-FFF2-40B4-BE49-F238E27FC236}">
+                <a16:creationId xmlns:a16="http://schemas.microsoft.com/office/drawing/2014/main" id="{43F08A0D-8022-D0BD-7D40-86B002A41B52}"/>
+              </a:ext>
+            </a:extLst>
+          </p:cNvPr>
+          <p:cNvSpPr>
+            <a:spLocks noGrp="1"/>
+          </p:cNvSpPr>
+          <p:nvPr>
+            <p:ph type="body" idx="1"/>
+          </p:nvPr>
+        </p:nvSpPr>
+        <p:spPr/>
+        <p:txBody>
+          <a:bodyPr/>
+          <a:lstStyle/>
+          <a:p>
+            <a:endParaRPr lang="en-US" dirty="0"/>
+          </a:p>
+        </p:txBody>
+      </p:sp>
+      <p:sp>
+        <p:nvSpPr>
+          <p:cNvPr id="4" name="Segnaposto numero diapositiva 3">
+            <a:extLst>
+              <a:ext uri="{FF2B5EF4-FFF2-40B4-BE49-F238E27FC236}">
+                <a16:creationId xmlns:a16="http://schemas.microsoft.com/office/drawing/2014/main" id="{C78781B6-6F09-B737-7621-9D5F0D37E70E}"/>
+              </a:ext>
+            </a:extLst>
+          </p:cNvPr>
+          <p:cNvSpPr>
+            <a:spLocks noGrp="1"/>
+          </p:cNvSpPr>
+          <p:nvPr>
+            <p:ph type="sldNum" sz="quarter" idx="5"/>
+          </p:nvPr>
+        </p:nvSpPr>
+        <p:spPr/>
+        <p:txBody>
+          <a:bodyPr/>
+          <a:lstStyle/>
+          <a:p>
+            <a:fld id="{802E5CB9-2BE2-4860-85EE-BBFABBF2603A}" type="slidenum">
+              <a:rPr lang="en-US" smtClean="0"/>
+              <a:t>23</a:t>
+            </a:fld>
+            <a:endParaRPr lang="en-US"/>
+          </a:p>
+        </p:txBody>
+      </p:sp>
+    </p:spTree>
+    <p:extLst>
+      <p:ext uri="{BB962C8B-B14F-4D97-AF65-F5344CB8AC3E}">
+        <p14:creationId xmlns:p14="http://schemas.microsoft.com/office/powerpoint/2010/main" val="3669632511"/>
+      </p:ext>
+    </p:extLst>
+  </p:cSld>
+  <p:clrMapOvr>
+    <a:masterClrMapping/>
+  </p:clrMapOvr>
+</p:notes>
+</file>
+
+<file path=ppt/notesSlides/notesSlide23.xml><?xml version="1.0" encoding="utf-8"?>
+<p:notes xmlns:a="http://schemas.openxmlformats.org/drawingml/2006/main" xmlns:r="http://schemas.openxmlformats.org/officeDocument/2006/relationships" xmlns:p="http://schemas.openxmlformats.org/presentationml/2006/main">
+  <p:cSld>
+    <p:spTree>
+      <p:nvGrpSpPr>
+        <p:cNvPr id="1" name="">
+          <a:extLst>
+            <a:ext uri="{FF2B5EF4-FFF2-40B4-BE49-F238E27FC236}">
+              <a16:creationId xmlns:a16="http://schemas.microsoft.com/office/drawing/2014/main" id="{D7B9124B-A8D3-E837-1A05-511238A2E0E1}"/>
+            </a:ext>
+          </a:extLst>
+        </p:cNvPr>
+        <p:cNvGrpSpPr/>
+        <p:nvPr/>
+      </p:nvGrpSpPr>
+      <p:grpSpPr>
+        <a:xfrm>
+          <a:off x="0" y="0"/>
+          <a:ext cx="0" cy="0"/>
+          <a:chOff x="0" y="0"/>
+          <a:chExt cx="0" cy="0"/>
+        </a:xfrm>
+      </p:grpSpPr>
+      <p:sp>
+        <p:nvSpPr>
+          <p:cNvPr id="2" name="Segnaposto immagine diapositiva 1">
+            <a:extLst>
+              <a:ext uri="{FF2B5EF4-FFF2-40B4-BE49-F238E27FC236}">
+                <a16:creationId xmlns:a16="http://schemas.microsoft.com/office/drawing/2014/main" id="{99FE8724-779C-9C9A-8A44-3D114C427E3A}"/>
+              </a:ext>
+            </a:extLst>
+          </p:cNvPr>
+          <p:cNvSpPr>
+            <a:spLocks noGrp="1" noRot="1" noChangeAspect="1"/>
+          </p:cNvSpPr>
+          <p:nvPr>
+            <p:ph type="sldImg"/>
+          </p:nvPr>
+        </p:nvSpPr>
+        <p:spPr/>
+      </p:sp>
+      <p:sp>
+        <p:nvSpPr>
+          <p:cNvPr id="3" name="Segnaposto note 2">
+            <a:extLst>
+              <a:ext uri="{FF2B5EF4-FFF2-40B4-BE49-F238E27FC236}">
+                <a16:creationId xmlns:a16="http://schemas.microsoft.com/office/drawing/2014/main" id="{44334BAE-83E9-DCAB-0BD5-FDC4E70C2B24}"/>
+              </a:ext>
+            </a:extLst>
+          </p:cNvPr>
+          <p:cNvSpPr>
+            <a:spLocks noGrp="1"/>
+          </p:cNvSpPr>
+          <p:nvPr>
+            <p:ph type="body" idx="1"/>
+          </p:nvPr>
+        </p:nvSpPr>
+        <p:spPr/>
+        <p:txBody>
+          <a:bodyPr/>
+          <a:lstStyle/>
+          <a:p>
+            <a:endParaRPr lang="en-US" dirty="0"/>
+          </a:p>
+        </p:txBody>
+      </p:sp>
+      <p:sp>
+        <p:nvSpPr>
+          <p:cNvPr id="4" name="Segnaposto numero diapositiva 3">
+            <a:extLst>
+              <a:ext uri="{FF2B5EF4-FFF2-40B4-BE49-F238E27FC236}">
+                <a16:creationId xmlns:a16="http://schemas.microsoft.com/office/drawing/2014/main" id="{77F0287F-0D97-51F8-9772-54317011118E}"/>
+              </a:ext>
+            </a:extLst>
+          </p:cNvPr>
+          <p:cNvSpPr>
+            <a:spLocks noGrp="1"/>
+          </p:cNvSpPr>
+          <p:nvPr>
+            <p:ph type="sldNum" sz="quarter" idx="5"/>
+          </p:nvPr>
+        </p:nvSpPr>
+        <p:spPr/>
+        <p:txBody>
+          <a:bodyPr/>
+          <a:lstStyle/>
+          <a:p>
+            <a:fld id="{802E5CB9-2BE2-4860-85EE-BBFABBF2603A}" type="slidenum">
+              <a:rPr lang="en-US" smtClean="0"/>
+              <a:t>24</a:t>
+            </a:fld>
+            <a:endParaRPr lang="en-US"/>
+          </a:p>
+        </p:txBody>
+      </p:sp>
+    </p:spTree>
+    <p:extLst>
+      <p:ext uri="{BB962C8B-B14F-4D97-AF65-F5344CB8AC3E}">
+        <p14:creationId xmlns:p14="http://schemas.microsoft.com/office/powerpoint/2010/main" val="465557247"/>
+      </p:ext>
+    </p:extLst>
+  </p:cSld>
+  <p:clrMapOvr>
+    <a:masterClrMapping/>
+  </p:clrMapOvr>
+</p:notes>
+</file>
+
+<file path=ppt/notesSlides/notesSlide24.xml><?xml version="1.0" encoding="utf-8"?>
+<p:notes xmlns:a="http://schemas.openxmlformats.org/drawingml/2006/main" xmlns:r="http://schemas.openxmlformats.org/officeDocument/2006/relationships" xmlns:p="http://schemas.openxmlformats.org/presentationml/2006/main">
+  <p:cSld>
+    <p:spTree>
+      <p:nvGrpSpPr>
+        <p:cNvPr id="1" name="">
+          <a:extLst>
+            <a:ext uri="{FF2B5EF4-FFF2-40B4-BE49-F238E27FC236}">
+              <a16:creationId xmlns:a16="http://schemas.microsoft.com/office/drawing/2014/main" id="{AFFE1F5D-0B90-5637-860B-FA5A5293EFA2}"/>
+            </a:ext>
+          </a:extLst>
+        </p:cNvPr>
+        <p:cNvGrpSpPr/>
+        <p:nvPr/>
+      </p:nvGrpSpPr>
+      <p:grpSpPr>
+        <a:xfrm>
+          <a:off x="0" y="0"/>
+          <a:ext cx="0" cy="0"/>
+          <a:chOff x="0" y="0"/>
+          <a:chExt cx="0" cy="0"/>
+        </a:xfrm>
+      </p:grpSpPr>
+      <p:sp>
+        <p:nvSpPr>
+          <p:cNvPr id="2" name="Segnaposto immagine diapositiva 1">
+            <a:extLst>
+              <a:ext uri="{FF2B5EF4-FFF2-40B4-BE49-F238E27FC236}">
+                <a16:creationId xmlns:a16="http://schemas.microsoft.com/office/drawing/2014/main" id="{87B11FC0-C716-A8B4-FA4A-714E2669EBB3}"/>
+              </a:ext>
+            </a:extLst>
+          </p:cNvPr>
+          <p:cNvSpPr>
+            <a:spLocks noGrp="1" noRot="1" noChangeAspect="1"/>
+          </p:cNvSpPr>
+          <p:nvPr>
+            <p:ph type="sldImg"/>
+          </p:nvPr>
+        </p:nvSpPr>
+        <p:spPr/>
+      </p:sp>
+      <p:sp>
+        <p:nvSpPr>
+          <p:cNvPr id="3" name="Segnaposto note 2">
+            <a:extLst>
+              <a:ext uri="{FF2B5EF4-FFF2-40B4-BE49-F238E27FC236}">
+                <a16:creationId xmlns:a16="http://schemas.microsoft.com/office/drawing/2014/main" id="{0127135B-1C99-E037-F6A9-C53801653D24}"/>
+              </a:ext>
+            </a:extLst>
+          </p:cNvPr>
+          <p:cNvSpPr>
+            <a:spLocks noGrp="1"/>
+          </p:cNvSpPr>
+          <p:nvPr>
+            <p:ph type="body" idx="1"/>
+          </p:nvPr>
+        </p:nvSpPr>
+        <p:spPr/>
+        <p:txBody>
+          <a:bodyPr/>
+          <a:lstStyle/>
+          <a:p>
+            <a:endParaRPr lang="en-US" dirty="0"/>
+          </a:p>
+        </p:txBody>
+      </p:sp>
+      <p:sp>
+        <p:nvSpPr>
+          <p:cNvPr id="4" name="Segnaposto numero diapositiva 3">
+            <a:extLst>
+              <a:ext uri="{FF2B5EF4-FFF2-40B4-BE49-F238E27FC236}">
+                <a16:creationId xmlns:a16="http://schemas.microsoft.com/office/drawing/2014/main" id="{2FD00DC1-0C94-0D15-7AC1-C394128C4878}"/>
+              </a:ext>
+            </a:extLst>
+          </p:cNvPr>
+          <p:cNvSpPr>
+            <a:spLocks noGrp="1"/>
+          </p:cNvSpPr>
+          <p:nvPr>
+            <p:ph type="sldNum" sz="quarter" idx="5"/>
+          </p:nvPr>
+        </p:nvSpPr>
+        <p:spPr/>
+        <p:txBody>
+          <a:bodyPr/>
+          <a:lstStyle/>
+          <a:p>
+            <a:fld id="{802E5CB9-2BE2-4860-85EE-BBFABBF2603A}" type="slidenum">
+              <a:rPr lang="en-US" smtClean="0"/>
+              <a:t>25</a:t>
+            </a:fld>
+            <a:endParaRPr lang="en-US" dirty="0"/>
+          </a:p>
+        </p:txBody>
+      </p:sp>
+    </p:spTree>
+    <p:extLst>
+      <p:ext uri="{BB962C8B-B14F-4D97-AF65-F5344CB8AC3E}">
+        <p14:creationId xmlns:p14="http://schemas.microsoft.com/office/powerpoint/2010/main" val="3049510192"/>
+      </p:ext>
+    </p:extLst>
+  </p:cSld>
+  <p:clrMapOvr>
+    <a:masterClrMapping/>
+  </p:clrMapOvr>
+</p:notes>
+</file>
+
+<file path=ppt/notesSlides/notesSlide25.xml><?xml version="1.0" encoding="utf-8"?>
+<p:notes xmlns:a="http://schemas.openxmlformats.org/drawingml/2006/main" xmlns:r="http://schemas.openxmlformats.org/officeDocument/2006/relationships" xmlns:p="http://schemas.openxmlformats.org/presentationml/2006/main">
+  <p:cSld>
+    <p:spTree>
+      <p:nvGrpSpPr>
+        <p:cNvPr id="1" name="">
+          <a:extLst>
+            <a:ext uri="{FF2B5EF4-FFF2-40B4-BE49-F238E27FC236}">
+              <a16:creationId xmlns:a16="http://schemas.microsoft.com/office/drawing/2014/main" id="{65864513-E649-53E0-87A1-EEFA296BA632}"/>
+            </a:ext>
+          </a:extLst>
+        </p:cNvPr>
+        <p:cNvGrpSpPr/>
+        <p:nvPr/>
+      </p:nvGrpSpPr>
+      <p:grpSpPr>
+        <a:xfrm>
+          <a:off x="0" y="0"/>
+          <a:ext cx="0" cy="0"/>
+          <a:chOff x="0" y="0"/>
+          <a:chExt cx="0" cy="0"/>
+        </a:xfrm>
+      </p:grpSpPr>
+      <p:sp>
+        <p:nvSpPr>
+          <p:cNvPr id="2" name="Segnaposto immagine diapositiva 1">
+            <a:extLst>
+              <a:ext uri="{FF2B5EF4-FFF2-40B4-BE49-F238E27FC236}">
+                <a16:creationId xmlns:a16="http://schemas.microsoft.com/office/drawing/2014/main" id="{8C1C4DF0-78E7-A95A-672D-9C964F6F0E03}"/>
+              </a:ext>
+            </a:extLst>
+          </p:cNvPr>
+          <p:cNvSpPr>
+            <a:spLocks noGrp="1" noRot="1" noChangeAspect="1"/>
+          </p:cNvSpPr>
+          <p:nvPr>
+            <p:ph type="sldImg"/>
+          </p:nvPr>
+        </p:nvSpPr>
+        <p:spPr/>
+      </p:sp>
+      <p:sp>
+        <p:nvSpPr>
+          <p:cNvPr id="3" name="Segnaposto note 2">
+            <a:extLst>
+              <a:ext uri="{FF2B5EF4-FFF2-40B4-BE49-F238E27FC236}">
+                <a16:creationId xmlns:a16="http://schemas.microsoft.com/office/drawing/2014/main" id="{547BC4DC-F15B-3086-5F79-4531B76DC904}"/>
+              </a:ext>
+            </a:extLst>
+          </p:cNvPr>
+          <p:cNvSpPr>
+            <a:spLocks noGrp="1"/>
+          </p:cNvSpPr>
+          <p:nvPr>
+            <p:ph type="body" idx="1"/>
+          </p:nvPr>
+        </p:nvSpPr>
+        <p:spPr/>
+        <p:txBody>
+          <a:bodyPr/>
+          <a:lstStyle/>
+          <a:p>
+            <a:endParaRPr lang="en-US" dirty="0"/>
+          </a:p>
+        </p:txBody>
+      </p:sp>
+      <p:sp>
+        <p:nvSpPr>
+          <p:cNvPr id="4" name="Segnaposto numero diapositiva 3">
+            <a:extLst>
+              <a:ext uri="{FF2B5EF4-FFF2-40B4-BE49-F238E27FC236}">
+                <a16:creationId xmlns:a16="http://schemas.microsoft.com/office/drawing/2014/main" id="{ADF4DD12-D8FC-83A5-D1C6-4F7434CEE2A4}"/>
+              </a:ext>
+            </a:extLst>
+          </p:cNvPr>
+          <p:cNvSpPr>
+            <a:spLocks noGrp="1"/>
+          </p:cNvSpPr>
+          <p:nvPr>
+            <p:ph type="sldNum" sz="quarter" idx="5"/>
+          </p:nvPr>
+        </p:nvSpPr>
+        <p:spPr/>
+        <p:txBody>
+          <a:bodyPr/>
+          <a:lstStyle/>
+          <a:p>
+            <a:fld id="{802E5CB9-2BE2-4860-85EE-BBFABBF2603A}" type="slidenum">
+              <a:rPr lang="en-US" smtClean="0"/>
+              <a:t>26</a:t>
+            </a:fld>
+            <a:endParaRPr lang="en-US"/>
+          </a:p>
+        </p:txBody>
+      </p:sp>
+    </p:spTree>
+    <p:extLst>
+      <p:ext uri="{BB962C8B-B14F-4D97-AF65-F5344CB8AC3E}">
+        <p14:creationId xmlns:p14="http://schemas.microsoft.com/office/powerpoint/2010/main" val="1525967442"/>
       </p:ext>
     </p:extLst>
   </p:cSld>
@@ -1927,7 +3017,7 @@
         <p:cNvPr id="1" name="">
           <a:extLst>
             <a:ext uri="{FF2B5EF4-FFF2-40B4-BE49-F238E27FC236}">
-              <a16:creationId xmlns:a16="http://schemas.microsoft.com/office/drawing/2014/main" id="{04FE3C3A-E7F1-3A0C-EC96-05D47DE9865C}"/>
+              <a16:creationId xmlns:a16="http://schemas.microsoft.com/office/drawing/2014/main" id="{191A04A0-CAE4-010E-FE85-75A5040DDD2E}"/>
             </a:ext>
           </a:extLst>
         </p:cNvPr>
@@ -1947,7 +3037,7 @@
           <p:cNvPr id="2" name="Segnaposto immagine diapositiva 1">
             <a:extLst>
               <a:ext uri="{FF2B5EF4-FFF2-40B4-BE49-F238E27FC236}">
-                <a16:creationId xmlns:a16="http://schemas.microsoft.com/office/drawing/2014/main" id="{42AEF1A2-D470-C358-CAE2-EDA1D2DE3775}"/>
+                <a16:creationId xmlns:a16="http://schemas.microsoft.com/office/drawing/2014/main" id="{EE4E2E97-5BE7-8643-D1BA-9AEE938C91A1}"/>
               </a:ext>
             </a:extLst>
           </p:cNvPr>
@@ -1965,7 +3055,7 @@
           <p:cNvPr id="3" name="Segnaposto note 2">
             <a:extLst>
               <a:ext uri="{FF2B5EF4-FFF2-40B4-BE49-F238E27FC236}">
-                <a16:creationId xmlns:a16="http://schemas.microsoft.com/office/drawing/2014/main" id="{A32B0C29-8461-7BED-D50E-C04337C582E4}"/>
+                <a16:creationId xmlns:a16="http://schemas.microsoft.com/office/drawing/2014/main" id="{7D993612-1F05-192F-8DEC-C10C339B3295}"/>
               </a:ext>
             </a:extLst>
           </p:cNvPr>
@@ -1990,7 +3080,7 @@
           <p:cNvPr id="4" name="Segnaposto numero diapositiva 3">
             <a:extLst>
               <a:ext uri="{FF2B5EF4-FFF2-40B4-BE49-F238E27FC236}">
-                <a16:creationId xmlns:a16="http://schemas.microsoft.com/office/drawing/2014/main" id="{47EBBD10-AB62-98C2-DF7B-FFEEA600FFB2}"/>
+                <a16:creationId xmlns:a16="http://schemas.microsoft.com/office/drawing/2014/main" id="{01E8ABA2-14ED-A3A7-687A-C13AFBF23ED1}"/>
               </a:ext>
             </a:extLst>
           </p:cNvPr>
@@ -2010,14 +3100,14 @@
               <a:rPr lang="en-US" smtClean="0"/>
               <a:t>10</a:t>
             </a:fld>
-            <a:endParaRPr lang="en-US" dirty="0"/>
+            <a:endParaRPr lang="en-US"/>
           </a:p>
         </p:txBody>
       </p:sp>
     </p:spTree>
     <p:extLst>
       <p:ext uri="{BB962C8B-B14F-4D97-AF65-F5344CB8AC3E}">
-        <p14:creationId xmlns:p14="http://schemas.microsoft.com/office/powerpoint/2010/main" val="2270648854"/>
+        <p14:creationId xmlns:p14="http://schemas.microsoft.com/office/powerpoint/2010/main" val="236155221"/>
       </p:ext>
     </p:extLst>
   </p:cSld>
@@ -5902,7 +6992,7 @@
         <p:cNvPr id="1" name="">
           <a:extLst>
             <a:ext uri="{FF2B5EF4-FFF2-40B4-BE49-F238E27FC236}">
-              <a16:creationId xmlns:a16="http://schemas.microsoft.com/office/drawing/2014/main" id="{733D26AC-2327-1CA6-43CB-9961EB1F1A07}"/>
+              <a16:creationId xmlns:a16="http://schemas.microsoft.com/office/drawing/2014/main" id="{43263EFD-6503-BF1A-1889-4421B3AB6960}"/>
             </a:ext>
           </a:extLst>
         </p:cNvPr>
@@ -5922,202 +7012,7 @@
           <p:cNvPr id="2" name="Titolo 1">
             <a:extLst>
               <a:ext uri="{FF2B5EF4-FFF2-40B4-BE49-F238E27FC236}">
-                <a16:creationId xmlns:a16="http://schemas.microsoft.com/office/drawing/2014/main" id="{6D736556-3B1F-EBC2-890B-6F54559F162F}"/>
-              </a:ext>
-            </a:extLst>
-          </p:cNvPr>
-          <p:cNvSpPr>
-            <a:spLocks noGrp="1"/>
-          </p:cNvSpPr>
-          <p:nvPr>
-            <p:ph type="title"/>
-          </p:nvPr>
-        </p:nvSpPr>
-        <p:spPr/>
-        <p:txBody>
-          <a:bodyPr/>
-          <a:lstStyle/>
-          <a:p>
-            <a:r>
-              <a:rPr lang="en-US" dirty="0"/>
-              <a:t>Outline </a:t>
-            </a:r>
-          </a:p>
-        </p:txBody>
-      </p:sp>
-      <p:sp>
-        <p:nvSpPr>
-          <p:cNvPr id="3" name="Segnaposto contenuto 2">
-            <a:extLst>
-              <a:ext uri="{FF2B5EF4-FFF2-40B4-BE49-F238E27FC236}">
-                <a16:creationId xmlns:a16="http://schemas.microsoft.com/office/drawing/2014/main" id="{8EFF1296-FDE0-61B5-BC95-B6E35511A393}"/>
-              </a:ext>
-            </a:extLst>
-          </p:cNvPr>
-          <p:cNvSpPr>
-            <a:spLocks noGrp="1"/>
-          </p:cNvSpPr>
-          <p:nvPr>
-            <p:ph idx="1"/>
-          </p:nvPr>
-        </p:nvSpPr>
-        <p:spPr>
-          <a:xfrm>
-            <a:off x="664464" y="2041497"/>
-            <a:ext cx="10098024" cy="2613436"/>
-          </a:xfrm>
-        </p:spPr>
-        <p:txBody>
-          <a:bodyPr>
-            <a:noAutofit/>
-          </a:bodyPr>
-          <a:lstStyle/>
-          <a:p>
-            <a:r>
-              <a:rPr lang="en-US" sz="2000" dirty="0">
-                <a:solidFill>
-                  <a:schemeClr val="bg1">
-                    <a:lumMod val="75000"/>
-                  </a:schemeClr>
-                </a:solidFill>
-              </a:rPr>
-              <a:t>Why building a heuristic classifier</a:t>
-            </a:r>
-          </a:p>
-          <a:p>
-            <a:r>
-              <a:rPr lang="en-US" sz="2000" dirty="0">
-                <a:solidFill>
-                  <a:schemeClr val="bg1">
-                    <a:lumMod val="75000"/>
-                  </a:schemeClr>
-                </a:solidFill>
-              </a:rPr>
-              <a:t>Knowledge on roving signals: recap</a:t>
-            </a:r>
-          </a:p>
-          <a:p>
-            <a:r>
-              <a:rPr lang="en-US" sz="2000" dirty="0"/>
-              <a:t>Heuristic classifier: pseudo code</a:t>
-            </a:r>
-          </a:p>
-          <a:p>
-            <a:r>
-              <a:rPr lang="en-US" sz="2000" dirty="0">
-                <a:solidFill>
-                  <a:schemeClr val="bg1">
-                    <a:lumMod val="75000"/>
-                  </a:schemeClr>
-                </a:solidFill>
-              </a:rPr>
-              <a:t>Performance</a:t>
-            </a:r>
-          </a:p>
-          <a:p>
-            <a:r>
-              <a:rPr lang="en-US" sz="2000" dirty="0">
-                <a:solidFill>
-                  <a:schemeClr val="bg1">
-                    <a:lumMod val="75000"/>
-                  </a:schemeClr>
-                </a:solidFill>
-              </a:rPr>
-              <a:t>Conclusions </a:t>
-            </a:r>
-            <a:endParaRPr lang="en-US" sz="1600" dirty="0">
-              <a:solidFill>
-                <a:schemeClr val="bg1">
-                  <a:lumMod val="75000"/>
-                </a:schemeClr>
-              </a:solidFill>
-            </a:endParaRPr>
-          </a:p>
-          <a:p>
-            <a:pPr marL="0" indent="0">
-              <a:buNone/>
-            </a:pPr>
-            <a:endParaRPr lang="en-US" sz="1600" dirty="0">
-              <a:solidFill>
-                <a:schemeClr val="bg1">
-                  <a:lumMod val="75000"/>
-                </a:schemeClr>
-              </a:solidFill>
-            </a:endParaRPr>
-          </a:p>
-        </p:txBody>
-      </p:sp>
-      <p:sp>
-        <p:nvSpPr>
-          <p:cNvPr id="4" name="Segnaposto numero diapositiva 3">
-            <a:extLst>
-              <a:ext uri="{FF2B5EF4-FFF2-40B4-BE49-F238E27FC236}">
-                <a16:creationId xmlns:a16="http://schemas.microsoft.com/office/drawing/2014/main" id="{69693410-66DE-DE02-469D-0FAB7AB89240}"/>
-              </a:ext>
-            </a:extLst>
-          </p:cNvPr>
-          <p:cNvSpPr>
-            <a:spLocks noGrp="1"/>
-          </p:cNvSpPr>
-          <p:nvPr>
-            <p:ph type="sldNum" sz="quarter" idx="12"/>
-          </p:nvPr>
-        </p:nvSpPr>
-        <p:spPr/>
-        <p:txBody>
-          <a:bodyPr/>
-          <a:lstStyle/>
-          <a:p>
-            <a:fld id="{2FA0223F-D95A-431D-9A71-EDA7FA0C2F5B}" type="slidenum">
-              <a:rPr lang="en-US" smtClean="0"/>
-              <a:t>10</a:t>
-            </a:fld>
-            <a:endParaRPr lang="en-US" dirty="0"/>
-          </a:p>
-        </p:txBody>
-      </p:sp>
-    </p:spTree>
-    <p:extLst>
-      <p:ext uri="{BB962C8B-B14F-4D97-AF65-F5344CB8AC3E}">
-        <p14:creationId xmlns:p14="http://schemas.microsoft.com/office/powerpoint/2010/main" val="495741893"/>
-      </p:ext>
-    </p:extLst>
-  </p:cSld>
-  <p:clrMapOvr>
-    <a:masterClrMapping/>
-  </p:clrMapOvr>
-</p:sld>
-</file>
-
-<file path=ppt/slides/slide11.xml><?xml version="1.0" encoding="utf-8"?>
-<p:sld xmlns:a="http://schemas.openxmlformats.org/drawingml/2006/main" xmlns:r="http://schemas.openxmlformats.org/officeDocument/2006/relationships" xmlns:p="http://schemas.openxmlformats.org/presentationml/2006/main">
-  <p:cSld>
-    <p:spTree>
-      <p:nvGrpSpPr>
-        <p:cNvPr id="1" name="">
-          <a:extLst>
-            <a:ext uri="{FF2B5EF4-FFF2-40B4-BE49-F238E27FC236}">
-              <a16:creationId xmlns:a16="http://schemas.microsoft.com/office/drawing/2014/main" id="{C8D6F2C1-0E5E-78E6-CBF0-4D7C0405EDEA}"/>
-            </a:ext>
-          </a:extLst>
-        </p:cNvPr>
-        <p:cNvGrpSpPr/>
-        <p:nvPr/>
-      </p:nvGrpSpPr>
-      <p:grpSpPr>
-        <a:xfrm>
-          <a:off x="0" y="0"/>
-          <a:ext cx="0" cy="0"/>
-          <a:chOff x="0" y="0"/>
-          <a:chExt cx="0" cy="0"/>
-        </a:xfrm>
-      </p:grpSpPr>
-      <p:sp>
-        <p:nvSpPr>
-          <p:cNvPr id="2" name="Titolo 1">
-            <a:extLst>
-              <a:ext uri="{FF2B5EF4-FFF2-40B4-BE49-F238E27FC236}">
-                <a16:creationId xmlns:a16="http://schemas.microsoft.com/office/drawing/2014/main" id="{DD77DB7C-7733-62BB-A603-121A804E02F1}"/>
+                <a16:creationId xmlns:a16="http://schemas.microsoft.com/office/drawing/2014/main" id="{F58EA386-61FD-3321-CCFF-4001DAC1C002}"/>
               </a:ext>
             </a:extLst>
           </p:cNvPr>
@@ -6142,7 +7037,7 @@
           <a:p>
             <a:r>
               <a:rPr lang="en-US" sz="3600" dirty="0"/>
-              <a:t>Heuristic classifier: pseudo code</a:t>
+              <a:t>Stratified train/test split</a:t>
             </a:r>
           </a:p>
         </p:txBody>
@@ -6152,7 +7047,7 @@
           <p:cNvPr id="4" name="Segnaposto numero diapositiva 3">
             <a:extLst>
               <a:ext uri="{FF2B5EF4-FFF2-40B4-BE49-F238E27FC236}">
-                <a16:creationId xmlns:a16="http://schemas.microsoft.com/office/drawing/2014/main" id="{A6407C73-A2AD-6C61-0DEA-387DCD4EA1E8}"/>
+                <a16:creationId xmlns:a16="http://schemas.microsoft.com/office/drawing/2014/main" id="{2304C22A-B8D1-8F22-FBC3-0D10E1D3617F}"/>
               </a:ext>
             </a:extLst>
           </p:cNvPr>
@@ -6170,7 +7065,7 @@
           <a:p>
             <a:fld id="{2FA0223F-D95A-431D-9A71-EDA7FA0C2F5B}" type="slidenum">
               <a:rPr lang="en-US" smtClean="0"/>
-              <a:t>11</a:t>
+              <a:t>10</a:t>
             </a:fld>
             <a:endParaRPr lang="en-US"/>
           </a:p>
@@ -6181,7 +7076,7 @@
           <p:cNvPr id="27" name="Rettangolo 26">
             <a:extLst>
               <a:ext uri="{FF2B5EF4-FFF2-40B4-BE49-F238E27FC236}">
-                <a16:creationId xmlns:a16="http://schemas.microsoft.com/office/drawing/2014/main" id="{DC939303-1F6F-C626-77E4-5F738EA6CBBE}"/>
+                <a16:creationId xmlns:a16="http://schemas.microsoft.com/office/drawing/2014/main" id="{BC352189-211A-3D99-CA72-F10763A0F677}"/>
               </a:ext>
             </a:extLst>
           </p:cNvPr>
@@ -6235,7 +7130,7 @@
           <p:cNvPr id="12" name="Rettangolo 11">
             <a:extLst>
               <a:ext uri="{FF2B5EF4-FFF2-40B4-BE49-F238E27FC236}">
-                <a16:creationId xmlns:a16="http://schemas.microsoft.com/office/drawing/2014/main" id="{12204FA3-A088-47F9-5368-E26810B42A83}"/>
+                <a16:creationId xmlns:a16="http://schemas.microsoft.com/office/drawing/2014/main" id="{17A49725-83BF-7427-A05A-06ED33540663}"/>
               </a:ext>
             </a:extLst>
           </p:cNvPr>
@@ -6289,6 +7184,734 @@
           <p:cNvPr id="9" name="Segnaposto contenuto 2">
             <a:extLst>
               <a:ext uri="{FF2B5EF4-FFF2-40B4-BE49-F238E27FC236}">
+                <a16:creationId xmlns:a16="http://schemas.microsoft.com/office/drawing/2014/main" id="{99B8CEF0-7A5A-A926-19C7-1DBE239645C1}"/>
+              </a:ext>
+            </a:extLst>
+          </p:cNvPr>
+          <p:cNvSpPr>
+            <a:spLocks noGrp="1"/>
+          </p:cNvSpPr>
+          <p:nvPr>
+            <p:ph idx="1"/>
+          </p:nvPr>
+        </p:nvSpPr>
+        <p:spPr>
+          <a:xfrm>
+            <a:off x="749517" y="1606159"/>
+            <a:ext cx="5062003" cy="3951361"/>
+          </a:xfrm>
+        </p:spPr>
+        <p:txBody>
+          <a:bodyPr>
+            <a:noAutofit/>
+          </a:bodyPr>
+          <a:lstStyle/>
+          <a:p>
+            <a:pPr marL="0" indent="0">
+              <a:buNone/>
+            </a:pPr>
+            <a:r>
+              <a:rPr lang="en-US" sz="1800" dirty="0"/>
+              <a:t>Of the 1038 signals into the dataset:</a:t>
+            </a:r>
+          </a:p>
+          <a:p>
+            <a:r>
+              <a:rPr lang="en-US" sz="1800" dirty="0"/>
+              <a:t>796 are </a:t>
+            </a:r>
+            <a:r>
+              <a:rPr lang="en-US" sz="1800" b="1" dirty="0">
+                <a:solidFill>
+                  <a:srgbClr val="0070C0"/>
+                </a:solidFill>
+              </a:rPr>
+              <a:t>MAP A </a:t>
+            </a:r>
+            <a:r>
+              <a:rPr lang="en-US" sz="1800" dirty="0"/>
+              <a:t>(76.69%)</a:t>
+            </a:r>
+          </a:p>
+          <a:p>
+            <a:r>
+              <a:rPr lang="en-US" sz="1800" dirty="0"/>
+              <a:t>120 are </a:t>
+            </a:r>
+            <a:r>
+              <a:rPr lang="en-US" sz="1800" b="1" dirty="0">
+                <a:solidFill>
+                  <a:srgbClr val="00B050"/>
+                </a:solidFill>
+              </a:rPr>
+              <a:t>MAP B </a:t>
+            </a:r>
+            <a:r>
+              <a:rPr lang="en-US" sz="1800" dirty="0"/>
+              <a:t>(11.56%)</a:t>
+            </a:r>
+          </a:p>
+          <a:p>
+            <a:r>
+              <a:rPr lang="en-US" sz="1800" dirty="0"/>
+              <a:t>122 are </a:t>
+            </a:r>
+            <a:r>
+              <a:rPr lang="en-US" sz="1800" b="1" dirty="0">
+                <a:solidFill>
+                  <a:srgbClr val="FF0000"/>
+                </a:solidFill>
+              </a:rPr>
+              <a:t>MAP C</a:t>
+            </a:r>
+            <a:r>
+              <a:rPr lang="en-US" sz="1800" dirty="0"/>
+              <a:t> (11.75%)</a:t>
+            </a:r>
+          </a:p>
+          <a:p>
+            <a:pPr marL="0" indent="0">
+              <a:buNone/>
+            </a:pPr>
+            <a:endParaRPr lang="en-US" sz="1800" dirty="0"/>
+          </a:p>
+          <a:p>
+            <a:pPr marL="0" indent="0">
+              <a:buNone/>
+            </a:pPr>
+            <a:r>
+              <a:rPr lang="en-US" sz="1800" dirty="0"/>
+              <a:t>Thus, the following conclusions could be done:</a:t>
+            </a:r>
+          </a:p>
+          <a:p>
+            <a:r>
+              <a:rPr lang="en-US" sz="1800" dirty="0"/>
+              <a:t>Unbalanced dataset towards MAP A</a:t>
+            </a:r>
+          </a:p>
+          <a:p>
+            <a:r>
+              <a:rPr lang="en-US" sz="1800" dirty="0"/>
+              <a:t>Stratified train/test splitting is necessary</a:t>
+            </a:r>
+          </a:p>
+          <a:p>
+            <a:pPr lvl="1"/>
+            <a:r>
+              <a:rPr lang="en-US" sz="1600" dirty="0"/>
+              <a:t>Done with a 70-30% split </a:t>
+            </a:r>
+          </a:p>
+          <a:p>
+            <a:pPr marL="0" indent="0">
+              <a:buNone/>
+            </a:pPr>
+            <a:endParaRPr lang="en-US" sz="1800" dirty="0"/>
+          </a:p>
+          <a:p>
+            <a:endParaRPr lang="en-US" sz="1800" dirty="0"/>
+          </a:p>
+        </p:txBody>
+      </p:sp>
+      <p:pic>
+        <p:nvPicPr>
+          <p:cNvPr id="10" name="Immagine 9">
+            <a:extLst>
+              <a:ext uri="{FF2B5EF4-FFF2-40B4-BE49-F238E27FC236}">
+                <a16:creationId xmlns:a16="http://schemas.microsoft.com/office/drawing/2014/main" id="{B3154E38-A686-8F45-EB45-05914A97FB8F}"/>
+              </a:ext>
+            </a:extLst>
+          </p:cNvPr>
+          <p:cNvPicPr>
+            <a:picLocks noChangeAspect="1"/>
+          </p:cNvPicPr>
+          <p:nvPr/>
+        </p:nvPicPr>
+        <p:blipFill>
+          <a:blip r:embed="rId3"/>
+          <a:stretch>
+            <a:fillRect/>
+          </a:stretch>
+        </p:blipFill>
+        <p:spPr>
+          <a:xfrm>
+            <a:off x="6198184" y="1606159"/>
+            <a:ext cx="3397377" cy="2029602"/>
+          </a:xfrm>
+          <a:prstGeom prst="rect">
+            <a:avLst/>
+          </a:prstGeom>
+        </p:spPr>
+      </p:pic>
+      <p:sp>
+        <p:nvSpPr>
+          <p:cNvPr id="11" name="Parentesi graffa chiusa 10">
+            <a:extLst>
+              <a:ext uri="{FF2B5EF4-FFF2-40B4-BE49-F238E27FC236}">
+                <a16:creationId xmlns:a16="http://schemas.microsoft.com/office/drawing/2014/main" id="{1C65CD1C-821E-9778-50E3-D1E242825E7C}"/>
+              </a:ext>
+            </a:extLst>
+          </p:cNvPr>
+          <p:cNvSpPr/>
+          <p:nvPr/>
+        </p:nvSpPr>
+        <p:spPr>
+          <a:xfrm>
+            <a:off x="9595561" y="1980839"/>
+            <a:ext cx="206547" cy="780649"/>
+          </a:xfrm>
+          <a:prstGeom prst="rightBrace">
+            <a:avLst/>
+          </a:prstGeom>
+        </p:spPr>
+        <p:style>
+          <a:lnRef idx="3">
+            <a:schemeClr val="accent5"/>
+          </a:lnRef>
+          <a:fillRef idx="0">
+            <a:schemeClr val="accent5"/>
+          </a:fillRef>
+          <a:effectRef idx="2">
+            <a:schemeClr val="accent5"/>
+          </a:effectRef>
+          <a:fontRef idx="minor">
+            <a:schemeClr val="tx1"/>
+          </a:fontRef>
+        </p:style>
+        <p:txBody>
+          <a:bodyPr rtlCol="0" anchor="ctr"/>
+          <a:lstStyle/>
+          <a:p>
+            <a:pPr algn="ctr"/>
+            <a:endParaRPr lang="it-IT"/>
+          </a:p>
+        </p:txBody>
+      </p:sp>
+      <p:sp>
+        <p:nvSpPr>
+          <p:cNvPr id="15" name="Parentesi graffa chiusa 14">
+            <a:extLst>
+              <a:ext uri="{FF2B5EF4-FFF2-40B4-BE49-F238E27FC236}">
+                <a16:creationId xmlns:a16="http://schemas.microsoft.com/office/drawing/2014/main" id="{BD7A6076-B32A-57E9-DE36-E05EBEF46915}"/>
+              </a:ext>
+            </a:extLst>
+          </p:cNvPr>
+          <p:cNvSpPr/>
+          <p:nvPr/>
+        </p:nvSpPr>
+        <p:spPr>
+          <a:xfrm>
+            <a:off x="9583826" y="2855112"/>
+            <a:ext cx="206547" cy="780649"/>
+          </a:xfrm>
+          <a:prstGeom prst="rightBrace">
+            <a:avLst/>
+          </a:prstGeom>
+        </p:spPr>
+        <p:style>
+          <a:lnRef idx="3">
+            <a:schemeClr val="accent5"/>
+          </a:lnRef>
+          <a:fillRef idx="0">
+            <a:schemeClr val="accent5"/>
+          </a:fillRef>
+          <a:effectRef idx="2">
+            <a:schemeClr val="accent5"/>
+          </a:effectRef>
+          <a:fontRef idx="minor">
+            <a:schemeClr val="tx1"/>
+          </a:fontRef>
+        </p:style>
+        <p:txBody>
+          <a:bodyPr rtlCol="0" anchor="ctr"/>
+          <a:lstStyle/>
+          <a:p>
+            <a:pPr algn="ctr"/>
+            <a:endParaRPr lang="it-IT"/>
+          </a:p>
+        </p:txBody>
+      </p:sp>
+      <p:sp>
+        <p:nvSpPr>
+          <p:cNvPr id="17" name="CasellaDiTesto 16">
+            <a:extLst>
+              <a:ext uri="{FF2B5EF4-FFF2-40B4-BE49-F238E27FC236}">
+                <a16:creationId xmlns:a16="http://schemas.microsoft.com/office/drawing/2014/main" id="{096A951F-5DEA-02E3-4CA9-C151F5D8332E}"/>
+              </a:ext>
+            </a:extLst>
+          </p:cNvPr>
+          <p:cNvSpPr txBox="1"/>
+          <p:nvPr/>
+        </p:nvSpPr>
+        <p:spPr>
+          <a:xfrm>
+            <a:off x="9790372" y="2154674"/>
+            <a:ext cx="1411027" cy="369332"/>
+          </a:xfrm>
+          <a:prstGeom prst="rect">
+            <a:avLst/>
+          </a:prstGeom>
+          <a:noFill/>
+        </p:spPr>
+        <p:txBody>
+          <a:bodyPr wrap="square">
+            <a:spAutoFit/>
+          </a:bodyPr>
+          <a:lstStyle/>
+          <a:p>
+            <a:r>
+              <a:rPr lang="en-GB" sz="1800" noProof="0" dirty="0"/>
+              <a:t>Total 726</a:t>
+            </a:r>
+            <a:endParaRPr lang="it-IT" dirty="0"/>
+          </a:p>
+        </p:txBody>
+      </p:sp>
+      <p:sp>
+        <p:nvSpPr>
+          <p:cNvPr id="18" name="CasellaDiTesto 17">
+            <a:extLst>
+              <a:ext uri="{FF2B5EF4-FFF2-40B4-BE49-F238E27FC236}">
+                <a16:creationId xmlns:a16="http://schemas.microsoft.com/office/drawing/2014/main" id="{A8E179E9-BB6D-6CEC-ED4B-872ACA6EB1CB}"/>
+              </a:ext>
+            </a:extLst>
+          </p:cNvPr>
+          <p:cNvSpPr txBox="1"/>
+          <p:nvPr/>
+        </p:nvSpPr>
+        <p:spPr>
+          <a:xfrm>
+            <a:off x="9790372" y="3059668"/>
+            <a:ext cx="1219003" cy="369332"/>
+          </a:xfrm>
+          <a:prstGeom prst="rect">
+            <a:avLst/>
+          </a:prstGeom>
+          <a:noFill/>
+        </p:spPr>
+        <p:txBody>
+          <a:bodyPr wrap="square">
+            <a:spAutoFit/>
+          </a:bodyPr>
+          <a:lstStyle/>
+          <a:p>
+            <a:r>
+              <a:rPr lang="en-GB" dirty="0"/>
+              <a:t>Total 312</a:t>
+            </a:r>
+            <a:endParaRPr lang="it-IT" dirty="0"/>
+          </a:p>
+        </p:txBody>
+      </p:sp>
+    </p:spTree>
+    <p:extLst>
+      <p:ext uri="{BB962C8B-B14F-4D97-AF65-F5344CB8AC3E}">
+        <p14:creationId xmlns:p14="http://schemas.microsoft.com/office/powerpoint/2010/main" val="3776494347"/>
+      </p:ext>
+    </p:extLst>
+  </p:cSld>
+  <p:clrMapOvr>
+    <a:masterClrMapping/>
+  </p:clrMapOvr>
+</p:sld>
+</file>
+
+<file path=ppt/slides/slide11.xml><?xml version="1.0" encoding="utf-8"?>
+<p:sld xmlns:a="http://schemas.openxmlformats.org/drawingml/2006/main" xmlns:r="http://schemas.openxmlformats.org/officeDocument/2006/relationships" xmlns:p="http://schemas.openxmlformats.org/presentationml/2006/main">
+  <p:cSld>
+    <p:spTree>
+      <p:nvGrpSpPr>
+        <p:cNvPr id="1" name="">
+          <a:extLst>
+            <a:ext uri="{FF2B5EF4-FFF2-40B4-BE49-F238E27FC236}">
+              <a16:creationId xmlns:a16="http://schemas.microsoft.com/office/drawing/2014/main" id="{733D26AC-2327-1CA6-43CB-9961EB1F1A07}"/>
+            </a:ext>
+          </a:extLst>
+        </p:cNvPr>
+        <p:cNvGrpSpPr/>
+        <p:nvPr/>
+      </p:nvGrpSpPr>
+      <p:grpSpPr>
+        <a:xfrm>
+          <a:off x="0" y="0"/>
+          <a:ext cx="0" cy="0"/>
+          <a:chOff x="0" y="0"/>
+          <a:chExt cx="0" cy="0"/>
+        </a:xfrm>
+      </p:grpSpPr>
+      <p:sp>
+        <p:nvSpPr>
+          <p:cNvPr id="2" name="Titolo 1">
+            <a:extLst>
+              <a:ext uri="{FF2B5EF4-FFF2-40B4-BE49-F238E27FC236}">
+                <a16:creationId xmlns:a16="http://schemas.microsoft.com/office/drawing/2014/main" id="{6D736556-3B1F-EBC2-890B-6F54559F162F}"/>
+              </a:ext>
+            </a:extLst>
+          </p:cNvPr>
+          <p:cNvSpPr>
+            <a:spLocks noGrp="1"/>
+          </p:cNvSpPr>
+          <p:nvPr>
+            <p:ph type="title"/>
+          </p:nvPr>
+        </p:nvSpPr>
+        <p:spPr/>
+        <p:txBody>
+          <a:bodyPr/>
+          <a:lstStyle/>
+          <a:p>
+            <a:r>
+              <a:rPr lang="en-US" dirty="0"/>
+              <a:t>Outline </a:t>
+            </a:r>
+          </a:p>
+        </p:txBody>
+      </p:sp>
+      <p:sp>
+        <p:nvSpPr>
+          <p:cNvPr id="3" name="Segnaposto contenuto 2">
+            <a:extLst>
+              <a:ext uri="{FF2B5EF4-FFF2-40B4-BE49-F238E27FC236}">
+                <a16:creationId xmlns:a16="http://schemas.microsoft.com/office/drawing/2014/main" id="{8EFF1296-FDE0-61B5-BC95-B6E35511A393}"/>
+              </a:ext>
+            </a:extLst>
+          </p:cNvPr>
+          <p:cNvSpPr>
+            <a:spLocks noGrp="1"/>
+          </p:cNvSpPr>
+          <p:nvPr>
+            <p:ph idx="1"/>
+          </p:nvPr>
+        </p:nvSpPr>
+        <p:spPr>
+          <a:xfrm>
+            <a:off x="664464" y="2041497"/>
+            <a:ext cx="10098024" cy="2613436"/>
+          </a:xfrm>
+        </p:spPr>
+        <p:txBody>
+          <a:bodyPr>
+            <a:noAutofit/>
+          </a:bodyPr>
+          <a:lstStyle/>
+          <a:p>
+            <a:r>
+              <a:rPr lang="en-US" sz="2000" dirty="0">
+                <a:solidFill>
+                  <a:schemeClr val="bg1">
+                    <a:lumMod val="75000"/>
+                  </a:schemeClr>
+                </a:solidFill>
+              </a:rPr>
+              <a:t>Why building a heuristic classifier</a:t>
+            </a:r>
+          </a:p>
+          <a:p>
+            <a:r>
+              <a:rPr lang="en-US" sz="2000" dirty="0">
+                <a:solidFill>
+                  <a:schemeClr val="bg1">
+                    <a:lumMod val="75000"/>
+                  </a:schemeClr>
+                </a:solidFill>
+              </a:rPr>
+              <a:t>Knowledge on roving signals: recap</a:t>
+            </a:r>
+          </a:p>
+          <a:p>
+            <a:r>
+              <a:rPr lang="en-US" sz="2000" dirty="0"/>
+              <a:t>Heuristic classifier: pseudo code</a:t>
+            </a:r>
+          </a:p>
+          <a:p>
+            <a:r>
+              <a:rPr lang="en-US" sz="2000" dirty="0">
+                <a:solidFill>
+                  <a:schemeClr val="bg1">
+                    <a:lumMod val="75000"/>
+                  </a:schemeClr>
+                </a:solidFill>
+              </a:rPr>
+              <a:t>Performance</a:t>
+            </a:r>
+          </a:p>
+          <a:p>
+            <a:r>
+              <a:rPr lang="en-US" sz="2000" dirty="0">
+                <a:solidFill>
+                  <a:schemeClr val="bg1">
+                    <a:lumMod val="75000"/>
+                  </a:schemeClr>
+                </a:solidFill>
+              </a:rPr>
+              <a:t>Conclusions </a:t>
+            </a:r>
+            <a:endParaRPr lang="en-US" sz="1600" dirty="0">
+              <a:solidFill>
+                <a:schemeClr val="bg1">
+                  <a:lumMod val="75000"/>
+                </a:schemeClr>
+              </a:solidFill>
+            </a:endParaRPr>
+          </a:p>
+          <a:p>
+            <a:pPr marL="0" indent="0">
+              <a:buNone/>
+            </a:pPr>
+            <a:endParaRPr lang="en-US" sz="1600" dirty="0">
+              <a:solidFill>
+                <a:schemeClr val="bg1">
+                  <a:lumMod val="75000"/>
+                </a:schemeClr>
+              </a:solidFill>
+            </a:endParaRPr>
+          </a:p>
+        </p:txBody>
+      </p:sp>
+      <p:sp>
+        <p:nvSpPr>
+          <p:cNvPr id="4" name="Segnaposto numero diapositiva 3">
+            <a:extLst>
+              <a:ext uri="{FF2B5EF4-FFF2-40B4-BE49-F238E27FC236}">
+                <a16:creationId xmlns:a16="http://schemas.microsoft.com/office/drawing/2014/main" id="{69693410-66DE-DE02-469D-0FAB7AB89240}"/>
+              </a:ext>
+            </a:extLst>
+          </p:cNvPr>
+          <p:cNvSpPr>
+            <a:spLocks noGrp="1"/>
+          </p:cNvSpPr>
+          <p:nvPr>
+            <p:ph type="sldNum" sz="quarter" idx="12"/>
+          </p:nvPr>
+        </p:nvSpPr>
+        <p:spPr/>
+        <p:txBody>
+          <a:bodyPr/>
+          <a:lstStyle/>
+          <a:p>
+            <a:fld id="{2FA0223F-D95A-431D-9A71-EDA7FA0C2F5B}" type="slidenum">
+              <a:rPr lang="en-US" smtClean="0"/>
+              <a:t>11</a:t>
+            </a:fld>
+            <a:endParaRPr lang="en-US" dirty="0"/>
+          </a:p>
+        </p:txBody>
+      </p:sp>
+    </p:spTree>
+    <p:extLst>
+      <p:ext uri="{BB962C8B-B14F-4D97-AF65-F5344CB8AC3E}">
+        <p14:creationId xmlns:p14="http://schemas.microsoft.com/office/powerpoint/2010/main" val="495741893"/>
+      </p:ext>
+    </p:extLst>
+  </p:cSld>
+  <p:clrMapOvr>
+    <a:masterClrMapping/>
+  </p:clrMapOvr>
+</p:sld>
+</file>
+
+<file path=ppt/slides/slide12.xml><?xml version="1.0" encoding="utf-8"?>
+<p:sld xmlns:a="http://schemas.openxmlformats.org/drawingml/2006/main" xmlns:r="http://schemas.openxmlformats.org/officeDocument/2006/relationships" xmlns:p="http://schemas.openxmlformats.org/presentationml/2006/main">
+  <p:cSld>
+    <p:spTree>
+      <p:nvGrpSpPr>
+        <p:cNvPr id="1" name="">
+          <a:extLst>
+            <a:ext uri="{FF2B5EF4-FFF2-40B4-BE49-F238E27FC236}">
+              <a16:creationId xmlns:a16="http://schemas.microsoft.com/office/drawing/2014/main" id="{C8D6F2C1-0E5E-78E6-CBF0-4D7C0405EDEA}"/>
+            </a:ext>
+          </a:extLst>
+        </p:cNvPr>
+        <p:cNvGrpSpPr/>
+        <p:nvPr/>
+      </p:nvGrpSpPr>
+      <p:grpSpPr>
+        <a:xfrm>
+          <a:off x="0" y="0"/>
+          <a:ext cx="0" cy="0"/>
+          <a:chOff x="0" y="0"/>
+          <a:chExt cx="0" cy="0"/>
+        </a:xfrm>
+      </p:grpSpPr>
+      <p:sp>
+        <p:nvSpPr>
+          <p:cNvPr id="2" name="Titolo 1">
+            <a:extLst>
+              <a:ext uri="{FF2B5EF4-FFF2-40B4-BE49-F238E27FC236}">
+                <a16:creationId xmlns:a16="http://schemas.microsoft.com/office/drawing/2014/main" id="{DD77DB7C-7733-62BB-A603-121A804E02F1}"/>
+              </a:ext>
+            </a:extLst>
+          </p:cNvPr>
+          <p:cNvSpPr>
+            <a:spLocks noGrp="1"/>
+          </p:cNvSpPr>
+          <p:nvPr>
+            <p:ph type="title"/>
+          </p:nvPr>
+        </p:nvSpPr>
+        <p:spPr>
+          <a:xfrm>
+            <a:off x="838200" y="209292"/>
+            <a:ext cx="9905460" cy="971551"/>
+          </a:xfrm>
+        </p:spPr>
+        <p:txBody>
+          <a:bodyPr>
+            <a:normAutofit/>
+          </a:bodyPr>
+          <a:lstStyle/>
+          <a:p>
+            <a:r>
+              <a:rPr lang="en-US" sz="3600" dirty="0"/>
+              <a:t>Heuristic classifier: pseudo code</a:t>
+            </a:r>
+          </a:p>
+        </p:txBody>
+      </p:sp>
+      <p:sp>
+        <p:nvSpPr>
+          <p:cNvPr id="4" name="Segnaposto numero diapositiva 3">
+            <a:extLst>
+              <a:ext uri="{FF2B5EF4-FFF2-40B4-BE49-F238E27FC236}">
+                <a16:creationId xmlns:a16="http://schemas.microsoft.com/office/drawing/2014/main" id="{A6407C73-A2AD-6C61-0DEA-387DCD4EA1E8}"/>
+              </a:ext>
+            </a:extLst>
+          </p:cNvPr>
+          <p:cNvSpPr>
+            <a:spLocks noGrp="1"/>
+          </p:cNvSpPr>
+          <p:nvPr>
+            <p:ph type="sldNum" sz="quarter" idx="12"/>
+          </p:nvPr>
+        </p:nvSpPr>
+        <p:spPr/>
+        <p:txBody>
+          <a:bodyPr/>
+          <a:lstStyle/>
+          <a:p>
+            <a:fld id="{2FA0223F-D95A-431D-9A71-EDA7FA0C2F5B}" type="slidenum">
+              <a:rPr lang="en-US" smtClean="0"/>
+              <a:t>12</a:t>
+            </a:fld>
+            <a:endParaRPr lang="en-US"/>
+          </a:p>
+        </p:txBody>
+      </p:sp>
+      <p:sp>
+        <p:nvSpPr>
+          <p:cNvPr id="27" name="Rettangolo 26">
+            <a:extLst>
+              <a:ext uri="{FF2B5EF4-FFF2-40B4-BE49-F238E27FC236}">
+                <a16:creationId xmlns:a16="http://schemas.microsoft.com/office/drawing/2014/main" id="{DC939303-1F6F-C626-77E4-5F738EA6CBBE}"/>
+              </a:ext>
+            </a:extLst>
+          </p:cNvPr>
+          <p:cNvSpPr/>
+          <p:nvPr/>
+        </p:nvSpPr>
+        <p:spPr>
+          <a:xfrm>
+            <a:off x="6723157" y="1812745"/>
+            <a:ext cx="206547" cy="168094"/>
+          </a:xfrm>
+          <a:prstGeom prst="rect">
+            <a:avLst/>
+          </a:prstGeom>
+          <a:solidFill>
+            <a:schemeClr val="bg1"/>
+          </a:solidFill>
+          <a:ln>
+            <a:solidFill>
+              <a:schemeClr val="bg1"/>
+            </a:solidFill>
+          </a:ln>
+        </p:spPr>
+        <p:style>
+          <a:lnRef idx="2">
+            <a:schemeClr val="accent1">
+              <a:shade val="15000"/>
+            </a:schemeClr>
+          </a:lnRef>
+          <a:fillRef idx="1">
+            <a:schemeClr val="accent1"/>
+          </a:fillRef>
+          <a:effectRef idx="0">
+            <a:schemeClr val="accent1"/>
+          </a:effectRef>
+          <a:fontRef idx="minor">
+            <a:schemeClr val="lt1"/>
+          </a:fontRef>
+        </p:style>
+        <p:txBody>
+          <a:bodyPr rtlCol="0" anchor="ctr"/>
+          <a:lstStyle/>
+          <a:p>
+            <a:pPr algn="ctr"/>
+            <a:endParaRPr lang="it-IT"/>
+          </a:p>
+        </p:txBody>
+      </p:sp>
+      <p:sp>
+        <p:nvSpPr>
+          <p:cNvPr id="12" name="Rettangolo 11">
+            <a:extLst>
+              <a:ext uri="{FF2B5EF4-FFF2-40B4-BE49-F238E27FC236}">
+                <a16:creationId xmlns:a16="http://schemas.microsoft.com/office/drawing/2014/main" id="{12204FA3-A088-47F9-5368-E26810B42A83}"/>
+              </a:ext>
+            </a:extLst>
+          </p:cNvPr>
+          <p:cNvSpPr/>
+          <p:nvPr/>
+        </p:nvSpPr>
+        <p:spPr>
+          <a:xfrm>
+            <a:off x="5468844" y="2179320"/>
+            <a:ext cx="223296" cy="160020"/>
+          </a:xfrm>
+          <a:prstGeom prst="rect">
+            <a:avLst/>
+          </a:prstGeom>
+          <a:solidFill>
+            <a:schemeClr val="bg1"/>
+          </a:solidFill>
+          <a:ln>
+            <a:solidFill>
+              <a:schemeClr val="bg1"/>
+            </a:solidFill>
+          </a:ln>
+        </p:spPr>
+        <p:style>
+          <a:lnRef idx="2">
+            <a:schemeClr val="accent1">
+              <a:shade val="15000"/>
+            </a:schemeClr>
+          </a:lnRef>
+          <a:fillRef idx="1">
+            <a:schemeClr val="accent1"/>
+          </a:fillRef>
+          <a:effectRef idx="0">
+            <a:schemeClr val="accent1"/>
+          </a:effectRef>
+          <a:fontRef idx="minor">
+            <a:schemeClr val="lt1"/>
+          </a:fontRef>
+        </p:style>
+        <p:txBody>
+          <a:bodyPr rtlCol="0" anchor="ctr"/>
+          <a:lstStyle/>
+          <a:p>
+            <a:pPr algn="ctr"/>
+            <a:endParaRPr lang="it-IT"/>
+          </a:p>
+        </p:txBody>
+      </p:sp>
+      <p:sp>
+        <p:nvSpPr>
+          <p:cNvPr id="9" name="Segnaposto contenuto 2">
+            <a:extLst>
+              <a:ext uri="{FF2B5EF4-FFF2-40B4-BE49-F238E27FC236}">
                 <a16:creationId xmlns:a16="http://schemas.microsoft.com/office/drawing/2014/main" id="{33732E1C-7ABF-B235-254A-0CB229402AFC}"/>
               </a:ext>
             </a:extLst>
@@ -6381,7 +8004,7 @@
             </a:pPr>
             <a:r>
               <a:rPr lang="en-US" sz="1600" dirty="0"/>
-              <a:t>Into each segment find, if there is, the main peak</a:t>
+              <a:t>Compute the absolute value of the segment, then find, if there is, the main peak</a:t>
             </a:r>
           </a:p>
           <a:p>
@@ -6411,7 +8034,15 @@
             </a:r>
             <a:r>
               <a:rPr lang="en-US" sz="1400" dirty="0"/>
-              <a:t>(python) with </a:t>
+              <a:t>(python, </a:t>
+            </a:r>
+            <a:r>
+              <a:rPr lang="en-US" sz="1400" dirty="0" err="1"/>
+              <a:t>Scy.Py</a:t>
+            </a:r>
+            <a:r>
+              <a:rPr lang="en-US" sz="1400" dirty="0"/>
+              <a:t> library) with </a:t>
             </a:r>
             <a:r>
               <a:rPr lang="en-US" sz="1400" i="1" dirty="0"/>
@@ -7035,8 +8666,8 @@
         </p:nvSpPr>
         <p:spPr>
           <a:xfrm>
-            <a:off x="8107832" y="4282680"/>
-            <a:ext cx="3863339" cy="1606478"/>
+            <a:off x="8107832" y="4282679"/>
+            <a:ext cx="3863339" cy="1692465"/>
           </a:xfrm>
           <a:prstGeom prst="roundRect">
             <a:avLst/>
@@ -7164,7 +8795,7 @@
             </a:r>
             <a:r>
               <a:rPr lang="en-GB" sz="1200" dirty="0"/>
-              <a:t> (e.g. noisy record), because the first condition is “does the signal have a ventricular peak”.</a:t>
+              <a:t> (e.g. noisy record), because the first condition is “does the signal don’t have a ventricular peak”.</a:t>
             </a:r>
           </a:p>
           <a:p>
@@ -7350,7 +8981,7 @@
                     <a:schemeClr val="tx1"/>
                   </a:solidFill>
                 </a:rPr>
-                <a:t>Does the signal have a ventricular  peak? </a:t>
+                <a:t>Does the signal don’t a ventricular  peak? </a:t>
               </a:r>
             </a:p>
           </p:txBody>
@@ -7467,7 +9098,7 @@
 </p:sld>
 </file>
 
-<file path=ppt/slides/slide12.xml><?xml version="1.0" encoding="utf-8"?>
+<file path=ppt/slides/slide13.xml><?xml version="1.0" encoding="utf-8"?>
 <p:sld xmlns:a="http://schemas.openxmlformats.org/drawingml/2006/main" xmlns:r="http://schemas.openxmlformats.org/officeDocument/2006/relationships" xmlns:p="http://schemas.openxmlformats.org/presentationml/2006/main">
   <p:cSld>
     <p:spTree>
@@ -7475,7 +9106,7 @@
         <p:cNvPr id="1" name="">
           <a:extLst>
             <a:ext uri="{FF2B5EF4-FFF2-40B4-BE49-F238E27FC236}">
-              <a16:creationId xmlns:a16="http://schemas.microsoft.com/office/drawing/2014/main" id="{308903F5-76B3-3691-6161-D7CE94B28A6A}"/>
+              <a16:creationId xmlns:a16="http://schemas.microsoft.com/office/drawing/2014/main" id="{E6C73941-4408-5253-0DB3-AA36D7BE61C4}"/>
             </a:ext>
           </a:extLst>
         </p:cNvPr>
@@ -7495,202 +9126,7 @@
           <p:cNvPr id="2" name="Titolo 1">
             <a:extLst>
               <a:ext uri="{FF2B5EF4-FFF2-40B4-BE49-F238E27FC236}">
-                <a16:creationId xmlns:a16="http://schemas.microsoft.com/office/drawing/2014/main" id="{C8EE5E8B-7BBB-421B-55CB-D177BCB4D042}"/>
-              </a:ext>
-            </a:extLst>
-          </p:cNvPr>
-          <p:cNvSpPr>
-            <a:spLocks noGrp="1"/>
-          </p:cNvSpPr>
-          <p:nvPr>
-            <p:ph type="title"/>
-          </p:nvPr>
-        </p:nvSpPr>
-        <p:spPr/>
-        <p:txBody>
-          <a:bodyPr/>
-          <a:lstStyle/>
-          <a:p>
-            <a:r>
-              <a:rPr lang="en-US" dirty="0"/>
-              <a:t>Outline </a:t>
-            </a:r>
-          </a:p>
-        </p:txBody>
-      </p:sp>
-      <p:sp>
-        <p:nvSpPr>
-          <p:cNvPr id="3" name="Segnaposto contenuto 2">
-            <a:extLst>
-              <a:ext uri="{FF2B5EF4-FFF2-40B4-BE49-F238E27FC236}">
-                <a16:creationId xmlns:a16="http://schemas.microsoft.com/office/drawing/2014/main" id="{759E5A3A-BC07-E699-6673-6E6EDDF1E8FA}"/>
-              </a:ext>
-            </a:extLst>
-          </p:cNvPr>
-          <p:cNvSpPr>
-            <a:spLocks noGrp="1"/>
-          </p:cNvSpPr>
-          <p:nvPr>
-            <p:ph idx="1"/>
-          </p:nvPr>
-        </p:nvSpPr>
-        <p:spPr>
-          <a:xfrm>
-            <a:off x="664464" y="2041497"/>
-            <a:ext cx="10098024" cy="2613436"/>
-          </a:xfrm>
-        </p:spPr>
-        <p:txBody>
-          <a:bodyPr>
-            <a:noAutofit/>
-          </a:bodyPr>
-          <a:lstStyle/>
-          <a:p>
-            <a:r>
-              <a:rPr lang="en-US" sz="2000" dirty="0">
-                <a:solidFill>
-                  <a:schemeClr val="bg1">
-                    <a:lumMod val="75000"/>
-                  </a:schemeClr>
-                </a:solidFill>
-              </a:rPr>
-              <a:t>Why building a heuristic classifier</a:t>
-            </a:r>
-          </a:p>
-          <a:p>
-            <a:r>
-              <a:rPr lang="en-US" sz="2000" dirty="0">
-                <a:solidFill>
-                  <a:schemeClr val="bg1">
-                    <a:lumMod val="75000"/>
-                  </a:schemeClr>
-                </a:solidFill>
-              </a:rPr>
-              <a:t>Knowledge on roving signals: recap</a:t>
-            </a:r>
-          </a:p>
-          <a:p>
-            <a:r>
-              <a:rPr lang="en-US" sz="2000" dirty="0">
-                <a:solidFill>
-                  <a:schemeClr val="bg1">
-                    <a:lumMod val="75000"/>
-                  </a:schemeClr>
-                </a:solidFill>
-              </a:rPr>
-              <a:t>Heuristic classifier: pseudo code</a:t>
-            </a:r>
-          </a:p>
-          <a:p>
-            <a:r>
-              <a:rPr lang="en-US" sz="2000" dirty="0"/>
-              <a:t>Performance</a:t>
-            </a:r>
-          </a:p>
-          <a:p>
-            <a:r>
-              <a:rPr lang="en-US" sz="2000" dirty="0">
-                <a:solidFill>
-                  <a:schemeClr val="bg1">
-                    <a:lumMod val="75000"/>
-                  </a:schemeClr>
-                </a:solidFill>
-              </a:rPr>
-              <a:t>Conclusions </a:t>
-            </a:r>
-            <a:endParaRPr lang="en-US" sz="1600" dirty="0">
-              <a:solidFill>
-                <a:schemeClr val="bg1">
-                  <a:lumMod val="75000"/>
-                </a:schemeClr>
-              </a:solidFill>
-            </a:endParaRPr>
-          </a:p>
-          <a:p>
-            <a:pPr marL="0" indent="0">
-              <a:buNone/>
-            </a:pPr>
-            <a:endParaRPr lang="en-US" sz="1600" dirty="0">
-              <a:solidFill>
-                <a:schemeClr val="bg1">
-                  <a:lumMod val="75000"/>
-                </a:schemeClr>
-              </a:solidFill>
-            </a:endParaRPr>
-          </a:p>
-        </p:txBody>
-      </p:sp>
-      <p:sp>
-        <p:nvSpPr>
-          <p:cNvPr id="4" name="Segnaposto numero diapositiva 3">
-            <a:extLst>
-              <a:ext uri="{FF2B5EF4-FFF2-40B4-BE49-F238E27FC236}">
-                <a16:creationId xmlns:a16="http://schemas.microsoft.com/office/drawing/2014/main" id="{2FF3F6A6-66A6-27AB-6CB6-34593D819825}"/>
-              </a:ext>
-            </a:extLst>
-          </p:cNvPr>
-          <p:cNvSpPr>
-            <a:spLocks noGrp="1"/>
-          </p:cNvSpPr>
-          <p:nvPr>
-            <p:ph type="sldNum" sz="quarter" idx="12"/>
-          </p:nvPr>
-        </p:nvSpPr>
-        <p:spPr/>
-        <p:txBody>
-          <a:bodyPr/>
-          <a:lstStyle/>
-          <a:p>
-            <a:fld id="{2FA0223F-D95A-431D-9A71-EDA7FA0C2F5B}" type="slidenum">
-              <a:rPr lang="en-US" smtClean="0"/>
-              <a:t>12</a:t>
-            </a:fld>
-            <a:endParaRPr lang="en-US" dirty="0"/>
-          </a:p>
-        </p:txBody>
-      </p:sp>
-    </p:spTree>
-    <p:extLst>
-      <p:ext uri="{BB962C8B-B14F-4D97-AF65-F5344CB8AC3E}">
-        <p14:creationId xmlns:p14="http://schemas.microsoft.com/office/powerpoint/2010/main" val="4106188437"/>
-      </p:ext>
-    </p:extLst>
-  </p:cSld>
-  <p:clrMapOvr>
-    <a:masterClrMapping/>
-  </p:clrMapOvr>
-</p:sld>
-</file>
-
-<file path=ppt/slides/slide13.xml><?xml version="1.0" encoding="utf-8"?>
-<p:sld xmlns:a="http://schemas.openxmlformats.org/drawingml/2006/main" xmlns:r="http://schemas.openxmlformats.org/officeDocument/2006/relationships" xmlns:p="http://schemas.openxmlformats.org/presentationml/2006/main">
-  <p:cSld>
-    <p:spTree>
-      <p:nvGrpSpPr>
-        <p:cNvPr id="1" name="">
-          <a:extLst>
-            <a:ext uri="{FF2B5EF4-FFF2-40B4-BE49-F238E27FC236}">
-              <a16:creationId xmlns:a16="http://schemas.microsoft.com/office/drawing/2014/main" id="{09ABA29F-7BE2-9778-D68E-1DAAB4146C21}"/>
-            </a:ext>
-          </a:extLst>
-        </p:cNvPr>
-        <p:cNvGrpSpPr/>
-        <p:nvPr/>
-      </p:nvGrpSpPr>
-      <p:grpSpPr>
-        <a:xfrm>
-          <a:off x="0" y="0"/>
-          <a:ext cx="0" cy="0"/>
-          <a:chOff x="0" y="0"/>
-          <a:chExt cx="0" cy="0"/>
-        </a:xfrm>
-      </p:grpSpPr>
-      <p:sp>
-        <p:nvSpPr>
-          <p:cNvPr id="2" name="Titolo 1">
-            <a:extLst>
-              <a:ext uri="{FF2B5EF4-FFF2-40B4-BE49-F238E27FC236}">
-                <a16:creationId xmlns:a16="http://schemas.microsoft.com/office/drawing/2014/main" id="{BEEFBF2B-593E-7B97-983D-9B88D9042F92}"/>
+                <a16:creationId xmlns:a16="http://schemas.microsoft.com/office/drawing/2014/main" id="{69224F11-8509-2CDF-AB9A-C45DEB9D1E58}"/>
               </a:ext>
             </a:extLst>
           </p:cNvPr>
@@ -7715,7 +9151,7 @@
           <a:p>
             <a:r>
               <a:rPr lang="en-US" sz="3600" dirty="0"/>
-              <a:t>Heuristic classifier: results</a:t>
+              <a:t>Find peaks function documentation</a:t>
             </a:r>
           </a:p>
         </p:txBody>
@@ -7725,7 +9161,7 @@
           <p:cNvPr id="4" name="Segnaposto numero diapositiva 3">
             <a:extLst>
               <a:ext uri="{FF2B5EF4-FFF2-40B4-BE49-F238E27FC236}">
-                <a16:creationId xmlns:a16="http://schemas.microsoft.com/office/drawing/2014/main" id="{9927F9ED-7649-AFF5-6A94-2EFD6A01FA5B}"/>
+                <a16:creationId xmlns:a16="http://schemas.microsoft.com/office/drawing/2014/main" id="{2F6B30D3-0568-AC50-E4D5-B50B9B275D2C}"/>
               </a:ext>
             </a:extLst>
           </p:cNvPr>
@@ -7754,7 +9190,7 @@
           <p:cNvPr id="27" name="Rettangolo 26">
             <a:extLst>
               <a:ext uri="{FF2B5EF4-FFF2-40B4-BE49-F238E27FC236}">
-                <a16:creationId xmlns:a16="http://schemas.microsoft.com/office/drawing/2014/main" id="{723BB159-C64B-0DBD-3311-9BCF813B1419}"/>
+                <a16:creationId xmlns:a16="http://schemas.microsoft.com/office/drawing/2014/main" id="{A6BB5279-3CCD-B0B7-6A8E-70E82471908E}"/>
               </a:ext>
             </a:extLst>
           </p:cNvPr>
@@ -7808,7 +9244,7 @@
           <p:cNvPr id="12" name="Rettangolo 11">
             <a:extLst>
               <a:ext uri="{FF2B5EF4-FFF2-40B4-BE49-F238E27FC236}">
-                <a16:creationId xmlns:a16="http://schemas.microsoft.com/office/drawing/2014/main" id="{543A410C-17F1-35AC-5142-CE2DC7D41EFE}"/>
+                <a16:creationId xmlns:a16="http://schemas.microsoft.com/office/drawing/2014/main" id="{D62B20FF-0949-D2FD-4C51-9FD930CA107D}"/>
               </a:ext>
             </a:extLst>
           </p:cNvPr>
@@ -7857,62 +9293,12 @@
           </a:p>
         </p:txBody>
       </p:sp>
-      <p:sp>
-        <p:nvSpPr>
-          <p:cNvPr id="9" name="Segnaposto contenuto 2">
-            <a:extLst>
-              <a:ext uri="{FF2B5EF4-FFF2-40B4-BE49-F238E27FC236}">
-                <a16:creationId xmlns:a16="http://schemas.microsoft.com/office/drawing/2014/main" id="{825AD721-A3EF-8A6E-E9A5-640B4C413E17}"/>
-              </a:ext>
-            </a:extLst>
-          </p:cNvPr>
-          <p:cNvSpPr>
-            <a:spLocks noGrp="1"/>
-          </p:cNvSpPr>
-          <p:nvPr>
-            <p:ph idx="1"/>
-          </p:nvPr>
-        </p:nvSpPr>
-        <p:spPr>
-          <a:xfrm>
-            <a:off x="607277" y="1606160"/>
-            <a:ext cx="8820187" cy="307778"/>
-          </a:xfrm>
-        </p:spPr>
-        <p:txBody>
-          <a:bodyPr>
-            <a:noAutofit/>
-          </a:bodyPr>
-          <a:lstStyle/>
-          <a:p>
-            <a:pPr marL="0" indent="0">
-              <a:buNone/>
-            </a:pPr>
-            <a:r>
-              <a:rPr lang="en-US" sz="1600" dirty="0"/>
-              <a:t>Performance have been evaluated using </a:t>
-            </a:r>
-            <a:r>
-              <a:rPr lang="en-US" sz="1600" b="1" dirty="0"/>
-              <a:t>confusion matrix </a:t>
-            </a:r>
-            <a:r>
-              <a:rPr lang="en-US" sz="1600" dirty="0"/>
-              <a:t>and </a:t>
-            </a:r>
-            <a:r>
-              <a:rPr lang="en-US" sz="1600" b="1" dirty="0"/>
-              <a:t>standard metrics</a:t>
-            </a:r>
-          </a:p>
-        </p:txBody>
-      </p:sp>
       <p:pic>
         <p:nvPicPr>
-          <p:cNvPr id="6" name="Immagine 5" descr="Immagine che contiene testo, schermata, numero, Carattere&#10;&#10;Descrizione generata automaticamente">
-            <a:extLst>
-              <a:ext uri="{FF2B5EF4-FFF2-40B4-BE49-F238E27FC236}">
-                <a16:creationId xmlns:a16="http://schemas.microsoft.com/office/drawing/2014/main" id="{DCF0BA9F-AA61-36B4-A040-3156D9285655}"/>
+          <p:cNvPr id="7" name="Immagine 6">
+            <a:extLst>
+              <a:ext uri="{FF2B5EF4-FFF2-40B4-BE49-F238E27FC236}">
+                <a16:creationId xmlns:a16="http://schemas.microsoft.com/office/drawing/2014/main" id="{16335DA7-C092-25E0-35C0-280B06B6AF74}"/>
               </a:ext>
             </a:extLst>
           </p:cNvPr>
@@ -7922,21 +9308,15 @@
           <p:nvPr/>
         </p:nvPicPr>
         <p:blipFill>
-          <a:blip r:embed="rId3">
-            <a:extLst>
-              <a:ext uri="{28A0092B-C50C-407E-A947-70E740481C1C}">
-                <a14:useLocalDpi xmlns:a14="http://schemas.microsoft.com/office/drawing/2010/main" val="0"/>
-              </a:ext>
-            </a:extLst>
-          </a:blip>
+          <a:blip r:embed="rId3"/>
           <a:stretch>
             <a:fillRect/>
           </a:stretch>
         </p:blipFill>
         <p:spPr>
           <a:xfrm>
-            <a:off x="5790930" y="2120523"/>
-            <a:ext cx="5486682" cy="3657788"/>
+            <a:off x="578871" y="1481990"/>
+            <a:ext cx="5876793" cy="2367910"/>
           </a:xfrm>
           <a:prstGeom prst="rect">
             <a:avLst/>
@@ -7945,10 +9325,10 @@
       </p:pic>
       <p:pic>
         <p:nvPicPr>
-          <p:cNvPr id="10" name="Immagine 9" descr="Immagine che contiene testo, schermata, numero, Carattere&#10;&#10;Descrizione generata automaticamente">
-            <a:extLst>
-              <a:ext uri="{FF2B5EF4-FFF2-40B4-BE49-F238E27FC236}">
-                <a16:creationId xmlns:a16="http://schemas.microsoft.com/office/drawing/2014/main" id="{BA787D21-AB9C-D701-53B1-E114E7F0E6BA}"/>
+          <p:cNvPr id="10" name="Immagine 9">
+            <a:extLst>
+              <a:ext uri="{FF2B5EF4-FFF2-40B4-BE49-F238E27FC236}">
+                <a16:creationId xmlns:a16="http://schemas.microsoft.com/office/drawing/2014/main" id="{DCFEEDB5-378C-A075-EC1D-2CD28163E06E}"/>
               </a:ext>
             </a:extLst>
           </p:cNvPr>
@@ -7958,31 +9338,137 @@
           <p:nvPr/>
         </p:nvPicPr>
         <p:blipFill>
-          <a:blip r:embed="rId4">
-            <a:extLst>
-              <a:ext uri="{28A0092B-C50C-407E-A947-70E740481C1C}">
-                <a14:useLocalDpi xmlns:a14="http://schemas.microsoft.com/office/drawing/2010/main" val="0"/>
-              </a:ext>
-            </a:extLst>
-          </a:blip>
+          <a:blip r:embed="rId4"/>
+          <a:srcRect b="83095"/>
+          <a:stretch/>
+        </p:blipFill>
+        <p:spPr>
+          <a:xfrm>
+            <a:off x="579120" y="3970127"/>
+            <a:ext cx="5113269" cy="724000"/>
+          </a:xfrm>
+          <a:prstGeom prst="rect">
+            <a:avLst/>
+          </a:prstGeom>
+        </p:spPr>
+      </p:pic>
+      <p:pic>
+        <p:nvPicPr>
+          <p:cNvPr id="11" name="Immagine 10">
+            <a:extLst>
+              <a:ext uri="{FF2B5EF4-FFF2-40B4-BE49-F238E27FC236}">
+                <a16:creationId xmlns:a16="http://schemas.microsoft.com/office/drawing/2014/main" id="{E0735398-8102-017F-E358-36134F8FC22A}"/>
+              </a:ext>
+            </a:extLst>
+          </p:cNvPr>
+          <p:cNvPicPr>
+            <a:picLocks noChangeAspect="1"/>
+          </p:cNvPicPr>
+          <p:nvPr/>
+        </p:nvPicPr>
+        <p:blipFill>
+          <a:blip r:embed="rId4"/>
+          <a:srcRect l="157" t="80385" r="262" b="-226"/>
+          <a:stretch/>
+        </p:blipFill>
+        <p:spPr>
+          <a:xfrm>
+            <a:off x="578871" y="4694126"/>
+            <a:ext cx="5113269" cy="849731"/>
+          </a:xfrm>
+          <a:prstGeom prst="rect">
+            <a:avLst/>
+          </a:prstGeom>
+        </p:spPr>
+      </p:pic>
+      <p:pic>
+        <p:nvPicPr>
+          <p:cNvPr id="14" name="Immagine 13">
+            <a:extLst>
+              <a:ext uri="{FF2B5EF4-FFF2-40B4-BE49-F238E27FC236}">
+                <a16:creationId xmlns:a16="http://schemas.microsoft.com/office/drawing/2014/main" id="{C3549561-A02C-7E89-B6B9-8B004DA5D63B}"/>
+              </a:ext>
+            </a:extLst>
+          </p:cNvPr>
+          <p:cNvPicPr>
+            <a:picLocks noChangeAspect="1"/>
+          </p:cNvPicPr>
+          <p:nvPr/>
+        </p:nvPicPr>
+        <p:blipFill>
+          <a:blip r:embed="rId5"/>
           <a:stretch>
             <a:fillRect/>
           </a:stretch>
         </p:blipFill>
         <p:spPr>
           <a:xfrm>
-            <a:off x="607277" y="2120523"/>
-            <a:ext cx="5486682" cy="3657788"/>
+            <a:off x="578870" y="5607865"/>
+            <a:ext cx="5113269" cy="708721"/>
           </a:xfrm>
           <a:prstGeom prst="rect">
             <a:avLst/>
           </a:prstGeom>
         </p:spPr>
       </p:pic>
+      <p:sp>
+        <p:nvSpPr>
+          <p:cNvPr id="15" name="Rettangolo con angoli arrotondati 14">
+            <a:extLst>
+              <a:ext uri="{FF2B5EF4-FFF2-40B4-BE49-F238E27FC236}">
+                <a16:creationId xmlns:a16="http://schemas.microsoft.com/office/drawing/2014/main" id="{B4638033-655B-01D1-B639-93EADE11148E}"/>
+              </a:ext>
+            </a:extLst>
+          </p:cNvPr>
+          <p:cNvSpPr/>
+          <p:nvPr/>
+        </p:nvSpPr>
+        <p:spPr>
+          <a:xfrm>
+            <a:off x="9022080" y="5066857"/>
+            <a:ext cx="2331720" cy="1082015"/>
+          </a:xfrm>
+          <a:prstGeom prst="roundRect">
+            <a:avLst/>
+          </a:prstGeom>
+        </p:spPr>
+        <p:style>
+          <a:lnRef idx="1">
+            <a:schemeClr val="accent3"/>
+          </a:lnRef>
+          <a:fillRef idx="2">
+            <a:schemeClr val="accent3"/>
+          </a:fillRef>
+          <a:effectRef idx="1">
+            <a:schemeClr val="accent3"/>
+          </a:effectRef>
+          <a:fontRef idx="minor">
+            <a:schemeClr val="dk1"/>
+          </a:fontRef>
+        </p:style>
+        <p:txBody>
+          <a:bodyPr rtlCol="0" anchor="ctr"/>
+          <a:lstStyle/>
+          <a:p>
+            <a:r>
+              <a:rPr lang="en-GB" sz="1600" dirty="0"/>
+              <a:t>NB: if </a:t>
+            </a:r>
+            <a:r>
+              <a:rPr lang="en-GB" sz="1600" dirty="0" err="1"/>
+              <a:t>find_peaks</a:t>
+            </a:r>
+            <a:r>
+              <a:rPr lang="en-GB" sz="1600" dirty="0"/>
+              <a:t> return [], the algorithm will assign nan value to the peak</a:t>
+            </a:r>
+          </a:p>
+        </p:txBody>
+      </p:sp>
     </p:spTree>
     <p:extLst>
       <p:ext uri="{BB962C8B-B14F-4D97-AF65-F5344CB8AC3E}">
-        <p14:creationId xmlns:p14="http://schemas.microsoft.com/office/powerpoint/2010/main" val="3007126053"/>
+        <p14:creationId xmlns:p14="http://schemas.microsoft.com/office/powerpoint/2010/main" val="190187654"/>
       </p:ext>
     </p:extLst>
   </p:cSld>
@@ -8000,7 +9486,7 @@
         <p:cNvPr id="1" name="">
           <a:extLst>
             <a:ext uri="{FF2B5EF4-FFF2-40B4-BE49-F238E27FC236}">
-              <a16:creationId xmlns:a16="http://schemas.microsoft.com/office/drawing/2014/main" id="{18AD9908-9042-3730-1D2E-27F7C91FE519}"/>
+              <a16:creationId xmlns:a16="http://schemas.microsoft.com/office/drawing/2014/main" id="{308903F5-76B3-3691-6161-D7CE94B28A6A}"/>
             </a:ext>
           </a:extLst>
         </p:cNvPr>
@@ -8020,7 +9506,202 @@
           <p:cNvPr id="2" name="Titolo 1">
             <a:extLst>
               <a:ext uri="{FF2B5EF4-FFF2-40B4-BE49-F238E27FC236}">
-                <a16:creationId xmlns:a16="http://schemas.microsoft.com/office/drawing/2014/main" id="{6006FB25-8FC2-FC9B-DE73-F396FA188580}"/>
+                <a16:creationId xmlns:a16="http://schemas.microsoft.com/office/drawing/2014/main" id="{C8EE5E8B-7BBB-421B-55CB-D177BCB4D042}"/>
+              </a:ext>
+            </a:extLst>
+          </p:cNvPr>
+          <p:cNvSpPr>
+            <a:spLocks noGrp="1"/>
+          </p:cNvSpPr>
+          <p:nvPr>
+            <p:ph type="title"/>
+          </p:nvPr>
+        </p:nvSpPr>
+        <p:spPr/>
+        <p:txBody>
+          <a:bodyPr/>
+          <a:lstStyle/>
+          <a:p>
+            <a:r>
+              <a:rPr lang="en-US" dirty="0"/>
+              <a:t>Outline </a:t>
+            </a:r>
+          </a:p>
+        </p:txBody>
+      </p:sp>
+      <p:sp>
+        <p:nvSpPr>
+          <p:cNvPr id="3" name="Segnaposto contenuto 2">
+            <a:extLst>
+              <a:ext uri="{FF2B5EF4-FFF2-40B4-BE49-F238E27FC236}">
+                <a16:creationId xmlns:a16="http://schemas.microsoft.com/office/drawing/2014/main" id="{759E5A3A-BC07-E699-6673-6E6EDDF1E8FA}"/>
+              </a:ext>
+            </a:extLst>
+          </p:cNvPr>
+          <p:cNvSpPr>
+            <a:spLocks noGrp="1"/>
+          </p:cNvSpPr>
+          <p:nvPr>
+            <p:ph idx="1"/>
+          </p:nvPr>
+        </p:nvSpPr>
+        <p:spPr>
+          <a:xfrm>
+            <a:off x="664464" y="2041497"/>
+            <a:ext cx="10098024" cy="2613436"/>
+          </a:xfrm>
+        </p:spPr>
+        <p:txBody>
+          <a:bodyPr>
+            <a:noAutofit/>
+          </a:bodyPr>
+          <a:lstStyle/>
+          <a:p>
+            <a:r>
+              <a:rPr lang="en-US" sz="2000" dirty="0">
+                <a:solidFill>
+                  <a:schemeClr val="bg1">
+                    <a:lumMod val="75000"/>
+                  </a:schemeClr>
+                </a:solidFill>
+              </a:rPr>
+              <a:t>Why building a heuristic classifier</a:t>
+            </a:r>
+          </a:p>
+          <a:p>
+            <a:r>
+              <a:rPr lang="en-US" sz="2000" dirty="0">
+                <a:solidFill>
+                  <a:schemeClr val="bg1">
+                    <a:lumMod val="75000"/>
+                  </a:schemeClr>
+                </a:solidFill>
+              </a:rPr>
+              <a:t>Knowledge on roving signals: recap</a:t>
+            </a:r>
+          </a:p>
+          <a:p>
+            <a:r>
+              <a:rPr lang="en-US" sz="2000" dirty="0">
+                <a:solidFill>
+                  <a:schemeClr val="bg1">
+                    <a:lumMod val="75000"/>
+                  </a:schemeClr>
+                </a:solidFill>
+              </a:rPr>
+              <a:t>Heuristic classifier: pseudo code</a:t>
+            </a:r>
+          </a:p>
+          <a:p>
+            <a:r>
+              <a:rPr lang="en-US" sz="2000" dirty="0"/>
+              <a:t>Performance</a:t>
+            </a:r>
+          </a:p>
+          <a:p>
+            <a:r>
+              <a:rPr lang="en-US" sz="2000" dirty="0">
+                <a:solidFill>
+                  <a:schemeClr val="bg1">
+                    <a:lumMod val="75000"/>
+                  </a:schemeClr>
+                </a:solidFill>
+              </a:rPr>
+              <a:t>Conclusions </a:t>
+            </a:r>
+            <a:endParaRPr lang="en-US" sz="1600" dirty="0">
+              <a:solidFill>
+                <a:schemeClr val="bg1">
+                  <a:lumMod val="75000"/>
+                </a:schemeClr>
+              </a:solidFill>
+            </a:endParaRPr>
+          </a:p>
+          <a:p>
+            <a:pPr marL="0" indent="0">
+              <a:buNone/>
+            </a:pPr>
+            <a:endParaRPr lang="en-US" sz="1600" dirty="0">
+              <a:solidFill>
+                <a:schemeClr val="bg1">
+                  <a:lumMod val="75000"/>
+                </a:schemeClr>
+              </a:solidFill>
+            </a:endParaRPr>
+          </a:p>
+        </p:txBody>
+      </p:sp>
+      <p:sp>
+        <p:nvSpPr>
+          <p:cNvPr id="4" name="Segnaposto numero diapositiva 3">
+            <a:extLst>
+              <a:ext uri="{FF2B5EF4-FFF2-40B4-BE49-F238E27FC236}">
+                <a16:creationId xmlns:a16="http://schemas.microsoft.com/office/drawing/2014/main" id="{2FF3F6A6-66A6-27AB-6CB6-34593D819825}"/>
+              </a:ext>
+            </a:extLst>
+          </p:cNvPr>
+          <p:cNvSpPr>
+            <a:spLocks noGrp="1"/>
+          </p:cNvSpPr>
+          <p:nvPr>
+            <p:ph type="sldNum" sz="quarter" idx="12"/>
+          </p:nvPr>
+        </p:nvSpPr>
+        <p:spPr/>
+        <p:txBody>
+          <a:bodyPr/>
+          <a:lstStyle/>
+          <a:p>
+            <a:fld id="{2FA0223F-D95A-431D-9A71-EDA7FA0C2F5B}" type="slidenum">
+              <a:rPr lang="en-US" smtClean="0"/>
+              <a:t>14</a:t>
+            </a:fld>
+            <a:endParaRPr lang="en-US" dirty="0"/>
+          </a:p>
+        </p:txBody>
+      </p:sp>
+    </p:spTree>
+    <p:extLst>
+      <p:ext uri="{BB962C8B-B14F-4D97-AF65-F5344CB8AC3E}">
+        <p14:creationId xmlns:p14="http://schemas.microsoft.com/office/powerpoint/2010/main" val="4106188437"/>
+      </p:ext>
+    </p:extLst>
+  </p:cSld>
+  <p:clrMapOvr>
+    <a:masterClrMapping/>
+  </p:clrMapOvr>
+</p:sld>
+</file>
+
+<file path=ppt/slides/slide15.xml><?xml version="1.0" encoding="utf-8"?>
+<p:sld xmlns:a="http://schemas.openxmlformats.org/drawingml/2006/main" xmlns:r="http://schemas.openxmlformats.org/officeDocument/2006/relationships" xmlns:p="http://schemas.openxmlformats.org/presentationml/2006/main">
+  <p:cSld>
+    <p:spTree>
+      <p:nvGrpSpPr>
+        <p:cNvPr id="1" name="">
+          <a:extLst>
+            <a:ext uri="{FF2B5EF4-FFF2-40B4-BE49-F238E27FC236}">
+              <a16:creationId xmlns:a16="http://schemas.microsoft.com/office/drawing/2014/main" id="{BA25B74C-D6EF-F84D-9E23-ADC49F9F9A85}"/>
+            </a:ext>
+          </a:extLst>
+        </p:cNvPr>
+        <p:cNvGrpSpPr/>
+        <p:nvPr/>
+      </p:nvGrpSpPr>
+      <p:grpSpPr>
+        <a:xfrm>
+          <a:off x="0" y="0"/>
+          <a:ext cx="0" cy="0"/>
+          <a:chOff x="0" y="0"/>
+          <a:chExt cx="0" cy="0"/>
+        </a:xfrm>
+      </p:grpSpPr>
+      <p:sp>
+        <p:nvSpPr>
+          <p:cNvPr id="2" name="Titolo 1">
+            <a:extLst>
+              <a:ext uri="{FF2B5EF4-FFF2-40B4-BE49-F238E27FC236}">
+                <a16:creationId xmlns:a16="http://schemas.microsoft.com/office/drawing/2014/main" id="{F7539455-8D20-EED0-942F-D4CEDAD27445}"/>
               </a:ext>
             </a:extLst>
           </p:cNvPr>
@@ -8045,7 +9726,7 @@
           <a:p>
             <a:r>
               <a:rPr lang="en-US" sz="3600" dirty="0"/>
-              <a:t>Heuristic classifier: results</a:t>
+              <a:t>Correctly classified example 1</a:t>
             </a:r>
           </a:p>
         </p:txBody>
@@ -8055,7 +9736,7 @@
           <p:cNvPr id="4" name="Segnaposto numero diapositiva 3">
             <a:extLst>
               <a:ext uri="{FF2B5EF4-FFF2-40B4-BE49-F238E27FC236}">
-                <a16:creationId xmlns:a16="http://schemas.microsoft.com/office/drawing/2014/main" id="{8ABDD3E8-E843-EA91-56C3-17560D2684A7}"/>
+                <a16:creationId xmlns:a16="http://schemas.microsoft.com/office/drawing/2014/main" id="{8C26DDC5-7114-0237-7ACE-2F03CE3906E3}"/>
               </a:ext>
             </a:extLst>
           </p:cNvPr>
@@ -8073,7 +9754,7 @@
           <a:p>
             <a:fld id="{2FA0223F-D95A-431D-9A71-EDA7FA0C2F5B}" type="slidenum">
               <a:rPr lang="en-US" smtClean="0"/>
-              <a:t>14</a:t>
+              <a:t>15</a:t>
             </a:fld>
             <a:endParaRPr lang="en-US"/>
           </a:p>
@@ -8081,10 +9762,2376 @@
       </p:sp>
       <p:sp>
         <p:nvSpPr>
+          <p:cNvPr id="11" name="Segnaposto contenuto 2">
+            <a:extLst>
+              <a:ext uri="{FF2B5EF4-FFF2-40B4-BE49-F238E27FC236}">
+                <a16:creationId xmlns:a16="http://schemas.microsoft.com/office/drawing/2014/main" id="{143672B1-3EE0-6D76-644B-2266776396D6}"/>
+              </a:ext>
+            </a:extLst>
+          </p:cNvPr>
+          <p:cNvSpPr txBox="1">
+            <a:spLocks/>
+          </p:cNvSpPr>
+          <p:nvPr/>
+        </p:nvSpPr>
+        <p:spPr>
+          <a:xfrm>
+            <a:off x="529651" y="1615303"/>
+            <a:ext cx="4194749" cy="2702697"/>
+          </a:xfrm>
+          <a:prstGeom prst="rect">
+            <a:avLst/>
+          </a:prstGeom>
+        </p:spPr>
+        <p:txBody>
+          <a:bodyPr vert="horz" lIns="91440" tIns="45720" rIns="91440" bIns="45720" rtlCol="0">
+            <a:noAutofit/>
+          </a:bodyPr>
+          <a:lstStyle>
+            <a:lvl1pPr marL="228600" indent="-228600" algn="l" defTabSz="914400" rtl="0" eaLnBrk="1" latinLnBrk="0" hangingPunct="1">
+              <a:lnSpc>
+                <a:spcPct val="90000"/>
+              </a:lnSpc>
+              <a:spcBef>
+                <a:spcPts val="1000"/>
+              </a:spcBef>
+              <a:buFont typeface="Arial" panose="020B0604020202020204" pitchFamily="34" charset="0"/>
+              <a:buChar char="•"/>
+              <a:defRPr sz="2800" kern="1200">
+                <a:solidFill>
+                  <a:schemeClr val="tx1"/>
+                </a:solidFill>
+                <a:latin typeface="+mn-lt"/>
+                <a:ea typeface="+mn-ea"/>
+                <a:cs typeface="+mn-cs"/>
+              </a:defRPr>
+            </a:lvl1pPr>
+            <a:lvl2pPr marL="685800" indent="-228600" algn="l" defTabSz="914400" rtl="0" eaLnBrk="1" latinLnBrk="0" hangingPunct="1">
+              <a:lnSpc>
+                <a:spcPct val="90000"/>
+              </a:lnSpc>
+              <a:spcBef>
+                <a:spcPts val="500"/>
+              </a:spcBef>
+              <a:buFont typeface="Arial" panose="020B0604020202020204" pitchFamily="34" charset="0"/>
+              <a:buChar char="•"/>
+              <a:defRPr sz="2400" kern="1200">
+                <a:solidFill>
+                  <a:schemeClr val="tx1"/>
+                </a:solidFill>
+                <a:latin typeface="+mn-lt"/>
+                <a:ea typeface="+mn-ea"/>
+                <a:cs typeface="+mn-cs"/>
+              </a:defRPr>
+            </a:lvl2pPr>
+            <a:lvl3pPr marL="1143000" indent="-228600" algn="l" defTabSz="914400" rtl="0" eaLnBrk="1" latinLnBrk="0" hangingPunct="1">
+              <a:lnSpc>
+                <a:spcPct val="90000"/>
+              </a:lnSpc>
+              <a:spcBef>
+                <a:spcPts val="500"/>
+              </a:spcBef>
+              <a:buFont typeface="Arial" panose="020B0604020202020204" pitchFamily="34" charset="0"/>
+              <a:buChar char="•"/>
+              <a:defRPr sz="2000" kern="1200">
+                <a:solidFill>
+                  <a:schemeClr val="tx1"/>
+                </a:solidFill>
+                <a:latin typeface="+mn-lt"/>
+                <a:ea typeface="+mn-ea"/>
+                <a:cs typeface="+mn-cs"/>
+              </a:defRPr>
+            </a:lvl3pPr>
+            <a:lvl4pPr marL="1600200" indent="-228600" algn="l" defTabSz="914400" rtl="0" eaLnBrk="1" latinLnBrk="0" hangingPunct="1">
+              <a:lnSpc>
+                <a:spcPct val="90000"/>
+              </a:lnSpc>
+              <a:spcBef>
+                <a:spcPts val="500"/>
+              </a:spcBef>
+              <a:buFont typeface="Arial" panose="020B0604020202020204" pitchFamily="34" charset="0"/>
+              <a:buChar char="•"/>
+              <a:defRPr sz="1800" kern="1200">
+                <a:solidFill>
+                  <a:schemeClr val="tx1"/>
+                </a:solidFill>
+                <a:latin typeface="+mn-lt"/>
+                <a:ea typeface="+mn-ea"/>
+                <a:cs typeface="+mn-cs"/>
+              </a:defRPr>
+            </a:lvl4pPr>
+            <a:lvl5pPr marL="2057400" indent="-228600" algn="l" defTabSz="914400" rtl="0" eaLnBrk="1" latinLnBrk="0" hangingPunct="1">
+              <a:lnSpc>
+                <a:spcPct val="90000"/>
+              </a:lnSpc>
+              <a:spcBef>
+                <a:spcPts val="500"/>
+              </a:spcBef>
+              <a:buFont typeface="Arial" panose="020B0604020202020204" pitchFamily="34" charset="0"/>
+              <a:buChar char="•"/>
+              <a:defRPr sz="1800" kern="1200">
+                <a:solidFill>
+                  <a:schemeClr val="tx1"/>
+                </a:solidFill>
+                <a:latin typeface="+mn-lt"/>
+                <a:ea typeface="+mn-ea"/>
+                <a:cs typeface="+mn-cs"/>
+              </a:defRPr>
+            </a:lvl5pPr>
+            <a:lvl6pPr marL="2514600" indent="-228600" algn="l" defTabSz="914400" rtl="0" eaLnBrk="1" latinLnBrk="0" hangingPunct="1">
+              <a:lnSpc>
+                <a:spcPct val="90000"/>
+              </a:lnSpc>
+              <a:spcBef>
+                <a:spcPts val="500"/>
+              </a:spcBef>
+              <a:buFont typeface="Arial" panose="020B0604020202020204" pitchFamily="34" charset="0"/>
+              <a:buChar char="•"/>
+              <a:defRPr sz="1800" kern="1200">
+                <a:solidFill>
+                  <a:schemeClr val="tx1"/>
+                </a:solidFill>
+                <a:latin typeface="+mn-lt"/>
+                <a:ea typeface="+mn-ea"/>
+                <a:cs typeface="+mn-cs"/>
+              </a:defRPr>
+            </a:lvl6pPr>
+            <a:lvl7pPr marL="2971800" indent="-228600" algn="l" defTabSz="914400" rtl="0" eaLnBrk="1" latinLnBrk="0" hangingPunct="1">
+              <a:lnSpc>
+                <a:spcPct val="90000"/>
+              </a:lnSpc>
+              <a:spcBef>
+                <a:spcPts val="500"/>
+              </a:spcBef>
+              <a:buFont typeface="Arial" panose="020B0604020202020204" pitchFamily="34" charset="0"/>
+              <a:buChar char="•"/>
+              <a:defRPr sz="1800" kern="1200">
+                <a:solidFill>
+                  <a:schemeClr val="tx1"/>
+                </a:solidFill>
+                <a:latin typeface="+mn-lt"/>
+                <a:ea typeface="+mn-ea"/>
+                <a:cs typeface="+mn-cs"/>
+              </a:defRPr>
+            </a:lvl7pPr>
+            <a:lvl8pPr marL="3429000" indent="-228600" algn="l" defTabSz="914400" rtl="0" eaLnBrk="1" latinLnBrk="0" hangingPunct="1">
+              <a:lnSpc>
+                <a:spcPct val="90000"/>
+              </a:lnSpc>
+              <a:spcBef>
+                <a:spcPts val="500"/>
+              </a:spcBef>
+              <a:buFont typeface="Arial" panose="020B0604020202020204" pitchFamily="34" charset="0"/>
+              <a:buChar char="•"/>
+              <a:defRPr sz="1800" kern="1200">
+                <a:solidFill>
+                  <a:schemeClr val="tx1"/>
+                </a:solidFill>
+                <a:latin typeface="+mn-lt"/>
+                <a:ea typeface="+mn-ea"/>
+                <a:cs typeface="+mn-cs"/>
+              </a:defRPr>
+            </a:lvl8pPr>
+            <a:lvl9pPr marL="3886200" indent="-228600" algn="l" defTabSz="914400" rtl="0" eaLnBrk="1" latinLnBrk="0" hangingPunct="1">
+              <a:lnSpc>
+                <a:spcPct val="90000"/>
+              </a:lnSpc>
+              <a:spcBef>
+                <a:spcPts val="500"/>
+              </a:spcBef>
+              <a:buFont typeface="Arial" panose="020B0604020202020204" pitchFamily="34" charset="0"/>
+              <a:buChar char="•"/>
+              <a:defRPr sz="1800" kern="1200">
+                <a:solidFill>
+                  <a:schemeClr val="tx1"/>
+                </a:solidFill>
+                <a:latin typeface="+mn-lt"/>
+                <a:ea typeface="+mn-ea"/>
+                <a:cs typeface="+mn-cs"/>
+              </a:defRPr>
+            </a:lvl9pPr>
+          </a:lstStyle>
+          <a:p>
+            <a:pPr marL="0" indent="0" algn="ctr">
+              <a:buFont typeface="Arial" panose="020B0604020202020204" pitchFamily="34" charset="0"/>
+              <a:buNone/>
+            </a:pPr>
+            <a:r>
+              <a:rPr lang="en-US" sz="1600" b="1" i="1" dirty="0">
+                <a:solidFill>
+                  <a:srgbClr val="00B050"/>
+                </a:solidFill>
+              </a:rPr>
+              <a:t>MAP A correctly classified</a:t>
+            </a:r>
+          </a:p>
+          <a:p>
+            <a:r>
+              <a:rPr lang="en-US" sz="1600" dirty="0"/>
+              <a:t>The algorithm recognize as majoritarian the atrial peak (in modulus)</a:t>
+            </a:r>
+          </a:p>
+          <a:p>
+            <a:pPr marL="0" indent="0">
+              <a:buFont typeface="Arial" panose="020B0604020202020204" pitchFamily="34" charset="0"/>
+              <a:buNone/>
+            </a:pPr>
+            <a:endParaRPr lang="en-US" sz="1600" dirty="0">
+              <a:solidFill>
+                <a:schemeClr val="tx2">
+                  <a:lumMod val="60000"/>
+                  <a:lumOff val="40000"/>
+                </a:schemeClr>
+              </a:solidFill>
+            </a:endParaRPr>
+          </a:p>
+          <a:p>
+            <a:endParaRPr lang="en-US" sz="1600" dirty="0"/>
+          </a:p>
+        </p:txBody>
+      </p:sp>
+      <p:pic>
+        <p:nvPicPr>
+          <p:cNvPr id="5" name="Immagine 4" descr="Immagine che contiene testo, schermata, linea, Diagramma&#10;&#10;Descrizione generata automaticamente">
+            <a:extLst>
+              <a:ext uri="{FF2B5EF4-FFF2-40B4-BE49-F238E27FC236}">
+                <a16:creationId xmlns:a16="http://schemas.microsoft.com/office/drawing/2014/main" id="{D511BEDE-337F-55D2-2778-FA142F4B4A98}"/>
+              </a:ext>
+            </a:extLst>
+          </p:cNvPr>
+          <p:cNvPicPr>
+            <a:picLocks noChangeAspect="1"/>
+          </p:cNvPicPr>
+          <p:nvPr/>
+        </p:nvPicPr>
+        <p:blipFill>
+          <a:blip r:embed="rId3">
+            <a:extLst>
+              <a:ext uri="{28A0092B-C50C-407E-A947-70E740481C1C}">
+                <a14:useLocalDpi xmlns:a14="http://schemas.microsoft.com/office/drawing/2010/main" val="0"/>
+              </a:ext>
+            </a:extLst>
+          </a:blip>
+          <a:stretch>
+            <a:fillRect/>
+          </a:stretch>
+        </p:blipFill>
+        <p:spPr>
+          <a:xfrm>
+            <a:off x="4830874" y="1615302"/>
+            <a:ext cx="6522926" cy="4348617"/>
+          </a:xfrm>
+          <a:prstGeom prst="rect">
+            <a:avLst/>
+          </a:prstGeom>
+        </p:spPr>
+      </p:pic>
+    </p:spTree>
+    <p:extLst>
+      <p:ext uri="{BB962C8B-B14F-4D97-AF65-F5344CB8AC3E}">
+        <p14:creationId xmlns:p14="http://schemas.microsoft.com/office/powerpoint/2010/main" val="1425177246"/>
+      </p:ext>
+    </p:extLst>
+  </p:cSld>
+  <p:clrMapOvr>
+    <a:masterClrMapping/>
+  </p:clrMapOvr>
+</p:sld>
+</file>
+
+<file path=ppt/slides/slide16.xml><?xml version="1.0" encoding="utf-8"?>
+<p:sld xmlns:a="http://schemas.openxmlformats.org/drawingml/2006/main" xmlns:r="http://schemas.openxmlformats.org/officeDocument/2006/relationships" xmlns:p="http://schemas.openxmlformats.org/presentationml/2006/main">
+  <p:cSld>
+    <p:spTree>
+      <p:nvGrpSpPr>
+        <p:cNvPr id="1" name="">
+          <a:extLst>
+            <a:ext uri="{FF2B5EF4-FFF2-40B4-BE49-F238E27FC236}">
+              <a16:creationId xmlns:a16="http://schemas.microsoft.com/office/drawing/2014/main" id="{4FD9E4FF-2E26-827A-CD10-B717FAA7C0EF}"/>
+            </a:ext>
+          </a:extLst>
+        </p:cNvPr>
+        <p:cNvGrpSpPr/>
+        <p:nvPr/>
+      </p:nvGrpSpPr>
+      <p:grpSpPr>
+        <a:xfrm>
+          <a:off x="0" y="0"/>
+          <a:ext cx="0" cy="0"/>
+          <a:chOff x="0" y="0"/>
+          <a:chExt cx="0" cy="0"/>
+        </a:xfrm>
+      </p:grpSpPr>
+      <p:sp>
+        <p:nvSpPr>
+          <p:cNvPr id="2" name="Titolo 1">
+            <a:extLst>
+              <a:ext uri="{FF2B5EF4-FFF2-40B4-BE49-F238E27FC236}">
+                <a16:creationId xmlns:a16="http://schemas.microsoft.com/office/drawing/2014/main" id="{70621F42-C86F-F381-33AC-B8ABAA663336}"/>
+              </a:ext>
+            </a:extLst>
+          </p:cNvPr>
+          <p:cNvSpPr>
+            <a:spLocks noGrp="1"/>
+          </p:cNvSpPr>
+          <p:nvPr>
+            <p:ph type="title"/>
+          </p:nvPr>
+        </p:nvSpPr>
+        <p:spPr>
+          <a:xfrm>
+            <a:off x="838200" y="209292"/>
+            <a:ext cx="9905460" cy="971551"/>
+          </a:xfrm>
+        </p:spPr>
+        <p:txBody>
+          <a:bodyPr>
+            <a:normAutofit/>
+          </a:bodyPr>
+          <a:lstStyle/>
+          <a:p>
+            <a:r>
+              <a:rPr lang="en-US" sz="3600" dirty="0"/>
+              <a:t>Correctly classified example 2</a:t>
+            </a:r>
+          </a:p>
+        </p:txBody>
+      </p:sp>
+      <p:sp>
+        <p:nvSpPr>
+          <p:cNvPr id="4" name="Segnaposto numero diapositiva 3">
+            <a:extLst>
+              <a:ext uri="{FF2B5EF4-FFF2-40B4-BE49-F238E27FC236}">
+                <a16:creationId xmlns:a16="http://schemas.microsoft.com/office/drawing/2014/main" id="{0508541E-9093-E53B-6D9A-D68E59720485}"/>
+              </a:ext>
+            </a:extLst>
+          </p:cNvPr>
+          <p:cNvSpPr>
+            <a:spLocks noGrp="1"/>
+          </p:cNvSpPr>
+          <p:nvPr>
+            <p:ph type="sldNum" sz="quarter" idx="12"/>
+          </p:nvPr>
+        </p:nvSpPr>
+        <p:spPr/>
+        <p:txBody>
+          <a:bodyPr/>
+          <a:lstStyle/>
+          <a:p>
+            <a:fld id="{2FA0223F-D95A-431D-9A71-EDA7FA0C2F5B}" type="slidenum">
+              <a:rPr lang="en-US" smtClean="0"/>
+              <a:t>16</a:t>
+            </a:fld>
+            <a:endParaRPr lang="en-US"/>
+          </a:p>
+        </p:txBody>
+      </p:sp>
+      <p:sp>
+        <p:nvSpPr>
+          <p:cNvPr id="11" name="Segnaposto contenuto 2">
+            <a:extLst>
+              <a:ext uri="{FF2B5EF4-FFF2-40B4-BE49-F238E27FC236}">
+                <a16:creationId xmlns:a16="http://schemas.microsoft.com/office/drawing/2014/main" id="{5D684458-BEE8-FB3D-554B-2C1EEE86E5E6}"/>
+              </a:ext>
+            </a:extLst>
+          </p:cNvPr>
+          <p:cNvSpPr txBox="1">
+            <a:spLocks/>
+          </p:cNvSpPr>
+          <p:nvPr/>
+        </p:nvSpPr>
+        <p:spPr>
+          <a:xfrm>
+            <a:off x="529651" y="1615303"/>
+            <a:ext cx="4194749" cy="2702697"/>
+          </a:xfrm>
+          <a:prstGeom prst="rect">
+            <a:avLst/>
+          </a:prstGeom>
+        </p:spPr>
+        <p:txBody>
+          <a:bodyPr vert="horz" lIns="91440" tIns="45720" rIns="91440" bIns="45720" rtlCol="0">
+            <a:noAutofit/>
+          </a:bodyPr>
+          <a:lstStyle>
+            <a:lvl1pPr marL="228600" indent="-228600" algn="l" defTabSz="914400" rtl="0" eaLnBrk="1" latinLnBrk="0" hangingPunct="1">
+              <a:lnSpc>
+                <a:spcPct val="90000"/>
+              </a:lnSpc>
+              <a:spcBef>
+                <a:spcPts val="1000"/>
+              </a:spcBef>
+              <a:buFont typeface="Arial" panose="020B0604020202020204" pitchFamily="34" charset="0"/>
+              <a:buChar char="•"/>
+              <a:defRPr sz="2800" kern="1200">
+                <a:solidFill>
+                  <a:schemeClr val="tx1"/>
+                </a:solidFill>
+                <a:latin typeface="+mn-lt"/>
+                <a:ea typeface="+mn-ea"/>
+                <a:cs typeface="+mn-cs"/>
+              </a:defRPr>
+            </a:lvl1pPr>
+            <a:lvl2pPr marL="685800" indent="-228600" algn="l" defTabSz="914400" rtl="0" eaLnBrk="1" latinLnBrk="0" hangingPunct="1">
+              <a:lnSpc>
+                <a:spcPct val="90000"/>
+              </a:lnSpc>
+              <a:spcBef>
+                <a:spcPts val="500"/>
+              </a:spcBef>
+              <a:buFont typeface="Arial" panose="020B0604020202020204" pitchFamily="34" charset="0"/>
+              <a:buChar char="•"/>
+              <a:defRPr sz="2400" kern="1200">
+                <a:solidFill>
+                  <a:schemeClr val="tx1"/>
+                </a:solidFill>
+                <a:latin typeface="+mn-lt"/>
+                <a:ea typeface="+mn-ea"/>
+                <a:cs typeface="+mn-cs"/>
+              </a:defRPr>
+            </a:lvl2pPr>
+            <a:lvl3pPr marL="1143000" indent="-228600" algn="l" defTabSz="914400" rtl="0" eaLnBrk="1" latinLnBrk="0" hangingPunct="1">
+              <a:lnSpc>
+                <a:spcPct val="90000"/>
+              </a:lnSpc>
+              <a:spcBef>
+                <a:spcPts val="500"/>
+              </a:spcBef>
+              <a:buFont typeface="Arial" panose="020B0604020202020204" pitchFamily="34" charset="0"/>
+              <a:buChar char="•"/>
+              <a:defRPr sz="2000" kern="1200">
+                <a:solidFill>
+                  <a:schemeClr val="tx1"/>
+                </a:solidFill>
+                <a:latin typeface="+mn-lt"/>
+                <a:ea typeface="+mn-ea"/>
+                <a:cs typeface="+mn-cs"/>
+              </a:defRPr>
+            </a:lvl3pPr>
+            <a:lvl4pPr marL="1600200" indent="-228600" algn="l" defTabSz="914400" rtl="0" eaLnBrk="1" latinLnBrk="0" hangingPunct="1">
+              <a:lnSpc>
+                <a:spcPct val="90000"/>
+              </a:lnSpc>
+              <a:spcBef>
+                <a:spcPts val="500"/>
+              </a:spcBef>
+              <a:buFont typeface="Arial" panose="020B0604020202020204" pitchFamily="34" charset="0"/>
+              <a:buChar char="•"/>
+              <a:defRPr sz="1800" kern="1200">
+                <a:solidFill>
+                  <a:schemeClr val="tx1"/>
+                </a:solidFill>
+                <a:latin typeface="+mn-lt"/>
+                <a:ea typeface="+mn-ea"/>
+                <a:cs typeface="+mn-cs"/>
+              </a:defRPr>
+            </a:lvl4pPr>
+            <a:lvl5pPr marL="2057400" indent="-228600" algn="l" defTabSz="914400" rtl="0" eaLnBrk="1" latinLnBrk="0" hangingPunct="1">
+              <a:lnSpc>
+                <a:spcPct val="90000"/>
+              </a:lnSpc>
+              <a:spcBef>
+                <a:spcPts val="500"/>
+              </a:spcBef>
+              <a:buFont typeface="Arial" panose="020B0604020202020204" pitchFamily="34" charset="0"/>
+              <a:buChar char="•"/>
+              <a:defRPr sz="1800" kern="1200">
+                <a:solidFill>
+                  <a:schemeClr val="tx1"/>
+                </a:solidFill>
+                <a:latin typeface="+mn-lt"/>
+                <a:ea typeface="+mn-ea"/>
+                <a:cs typeface="+mn-cs"/>
+              </a:defRPr>
+            </a:lvl5pPr>
+            <a:lvl6pPr marL="2514600" indent="-228600" algn="l" defTabSz="914400" rtl="0" eaLnBrk="1" latinLnBrk="0" hangingPunct="1">
+              <a:lnSpc>
+                <a:spcPct val="90000"/>
+              </a:lnSpc>
+              <a:spcBef>
+                <a:spcPts val="500"/>
+              </a:spcBef>
+              <a:buFont typeface="Arial" panose="020B0604020202020204" pitchFamily="34" charset="0"/>
+              <a:buChar char="•"/>
+              <a:defRPr sz="1800" kern="1200">
+                <a:solidFill>
+                  <a:schemeClr val="tx1"/>
+                </a:solidFill>
+                <a:latin typeface="+mn-lt"/>
+                <a:ea typeface="+mn-ea"/>
+                <a:cs typeface="+mn-cs"/>
+              </a:defRPr>
+            </a:lvl6pPr>
+            <a:lvl7pPr marL="2971800" indent="-228600" algn="l" defTabSz="914400" rtl="0" eaLnBrk="1" latinLnBrk="0" hangingPunct="1">
+              <a:lnSpc>
+                <a:spcPct val="90000"/>
+              </a:lnSpc>
+              <a:spcBef>
+                <a:spcPts val="500"/>
+              </a:spcBef>
+              <a:buFont typeface="Arial" panose="020B0604020202020204" pitchFamily="34" charset="0"/>
+              <a:buChar char="•"/>
+              <a:defRPr sz="1800" kern="1200">
+                <a:solidFill>
+                  <a:schemeClr val="tx1"/>
+                </a:solidFill>
+                <a:latin typeface="+mn-lt"/>
+                <a:ea typeface="+mn-ea"/>
+                <a:cs typeface="+mn-cs"/>
+              </a:defRPr>
+            </a:lvl7pPr>
+            <a:lvl8pPr marL="3429000" indent="-228600" algn="l" defTabSz="914400" rtl="0" eaLnBrk="1" latinLnBrk="0" hangingPunct="1">
+              <a:lnSpc>
+                <a:spcPct val="90000"/>
+              </a:lnSpc>
+              <a:spcBef>
+                <a:spcPts val="500"/>
+              </a:spcBef>
+              <a:buFont typeface="Arial" panose="020B0604020202020204" pitchFamily="34" charset="0"/>
+              <a:buChar char="•"/>
+              <a:defRPr sz="1800" kern="1200">
+                <a:solidFill>
+                  <a:schemeClr val="tx1"/>
+                </a:solidFill>
+                <a:latin typeface="+mn-lt"/>
+                <a:ea typeface="+mn-ea"/>
+                <a:cs typeface="+mn-cs"/>
+              </a:defRPr>
+            </a:lvl8pPr>
+            <a:lvl9pPr marL="3886200" indent="-228600" algn="l" defTabSz="914400" rtl="0" eaLnBrk="1" latinLnBrk="0" hangingPunct="1">
+              <a:lnSpc>
+                <a:spcPct val="90000"/>
+              </a:lnSpc>
+              <a:spcBef>
+                <a:spcPts val="500"/>
+              </a:spcBef>
+              <a:buFont typeface="Arial" panose="020B0604020202020204" pitchFamily="34" charset="0"/>
+              <a:buChar char="•"/>
+              <a:defRPr sz="1800" kern="1200">
+                <a:solidFill>
+                  <a:schemeClr val="tx1"/>
+                </a:solidFill>
+                <a:latin typeface="+mn-lt"/>
+                <a:ea typeface="+mn-ea"/>
+                <a:cs typeface="+mn-cs"/>
+              </a:defRPr>
+            </a:lvl9pPr>
+          </a:lstStyle>
+          <a:p>
+            <a:pPr marL="0" indent="0" algn="ctr">
+              <a:buFont typeface="Arial" panose="020B0604020202020204" pitchFamily="34" charset="0"/>
+              <a:buNone/>
+            </a:pPr>
+            <a:r>
+              <a:rPr lang="en-US" sz="1600" b="1" i="1" dirty="0">
+                <a:solidFill>
+                  <a:srgbClr val="00B050"/>
+                </a:solidFill>
+              </a:rPr>
+              <a:t>MAP B correctly classified</a:t>
+            </a:r>
+          </a:p>
+          <a:p>
+            <a:r>
+              <a:rPr lang="en-US" sz="1600" dirty="0"/>
+              <a:t>Higher ventricular peak is used to correctly assign this signal to map B.</a:t>
+            </a:r>
+          </a:p>
+          <a:p>
+            <a:r>
+              <a:rPr lang="en-US" sz="1600" dirty="0"/>
+              <a:t>It should be noted that this signal has the atrial peak </a:t>
+            </a:r>
+            <a:r>
+              <a:rPr lang="en-US" sz="1600" i="1" dirty="0"/>
+              <a:t>after 0.35.</a:t>
+            </a:r>
+            <a:r>
+              <a:rPr lang="en-US" sz="1600" dirty="0"/>
+              <a:t> Probably this is a fortuitous case.</a:t>
+            </a:r>
+            <a:endParaRPr lang="en-US" sz="1600" dirty="0">
+              <a:solidFill>
+                <a:schemeClr val="tx2">
+                  <a:lumMod val="60000"/>
+                  <a:lumOff val="40000"/>
+                </a:schemeClr>
+              </a:solidFill>
+            </a:endParaRPr>
+          </a:p>
+          <a:p>
+            <a:endParaRPr lang="en-US" sz="1600" dirty="0"/>
+          </a:p>
+        </p:txBody>
+      </p:sp>
+      <p:pic>
+        <p:nvPicPr>
+          <p:cNvPr id="6" name="Immagine 5" descr="Immagine che contiene testo, schermata, linea, Diagramma&#10;&#10;Descrizione generata automaticamente">
+            <a:extLst>
+              <a:ext uri="{FF2B5EF4-FFF2-40B4-BE49-F238E27FC236}">
+                <a16:creationId xmlns:a16="http://schemas.microsoft.com/office/drawing/2014/main" id="{038880C0-4F0E-799F-BAB3-23F1265E4DB0}"/>
+              </a:ext>
+            </a:extLst>
+          </p:cNvPr>
+          <p:cNvPicPr>
+            <a:picLocks noChangeAspect="1"/>
+          </p:cNvPicPr>
+          <p:nvPr/>
+        </p:nvPicPr>
+        <p:blipFill>
+          <a:blip r:embed="rId3">
+            <a:extLst>
+              <a:ext uri="{28A0092B-C50C-407E-A947-70E740481C1C}">
+                <a14:useLocalDpi xmlns:a14="http://schemas.microsoft.com/office/drawing/2010/main" val="0"/>
+              </a:ext>
+            </a:extLst>
+          </a:blip>
+          <a:stretch>
+            <a:fillRect/>
+          </a:stretch>
+        </p:blipFill>
+        <p:spPr>
+          <a:xfrm>
+            <a:off x="5105195" y="1615303"/>
+            <a:ext cx="6248606" cy="4165737"/>
+          </a:xfrm>
+          <a:prstGeom prst="rect">
+            <a:avLst/>
+          </a:prstGeom>
+        </p:spPr>
+      </p:pic>
+    </p:spTree>
+    <p:extLst>
+      <p:ext uri="{BB962C8B-B14F-4D97-AF65-F5344CB8AC3E}">
+        <p14:creationId xmlns:p14="http://schemas.microsoft.com/office/powerpoint/2010/main" val="463240742"/>
+      </p:ext>
+    </p:extLst>
+  </p:cSld>
+  <p:clrMapOvr>
+    <a:masterClrMapping/>
+  </p:clrMapOvr>
+</p:sld>
+</file>
+
+<file path=ppt/slides/slide17.xml><?xml version="1.0" encoding="utf-8"?>
+<p:sld xmlns:a="http://schemas.openxmlformats.org/drawingml/2006/main" xmlns:r="http://schemas.openxmlformats.org/officeDocument/2006/relationships" xmlns:p="http://schemas.openxmlformats.org/presentationml/2006/main">
+  <p:cSld>
+    <p:spTree>
+      <p:nvGrpSpPr>
+        <p:cNvPr id="1" name="">
+          <a:extLst>
+            <a:ext uri="{FF2B5EF4-FFF2-40B4-BE49-F238E27FC236}">
+              <a16:creationId xmlns:a16="http://schemas.microsoft.com/office/drawing/2014/main" id="{4C494DB6-64FC-C703-A277-CC54078FE08D}"/>
+            </a:ext>
+          </a:extLst>
+        </p:cNvPr>
+        <p:cNvGrpSpPr/>
+        <p:nvPr/>
+      </p:nvGrpSpPr>
+      <p:grpSpPr>
+        <a:xfrm>
+          <a:off x="0" y="0"/>
+          <a:ext cx="0" cy="0"/>
+          <a:chOff x="0" y="0"/>
+          <a:chExt cx="0" cy="0"/>
+        </a:xfrm>
+      </p:grpSpPr>
+      <p:sp>
+        <p:nvSpPr>
+          <p:cNvPr id="2" name="Titolo 1">
+            <a:extLst>
+              <a:ext uri="{FF2B5EF4-FFF2-40B4-BE49-F238E27FC236}">
+                <a16:creationId xmlns:a16="http://schemas.microsoft.com/office/drawing/2014/main" id="{21203F86-AE98-85C5-8828-C1B737F46832}"/>
+              </a:ext>
+            </a:extLst>
+          </p:cNvPr>
+          <p:cNvSpPr>
+            <a:spLocks noGrp="1"/>
+          </p:cNvSpPr>
+          <p:nvPr>
+            <p:ph type="title"/>
+          </p:nvPr>
+        </p:nvSpPr>
+        <p:spPr>
+          <a:xfrm>
+            <a:off x="838200" y="209292"/>
+            <a:ext cx="9905460" cy="971551"/>
+          </a:xfrm>
+        </p:spPr>
+        <p:txBody>
+          <a:bodyPr>
+            <a:normAutofit/>
+          </a:bodyPr>
+          <a:lstStyle/>
+          <a:p>
+            <a:r>
+              <a:rPr lang="en-US" sz="3600" dirty="0"/>
+              <a:t>Correctly classified example 3</a:t>
+            </a:r>
+          </a:p>
+        </p:txBody>
+      </p:sp>
+      <p:sp>
+        <p:nvSpPr>
+          <p:cNvPr id="4" name="Segnaposto numero diapositiva 3">
+            <a:extLst>
+              <a:ext uri="{FF2B5EF4-FFF2-40B4-BE49-F238E27FC236}">
+                <a16:creationId xmlns:a16="http://schemas.microsoft.com/office/drawing/2014/main" id="{B09B0288-3A4E-E408-C7C8-B05A63735329}"/>
+              </a:ext>
+            </a:extLst>
+          </p:cNvPr>
+          <p:cNvSpPr>
+            <a:spLocks noGrp="1"/>
+          </p:cNvSpPr>
+          <p:nvPr>
+            <p:ph type="sldNum" sz="quarter" idx="12"/>
+          </p:nvPr>
+        </p:nvSpPr>
+        <p:spPr/>
+        <p:txBody>
+          <a:bodyPr/>
+          <a:lstStyle/>
+          <a:p>
+            <a:fld id="{2FA0223F-D95A-431D-9A71-EDA7FA0C2F5B}" type="slidenum">
+              <a:rPr lang="en-US" smtClean="0"/>
+              <a:t>17</a:t>
+            </a:fld>
+            <a:endParaRPr lang="en-US"/>
+          </a:p>
+        </p:txBody>
+      </p:sp>
+      <p:sp>
+        <p:nvSpPr>
+          <p:cNvPr id="11" name="Segnaposto contenuto 2">
+            <a:extLst>
+              <a:ext uri="{FF2B5EF4-FFF2-40B4-BE49-F238E27FC236}">
+                <a16:creationId xmlns:a16="http://schemas.microsoft.com/office/drawing/2014/main" id="{2DD20C2F-E95F-918F-59F0-96B9A6E29154}"/>
+              </a:ext>
+            </a:extLst>
+          </p:cNvPr>
+          <p:cNvSpPr txBox="1">
+            <a:spLocks/>
+          </p:cNvSpPr>
+          <p:nvPr/>
+        </p:nvSpPr>
+        <p:spPr>
+          <a:xfrm>
+            <a:off x="529651" y="1615303"/>
+            <a:ext cx="4194749" cy="2702697"/>
+          </a:xfrm>
+          <a:prstGeom prst="rect">
+            <a:avLst/>
+          </a:prstGeom>
+        </p:spPr>
+        <p:txBody>
+          <a:bodyPr vert="horz" lIns="91440" tIns="45720" rIns="91440" bIns="45720" rtlCol="0">
+            <a:noAutofit/>
+          </a:bodyPr>
+          <a:lstStyle>
+            <a:lvl1pPr marL="228600" indent="-228600" algn="l" defTabSz="914400" rtl="0" eaLnBrk="1" latinLnBrk="0" hangingPunct="1">
+              <a:lnSpc>
+                <a:spcPct val="90000"/>
+              </a:lnSpc>
+              <a:spcBef>
+                <a:spcPts val="1000"/>
+              </a:spcBef>
+              <a:buFont typeface="Arial" panose="020B0604020202020204" pitchFamily="34" charset="0"/>
+              <a:buChar char="•"/>
+              <a:defRPr sz="2800" kern="1200">
+                <a:solidFill>
+                  <a:schemeClr val="tx1"/>
+                </a:solidFill>
+                <a:latin typeface="+mn-lt"/>
+                <a:ea typeface="+mn-ea"/>
+                <a:cs typeface="+mn-cs"/>
+              </a:defRPr>
+            </a:lvl1pPr>
+            <a:lvl2pPr marL="685800" indent="-228600" algn="l" defTabSz="914400" rtl="0" eaLnBrk="1" latinLnBrk="0" hangingPunct="1">
+              <a:lnSpc>
+                <a:spcPct val="90000"/>
+              </a:lnSpc>
+              <a:spcBef>
+                <a:spcPts val="500"/>
+              </a:spcBef>
+              <a:buFont typeface="Arial" panose="020B0604020202020204" pitchFamily="34" charset="0"/>
+              <a:buChar char="•"/>
+              <a:defRPr sz="2400" kern="1200">
+                <a:solidFill>
+                  <a:schemeClr val="tx1"/>
+                </a:solidFill>
+                <a:latin typeface="+mn-lt"/>
+                <a:ea typeface="+mn-ea"/>
+                <a:cs typeface="+mn-cs"/>
+              </a:defRPr>
+            </a:lvl2pPr>
+            <a:lvl3pPr marL="1143000" indent="-228600" algn="l" defTabSz="914400" rtl="0" eaLnBrk="1" latinLnBrk="0" hangingPunct="1">
+              <a:lnSpc>
+                <a:spcPct val="90000"/>
+              </a:lnSpc>
+              <a:spcBef>
+                <a:spcPts val="500"/>
+              </a:spcBef>
+              <a:buFont typeface="Arial" panose="020B0604020202020204" pitchFamily="34" charset="0"/>
+              <a:buChar char="•"/>
+              <a:defRPr sz="2000" kern="1200">
+                <a:solidFill>
+                  <a:schemeClr val="tx1"/>
+                </a:solidFill>
+                <a:latin typeface="+mn-lt"/>
+                <a:ea typeface="+mn-ea"/>
+                <a:cs typeface="+mn-cs"/>
+              </a:defRPr>
+            </a:lvl3pPr>
+            <a:lvl4pPr marL="1600200" indent="-228600" algn="l" defTabSz="914400" rtl="0" eaLnBrk="1" latinLnBrk="0" hangingPunct="1">
+              <a:lnSpc>
+                <a:spcPct val="90000"/>
+              </a:lnSpc>
+              <a:spcBef>
+                <a:spcPts val="500"/>
+              </a:spcBef>
+              <a:buFont typeface="Arial" panose="020B0604020202020204" pitchFamily="34" charset="0"/>
+              <a:buChar char="•"/>
+              <a:defRPr sz="1800" kern="1200">
+                <a:solidFill>
+                  <a:schemeClr val="tx1"/>
+                </a:solidFill>
+                <a:latin typeface="+mn-lt"/>
+                <a:ea typeface="+mn-ea"/>
+                <a:cs typeface="+mn-cs"/>
+              </a:defRPr>
+            </a:lvl4pPr>
+            <a:lvl5pPr marL="2057400" indent="-228600" algn="l" defTabSz="914400" rtl="0" eaLnBrk="1" latinLnBrk="0" hangingPunct="1">
+              <a:lnSpc>
+                <a:spcPct val="90000"/>
+              </a:lnSpc>
+              <a:spcBef>
+                <a:spcPts val="500"/>
+              </a:spcBef>
+              <a:buFont typeface="Arial" panose="020B0604020202020204" pitchFamily="34" charset="0"/>
+              <a:buChar char="•"/>
+              <a:defRPr sz="1800" kern="1200">
+                <a:solidFill>
+                  <a:schemeClr val="tx1"/>
+                </a:solidFill>
+                <a:latin typeface="+mn-lt"/>
+                <a:ea typeface="+mn-ea"/>
+                <a:cs typeface="+mn-cs"/>
+              </a:defRPr>
+            </a:lvl5pPr>
+            <a:lvl6pPr marL="2514600" indent="-228600" algn="l" defTabSz="914400" rtl="0" eaLnBrk="1" latinLnBrk="0" hangingPunct="1">
+              <a:lnSpc>
+                <a:spcPct val="90000"/>
+              </a:lnSpc>
+              <a:spcBef>
+                <a:spcPts val="500"/>
+              </a:spcBef>
+              <a:buFont typeface="Arial" panose="020B0604020202020204" pitchFamily="34" charset="0"/>
+              <a:buChar char="•"/>
+              <a:defRPr sz="1800" kern="1200">
+                <a:solidFill>
+                  <a:schemeClr val="tx1"/>
+                </a:solidFill>
+                <a:latin typeface="+mn-lt"/>
+                <a:ea typeface="+mn-ea"/>
+                <a:cs typeface="+mn-cs"/>
+              </a:defRPr>
+            </a:lvl6pPr>
+            <a:lvl7pPr marL="2971800" indent="-228600" algn="l" defTabSz="914400" rtl="0" eaLnBrk="1" latinLnBrk="0" hangingPunct="1">
+              <a:lnSpc>
+                <a:spcPct val="90000"/>
+              </a:lnSpc>
+              <a:spcBef>
+                <a:spcPts val="500"/>
+              </a:spcBef>
+              <a:buFont typeface="Arial" panose="020B0604020202020204" pitchFamily="34" charset="0"/>
+              <a:buChar char="•"/>
+              <a:defRPr sz="1800" kern="1200">
+                <a:solidFill>
+                  <a:schemeClr val="tx1"/>
+                </a:solidFill>
+                <a:latin typeface="+mn-lt"/>
+                <a:ea typeface="+mn-ea"/>
+                <a:cs typeface="+mn-cs"/>
+              </a:defRPr>
+            </a:lvl7pPr>
+            <a:lvl8pPr marL="3429000" indent="-228600" algn="l" defTabSz="914400" rtl="0" eaLnBrk="1" latinLnBrk="0" hangingPunct="1">
+              <a:lnSpc>
+                <a:spcPct val="90000"/>
+              </a:lnSpc>
+              <a:spcBef>
+                <a:spcPts val="500"/>
+              </a:spcBef>
+              <a:buFont typeface="Arial" panose="020B0604020202020204" pitchFamily="34" charset="0"/>
+              <a:buChar char="•"/>
+              <a:defRPr sz="1800" kern="1200">
+                <a:solidFill>
+                  <a:schemeClr val="tx1"/>
+                </a:solidFill>
+                <a:latin typeface="+mn-lt"/>
+                <a:ea typeface="+mn-ea"/>
+                <a:cs typeface="+mn-cs"/>
+              </a:defRPr>
+            </a:lvl8pPr>
+            <a:lvl9pPr marL="3886200" indent="-228600" algn="l" defTabSz="914400" rtl="0" eaLnBrk="1" latinLnBrk="0" hangingPunct="1">
+              <a:lnSpc>
+                <a:spcPct val="90000"/>
+              </a:lnSpc>
+              <a:spcBef>
+                <a:spcPts val="500"/>
+              </a:spcBef>
+              <a:buFont typeface="Arial" panose="020B0604020202020204" pitchFamily="34" charset="0"/>
+              <a:buChar char="•"/>
+              <a:defRPr sz="1800" kern="1200">
+                <a:solidFill>
+                  <a:schemeClr val="tx1"/>
+                </a:solidFill>
+                <a:latin typeface="+mn-lt"/>
+                <a:ea typeface="+mn-ea"/>
+                <a:cs typeface="+mn-cs"/>
+              </a:defRPr>
+            </a:lvl9pPr>
+          </a:lstStyle>
+          <a:p>
+            <a:pPr marL="0" indent="0" algn="ctr">
+              <a:buFont typeface="Arial" panose="020B0604020202020204" pitchFamily="34" charset="0"/>
+              <a:buNone/>
+            </a:pPr>
+            <a:r>
+              <a:rPr lang="en-US" sz="1600" b="1" i="1" dirty="0">
+                <a:solidFill>
+                  <a:srgbClr val="00B050"/>
+                </a:solidFill>
+              </a:rPr>
+              <a:t>MAP C correctly classified</a:t>
+            </a:r>
+          </a:p>
+          <a:p>
+            <a:r>
+              <a:rPr lang="en-US" sz="1600" dirty="0"/>
+              <a:t>His bundle is correctly recognized and used to classify this signal into MAP C.</a:t>
+            </a:r>
+          </a:p>
+          <a:p>
+            <a:endParaRPr lang="en-US" sz="1600" dirty="0"/>
+          </a:p>
+          <a:p>
+            <a:pPr marL="0" indent="0">
+              <a:buFont typeface="Arial" panose="020B0604020202020204" pitchFamily="34" charset="0"/>
+              <a:buNone/>
+            </a:pPr>
+            <a:endParaRPr lang="en-US" sz="1600" dirty="0">
+              <a:solidFill>
+                <a:schemeClr val="tx2">
+                  <a:lumMod val="60000"/>
+                  <a:lumOff val="40000"/>
+                </a:schemeClr>
+              </a:solidFill>
+            </a:endParaRPr>
+          </a:p>
+          <a:p>
+            <a:endParaRPr lang="en-US" sz="1600" dirty="0"/>
+          </a:p>
+        </p:txBody>
+      </p:sp>
+      <p:pic>
+        <p:nvPicPr>
+          <p:cNvPr id="6" name="Immagine 5" descr="Immagine che contiene testo, linea, diagramma, Diagramma&#10;&#10;Descrizione generata automaticamente">
+            <a:extLst>
+              <a:ext uri="{FF2B5EF4-FFF2-40B4-BE49-F238E27FC236}">
+                <a16:creationId xmlns:a16="http://schemas.microsoft.com/office/drawing/2014/main" id="{7E5DCCF8-E74D-CC53-978B-8412BFCD4DF9}"/>
+              </a:ext>
+            </a:extLst>
+          </p:cNvPr>
+          <p:cNvPicPr>
+            <a:picLocks noChangeAspect="1"/>
+          </p:cNvPicPr>
+          <p:nvPr/>
+        </p:nvPicPr>
+        <p:blipFill>
+          <a:blip r:embed="rId3">
+            <a:extLst>
+              <a:ext uri="{28A0092B-C50C-407E-A947-70E740481C1C}">
+                <a14:useLocalDpi xmlns:a14="http://schemas.microsoft.com/office/drawing/2010/main" val="0"/>
+              </a:ext>
+            </a:extLst>
+          </a:blip>
+          <a:stretch>
+            <a:fillRect/>
+          </a:stretch>
+        </p:blipFill>
+        <p:spPr>
+          <a:xfrm>
+            <a:off x="5059680" y="1615302"/>
+            <a:ext cx="6294261" cy="4196174"/>
+          </a:xfrm>
+          <a:prstGeom prst="rect">
+            <a:avLst/>
+          </a:prstGeom>
+        </p:spPr>
+      </p:pic>
+    </p:spTree>
+    <p:extLst>
+      <p:ext uri="{BB962C8B-B14F-4D97-AF65-F5344CB8AC3E}">
+        <p14:creationId xmlns:p14="http://schemas.microsoft.com/office/powerpoint/2010/main" val="3074173386"/>
+      </p:ext>
+    </p:extLst>
+  </p:cSld>
+  <p:clrMapOvr>
+    <a:masterClrMapping/>
+  </p:clrMapOvr>
+</p:sld>
+</file>
+
+<file path=ppt/slides/slide18.xml><?xml version="1.0" encoding="utf-8"?>
+<p:sld xmlns:a="http://schemas.openxmlformats.org/drawingml/2006/main" xmlns:r="http://schemas.openxmlformats.org/officeDocument/2006/relationships" xmlns:p="http://schemas.openxmlformats.org/presentationml/2006/main">
+  <p:cSld>
+    <p:spTree>
+      <p:nvGrpSpPr>
+        <p:cNvPr id="1" name="">
+          <a:extLst>
+            <a:ext uri="{FF2B5EF4-FFF2-40B4-BE49-F238E27FC236}">
+              <a16:creationId xmlns:a16="http://schemas.microsoft.com/office/drawing/2014/main" id="{765C4D95-5654-69A8-D85D-E32B3716374D}"/>
+            </a:ext>
+          </a:extLst>
+        </p:cNvPr>
+        <p:cNvGrpSpPr/>
+        <p:nvPr/>
+      </p:nvGrpSpPr>
+      <p:grpSpPr>
+        <a:xfrm>
+          <a:off x="0" y="0"/>
+          <a:ext cx="0" cy="0"/>
+          <a:chOff x="0" y="0"/>
+          <a:chExt cx="0" cy="0"/>
+        </a:xfrm>
+      </p:grpSpPr>
+      <p:sp>
+        <p:nvSpPr>
+          <p:cNvPr id="2" name="Titolo 1">
+            <a:extLst>
+              <a:ext uri="{FF2B5EF4-FFF2-40B4-BE49-F238E27FC236}">
+                <a16:creationId xmlns:a16="http://schemas.microsoft.com/office/drawing/2014/main" id="{03AC6672-4370-70F8-DD11-70043B31D056}"/>
+              </a:ext>
+            </a:extLst>
+          </p:cNvPr>
+          <p:cNvSpPr>
+            <a:spLocks noGrp="1"/>
+          </p:cNvSpPr>
+          <p:nvPr>
+            <p:ph type="title"/>
+          </p:nvPr>
+        </p:nvSpPr>
+        <p:spPr>
+          <a:xfrm>
+            <a:off x="838200" y="209292"/>
+            <a:ext cx="9905460" cy="971551"/>
+          </a:xfrm>
+        </p:spPr>
+        <p:txBody>
+          <a:bodyPr>
+            <a:normAutofit/>
+          </a:bodyPr>
+          <a:lstStyle/>
+          <a:p>
+            <a:r>
+              <a:rPr lang="en-US" sz="3600" dirty="0"/>
+              <a:t>Misclassified example 1</a:t>
+            </a:r>
+          </a:p>
+        </p:txBody>
+      </p:sp>
+      <p:sp>
+        <p:nvSpPr>
+          <p:cNvPr id="4" name="Segnaposto numero diapositiva 3">
+            <a:extLst>
+              <a:ext uri="{FF2B5EF4-FFF2-40B4-BE49-F238E27FC236}">
+                <a16:creationId xmlns:a16="http://schemas.microsoft.com/office/drawing/2014/main" id="{B31A1308-3F22-270F-6284-E3EAD708E495}"/>
+              </a:ext>
+            </a:extLst>
+          </p:cNvPr>
+          <p:cNvSpPr>
+            <a:spLocks noGrp="1"/>
+          </p:cNvSpPr>
+          <p:nvPr>
+            <p:ph type="sldNum" sz="quarter" idx="12"/>
+          </p:nvPr>
+        </p:nvSpPr>
+        <p:spPr/>
+        <p:txBody>
+          <a:bodyPr/>
+          <a:lstStyle/>
+          <a:p>
+            <a:fld id="{2FA0223F-D95A-431D-9A71-EDA7FA0C2F5B}" type="slidenum">
+              <a:rPr lang="en-US" smtClean="0"/>
+              <a:t>18</a:t>
+            </a:fld>
+            <a:endParaRPr lang="en-US"/>
+          </a:p>
+        </p:txBody>
+      </p:sp>
+      <p:sp>
+        <p:nvSpPr>
+          <p:cNvPr id="11" name="Segnaposto contenuto 2">
+            <a:extLst>
+              <a:ext uri="{FF2B5EF4-FFF2-40B4-BE49-F238E27FC236}">
+                <a16:creationId xmlns:a16="http://schemas.microsoft.com/office/drawing/2014/main" id="{2E15D82B-73F2-2606-6A6E-94EE3E5C9E6F}"/>
+              </a:ext>
+            </a:extLst>
+          </p:cNvPr>
+          <p:cNvSpPr txBox="1">
+            <a:spLocks/>
+          </p:cNvSpPr>
+          <p:nvPr/>
+        </p:nvSpPr>
+        <p:spPr>
+          <a:xfrm>
+            <a:off x="529651" y="1615303"/>
+            <a:ext cx="4194749" cy="2702697"/>
+          </a:xfrm>
+          <a:prstGeom prst="rect">
+            <a:avLst/>
+          </a:prstGeom>
+        </p:spPr>
+        <p:txBody>
+          <a:bodyPr vert="horz" lIns="91440" tIns="45720" rIns="91440" bIns="45720" rtlCol="0">
+            <a:noAutofit/>
+          </a:bodyPr>
+          <a:lstStyle>
+            <a:lvl1pPr marL="228600" indent="-228600" algn="l" defTabSz="914400" rtl="0" eaLnBrk="1" latinLnBrk="0" hangingPunct="1">
+              <a:lnSpc>
+                <a:spcPct val="90000"/>
+              </a:lnSpc>
+              <a:spcBef>
+                <a:spcPts val="1000"/>
+              </a:spcBef>
+              <a:buFont typeface="Arial" panose="020B0604020202020204" pitchFamily="34" charset="0"/>
+              <a:buChar char="•"/>
+              <a:defRPr sz="2800" kern="1200">
+                <a:solidFill>
+                  <a:schemeClr val="tx1"/>
+                </a:solidFill>
+                <a:latin typeface="+mn-lt"/>
+                <a:ea typeface="+mn-ea"/>
+                <a:cs typeface="+mn-cs"/>
+              </a:defRPr>
+            </a:lvl1pPr>
+            <a:lvl2pPr marL="685800" indent="-228600" algn="l" defTabSz="914400" rtl="0" eaLnBrk="1" latinLnBrk="0" hangingPunct="1">
+              <a:lnSpc>
+                <a:spcPct val="90000"/>
+              </a:lnSpc>
+              <a:spcBef>
+                <a:spcPts val="500"/>
+              </a:spcBef>
+              <a:buFont typeface="Arial" panose="020B0604020202020204" pitchFamily="34" charset="0"/>
+              <a:buChar char="•"/>
+              <a:defRPr sz="2400" kern="1200">
+                <a:solidFill>
+                  <a:schemeClr val="tx1"/>
+                </a:solidFill>
+                <a:latin typeface="+mn-lt"/>
+                <a:ea typeface="+mn-ea"/>
+                <a:cs typeface="+mn-cs"/>
+              </a:defRPr>
+            </a:lvl2pPr>
+            <a:lvl3pPr marL="1143000" indent="-228600" algn="l" defTabSz="914400" rtl="0" eaLnBrk="1" latinLnBrk="0" hangingPunct="1">
+              <a:lnSpc>
+                <a:spcPct val="90000"/>
+              </a:lnSpc>
+              <a:spcBef>
+                <a:spcPts val="500"/>
+              </a:spcBef>
+              <a:buFont typeface="Arial" panose="020B0604020202020204" pitchFamily="34" charset="0"/>
+              <a:buChar char="•"/>
+              <a:defRPr sz="2000" kern="1200">
+                <a:solidFill>
+                  <a:schemeClr val="tx1"/>
+                </a:solidFill>
+                <a:latin typeface="+mn-lt"/>
+                <a:ea typeface="+mn-ea"/>
+                <a:cs typeface="+mn-cs"/>
+              </a:defRPr>
+            </a:lvl3pPr>
+            <a:lvl4pPr marL="1600200" indent="-228600" algn="l" defTabSz="914400" rtl="0" eaLnBrk="1" latinLnBrk="0" hangingPunct="1">
+              <a:lnSpc>
+                <a:spcPct val="90000"/>
+              </a:lnSpc>
+              <a:spcBef>
+                <a:spcPts val="500"/>
+              </a:spcBef>
+              <a:buFont typeface="Arial" panose="020B0604020202020204" pitchFamily="34" charset="0"/>
+              <a:buChar char="•"/>
+              <a:defRPr sz="1800" kern="1200">
+                <a:solidFill>
+                  <a:schemeClr val="tx1"/>
+                </a:solidFill>
+                <a:latin typeface="+mn-lt"/>
+                <a:ea typeface="+mn-ea"/>
+                <a:cs typeface="+mn-cs"/>
+              </a:defRPr>
+            </a:lvl4pPr>
+            <a:lvl5pPr marL="2057400" indent="-228600" algn="l" defTabSz="914400" rtl="0" eaLnBrk="1" latinLnBrk="0" hangingPunct="1">
+              <a:lnSpc>
+                <a:spcPct val="90000"/>
+              </a:lnSpc>
+              <a:spcBef>
+                <a:spcPts val="500"/>
+              </a:spcBef>
+              <a:buFont typeface="Arial" panose="020B0604020202020204" pitchFamily="34" charset="0"/>
+              <a:buChar char="•"/>
+              <a:defRPr sz="1800" kern="1200">
+                <a:solidFill>
+                  <a:schemeClr val="tx1"/>
+                </a:solidFill>
+                <a:latin typeface="+mn-lt"/>
+                <a:ea typeface="+mn-ea"/>
+                <a:cs typeface="+mn-cs"/>
+              </a:defRPr>
+            </a:lvl5pPr>
+            <a:lvl6pPr marL="2514600" indent="-228600" algn="l" defTabSz="914400" rtl="0" eaLnBrk="1" latinLnBrk="0" hangingPunct="1">
+              <a:lnSpc>
+                <a:spcPct val="90000"/>
+              </a:lnSpc>
+              <a:spcBef>
+                <a:spcPts val="500"/>
+              </a:spcBef>
+              <a:buFont typeface="Arial" panose="020B0604020202020204" pitchFamily="34" charset="0"/>
+              <a:buChar char="•"/>
+              <a:defRPr sz="1800" kern="1200">
+                <a:solidFill>
+                  <a:schemeClr val="tx1"/>
+                </a:solidFill>
+                <a:latin typeface="+mn-lt"/>
+                <a:ea typeface="+mn-ea"/>
+                <a:cs typeface="+mn-cs"/>
+              </a:defRPr>
+            </a:lvl6pPr>
+            <a:lvl7pPr marL="2971800" indent="-228600" algn="l" defTabSz="914400" rtl="0" eaLnBrk="1" latinLnBrk="0" hangingPunct="1">
+              <a:lnSpc>
+                <a:spcPct val="90000"/>
+              </a:lnSpc>
+              <a:spcBef>
+                <a:spcPts val="500"/>
+              </a:spcBef>
+              <a:buFont typeface="Arial" panose="020B0604020202020204" pitchFamily="34" charset="0"/>
+              <a:buChar char="•"/>
+              <a:defRPr sz="1800" kern="1200">
+                <a:solidFill>
+                  <a:schemeClr val="tx1"/>
+                </a:solidFill>
+                <a:latin typeface="+mn-lt"/>
+                <a:ea typeface="+mn-ea"/>
+                <a:cs typeface="+mn-cs"/>
+              </a:defRPr>
+            </a:lvl7pPr>
+            <a:lvl8pPr marL="3429000" indent="-228600" algn="l" defTabSz="914400" rtl="0" eaLnBrk="1" latinLnBrk="0" hangingPunct="1">
+              <a:lnSpc>
+                <a:spcPct val="90000"/>
+              </a:lnSpc>
+              <a:spcBef>
+                <a:spcPts val="500"/>
+              </a:spcBef>
+              <a:buFont typeface="Arial" panose="020B0604020202020204" pitchFamily="34" charset="0"/>
+              <a:buChar char="•"/>
+              <a:defRPr sz="1800" kern="1200">
+                <a:solidFill>
+                  <a:schemeClr val="tx1"/>
+                </a:solidFill>
+                <a:latin typeface="+mn-lt"/>
+                <a:ea typeface="+mn-ea"/>
+                <a:cs typeface="+mn-cs"/>
+              </a:defRPr>
+            </a:lvl8pPr>
+            <a:lvl9pPr marL="3886200" indent="-228600" algn="l" defTabSz="914400" rtl="0" eaLnBrk="1" latinLnBrk="0" hangingPunct="1">
+              <a:lnSpc>
+                <a:spcPct val="90000"/>
+              </a:lnSpc>
+              <a:spcBef>
+                <a:spcPts val="500"/>
+              </a:spcBef>
+              <a:buFont typeface="Arial" panose="020B0604020202020204" pitchFamily="34" charset="0"/>
+              <a:buChar char="•"/>
+              <a:defRPr sz="1800" kern="1200">
+                <a:solidFill>
+                  <a:schemeClr val="tx1"/>
+                </a:solidFill>
+                <a:latin typeface="+mn-lt"/>
+                <a:ea typeface="+mn-ea"/>
+                <a:cs typeface="+mn-cs"/>
+              </a:defRPr>
+            </a:lvl9pPr>
+          </a:lstStyle>
+          <a:p>
+            <a:pPr marL="0" indent="0" algn="ctr">
+              <a:buFont typeface="Arial" panose="020B0604020202020204" pitchFamily="34" charset="0"/>
+              <a:buNone/>
+            </a:pPr>
+            <a:r>
+              <a:rPr lang="en-US" sz="1600" b="1" i="1" dirty="0">
+                <a:solidFill>
+                  <a:srgbClr val="C00000"/>
+                </a:solidFill>
+              </a:rPr>
+              <a:t>MAP A classified as MAP B</a:t>
+            </a:r>
+          </a:p>
+          <a:p>
+            <a:r>
+              <a:rPr lang="en-US" sz="1600" dirty="0"/>
+              <a:t>The algorithm captures the uncertainty given by the clear Map B characteristics of the signal</a:t>
+            </a:r>
+          </a:p>
+          <a:p>
+            <a:pPr marL="0" indent="0">
+              <a:buFont typeface="Arial" panose="020B0604020202020204" pitchFamily="34" charset="0"/>
+              <a:buNone/>
+            </a:pPr>
+            <a:endParaRPr lang="en-US" sz="1600" dirty="0">
+              <a:solidFill>
+                <a:schemeClr val="tx2">
+                  <a:lumMod val="60000"/>
+                  <a:lumOff val="40000"/>
+                </a:schemeClr>
+              </a:solidFill>
+            </a:endParaRPr>
+          </a:p>
+          <a:p>
+            <a:endParaRPr lang="en-US" sz="1600" dirty="0"/>
+          </a:p>
+        </p:txBody>
+      </p:sp>
+      <p:pic>
+        <p:nvPicPr>
+          <p:cNvPr id="17" name="Immagine 16" descr="Immagine che contiene testo, linea, Diagramma, schermata&#10;&#10;Descrizione generata automaticamente">
+            <a:extLst>
+              <a:ext uri="{FF2B5EF4-FFF2-40B4-BE49-F238E27FC236}">
+                <a16:creationId xmlns:a16="http://schemas.microsoft.com/office/drawing/2014/main" id="{DF208CF5-C6D9-FA73-AA15-8D871D005C92}"/>
+              </a:ext>
+            </a:extLst>
+          </p:cNvPr>
+          <p:cNvPicPr>
+            <a:picLocks noChangeAspect="1"/>
+          </p:cNvPicPr>
+          <p:nvPr/>
+        </p:nvPicPr>
+        <p:blipFill>
+          <a:blip r:embed="rId3">
+            <a:extLst>
+              <a:ext uri="{28A0092B-C50C-407E-A947-70E740481C1C}">
+                <a14:useLocalDpi xmlns:a14="http://schemas.microsoft.com/office/drawing/2010/main" val="0"/>
+              </a:ext>
+            </a:extLst>
+          </a:blip>
+          <a:stretch>
+            <a:fillRect/>
+          </a:stretch>
+        </p:blipFill>
+        <p:spPr>
+          <a:xfrm>
+            <a:off x="4724400" y="1608802"/>
+            <a:ext cx="6543181" cy="4362121"/>
+          </a:xfrm>
+          <a:prstGeom prst="rect">
+            <a:avLst/>
+          </a:prstGeom>
+        </p:spPr>
+      </p:pic>
+    </p:spTree>
+    <p:extLst>
+      <p:ext uri="{BB962C8B-B14F-4D97-AF65-F5344CB8AC3E}">
+        <p14:creationId xmlns:p14="http://schemas.microsoft.com/office/powerpoint/2010/main" val="2975333443"/>
+      </p:ext>
+    </p:extLst>
+  </p:cSld>
+  <p:clrMapOvr>
+    <a:masterClrMapping/>
+  </p:clrMapOvr>
+</p:sld>
+</file>
+
+<file path=ppt/slides/slide19.xml><?xml version="1.0" encoding="utf-8"?>
+<p:sld xmlns:a="http://schemas.openxmlformats.org/drawingml/2006/main" xmlns:r="http://schemas.openxmlformats.org/officeDocument/2006/relationships" xmlns:p="http://schemas.openxmlformats.org/presentationml/2006/main">
+  <p:cSld>
+    <p:spTree>
+      <p:nvGrpSpPr>
+        <p:cNvPr id="1" name="">
+          <a:extLst>
+            <a:ext uri="{FF2B5EF4-FFF2-40B4-BE49-F238E27FC236}">
+              <a16:creationId xmlns:a16="http://schemas.microsoft.com/office/drawing/2014/main" id="{4DAA8E34-FF27-AF2F-F683-319BD7C1BC45}"/>
+            </a:ext>
+          </a:extLst>
+        </p:cNvPr>
+        <p:cNvGrpSpPr/>
+        <p:nvPr/>
+      </p:nvGrpSpPr>
+      <p:grpSpPr>
+        <a:xfrm>
+          <a:off x="0" y="0"/>
+          <a:ext cx="0" cy="0"/>
+          <a:chOff x="0" y="0"/>
+          <a:chExt cx="0" cy="0"/>
+        </a:xfrm>
+      </p:grpSpPr>
+      <p:sp>
+        <p:nvSpPr>
+          <p:cNvPr id="2" name="Titolo 1">
+            <a:extLst>
+              <a:ext uri="{FF2B5EF4-FFF2-40B4-BE49-F238E27FC236}">
+                <a16:creationId xmlns:a16="http://schemas.microsoft.com/office/drawing/2014/main" id="{0A96406B-BA55-F788-9BA4-FC4642F9E523}"/>
+              </a:ext>
+            </a:extLst>
+          </p:cNvPr>
+          <p:cNvSpPr>
+            <a:spLocks noGrp="1"/>
+          </p:cNvSpPr>
+          <p:nvPr>
+            <p:ph type="title"/>
+          </p:nvPr>
+        </p:nvSpPr>
+        <p:spPr>
+          <a:xfrm>
+            <a:off x="838200" y="209292"/>
+            <a:ext cx="9905460" cy="971551"/>
+          </a:xfrm>
+        </p:spPr>
+        <p:txBody>
+          <a:bodyPr>
+            <a:normAutofit/>
+          </a:bodyPr>
+          <a:lstStyle/>
+          <a:p>
+            <a:r>
+              <a:rPr lang="en-US" sz="3600" dirty="0"/>
+              <a:t>Misclassified example 2</a:t>
+            </a:r>
+          </a:p>
+        </p:txBody>
+      </p:sp>
+      <p:sp>
+        <p:nvSpPr>
+          <p:cNvPr id="4" name="Segnaposto numero diapositiva 3">
+            <a:extLst>
+              <a:ext uri="{FF2B5EF4-FFF2-40B4-BE49-F238E27FC236}">
+                <a16:creationId xmlns:a16="http://schemas.microsoft.com/office/drawing/2014/main" id="{265904EE-7C43-172F-9F84-5814B4E9C3F5}"/>
+              </a:ext>
+            </a:extLst>
+          </p:cNvPr>
+          <p:cNvSpPr>
+            <a:spLocks noGrp="1"/>
+          </p:cNvSpPr>
+          <p:nvPr>
+            <p:ph type="sldNum" sz="quarter" idx="12"/>
+          </p:nvPr>
+        </p:nvSpPr>
+        <p:spPr/>
+        <p:txBody>
+          <a:bodyPr/>
+          <a:lstStyle/>
+          <a:p>
+            <a:fld id="{2FA0223F-D95A-431D-9A71-EDA7FA0C2F5B}" type="slidenum">
+              <a:rPr lang="en-US" smtClean="0"/>
+              <a:t>19</a:t>
+            </a:fld>
+            <a:endParaRPr lang="en-US"/>
+          </a:p>
+        </p:txBody>
+      </p:sp>
+      <p:sp>
+        <p:nvSpPr>
+          <p:cNvPr id="11" name="Segnaposto contenuto 2">
+            <a:extLst>
+              <a:ext uri="{FF2B5EF4-FFF2-40B4-BE49-F238E27FC236}">
+                <a16:creationId xmlns:a16="http://schemas.microsoft.com/office/drawing/2014/main" id="{94F17373-67D2-A640-AAA3-AC2526321944}"/>
+              </a:ext>
+            </a:extLst>
+          </p:cNvPr>
+          <p:cNvSpPr txBox="1">
+            <a:spLocks/>
+          </p:cNvSpPr>
+          <p:nvPr/>
+        </p:nvSpPr>
+        <p:spPr>
+          <a:xfrm>
+            <a:off x="529651" y="1615303"/>
+            <a:ext cx="4194749" cy="2702697"/>
+          </a:xfrm>
+          <a:prstGeom prst="rect">
+            <a:avLst/>
+          </a:prstGeom>
+        </p:spPr>
+        <p:txBody>
+          <a:bodyPr vert="horz" lIns="91440" tIns="45720" rIns="91440" bIns="45720" rtlCol="0">
+            <a:noAutofit/>
+          </a:bodyPr>
+          <a:lstStyle>
+            <a:lvl1pPr marL="228600" indent="-228600" algn="l" defTabSz="914400" rtl="0" eaLnBrk="1" latinLnBrk="0" hangingPunct="1">
+              <a:lnSpc>
+                <a:spcPct val="90000"/>
+              </a:lnSpc>
+              <a:spcBef>
+                <a:spcPts val="1000"/>
+              </a:spcBef>
+              <a:buFont typeface="Arial" panose="020B0604020202020204" pitchFamily="34" charset="0"/>
+              <a:buChar char="•"/>
+              <a:defRPr sz="2800" kern="1200">
+                <a:solidFill>
+                  <a:schemeClr val="tx1"/>
+                </a:solidFill>
+                <a:latin typeface="+mn-lt"/>
+                <a:ea typeface="+mn-ea"/>
+                <a:cs typeface="+mn-cs"/>
+              </a:defRPr>
+            </a:lvl1pPr>
+            <a:lvl2pPr marL="685800" indent="-228600" algn="l" defTabSz="914400" rtl="0" eaLnBrk="1" latinLnBrk="0" hangingPunct="1">
+              <a:lnSpc>
+                <a:spcPct val="90000"/>
+              </a:lnSpc>
+              <a:spcBef>
+                <a:spcPts val="500"/>
+              </a:spcBef>
+              <a:buFont typeface="Arial" panose="020B0604020202020204" pitchFamily="34" charset="0"/>
+              <a:buChar char="•"/>
+              <a:defRPr sz="2400" kern="1200">
+                <a:solidFill>
+                  <a:schemeClr val="tx1"/>
+                </a:solidFill>
+                <a:latin typeface="+mn-lt"/>
+                <a:ea typeface="+mn-ea"/>
+                <a:cs typeface="+mn-cs"/>
+              </a:defRPr>
+            </a:lvl2pPr>
+            <a:lvl3pPr marL="1143000" indent="-228600" algn="l" defTabSz="914400" rtl="0" eaLnBrk="1" latinLnBrk="0" hangingPunct="1">
+              <a:lnSpc>
+                <a:spcPct val="90000"/>
+              </a:lnSpc>
+              <a:spcBef>
+                <a:spcPts val="500"/>
+              </a:spcBef>
+              <a:buFont typeface="Arial" panose="020B0604020202020204" pitchFamily="34" charset="0"/>
+              <a:buChar char="•"/>
+              <a:defRPr sz="2000" kern="1200">
+                <a:solidFill>
+                  <a:schemeClr val="tx1"/>
+                </a:solidFill>
+                <a:latin typeface="+mn-lt"/>
+                <a:ea typeface="+mn-ea"/>
+                <a:cs typeface="+mn-cs"/>
+              </a:defRPr>
+            </a:lvl3pPr>
+            <a:lvl4pPr marL="1600200" indent="-228600" algn="l" defTabSz="914400" rtl="0" eaLnBrk="1" latinLnBrk="0" hangingPunct="1">
+              <a:lnSpc>
+                <a:spcPct val="90000"/>
+              </a:lnSpc>
+              <a:spcBef>
+                <a:spcPts val="500"/>
+              </a:spcBef>
+              <a:buFont typeface="Arial" panose="020B0604020202020204" pitchFamily="34" charset="0"/>
+              <a:buChar char="•"/>
+              <a:defRPr sz="1800" kern="1200">
+                <a:solidFill>
+                  <a:schemeClr val="tx1"/>
+                </a:solidFill>
+                <a:latin typeface="+mn-lt"/>
+                <a:ea typeface="+mn-ea"/>
+                <a:cs typeface="+mn-cs"/>
+              </a:defRPr>
+            </a:lvl4pPr>
+            <a:lvl5pPr marL="2057400" indent="-228600" algn="l" defTabSz="914400" rtl="0" eaLnBrk="1" latinLnBrk="0" hangingPunct="1">
+              <a:lnSpc>
+                <a:spcPct val="90000"/>
+              </a:lnSpc>
+              <a:spcBef>
+                <a:spcPts val="500"/>
+              </a:spcBef>
+              <a:buFont typeface="Arial" panose="020B0604020202020204" pitchFamily="34" charset="0"/>
+              <a:buChar char="•"/>
+              <a:defRPr sz="1800" kern="1200">
+                <a:solidFill>
+                  <a:schemeClr val="tx1"/>
+                </a:solidFill>
+                <a:latin typeface="+mn-lt"/>
+                <a:ea typeface="+mn-ea"/>
+                <a:cs typeface="+mn-cs"/>
+              </a:defRPr>
+            </a:lvl5pPr>
+            <a:lvl6pPr marL="2514600" indent="-228600" algn="l" defTabSz="914400" rtl="0" eaLnBrk="1" latinLnBrk="0" hangingPunct="1">
+              <a:lnSpc>
+                <a:spcPct val="90000"/>
+              </a:lnSpc>
+              <a:spcBef>
+                <a:spcPts val="500"/>
+              </a:spcBef>
+              <a:buFont typeface="Arial" panose="020B0604020202020204" pitchFamily="34" charset="0"/>
+              <a:buChar char="•"/>
+              <a:defRPr sz="1800" kern="1200">
+                <a:solidFill>
+                  <a:schemeClr val="tx1"/>
+                </a:solidFill>
+                <a:latin typeface="+mn-lt"/>
+                <a:ea typeface="+mn-ea"/>
+                <a:cs typeface="+mn-cs"/>
+              </a:defRPr>
+            </a:lvl6pPr>
+            <a:lvl7pPr marL="2971800" indent="-228600" algn="l" defTabSz="914400" rtl="0" eaLnBrk="1" latinLnBrk="0" hangingPunct="1">
+              <a:lnSpc>
+                <a:spcPct val="90000"/>
+              </a:lnSpc>
+              <a:spcBef>
+                <a:spcPts val="500"/>
+              </a:spcBef>
+              <a:buFont typeface="Arial" panose="020B0604020202020204" pitchFamily="34" charset="0"/>
+              <a:buChar char="•"/>
+              <a:defRPr sz="1800" kern="1200">
+                <a:solidFill>
+                  <a:schemeClr val="tx1"/>
+                </a:solidFill>
+                <a:latin typeface="+mn-lt"/>
+                <a:ea typeface="+mn-ea"/>
+                <a:cs typeface="+mn-cs"/>
+              </a:defRPr>
+            </a:lvl7pPr>
+            <a:lvl8pPr marL="3429000" indent="-228600" algn="l" defTabSz="914400" rtl="0" eaLnBrk="1" latinLnBrk="0" hangingPunct="1">
+              <a:lnSpc>
+                <a:spcPct val="90000"/>
+              </a:lnSpc>
+              <a:spcBef>
+                <a:spcPts val="500"/>
+              </a:spcBef>
+              <a:buFont typeface="Arial" panose="020B0604020202020204" pitchFamily="34" charset="0"/>
+              <a:buChar char="•"/>
+              <a:defRPr sz="1800" kern="1200">
+                <a:solidFill>
+                  <a:schemeClr val="tx1"/>
+                </a:solidFill>
+                <a:latin typeface="+mn-lt"/>
+                <a:ea typeface="+mn-ea"/>
+                <a:cs typeface="+mn-cs"/>
+              </a:defRPr>
+            </a:lvl8pPr>
+            <a:lvl9pPr marL="3886200" indent="-228600" algn="l" defTabSz="914400" rtl="0" eaLnBrk="1" latinLnBrk="0" hangingPunct="1">
+              <a:lnSpc>
+                <a:spcPct val="90000"/>
+              </a:lnSpc>
+              <a:spcBef>
+                <a:spcPts val="500"/>
+              </a:spcBef>
+              <a:buFont typeface="Arial" panose="020B0604020202020204" pitchFamily="34" charset="0"/>
+              <a:buChar char="•"/>
+              <a:defRPr sz="1800" kern="1200">
+                <a:solidFill>
+                  <a:schemeClr val="tx1"/>
+                </a:solidFill>
+                <a:latin typeface="+mn-lt"/>
+                <a:ea typeface="+mn-ea"/>
+                <a:cs typeface="+mn-cs"/>
+              </a:defRPr>
+            </a:lvl9pPr>
+          </a:lstStyle>
+          <a:p>
+            <a:pPr marL="0" indent="0" algn="ctr">
+              <a:buFont typeface="Arial" panose="020B0604020202020204" pitchFamily="34" charset="0"/>
+              <a:buNone/>
+            </a:pPr>
+            <a:r>
+              <a:rPr lang="en-US" sz="1600" b="1" i="1" dirty="0">
+                <a:solidFill>
+                  <a:srgbClr val="C00000"/>
+                </a:solidFill>
+              </a:rPr>
+              <a:t>MAP C classified as MAP B</a:t>
+            </a:r>
+          </a:p>
+          <a:p>
+            <a:r>
+              <a:rPr lang="en-US" sz="1600" dirty="0"/>
+              <a:t>Probably prominence values does not allow to distinguish the peak from noisy oscillations</a:t>
+            </a:r>
+          </a:p>
+          <a:p>
+            <a:endParaRPr lang="en-US" sz="1600" dirty="0"/>
+          </a:p>
+          <a:p>
+            <a:pPr marL="0" indent="0">
+              <a:buFont typeface="Arial" panose="020B0604020202020204" pitchFamily="34" charset="0"/>
+              <a:buNone/>
+            </a:pPr>
+            <a:endParaRPr lang="en-US" sz="1600" dirty="0">
+              <a:solidFill>
+                <a:schemeClr val="tx2">
+                  <a:lumMod val="60000"/>
+                  <a:lumOff val="40000"/>
+                </a:schemeClr>
+              </a:solidFill>
+            </a:endParaRPr>
+          </a:p>
+          <a:p>
+            <a:endParaRPr lang="en-US" sz="1600" dirty="0"/>
+          </a:p>
+        </p:txBody>
+      </p:sp>
+      <p:pic>
+        <p:nvPicPr>
+          <p:cNvPr id="5" name="Immagine 4" descr="Immagine che contiene testo, linea, Diagramma, diagramma&#10;&#10;Descrizione generata automaticamente">
+            <a:extLst>
+              <a:ext uri="{FF2B5EF4-FFF2-40B4-BE49-F238E27FC236}">
+                <a16:creationId xmlns:a16="http://schemas.microsoft.com/office/drawing/2014/main" id="{B74C8319-F5AB-3AAD-66ED-8D91D7935C6E}"/>
+              </a:ext>
+            </a:extLst>
+          </p:cNvPr>
+          <p:cNvPicPr>
+            <a:picLocks noChangeAspect="1"/>
+          </p:cNvPicPr>
+          <p:nvPr/>
+        </p:nvPicPr>
+        <p:blipFill>
+          <a:blip r:embed="rId3">
+            <a:extLst>
+              <a:ext uri="{28A0092B-C50C-407E-A947-70E740481C1C}">
+                <a14:useLocalDpi xmlns:a14="http://schemas.microsoft.com/office/drawing/2010/main" val="0"/>
+              </a:ext>
+            </a:extLst>
+          </a:blip>
+          <a:stretch>
+            <a:fillRect/>
+          </a:stretch>
+        </p:blipFill>
+        <p:spPr>
+          <a:xfrm>
+            <a:off x="4724400" y="1615303"/>
+            <a:ext cx="6515099" cy="4343399"/>
+          </a:xfrm>
+          <a:prstGeom prst="rect">
+            <a:avLst/>
+          </a:prstGeom>
+        </p:spPr>
+      </p:pic>
+    </p:spTree>
+    <p:extLst>
+      <p:ext uri="{BB962C8B-B14F-4D97-AF65-F5344CB8AC3E}">
+        <p14:creationId xmlns:p14="http://schemas.microsoft.com/office/powerpoint/2010/main" val="3422174360"/>
+      </p:ext>
+    </p:extLst>
+  </p:cSld>
+  <p:clrMapOvr>
+    <a:masterClrMapping/>
+  </p:clrMapOvr>
+</p:sld>
+</file>
+
+<file path=ppt/slides/slide2.xml><?xml version="1.0" encoding="utf-8"?>
+<p:sld xmlns:a="http://schemas.openxmlformats.org/drawingml/2006/main" xmlns:r="http://schemas.openxmlformats.org/officeDocument/2006/relationships" xmlns:p="http://schemas.openxmlformats.org/presentationml/2006/main">
+  <p:cSld>
+    <p:spTree>
+      <p:nvGrpSpPr>
+        <p:cNvPr id="1" name=""/>
+        <p:cNvGrpSpPr/>
+        <p:nvPr/>
+      </p:nvGrpSpPr>
+      <p:grpSpPr>
+        <a:xfrm>
+          <a:off x="0" y="0"/>
+          <a:ext cx="0" cy="0"/>
+          <a:chOff x="0" y="0"/>
+          <a:chExt cx="0" cy="0"/>
+        </a:xfrm>
+      </p:grpSpPr>
+      <p:sp>
+        <p:nvSpPr>
+          <p:cNvPr id="2" name="Titolo 1">
+            <a:extLst>
+              <a:ext uri="{FF2B5EF4-FFF2-40B4-BE49-F238E27FC236}">
+                <a16:creationId xmlns:a16="http://schemas.microsoft.com/office/drawing/2014/main" id="{90F52EA4-9809-985C-8A8C-85AEDD39AF3B}"/>
+              </a:ext>
+            </a:extLst>
+          </p:cNvPr>
+          <p:cNvSpPr>
+            <a:spLocks noGrp="1"/>
+          </p:cNvSpPr>
+          <p:nvPr>
+            <p:ph type="title"/>
+          </p:nvPr>
+        </p:nvSpPr>
+        <p:spPr/>
+        <p:txBody>
+          <a:bodyPr/>
+          <a:lstStyle/>
+          <a:p>
+            <a:r>
+              <a:rPr lang="en-US" dirty="0"/>
+              <a:t>Outline </a:t>
+            </a:r>
+          </a:p>
+        </p:txBody>
+      </p:sp>
+      <p:sp>
+        <p:nvSpPr>
+          <p:cNvPr id="3" name="Segnaposto contenuto 2">
+            <a:extLst>
+              <a:ext uri="{FF2B5EF4-FFF2-40B4-BE49-F238E27FC236}">
+                <a16:creationId xmlns:a16="http://schemas.microsoft.com/office/drawing/2014/main" id="{B080D17D-5CB5-7A4C-86CF-032C6E6BEB1F}"/>
+              </a:ext>
+            </a:extLst>
+          </p:cNvPr>
+          <p:cNvSpPr>
+            <a:spLocks noGrp="1"/>
+          </p:cNvSpPr>
+          <p:nvPr>
+            <p:ph idx="1"/>
+          </p:nvPr>
+        </p:nvSpPr>
+        <p:spPr>
+          <a:xfrm>
+            <a:off x="664464" y="2041497"/>
+            <a:ext cx="10098024" cy="2613436"/>
+          </a:xfrm>
+        </p:spPr>
+        <p:txBody>
+          <a:bodyPr>
+            <a:noAutofit/>
+          </a:bodyPr>
+          <a:lstStyle/>
+          <a:p>
+            <a:r>
+              <a:rPr lang="en-US" sz="2000" dirty="0"/>
+              <a:t>Why building a heuristic classifier</a:t>
+            </a:r>
+          </a:p>
+          <a:p>
+            <a:r>
+              <a:rPr lang="en-US" sz="2000" dirty="0"/>
+              <a:t>Knowledge on roving signals: recap</a:t>
+            </a:r>
+          </a:p>
+          <a:p>
+            <a:r>
+              <a:rPr lang="en-US" sz="2000" dirty="0"/>
+              <a:t>Heuristic classifier: pseudo code</a:t>
+            </a:r>
+          </a:p>
+          <a:p>
+            <a:r>
+              <a:rPr lang="en-US" sz="2000" dirty="0"/>
+              <a:t>Performance</a:t>
+            </a:r>
+          </a:p>
+          <a:p>
+            <a:r>
+              <a:rPr lang="en-US" sz="2000" dirty="0"/>
+              <a:t>Conclusions </a:t>
+            </a:r>
+            <a:endParaRPr lang="en-US" sz="1600" dirty="0"/>
+          </a:p>
+          <a:p>
+            <a:pPr marL="0" indent="0">
+              <a:buNone/>
+            </a:pPr>
+            <a:endParaRPr lang="en-US" sz="1600" dirty="0"/>
+          </a:p>
+        </p:txBody>
+      </p:sp>
+      <p:sp>
+        <p:nvSpPr>
+          <p:cNvPr id="4" name="Segnaposto numero diapositiva 3">
+            <a:extLst>
+              <a:ext uri="{FF2B5EF4-FFF2-40B4-BE49-F238E27FC236}">
+                <a16:creationId xmlns:a16="http://schemas.microsoft.com/office/drawing/2014/main" id="{8B351BE6-1815-C162-224E-864AC8EF79D2}"/>
+              </a:ext>
+            </a:extLst>
+          </p:cNvPr>
+          <p:cNvSpPr>
+            <a:spLocks noGrp="1"/>
+          </p:cNvSpPr>
+          <p:nvPr>
+            <p:ph type="sldNum" sz="quarter" idx="12"/>
+          </p:nvPr>
+        </p:nvSpPr>
+        <p:spPr/>
+        <p:txBody>
+          <a:bodyPr/>
+          <a:lstStyle/>
+          <a:p>
+            <a:fld id="{2FA0223F-D95A-431D-9A71-EDA7FA0C2F5B}" type="slidenum">
+              <a:rPr lang="en-US" smtClean="0"/>
+              <a:t>2</a:t>
+            </a:fld>
+            <a:endParaRPr lang="en-US" dirty="0"/>
+          </a:p>
+        </p:txBody>
+      </p:sp>
+    </p:spTree>
+    <p:extLst>
+      <p:ext uri="{BB962C8B-B14F-4D97-AF65-F5344CB8AC3E}">
+        <p14:creationId xmlns:p14="http://schemas.microsoft.com/office/powerpoint/2010/main" val="1561499463"/>
+      </p:ext>
+    </p:extLst>
+  </p:cSld>
+  <p:clrMapOvr>
+    <a:masterClrMapping/>
+  </p:clrMapOvr>
+</p:sld>
+</file>
+
+<file path=ppt/slides/slide20.xml><?xml version="1.0" encoding="utf-8"?>
+<p:sld xmlns:a="http://schemas.openxmlformats.org/drawingml/2006/main" xmlns:r="http://schemas.openxmlformats.org/officeDocument/2006/relationships" xmlns:p="http://schemas.openxmlformats.org/presentationml/2006/main">
+  <p:cSld>
+    <p:spTree>
+      <p:nvGrpSpPr>
+        <p:cNvPr id="1" name="">
+          <a:extLst>
+            <a:ext uri="{FF2B5EF4-FFF2-40B4-BE49-F238E27FC236}">
+              <a16:creationId xmlns:a16="http://schemas.microsoft.com/office/drawing/2014/main" id="{B4F88433-B530-5385-3716-5CEF75BC4CF8}"/>
+            </a:ext>
+          </a:extLst>
+        </p:cNvPr>
+        <p:cNvGrpSpPr/>
+        <p:nvPr/>
+      </p:nvGrpSpPr>
+      <p:grpSpPr>
+        <a:xfrm>
+          <a:off x="0" y="0"/>
+          <a:ext cx="0" cy="0"/>
+          <a:chOff x="0" y="0"/>
+          <a:chExt cx="0" cy="0"/>
+        </a:xfrm>
+      </p:grpSpPr>
+      <p:sp>
+        <p:nvSpPr>
+          <p:cNvPr id="2" name="Titolo 1">
+            <a:extLst>
+              <a:ext uri="{FF2B5EF4-FFF2-40B4-BE49-F238E27FC236}">
+                <a16:creationId xmlns:a16="http://schemas.microsoft.com/office/drawing/2014/main" id="{91E3ED66-27C9-C409-2ECB-373B966C2274}"/>
+              </a:ext>
+            </a:extLst>
+          </p:cNvPr>
+          <p:cNvSpPr>
+            <a:spLocks noGrp="1"/>
+          </p:cNvSpPr>
+          <p:nvPr>
+            <p:ph type="title"/>
+          </p:nvPr>
+        </p:nvSpPr>
+        <p:spPr>
+          <a:xfrm>
+            <a:off x="838200" y="209292"/>
+            <a:ext cx="9905460" cy="971551"/>
+          </a:xfrm>
+        </p:spPr>
+        <p:txBody>
+          <a:bodyPr>
+            <a:normAutofit/>
+          </a:bodyPr>
+          <a:lstStyle/>
+          <a:p>
+            <a:r>
+              <a:rPr lang="en-US" sz="3600" dirty="0"/>
+              <a:t>Misclassified example 3</a:t>
+            </a:r>
+          </a:p>
+        </p:txBody>
+      </p:sp>
+      <p:sp>
+        <p:nvSpPr>
+          <p:cNvPr id="4" name="Segnaposto numero diapositiva 3">
+            <a:extLst>
+              <a:ext uri="{FF2B5EF4-FFF2-40B4-BE49-F238E27FC236}">
+                <a16:creationId xmlns:a16="http://schemas.microsoft.com/office/drawing/2014/main" id="{E7C5F534-A315-2C88-E0CC-8E3C861AE80B}"/>
+              </a:ext>
+            </a:extLst>
+          </p:cNvPr>
+          <p:cNvSpPr>
+            <a:spLocks noGrp="1"/>
+          </p:cNvSpPr>
+          <p:nvPr>
+            <p:ph type="sldNum" sz="quarter" idx="12"/>
+          </p:nvPr>
+        </p:nvSpPr>
+        <p:spPr/>
+        <p:txBody>
+          <a:bodyPr/>
+          <a:lstStyle/>
+          <a:p>
+            <a:fld id="{2FA0223F-D95A-431D-9A71-EDA7FA0C2F5B}" type="slidenum">
+              <a:rPr lang="en-US" smtClean="0"/>
+              <a:t>20</a:t>
+            </a:fld>
+            <a:endParaRPr lang="en-US"/>
+          </a:p>
+        </p:txBody>
+      </p:sp>
+      <p:sp>
+        <p:nvSpPr>
+          <p:cNvPr id="11" name="Segnaposto contenuto 2">
+            <a:extLst>
+              <a:ext uri="{FF2B5EF4-FFF2-40B4-BE49-F238E27FC236}">
+                <a16:creationId xmlns:a16="http://schemas.microsoft.com/office/drawing/2014/main" id="{35825107-59E9-E765-AD7E-5013A176BC44}"/>
+              </a:ext>
+            </a:extLst>
+          </p:cNvPr>
+          <p:cNvSpPr txBox="1">
+            <a:spLocks/>
+          </p:cNvSpPr>
+          <p:nvPr/>
+        </p:nvSpPr>
+        <p:spPr>
+          <a:xfrm>
+            <a:off x="529651" y="1615303"/>
+            <a:ext cx="4194749" cy="2702697"/>
+          </a:xfrm>
+          <a:prstGeom prst="rect">
+            <a:avLst/>
+          </a:prstGeom>
+        </p:spPr>
+        <p:txBody>
+          <a:bodyPr vert="horz" lIns="91440" tIns="45720" rIns="91440" bIns="45720" rtlCol="0">
+            <a:noAutofit/>
+          </a:bodyPr>
+          <a:lstStyle>
+            <a:lvl1pPr marL="228600" indent="-228600" algn="l" defTabSz="914400" rtl="0" eaLnBrk="1" latinLnBrk="0" hangingPunct="1">
+              <a:lnSpc>
+                <a:spcPct val="90000"/>
+              </a:lnSpc>
+              <a:spcBef>
+                <a:spcPts val="1000"/>
+              </a:spcBef>
+              <a:buFont typeface="Arial" panose="020B0604020202020204" pitchFamily="34" charset="0"/>
+              <a:buChar char="•"/>
+              <a:defRPr sz="2800" kern="1200">
+                <a:solidFill>
+                  <a:schemeClr val="tx1"/>
+                </a:solidFill>
+                <a:latin typeface="+mn-lt"/>
+                <a:ea typeface="+mn-ea"/>
+                <a:cs typeface="+mn-cs"/>
+              </a:defRPr>
+            </a:lvl1pPr>
+            <a:lvl2pPr marL="685800" indent="-228600" algn="l" defTabSz="914400" rtl="0" eaLnBrk="1" latinLnBrk="0" hangingPunct="1">
+              <a:lnSpc>
+                <a:spcPct val="90000"/>
+              </a:lnSpc>
+              <a:spcBef>
+                <a:spcPts val="500"/>
+              </a:spcBef>
+              <a:buFont typeface="Arial" panose="020B0604020202020204" pitchFamily="34" charset="0"/>
+              <a:buChar char="•"/>
+              <a:defRPr sz="2400" kern="1200">
+                <a:solidFill>
+                  <a:schemeClr val="tx1"/>
+                </a:solidFill>
+                <a:latin typeface="+mn-lt"/>
+                <a:ea typeface="+mn-ea"/>
+                <a:cs typeface="+mn-cs"/>
+              </a:defRPr>
+            </a:lvl2pPr>
+            <a:lvl3pPr marL="1143000" indent="-228600" algn="l" defTabSz="914400" rtl="0" eaLnBrk="1" latinLnBrk="0" hangingPunct="1">
+              <a:lnSpc>
+                <a:spcPct val="90000"/>
+              </a:lnSpc>
+              <a:spcBef>
+                <a:spcPts val="500"/>
+              </a:spcBef>
+              <a:buFont typeface="Arial" panose="020B0604020202020204" pitchFamily="34" charset="0"/>
+              <a:buChar char="•"/>
+              <a:defRPr sz="2000" kern="1200">
+                <a:solidFill>
+                  <a:schemeClr val="tx1"/>
+                </a:solidFill>
+                <a:latin typeface="+mn-lt"/>
+                <a:ea typeface="+mn-ea"/>
+                <a:cs typeface="+mn-cs"/>
+              </a:defRPr>
+            </a:lvl3pPr>
+            <a:lvl4pPr marL="1600200" indent="-228600" algn="l" defTabSz="914400" rtl="0" eaLnBrk="1" latinLnBrk="0" hangingPunct="1">
+              <a:lnSpc>
+                <a:spcPct val="90000"/>
+              </a:lnSpc>
+              <a:spcBef>
+                <a:spcPts val="500"/>
+              </a:spcBef>
+              <a:buFont typeface="Arial" panose="020B0604020202020204" pitchFamily="34" charset="0"/>
+              <a:buChar char="•"/>
+              <a:defRPr sz="1800" kern="1200">
+                <a:solidFill>
+                  <a:schemeClr val="tx1"/>
+                </a:solidFill>
+                <a:latin typeface="+mn-lt"/>
+                <a:ea typeface="+mn-ea"/>
+                <a:cs typeface="+mn-cs"/>
+              </a:defRPr>
+            </a:lvl4pPr>
+            <a:lvl5pPr marL="2057400" indent="-228600" algn="l" defTabSz="914400" rtl="0" eaLnBrk="1" latinLnBrk="0" hangingPunct="1">
+              <a:lnSpc>
+                <a:spcPct val="90000"/>
+              </a:lnSpc>
+              <a:spcBef>
+                <a:spcPts val="500"/>
+              </a:spcBef>
+              <a:buFont typeface="Arial" panose="020B0604020202020204" pitchFamily="34" charset="0"/>
+              <a:buChar char="•"/>
+              <a:defRPr sz="1800" kern="1200">
+                <a:solidFill>
+                  <a:schemeClr val="tx1"/>
+                </a:solidFill>
+                <a:latin typeface="+mn-lt"/>
+                <a:ea typeface="+mn-ea"/>
+                <a:cs typeface="+mn-cs"/>
+              </a:defRPr>
+            </a:lvl5pPr>
+            <a:lvl6pPr marL="2514600" indent="-228600" algn="l" defTabSz="914400" rtl="0" eaLnBrk="1" latinLnBrk="0" hangingPunct="1">
+              <a:lnSpc>
+                <a:spcPct val="90000"/>
+              </a:lnSpc>
+              <a:spcBef>
+                <a:spcPts val="500"/>
+              </a:spcBef>
+              <a:buFont typeface="Arial" panose="020B0604020202020204" pitchFamily="34" charset="0"/>
+              <a:buChar char="•"/>
+              <a:defRPr sz="1800" kern="1200">
+                <a:solidFill>
+                  <a:schemeClr val="tx1"/>
+                </a:solidFill>
+                <a:latin typeface="+mn-lt"/>
+                <a:ea typeface="+mn-ea"/>
+                <a:cs typeface="+mn-cs"/>
+              </a:defRPr>
+            </a:lvl6pPr>
+            <a:lvl7pPr marL="2971800" indent="-228600" algn="l" defTabSz="914400" rtl="0" eaLnBrk="1" latinLnBrk="0" hangingPunct="1">
+              <a:lnSpc>
+                <a:spcPct val="90000"/>
+              </a:lnSpc>
+              <a:spcBef>
+                <a:spcPts val="500"/>
+              </a:spcBef>
+              <a:buFont typeface="Arial" panose="020B0604020202020204" pitchFamily="34" charset="0"/>
+              <a:buChar char="•"/>
+              <a:defRPr sz="1800" kern="1200">
+                <a:solidFill>
+                  <a:schemeClr val="tx1"/>
+                </a:solidFill>
+                <a:latin typeface="+mn-lt"/>
+                <a:ea typeface="+mn-ea"/>
+                <a:cs typeface="+mn-cs"/>
+              </a:defRPr>
+            </a:lvl7pPr>
+            <a:lvl8pPr marL="3429000" indent="-228600" algn="l" defTabSz="914400" rtl="0" eaLnBrk="1" latinLnBrk="0" hangingPunct="1">
+              <a:lnSpc>
+                <a:spcPct val="90000"/>
+              </a:lnSpc>
+              <a:spcBef>
+                <a:spcPts val="500"/>
+              </a:spcBef>
+              <a:buFont typeface="Arial" panose="020B0604020202020204" pitchFamily="34" charset="0"/>
+              <a:buChar char="•"/>
+              <a:defRPr sz="1800" kern="1200">
+                <a:solidFill>
+                  <a:schemeClr val="tx1"/>
+                </a:solidFill>
+                <a:latin typeface="+mn-lt"/>
+                <a:ea typeface="+mn-ea"/>
+                <a:cs typeface="+mn-cs"/>
+              </a:defRPr>
+            </a:lvl8pPr>
+            <a:lvl9pPr marL="3886200" indent="-228600" algn="l" defTabSz="914400" rtl="0" eaLnBrk="1" latinLnBrk="0" hangingPunct="1">
+              <a:lnSpc>
+                <a:spcPct val="90000"/>
+              </a:lnSpc>
+              <a:spcBef>
+                <a:spcPts val="500"/>
+              </a:spcBef>
+              <a:buFont typeface="Arial" panose="020B0604020202020204" pitchFamily="34" charset="0"/>
+              <a:buChar char="•"/>
+              <a:defRPr sz="1800" kern="1200">
+                <a:solidFill>
+                  <a:schemeClr val="tx1"/>
+                </a:solidFill>
+                <a:latin typeface="+mn-lt"/>
+                <a:ea typeface="+mn-ea"/>
+                <a:cs typeface="+mn-cs"/>
+              </a:defRPr>
+            </a:lvl9pPr>
+          </a:lstStyle>
+          <a:p>
+            <a:pPr marL="0" indent="0" algn="ctr">
+              <a:buFont typeface="Arial" panose="020B0604020202020204" pitchFamily="34" charset="0"/>
+              <a:buNone/>
+            </a:pPr>
+            <a:r>
+              <a:rPr lang="en-US" sz="1600" b="1" i="1" dirty="0">
+                <a:solidFill>
+                  <a:srgbClr val="C00000"/>
+                </a:solidFill>
+              </a:rPr>
+              <a:t>MAP C classified as MAP A</a:t>
+            </a:r>
+          </a:p>
+          <a:p>
+            <a:r>
+              <a:rPr lang="en-US" sz="1600" dirty="0"/>
+              <a:t>His bundle conduction is not clearly visible and the algorithm collects this signal into MAP A because of the higher atrial peak</a:t>
+            </a:r>
+          </a:p>
+          <a:p>
+            <a:endParaRPr lang="en-US" sz="1600" dirty="0"/>
+          </a:p>
+          <a:p>
+            <a:pPr marL="0" indent="0">
+              <a:buFont typeface="Arial" panose="020B0604020202020204" pitchFamily="34" charset="0"/>
+              <a:buNone/>
+            </a:pPr>
+            <a:endParaRPr lang="en-US" sz="1600" dirty="0">
+              <a:solidFill>
+                <a:schemeClr val="tx2">
+                  <a:lumMod val="60000"/>
+                  <a:lumOff val="40000"/>
+                </a:schemeClr>
+              </a:solidFill>
+            </a:endParaRPr>
+          </a:p>
+          <a:p>
+            <a:endParaRPr lang="en-US" sz="1600" dirty="0"/>
+          </a:p>
+        </p:txBody>
+      </p:sp>
+      <p:pic>
+        <p:nvPicPr>
+          <p:cNvPr id="5" name="Immagine 4" descr="Immagine che contiene testo, linea, diagramma, Diagramma&#10;&#10;Descrizione generata automaticamente">
+            <a:extLst>
+              <a:ext uri="{FF2B5EF4-FFF2-40B4-BE49-F238E27FC236}">
+                <a16:creationId xmlns:a16="http://schemas.microsoft.com/office/drawing/2014/main" id="{73E9F2F1-B40C-9EF6-9734-F402D85011D2}"/>
+              </a:ext>
+            </a:extLst>
+          </p:cNvPr>
+          <p:cNvPicPr>
+            <a:picLocks noChangeAspect="1"/>
+          </p:cNvPicPr>
+          <p:nvPr/>
+        </p:nvPicPr>
+        <p:blipFill>
+          <a:blip r:embed="rId3">
+            <a:extLst>
+              <a:ext uri="{28A0092B-C50C-407E-A947-70E740481C1C}">
+                <a14:useLocalDpi xmlns:a14="http://schemas.microsoft.com/office/drawing/2010/main" val="0"/>
+              </a:ext>
+            </a:extLst>
+          </a:blip>
+          <a:stretch>
+            <a:fillRect/>
+          </a:stretch>
+        </p:blipFill>
+        <p:spPr>
+          <a:xfrm>
+            <a:off x="4724400" y="1629797"/>
+            <a:ext cx="6480608" cy="4320405"/>
+          </a:xfrm>
+          <a:prstGeom prst="rect">
+            <a:avLst/>
+          </a:prstGeom>
+        </p:spPr>
+      </p:pic>
+    </p:spTree>
+    <p:extLst>
+      <p:ext uri="{BB962C8B-B14F-4D97-AF65-F5344CB8AC3E}">
+        <p14:creationId xmlns:p14="http://schemas.microsoft.com/office/powerpoint/2010/main" val="4024107491"/>
+      </p:ext>
+    </p:extLst>
+  </p:cSld>
+  <p:clrMapOvr>
+    <a:masterClrMapping/>
+  </p:clrMapOvr>
+</p:sld>
+</file>
+
+<file path=ppt/slides/slide21.xml><?xml version="1.0" encoding="utf-8"?>
+<p:sld xmlns:a="http://schemas.openxmlformats.org/drawingml/2006/main" xmlns:r="http://schemas.openxmlformats.org/officeDocument/2006/relationships" xmlns:p="http://schemas.openxmlformats.org/presentationml/2006/main">
+  <p:cSld>
+    <p:spTree>
+      <p:nvGrpSpPr>
+        <p:cNvPr id="1" name="">
+          <a:extLst>
+            <a:ext uri="{FF2B5EF4-FFF2-40B4-BE49-F238E27FC236}">
+              <a16:creationId xmlns:a16="http://schemas.microsoft.com/office/drawing/2014/main" id="{09ABA29F-7BE2-9778-D68E-1DAAB4146C21}"/>
+            </a:ext>
+          </a:extLst>
+        </p:cNvPr>
+        <p:cNvGrpSpPr/>
+        <p:nvPr/>
+      </p:nvGrpSpPr>
+      <p:grpSpPr>
+        <a:xfrm>
+          <a:off x="0" y="0"/>
+          <a:ext cx="0" cy="0"/>
+          <a:chOff x="0" y="0"/>
+          <a:chExt cx="0" cy="0"/>
+        </a:xfrm>
+      </p:grpSpPr>
+      <p:sp>
+        <p:nvSpPr>
+          <p:cNvPr id="2" name="Titolo 1">
+            <a:extLst>
+              <a:ext uri="{FF2B5EF4-FFF2-40B4-BE49-F238E27FC236}">
+                <a16:creationId xmlns:a16="http://schemas.microsoft.com/office/drawing/2014/main" id="{BEEFBF2B-593E-7B97-983D-9B88D9042F92}"/>
+              </a:ext>
+            </a:extLst>
+          </p:cNvPr>
+          <p:cNvSpPr>
+            <a:spLocks noGrp="1"/>
+          </p:cNvSpPr>
+          <p:nvPr>
+            <p:ph type="title"/>
+          </p:nvPr>
+        </p:nvSpPr>
+        <p:spPr>
+          <a:xfrm>
+            <a:off x="838200" y="209292"/>
+            <a:ext cx="9905460" cy="971551"/>
+          </a:xfrm>
+        </p:spPr>
+        <p:txBody>
+          <a:bodyPr>
+            <a:normAutofit/>
+          </a:bodyPr>
+          <a:lstStyle/>
+          <a:p>
+            <a:r>
+              <a:rPr lang="en-US" sz="3600" dirty="0"/>
+              <a:t>Heuristic classifier: results on original signals</a:t>
+            </a:r>
+          </a:p>
+        </p:txBody>
+      </p:sp>
+      <p:sp>
+        <p:nvSpPr>
+          <p:cNvPr id="4" name="Segnaposto numero diapositiva 3">
+            <a:extLst>
+              <a:ext uri="{FF2B5EF4-FFF2-40B4-BE49-F238E27FC236}">
+                <a16:creationId xmlns:a16="http://schemas.microsoft.com/office/drawing/2014/main" id="{9927F9ED-7649-AFF5-6A94-2EFD6A01FA5B}"/>
+              </a:ext>
+            </a:extLst>
+          </p:cNvPr>
+          <p:cNvSpPr>
+            <a:spLocks noGrp="1"/>
+          </p:cNvSpPr>
+          <p:nvPr>
+            <p:ph type="sldNum" sz="quarter" idx="12"/>
+          </p:nvPr>
+        </p:nvSpPr>
+        <p:spPr/>
+        <p:txBody>
+          <a:bodyPr/>
+          <a:lstStyle/>
+          <a:p>
+            <a:fld id="{2FA0223F-D95A-431D-9A71-EDA7FA0C2F5B}" type="slidenum">
+              <a:rPr lang="en-US" smtClean="0"/>
+              <a:t>21</a:t>
+            </a:fld>
+            <a:endParaRPr lang="en-US"/>
+          </a:p>
+        </p:txBody>
+      </p:sp>
+      <p:sp>
+        <p:nvSpPr>
           <p:cNvPr id="27" name="Rettangolo 26">
             <a:extLst>
               <a:ext uri="{FF2B5EF4-FFF2-40B4-BE49-F238E27FC236}">
-                <a16:creationId xmlns:a16="http://schemas.microsoft.com/office/drawing/2014/main" id="{BAE9D9E8-A519-93EC-4FD8-2BEEA775698B}"/>
+                <a16:creationId xmlns:a16="http://schemas.microsoft.com/office/drawing/2014/main" id="{723BB159-C64B-0DBD-3311-9BCF813B1419}"/>
               </a:ext>
             </a:extLst>
           </p:cNvPr>
@@ -8138,7 +12185,7 @@
           <p:cNvPr id="12" name="Rettangolo 11">
             <a:extLst>
               <a:ext uri="{FF2B5EF4-FFF2-40B4-BE49-F238E27FC236}">
-                <a16:creationId xmlns:a16="http://schemas.microsoft.com/office/drawing/2014/main" id="{19A467D5-B679-FF01-C80E-0D1C900B85FA}"/>
+                <a16:creationId xmlns:a16="http://schemas.microsoft.com/office/drawing/2014/main" id="{543A410C-17F1-35AC-5142-CE2DC7D41EFE}"/>
               </a:ext>
             </a:extLst>
           </p:cNvPr>
@@ -8187,6 +12234,666 @@
           </a:p>
         </p:txBody>
       </p:sp>
+      <p:sp>
+        <p:nvSpPr>
+          <p:cNvPr id="9" name="Segnaposto contenuto 2">
+            <a:extLst>
+              <a:ext uri="{FF2B5EF4-FFF2-40B4-BE49-F238E27FC236}">
+                <a16:creationId xmlns:a16="http://schemas.microsoft.com/office/drawing/2014/main" id="{825AD721-A3EF-8A6E-E9A5-640B4C413E17}"/>
+              </a:ext>
+            </a:extLst>
+          </p:cNvPr>
+          <p:cNvSpPr>
+            <a:spLocks noGrp="1"/>
+          </p:cNvSpPr>
+          <p:nvPr>
+            <p:ph idx="1"/>
+          </p:nvPr>
+        </p:nvSpPr>
+        <p:spPr>
+          <a:xfrm>
+            <a:off x="607277" y="1606160"/>
+            <a:ext cx="8820187" cy="307778"/>
+          </a:xfrm>
+        </p:spPr>
+        <p:txBody>
+          <a:bodyPr>
+            <a:noAutofit/>
+          </a:bodyPr>
+          <a:lstStyle/>
+          <a:p>
+            <a:pPr marL="0" indent="0">
+              <a:buNone/>
+            </a:pPr>
+            <a:r>
+              <a:rPr lang="en-US" sz="1600" dirty="0"/>
+              <a:t>Performance have been evaluated using </a:t>
+            </a:r>
+            <a:r>
+              <a:rPr lang="en-US" sz="1600" b="1" dirty="0"/>
+              <a:t>confusion matrix </a:t>
+            </a:r>
+            <a:r>
+              <a:rPr lang="en-US" sz="1600" dirty="0"/>
+              <a:t>and </a:t>
+            </a:r>
+            <a:r>
+              <a:rPr lang="en-US" sz="1600" b="1" dirty="0"/>
+              <a:t>standard metrics</a:t>
+            </a:r>
+          </a:p>
+        </p:txBody>
+      </p:sp>
+      <p:pic>
+        <p:nvPicPr>
+          <p:cNvPr id="21" name="Immagine 20" descr="Immagine che contiene testo, schermata, numero, diagramma&#10;&#10;Descrizione generata automaticamente">
+            <a:extLst>
+              <a:ext uri="{FF2B5EF4-FFF2-40B4-BE49-F238E27FC236}">
+                <a16:creationId xmlns:a16="http://schemas.microsoft.com/office/drawing/2014/main" id="{DB9D648C-F8E4-DE53-434E-BC2F81DE270D}"/>
+              </a:ext>
+            </a:extLst>
+          </p:cNvPr>
+          <p:cNvPicPr>
+            <a:picLocks noChangeAspect="1"/>
+          </p:cNvPicPr>
+          <p:nvPr/>
+        </p:nvPicPr>
+        <p:blipFill>
+          <a:blip r:embed="rId3">
+            <a:extLst>
+              <a:ext uri="{28A0092B-C50C-407E-A947-70E740481C1C}">
+                <a14:useLocalDpi xmlns:a14="http://schemas.microsoft.com/office/drawing/2010/main" val="0"/>
+              </a:ext>
+            </a:extLst>
+          </a:blip>
+          <a:stretch>
+            <a:fillRect/>
+          </a:stretch>
+        </p:blipFill>
+        <p:spPr>
+          <a:xfrm>
+            <a:off x="607277" y="1989983"/>
+            <a:ext cx="5486682" cy="3657788"/>
+          </a:xfrm>
+          <a:prstGeom prst="rect">
+            <a:avLst/>
+          </a:prstGeom>
+        </p:spPr>
+      </p:pic>
+      <p:pic>
+        <p:nvPicPr>
+          <p:cNvPr id="23" name="Immagine 22" descr="Immagine che contiene testo, schermata, numero, diagramma&#10;&#10;Descrizione generata automaticamente">
+            <a:extLst>
+              <a:ext uri="{FF2B5EF4-FFF2-40B4-BE49-F238E27FC236}">
+                <a16:creationId xmlns:a16="http://schemas.microsoft.com/office/drawing/2014/main" id="{C0FF7DE7-B881-FC87-CCDF-B28AAF9AD164}"/>
+              </a:ext>
+            </a:extLst>
+          </p:cNvPr>
+          <p:cNvPicPr>
+            <a:picLocks noChangeAspect="1"/>
+          </p:cNvPicPr>
+          <p:nvPr/>
+        </p:nvPicPr>
+        <p:blipFill>
+          <a:blip r:embed="rId4">
+            <a:extLst>
+              <a:ext uri="{28A0092B-C50C-407E-A947-70E740481C1C}">
+                <a14:useLocalDpi xmlns:a14="http://schemas.microsoft.com/office/drawing/2010/main" val="0"/>
+              </a:ext>
+            </a:extLst>
+          </a:blip>
+          <a:stretch>
+            <a:fillRect/>
+          </a:stretch>
+        </p:blipFill>
+        <p:spPr>
+          <a:xfrm>
+            <a:off x="6098041" y="1980839"/>
+            <a:ext cx="5486682" cy="3657788"/>
+          </a:xfrm>
+          <a:prstGeom prst="rect">
+            <a:avLst/>
+          </a:prstGeom>
+        </p:spPr>
+      </p:pic>
+    </p:spTree>
+    <p:extLst>
+      <p:ext uri="{BB962C8B-B14F-4D97-AF65-F5344CB8AC3E}">
+        <p14:creationId xmlns:p14="http://schemas.microsoft.com/office/powerpoint/2010/main" val="3007126053"/>
+      </p:ext>
+    </p:extLst>
+  </p:cSld>
+  <p:clrMapOvr>
+    <a:masterClrMapping/>
+  </p:clrMapOvr>
+</p:sld>
+</file>
+
+<file path=ppt/slides/slide22.xml><?xml version="1.0" encoding="utf-8"?>
+<p:sld xmlns:a="http://schemas.openxmlformats.org/drawingml/2006/main" xmlns:r="http://schemas.openxmlformats.org/officeDocument/2006/relationships" xmlns:p="http://schemas.openxmlformats.org/presentationml/2006/main">
+  <p:cSld>
+    <p:spTree>
+      <p:nvGrpSpPr>
+        <p:cNvPr id="1" name="">
+          <a:extLst>
+            <a:ext uri="{FF2B5EF4-FFF2-40B4-BE49-F238E27FC236}">
+              <a16:creationId xmlns:a16="http://schemas.microsoft.com/office/drawing/2014/main" id="{B3C6DD01-2F21-7A3D-524B-8B64C80437A5}"/>
+            </a:ext>
+          </a:extLst>
+        </p:cNvPr>
+        <p:cNvGrpSpPr/>
+        <p:nvPr/>
+      </p:nvGrpSpPr>
+      <p:grpSpPr>
+        <a:xfrm>
+          <a:off x="0" y="0"/>
+          <a:ext cx="0" cy="0"/>
+          <a:chOff x="0" y="0"/>
+          <a:chExt cx="0" cy="0"/>
+        </a:xfrm>
+      </p:grpSpPr>
+      <p:sp>
+        <p:nvSpPr>
+          <p:cNvPr id="2" name="Titolo 1">
+            <a:extLst>
+              <a:ext uri="{FF2B5EF4-FFF2-40B4-BE49-F238E27FC236}">
+                <a16:creationId xmlns:a16="http://schemas.microsoft.com/office/drawing/2014/main" id="{12492873-FF8D-3F17-7B77-E09EB104C397}"/>
+              </a:ext>
+            </a:extLst>
+          </p:cNvPr>
+          <p:cNvSpPr>
+            <a:spLocks noGrp="1"/>
+          </p:cNvSpPr>
+          <p:nvPr>
+            <p:ph type="title"/>
+          </p:nvPr>
+        </p:nvSpPr>
+        <p:spPr>
+          <a:xfrm>
+            <a:off x="838200" y="209292"/>
+            <a:ext cx="9905460" cy="971551"/>
+          </a:xfrm>
+        </p:spPr>
+        <p:txBody>
+          <a:bodyPr>
+            <a:normAutofit/>
+          </a:bodyPr>
+          <a:lstStyle/>
+          <a:p>
+            <a:r>
+              <a:rPr lang="en-US" sz="3600" dirty="0"/>
+              <a:t>Heuristic classifier: results on filtered signals</a:t>
+            </a:r>
+          </a:p>
+        </p:txBody>
+      </p:sp>
+      <p:sp>
+        <p:nvSpPr>
+          <p:cNvPr id="4" name="Segnaposto numero diapositiva 3">
+            <a:extLst>
+              <a:ext uri="{FF2B5EF4-FFF2-40B4-BE49-F238E27FC236}">
+                <a16:creationId xmlns:a16="http://schemas.microsoft.com/office/drawing/2014/main" id="{95ADD880-E4C0-2503-47EC-2FBDD20CC773}"/>
+              </a:ext>
+            </a:extLst>
+          </p:cNvPr>
+          <p:cNvSpPr>
+            <a:spLocks noGrp="1"/>
+          </p:cNvSpPr>
+          <p:nvPr>
+            <p:ph type="sldNum" sz="quarter" idx="12"/>
+          </p:nvPr>
+        </p:nvSpPr>
+        <p:spPr/>
+        <p:txBody>
+          <a:bodyPr/>
+          <a:lstStyle/>
+          <a:p>
+            <a:fld id="{2FA0223F-D95A-431D-9A71-EDA7FA0C2F5B}" type="slidenum">
+              <a:rPr lang="en-US" smtClean="0"/>
+              <a:t>22</a:t>
+            </a:fld>
+            <a:endParaRPr lang="en-US"/>
+          </a:p>
+        </p:txBody>
+      </p:sp>
+      <p:sp>
+        <p:nvSpPr>
+          <p:cNvPr id="27" name="Rettangolo 26">
+            <a:extLst>
+              <a:ext uri="{FF2B5EF4-FFF2-40B4-BE49-F238E27FC236}">
+                <a16:creationId xmlns:a16="http://schemas.microsoft.com/office/drawing/2014/main" id="{AF51041E-4FF1-00E8-C26B-96D9F28A9099}"/>
+              </a:ext>
+            </a:extLst>
+          </p:cNvPr>
+          <p:cNvSpPr/>
+          <p:nvPr/>
+        </p:nvSpPr>
+        <p:spPr>
+          <a:xfrm>
+            <a:off x="6723157" y="1812745"/>
+            <a:ext cx="206547" cy="168094"/>
+          </a:xfrm>
+          <a:prstGeom prst="rect">
+            <a:avLst/>
+          </a:prstGeom>
+          <a:solidFill>
+            <a:schemeClr val="bg1"/>
+          </a:solidFill>
+          <a:ln>
+            <a:solidFill>
+              <a:schemeClr val="bg1"/>
+            </a:solidFill>
+          </a:ln>
+        </p:spPr>
+        <p:style>
+          <a:lnRef idx="2">
+            <a:schemeClr val="accent1">
+              <a:shade val="15000"/>
+            </a:schemeClr>
+          </a:lnRef>
+          <a:fillRef idx="1">
+            <a:schemeClr val="accent1"/>
+          </a:fillRef>
+          <a:effectRef idx="0">
+            <a:schemeClr val="accent1"/>
+          </a:effectRef>
+          <a:fontRef idx="minor">
+            <a:schemeClr val="lt1"/>
+          </a:fontRef>
+        </p:style>
+        <p:txBody>
+          <a:bodyPr rtlCol="0" anchor="ctr"/>
+          <a:lstStyle/>
+          <a:p>
+            <a:pPr algn="ctr"/>
+            <a:endParaRPr lang="it-IT"/>
+          </a:p>
+        </p:txBody>
+      </p:sp>
+      <p:sp>
+        <p:nvSpPr>
+          <p:cNvPr id="12" name="Rettangolo 11">
+            <a:extLst>
+              <a:ext uri="{FF2B5EF4-FFF2-40B4-BE49-F238E27FC236}">
+                <a16:creationId xmlns:a16="http://schemas.microsoft.com/office/drawing/2014/main" id="{F6B58F9C-6A9F-A41C-4005-DCC1635673E1}"/>
+              </a:ext>
+            </a:extLst>
+          </p:cNvPr>
+          <p:cNvSpPr/>
+          <p:nvPr/>
+        </p:nvSpPr>
+        <p:spPr>
+          <a:xfrm>
+            <a:off x="5468844" y="2179320"/>
+            <a:ext cx="223296" cy="160020"/>
+          </a:xfrm>
+          <a:prstGeom prst="rect">
+            <a:avLst/>
+          </a:prstGeom>
+          <a:solidFill>
+            <a:schemeClr val="bg1"/>
+          </a:solidFill>
+          <a:ln>
+            <a:solidFill>
+              <a:schemeClr val="bg1"/>
+            </a:solidFill>
+          </a:ln>
+        </p:spPr>
+        <p:style>
+          <a:lnRef idx="2">
+            <a:schemeClr val="accent1">
+              <a:shade val="15000"/>
+            </a:schemeClr>
+          </a:lnRef>
+          <a:fillRef idx="1">
+            <a:schemeClr val="accent1"/>
+          </a:fillRef>
+          <a:effectRef idx="0">
+            <a:schemeClr val="accent1"/>
+          </a:effectRef>
+          <a:fontRef idx="minor">
+            <a:schemeClr val="lt1"/>
+          </a:fontRef>
+        </p:style>
+        <p:txBody>
+          <a:bodyPr rtlCol="0" anchor="ctr"/>
+          <a:lstStyle/>
+          <a:p>
+            <a:pPr algn="ctr"/>
+            <a:endParaRPr lang="it-IT"/>
+          </a:p>
+        </p:txBody>
+      </p:sp>
+      <p:sp>
+        <p:nvSpPr>
+          <p:cNvPr id="9" name="Segnaposto contenuto 2">
+            <a:extLst>
+              <a:ext uri="{FF2B5EF4-FFF2-40B4-BE49-F238E27FC236}">
+                <a16:creationId xmlns:a16="http://schemas.microsoft.com/office/drawing/2014/main" id="{0AD3BFED-30A7-18F2-DD80-637C714823D9}"/>
+              </a:ext>
+            </a:extLst>
+          </p:cNvPr>
+          <p:cNvSpPr>
+            <a:spLocks noGrp="1"/>
+          </p:cNvSpPr>
+          <p:nvPr>
+            <p:ph idx="1"/>
+          </p:nvPr>
+        </p:nvSpPr>
+        <p:spPr>
+          <a:xfrm>
+            <a:off x="607277" y="1606160"/>
+            <a:ext cx="8820187" cy="307778"/>
+          </a:xfrm>
+        </p:spPr>
+        <p:txBody>
+          <a:bodyPr>
+            <a:noAutofit/>
+          </a:bodyPr>
+          <a:lstStyle/>
+          <a:p>
+            <a:pPr marL="0" indent="0">
+              <a:buNone/>
+            </a:pPr>
+            <a:r>
+              <a:rPr lang="en-US" sz="1600" dirty="0"/>
+              <a:t>Performance have been evaluated using </a:t>
+            </a:r>
+            <a:r>
+              <a:rPr lang="en-US" sz="1600" b="1" dirty="0"/>
+              <a:t>confusion matrix </a:t>
+            </a:r>
+            <a:r>
+              <a:rPr lang="en-US" sz="1600" dirty="0"/>
+              <a:t>and </a:t>
+            </a:r>
+            <a:r>
+              <a:rPr lang="en-US" sz="1600" b="1" dirty="0"/>
+              <a:t>standard metrics</a:t>
+            </a:r>
+          </a:p>
+        </p:txBody>
+      </p:sp>
+      <p:pic>
+        <p:nvPicPr>
+          <p:cNvPr id="17" name="Immagine 16" descr="Immagine che contiene testo, schermata, numero, diagramma&#10;&#10;Descrizione generata automaticamente">
+            <a:extLst>
+              <a:ext uri="{FF2B5EF4-FFF2-40B4-BE49-F238E27FC236}">
+                <a16:creationId xmlns:a16="http://schemas.microsoft.com/office/drawing/2014/main" id="{BA9A3060-6CF1-9AF4-4BB9-34F73FFE3477}"/>
+              </a:ext>
+            </a:extLst>
+          </p:cNvPr>
+          <p:cNvPicPr>
+            <a:picLocks noChangeAspect="1"/>
+          </p:cNvPicPr>
+          <p:nvPr/>
+        </p:nvPicPr>
+        <p:blipFill>
+          <a:blip r:embed="rId3">
+            <a:extLst>
+              <a:ext uri="{28A0092B-C50C-407E-A947-70E740481C1C}">
+                <a14:useLocalDpi xmlns:a14="http://schemas.microsoft.com/office/drawing/2010/main" val="0"/>
+              </a:ext>
+            </a:extLst>
+          </a:blip>
+          <a:stretch>
+            <a:fillRect/>
+          </a:stretch>
+        </p:blipFill>
+        <p:spPr>
+          <a:xfrm>
+            <a:off x="607277" y="1980839"/>
+            <a:ext cx="5486682" cy="3657788"/>
+          </a:xfrm>
+          <a:prstGeom prst="rect">
+            <a:avLst/>
+          </a:prstGeom>
+        </p:spPr>
+      </p:pic>
+      <p:pic>
+        <p:nvPicPr>
+          <p:cNvPr id="19" name="Immagine 18" descr="Immagine che contiene testo, schermata, numero, diagramma&#10;&#10;Descrizione generata automaticamente">
+            <a:extLst>
+              <a:ext uri="{FF2B5EF4-FFF2-40B4-BE49-F238E27FC236}">
+                <a16:creationId xmlns:a16="http://schemas.microsoft.com/office/drawing/2014/main" id="{2D0E16B5-DEB8-9344-A377-1A858FB2CF56}"/>
+              </a:ext>
+            </a:extLst>
+          </p:cNvPr>
+          <p:cNvPicPr>
+            <a:picLocks noChangeAspect="1"/>
+          </p:cNvPicPr>
+          <p:nvPr/>
+        </p:nvPicPr>
+        <p:blipFill>
+          <a:blip r:embed="rId4">
+            <a:extLst>
+              <a:ext uri="{28A0092B-C50C-407E-A947-70E740481C1C}">
+                <a14:useLocalDpi xmlns:a14="http://schemas.microsoft.com/office/drawing/2010/main" val="0"/>
+              </a:ext>
+            </a:extLst>
+          </a:blip>
+          <a:stretch>
+            <a:fillRect/>
+          </a:stretch>
+        </p:blipFill>
+        <p:spPr>
+          <a:xfrm>
+            <a:off x="6098041" y="1980839"/>
+            <a:ext cx="5486682" cy="3657788"/>
+          </a:xfrm>
+          <a:prstGeom prst="rect">
+            <a:avLst/>
+          </a:prstGeom>
+        </p:spPr>
+      </p:pic>
+    </p:spTree>
+    <p:extLst>
+      <p:ext uri="{BB962C8B-B14F-4D97-AF65-F5344CB8AC3E}">
+        <p14:creationId xmlns:p14="http://schemas.microsoft.com/office/powerpoint/2010/main" val="2306397541"/>
+      </p:ext>
+    </p:extLst>
+  </p:cSld>
+  <p:clrMapOvr>
+    <a:masterClrMapping/>
+  </p:clrMapOvr>
+</p:sld>
+</file>
+
+<file path=ppt/slides/slide23.xml><?xml version="1.0" encoding="utf-8"?>
+<p:sld xmlns:a="http://schemas.openxmlformats.org/drawingml/2006/main" xmlns:r="http://schemas.openxmlformats.org/officeDocument/2006/relationships" xmlns:p="http://schemas.openxmlformats.org/presentationml/2006/main">
+  <p:cSld>
+    <p:spTree>
+      <p:nvGrpSpPr>
+        <p:cNvPr id="1" name="">
+          <a:extLst>
+            <a:ext uri="{FF2B5EF4-FFF2-40B4-BE49-F238E27FC236}">
+              <a16:creationId xmlns:a16="http://schemas.microsoft.com/office/drawing/2014/main" id="{18AD9908-9042-3730-1D2E-27F7C91FE519}"/>
+            </a:ext>
+          </a:extLst>
+        </p:cNvPr>
+        <p:cNvGrpSpPr/>
+        <p:nvPr/>
+      </p:nvGrpSpPr>
+      <p:grpSpPr>
+        <a:xfrm>
+          <a:off x="0" y="0"/>
+          <a:ext cx="0" cy="0"/>
+          <a:chOff x="0" y="0"/>
+          <a:chExt cx="0" cy="0"/>
+        </a:xfrm>
+      </p:grpSpPr>
+      <p:sp>
+        <p:nvSpPr>
+          <p:cNvPr id="2" name="Titolo 1">
+            <a:extLst>
+              <a:ext uri="{FF2B5EF4-FFF2-40B4-BE49-F238E27FC236}">
+                <a16:creationId xmlns:a16="http://schemas.microsoft.com/office/drawing/2014/main" id="{6006FB25-8FC2-FC9B-DE73-F396FA188580}"/>
+              </a:ext>
+            </a:extLst>
+          </p:cNvPr>
+          <p:cNvSpPr>
+            <a:spLocks noGrp="1"/>
+          </p:cNvSpPr>
+          <p:nvPr>
+            <p:ph type="title"/>
+          </p:nvPr>
+        </p:nvSpPr>
+        <p:spPr>
+          <a:xfrm>
+            <a:off x="838200" y="209292"/>
+            <a:ext cx="9905460" cy="971551"/>
+          </a:xfrm>
+        </p:spPr>
+        <p:txBody>
+          <a:bodyPr>
+            <a:normAutofit/>
+          </a:bodyPr>
+          <a:lstStyle/>
+          <a:p>
+            <a:r>
+              <a:rPr lang="en-US" sz="3600" dirty="0"/>
+              <a:t>Heuristic classifier: results on train set</a:t>
+            </a:r>
+          </a:p>
+        </p:txBody>
+      </p:sp>
+      <p:sp>
+        <p:nvSpPr>
+          <p:cNvPr id="4" name="Segnaposto numero diapositiva 3">
+            <a:extLst>
+              <a:ext uri="{FF2B5EF4-FFF2-40B4-BE49-F238E27FC236}">
+                <a16:creationId xmlns:a16="http://schemas.microsoft.com/office/drawing/2014/main" id="{8ABDD3E8-E843-EA91-56C3-17560D2684A7}"/>
+              </a:ext>
+            </a:extLst>
+          </p:cNvPr>
+          <p:cNvSpPr>
+            <a:spLocks noGrp="1"/>
+          </p:cNvSpPr>
+          <p:nvPr>
+            <p:ph type="sldNum" sz="quarter" idx="12"/>
+          </p:nvPr>
+        </p:nvSpPr>
+        <p:spPr/>
+        <p:txBody>
+          <a:bodyPr/>
+          <a:lstStyle/>
+          <a:p>
+            <a:fld id="{2FA0223F-D95A-431D-9A71-EDA7FA0C2F5B}" type="slidenum">
+              <a:rPr lang="en-US" smtClean="0"/>
+              <a:t>23</a:t>
+            </a:fld>
+            <a:endParaRPr lang="en-US"/>
+          </a:p>
+        </p:txBody>
+      </p:sp>
+      <p:sp>
+        <p:nvSpPr>
+          <p:cNvPr id="27" name="Rettangolo 26">
+            <a:extLst>
+              <a:ext uri="{FF2B5EF4-FFF2-40B4-BE49-F238E27FC236}">
+                <a16:creationId xmlns:a16="http://schemas.microsoft.com/office/drawing/2014/main" id="{BAE9D9E8-A519-93EC-4FD8-2BEEA775698B}"/>
+              </a:ext>
+            </a:extLst>
+          </p:cNvPr>
+          <p:cNvSpPr/>
+          <p:nvPr/>
+        </p:nvSpPr>
+        <p:spPr>
+          <a:xfrm>
+            <a:off x="6723157" y="1812745"/>
+            <a:ext cx="206547" cy="168094"/>
+          </a:xfrm>
+          <a:prstGeom prst="rect">
+            <a:avLst/>
+          </a:prstGeom>
+          <a:solidFill>
+            <a:schemeClr val="bg1"/>
+          </a:solidFill>
+          <a:ln>
+            <a:solidFill>
+              <a:schemeClr val="bg1"/>
+            </a:solidFill>
+          </a:ln>
+        </p:spPr>
+        <p:style>
+          <a:lnRef idx="2">
+            <a:schemeClr val="accent1">
+              <a:shade val="15000"/>
+            </a:schemeClr>
+          </a:lnRef>
+          <a:fillRef idx="1">
+            <a:schemeClr val="accent1"/>
+          </a:fillRef>
+          <a:effectRef idx="0">
+            <a:schemeClr val="accent1"/>
+          </a:effectRef>
+          <a:fontRef idx="minor">
+            <a:schemeClr val="lt1"/>
+          </a:fontRef>
+        </p:style>
+        <p:txBody>
+          <a:bodyPr rtlCol="0" anchor="ctr"/>
+          <a:lstStyle/>
+          <a:p>
+            <a:pPr algn="ctr"/>
+            <a:endParaRPr lang="it-IT"/>
+          </a:p>
+        </p:txBody>
+      </p:sp>
+      <p:sp>
+        <p:nvSpPr>
+          <p:cNvPr id="12" name="Rettangolo 11">
+            <a:extLst>
+              <a:ext uri="{FF2B5EF4-FFF2-40B4-BE49-F238E27FC236}">
+                <a16:creationId xmlns:a16="http://schemas.microsoft.com/office/drawing/2014/main" id="{19A467D5-B679-FF01-C80E-0D1C900B85FA}"/>
+              </a:ext>
+            </a:extLst>
+          </p:cNvPr>
+          <p:cNvSpPr/>
+          <p:nvPr/>
+        </p:nvSpPr>
+        <p:spPr>
+          <a:xfrm>
+            <a:off x="5468844" y="2179320"/>
+            <a:ext cx="223296" cy="160020"/>
+          </a:xfrm>
+          <a:prstGeom prst="rect">
+            <a:avLst/>
+          </a:prstGeom>
+          <a:solidFill>
+            <a:schemeClr val="bg1"/>
+          </a:solidFill>
+          <a:ln>
+            <a:solidFill>
+              <a:schemeClr val="bg1"/>
+            </a:solidFill>
+          </a:ln>
+        </p:spPr>
+        <p:style>
+          <a:lnRef idx="2">
+            <a:schemeClr val="accent1">
+              <a:shade val="15000"/>
+            </a:schemeClr>
+          </a:lnRef>
+          <a:fillRef idx="1">
+            <a:schemeClr val="accent1"/>
+          </a:fillRef>
+          <a:effectRef idx="0">
+            <a:schemeClr val="accent1"/>
+          </a:effectRef>
+          <a:fontRef idx="minor">
+            <a:schemeClr val="lt1"/>
+          </a:fontRef>
+        </p:style>
+        <p:txBody>
+          <a:bodyPr rtlCol="0" anchor="ctr"/>
+          <a:lstStyle/>
+          <a:p>
+            <a:pPr algn="ctr"/>
+            <a:endParaRPr lang="it-IT"/>
+          </a:p>
+        </p:txBody>
+      </p:sp>
       <p:graphicFrame>
         <p:nvGraphicFramePr>
           <p:cNvPr id="3" name="Tabella 2">
@@ -8202,7 +12909,7 @@
           <p:nvPr>
             <p:extLst>
               <p:ext uri="{D42A27DB-BD31-4B8C-83A1-F6EECF244321}">
-                <p14:modId xmlns:p14="http://schemas.microsoft.com/office/powerpoint/2010/main" val="529515908"/>
+                <p14:modId xmlns:p14="http://schemas.microsoft.com/office/powerpoint/2010/main" val="4143508878"/>
               </p:ext>
             </p:extLst>
           </p:nvPr>
@@ -8360,7 +13067,7 @@
                       <a:pPr algn="ctr"/>
                       <a:r>
                         <a:rPr lang="en-GB" sz="1400" noProof="0" dirty="0"/>
-                        <a:t>0.82</a:t>
+                        <a:t>0.91</a:t>
                       </a:r>
                     </a:p>
                   </a:txBody>
@@ -8374,7 +13081,7 @@
                       <a:pPr algn="ctr"/>
                       <a:r>
                         <a:rPr lang="en-GB" sz="1400" noProof="0" dirty="0"/>
-                        <a:t>0.42</a:t>
+                        <a:t>0.40</a:t>
                       </a:r>
                     </a:p>
                   </a:txBody>
@@ -8402,7 +13109,7 @@
                       <a:pPr algn="ctr"/>
                       <a:r>
                         <a:rPr lang="en-GB" sz="1400" noProof="0" dirty="0"/>
-                        <a:t>796</a:t>
+                        <a:t>557</a:t>
                       </a:r>
                     </a:p>
                   </a:txBody>
@@ -8444,7 +13151,7 @@
                       <a:pPr algn="ctr"/>
                       <a:r>
                         <a:rPr lang="en-GB" sz="1400" noProof="0" dirty="0"/>
-                        <a:t>0.13</a:t>
+                        <a:t>0.17</a:t>
                       </a:r>
                     </a:p>
                   </a:txBody>
@@ -8458,7 +13165,7 @@
                       <a:pPr algn="ctr"/>
                       <a:r>
                         <a:rPr lang="en-GB" sz="1400" noProof="0" dirty="0"/>
-                        <a:t>0.63</a:t>
+                        <a:t>0.92</a:t>
                       </a:r>
                     </a:p>
                   </a:txBody>
@@ -8472,7 +13179,7 @@
                       <a:pPr algn="ctr"/>
                       <a:r>
                         <a:rPr lang="en-GB" sz="1400" noProof="0" dirty="0"/>
-                        <a:t>0.22</a:t>
+                        <a:t>0.29</a:t>
                       </a:r>
                     </a:p>
                   </a:txBody>
@@ -8486,7 +13193,7 @@
                       <a:pPr algn="ctr"/>
                       <a:r>
                         <a:rPr lang="en-GB" sz="1400" noProof="0" dirty="0"/>
-                        <a:t>120</a:t>
+                        <a:t>84</a:t>
                       </a:r>
                     </a:p>
                   </a:txBody>
@@ -8528,7 +13235,7 @@
                       <a:pPr algn="ctr"/>
                       <a:r>
                         <a:rPr lang="en-GB" sz="1400" noProof="0" dirty="0"/>
-                        <a:t>0.57</a:t>
+                        <a:t>0.46</a:t>
                       </a:r>
                     </a:p>
                   </a:txBody>
@@ -8542,7 +13249,7 @@
                       <a:pPr algn="ctr"/>
                       <a:r>
                         <a:rPr lang="en-GB" sz="1400" noProof="0" dirty="0"/>
-                        <a:t>0.25</a:t>
+                        <a:t>0.21</a:t>
                       </a:r>
                     </a:p>
                   </a:txBody>
@@ -8556,7 +13263,7 @@
                       <a:pPr algn="ctr"/>
                       <a:r>
                         <a:rPr lang="en-GB" sz="1400" noProof="0" dirty="0"/>
-                        <a:t>0.34</a:t>
+                        <a:t>0.29</a:t>
                       </a:r>
                     </a:p>
                   </a:txBody>
@@ -8570,7 +13277,7 @@
                       <a:pPr algn="ctr"/>
                       <a:r>
                         <a:rPr lang="en-GB" sz="1400" noProof="0" dirty="0"/>
-                        <a:t>122</a:t>
+                        <a:t>85</a:t>
                       </a:r>
                     </a:p>
                   </a:txBody>
@@ -8685,7 +13392,7 @@
                       <a:pPr algn="ctr"/>
                       <a:r>
                         <a:rPr lang="en-GB" sz="1400" noProof="0" dirty="0"/>
-                        <a:t>0.43</a:t>
+                        <a:t>0.44</a:t>
                       </a:r>
                     </a:p>
                   </a:txBody>
@@ -8699,7 +13406,7 @@
                       <a:pPr algn="ctr"/>
                       <a:r>
                         <a:rPr lang="en-GB" sz="1400" noProof="0" dirty="0"/>
-                        <a:t>1038</a:t>
+                        <a:t>726</a:t>
                       </a:r>
                     </a:p>
                   </a:txBody>
@@ -8739,7 +13446,7 @@
                       <a:pPr algn="ctr"/>
                       <a:r>
                         <a:rPr lang="en-GB" sz="1400" noProof="0" dirty="0"/>
-                        <a:t>0.50</a:t>
+                        <a:t>0.52</a:t>
                       </a:r>
                     </a:p>
                   </a:txBody>
@@ -8753,7 +13460,7 @@
                       <a:pPr algn="ctr"/>
                       <a:r>
                         <a:rPr lang="en-GB" sz="1400" noProof="0" dirty="0"/>
-                        <a:t>0.43</a:t>
+                        <a:t>0.51</a:t>
                       </a:r>
                     </a:p>
                   </a:txBody>
@@ -8767,7 +13474,7 @@
                       <a:pPr algn="ctr"/>
                       <a:r>
                         <a:rPr lang="en-GB" sz="1400" noProof="0" dirty="0"/>
-                        <a:t>0.37</a:t>
+                        <a:t>0.38</a:t>
                       </a:r>
                     </a:p>
                   </a:txBody>
@@ -8778,10 +13485,26 @@
                     <a:bodyPr/>
                     <a:lstStyle/>
                     <a:p>
-                      <a:pPr algn="ctr"/>
+                      <a:pPr marL="0" marR="0" lvl="0" indent="0" algn="ctr" defTabSz="914400" rtl="0" eaLnBrk="1" fontAlgn="auto" latinLnBrk="0" hangingPunct="1">
+                        <a:lnSpc>
+                          <a:spcPct val="100000"/>
+                        </a:lnSpc>
+                        <a:spcBef>
+                          <a:spcPts val="0"/>
+                        </a:spcBef>
+                        <a:spcAft>
+                          <a:spcPts val="0"/>
+                        </a:spcAft>
+                        <a:buClrTx/>
+                        <a:buSzTx/>
+                        <a:buFontTx/>
+                        <a:buNone/>
+                        <a:tabLst/>
+                        <a:defRPr/>
+                      </a:pPr>
                       <a:r>
                         <a:rPr lang="en-GB" sz="1400" noProof="0" dirty="0"/>
-                        <a:t>1038</a:t>
+                        <a:t>726</a:t>
                       </a:r>
                     </a:p>
                   </a:txBody>
@@ -8821,7 +13544,7 @@
                       <a:pPr algn="ctr"/>
                       <a:r>
                         <a:rPr lang="en-GB" sz="1400" noProof="0" dirty="0"/>
-                        <a:t>0.71</a:t>
+                        <a:t>0.77</a:t>
                       </a:r>
                     </a:p>
                   </a:txBody>
@@ -8835,7 +13558,7 @@
                       <a:pPr algn="ctr"/>
                       <a:r>
                         <a:rPr lang="en-GB" sz="1400" noProof="0" dirty="0"/>
-                        <a:t>0.43</a:t>
+                        <a:t>0.44</a:t>
                       </a:r>
                     </a:p>
                   </a:txBody>
@@ -8849,7 +13572,7 @@
                       <a:pPr algn="ctr"/>
                       <a:r>
                         <a:rPr lang="en-GB" sz="1400" noProof="0" dirty="0"/>
-                        <a:t>0.49</a:t>
+                        <a:t>0.50</a:t>
                       </a:r>
                     </a:p>
                   </a:txBody>
@@ -8860,10 +13583,26 @@
                     <a:bodyPr/>
                     <a:lstStyle/>
                     <a:p>
-                      <a:pPr algn="ctr"/>
+                      <a:pPr marL="0" marR="0" lvl="0" indent="0" algn="ctr" defTabSz="914400" rtl="0" eaLnBrk="1" fontAlgn="auto" latinLnBrk="0" hangingPunct="1">
+                        <a:lnSpc>
+                          <a:spcPct val="100000"/>
+                        </a:lnSpc>
+                        <a:spcBef>
+                          <a:spcPts val="0"/>
+                        </a:spcBef>
+                        <a:spcAft>
+                          <a:spcPts val="0"/>
+                        </a:spcAft>
+                        <a:buClrTx/>
+                        <a:buSzTx/>
+                        <a:buFontTx/>
+                        <a:buNone/>
+                        <a:tabLst/>
+                        <a:defRPr/>
+                      </a:pPr>
                       <a:r>
                         <a:rPr lang="en-GB" sz="1400" noProof="0" dirty="0"/>
-                        <a:t>1038</a:t>
+                        <a:t>726</a:t>
                       </a:r>
                     </a:p>
                   </a:txBody>
@@ -9521,7 +14260,7 @@
 </p:sld>
 </file>
 
-<file path=ppt/slides/slide15.xml><?xml version="1.0" encoding="utf-8"?>
+<file path=ppt/slides/slide24.xml><?xml version="1.0" encoding="utf-8"?>
 <p:sld xmlns:a="http://schemas.openxmlformats.org/drawingml/2006/main" xmlns:r="http://schemas.openxmlformats.org/officeDocument/2006/relationships" xmlns:p="http://schemas.openxmlformats.org/presentationml/2006/main">
   <p:cSld>
     <p:spTree>
@@ -9529,7 +14268,7 @@
         <p:cNvPr id="1" name="">
           <a:extLst>
             <a:ext uri="{FF2B5EF4-FFF2-40B4-BE49-F238E27FC236}">
-              <a16:creationId xmlns:a16="http://schemas.microsoft.com/office/drawing/2014/main" id="{E2F2D69A-5707-C52D-29A9-6D53184D045C}"/>
+              <a16:creationId xmlns:a16="http://schemas.microsoft.com/office/drawing/2014/main" id="{432AEC2D-412D-90D8-6E68-8508D581E70A}"/>
             </a:ext>
           </a:extLst>
         </p:cNvPr>
@@ -9549,196 +14288,7 @@
           <p:cNvPr id="2" name="Titolo 1">
             <a:extLst>
               <a:ext uri="{FF2B5EF4-FFF2-40B4-BE49-F238E27FC236}">
-                <a16:creationId xmlns:a16="http://schemas.microsoft.com/office/drawing/2014/main" id="{7BA84E17-F89B-C781-63B7-EB508C24E3CE}"/>
-              </a:ext>
-            </a:extLst>
-          </p:cNvPr>
-          <p:cNvSpPr>
-            <a:spLocks noGrp="1"/>
-          </p:cNvSpPr>
-          <p:nvPr>
-            <p:ph type="title"/>
-          </p:nvPr>
-        </p:nvSpPr>
-        <p:spPr/>
-        <p:txBody>
-          <a:bodyPr/>
-          <a:lstStyle/>
-          <a:p>
-            <a:r>
-              <a:rPr lang="en-US" dirty="0"/>
-              <a:t>Outline </a:t>
-            </a:r>
-          </a:p>
-        </p:txBody>
-      </p:sp>
-      <p:sp>
-        <p:nvSpPr>
-          <p:cNvPr id="3" name="Segnaposto contenuto 2">
-            <a:extLst>
-              <a:ext uri="{FF2B5EF4-FFF2-40B4-BE49-F238E27FC236}">
-                <a16:creationId xmlns:a16="http://schemas.microsoft.com/office/drawing/2014/main" id="{9396FD07-456C-7DF6-554E-09C15EE44FE0}"/>
-              </a:ext>
-            </a:extLst>
-          </p:cNvPr>
-          <p:cNvSpPr>
-            <a:spLocks noGrp="1"/>
-          </p:cNvSpPr>
-          <p:nvPr>
-            <p:ph idx="1"/>
-          </p:nvPr>
-        </p:nvSpPr>
-        <p:spPr>
-          <a:xfrm>
-            <a:off x="664464" y="2041497"/>
-            <a:ext cx="10098024" cy="2613436"/>
-          </a:xfrm>
-        </p:spPr>
-        <p:txBody>
-          <a:bodyPr>
-            <a:noAutofit/>
-          </a:bodyPr>
-          <a:lstStyle/>
-          <a:p>
-            <a:r>
-              <a:rPr lang="en-US" sz="2000" dirty="0">
-                <a:solidFill>
-                  <a:schemeClr val="bg1">
-                    <a:lumMod val="75000"/>
-                  </a:schemeClr>
-                </a:solidFill>
-              </a:rPr>
-              <a:t>Why building a heuristic classifier</a:t>
-            </a:r>
-          </a:p>
-          <a:p>
-            <a:r>
-              <a:rPr lang="en-US" sz="2000" dirty="0">
-                <a:solidFill>
-                  <a:schemeClr val="bg1">
-                    <a:lumMod val="75000"/>
-                  </a:schemeClr>
-                </a:solidFill>
-              </a:rPr>
-              <a:t>Knowledge on roving signals: recap</a:t>
-            </a:r>
-          </a:p>
-          <a:p>
-            <a:r>
-              <a:rPr lang="en-US" sz="2000" dirty="0">
-                <a:solidFill>
-                  <a:schemeClr val="bg1">
-                    <a:lumMod val="75000"/>
-                  </a:schemeClr>
-                </a:solidFill>
-              </a:rPr>
-              <a:t>Heuristic classifier: pseudo code</a:t>
-            </a:r>
-          </a:p>
-          <a:p>
-            <a:r>
-              <a:rPr lang="en-US" sz="2000" dirty="0">
-                <a:solidFill>
-                  <a:schemeClr val="bg1">
-                    <a:lumMod val="75000"/>
-                  </a:schemeClr>
-                </a:solidFill>
-              </a:rPr>
-              <a:t>Performance</a:t>
-            </a:r>
-          </a:p>
-          <a:p>
-            <a:r>
-              <a:rPr lang="en-US" sz="2000" dirty="0"/>
-              <a:t>Conclusions </a:t>
-            </a:r>
-            <a:endParaRPr lang="en-US" sz="1600" dirty="0"/>
-          </a:p>
-          <a:p>
-            <a:pPr marL="0" indent="0">
-              <a:buNone/>
-            </a:pPr>
-            <a:endParaRPr lang="en-US" sz="1600" dirty="0">
-              <a:solidFill>
-                <a:schemeClr val="bg1">
-                  <a:lumMod val="75000"/>
-                </a:schemeClr>
-              </a:solidFill>
-            </a:endParaRPr>
-          </a:p>
-        </p:txBody>
-      </p:sp>
-      <p:sp>
-        <p:nvSpPr>
-          <p:cNvPr id="4" name="Segnaposto numero diapositiva 3">
-            <a:extLst>
-              <a:ext uri="{FF2B5EF4-FFF2-40B4-BE49-F238E27FC236}">
-                <a16:creationId xmlns:a16="http://schemas.microsoft.com/office/drawing/2014/main" id="{09B6E317-0702-BFFE-771B-ADB7856CE800}"/>
-              </a:ext>
-            </a:extLst>
-          </p:cNvPr>
-          <p:cNvSpPr>
-            <a:spLocks noGrp="1"/>
-          </p:cNvSpPr>
-          <p:nvPr>
-            <p:ph type="sldNum" sz="quarter" idx="12"/>
-          </p:nvPr>
-        </p:nvSpPr>
-        <p:spPr/>
-        <p:txBody>
-          <a:bodyPr/>
-          <a:lstStyle/>
-          <a:p>
-            <a:fld id="{2FA0223F-D95A-431D-9A71-EDA7FA0C2F5B}" type="slidenum">
-              <a:rPr lang="en-US" smtClean="0"/>
-              <a:t>15</a:t>
-            </a:fld>
-            <a:endParaRPr lang="en-US" dirty="0"/>
-          </a:p>
-        </p:txBody>
-      </p:sp>
-    </p:spTree>
-    <p:extLst>
-      <p:ext uri="{BB962C8B-B14F-4D97-AF65-F5344CB8AC3E}">
-        <p14:creationId xmlns:p14="http://schemas.microsoft.com/office/powerpoint/2010/main" val="2771922961"/>
-      </p:ext>
-    </p:extLst>
-  </p:cSld>
-  <p:clrMapOvr>
-    <a:masterClrMapping/>
-  </p:clrMapOvr>
-</p:sld>
-</file>
-
-<file path=ppt/slides/slide16.xml><?xml version="1.0" encoding="utf-8"?>
-<p:sld xmlns:a="http://schemas.openxmlformats.org/drawingml/2006/main" xmlns:r="http://schemas.openxmlformats.org/officeDocument/2006/relationships" xmlns:p="http://schemas.openxmlformats.org/presentationml/2006/main">
-  <p:cSld>
-    <p:spTree>
-      <p:nvGrpSpPr>
-        <p:cNvPr id="1" name="">
-          <a:extLst>
-            <a:ext uri="{FF2B5EF4-FFF2-40B4-BE49-F238E27FC236}">
-              <a16:creationId xmlns:a16="http://schemas.microsoft.com/office/drawing/2014/main" id="{9A84C42E-B3F9-7085-3A17-1D4A3E238B8B}"/>
-            </a:ext>
-          </a:extLst>
-        </p:cNvPr>
-        <p:cNvGrpSpPr/>
-        <p:nvPr/>
-      </p:nvGrpSpPr>
-      <p:grpSpPr>
-        <a:xfrm>
-          <a:off x="0" y="0"/>
-          <a:ext cx="0" cy="0"/>
-          <a:chOff x="0" y="0"/>
-          <a:chExt cx="0" cy="0"/>
-        </a:xfrm>
-      </p:grpSpPr>
-      <p:sp>
-        <p:nvSpPr>
-          <p:cNvPr id="2" name="Titolo 1">
-            <a:extLst>
-              <a:ext uri="{FF2B5EF4-FFF2-40B4-BE49-F238E27FC236}">
-                <a16:creationId xmlns:a16="http://schemas.microsoft.com/office/drawing/2014/main" id="{109B4A24-0362-9A0A-4F25-F76198F906F5}"/>
+                <a16:creationId xmlns:a16="http://schemas.microsoft.com/office/drawing/2014/main" id="{FA4D9774-3B55-BC24-3595-5222F705118A}"/>
               </a:ext>
             </a:extLst>
           </p:cNvPr>
@@ -9763,7 +14313,7 @@
           <a:p>
             <a:r>
               <a:rPr lang="en-US" sz="3600" dirty="0"/>
-              <a:t>Conclusions</a:t>
+              <a:t>Heuristic classifier: results on test set </a:t>
             </a:r>
           </a:p>
         </p:txBody>
@@ -9773,7 +14323,7 @@
           <p:cNvPr id="4" name="Segnaposto numero diapositiva 3">
             <a:extLst>
               <a:ext uri="{FF2B5EF4-FFF2-40B4-BE49-F238E27FC236}">
-                <a16:creationId xmlns:a16="http://schemas.microsoft.com/office/drawing/2014/main" id="{FA83974A-357A-D08B-CF0E-158FCE0ABD8F}"/>
+                <a16:creationId xmlns:a16="http://schemas.microsoft.com/office/drawing/2014/main" id="{200E0EE6-3553-14E1-8020-A4639E5281DB}"/>
               </a:ext>
             </a:extLst>
           </p:cNvPr>
@@ -9791,7 +14341,7 @@
           <a:p>
             <a:fld id="{2FA0223F-D95A-431D-9A71-EDA7FA0C2F5B}" type="slidenum">
               <a:rPr lang="en-US" smtClean="0"/>
-              <a:t>16</a:t>
+              <a:t>24</a:t>
             </a:fld>
             <a:endParaRPr lang="en-US"/>
           </a:p>
@@ -9802,7 +14352,7 @@
           <p:cNvPr id="27" name="Rettangolo 26">
             <a:extLst>
               <a:ext uri="{FF2B5EF4-FFF2-40B4-BE49-F238E27FC236}">
-                <a16:creationId xmlns:a16="http://schemas.microsoft.com/office/drawing/2014/main" id="{E62870FB-CABF-5F84-DCB0-D0F2D8031819}"/>
+                <a16:creationId xmlns:a16="http://schemas.microsoft.com/office/drawing/2014/main" id="{A3408881-D919-FA65-206A-DADA2FB24CC8}"/>
               </a:ext>
             </a:extLst>
           </p:cNvPr>
@@ -9856,7 +14406,7 @@
           <p:cNvPr id="12" name="Rettangolo 11">
             <a:extLst>
               <a:ext uri="{FF2B5EF4-FFF2-40B4-BE49-F238E27FC236}">
-                <a16:creationId xmlns:a16="http://schemas.microsoft.com/office/drawing/2014/main" id="{0D33812C-70C8-F3C3-528B-A6C3FF399B2F}"/>
+                <a16:creationId xmlns:a16="http://schemas.microsoft.com/office/drawing/2014/main" id="{162E59B4-D47B-8F7D-DE5D-9BB2A9BB61BC}"/>
               </a:ext>
             </a:extLst>
           </p:cNvPr>
@@ -9905,237 +14455,1331 @@
           </a:p>
         </p:txBody>
       </p:sp>
-      <p:sp>
-        <p:nvSpPr>
-          <p:cNvPr id="9" name="Segnaposto contenuto 2">
-            <a:extLst>
-              <a:ext uri="{FF2B5EF4-FFF2-40B4-BE49-F238E27FC236}">
-                <a16:creationId xmlns:a16="http://schemas.microsoft.com/office/drawing/2014/main" id="{2B9A24BF-5BB6-5586-15E3-C796B78B3A01}"/>
-              </a:ext>
-            </a:extLst>
-          </p:cNvPr>
-          <p:cNvSpPr>
-            <a:spLocks noGrp="1"/>
-          </p:cNvSpPr>
+      <p:graphicFrame>
+        <p:nvGraphicFramePr>
+          <p:cNvPr id="3" name="Tabella 2">
+            <a:extLst>
+              <a:ext uri="{FF2B5EF4-FFF2-40B4-BE49-F238E27FC236}">
+                <a16:creationId xmlns:a16="http://schemas.microsoft.com/office/drawing/2014/main" id="{B0009F28-C247-1774-C14C-90E2003ACC3C}"/>
+              </a:ext>
+            </a:extLst>
+          </p:cNvPr>
+          <p:cNvGraphicFramePr>
+            <a:graphicFrameLocks noGrp="1"/>
+          </p:cNvGraphicFramePr>
           <p:nvPr>
-            <p:ph idx="1"/>
+            <p:extLst>
+              <p:ext uri="{D42A27DB-BD31-4B8C-83A1-F6EECF244321}">
+                <p14:modId xmlns:p14="http://schemas.microsoft.com/office/powerpoint/2010/main" val="1411411083"/>
+              </p:ext>
+            </p:extLst>
           </p:nvPr>
-        </p:nvSpPr>
-        <p:spPr>
-          <a:xfrm>
-            <a:off x="607277" y="1606160"/>
-            <a:ext cx="10274083" cy="2910976"/>
-          </a:xfrm>
-        </p:spPr>
-        <p:txBody>
-          <a:bodyPr>
-            <a:noAutofit/>
-          </a:bodyPr>
-          <a:lstStyle/>
-          <a:p>
-            <a:pPr marL="0" indent="0">
-              <a:buNone/>
-            </a:pPr>
-            <a:r>
-              <a:rPr lang="en-US" sz="1600" dirty="0"/>
-              <a:t>A heuristic classifier has been built with the purpose to act as baseline from which starting further evaluations.</a:t>
-            </a:r>
-          </a:p>
-          <a:p>
-            <a:pPr marL="0" indent="0">
-              <a:buNone/>
-            </a:pPr>
-            <a:r>
-              <a:rPr lang="en-US" sz="1600" dirty="0"/>
-              <a:t>In general, performance are not satisfying, as it could be imaged. Precisely:</a:t>
-            </a:r>
-          </a:p>
-          <a:p>
-            <a:r>
-              <a:rPr lang="en-US" sz="1600" b="1" dirty="0"/>
-              <a:t>Map A, </a:t>
-            </a:r>
-            <a:r>
-              <a:rPr lang="en-US" sz="1600" dirty="0"/>
-              <a:t>is fairly well classified, with sufficient f1-score and good precision, but low recall, meaning that there’s a huge percentage of FN.</a:t>
-            </a:r>
-            <a:endParaRPr lang="en-US" sz="1600" b="1" dirty="0"/>
-          </a:p>
-          <a:p>
-            <a:r>
-              <a:rPr lang="en-US" sz="1600" b="1" dirty="0"/>
-              <a:t>Map B and C are  bad classified</a:t>
-            </a:r>
-            <a:r>
-              <a:rPr lang="en-US" sz="1600" dirty="0"/>
-              <a:t>, with a </a:t>
-            </a:r>
-            <a:r>
-              <a:rPr lang="en-US" sz="1600" b="1" dirty="0"/>
-              <a:t>low f1-score. </a:t>
-            </a:r>
-            <a:r>
-              <a:rPr lang="en-US" sz="1600" dirty="0"/>
-              <a:t>It should be noted that </a:t>
-            </a:r>
-            <a:r>
-              <a:rPr lang="en-US" sz="1600" b="1" dirty="0"/>
-              <a:t>Map B</a:t>
-            </a:r>
-            <a:r>
-              <a:rPr lang="en-US" sz="1600" dirty="0"/>
-              <a:t> has </a:t>
-            </a:r>
-            <a:r>
-              <a:rPr lang="en-US" sz="1600" b="1" dirty="0"/>
-              <a:t>sufficient</a:t>
-            </a:r>
-            <a:r>
-              <a:rPr lang="en-US" sz="1600" dirty="0"/>
-              <a:t> </a:t>
-            </a:r>
-            <a:r>
-              <a:rPr lang="en-US" sz="1600" b="1" dirty="0"/>
-              <a:t>recall</a:t>
-            </a:r>
-            <a:r>
-              <a:rPr lang="en-US" sz="1600" dirty="0"/>
-              <a:t> (i.e.,. FN are less than TP), while </a:t>
-            </a:r>
-            <a:r>
-              <a:rPr lang="en-US" sz="1600" b="1" dirty="0"/>
-              <a:t>Map</a:t>
-            </a:r>
-            <a:r>
-              <a:rPr lang="en-US" sz="1600" dirty="0"/>
-              <a:t> </a:t>
-            </a:r>
-            <a:r>
-              <a:rPr lang="en-US" sz="1600" b="1" dirty="0"/>
-              <a:t>C</a:t>
-            </a:r>
-            <a:r>
-              <a:rPr lang="en-US" sz="1600" dirty="0"/>
-              <a:t> has a </a:t>
-            </a:r>
-            <a:r>
-              <a:rPr lang="en-US" sz="1600" b="1" dirty="0"/>
-              <a:t>sufficient</a:t>
-            </a:r>
-            <a:r>
-              <a:rPr lang="en-US" sz="1600" dirty="0"/>
-              <a:t> </a:t>
-            </a:r>
-            <a:r>
-              <a:rPr lang="en-US" sz="1600" b="1" dirty="0"/>
-              <a:t>precision</a:t>
-            </a:r>
-            <a:r>
-              <a:rPr lang="en-US" sz="1600" dirty="0"/>
-              <a:t> (i.e., FP are less than TP)</a:t>
-            </a:r>
-            <a:endParaRPr lang="en-US" sz="1600" b="1" dirty="0"/>
-          </a:p>
-          <a:p>
-            <a:pPr marL="0" indent="0">
-              <a:buNone/>
-            </a:pPr>
-            <a:r>
-              <a:rPr lang="en-US" sz="1600" dirty="0"/>
-              <a:t>Moreover, </a:t>
-            </a:r>
-            <a:r>
-              <a:rPr lang="en-US" sz="1600" b="1" dirty="0"/>
-              <a:t>filtered</a:t>
-            </a:r>
-            <a:r>
-              <a:rPr lang="en-US" sz="1600" dirty="0"/>
-              <a:t> </a:t>
-            </a:r>
-            <a:r>
-              <a:rPr lang="en-US" sz="1600" b="1" dirty="0"/>
-              <a:t>data</a:t>
-            </a:r>
-            <a:r>
-              <a:rPr lang="en-US" sz="1600" dirty="0"/>
-              <a:t> does </a:t>
-            </a:r>
-            <a:r>
-              <a:rPr lang="en-US" sz="1600" b="1" dirty="0"/>
-              <a:t>not</a:t>
-            </a:r>
-            <a:r>
-              <a:rPr lang="en-US" sz="1600" dirty="0"/>
-              <a:t> have </a:t>
-            </a:r>
-            <a:r>
-              <a:rPr lang="en-US" sz="1600" b="1" dirty="0"/>
-              <a:t>difference</a:t>
-            </a:r>
-            <a:r>
-              <a:rPr lang="en-US" sz="1600" dirty="0"/>
-              <a:t> </a:t>
-            </a:r>
-            <a:r>
-              <a:rPr lang="en-US" sz="1600" b="1" dirty="0"/>
-              <a:t>with</a:t>
-            </a:r>
-            <a:r>
-              <a:rPr lang="en-US" sz="1600" dirty="0"/>
-              <a:t> </a:t>
-            </a:r>
-            <a:r>
-              <a:rPr lang="en-US" sz="1600" b="1" dirty="0"/>
-              <a:t>not</a:t>
-            </a:r>
-            <a:r>
-              <a:rPr lang="en-US" sz="1600" dirty="0"/>
-              <a:t> </a:t>
-            </a:r>
-            <a:r>
-              <a:rPr lang="en-US" sz="1600" b="1" dirty="0"/>
-              <a:t>filtered</a:t>
-            </a:r>
-            <a:r>
-              <a:rPr lang="en-US" sz="1600" dirty="0"/>
-              <a:t> ones in terms of </a:t>
-            </a:r>
-            <a:r>
-              <a:rPr lang="en-US" sz="1600" b="1" dirty="0"/>
-              <a:t>performances</a:t>
-            </a:r>
-            <a:r>
-              <a:rPr lang="en-US" sz="1600" dirty="0"/>
-              <a:t>.</a:t>
-            </a:r>
-          </a:p>
-          <a:p>
-            <a:pPr marL="0" indent="0">
-              <a:buNone/>
-            </a:pPr>
-            <a:endParaRPr lang="en-US" sz="1600" dirty="0"/>
-          </a:p>
-          <a:p>
-            <a:pPr marL="0" indent="0">
-              <a:buNone/>
-            </a:pPr>
-            <a:r>
-              <a:rPr lang="en-US" sz="1600" dirty="0"/>
-              <a:t>In conclusion the presented set of rules is a simple classifier, which can be used as baseline to start the classification with a true machine learning model.</a:t>
-            </a:r>
-          </a:p>
-          <a:p>
-            <a:pPr marL="0" indent="0">
-              <a:buNone/>
-            </a:pPr>
-            <a:endParaRPr lang="en-US" sz="1600" dirty="0"/>
-          </a:p>
-        </p:txBody>
-      </p:sp>
+        </p:nvGraphicFramePr>
+        <p:xfrm>
+          <a:off x="1159866" y="2104817"/>
+          <a:ext cx="5488725" cy="3350358"/>
+        </p:xfrm>
+        <a:graphic>
+          <a:graphicData uri="http://schemas.openxmlformats.org/drawingml/2006/table">
+            <a:tbl>
+              <a:tblPr firstRow="1" bandRow="1">
+                <a:tableStyleId>{5940675A-B579-460E-94D1-54222C63F5DA}</a:tableStyleId>
+              </a:tblPr>
+              <a:tblGrid>
+                <a:gridCol w="1097745">
+                  <a:extLst>
+                    <a:ext uri="{9D8B030D-6E8A-4147-A177-3AD203B41FA5}">
+                      <a16:colId xmlns:a16="http://schemas.microsoft.com/office/drawing/2014/main" val="3849659094"/>
+                    </a:ext>
+                  </a:extLst>
+                </a:gridCol>
+                <a:gridCol w="1097745">
+                  <a:extLst>
+                    <a:ext uri="{9D8B030D-6E8A-4147-A177-3AD203B41FA5}">
+                      <a16:colId xmlns:a16="http://schemas.microsoft.com/office/drawing/2014/main" val="1071566705"/>
+                    </a:ext>
+                  </a:extLst>
+                </a:gridCol>
+                <a:gridCol w="1097745">
+                  <a:extLst>
+                    <a:ext uri="{9D8B030D-6E8A-4147-A177-3AD203B41FA5}">
+                      <a16:colId xmlns:a16="http://schemas.microsoft.com/office/drawing/2014/main" val="1893957164"/>
+                    </a:ext>
+                  </a:extLst>
+                </a:gridCol>
+                <a:gridCol w="1097745">
+                  <a:extLst>
+                    <a:ext uri="{9D8B030D-6E8A-4147-A177-3AD203B41FA5}">
+                      <a16:colId xmlns:a16="http://schemas.microsoft.com/office/drawing/2014/main" val="511184757"/>
+                    </a:ext>
+                  </a:extLst>
+                </a:gridCol>
+                <a:gridCol w="1097745">
+                  <a:extLst>
+                    <a:ext uri="{9D8B030D-6E8A-4147-A177-3AD203B41FA5}">
+                      <a16:colId xmlns:a16="http://schemas.microsoft.com/office/drawing/2014/main" val="1660361813"/>
+                    </a:ext>
+                  </a:extLst>
+                </a:gridCol>
+              </a:tblGrid>
+              <a:tr h="383892">
+                <a:tc>
+                  <a:txBody>
+                    <a:bodyPr/>
+                    <a:lstStyle/>
+                    <a:p>
+                      <a:pPr algn="ctr"/>
+                      <a:endParaRPr lang="en-GB" sz="1400" b="1" noProof="0" dirty="0"/>
+                    </a:p>
+                  </a:txBody>
+                  <a:tcPr anchor="ctr">
+                    <a:noFill/>
+                  </a:tcPr>
+                </a:tc>
+                <a:tc>
+                  <a:txBody>
+                    <a:bodyPr/>
+                    <a:lstStyle/>
+                    <a:p>
+                      <a:pPr algn="ctr"/>
+                      <a:r>
+                        <a:rPr lang="en-GB" sz="1400" b="1" noProof="0" dirty="0"/>
+                        <a:t>Precision</a:t>
+                      </a:r>
+                    </a:p>
+                  </a:txBody>
+                  <a:tcPr anchor="ctr"/>
+                </a:tc>
+                <a:tc>
+                  <a:txBody>
+                    <a:bodyPr/>
+                    <a:lstStyle/>
+                    <a:p>
+                      <a:pPr algn="ctr"/>
+                      <a:r>
+                        <a:rPr lang="en-GB" sz="1400" b="1" noProof="0" dirty="0"/>
+                        <a:t>Recall</a:t>
+                      </a:r>
+                    </a:p>
+                  </a:txBody>
+                  <a:tcPr anchor="ctr"/>
+                </a:tc>
+                <a:tc>
+                  <a:txBody>
+                    <a:bodyPr/>
+                    <a:lstStyle/>
+                    <a:p>
+                      <a:pPr algn="ctr"/>
+                      <a:r>
+                        <a:rPr lang="en-GB" sz="1400" b="1" noProof="0" dirty="0"/>
+                        <a:t>F1-score </a:t>
+                      </a:r>
+                    </a:p>
+                  </a:txBody>
+                  <a:tcPr anchor="ctr"/>
+                </a:tc>
+                <a:tc>
+                  <a:txBody>
+                    <a:bodyPr/>
+                    <a:lstStyle/>
+                    <a:p>
+                      <a:pPr algn="ctr"/>
+                      <a:r>
+                        <a:rPr lang="en-GB" sz="1400" b="1" noProof="0" dirty="0"/>
+                        <a:t>support</a:t>
+                      </a:r>
+                    </a:p>
+                  </a:txBody>
+                  <a:tcPr anchor="ctr"/>
+                </a:tc>
+                <a:extLst>
+                  <a:ext uri="{0D108BD9-81ED-4DB2-BD59-A6C34878D82A}">
+                    <a16:rowId xmlns:a16="http://schemas.microsoft.com/office/drawing/2014/main" val="1530770994"/>
+                  </a:ext>
+                </a:extLst>
+              </a:tr>
+              <a:tr h="408051">
+                <a:tc>
+                  <a:txBody>
+                    <a:bodyPr/>
+                    <a:lstStyle/>
+                    <a:p>
+                      <a:pPr algn="ctr"/>
+                      <a:r>
+                        <a:rPr lang="en-GB" sz="1400" noProof="0" dirty="0"/>
+                        <a:t>Map A</a:t>
+                      </a:r>
+                    </a:p>
+                  </a:txBody>
+                  <a:tcPr anchor="ctr">
+                    <a:solidFill>
+                      <a:schemeClr val="accent5">
+                        <a:lumMod val="40000"/>
+                        <a:lumOff val="60000"/>
+                      </a:schemeClr>
+                    </a:solidFill>
+                  </a:tcPr>
+                </a:tc>
+                <a:tc>
+                  <a:txBody>
+                    <a:bodyPr/>
+                    <a:lstStyle/>
+                    <a:p>
+                      <a:pPr algn="ctr"/>
+                      <a:r>
+                        <a:rPr lang="en-GB" sz="1400" noProof="0" dirty="0"/>
+                        <a:t>0.93</a:t>
+                      </a:r>
+                    </a:p>
+                  </a:txBody>
+                  <a:tcPr anchor="ctr"/>
+                </a:tc>
+                <a:tc>
+                  <a:txBody>
+                    <a:bodyPr/>
+                    <a:lstStyle/>
+                    <a:p>
+                      <a:pPr algn="ctr"/>
+                      <a:r>
+                        <a:rPr lang="en-GB" sz="1400" noProof="0" dirty="0"/>
+                        <a:t>0.33</a:t>
+                      </a:r>
+                    </a:p>
+                  </a:txBody>
+                  <a:tcPr anchor="ctr"/>
+                </a:tc>
+                <a:tc>
+                  <a:txBody>
+                    <a:bodyPr/>
+                    <a:lstStyle/>
+                    <a:p>
+                      <a:pPr algn="ctr"/>
+                      <a:r>
+                        <a:rPr lang="en-GB" sz="1400" noProof="0" dirty="0"/>
+                        <a:t>0.49</a:t>
+                      </a:r>
+                    </a:p>
+                  </a:txBody>
+                  <a:tcPr anchor="ctr"/>
+                </a:tc>
+                <a:tc>
+                  <a:txBody>
+                    <a:bodyPr/>
+                    <a:lstStyle/>
+                    <a:p>
+                      <a:pPr algn="ctr"/>
+                      <a:r>
+                        <a:rPr lang="en-GB" sz="1400" noProof="0" dirty="0"/>
+                        <a:t>239</a:t>
+                      </a:r>
+                    </a:p>
+                  </a:txBody>
+                  <a:tcPr anchor="ctr"/>
+                </a:tc>
+                <a:extLst>
+                  <a:ext uri="{0D108BD9-81ED-4DB2-BD59-A6C34878D82A}">
+                    <a16:rowId xmlns:a16="http://schemas.microsoft.com/office/drawing/2014/main" val="1073365493"/>
+                  </a:ext>
+                </a:extLst>
+              </a:tr>
+              <a:tr h="408051">
+                <a:tc>
+                  <a:txBody>
+                    <a:bodyPr/>
+                    <a:lstStyle/>
+                    <a:p>
+                      <a:pPr algn="ctr"/>
+                      <a:r>
+                        <a:rPr lang="en-GB" sz="1400" noProof="0" dirty="0"/>
+                        <a:t>Map B</a:t>
+                      </a:r>
+                    </a:p>
+                  </a:txBody>
+                  <a:tcPr anchor="ctr">
+                    <a:solidFill>
+                      <a:schemeClr val="accent6">
+                        <a:lumMod val="40000"/>
+                        <a:lumOff val="60000"/>
+                      </a:schemeClr>
+                    </a:solidFill>
+                  </a:tcPr>
+                </a:tc>
+                <a:tc>
+                  <a:txBody>
+                    <a:bodyPr/>
+                    <a:lstStyle/>
+                    <a:p>
+                      <a:pPr algn="ctr"/>
+                      <a:r>
+                        <a:rPr lang="en-GB" sz="1400" noProof="0" dirty="0"/>
+                        <a:t>0.17</a:t>
+                      </a:r>
+                    </a:p>
+                  </a:txBody>
+                  <a:tcPr anchor="ctr"/>
+                </a:tc>
+                <a:tc>
+                  <a:txBody>
+                    <a:bodyPr/>
+                    <a:lstStyle/>
+                    <a:p>
+                      <a:pPr algn="ctr"/>
+                      <a:r>
+                        <a:rPr lang="en-GB" sz="1400" noProof="0" dirty="0"/>
+                        <a:t>0.97</a:t>
+                      </a:r>
+                    </a:p>
+                  </a:txBody>
+                  <a:tcPr anchor="ctr"/>
+                </a:tc>
+                <a:tc>
+                  <a:txBody>
+                    <a:bodyPr/>
+                    <a:lstStyle/>
+                    <a:p>
+                      <a:pPr algn="ctr"/>
+                      <a:r>
+                        <a:rPr lang="en-GB" sz="1400" noProof="0" dirty="0"/>
+                        <a:t>0.28</a:t>
+                      </a:r>
+                    </a:p>
+                  </a:txBody>
+                  <a:tcPr anchor="ctr"/>
+                </a:tc>
+                <a:tc>
+                  <a:txBody>
+                    <a:bodyPr/>
+                    <a:lstStyle/>
+                    <a:p>
+                      <a:pPr algn="ctr"/>
+                      <a:r>
+                        <a:rPr lang="en-GB" sz="1400" noProof="0" dirty="0"/>
+                        <a:t>36</a:t>
+                      </a:r>
+                    </a:p>
+                  </a:txBody>
+                  <a:tcPr anchor="ctr"/>
+                </a:tc>
+                <a:extLst>
+                  <a:ext uri="{0D108BD9-81ED-4DB2-BD59-A6C34878D82A}">
+                    <a16:rowId xmlns:a16="http://schemas.microsoft.com/office/drawing/2014/main" val="3411526344"/>
+                  </a:ext>
+                </a:extLst>
+              </a:tr>
+              <a:tr h="408051">
+                <a:tc>
+                  <a:txBody>
+                    <a:bodyPr/>
+                    <a:lstStyle/>
+                    <a:p>
+                      <a:pPr algn="ctr"/>
+                      <a:r>
+                        <a:rPr lang="en-GB" sz="1400" noProof="0" dirty="0"/>
+                        <a:t>Map C</a:t>
+                      </a:r>
+                    </a:p>
+                  </a:txBody>
+                  <a:tcPr anchor="ctr">
+                    <a:solidFill>
+                      <a:schemeClr val="accent1">
+                        <a:lumMod val="20000"/>
+                        <a:lumOff val="80000"/>
+                      </a:schemeClr>
+                    </a:solidFill>
+                  </a:tcPr>
+                </a:tc>
+                <a:tc>
+                  <a:txBody>
+                    <a:bodyPr/>
+                    <a:lstStyle/>
+                    <a:p>
+                      <a:pPr algn="ctr"/>
+                      <a:r>
+                        <a:rPr lang="en-GB" sz="1400" noProof="0" dirty="0"/>
+                        <a:t>0.86</a:t>
+                      </a:r>
+                    </a:p>
+                  </a:txBody>
+                  <a:tcPr anchor="ctr"/>
+                </a:tc>
+                <a:tc>
+                  <a:txBody>
+                    <a:bodyPr/>
+                    <a:lstStyle/>
+                    <a:p>
+                      <a:pPr algn="ctr"/>
+                      <a:r>
+                        <a:rPr lang="en-GB" sz="1400" noProof="0" dirty="0"/>
+                        <a:t>0.32</a:t>
+                      </a:r>
+                    </a:p>
+                  </a:txBody>
+                  <a:tcPr anchor="ctr"/>
+                </a:tc>
+                <a:tc>
+                  <a:txBody>
+                    <a:bodyPr/>
+                    <a:lstStyle/>
+                    <a:p>
+                      <a:pPr algn="ctr"/>
+                      <a:r>
+                        <a:rPr lang="en-GB" sz="1400" noProof="0" dirty="0"/>
+                        <a:t>0.47</a:t>
+                      </a:r>
+                    </a:p>
+                  </a:txBody>
+                  <a:tcPr anchor="ctr"/>
+                </a:tc>
+                <a:tc>
+                  <a:txBody>
+                    <a:bodyPr/>
+                    <a:lstStyle/>
+                    <a:p>
+                      <a:pPr algn="ctr"/>
+                      <a:r>
+                        <a:rPr lang="en-GB" sz="1400" noProof="0" dirty="0"/>
+                        <a:t>37</a:t>
+                      </a:r>
+                    </a:p>
+                  </a:txBody>
+                  <a:tcPr anchor="ctr"/>
+                </a:tc>
+                <a:extLst>
+                  <a:ext uri="{0D108BD9-81ED-4DB2-BD59-A6C34878D82A}">
+                    <a16:rowId xmlns:a16="http://schemas.microsoft.com/office/drawing/2014/main" val="1111490287"/>
+                  </a:ext>
+                </a:extLst>
+              </a:tr>
+              <a:tr h="408051">
+                <a:tc gridSpan="5">
+                  <a:txBody>
+                    <a:bodyPr/>
+                    <a:lstStyle/>
+                    <a:p>
+                      <a:pPr algn="ctr"/>
+                      <a:endParaRPr lang="en-GB" sz="1400" noProof="0" dirty="0"/>
+                    </a:p>
+                  </a:txBody>
+                  <a:tcPr anchor="ctr"/>
+                </a:tc>
+                <a:tc hMerge="1">
+                  <a:txBody>
+                    <a:bodyPr/>
+                    <a:lstStyle/>
+                    <a:p>
+                      <a:endParaRPr lang="it-IT"/>
+                    </a:p>
+                  </a:txBody>
+                  <a:tcPr/>
+                </a:tc>
+                <a:tc hMerge="1">
+                  <a:txBody>
+                    <a:bodyPr/>
+                    <a:lstStyle/>
+                    <a:p>
+                      <a:endParaRPr lang="it-IT" dirty="0"/>
+                    </a:p>
+                  </a:txBody>
+                  <a:tcPr/>
+                </a:tc>
+                <a:tc hMerge="1">
+                  <a:txBody>
+                    <a:bodyPr/>
+                    <a:lstStyle/>
+                    <a:p>
+                      <a:endParaRPr lang="it-IT" dirty="0"/>
+                    </a:p>
+                  </a:txBody>
+                  <a:tcPr/>
+                </a:tc>
+                <a:tc hMerge="1">
+                  <a:txBody>
+                    <a:bodyPr/>
+                    <a:lstStyle/>
+                    <a:p>
+                      <a:endParaRPr lang="it-IT" dirty="0"/>
+                    </a:p>
+                  </a:txBody>
+                  <a:tcPr/>
+                </a:tc>
+                <a:extLst>
+                  <a:ext uri="{0D108BD9-81ED-4DB2-BD59-A6C34878D82A}">
+                    <a16:rowId xmlns:a16="http://schemas.microsoft.com/office/drawing/2014/main" val="1011991264"/>
+                  </a:ext>
+                </a:extLst>
+              </a:tr>
+              <a:tr h="408051">
+                <a:tc>
+                  <a:txBody>
+                    <a:bodyPr/>
+                    <a:lstStyle/>
+                    <a:p>
+                      <a:pPr algn="ctr"/>
+                      <a:r>
+                        <a:rPr lang="en-GB" sz="1400" noProof="0" dirty="0"/>
+                        <a:t>Accuracy</a:t>
+                      </a:r>
+                    </a:p>
+                  </a:txBody>
+                  <a:tcPr anchor="ctr"/>
+                </a:tc>
+                <a:tc>
+                  <a:txBody>
+                    <a:bodyPr/>
+                    <a:lstStyle/>
+                    <a:p>
+                      <a:pPr algn="ctr"/>
+                      <a:endParaRPr lang="en-GB" sz="1400" noProof="0" dirty="0"/>
+                    </a:p>
+                  </a:txBody>
+                  <a:tcPr anchor="ctr"/>
+                </a:tc>
+                <a:tc>
+                  <a:txBody>
+                    <a:bodyPr/>
+                    <a:lstStyle/>
+                    <a:p>
+                      <a:pPr algn="ctr"/>
+                      <a:endParaRPr lang="en-GB" sz="1400" noProof="0" dirty="0"/>
+                    </a:p>
+                  </a:txBody>
+                  <a:tcPr anchor="ctr"/>
+                </a:tc>
+                <a:tc>
+                  <a:txBody>
+                    <a:bodyPr/>
+                    <a:lstStyle/>
+                    <a:p>
+                      <a:pPr algn="ctr"/>
+                      <a:r>
+                        <a:rPr lang="en-GB" sz="1400" noProof="0" dirty="0"/>
+                        <a:t>0.41</a:t>
+                      </a:r>
+                    </a:p>
+                  </a:txBody>
+                  <a:tcPr anchor="ctr"/>
+                </a:tc>
+                <a:tc>
+                  <a:txBody>
+                    <a:bodyPr/>
+                    <a:lstStyle/>
+                    <a:p>
+                      <a:pPr algn="ctr"/>
+                      <a:r>
+                        <a:rPr lang="en-GB" sz="1400" noProof="0" dirty="0"/>
+                        <a:t>312</a:t>
+                      </a:r>
+                    </a:p>
+                  </a:txBody>
+                  <a:tcPr anchor="ctr"/>
+                </a:tc>
+                <a:extLst>
+                  <a:ext uri="{0D108BD9-81ED-4DB2-BD59-A6C34878D82A}">
+                    <a16:rowId xmlns:a16="http://schemas.microsoft.com/office/drawing/2014/main" val="1379241500"/>
+                  </a:ext>
+                </a:extLst>
+              </a:tr>
+              <a:tr h="408051">
+                <a:tc>
+                  <a:txBody>
+                    <a:bodyPr/>
+                    <a:lstStyle/>
+                    <a:p>
+                      <a:pPr algn="ctr"/>
+                      <a:r>
+                        <a:rPr lang="en-GB" sz="1400" noProof="0" dirty="0"/>
+                        <a:t>Macro </a:t>
+                      </a:r>
+                      <a:r>
+                        <a:rPr lang="en-GB" sz="1400" noProof="0" dirty="0" err="1"/>
+                        <a:t>avg</a:t>
+                      </a:r>
+                      <a:endParaRPr lang="en-GB" sz="1400" noProof="0" dirty="0"/>
+                    </a:p>
+                  </a:txBody>
+                  <a:tcPr anchor="ctr"/>
+                </a:tc>
+                <a:tc>
+                  <a:txBody>
+                    <a:bodyPr/>
+                    <a:lstStyle/>
+                    <a:p>
+                      <a:pPr algn="ctr"/>
+                      <a:r>
+                        <a:rPr lang="en-GB" sz="1400" noProof="0" dirty="0"/>
+                        <a:t>0.65</a:t>
+                      </a:r>
+                    </a:p>
+                  </a:txBody>
+                  <a:tcPr anchor="ctr"/>
+                </a:tc>
+                <a:tc>
+                  <a:txBody>
+                    <a:bodyPr/>
+                    <a:lstStyle/>
+                    <a:p>
+                      <a:pPr algn="ctr"/>
+                      <a:r>
+                        <a:rPr lang="en-GB" sz="1400" noProof="0" dirty="0"/>
+                        <a:t>0.54</a:t>
+                      </a:r>
+                    </a:p>
+                  </a:txBody>
+                  <a:tcPr anchor="ctr"/>
+                </a:tc>
+                <a:tc>
+                  <a:txBody>
+                    <a:bodyPr/>
+                    <a:lstStyle/>
+                    <a:p>
+                      <a:pPr algn="ctr"/>
+                      <a:r>
+                        <a:rPr lang="en-GB" sz="1400" noProof="0" dirty="0"/>
+                        <a:t>0.42</a:t>
+                      </a:r>
+                    </a:p>
+                  </a:txBody>
+                  <a:tcPr anchor="ctr"/>
+                </a:tc>
+                <a:tc>
+                  <a:txBody>
+                    <a:bodyPr/>
+                    <a:lstStyle/>
+                    <a:p>
+                      <a:pPr algn="ctr"/>
+                      <a:r>
+                        <a:rPr lang="en-GB" sz="1400" noProof="0" dirty="0"/>
+                        <a:t>312</a:t>
+                      </a:r>
+                    </a:p>
+                  </a:txBody>
+                  <a:tcPr anchor="ctr"/>
+                </a:tc>
+                <a:extLst>
+                  <a:ext uri="{0D108BD9-81ED-4DB2-BD59-A6C34878D82A}">
+                    <a16:rowId xmlns:a16="http://schemas.microsoft.com/office/drawing/2014/main" val="2183146162"/>
+                  </a:ext>
+                </a:extLst>
+              </a:tr>
+              <a:tr h="408051">
+                <a:tc>
+                  <a:txBody>
+                    <a:bodyPr/>
+                    <a:lstStyle/>
+                    <a:p>
+                      <a:pPr algn="ctr"/>
+                      <a:r>
+                        <a:rPr lang="en-GB" sz="1400" noProof="0" dirty="0"/>
+                        <a:t>Weighted </a:t>
+                      </a:r>
+                      <a:r>
+                        <a:rPr lang="en-GB" sz="1400" noProof="0" dirty="0" err="1"/>
+                        <a:t>avg</a:t>
+                      </a:r>
+                      <a:endParaRPr lang="en-GB" sz="1400" noProof="0" dirty="0"/>
+                    </a:p>
+                  </a:txBody>
+                  <a:tcPr anchor="ctr"/>
+                </a:tc>
+                <a:tc>
+                  <a:txBody>
+                    <a:bodyPr/>
+                    <a:lstStyle/>
+                    <a:p>
+                      <a:pPr algn="ctr"/>
+                      <a:r>
+                        <a:rPr lang="en-GB" sz="1400" noProof="0" dirty="0"/>
+                        <a:t>0.83</a:t>
+                      </a:r>
+                    </a:p>
+                  </a:txBody>
+                  <a:tcPr anchor="ctr"/>
+                </a:tc>
+                <a:tc>
+                  <a:txBody>
+                    <a:bodyPr/>
+                    <a:lstStyle/>
+                    <a:p>
+                      <a:pPr algn="ctr"/>
+                      <a:r>
+                        <a:rPr lang="en-GB" sz="1400" noProof="0" dirty="0"/>
+                        <a:t>0.41</a:t>
+                      </a:r>
+                    </a:p>
+                  </a:txBody>
+                  <a:tcPr anchor="ctr"/>
+                </a:tc>
+                <a:tc>
+                  <a:txBody>
+                    <a:bodyPr/>
+                    <a:lstStyle/>
+                    <a:p>
+                      <a:pPr algn="ctr"/>
+                      <a:r>
+                        <a:rPr lang="en-GB" sz="1400" noProof="0" dirty="0"/>
+                        <a:t>0.47</a:t>
+                      </a:r>
+                    </a:p>
+                  </a:txBody>
+                  <a:tcPr anchor="ctr"/>
+                </a:tc>
+                <a:tc>
+                  <a:txBody>
+                    <a:bodyPr/>
+                    <a:lstStyle/>
+                    <a:p>
+                      <a:pPr algn="ctr"/>
+                      <a:r>
+                        <a:rPr lang="en-GB" sz="1400" noProof="0" dirty="0"/>
+                        <a:t>312</a:t>
+                      </a:r>
+                    </a:p>
+                  </a:txBody>
+                  <a:tcPr anchor="ctr"/>
+                </a:tc>
+                <a:extLst>
+                  <a:ext uri="{0D108BD9-81ED-4DB2-BD59-A6C34878D82A}">
+                    <a16:rowId xmlns:a16="http://schemas.microsoft.com/office/drawing/2014/main" val="3080499033"/>
+                  </a:ext>
+                </a:extLst>
+              </a:tr>
+            </a:tbl>
+          </a:graphicData>
+        </a:graphic>
+      </p:graphicFrame>
+      <mc:AlternateContent xmlns:mc="http://schemas.openxmlformats.org/markup-compatibility/2006" xmlns:a14="http://schemas.microsoft.com/office/drawing/2010/main">
+        <mc:Choice Requires="a14">
+          <p:sp>
+            <p:nvSpPr>
+              <p:cNvPr id="7" name="CasellaDiTesto 6">
+                <a:extLst>
+                  <a:ext uri="{FF2B5EF4-FFF2-40B4-BE49-F238E27FC236}">
+                    <a16:creationId xmlns:a16="http://schemas.microsoft.com/office/drawing/2014/main" id="{11AC2872-B516-886C-292B-396DDFACF670}"/>
+                  </a:ext>
+                </a:extLst>
+              </p:cNvPr>
+              <p:cNvSpPr txBox="1"/>
+              <p:nvPr/>
+            </p:nvSpPr>
+            <p:spPr>
+              <a:xfrm>
+                <a:off x="7680960" y="2523744"/>
+                <a:ext cx="2192139" cy="523157"/>
+              </a:xfrm>
+              <a:prstGeom prst="rect">
+                <a:avLst/>
+              </a:prstGeom>
+              <a:noFill/>
+            </p:spPr>
+            <p:txBody>
+              <a:bodyPr wrap="none" lIns="0" tIns="0" rIns="0" bIns="0" rtlCol="0">
+                <a:spAutoFit/>
+              </a:bodyPr>
+              <a:lstStyle/>
+              <a:p>
+                <a:pPr/>
+                <a14:m>
+                  <m:oMathPara xmlns:m="http://schemas.openxmlformats.org/officeDocument/2006/math">
+                    <m:oMathParaPr>
+                      <m:jc m:val="centerGroup"/>
+                    </m:oMathParaPr>
+                    <m:oMath xmlns:m="http://schemas.openxmlformats.org/officeDocument/2006/math">
+                      <m:r>
+                        <a:rPr lang="it-IT" b="0" i="1" smtClean="0">
+                          <a:latin typeface="Cambria Math" panose="02040503050406030204" pitchFamily="18" charset="0"/>
+                        </a:rPr>
+                        <m:t>𝑃𝑟𝑒𝑐𝑖𝑠𝑖𝑜𝑛</m:t>
+                      </m:r>
+                      <m:r>
+                        <a:rPr lang="it-IT" b="0" i="1" smtClean="0">
+                          <a:latin typeface="Cambria Math" panose="02040503050406030204" pitchFamily="18" charset="0"/>
+                        </a:rPr>
+                        <m:t>=</m:t>
+                      </m:r>
+                      <m:f>
+                        <m:fPr>
+                          <m:ctrlPr>
+                            <a:rPr lang="it-IT" b="0" i="1" smtClean="0">
+                              <a:latin typeface="Cambria Math" panose="02040503050406030204" pitchFamily="18" charset="0"/>
+                            </a:rPr>
+                          </m:ctrlPr>
+                        </m:fPr>
+                        <m:num>
+                          <m:r>
+                            <a:rPr lang="it-IT" b="0" i="1" smtClean="0">
+                              <a:latin typeface="Cambria Math" panose="02040503050406030204" pitchFamily="18" charset="0"/>
+                            </a:rPr>
+                            <m:t>𝑇𝑃</m:t>
+                          </m:r>
+                        </m:num>
+                        <m:den>
+                          <m:r>
+                            <a:rPr lang="it-IT" b="0" i="1" smtClean="0">
+                              <a:latin typeface="Cambria Math" panose="02040503050406030204" pitchFamily="18" charset="0"/>
+                            </a:rPr>
+                            <m:t>𝑇𝑃</m:t>
+                          </m:r>
+                          <m:r>
+                            <a:rPr lang="it-IT" b="0" i="1" smtClean="0">
+                              <a:latin typeface="Cambria Math" panose="02040503050406030204" pitchFamily="18" charset="0"/>
+                            </a:rPr>
+                            <m:t>+</m:t>
+                          </m:r>
+                          <m:r>
+                            <a:rPr lang="it-IT" b="0" i="1" smtClean="0">
+                              <a:latin typeface="Cambria Math" panose="02040503050406030204" pitchFamily="18" charset="0"/>
+                            </a:rPr>
+                            <m:t>𝐹𝑃</m:t>
+                          </m:r>
+                        </m:den>
+                      </m:f>
+                    </m:oMath>
+                  </m:oMathPara>
+                </a14:m>
+                <a:endParaRPr lang="it-IT" b="0" dirty="0"/>
+              </a:p>
+            </p:txBody>
+          </p:sp>
+        </mc:Choice>
+        <mc:Fallback xmlns="">
+          <p:sp>
+            <p:nvSpPr>
+              <p:cNvPr id="7" name="CasellaDiTesto 6">
+                <a:extLst>
+                  <a:ext uri="{FF2B5EF4-FFF2-40B4-BE49-F238E27FC236}">
+                    <a16:creationId xmlns:a16="http://schemas.microsoft.com/office/drawing/2014/main" id="{E9ECF207-CE66-3727-78C8-9175F98ABBB0}"/>
+                  </a:ext>
+                </a:extLst>
+              </p:cNvPr>
+              <p:cNvSpPr txBox="1">
+                <a:spLocks noRot="1" noChangeAspect="1" noMove="1" noResize="1" noEditPoints="1" noAdjustHandles="1" noChangeArrowheads="1" noChangeShapeType="1" noTextEdit="1"/>
+              </p:cNvSpPr>
+              <p:nvPr/>
+            </p:nvSpPr>
+            <p:spPr>
+              <a:xfrm>
+                <a:off x="7680960" y="2523744"/>
+                <a:ext cx="2192139" cy="523157"/>
+              </a:xfrm>
+              <a:prstGeom prst="rect">
+                <a:avLst/>
+              </a:prstGeom>
+              <a:blipFill>
+                <a:blip r:embed="rId3"/>
+                <a:stretch>
+                  <a:fillRect/>
+                </a:stretch>
+              </a:blipFill>
+            </p:spPr>
+            <p:txBody>
+              <a:bodyPr/>
+              <a:lstStyle/>
+              <a:p>
+                <a:r>
+                  <a:rPr lang="it-IT">
+                    <a:noFill/>
+                  </a:rPr>
+                  <a:t> </a:t>
+                </a:r>
+              </a:p>
+            </p:txBody>
+          </p:sp>
+        </mc:Fallback>
+      </mc:AlternateContent>
+      <mc:AlternateContent xmlns:mc="http://schemas.openxmlformats.org/markup-compatibility/2006" xmlns:a14="http://schemas.microsoft.com/office/drawing/2010/main">
+        <mc:Choice Requires="a14">
+          <p:sp>
+            <p:nvSpPr>
+              <p:cNvPr id="8" name="CasellaDiTesto 7">
+                <a:extLst>
+                  <a:ext uri="{FF2B5EF4-FFF2-40B4-BE49-F238E27FC236}">
+                    <a16:creationId xmlns:a16="http://schemas.microsoft.com/office/drawing/2014/main" id="{3FF4167B-2DBF-8315-83C4-3261619965FC}"/>
+                  </a:ext>
+                </a:extLst>
+              </p:cNvPr>
+              <p:cNvSpPr txBox="1"/>
+              <p:nvPr/>
+            </p:nvSpPr>
+            <p:spPr>
+              <a:xfrm>
+                <a:off x="7671561" y="3256839"/>
+                <a:ext cx="1878078" cy="523157"/>
+              </a:xfrm>
+              <a:prstGeom prst="rect">
+                <a:avLst/>
+              </a:prstGeom>
+              <a:noFill/>
+            </p:spPr>
+            <p:txBody>
+              <a:bodyPr wrap="none" lIns="0" tIns="0" rIns="0" bIns="0" rtlCol="0">
+                <a:spAutoFit/>
+              </a:bodyPr>
+              <a:lstStyle/>
+              <a:p>
+                <a:pPr/>
+                <a14:m>
+                  <m:oMathPara xmlns:m="http://schemas.openxmlformats.org/officeDocument/2006/math">
+                    <m:oMathParaPr>
+                      <m:jc m:val="centerGroup"/>
+                    </m:oMathParaPr>
+                    <m:oMath xmlns:m="http://schemas.openxmlformats.org/officeDocument/2006/math">
+                      <m:r>
+                        <a:rPr lang="it-IT" b="0" i="1" smtClean="0">
+                          <a:latin typeface="Cambria Math" panose="02040503050406030204" pitchFamily="18" charset="0"/>
+                        </a:rPr>
+                        <m:t>𝑅𝑒𝑐𝑎𝑙𝑙</m:t>
+                      </m:r>
+                      <m:r>
+                        <a:rPr lang="it-IT" b="0" i="1" smtClean="0">
+                          <a:latin typeface="Cambria Math" panose="02040503050406030204" pitchFamily="18" charset="0"/>
+                        </a:rPr>
+                        <m:t>=</m:t>
+                      </m:r>
+                      <m:f>
+                        <m:fPr>
+                          <m:ctrlPr>
+                            <a:rPr lang="it-IT" b="0" i="1" smtClean="0">
+                              <a:latin typeface="Cambria Math" panose="02040503050406030204" pitchFamily="18" charset="0"/>
+                            </a:rPr>
+                          </m:ctrlPr>
+                        </m:fPr>
+                        <m:num>
+                          <m:r>
+                            <a:rPr lang="it-IT" b="0" i="1" smtClean="0">
+                              <a:latin typeface="Cambria Math" panose="02040503050406030204" pitchFamily="18" charset="0"/>
+                            </a:rPr>
+                            <m:t>𝑇𝑃</m:t>
+                          </m:r>
+                        </m:num>
+                        <m:den>
+                          <m:r>
+                            <a:rPr lang="it-IT" b="0" i="1" smtClean="0">
+                              <a:latin typeface="Cambria Math" panose="02040503050406030204" pitchFamily="18" charset="0"/>
+                            </a:rPr>
+                            <m:t>𝑇𝑃</m:t>
+                          </m:r>
+                          <m:r>
+                            <a:rPr lang="it-IT" b="0" i="1" smtClean="0">
+                              <a:latin typeface="Cambria Math" panose="02040503050406030204" pitchFamily="18" charset="0"/>
+                            </a:rPr>
+                            <m:t>+</m:t>
+                          </m:r>
+                          <m:r>
+                            <a:rPr lang="it-IT" b="0" i="1" smtClean="0">
+                              <a:latin typeface="Cambria Math" panose="02040503050406030204" pitchFamily="18" charset="0"/>
+                            </a:rPr>
+                            <m:t>𝐹𝑁</m:t>
+                          </m:r>
+                        </m:den>
+                      </m:f>
+                    </m:oMath>
+                  </m:oMathPara>
+                </a14:m>
+                <a:endParaRPr lang="it-IT" b="0" dirty="0"/>
+              </a:p>
+            </p:txBody>
+          </p:sp>
+        </mc:Choice>
+        <mc:Fallback xmlns="">
+          <p:sp>
+            <p:nvSpPr>
+              <p:cNvPr id="8" name="CasellaDiTesto 7">
+                <a:extLst>
+                  <a:ext uri="{FF2B5EF4-FFF2-40B4-BE49-F238E27FC236}">
+                    <a16:creationId xmlns:a16="http://schemas.microsoft.com/office/drawing/2014/main" id="{1FF245F4-C609-8D80-50C1-BF01175F8112}"/>
+                  </a:ext>
+                </a:extLst>
+              </p:cNvPr>
+              <p:cNvSpPr txBox="1">
+                <a:spLocks noRot="1" noChangeAspect="1" noMove="1" noResize="1" noEditPoints="1" noAdjustHandles="1" noChangeArrowheads="1" noChangeShapeType="1" noTextEdit="1"/>
+              </p:cNvSpPr>
+              <p:nvPr/>
+            </p:nvSpPr>
+            <p:spPr>
+              <a:xfrm>
+                <a:off x="7671561" y="3256839"/>
+                <a:ext cx="1878078" cy="523157"/>
+              </a:xfrm>
+              <a:prstGeom prst="rect">
+                <a:avLst/>
+              </a:prstGeom>
+              <a:blipFill>
+                <a:blip r:embed="rId4"/>
+                <a:stretch>
+                  <a:fillRect/>
+                </a:stretch>
+              </a:blipFill>
+            </p:spPr>
+            <p:txBody>
+              <a:bodyPr/>
+              <a:lstStyle/>
+              <a:p>
+                <a:r>
+                  <a:rPr lang="it-IT">
+                    <a:noFill/>
+                  </a:rPr>
+                  <a:t> </a:t>
+                </a:r>
+              </a:p>
+            </p:txBody>
+          </p:sp>
+        </mc:Fallback>
+      </mc:AlternateContent>
+      <mc:AlternateContent xmlns:mc="http://schemas.openxmlformats.org/markup-compatibility/2006" xmlns:a14="http://schemas.microsoft.com/office/drawing/2010/main">
+        <mc:Choice Requires="a14">
+          <p:sp>
+            <p:nvSpPr>
+              <p:cNvPr id="10" name="CasellaDiTesto 9">
+                <a:extLst>
+                  <a:ext uri="{FF2B5EF4-FFF2-40B4-BE49-F238E27FC236}">
+                    <a16:creationId xmlns:a16="http://schemas.microsoft.com/office/drawing/2014/main" id="{424FC016-A16C-4ECD-26F5-A8AD28623074}"/>
+                  </a:ext>
+                </a:extLst>
+              </p:cNvPr>
+              <p:cNvSpPr txBox="1"/>
+              <p:nvPr/>
+            </p:nvSpPr>
+            <p:spPr>
+              <a:xfrm>
+                <a:off x="7680960" y="3989934"/>
+                <a:ext cx="3144066" cy="530530"/>
+              </a:xfrm>
+              <a:prstGeom prst="rect">
+                <a:avLst/>
+              </a:prstGeom>
+              <a:noFill/>
+            </p:spPr>
+            <p:txBody>
+              <a:bodyPr wrap="none" lIns="0" tIns="0" rIns="0" bIns="0" rtlCol="0">
+                <a:spAutoFit/>
+              </a:bodyPr>
+              <a:lstStyle/>
+              <a:p>
+                <a:pPr/>
+                <a14:m>
+                  <m:oMathPara xmlns:m="http://schemas.openxmlformats.org/officeDocument/2006/math">
+                    <m:oMathParaPr>
+                      <m:jc m:val="centerGroup"/>
+                    </m:oMathParaPr>
+                    <m:oMath xmlns:m="http://schemas.openxmlformats.org/officeDocument/2006/math">
+                      <m:r>
+                        <a:rPr lang="it-IT" b="0" i="1" smtClean="0">
+                          <a:latin typeface="Cambria Math" panose="02040503050406030204" pitchFamily="18" charset="0"/>
+                        </a:rPr>
+                        <m:t>𝑓</m:t>
+                      </m:r>
+                      <m:sSub>
+                        <m:sSubPr>
+                          <m:ctrlPr>
+                            <a:rPr lang="it-IT" b="0" i="1" smtClean="0">
+                              <a:latin typeface="Cambria Math" panose="02040503050406030204" pitchFamily="18" charset="0"/>
+                            </a:rPr>
+                          </m:ctrlPr>
+                        </m:sSubPr>
+                        <m:e>
+                          <m:r>
+                            <a:rPr lang="it-IT" b="0" i="1" smtClean="0">
+                              <a:latin typeface="Cambria Math" panose="02040503050406030204" pitchFamily="18" charset="0"/>
+                            </a:rPr>
+                            <m:t>1</m:t>
+                          </m:r>
+                        </m:e>
+                        <m:sub>
+                          <m:r>
+                            <a:rPr lang="it-IT" b="0" i="1" smtClean="0">
+                              <a:latin typeface="Cambria Math" panose="02040503050406030204" pitchFamily="18" charset="0"/>
+                            </a:rPr>
+                            <m:t>𝑠𝑐𝑜𝑟𝑒</m:t>
+                          </m:r>
+                        </m:sub>
+                      </m:sSub>
+                      <m:r>
+                        <a:rPr lang="it-IT" b="0" i="1" smtClean="0">
+                          <a:latin typeface="Cambria Math" panose="02040503050406030204" pitchFamily="18" charset="0"/>
+                        </a:rPr>
+                        <m:t>=2</m:t>
+                      </m:r>
+                      <m:f>
+                        <m:fPr>
+                          <m:ctrlPr>
+                            <a:rPr lang="it-IT" b="0" i="1" smtClean="0">
+                              <a:latin typeface="Cambria Math" panose="02040503050406030204" pitchFamily="18" charset="0"/>
+                            </a:rPr>
+                          </m:ctrlPr>
+                        </m:fPr>
+                        <m:num>
+                          <m:r>
+                            <a:rPr lang="it-IT" b="0" i="1" smtClean="0">
+                              <a:latin typeface="Cambria Math" panose="02040503050406030204" pitchFamily="18" charset="0"/>
+                            </a:rPr>
+                            <m:t>𝑃𝑟𝑒𝑐𝑖𝑠𝑖𝑜𝑛</m:t>
+                          </m:r>
+                          <m:r>
+                            <a:rPr lang="it-IT" b="0" i="1" smtClean="0">
+                              <a:latin typeface="Cambria Math" panose="02040503050406030204" pitchFamily="18" charset="0"/>
+                            </a:rPr>
+                            <m:t> ∗</m:t>
+                          </m:r>
+                          <m:r>
+                            <a:rPr lang="it-IT" b="0" i="1" smtClean="0">
+                              <a:latin typeface="Cambria Math" panose="02040503050406030204" pitchFamily="18" charset="0"/>
+                            </a:rPr>
+                            <m:t>𝑅𝑒𝑐𝑎𝑙𝑙</m:t>
+                          </m:r>
+                        </m:num>
+                        <m:den>
+                          <m:r>
+                            <a:rPr lang="it-IT" b="0" i="1" smtClean="0">
+                              <a:latin typeface="Cambria Math" panose="02040503050406030204" pitchFamily="18" charset="0"/>
+                            </a:rPr>
+                            <m:t>𝑃𝑟𝑒𝑐𝑖𝑠𝑖𝑜𝑛</m:t>
+                          </m:r>
+                          <m:r>
+                            <a:rPr lang="it-IT" b="0" i="1" smtClean="0">
+                              <a:latin typeface="Cambria Math" panose="02040503050406030204" pitchFamily="18" charset="0"/>
+                            </a:rPr>
+                            <m:t>+</m:t>
+                          </m:r>
+                          <m:r>
+                            <a:rPr lang="it-IT" b="0" i="1" smtClean="0">
+                              <a:latin typeface="Cambria Math" panose="02040503050406030204" pitchFamily="18" charset="0"/>
+                            </a:rPr>
+                            <m:t>𝑅𝑒𝑐𝑎𝑙𝑙</m:t>
+                          </m:r>
+                        </m:den>
+                      </m:f>
+                    </m:oMath>
+                  </m:oMathPara>
+                </a14:m>
+                <a:endParaRPr lang="it-IT" b="0" dirty="0"/>
+              </a:p>
+            </p:txBody>
+          </p:sp>
+        </mc:Choice>
+        <mc:Fallback xmlns="">
+          <p:sp>
+            <p:nvSpPr>
+              <p:cNvPr id="10" name="CasellaDiTesto 9">
+                <a:extLst>
+                  <a:ext uri="{FF2B5EF4-FFF2-40B4-BE49-F238E27FC236}">
+                    <a16:creationId xmlns:a16="http://schemas.microsoft.com/office/drawing/2014/main" id="{DD5052AA-0B0E-9A46-E928-71BE44C560D0}"/>
+                  </a:ext>
+                </a:extLst>
+              </p:cNvPr>
+              <p:cNvSpPr txBox="1">
+                <a:spLocks noRot="1" noChangeAspect="1" noMove="1" noResize="1" noEditPoints="1" noAdjustHandles="1" noChangeArrowheads="1" noChangeShapeType="1" noTextEdit="1"/>
+              </p:cNvSpPr>
+              <p:nvPr/>
+            </p:nvSpPr>
+            <p:spPr>
+              <a:xfrm>
+                <a:off x="7680960" y="3989934"/>
+                <a:ext cx="3144066" cy="530530"/>
+              </a:xfrm>
+              <a:prstGeom prst="rect">
+                <a:avLst/>
+              </a:prstGeom>
+              <a:blipFill>
+                <a:blip r:embed="rId5"/>
+                <a:stretch>
+                  <a:fillRect/>
+                </a:stretch>
+              </a:blipFill>
+            </p:spPr>
+            <p:txBody>
+              <a:bodyPr/>
+              <a:lstStyle/>
+              <a:p>
+                <a:r>
+                  <a:rPr lang="it-IT">
+                    <a:noFill/>
+                  </a:rPr>
+                  <a:t> </a:t>
+                </a:r>
+              </a:p>
+            </p:txBody>
+          </p:sp>
+        </mc:Fallback>
+      </mc:AlternateContent>
+      <mc:AlternateContent xmlns:mc="http://schemas.openxmlformats.org/markup-compatibility/2006" xmlns:a14="http://schemas.microsoft.com/office/drawing/2010/main">
+        <mc:Choice Requires="a14">
+          <p:sp>
+            <p:nvSpPr>
+              <p:cNvPr id="13" name="CasellaDiTesto 12">
+                <a:extLst>
+                  <a:ext uri="{FF2B5EF4-FFF2-40B4-BE49-F238E27FC236}">
+                    <a16:creationId xmlns:a16="http://schemas.microsoft.com/office/drawing/2014/main" id="{C0602955-7A83-D954-EFA6-7D3F105AA700}"/>
+                  </a:ext>
+                </a:extLst>
+              </p:cNvPr>
+              <p:cNvSpPr txBox="1"/>
+              <p:nvPr/>
+            </p:nvSpPr>
+            <p:spPr>
+              <a:xfrm>
+                <a:off x="7680960" y="4730402"/>
+                <a:ext cx="3351174" cy="523157"/>
+              </a:xfrm>
+              <a:prstGeom prst="rect">
+                <a:avLst/>
+              </a:prstGeom>
+              <a:noFill/>
+            </p:spPr>
+            <p:txBody>
+              <a:bodyPr wrap="none" lIns="0" tIns="0" rIns="0" bIns="0" rtlCol="0">
+                <a:spAutoFit/>
+              </a:bodyPr>
+              <a:lstStyle/>
+              <a:p>
+                <a:pPr/>
+                <a14:m>
+                  <m:oMathPara xmlns:m="http://schemas.openxmlformats.org/officeDocument/2006/math">
+                    <m:oMathParaPr>
+                      <m:jc m:val="centerGroup"/>
+                    </m:oMathParaPr>
+                    <m:oMath xmlns:m="http://schemas.openxmlformats.org/officeDocument/2006/math">
+                      <m:r>
+                        <a:rPr lang="it-IT" b="0" i="1" smtClean="0">
+                          <a:latin typeface="Cambria Math" panose="02040503050406030204" pitchFamily="18" charset="0"/>
+                        </a:rPr>
+                        <m:t>𝐴𝑐𝑐𝑢𝑟𝑎𝑐𝑦</m:t>
+                      </m:r>
+                      <m:r>
+                        <a:rPr lang="it-IT" b="0" i="1" smtClean="0">
+                          <a:latin typeface="Cambria Math" panose="02040503050406030204" pitchFamily="18" charset="0"/>
+                        </a:rPr>
+                        <m:t>=</m:t>
+                      </m:r>
+                      <m:f>
+                        <m:fPr>
+                          <m:ctrlPr>
+                            <a:rPr lang="it-IT" b="0" i="1" smtClean="0">
+                              <a:latin typeface="Cambria Math" panose="02040503050406030204" pitchFamily="18" charset="0"/>
+                            </a:rPr>
+                          </m:ctrlPr>
+                        </m:fPr>
+                        <m:num>
+                          <m:r>
+                            <a:rPr lang="it-IT" b="0" i="1" smtClean="0">
+                              <a:latin typeface="Cambria Math" panose="02040503050406030204" pitchFamily="18" charset="0"/>
+                            </a:rPr>
+                            <m:t>𝑇𝑃</m:t>
+                          </m:r>
+                          <m:r>
+                            <a:rPr lang="it-IT" b="0" i="1" smtClean="0">
+                              <a:latin typeface="Cambria Math" panose="02040503050406030204" pitchFamily="18" charset="0"/>
+                            </a:rPr>
+                            <m:t>+</m:t>
+                          </m:r>
+                          <m:r>
+                            <a:rPr lang="it-IT" b="0" i="1" smtClean="0">
+                              <a:latin typeface="Cambria Math" panose="02040503050406030204" pitchFamily="18" charset="0"/>
+                            </a:rPr>
+                            <m:t>𝑇𝑁</m:t>
+                          </m:r>
+                        </m:num>
+                        <m:den>
+                          <m:r>
+                            <a:rPr lang="it-IT" b="0" i="1" smtClean="0">
+                              <a:latin typeface="Cambria Math" panose="02040503050406030204" pitchFamily="18" charset="0"/>
+                            </a:rPr>
+                            <m:t>𝑇𝑃</m:t>
+                          </m:r>
+                          <m:r>
+                            <a:rPr lang="it-IT" b="0" i="1" smtClean="0">
+                              <a:latin typeface="Cambria Math" panose="02040503050406030204" pitchFamily="18" charset="0"/>
+                            </a:rPr>
+                            <m:t>+</m:t>
+                          </m:r>
+                          <m:r>
+                            <a:rPr lang="it-IT" b="0" i="1" smtClean="0">
+                              <a:latin typeface="Cambria Math" panose="02040503050406030204" pitchFamily="18" charset="0"/>
+                            </a:rPr>
+                            <m:t>𝑇𝑁</m:t>
+                          </m:r>
+                          <m:r>
+                            <a:rPr lang="it-IT" b="0" i="1" smtClean="0">
+                              <a:latin typeface="Cambria Math" panose="02040503050406030204" pitchFamily="18" charset="0"/>
+                            </a:rPr>
+                            <m:t>+</m:t>
+                          </m:r>
+                          <m:r>
+                            <a:rPr lang="it-IT" b="0" i="1" smtClean="0">
+                              <a:latin typeface="Cambria Math" panose="02040503050406030204" pitchFamily="18" charset="0"/>
+                            </a:rPr>
+                            <m:t>𝐹𝑃</m:t>
+                          </m:r>
+                          <m:r>
+                            <a:rPr lang="it-IT" b="0" i="1" smtClean="0">
+                              <a:latin typeface="Cambria Math" panose="02040503050406030204" pitchFamily="18" charset="0"/>
+                            </a:rPr>
+                            <m:t>+</m:t>
+                          </m:r>
+                          <m:r>
+                            <a:rPr lang="it-IT" b="0" i="1" smtClean="0">
+                              <a:latin typeface="Cambria Math" panose="02040503050406030204" pitchFamily="18" charset="0"/>
+                            </a:rPr>
+                            <m:t>𝐹𝑁</m:t>
+                          </m:r>
+                        </m:den>
+                      </m:f>
+                    </m:oMath>
+                  </m:oMathPara>
+                </a14:m>
+                <a:endParaRPr lang="it-IT" b="0" dirty="0"/>
+              </a:p>
+            </p:txBody>
+          </p:sp>
+        </mc:Choice>
+        <mc:Fallback xmlns="">
+          <p:sp>
+            <p:nvSpPr>
+              <p:cNvPr id="13" name="CasellaDiTesto 12">
+                <a:extLst>
+                  <a:ext uri="{FF2B5EF4-FFF2-40B4-BE49-F238E27FC236}">
+                    <a16:creationId xmlns:a16="http://schemas.microsoft.com/office/drawing/2014/main" id="{4DE13F0E-E6AA-93AF-D9C4-65796A28D9D7}"/>
+                  </a:ext>
+                </a:extLst>
+              </p:cNvPr>
+              <p:cNvSpPr txBox="1">
+                <a:spLocks noRot="1" noChangeAspect="1" noMove="1" noResize="1" noEditPoints="1" noAdjustHandles="1" noChangeArrowheads="1" noChangeShapeType="1" noTextEdit="1"/>
+              </p:cNvSpPr>
+              <p:nvPr/>
+            </p:nvSpPr>
+            <p:spPr>
+              <a:xfrm>
+                <a:off x="7680960" y="4730402"/>
+                <a:ext cx="3351174" cy="523157"/>
+              </a:xfrm>
+              <a:prstGeom prst="rect">
+                <a:avLst/>
+              </a:prstGeom>
+              <a:blipFill>
+                <a:blip r:embed="rId6"/>
+                <a:stretch>
+                  <a:fillRect/>
+                </a:stretch>
+              </a:blipFill>
+            </p:spPr>
+            <p:txBody>
+              <a:bodyPr/>
+              <a:lstStyle/>
+              <a:p>
+                <a:r>
+                  <a:rPr lang="it-IT">
+                    <a:noFill/>
+                  </a:rPr>
+                  <a:t> </a:t>
+                </a:r>
+              </a:p>
+            </p:txBody>
+          </p:sp>
+        </mc:Fallback>
+      </mc:AlternateContent>
     </p:spTree>
     <p:extLst>
       <p:ext uri="{BB962C8B-B14F-4D97-AF65-F5344CB8AC3E}">
-        <p14:creationId xmlns:p14="http://schemas.microsoft.com/office/powerpoint/2010/main" val="3793055474"/>
+        <p14:creationId xmlns:p14="http://schemas.microsoft.com/office/powerpoint/2010/main" val="2685927643"/>
       </p:ext>
     </p:extLst>
   </p:cSld>
@@ -10145,12 +15789,18 @@
 </p:sld>
 </file>
 
-<file path=ppt/slides/slide2.xml><?xml version="1.0" encoding="utf-8"?>
+<file path=ppt/slides/slide25.xml><?xml version="1.0" encoding="utf-8"?>
 <p:sld xmlns:a="http://schemas.openxmlformats.org/drawingml/2006/main" xmlns:r="http://schemas.openxmlformats.org/officeDocument/2006/relationships" xmlns:p="http://schemas.openxmlformats.org/presentationml/2006/main">
   <p:cSld>
     <p:spTree>
       <p:nvGrpSpPr>
-        <p:cNvPr id="1" name=""/>
+        <p:cNvPr id="1" name="">
+          <a:extLst>
+            <a:ext uri="{FF2B5EF4-FFF2-40B4-BE49-F238E27FC236}">
+              <a16:creationId xmlns:a16="http://schemas.microsoft.com/office/drawing/2014/main" id="{E2F2D69A-5707-C52D-29A9-6D53184D045C}"/>
+            </a:ext>
+          </a:extLst>
+        </p:cNvPr>
         <p:cNvGrpSpPr/>
         <p:nvPr/>
       </p:nvGrpSpPr>
@@ -10167,7 +15817,7 @@
           <p:cNvPr id="2" name="Titolo 1">
             <a:extLst>
               <a:ext uri="{FF2B5EF4-FFF2-40B4-BE49-F238E27FC236}">
-                <a16:creationId xmlns:a16="http://schemas.microsoft.com/office/drawing/2014/main" id="{90F52EA4-9809-985C-8A8C-85AEDD39AF3B}"/>
+                <a16:creationId xmlns:a16="http://schemas.microsoft.com/office/drawing/2014/main" id="{7BA84E17-F89B-C781-63B7-EB508C24E3CE}"/>
               </a:ext>
             </a:extLst>
           </p:cNvPr>
@@ -10195,7 +15845,7 @@
           <p:cNvPr id="3" name="Segnaposto contenuto 2">
             <a:extLst>
               <a:ext uri="{FF2B5EF4-FFF2-40B4-BE49-F238E27FC236}">
-                <a16:creationId xmlns:a16="http://schemas.microsoft.com/office/drawing/2014/main" id="{B080D17D-5CB5-7A4C-86CF-032C6E6BEB1F}"/>
+                <a16:creationId xmlns:a16="http://schemas.microsoft.com/office/drawing/2014/main" id="{9396FD07-456C-7DF6-554E-09C15EE44FE0}"/>
               </a:ext>
             </a:extLst>
           </p:cNvPr>
@@ -10219,25 +15869,49 @@
           <a:lstStyle/>
           <a:p>
             <a:r>
-              <a:rPr lang="en-US" sz="2000" dirty="0"/>
+              <a:rPr lang="en-US" sz="2000" dirty="0">
+                <a:solidFill>
+                  <a:schemeClr val="bg1">
+                    <a:lumMod val="75000"/>
+                  </a:schemeClr>
+                </a:solidFill>
+              </a:rPr>
               <a:t>Why building a heuristic classifier</a:t>
             </a:r>
           </a:p>
           <a:p>
             <a:r>
-              <a:rPr lang="en-US" sz="2000" dirty="0"/>
+              <a:rPr lang="en-US" sz="2000" dirty="0">
+                <a:solidFill>
+                  <a:schemeClr val="bg1">
+                    <a:lumMod val="75000"/>
+                  </a:schemeClr>
+                </a:solidFill>
+              </a:rPr>
               <a:t>Knowledge on roving signals: recap</a:t>
             </a:r>
           </a:p>
           <a:p>
             <a:r>
-              <a:rPr lang="en-US" sz="2000" dirty="0"/>
+              <a:rPr lang="en-US" sz="2000" dirty="0">
+                <a:solidFill>
+                  <a:schemeClr val="bg1">
+                    <a:lumMod val="75000"/>
+                  </a:schemeClr>
+                </a:solidFill>
+              </a:rPr>
               <a:t>Heuristic classifier: pseudo code</a:t>
             </a:r>
           </a:p>
           <a:p>
             <a:r>
-              <a:rPr lang="en-US" sz="2000" dirty="0"/>
+              <a:rPr lang="en-US" sz="2000" dirty="0">
+                <a:solidFill>
+                  <a:schemeClr val="bg1">
+                    <a:lumMod val="75000"/>
+                  </a:schemeClr>
+                </a:solidFill>
+              </a:rPr>
               <a:t>Performance</a:t>
             </a:r>
           </a:p>
@@ -10247,6 +15921,621 @@
               <a:t>Conclusions </a:t>
             </a:r>
             <a:endParaRPr lang="en-US" sz="1600" dirty="0"/>
+          </a:p>
+          <a:p>
+            <a:pPr marL="0" indent="0">
+              <a:buNone/>
+            </a:pPr>
+            <a:endParaRPr lang="en-US" sz="1600" dirty="0">
+              <a:solidFill>
+                <a:schemeClr val="bg1">
+                  <a:lumMod val="75000"/>
+                </a:schemeClr>
+              </a:solidFill>
+            </a:endParaRPr>
+          </a:p>
+        </p:txBody>
+      </p:sp>
+      <p:sp>
+        <p:nvSpPr>
+          <p:cNvPr id="4" name="Segnaposto numero diapositiva 3">
+            <a:extLst>
+              <a:ext uri="{FF2B5EF4-FFF2-40B4-BE49-F238E27FC236}">
+                <a16:creationId xmlns:a16="http://schemas.microsoft.com/office/drawing/2014/main" id="{09B6E317-0702-BFFE-771B-ADB7856CE800}"/>
+              </a:ext>
+            </a:extLst>
+          </p:cNvPr>
+          <p:cNvSpPr>
+            <a:spLocks noGrp="1"/>
+          </p:cNvSpPr>
+          <p:nvPr>
+            <p:ph type="sldNum" sz="quarter" idx="12"/>
+          </p:nvPr>
+        </p:nvSpPr>
+        <p:spPr/>
+        <p:txBody>
+          <a:bodyPr/>
+          <a:lstStyle/>
+          <a:p>
+            <a:fld id="{2FA0223F-D95A-431D-9A71-EDA7FA0C2F5B}" type="slidenum">
+              <a:rPr lang="en-US" smtClean="0"/>
+              <a:t>25</a:t>
+            </a:fld>
+            <a:endParaRPr lang="en-US" dirty="0"/>
+          </a:p>
+        </p:txBody>
+      </p:sp>
+    </p:spTree>
+    <p:extLst>
+      <p:ext uri="{BB962C8B-B14F-4D97-AF65-F5344CB8AC3E}">
+        <p14:creationId xmlns:p14="http://schemas.microsoft.com/office/powerpoint/2010/main" val="2771922961"/>
+      </p:ext>
+    </p:extLst>
+  </p:cSld>
+  <p:clrMapOvr>
+    <a:masterClrMapping/>
+  </p:clrMapOvr>
+</p:sld>
+</file>
+
+<file path=ppt/slides/slide26.xml><?xml version="1.0" encoding="utf-8"?>
+<p:sld xmlns:a="http://schemas.openxmlformats.org/drawingml/2006/main" xmlns:r="http://schemas.openxmlformats.org/officeDocument/2006/relationships" xmlns:p="http://schemas.openxmlformats.org/presentationml/2006/main">
+  <p:cSld>
+    <p:spTree>
+      <p:nvGrpSpPr>
+        <p:cNvPr id="1" name="">
+          <a:extLst>
+            <a:ext uri="{FF2B5EF4-FFF2-40B4-BE49-F238E27FC236}">
+              <a16:creationId xmlns:a16="http://schemas.microsoft.com/office/drawing/2014/main" id="{9A84C42E-B3F9-7085-3A17-1D4A3E238B8B}"/>
+            </a:ext>
+          </a:extLst>
+        </p:cNvPr>
+        <p:cNvGrpSpPr/>
+        <p:nvPr/>
+      </p:nvGrpSpPr>
+      <p:grpSpPr>
+        <a:xfrm>
+          <a:off x="0" y="0"/>
+          <a:ext cx="0" cy="0"/>
+          <a:chOff x="0" y="0"/>
+          <a:chExt cx="0" cy="0"/>
+        </a:xfrm>
+      </p:grpSpPr>
+      <p:sp>
+        <p:nvSpPr>
+          <p:cNvPr id="2" name="Titolo 1">
+            <a:extLst>
+              <a:ext uri="{FF2B5EF4-FFF2-40B4-BE49-F238E27FC236}">
+                <a16:creationId xmlns:a16="http://schemas.microsoft.com/office/drawing/2014/main" id="{109B4A24-0362-9A0A-4F25-F76198F906F5}"/>
+              </a:ext>
+            </a:extLst>
+          </p:cNvPr>
+          <p:cNvSpPr>
+            <a:spLocks noGrp="1"/>
+          </p:cNvSpPr>
+          <p:nvPr>
+            <p:ph type="title"/>
+          </p:nvPr>
+        </p:nvSpPr>
+        <p:spPr>
+          <a:xfrm>
+            <a:off x="838200" y="209292"/>
+            <a:ext cx="9905460" cy="971551"/>
+          </a:xfrm>
+        </p:spPr>
+        <p:txBody>
+          <a:bodyPr>
+            <a:normAutofit/>
+          </a:bodyPr>
+          <a:lstStyle/>
+          <a:p>
+            <a:r>
+              <a:rPr lang="en-US" sz="3600" dirty="0"/>
+              <a:t>Conclusions</a:t>
+            </a:r>
+          </a:p>
+        </p:txBody>
+      </p:sp>
+      <p:sp>
+        <p:nvSpPr>
+          <p:cNvPr id="4" name="Segnaposto numero diapositiva 3">
+            <a:extLst>
+              <a:ext uri="{FF2B5EF4-FFF2-40B4-BE49-F238E27FC236}">
+                <a16:creationId xmlns:a16="http://schemas.microsoft.com/office/drawing/2014/main" id="{FA83974A-357A-D08B-CF0E-158FCE0ABD8F}"/>
+              </a:ext>
+            </a:extLst>
+          </p:cNvPr>
+          <p:cNvSpPr>
+            <a:spLocks noGrp="1"/>
+          </p:cNvSpPr>
+          <p:nvPr>
+            <p:ph type="sldNum" sz="quarter" idx="12"/>
+          </p:nvPr>
+        </p:nvSpPr>
+        <p:spPr/>
+        <p:txBody>
+          <a:bodyPr/>
+          <a:lstStyle/>
+          <a:p>
+            <a:fld id="{2FA0223F-D95A-431D-9A71-EDA7FA0C2F5B}" type="slidenum">
+              <a:rPr lang="en-US" smtClean="0"/>
+              <a:t>26</a:t>
+            </a:fld>
+            <a:endParaRPr lang="en-US"/>
+          </a:p>
+        </p:txBody>
+      </p:sp>
+      <p:sp>
+        <p:nvSpPr>
+          <p:cNvPr id="27" name="Rettangolo 26">
+            <a:extLst>
+              <a:ext uri="{FF2B5EF4-FFF2-40B4-BE49-F238E27FC236}">
+                <a16:creationId xmlns:a16="http://schemas.microsoft.com/office/drawing/2014/main" id="{E62870FB-CABF-5F84-DCB0-D0F2D8031819}"/>
+              </a:ext>
+            </a:extLst>
+          </p:cNvPr>
+          <p:cNvSpPr/>
+          <p:nvPr/>
+        </p:nvSpPr>
+        <p:spPr>
+          <a:xfrm>
+            <a:off x="6723157" y="1812745"/>
+            <a:ext cx="206547" cy="168094"/>
+          </a:xfrm>
+          <a:prstGeom prst="rect">
+            <a:avLst/>
+          </a:prstGeom>
+          <a:solidFill>
+            <a:schemeClr val="bg1"/>
+          </a:solidFill>
+          <a:ln>
+            <a:solidFill>
+              <a:schemeClr val="bg1"/>
+            </a:solidFill>
+          </a:ln>
+        </p:spPr>
+        <p:style>
+          <a:lnRef idx="2">
+            <a:schemeClr val="accent1">
+              <a:shade val="15000"/>
+            </a:schemeClr>
+          </a:lnRef>
+          <a:fillRef idx="1">
+            <a:schemeClr val="accent1"/>
+          </a:fillRef>
+          <a:effectRef idx="0">
+            <a:schemeClr val="accent1"/>
+          </a:effectRef>
+          <a:fontRef idx="minor">
+            <a:schemeClr val="lt1"/>
+          </a:fontRef>
+        </p:style>
+        <p:txBody>
+          <a:bodyPr rtlCol="0" anchor="ctr"/>
+          <a:lstStyle/>
+          <a:p>
+            <a:pPr algn="ctr"/>
+            <a:endParaRPr lang="it-IT"/>
+          </a:p>
+        </p:txBody>
+      </p:sp>
+      <p:sp>
+        <p:nvSpPr>
+          <p:cNvPr id="12" name="Rettangolo 11">
+            <a:extLst>
+              <a:ext uri="{FF2B5EF4-FFF2-40B4-BE49-F238E27FC236}">
+                <a16:creationId xmlns:a16="http://schemas.microsoft.com/office/drawing/2014/main" id="{0D33812C-70C8-F3C3-528B-A6C3FF399B2F}"/>
+              </a:ext>
+            </a:extLst>
+          </p:cNvPr>
+          <p:cNvSpPr/>
+          <p:nvPr/>
+        </p:nvSpPr>
+        <p:spPr>
+          <a:xfrm>
+            <a:off x="5468844" y="2179320"/>
+            <a:ext cx="223296" cy="160020"/>
+          </a:xfrm>
+          <a:prstGeom prst="rect">
+            <a:avLst/>
+          </a:prstGeom>
+          <a:solidFill>
+            <a:schemeClr val="bg1"/>
+          </a:solidFill>
+          <a:ln>
+            <a:solidFill>
+              <a:schemeClr val="bg1"/>
+            </a:solidFill>
+          </a:ln>
+        </p:spPr>
+        <p:style>
+          <a:lnRef idx="2">
+            <a:schemeClr val="accent1">
+              <a:shade val="15000"/>
+            </a:schemeClr>
+          </a:lnRef>
+          <a:fillRef idx="1">
+            <a:schemeClr val="accent1"/>
+          </a:fillRef>
+          <a:effectRef idx="0">
+            <a:schemeClr val="accent1"/>
+          </a:effectRef>
+          <a:fontRef idx="minor">
+            <a:schemeClr val="lt1"/>
+          </a:fontRef>
+        </p:style>
+        <p:txBody>
+          <a:bodyPr rtlCol="0" anchor="ctr"/>
+          <a:lstStyle/>
+          <a:p>
+            <a:pPr algn="ctr"/>
+            <a:endParaRPr lang="it-IT"/>
+          </a:p>
+        </p:txBody>
+      </p:sp>
+      <p:sp>
+        <p:nvSpPr>
+          <p:cNvPr id="9" name="Segnaposto contenuto 2">
+            <a:extLst>
+              <a:ext uri="{FF2B5EF4-FFF2-40B4-BE49-F238E27FC236}">
+                <a16:creationId xmlns:a16="http://schemas.microsoft.com/office/drawing/2014/main" id="{2B9A24BF-5BB6-5586-15E3-C796B78B3A01}"/>
+              </a:ext>
+            </a:extLst>
+          </p:cNvPr>
+          <p:cNvSpPr>
+            <a:spLocks noGrp="1"/>
+          </p:cNvSpPr>
+          <p:nvPr>
+            <p:ph idx="1"/>
+          </p:nvPr>
+        </p:nvSpPr>
+        <p:spPr>
+          <a:xfrm>
+            <a:off x="607277" y="1606160"/>
+            <a:ext cx="10274083" cy="2910976"/>
+          </a:xfrm>
+        </p:spPr>
+        <p:txBody>
+          <a:bodyPr>
+            <a:noAutofit/>
+          </a:bodyPr>
+          <a:lstStyle/>
+          <a:p>
+            <a:pPr marL="0" indent="0">
+              <a:buNone/>
+            </a:pPr>
+            <a:r>
+              <a:rPr lang="en-US" sz="1600" dirty="0"/>
+              <a:t>A heuristic classifier has been built with the purpose to act as baseline from which starting further evaluations.</a:t>
+            </a:r>
+          </a:p>
+          <a:p>
+            <a:pPr marL="0" indent="0">
+              <a:buNone/>
+            </a:pPr>
+            <a:r>
+              <a:rPr lang="en-US" sz="1600" dirty="0"/>
+              <a:t>In general, performance are not satisfying, as it could be imaged.</a:t>
+            </a:r>
+          </a:p>
+          <a:p>
+            <a:pPr marL="0" indent="0">
+              <a:buNone/>
+            </a:pPr>
+            <a:r>
+              <a:rPr lang="en-US" sz="1600" dirty="0"/>
+              <a:t>Looking at the </a:t>
+            </a:r>
+            <a:r>
+              <a:rPr lang="en-US" sz="1600" b="1" dirty="0"/>
+              <a:t>confusion matrices and metrics</a:t>
+            </a:r>
+            <a:r>
+              <a:rPr lang="en-US" sz="1600" dirty="0"/>
+              <a:t>, in both </a:t>
+            </a:r>
+            <a:r>
+              <a:rPr lang="en-US" sz="1600" b="1" dirty="0"/>
+              <a:t>train</a:t>
+            </a:r>
+            <a:r>
+              <a:rPr lang="en-US" sz="1600" dirty="0"/>
+              <a:t> and </a:t>
+            </a:r>
+            <a:r>
+              <a:rPr lang="en-US" sz="1600" b="1" dirty="0"/>
+              <a:t>test</a:t>
+            </a:r>
+            <a:r>
+              <a:rPr lang="en-US" sz="1600" dirty="0"/>
+              <a:t> sets:</a:t>
+            </a:r>
+          </a:p>
+          <a:p>
+            <a:r>
+              <a:rPr lang="en-US" sz="1600" b="1" dirty="0">
+                <a:solidFill>
+                  <a:srgbClr val="0070C0"/>
+                </a:solidFill>
+              </a:rPr>
+              <a:t>MAP A </a:t>
+            </a:r>
+            <a:r>
+              <a:rPr lang="en-US" sz="1600" dirty="0"/>
+              <a:t>has </a:t>
+            </a:r>
+            <a:r>
+              <a:rPr lang="en-US" sz="1600" b="1" dirty="0"/>
+              <a:t>many FN</a:t>
+            </a:r>
+            <a:r>
+              <a:rPr lang="en-US" sz="1600" dirty="0"/>
+              <a:t> classified as </a:t>
+            </a:r>
+            <a:r>
+              <a:rPr lang="en-US" sz="1600" b="1" dirty="0"/>
+              <a:t>MAP</a:t>
+            </a:r>
+            <a:r>
+              <a:rPr lang="en-US" sz="1600" dirty="0"/>
+              <a:t> </a:t>
+            </a:r>
+            <a:r>
+              <a:rPr lang="en-US" sz="1600" b="1" dirty="0"/>
+              <a:t>B</a:t>
+            </a:r>
+            <a:r>
+              <a:rPr lang="en-US" sz="1600" dirty="0"/>
+              <a:t>, probably due to ambiguous signals present into this class. Only temporal-spatial information is not sufficient to classify these signals properly. This situation is reflected by the </a:t>
+            </a:r>
+            <a:r>
+              <a:rPr lang="en-US" sz="1600" b="1" dirty="0"/>
+              <a:t>good</a:t>
+            </a:r>
+            <a:r>
+              <a:rPr lang="en-US" sz="1600" dirty="0"/>
+              <a:t> </a:t>
+            </a:r>
+            <a:r>
+              <a:rPr lang="en-US" sz="1600" b="1" dirty="0"/>
+              <a:t>precision</a:t>
+            </a:r>
+            <a:r>
+              <a:rPr lang="en-US" sz="1600" dirty="0"/>
+              <a:t> </a:t>
+            </a:r>
+            <a:r>
+              <a:rPr lang="en-US" sz="1600" b="1" dirty="0"/>
+              <a:t>juxtaposed</a:t>
+            </a:r>
+            <a:r>
+              <a:rPr lang="en-US" sz="1600" dirty="0"/>
+              <a:t>, however with </a:t>
+            </a:r>
+            <a:r>
+              <a:rPr lang="en-US" sz="1600" b="1" dirty="0"/>
+              <a:t>low</a:t>
+            </a:r>
+            <a:r>
+              <a:rPr lang="en-US" sz="1600" dirty="0"/>
+              <a:t> </a:t>
+            </a:r>
+            <a:r>
+              <a:rPr lang="en-US" sz="1600" b="1" dirty="0"/>
+              <a:t>recall</a:t>
+            </a:r>
+            <a:r>
+              <a:rPr lang="en-US" sz="1600" dirty="0"/>
+              <a:t>.</a:t>
+            </a:r>
+          </a:p>
+          <a:p>
+            <a:r>
+              <a:rPr lang="en-US" sz="1600" b="1" dirty="0">
+                <a:solidFill>
+                  <a:srgbClr val="00B050"/>
+                </a:solidFill>
+              </a:rPr>
+              <a:t>MAP B</a:t>
+            </a:r>
+            <a:r>
+              <a:rPr lang="en-US" sz="1600" dirty="0">
+                <a:solidFill>
+                  <a:srgbClr val="00B050"/>
+                </a:solidFill>
+              </a:rPr>
+              <a:t> </a:t>
+            </a:r>
+            <a:r>
+              <a:rPr lang="en-US" sz="1600" dirty="0"/>
+              <a:t>il classified </a:t>
+            </a:r>
+            <a:r>
+              <a:rPr lang="en-US" sz="1600" b="1" dirty="0"/>
+              <a:t>well</a:t>
+            </a:r>
+            <a:r>
+              <a:rPr lang="en-US" sz="1600" dirty="0"/>
+              <a:t> in terms or </a:t>
+            </a:r>
+            <a:r>
+              <a:rPr lang="en-US" sz="1600" b="1" dirty="0"/>
+              <a:t>recall</a:t>
+            </a:r>
+            <a:r>
+              <a:rPr lang="en-US" sz="1600" dirty="0"/>
+              <a:t>, but </a:t>
+            </a:r>
+            <a:r>
+              <a:rPr lang="en-US" sz="1600" b="1" dirty="0"/>
+              <a:t>suffers</a:t>
+            </a:r>
+            <a:r>
+              <a:rPr lang="en-US" sz="1600" dirty="0"/>
+              <a:t> of very </a:t>
+            </a:r>
+            <a:r>
+              <a:rPr lang="en-US" sz="1600" b="1" dirty="0"/>
+              <a:t>low</a:t>
+            </a:r>
+            <a:r>
+              <a:rPr lang="en-US" sz="1600" dirty="0"/>
+              <a:t> </a:t>
+            </a:r>
+            <a:r>
+              <a:rPr lang="en-US" sz="1600" b="1" dirty="0"/>
+              <a:t>precision</a:t>
+            </a:r>
+            <a:r>
+              <a:rPr lang="en-US" sz="1600" dirty="0"/>
+              <a:t>, because of the presence MAP A misclassified signals. </a:t>
+            </a:r>
+          </a:p>
+          <a:p>
+            <a:r>
+              <a:rPr lang="en-US" sz="1600" b="1" dirty="0">
+                <a:solidFill>
+                  <a:srgbClr val="FF0000"/>
+                </a:solidFill>
+              </a:rPr>
+              <a:t>MAP C</a:t>
+            </a:r>
+            <a:r>
+              <a:rPr lang="en-US" sz="1600" dirty="0">
+                <a:solidFill>
+                  <a:srgbClr val="FF0000"/>
+                </a:solidFill>
+              </a:rPr>
+              <a:t> </a:t>
+            </a:r>
+            <a:r>
+              <a:rPr lang="en-US" sz="1600" dirty="0"/>
+              <a:t>suffers of </a:t>
+            </a:r>
+            <a:r>
+              <a:rPr lang="en-US" sz="1600" b="1" dirty="0"/>
+              <a:t>both</a:t>
+            </a:r>
+            <a:r>
+              <a:rPr lang="en-US" sz="1600" dirty="0"/>
+              <a:t> </a:t>
+            </a:r>
+            <a:r>
+              <a:rPr lang="en-US" sz="1600" b="1" dirty="0"/>
+              <a:t>bad</a:t>
+            </a:r>
+            <a:r>
+              <a:rPr lang="en-US" sz="1600" dirty="0"/>
+              <a:t> </a:t>
+            </a:r>
+            <a:r>
+              <a:rPr lang="en-US" sz="1600" b="1" dirty="0"/>
+              <a:t>precision</a:t>
+            </a:r>
+            <a:r>
+              <a:rPr lang="en-US" sz="1600" dirty="0"/>
+              <a:t> and </a:t>
+            </a:r>
+            <a:r>
+              <a:rPr lang="en-US" sz="1600" b="1" dirty="0"/>
+              <a:t>bad</a:t>
+            </a:r>
+            <a:r>
+              <a:rPr lang="en-US" sz="1600" dirty="0"/>
+              <a:t> </a:t>
+            </a:r>
+            <a:r>
+              <a:rPr lang="en-US" sz="1600" b="1" dirty="0"/>
+              <a:t>recall</a:t>
+            </a:r>
+            <a:r>
+              <a:rPr lang="en-US" sz="1600" dirty="0"/>
+              <a:t>, leading to a very </a:t>
+            </a:r>
+            <a:r>
+              <a:rPr lang="en-US" sz="1600" b="1" dirty="0"/>
+              <a:t>low f1-score</a:t>
+            </a:r>
+            <a:r>
+              <a:rPr lang="en-US" sz="1600" dirty="0"/>
+              <a:t>. Such situation reflects the fact that maybe the algorithm is not able to find properly the His peak or using only this information is not sufficient.</a:t>
+            </a:r>
+          </a:p>
+          <a:p>
+            <a:endParaRPr lang="en-US" sz="1600" b="1" dirty="0"/>
+          </a:p>
+          <a:p>
+            <a:pPr marL="0" indent="0">
+              <a:buNone/>
+            </a:pPr>
+            <a:r>
+              <a:rPr lang="en-US" sz="1600" dirty="0"/>
+              <a:t>Moreover, </a:t>
+            </a:r>
+            <a:r>
+              <a:rPr lang="en-US" sz="1600" b="1" dirty="0"/>
+              <a:t>filtered</a:t>
+            </a:r>
+            <a:r>
+              <a:rPr lang="en-US" sz="1600" dirty="0"/>
+              <a:t> </a:t>
+            </a:r>
+            <a:r>
+              <a:rPr lang="en-US" sz="1600" b="1" dirty="0"/>
+              <a:t>data</a:t>
+            </a:r>
+            <a:r>
+              <a:rPr lang="en-US" sz="1600" dirty="0"/>
+              <a:t> does </a:t>
+            </a:r>
+            <a:r>
+              <a:rPr lang="en-US" sz="1600" b="1" dirty="0"/>
+              <a:t>not</a:t>
+            </a:r>
+            <a:r>
+              <a:rPr lang="en-US" sz="1600" dirty="0"/>
+              <a:t> have </a:t>
+            </a:r>
+            <a:r>
+              <a:rPr lang="en-US" sz="1600" b="1" dirty="0"/>
+              <a:t>difference</a:t>
+            </a:r>
+            <a:r>
+              <a:rPr lang="en-US" sz="1600" dirty="0"/>
+              <a:t> </a:t>
+            </a:r>
+            <a:r>
+              <a:rPr lang="en-US" sz="1600" b="1" dirty="0"/>
+              <a:t>with</a:t>
+            </a:r>
+            <a:r>
+              <a:rPr lang="en-US" sz="1600" dirty="0"/>
+              <a:t> </a:t>
+            </a:r>
+            <a:r>
+              <a:rPr lang="en-US" sz="1600" b="1" dirty="0"/>
+              <a:t>not</a:t>
+            </a:r>
+            <a:r>
+              <a:rPr lang="en-US" sz="1600" dirty="0"/>
+              <a:t> </a:t>
+            </a:r>
+            <a:r>
+              <a:rPr lang="en-US" sz="1600" b="1" dirty="0"/>
+              <a:t>filtered</a:t>
+            </a:r>
+            <a:r>
+              <a:rPr lang="en-US" sz="1600" dirty="0"/>
+              <a:t> ones in terms of </a:t>
+            </a:r>
+            <a:r>
+              <a:rPr lang="en-US" sz="1600" b="1" dirty="0"/>
+              <a:t>performances</a:t>
+            </a:r>
+            <a:r>
+              <a:rPr lang="en-US" sz="1600" dirty="0"/>
+              <a:t>.</a:t>
+            </a:r>
           </a:p>
           <a:p>
             <a:pPr marL="0" indent="0">
@@ -10254,41 +16543,27 @@
             </a:pPr>
             <a:endParaRPr lang="en-US" sz="1600" dirty="0"/>
           </a:p>
-        </p:txBody>
-      </p:sp>
-      <p:sp>
-        <p:nvSpPr>
-          <p:cNvPr id="4" name="Segnaposto numero diapositiva 3">
-            <a:extLst>
-              <a:ext uri="{FF2B5EF4-FFF2-40B4-BE49-F238E27FC236}">
-                <a16:creationId xmlns:a16="http://schemas.microsoft.com/office/drawing/2014/main" id="{8B351BE6-1815-C162-224E-864AC8EF79D2}"/>
-              </a:ext>
-            </a:extLst>
-          </p:cNvPr>
-          <p:cNvSpPr>
-            <a:spLocks noGrp="1"/>
-          </p:cNvSpPr>
-          <p:nvPr>
-            <p:ph type="sldNum" sz="quarter" idx="12"/>
-          </p:nvPr>
-        </p:nvSpPr>
-        <p:spPr/>
-        <p:txBody>
-          <a:bodyPr/>
-          <a:lstStyle/>
-          <a:p>
-            <a:fld id="{2FA0223F-D95A-431D-9A71-EDA7FA0C2F5B}" type="slidenum">
-              <a:rPr lang="en-US" smtClean="0"/>
-              <a:t>2</a:t>
-            </a:fld>
-            <a:endParaRPr lang="en-US" dirty="0"/>
+          <a:p>
+            <a:pPr marL="0" indent="0">
+              <a:buNone/>
+            </a:pPr>
+            <a:r>
+              <a:rPr lang="en-US" sz="1600" dirty="0"/>
+              <a:t>In conclusion the presented set of rules is a simple classifier, which can be used as baseline to start the classification with a true machine learning model.</a:t>
+            </a:r>
+          </a:p>
+          <a:p>
+            <a:pPr marL="0" indent="0">
+              <a:buNone/>
+            </a:pPr>
+            <a:endParaRPr lang="en-US" sz="1600" dirty="0"/>
           </a:p>
         </p:txBody>
       </p:sp>
     </p:spTree>
     <p:extLst>
       <p:ext uri="{BB962C8B-B14F-4D97-AF65-F5344CB8AC3E}">
-        <p14:creationId xmlns:p14="http://schemas.microsoft.com/office/powerpoint/2010/main" val="1561499463"/>
+        <p14:creationId xmlns:p14="http://schemas.microsoft.com/office/powerpoint/2010/main" val="3793055474"/>
       </p:ext>
     </p:extLst>
   </p:cSld>
@@ -11799,13 +18074,13 @@
                   <a:srgbClr val="0070C0"/>
                 </a:solidFill>
               </a:rPr>
-              <a:t>Map A</a:t>
+              <a:t>Map A: indifferent</a:t>
             </a:r>
           </a:p>
           <a:p>
             <a:r>
               <a:rPr lang="en-US" sz="1600" dirty="0"/>
-              <a:t>Amplitude &gt;0.5 mv</a:t>
+              <a:t>Atrial wave amplitude &gt;0.5 mv</a:t>
             </a:r>
           </a:p>
           <a:p>
@@ -12043,7 +18318,7 @@
                   <a:schemeClr val="accent6"/>
                 </a:solidFill>
               </a:rPr>
-              <a:t>Map B</a:t>
+              <a:t>Map B: effective</a:t>
             </a:r>
             <a:endParaRPr lang="en-US" sz="1600" b="1" dirty="0">
               <a:solidFill>
@@ -12295,7 +18570,7 @@
                   <a:srgbClr val="C00000"/>
                 </a:solidFill>
               </a:rPr>
-              <a:t>Map C</a:t>
+              <a:t>Map C: dangerous</a:t>
             </a:r>
           </a:p>
           <a:p>
@@ -12589,7 +18864,7 @@
           <a:p>
             <a:r>
               <a:rPr lang="en-US" sz="1600" dirty="0"/>
-              <a:t>Amplitude &gt;0.5 mv</a:t>
+              <a:t>Atrial wave amplitude  &gt;0.5 mv</a:t>
             </a:r>
           </a:p>
           <a:p>
@@ -13404,10 +19679,10 @@
       </p:sp>
       <p:pic>
         <p:nvPicPr>
-          <p:cNvPr id="7" name="Immagine 6" descr="Immagine che contiene testo, linea, diagramma, Parallelo&#10;&#10;Descrizione generata automaticamente">
-            <a:extLst>
-              <a:ext uri="{FF2B5EF4-FFF2-40B4-BE49-F238E27FC236}">
-                <a16:creationId xmlns:a16="http://schemas.microsoft.com/office/drawing/2014/main" id="{BE7FE77E-22D9-4FA0-46DF-682EC71D4D28}"/>
+          <p:cNvPr id="5" name="Immagine 4" descr="Immagine che contiene testo, linea, diagramma, Parallelo&#10;&#10;Descrizione generata automaticamente">
+            <a:extLst>
+              <a:ext uri="{FF2B5EF4-FFF2-40B4-BE49-F238E27FC236}">
+                <a16:creationId xmlns:a16="http://schemas.microsoft.com/office/drawing/2014/main" id="{3BF51144-4BFF-5ECF-9FC8-C68DCD5ABD98}"/>
               </a:ext>
             </a:extLst>
           </p:cNvPr>
@@ -13424,13 +19699,13 @@
               </a:ext>
             </a:extLst>
           </a:blip>
-          <a:srcRect l="9600" t="5292" r="8199" b="7483"/>
+          <a:srcRect l="9954" t="3393" r="8800" b="7191"/>
           <a:stretch/>
         </p:blipFill>
         <p:spPr>
           <a:xfrm>
-            <a:off x="4354308" y="1630404"/>
-            <a:ext cx="7633476" cy="4158015"/>
+            <a:off x="4311636" y="1590326"/>
+            <a:ext cx="7774908" cy="4392464"/>
           </a:xfrm>
           <a:prstGeom prst="rect">
             <a:avLst/>
@@ -13451,7 +19726,7 @@
         </p:nvSpPr>
         <p:spPr>
           <a:xfrm>
-            <a:off x="8988552" y="1746504"/>
+            <a:off x="8162544" y="1837736"/>
             <a:ext cx="448056" cy="592836"/>
           </a:xfrm>
           <a:prstGeom prst="roundRect">

--- a/Documentation/5. Heuristic classifier.pptx
+++ b/Documentation/5. Heuristic classifier.pptx
@@ -222,7 +222,7 @@
           <a:p>
             <a:fld id="{1A21894F-B278-4D96-9594-A030EA633187}" type="datetimeFigureOut">
               <a:rPr lang="it-IT" smtClean="0"/>
-              <a:t>24/10/2024</a:t>
+              <a:t>25/10/2024</a:t>
             </a:fld>
             <a:endParaRPr lang="it-IT"/>
           </a:p>
@@ -3554,7 +3554,7 @@
           <a:p>
             <a:fld id="{58E4D78B-0F35-4E3B-A0B9-554BA787D8A4}" type="datetime1">
               <a:rPr lang="en-US" smtClean="0"/>
-              <a:t>10/24/2024</a:t>
+              <a:t>10/25/2024</a:t>
             </a:fld>
             <a:endParaRPr lang="en-US"/>
           </a:p>
@@ -3764,7 +3764,7 @@
           <a:p>
             <a:fld id="{604487E5-BE79-4BAC-AEB7-0CE0533B5E5C}" type="datetime1">
               <a:rPr lang="en-US" smtClean="0"/>
-              <a:t>10/24/2024</a:t>
+              <a:t>10/25/2024</a:t>
             </a:fld>
             <a:endParaRPr lang="en-US"/>
           </a:p>
@@ -3964,7 +3964,7 @@
           <a:p>
             <a:fld id="{DDA7E0CB-9E21-49FD-99A0-0CD75BBC45F4}" type="datetime1">
               <a:rPr lang="en-US" smtClean="0"/>
-              <a:t>10/24/2024</a:t>
+              <a:t>10/25/2024</a:t>
             </a:fld>
             <a:endParaRPr lang="en-US"/>
           </a:p>
@@ -4240,7 +4240,7 @@
           <a:p>
             <a:fld id="{661D7149-FE96-419A-8F67-9BD351842985}" type="datetime1">
               <a:rPr lang="en-US" smtClean="0"/>
-              <a:t>10/24/2024</a:t>
+              <a:t>10/25/2024</a:t>
             </a:fld>
             <a:endParaRPr lang="en-US"/>
           </a:p>
@@ -4508,7 +4508,7 @@
           <a:p>
             <a:fld id="{6CA97CEF-DD94-4A20-85BC-5094F3EA8887}" type="datetime1">
               <a:rPr lang="en-US" smtClean="0"/>
-              <a:t>10/24/2024</a:t>
+              <a:t>10/25/2024</a:t>
             </a:fld>
             <a:endParaRPr lang="en-US"/>
           </a:p>
@@ -4923,7 +4923,7 @@
           <a:p>
             <a:fld id="{9862EB4C-45F8-47BA-B435-B6097D61B684}" type="datetime1">
               <a:rPr lang="en-US" smtClean="0"/>
-              <a:t>10/24/2024</a:t>
+              <a:t>10/25/2024</a:t>
             </a:fld>
             <a:endParaRPr lang="en-US"/>
           </a:p>
@@ -5065,7 +5065,7 @@
           <a:p>
             <a:fld id="{FA7CD0E2-B7EC-4D81-9389-8F889EE865AB}" type="datetime1">
               <a:rPr lang="en-US" smtClean="0"/>
-              <a:t>10/24/2024</a:t>
+              <a:t>10/25/2024</a:t>
             </a:fld>
             <a:endParaRPr lang="en-US"/>
           </a:p>
@@ -5178,7 +5178,7 @@
           <a:p>
             <a:fld id="{18B47F5C-7FA0-44DA-BF82-413AB90208B7}" type="datetime1">
               <a:rPr lang="en-US" smtClean="0"/>
-              <a:t>10/24/2024</a:t>
+              <a:t>10/25/2024</a:t>
             </a:fld>
             <a:endParaRPr lang="en-US"/>
           </a:p>
@@ -5491,7 +5491,7 @@
           <a:p>
             <a:fld id="{403415A8-F8BD-47CC-8D20-53798396961D}" type="datetime1">
               <a:rPr lang="en-US" smtClean="0"/>
-              <a:t>10/24/2024</a:t>
+              <a:t>10/25/2024</a:t>
             </a:fld>
             <a:endParaRPr lang="en-US"/>
           </a:p>
@@ -5780,7 +5780,7 @@
           <a:p>
             <a:fld id="{6A12F5A1-6669-4CDD-B1B4-04FFE5C41ADE}" type="datetime1">
               <a:rPr lang="en-US" smtClean="0"/>
-              <a:t>10/24/2024</a:t>
+              <a:t>10/25/2024</a:t>
             </a:fld>
             <a:endParaRPr lang="en-US"/>
           </a:p>
@@ -5984,7 +5984,7 @@
           <a:p>
             <a:fld id="{63421662-C242-4258-8799-9F32C0D7CC75}" type="datetime1">
               <a:rPr lang="en-US" smtClean="0"/>
-              <a:t>10/24/2024</a:t>
+              <a:t>10/25/2024</a:t>
             </a:fld>
             <a:endParaRPr lang="en-US"/>
           </a:p>
@@ -9465,6 +9465,41 @@
           </a:p>
         </p:txBody>
       </p:sp>
+      <p:pic>
+        <p:nvPicPr>
+          <p:cNvPr id="6" name="Immagine 5" descr="Immagine che contiene testo, diagramma, linea, design&#10;&#10;Descrizione generata automaticamente">
+            <a:extLst>
+              <a:ext uri="{FF2B5EF4-FFF2-40B4-BE49-F238E27FC236}">
+                <a16:creationId xmlns:a16="http://schemas.microsoft.com/office/drawing/2014/main" id="{37B04CF1-8C66-FE67-352B-2190203AD22C}"/>
+              </a:ext>
+            </a:extLst>
+          </p:cNvPr>
+          <p:cNvPicPr>
+            <a:picLocks noChangeAspect="1"/>
+          </p:cNvPicPr>
+          <p:nvPr/>
+        </p:nvPicPr>
+        <p:blipFill>
+          <a:blip r:embed="rId6">
+            <a:extLst>
+              <a:ext uri="{28A0092B-C50C-407E-A947-70E740481C1C}">
+                <a14:useLocalDpi xmlns:a14="http://schemas.microsoft.com/office/drawing/2010/main" val="0"/>
+              </a:ext>
+            </a:extLst>
+          </a:blip>
+          <a:srcRect t="31734" r="62273"/>
+          <a:stretch/>
+        </p:blipFill>
+        <p:spPr>
+          <a:xfrm>
+            <a:off x="8831835" y="1584520"/>
+            <a:ext cx="2521965" cy="2539424"/>
+          </a:xfrm>
+          <a:prstGeom prst="rect">
+            <a:avLst/>
+          </a:prstGeom>
+        </p:spPr>
+      </p:pic>
     </p:spTree>
     <p:extLst>
       <p:ext uri="{BB962C8B-B14F-4D97-AF65-F5344CB8AC3E}">

--- a/Documentation/5. Heuristic classifier.pptx
+++ b/Documentation/5. Heuristic classifier.pptx
@@ -5,7 +5,7 @@
     <p:sldMasterId id="2147483661" r:id="rId1"/>
   </p:sldMasterIdLst>
   <p:notesMasterIdLst>
-    <p:notesMasterId r:id="rId28"/>
+    <p:notesMasterId r:id="rId29"/>
   </p:notesMasterIdLst>
   <p:sldIdLst>
     <p:sldId id="573" r:id="rId2"/>
@@ -21,19 +21,20 @@
     <p:sldId id="641" r:id="rId12"/>
     <p:sldId id="635" r:id="rId13"/>
     <p:sldId id="650" r:id="rId14"/>
-    <p:sldId id="642" r:id="rId15"/>
-    <p:sldId id="651" r:id="rId16"/>
-    <p:sldId id="652" r:id="rId17"/>
-    <p:sldId id="653" r:id="rId18"/>
-    <p:sldId id="647" r:id="rId19"/>
-    <p:sldId id="648" r:id="rId20"/>
-    <p:sldId id="649" r:id="rId21"/>
-    <p:sldId id="636" r:id="rId22"/>
-    <p:sldId id="645" r:id="rId23"/>
-    <p:sldId id="637" r:id="rId24"/>
-    <p:sldId id="646" r:id="rId25"/>
-    <p:sldId id="643" r:id="rId26"/>
-    <p:sldId id="638" r:id="rId27"/>
+    <p:sldId id="654" r:id="rId15"/>
+    <p:sldId id="642" r:id="rId16"/>
+    <p:sldId id="651" r:id="rId17"/>
+    <p:sldId id="652" r:id="rId18"/>
+    <p:sldId id="653" r:id="rId19"/>
+    <p:sldId id="647" r:id="rId20"/>
+    <p:sldId id="648" r:id="rId21"/>
+    <p:sldId id="649" r:id="rId22"/>
+    <p:sldId id="636" r:id="rId23"/>
+    <p:sldId id="645" r:id="rId24"/>
+    <p:sldId id="637" r:id="rId25"/>
+    <p:sldId id="646" r:id="rId26"/>
+    <p:sldId id="643" r:id="rId27"/>
+    <p:sldId id="638" r:id="rId28"/>
   </p:sldIdLst>
   <p:sldSz cx="12192000" cy="6858000"/>
   <p:notesSz cx="6858000" cy="9144000"/>
@@ -905,6 +906,114 @@
         <p:cNvPr id="1" name="">
           <a:extLst>
             <a:ext uri="{FF2B5EF4-FFF2-40B4-BE49-F238E27FC236}">
+              <a16:creationId xmlns:a16="http://schemas.microsoft.com/office/drawing/2014/main" id="{8AF4A77A-6C6B-1D3A-60D1-EEF9166664E1}"/>
+            </a:ext>
+          </a:extLst>
+        </p:cNvPr>
+        <p:cNvGrpSpPr/>
+        <p:nvPr/>
+      </p:nvGrpSpPr>
+      <p:grpSpPr>
+        <a:xfrm>
+          <a:off x="0" y="0"/>
+          <a:ext cx="0" cy="0"/>
+          <a:chOff x="0" y="0"/>
+          <a:chExt cx="0" cy="0"/>
+        </a:xfrm>
+      </p:grpSpPr>
+      <p:sp>
+        <p:nvSpPr>
+          <p:cNvPr id="2" name="Segnaposto immagine diapositiva 1">
+            <a:extLst>
+              <a:ext uri="{FF2B5EF4-FFF2-40B4-BE49-F238E27FC236}">
+                <a16:creationId xmlns:a16="http://schemas.microsoft.com/office/drawing/2014/main" id="{236653BE-2550-D784-1C7C-898E6671D031}"/>
+              </a:ext>
+            </a:extLst>
+          </p:cNvPr>
+          <p:cNvSpPr>
+            <a:spLocks noGrp="1" noRot="1" noChangeAspect="1"/>
+          </p:cNvSpPr>
+          <p:nvPr>
+            <p:ph type="sldImg"/>
+          </p:nvPr>
+        </p:nvSpPr>
+        <p:spPr/>
+      </p:sp>
+      <p:sp>
+        <p:nvSpPr>
+          <p:cNvPr id="3" name="Segnaposto note 2">
+            <a:extLst>
+              <a:ext uri="{FF2B5EF4-FFF2-40B4-BE49-F238E27FC236}">
+                <a16:creationId xmlns:a16="http://schemas.microsoft.com/office/drawing/2014/main" id="{31008133-79E2-7080-8A1C-0E8360903B41}"/>
+              </a:ext>
+            </a:extLst>
+          </p:cNvPr>
+          <p:cNvSpPr>
+            <a:spLocks noGrp="1"/>
+          </p:cNvSpPr>
+          <p:nvPr>
+            <p:ph type="body" idx="1"/>
+          </p:nvPr>
+        </p:nvSpPr>
+        <p:spPr/>
+        <p:txBody>
+          <a:bodyPr/>
+          <a:lstStyle/>
+          <a:p>
+            <a:endParaRPr lang="en-US" dirty="0"/>
+          </a:p>
+        </p:txBody>
+      </p:sp>
+      <p:sp>
+        <p:nvSpPr>
+          <p:cNvPr id="4" name="Segnaposto numero diapositiva 3">
+            <a:extLst>
+              <a:ext uri="{FF2B5EF4-FFF2-40B4-BE49-F238E27FC236}">
+                <a16:creationId xmlns:a16="http://schemas.microsoft.com/office/drawing/2014/main" id="{C018B108-90B4-A15D-3F72-ACA926132CC1}"/>
+              </a:ext>
+            </a:extLst>
+          </p:cNvPr>
+          <p:cNvSpPr>
+            <a:spLocks noGrp="1"/>
+          </p:cNvSpPr>
+          <p:nvPr>
+            <p:ph type="sldNum" sz="quarter" idx="5"/>
+          </p:nvPr>
+        </p:nvSpPr>
+        <p:spPr/>
+        <p:txBody>
+          <a:bodyPr/>
+          <a:lstStyle/>
+          <a:p>
+            <a:fld id="{802E5CB9-2BE2-4860-85EE-BBFABBF2603A}" type="slidenum">
+              <a:rPr lang="en-US" smtClean="0"/>
+              <a:t>14</a:t>
+            </a:fld>
+            <a:endParaRPr lang="en-US"/>
+          </a:p>
+        </p:txBody>
+      </p:sp>
+    </p:spTree>
+    <p:extLst>
+      <p:ext uri="{BB962C8B-B14F-4D97-AF65-F5344CB8AC3E}">
+        <p14:creationId xmlns:p14="http://schemas.microsoft.com/office/powerpoint/2010/main" val="579123036"/>
+      </p:ext>
+    </p:extLst>
+  </p:cSld>
+  <p:clrMapOvr>
+    <a:masterClrMapping/>
+  </p:clrMapOvr>
+</p:notes>
+</file>
+
+<file path=ppt/notesSlides/notesSlide14.xml><?xml version="1.0" encoding="utf-8"?>
+<p:notes xmlns:a="http://schemas.openxmlformats.org/drawingml/2006/main" xmlns:r="http://schemas.openxmlformats.org/officeDocument/2006/relationships" xmlns:p="http://schemas.openxmlformats.org/presentationml/2006/main">
+  <p:cSld>
+    <p:spTree>
+      <p:nvGrpSpPr>
+        <p:cNvPr id="1" name="">
+          <a:extLst>
+            <a:ext uri="{FF2B5EF4-FFF2-40B4-BE49-F238E27FC236}">
               <a16:creationId xmlns:a16="http://schemas.microsoft.com/office/drawing/2014/main" id="{291DAF83-C1BE-DD41-C234-3BF9DCCF2D8F}"/>
             </a:ext>
           </a:extLst>
@@ -986,7 +1095,7 @@
           <a:p>
             <a:fld id="{802E5CB9-2BE2-4860-85EE-BBFABBF2603A}" type="slidenum">
               <a:rPr lang="en-US" smtClean="0"/>
-              <a:t>14</a:t>
+              <a:t>15</a:t>
             </a:fld>
             <a:endParaRPr lang="en-US" dirty="0"/>
           </a:p>
@@ -1005,7 +1114,7 @@
 </p:notes>
 </file>
 
-<file path=ppt/notesSlides/notesSlide14.xml><?xml version="1.0" encoding="utf-8"?>
+<file path=ppt/notesSlides/notesSlide15.xml><?xml version="1.0" encoding="utf-8"?>
 <p:notes xmlns:a="http://schemas.openxmlformats.org/drawingml/2006/main" xmlns:r="http://schemas.openxmlformats.org/officeDocument/2006/relationships" xmlns:p="http://schemas.openxmlformats.org/presentationml/2006/main">
   <p:cSld>
     <p:spTree>
@@ -1094,7 +1203,7 @@
           <a:p>
             <a:fld id="{802E5CB9-2BE2-4860-85EE-BBFABBF2603A}" type="slidenum">
               <a:rPr lang="en-US" smtClean="0"/>
-              <a:t>15</a:t>
+              <a:t>16</a:t>
             </a:fld>
             <a:endParaRPr lang="en-US"/>
           </a:p>
@@ -1113,7 +1222,7 @@
 </p:notes>
 </file>
 
-<file path=ppt/notesSlides/notesSlide15.xml><?xml version="1.0" encoding="utf-8"?>
+<file path=ppt/notesSlides/notesSlide16.xml><?xml version="1.0" encoding="utf-8"?>
 <p:notes xmlns:a="http://schemas.openxmlformats.org/drawingml/2006/main" xmlns:r="http://schemas.openxmlformats.org/officeDocument/2006/relationships" xmlns:p="http://schemas.openxmlformats.org/presentationml/2006/main">
   <p:cSld>
     <p:spTree>
@@ -1202,7 +1311,7 @@
           <a:p>
             <a:fld id="{802E5CB9-2BE2-4860-85EE-BBFABBF2603A}" type="slidenum">
               <a:rPr lang="en-US" smtClean="0"/>
-              <a:t>16</a:t>
+              <a:t>17</a:t>
             </a:fld>
             <a:endParaRPr lang="en-US"/>
           </a:p>
@@ -1221,7 +1330,7 @@
 </p:notes>
 </file>
 
-<file path=ppt/notesSlides/notesSlide16.xml><?xml version="1.0" encoding="utf-8"?>
+<file path=ppt/notesSlides/notesSlide17.xml><?xml version="1.0" encoding="utf-8"?>
 <p:notes xmlns:a="http://schemas.openxmlformats.org/drawingml/2006/main" xmlns:r="http://schemas.openxmlformats.org/officeDocument/2006/relationships" xmlns:p="http://schemas.openxmlformats.org/presentationml/2006/main">
   <p:cSld>
     <p:spTree>
@@ -1310,7 +1419,7 @@
           <a:p>
             <a:fld id="{802E5CB9-2BE2-4860-85EE-BBFABBF2603A}" type="slidenum">
               <a:rPr lang="en-US" smtClean="0"/>
-              <a:t>17</a:t>
+              <a:t>18</a:t>
             </a:fld>
             <a:endParaRPr lang="en-US"/>
           </a:p>
@@ -1329,7 +1438,7 @@
 </p:notes>
 </file>
 
-<file path=ppt/notesSlides/notesSlide17.xml><?xml version="1.0" encoding="utf-8"?>
+<file path=ppt/notesSlides/notesSlide18.xml><?xml version="1.0" encoding="utf-8"?>
 <p:notes xmlns:a="http://schemas.openxmlformats.org/drawingml/2006/main" xmlns:r="http://schemas.openxmlformats.org/officeDocument/2006/relationships" xmlns:p="http://schemas.openxmlformats.org/presentationml/2006/main">
   <p:cSld>
     <p:spTree>
@@ -1418,7 +1527,7 @@
           <a:p>
             <a:fld id="{802E5CB9-2BE2-4860-85EE-BBFABBF2603A}" type="slidenum">
               <a:rPr lang="en-US" smtClean="0"/>
-              <a:t>18</a:t>
+              <a:t>19</a:t>
             </a:fld>
             <a:endParaRPr lang="en-US"/>
           </a:p>
@@ -1437,7 +1546,7 @@
 </p:notes>
 </file>
 
-<file path=ppt/notesSlides/notesSlide18.xml><?xml version="1.0" encoding="utf-8"?>
+<file path=ppt/notesSlides/notesSlide19.xml><?xml version="1.0" encoding="utf-8"?>
 <p:notes xmlns:a="http://schemas.openxmlformats.org/drawingml/2006/main" xmlns:r="http://schemas.openxmlformats.org/officeDocument/2006/relationships" xmlns:p="http://schemas.openxmlformats.org/presentationml/2006/main">
   <p:cSld>
     <p:spTree>
@@ -1526,7 +1635,7 @@
           <a:p>
             <a:fld id="{802E5CB9-2BE2-4860-85EE-BBFABBF2603A}" type="slidenum">
               <a:rPr lang="en-US" smtClean="0"/>
-              <a:t>19</a:t>
+              <a:t>20</a:t>
             </a:fld>
             <a:endParaRPr lang="en-US"/>
           </a:p>
@@ -1536,114 +1645,6 @@
     <p:extLst>
       <p:ext uri="{BB962C8B-B14F-4D97-AF65-F5344CB8AC3E}">
         <p14:creationId xmlns:p14="http://schemas.microsoft.com/office/powerpoint/2010/main" val="3625022151"/>
-      </p:ext>
-    </p:extLst>
-  </p:cSld>
-  <p:clrMapOvr>
-    <a:masterClrMapping/>
-  </p:clrMapOvr>
-</p:notes>
-</file>
-
-<file path=ppt/notesSlides/notesSlide19.xml><?xml version="1.0" encoding="utf-8"?>
-<p:notes xmlns:a="http://schemas.openxmlformats.org/drawingml/2006/main" xmlns:r="http://schemas.openxmlformats.org/officeDocument/2006/relationships" xmlns:p="http://schemas.openxmlformats.org/presentationml/2006/main">
-  <p:cSld>
-    <p:spTree>
-      <p:nvGrpSpPr>
-        <p:cNvPr id="1" name="">
-          <a:extLst>
-            <a:ext uri="{FF2B5EF4-FFF2-40B4-BE49-F238E27FC236}">
-              <a16:creationId xmlns:a16="http://schemas.microsoft.com/office/drawing/2014/main" id="{5F8E2A9A-3EBF-8357-7310-33D60FB5B5F9}"/>
-            </a:ext>
-          </a:extLst>
-        </p:cNvPr>
-        <p:cNvGrpSpPr/>
-        <p:nvPr/>
-      </p:nvGrpSpPr>
-      <p:grpSpPr>
-        <a:xfrm>
-          <a:off x="0" y="0"/>
-          <a:ext cx="0" cy="0"/>
-          <a:chOff x="0" y="0"/>
-          <a:chExt cx="0" cy="0"/>
-        </a:xfrm>
-      </p:grpSpPr>
-      <p:sp>
-        <p:nvSpPr>
-          <p:cNvPr id="2" name="Segnaposto immagine diapositiva 1">
-            <a:extLst>
-              <a:ext uri="{FF2B5EF4-FFF2-40B4-BE49-F238E27FC236}">
-                <a16:creationId xmlns:a16="http://schemas.microsoft.com/office/drawing/2014/main" id="{7EF695BF-DA78-4207-5436-D34401A1332E}"/>
-              </a:ext>
-            </a:extLst>
-          </p:cNvPr>
-          <p:cNvSpPr>
-            <a:spLocks noGrp="1" noRot="1" noChangeAspect="1"/>
-          </p:cNvSpPr>
-          <p:nvPr>
-            <p:ph type="sldImg"/>
-          </p:nvPr>
-        </p:nvSpPr>
-        <p:spPr/>
-      </p:sp>
-      <p:sp>
-        <p:nvSpPr>
-          <p:cNvPr id="3" name="Segnaposto note 2">
-            <a:extLst>
-              <a:ext uri="{FF2B5EF4-FFF2-40B4-BE49-F238E27FC236}">
-                <a16:creationId xmlns:a16="http://schemas.microsoft.com/office/drawing/2014/main" id="{933E2A72-630A-1429-2A71-9FBB4D31BD17}"/>
-              </a:ext>
-            </a:extLst>
-          </p:cNvPr>
-          <p:cNvSpPr>
-            <a:spLocks noGrp="1"/>
-          </p:cNvSpPr>
-          <p:nvPr>
-            <p:ph type="body" idx="1"/>
-          </p:nvPr>
-        </p:nvSpPr>
-        <p:spPr/>
-        <p:txBody>
-          <a:bodyPr/>
-          <a:lstStyle/>
-          <a:p>
-            <a:endParaRPr lang="en-US" dirty="0"/>
-          </a:p>
-        </p:txBody>
-      </p:sp>
-      <p:sp>
-        <p:nvSpPr>
-          <p:cNvPr id="4" name="Segnaposto numero diapositiva 3">
-            <a:extLst>
-              <a:ext uri="{FF2B5EF4-FFF2-40B4-BE49-F238E27FC236}">
-                <a16:creationId xmlns:a16="http://schemas.microsoft.com/office/drawing/2014/main" id="{7E45F230-FDD7-C076-18B3-6C9D1B2722DC}"/>
-              </a:ext>
-            </a:extLst>
-          </p:cNvPr>
-          <p:cNvSpPr>
-            <a:spLocks noGrp="1"/>
-          </p:cNvSpPr>
-          <p:nvPr>
-            <p:ph type="sldNum" sz="quarter" idx="5"/>
-          </p:nvPr>
-        </p:nvSpPr>
-        <p:spPr/>
-        <p:txBody>
-          <a:bodyPr/>
-          <a:lstStyle/>
-          <a:p>
-            <a:fld id="{802E5CB9-2BE2-4860-85EE-BBFABBF2603A}" type="slidenum">
-              <a:rPr lang="en-US" smtClean="0"/>
-              <a:t>20</a:t>
-            </a:fld>
-            <a:endParaRPr lang="en-US"/>
-          </a:p>
-        </p:txBody>
-      </p:sp>
-    </p:spTree>
-    <p:extLst>
-      <p:ext uri="{BB962C8B-B14F-4D97-AF65-F5344CB8AC3E}">
-        <p14:creationId xmlns:p14="http://schemas.microsoft.com/office/powerpoint/2010/main" val="1803762023"/>
       </p:ext>
     </p:extLst>
   </p:cSld>
@@ -1769,6 +1770,114 @@
         <p:cNvPr id="1" name="">
           <a:extLst>
             <a:ext uri="{FF2B5EF4-FFF2-40B4-BE49-F238E27FC236}">
+              <a16:creationId xmlns:a16="http://schemas.microsoft.com/office/drawing/2014/main" id="{5F8E2A9A-3EBF-8357-7310-33D60FB5B5F9}"/>
+            </a:ext>
+          </a:extLst>
+        </p:cNvPr>
+        <p:cNvGrpSpPr/>
+        <p:nvPr/>
+      </p:nvGrpSpPr>
+      <p:grpSpPr>
+        <a:xfrm>
+          <a:off x="0" y="0"/>
+          <a:ext cx="0" cy="0"/>
+          <a:chOff x="0" y="0"/>
+          <a:chExt cx="0" cy="0"/>
+        </a:xfrm>
+      </p:grpSpPr>
+      <p:sp>
+        <p:nvSpPr>
+          <p:cNvPr id="2" name="Segnaposto immagine diapositiva 1">
+            <a:extLst>
+              <a:ext uri="{FF2B5EF4-FFF2-40B4-BE49-F238E27FC236}">
+                <a16:creationId xmlns:a16="http://schemas.microsoft.com/office/drawing/2014/main" id="{7EF695BF-DA78-4207-5436-D34401A1332E}"/>
+              </a:ext>
+            </a:extLst>
+          </p:cNvPr>
+          <p:cNvSpPr>
+            <a:spLocks noGrp="1" noRot="1" noChangeAspect="1"/>
+          </p:cNvSpPr>
+          <p:nvPr>
+            <p:ph type="sldImg"/>
+          </p:nvPr>
+        </p:nvSpPr>
+        <p:spPr/>
+      </p:sp>
+      <p:sp>
+        <p:nvSpPr>
+          <p:cNvPr id="3" name="Segnaposto note 2">
+            <a:extLst>
+              <a:ext uri="{FF2B5EF4-FFF2-40B4-BE49-F238E27FC236}">
+                <a16:creationId xmlns:a16="http://schemas.microsoft.com/office/drawing/2014/main" id="{933E2A72-630A-1429-2A71-9FBB4D31BD17}"/>
+              </a:ext>
+            </a:extLst>
+          </p:cNvPr>
+          <p:cNvSpPr>
+            <a:spLocks noGrp="1"/>
+          </p:cNvSpPr>
+          <p:nvPr>
+            <p:ph type="body" idx="1"/>
+          </p:nvPr>
+        </p:nvSpPr>
+        <p:spPr/>
+        <p:txBody>
+          <a:bodyPr/>
+          <a:lstStyle/>
+          <a:p>
+            <a:endParaRPr lang="en-US" dirty="0"/>
+          </a:p>
+        </p:txBody>
+      </p:sp>
+      <p:sp>
+        <p:nvSpPr>
+          <p:cNvPr id="4" name="Segnaposto numero diapositiva 3">
+            <a:extLst>
+              <a:ext uri="{FF2B5EF4-FFF2-40B4-BE49-F238E27FC236}">
+                <a16:creationId xmlns:a16="http://schemas.microsoft.com/office/drawing/2014/main" id="{7E45F230-FDD7-C076-18B3-6C9D1B2722DC}"/>
+              </a:ext>
+            </a:extLst>
+          </p:cNvPr>
+          <p:cNvSpPr>
+            <a:spLocks noGrp="1"/>
+          </p:cNvSpPr>
+          <p:nvPr>
+            <p:ph type="sldNum" sz="quarter" idx="5"/>
+          </p:nvPr>
+        </p:nvSpPr>
+        <p:spPr/>
+        <p:txBody>
+          <a:bodyPr/>
+          <a:lstStyle/>
+          <a:p>
+            <a:fld id="{802E5CB9-2BE2-4860-85EE-BBFABBF2603A}" type="slidenum">
+              <a:rPr lang="en-US" smtClean="0"/>
+              <a:t>21</a:t>
+            </a:fld>
+            <a:endParaRPr lang="en-US"/>
+          </a:p>
+        </p:txBody>
+      </p:sp>
+    </p:spTree>
+    <p:extLst>
+      <p:ext uri="{BB962C8B-B14F-4D97-AF65-F5344CB8AC3E}">
+        <p14:creationId xmlns:p14="http://schemas.microsoft.com/office/powerpoint/2010/main" val="1803762023"/>
+      </p:ext>
+    </p:extLst>
+  </p:cSld>
+  <p:clrMapOvr>
+    <a:masterClrMapping/>
+  </p:clrMapOvr>
+</p:notes>
+</file>
+
+<file path=ppt/notesSlides/notesSlide21.xml><?xml version="1.0" encoding="utf-8"?>
+<p:notes xmlns:a="http://schemas.openxmlformats.org/drawingml/2006/main" xmlns:r="http://schemas.openxmlformats.org/officeDocument/2006/relationships" xmlns:p="http://schemas.openxmlformats.org/presentationml/2006/main">
+  <p:cSld>
+    <p:spTree>
+      <p:nvGrpSpPr>
+        <p:cNvPr id="1" name="">
+          <a:extLst>
+            <a:ext uri="{FF2B5EF4-FFF2-40B4-BE49-F238E27FC236}">
               <a16:creationId xmlns:a16="http://schemas.microsoft.com/office/drawing/2014/main" id="{72FEFD59-4314-5C46-CD1E-8C45307F0CF7}"/>
             </a:ext>
           </a:extLst>
@@ -1850,7 +1959,7 @@
           <a:p>
             <a:fld id="{802E5CB9-2BE2-4860-85EE-BBFABBF2603A}" type="slidenum">
               <a:rPr lang="en-US" smtClean="0"/>
-              <a:t>21</a:t>
+              <a:t>22</a:t>
             </a:fld>
             <a:endParaRPr lang="en-US"/>
           </a:p>
@@ -1869,7 +1978,7 @@
 </p:notes>
 </file>
 
-<file path=ppt/notesSlides/notesSlide21.xml><?xml version="1.0" encoding="utf-8"?>
+<file path=ppt/notesSlides/notesSlide22.xml><?xml version="1.0" encoding="utf-8"?>
 <p:notes xmlns:a="http://schemas.openxmlformats.org/drawingml/2006/main" xmlns:r="http://schemas.openxmlformats.org/officeDocument/2006/relationships" xmlns:p="http://schemas.openxmlformats.org/presentationml/2006/main">
   <p:cSld>
     <p:spTree>
@@ -1958,7 +2067,7 @@
           <a:p>
             <a:fld id="{802E5CB9-2BE2-4860-85EE-BBFABBF2603A}" type="slidenum">
               <a:rPr lang="en-US" smtClean="0"/>
-              <a:t>22</a:t>
+              <a:t>23</a:t>
             </a:fld>
             <a:endParaRPr lang="en-US"/>
           </a:p>
@@ -1977,7 +2086,7 @@
 </p:notes>
 </file>
 
-<file path=ppt/notesSlides/notesSlide22.xml><?xml version="1.0" encoding="utf-8"?>
+<file path=ppt/notesSlides/notesSlide23.xml><?xml version="1.0" encoding="utf-8"?>
 <p:notes xmlns:a="http://schemas.openxmlformats.org/drawingml/2006/main" xmlns:r="http://schemas.openxmlformats.org/officeDocument/2006/relationships" xmlns:p="http://schemas.openxmlformats.org/presentationml/2006/main">
   <p:cSld>
     <p:spTree>
@@ -2066,7 +2175,7 @@
           <a:p>
             <a:fld id="{802E5CB9-2BE2-4860-85EE-BBFABBF2603A}" type="slidenum">
               <a:rPr lang="en-US" smtClean="0"/>
-              <a:t>23</a:t>
+              <a:t>24</a:t>
             </a:fld>
             <a:endParaRPr lang="en-US"/>
           </a:p>
@@ -2085,7 +2194,7 @@
 </p:notes>
 </file>
 
-<file path=ppt/notesSlides/notesSlide23.xml><?xml version="1.0" encoding="utf-8"?>
+<file path=ppt/notesSlides/notesSlide24.xml><?xml version="1.0" encoding="utf-8"?>
 <p:notes xmlns:a="http://schemas.openxmlformats.org/drawingml/2006/main" xmlns:r="http://schemas.openxmlformats.org/officeDocument/2006/relationships" xmlns:p="http://schemas.openxmlformats.org/presentationml/2006/main">
   <p:cSld>
     <p:spTree>
@@ -2174,7 +2283,7 @@
           <a:p>
             <a:fld id="{802E5CB9-2BE2-4860-85EE-BBFABBF2603A}" type="slidenum">
               <a:rPr lang="en-US" smtClean="0"/>
-              <a:t>24</a:t>
+              <a:t>25</a:t>
             </a:fld>
             <a:endParaRPr lang="en-US"/>
           </a:p>
@@ -2193,7 +2302,7 @@
 </p:notes>
 </file>
 
-<file path=ppt/notesSlides/notesSlide24.xml><?xml version="1.0" encoding="utf-8"?>
+<file path=ppt/notesSlides/notesSlide25.xml><?xml version="1.0" encoding="utf-8"?>
 <p:notes xmlns:a="http://schemas.openxmlformats.org/drawingml/2006/main" xmlns:r="http://schemas.openxmlformats.org/officeDocument/2006/relationships" xmlns:p="http://schemas.openxmlformats.org/presentationml/2006/main">
   <p:cSld>
     <p:spTree>
@@ -2282,7 +2391,7 @@
           <a:p>
             <a:fld id="{802E5CB9-2BE2-4860-85EE-BBFABBF2603A}" type="slidenum">
               <a:rPr lang="en-US" smtClean="0"/>
-              <a:t>25</a:t>
+              <a:t>26</a:t>
             </a:fld>
             <a:endParaRPr lang="en-US" dirty="0"/>
           </a:p>
@@ -2301,7 +2410,7 @@
 </p:notes>
 </file>
 
-<file path=ppt/notesSlides/notesSlide25.xml><?xml version="1.0" encoding="utf-8"?>
+<file path=ppt/notesSlides/notesSlide26.xml><?xml version="1.0" encoding="utf-8"?>
 <p:notes xmlns:a="http://schemas.openxmlformats.org/drawingml/2006/main" xmlns:r="http://schemas.openxmlformats.org/officeDocument/2006/relationships" xmlns:p="http://schemas.openxmlformats.org/presentationml/2006/main">
   <p:cSld>
     <p:spTree>
@@ -2390,7 +2499,7 @@
           <a:p>
             <a:fld id="{802E5CB9-2BE2-4860-85EE-BBFABBF2603A}" type="slidenum">
               <a:rPr lang="en-US" smtClean="0"/>
-              <a:t>26</a:t>
+              <a:t>27</a:t>
             </a:fld>
             <a:endParaRPr lang="en-US"/>
           </a:p>
@@ -8050,7 +8159,7 @@
             </a:r>
             <a:r>
               <a:rPr lang="en-US" sz="1400" dirty="0"/>
-              <a:t> set as a multiple of the SD of the segment, by trial and errors fixed at 6 times SD</a:t>
+              <a:t> set as a multiple of the SD of the segment, by trial and errors fixed at 5 times SD</a:t>
             </a:r>
           </a:p>
           <a:p>
@@ -8795,7 +8904,19 @@
             </a:r>
             <a:r>
               <a:rPr lang="en-GB" sz="1200" dirty="0"/>
-              <a:t> (e.g. noisy record), because the first condition is “does the signal don’t have a ventricular peak”.</a:t>
+              <a:t> (e.g. noisy record), because the condition “</a:t>
+            </a:r>
+            <a:r>
+              <a:rPr lang="en-GB" sz="1200" dirty="0">
+                <a:solidFill>
+                  <a:schemeClr val="tx1"/>
+                </a:solidFill>
+              </a:rPr>
+              <a:t>Is the ventricular peak absent (nan)? </a:t>
+            </a:r>
+            <a:r>
+              <a:rPr lang="en-GB" sz="1200" dirty="0"/>
+              <a:t>”.</a:t>
             </a:r>
           </a:p>
           <a:p>
@@ -8981,7 +9102,7 @@
                     <a:schemeClr val="tx1"/>
                   </a:solidFill>
                 </a:rPr>
-                <a:t>Does the signal don’t a ventricular  peak? </a:t>
+                <a:t>Is the ventricular peak absent (nan)? </a:t>
               </a:r>
             </a:p>
           </p:txBody>
@@ -9344,7 +9465,7 @@
         </p:blipFill>
         <p:spPr>
           <a:xfrm>
-            <a:off x="579120" y="3970127"/>
+            <a:off x="1342395" y="3942695"/>
             <a:ext cx="5113269" cy="724000"/>
           </a:xfrm>
           <a:prstGeom prst="rect">
@@ -9373,7 +9494,7 @@
         </p:blipFill>
         <p:spPr>
           <a:xfrm>
-            <a:off x="578871" y="4694126"/>
+            <a:off x="1342146" y="4666694"/>
             <a:ext cx="5113269" cy="849731"/>
           </a:xfrm>
           <a:prstGeom prst="rect">
@@ -9403,7 +9524,7 @@
         </p:blipFill>
         <p:spPr>
           <a:xfrm>
-            <a:off x="578870" y="5607865"/>
+            <a:off x="1342145" y="5580433"/>
             <a:ext cx="5113269" cy="708721"/>
           </a:xfrm>
           <a:prstGeom prst="rect">
@@ -9425,8 +9546,8 @@
         </p:nvSpPr>
         <p:spPr>
           <a:xfrm>
-            <a:off x="9022080" y="5066857"/>
-            <a:ext cx="2331720" cy="1082015"/>
+            <a:off x="6576090" y="5702580"/>
+            <a:ext cx="2864580" cy="464426"/>
           </a:xfrm>
           <a:prstGeom prst="roundRect">
             <a:avLst/>
@@ -9451,15 +9572,15 @@
           <a:lstStyle/>
           <a:p>
             <a:r>
-              <a:rPr lang="en-GB" sz="1600" dirty="0"/>
+              <a:rPr lang="en-GB" sz="1200" dirty="0"/>
               <a:t>NB: if </a:t>
             </a:r>
             <a:r>
-              <a:rPr lang="en-GB" sz="1600" dirty="0" err="1"/>
+              <a:rPr lang="en-GB" sz="1200" dirty="0" err="1"/>
               <a:t>find_peaks</a:t>
             </a:r>
             <a:r>
-              <a:rPr lang="en-GB" sz="1600" dirty="0"/>
+              <a:rPr lang="en-GB" sz="1200" dirty="0"/>
               <a:t> return [], the algorithm will assign nan value to the peak</a:t>
             </a:r>
           </a:p>
@@ -9492,8 +9613,8 @@
         </p:blipFill>
         <p:spPr>
           <a:xfrm>
-            <a:off x="8831835" y="1584520"/>
-            <a:ext cx="2521965" cy="2539424"/>
+            <a:off x="9249515" y="1581945"/>
+            <a:ext cx="2665196" cy="2683646"/>
           </a:xfrm>
           <a:prstGeom prst="rect">
             <a:avLst/>
@@ -9521,6 +9642,992 @@
         <p:cNvPr id="1" name="">
           <a:extLst>
             <a:ext uri="{FF2B5EF4-FFF2-40B4-BE49-F238E27FC236}">
+              <a16:creationId xmlns:a16="http://schemas.microsoft.com/office/drawing/2014/main" id="{77E1989D-2F0E-98E7-D9D4-6E2B119EB4AD}"/>
+            </a:ext>
+          </a:extLst>
+        </p:cNvPr>
+        <p:cNvGrpSpPr/>
+        <p:nvPr/>
+      </p:nvGrpSpPr>
+      <p:grpSpPr>
+        <a:xfrm>
+          <a:off x="0" y="0"/>
+          <a:ext cx="0" cy="0"/>
+          <a:chOff x="0" y="0"/>
+          <a:chExt cx="0" cy="0"/>
+        </a:xfrm>
+      </p:grpSpPr>
+      <p:sp>
+        <p:nvSpPr>
+          <p:cNvPr id="2" name="Titolo 1">
+            <a:extLst>
+              <a:ext uri="{FF2B5EF4-FFF2-40B4-BE49-F238E27FC236}">
+                <a16:creationId xmlns:a16="http://schemas.microsoft.com/office/drawing/2014/main" id="{2A488431-176A-A490-C161-A691EC0979E3}"/>
+              </a:ext>
+            </a:extLst>
+          </p:cNvPr>
+          <p:cNvSpPr>
+            <a:spLocks noGrp="1"/>
+          </p:cNvSpPr>
+          <p:nvPr>
+            <p:ph type="title"/>
+          </p:nvPr>
+        </p:nvSpPr>
+        <p:spPr>
+          <a:xfrm>
+            <a:off x="838200" y="209292"/>
+            <a:ext cx="9905460" cy="971551"/>
+          </a:xfrm>
+        </p:spPr>
+        <p:txBody>
+          <a:bodyPr>
+            <a:normAutofit/>
+          </a:bodyPr>
+          <a:lstStyle/>
+          <a:p>
+            <a:r>
+              <a:rPr lang="en-US" sz="3600" dirty="0"/>
+              <a:t>Code functioning</a:t>
+            </a:r>
+          </a:p>
+        </p:txBody>
+      </p:sp>
+      <p:sp>
+        <p:nvSpPr>
+          <p:cNvPr id="4" name="Segnaposto numero diapositiva 3">
+            <a:extLst>
+              <a:ext uri="{FF2B5EF4-FFF2-40B4-BE49-F238E27FC236}">
+                <a16:creationId xmlns:a16="http://schemas.microsoft.com/office/drawing/2014/main" id="{34ADCB7D-34CB-E469-22C8-4390B05951A8}"/>
+              </a:ext>
+            </a:extLst>
+          </p:cNvPr>
+          <p:cNvSpPr>
+            <a:spLocks noGrp="1"/>
+          </p:cNvSpPr>
+          <p:nvPr>
+            <p:ph type="sldNum" sz="quarter" idx="12"/>
+          </p:nvPr>
+        </p:nvSpPr>
+        <p:spPr/>
+        <p:txBody>
+          <a:bodyPr/>
+          <a:lstStyle/>
+          <a:p>
+            <a:fld id="{2FA0223F-D95A-431D-9A71-EDA7FA0C2F5B}" type="slidenum">
+              <a:rPr lang="en-US" smtClean="0"/>
+              <a:t>14</a:t>
+            </a:fld>
+            <a:endParaRPr lang="en-US"/>
+          </a:p>
+        </p:txBody>
+      </p:sp>
+      <p:sp>
+        <p:nvSpPr>
+          <p:cNvPr id="27" name="Rettangolo 26">
+            <a:extLst>
+              <a:ext uri="{FF2B5EF4-FFF2-40B4-BE49-F238E27FC236}">
+                <a16:creationId xmlns:a16="http://schemas.microsoft.com/office/drawing/2014/main" id="{18AFCE32-1913-A3B8-8DBF-3AC223485BFB}"/>
+              </a:ext>
+            </a:extLst>
+          </p:cNvPr>
+          <p:cNvSpPr/>
+          <p:nvPr/>
+        </p:nvSpPr>
+        <p:spPr>
+          <a:xfrm>
+            <a:off x="6723157" y="1812745"/>
+            <a:ext cx="206547" cy="168094"/>
+          </a:xfrm>
+          <a:prstGeom prst="rect">
+            <a:avLst/>
+          </a:prstGeom>
+          <a:solidFill>
+            <a:schemeClr val="bg1"/>
+          </a:solidFill>
+          <a:ln>
+            <a:solidFill>
+              <a:schemeClr val="bg1"/>
+            </a:solidFill>
+          </a:ln>
+        </p:spPr>
+        <p:style>
+          <a:lnRef idx="2">
+            <a:schemeClr val="accent1">
+              <a:shade val="15000"/>
+            </a:schemeClr>
+          </a:lnRef>
+          <a:fillRef idx="1">
+            <a:schemeClr val="accent1"/>
+          </a:fillRef>
+          <a:effectRef idx="0">
+            <a:schemeClr val="accent1"/>
+          </a:effectRef>
+          <a:fontRef idx="minor">
+            <a:schemeClr val="lt1"/>
+          </a:fontRef>
+        </p:style>
+        <p:txBody>
+          <a:bodyPr rtlCol="0" anchor="ctr"/>
+          <a:lstStyle/>
+          <a:p>
+            <a:pPr algn="ctr"/>
+            <a:endParaRPr lang="it-IT"/>
+          </a:p>
+        </p:txBody>
+      </p:sp>
+      <p:sp>
+        <p:nvSpPr>
+          <p:cNvPr id="12" name="Rettangolo 11">
+            <a:extLst>
+              <a:ext uri="{FF2B5EF4-FFF2-40B4-BE49-F238E27FC236}">
+                <a16:creationId xmlns:a16="http://schemas.microsoft.com/office/drawing/2014/main" id="{5AEC1996-B703-CB6E-0F0A-FCECFB2342D5}"/>
+              </a:ext>
+            </a:extLst>
+          </p:cNvPr>
+          <p:cNvSpPr/>
+          <p:nvPr/>
+        </p:nvSpPr>
+        <p:spPr>
+          <a:xfrm>
+            <a:off x="5468844" y="2179320"/>
+            <a:ext cx="223296" cy="160020"/>
+          </a:xfrm>
+          <a:prstGeom prst="rect">
+            <a:avLst/>
+          </a:prstGeom>
+          <a:solidFill>
+            <a:schemeClr val="bg1"/>
+          </a:solidFill>
+          <a:ln>
+            <a:solidFill>
+              <a:schemeClr val="bg1"/>
+            </a:solidFill>
+          </a:ln>
+        </p:spPr>
+        <p:style>
+          <a:lnRef idx="2">
+            <a:schemeClr val="accent1">
+              <a:shade val="15000"/>
+            </a:schemeClr>
+          </a:lnRef>
+          <a:fillRef idx="1">
+            <a:schemeClr val="accent1"/>
+          </a:fillRef>
+          <a:effectRef idx="0">
+            <a:schemeClr val="accent1"/>
+          </a:effectRef>
+          <a:fontRef idx="minor">
+            <a:schemeClr val="lt1"/>
+          </a:fontRef>
+        </p:style>
+        <p:txBody>
+          <a:bodyPr rtlCol="0" anchor="ctr"/>
+          <a:lstStyle/>
+          <a:p>
+            <a:pPr algn="ctr"/>
+            <a:endParaRPr lang="it-IT"/>
+          </a:p>
+        </p:txBody>
+      </p:sp>
+      <p:pic>
+        <p:nvPicPr>
+          <p:cNvPr id="16" name="Immagine 15">
+            <a:extLst>
+              <a:ext uri="{FF2B5EF4-FFF2-40B4-BE49-F238E27FC236}">
+                <a16:creationId xmlns:a16="http://schemas.microsoft.com/office/drawing/2014/main" id="{FE9C53F0-2314-25AA-0D7D-D2BD6684B826}"/>
+              </a:ext>
+            </a:extLst>
+          </p:cNvPr>
+          <p:cNvPicPr>
+            <a:picLocks noChangeAspect="1"/>
+          </p:cNvPicPr>
+          <p:nvPr/>
+        </p:nvPicPr>
+        <p:blipFill>
+          <a:blip r:embed="rId3"/>
+          <a:stretch>
+            <a:fillRect/>
+          </a:stretch>
+        </p:blipFill>
+        <p:spPr>
+          <a:xfrm>
+            <a:off x="118872" y="1534702"/>
+            <a:ext cx="3680779" cy="213378"/>
+          </a:xfrm>
+          <a:prstGeom prst="rect">
+            <a:avLst/>
+          </a:prstGeom>
+        </p:spPr>
+      </p:pic>
+      <p:sp>
+        <p:nvSpPr>
+          <p:cNvPr id="17" name="Segnaposto contenuto 2">
+            <a:extLst>
+              <a:ext uri="{FF2B5EF4-FFF2-40B4-BE49-F238E27FC236}">
+                <a16:creationId xmlns:a16="http://schemas.microsoft.com/office/drawing/2014/main" id="{E5444CA8-BD44-E722-6574-51D538417706}"/>
+              </a:ext>
+            </a:extLst>
+          </p:cNvPr>
+          <p:cNvSpPr>
+            <a:spLocks noGrp="1"/>
+          </p:cNvSpPr>
+          <p:nvPr>
+            <p:ph idx="1"/>
+          </p:nvPr>
+        </p:nvSpPr>
+        <p:spPr>
+          <a:xfrm>
+            <a:off x="2909262" y="1891632"/>
+            <a:ext cx="4824381" cy="4302840"/>
+          </a:xfrm>
+        </p:spPr>
+        <p:txBody>
+          <a:bodyPr>
+            <a:noAutofit/>
+          </a:bodyPr>
+          <a:lstStyle/>
+          <a:p>
+            <a:pPr marL="342900" indent="-342900">
+              <a:buFont typeface="+mj-lt"/>
+              <a:buAutoNum type="arabicPeriod"/>
+            </a:pPr>
+            <a:r>
+              <a:rPr lang="en-US" sz="1200" dirty="0"/>
+              <a:t>The given </a:t>
+            </a:r>
+            <a:r>
+              <a:rPr lang="en-US" sz="1200" dirty="0">
+                <a:solidFill>
+                  <a:srgbClr val="00B0F0"/>
+                </a:solidFill>
+              </a:rPr>
+              <a:t>record</a:t>
+            </a:r>
+            <a:r>
+              <a:rPr lang="en-US" sz="1200" dirty="0"/>
+              <a:t> is divided into three segments and the </a:t>
+            </a:r>
+            <a:r>
+              <a:rPr lang="en-US" sz="1200" dirty="0">
+                <a:solidFill>
+                  <a:srgbClr val="7030A0"/>
+                </a:solidFill>
+              </a:rPr>
+              <a:t>modulus</a:t>
+            </a:r>
+            <a:r>
+              <a:rPr lang="en-US" sz="1200" dirty="0"/>
+              <a:t> is taken</a:t>
+            </a:r>
+          </a:p>
+          <a:p>
+            <a:pPr marL="800100" lvl="1" indent="-342900">
+              <a:buFont typeface="+mj-lt"/>
+              <a:buAutoNum type="arabicPeriod"/>
+            </a:pPr>
+            <a:r>
+              <a:rPr lang="en-US" sz="1050" dirty="0"/>
+              <a:t>Atrial phase: </a:t>
+            </a:r>
+            <a:r>
+              <a:rPr lang="en-US" sz="1050" dirty="0">
+                <a:solidFill>
+                  <a:srgbClr val="7030A0"/>
+                </a:solidFill>
+              </a:rPr>
+              <a:t>abs</a:t>
+            </a:r>
+            <a:r>
+              <a:rPr lang="en-US" sz="1050" dirty="0"/>
+              <a:t>(</a:t>
+            </a:r>
+            <a:r>
+              <a:rPr lang="en-US" sz="1050" dirty="0">
+                <a:solidFill>
+                  <a:srgbClr val="00B0F0"/>
+                </a:solidFill>
+              </a:rPr>
+              <a:t>record</a:t>
+            </a:r>
+            <a:r>
+              <a:rPr lang="en-US" sz="1050" dirty="0"/>
+              <a:t>[t=0 : t=</a:t>
+            </a:r>
+            <a:r>
+              <a:rPr lang="en-US" sz="1050" dirty="0">
+                <a:solidFill>
+                  <a:srgbClr val="0070C0"/>
+                </a:solidFill>
+              </a:rPr>
+              <a:t>0.35</a:t>
+            </a:r>
+            <a:r>
+              <a:rPr lang="en-US" sz="1050" dirty="0"/>
+              <a:t>])</a:t>
+            </a:r>
+          </a:p>
+          <a:p>
+            <a:pPr marL="800100" lvl="1" indent="-342900">
+              <a:buFont typeface="+mj-lt"/>
+              <a:buAutoNum type="arabicPeriod"/>
+            </a:pPr>
+            <a:r>
+              <a:rPr lang="en-US" sz="1050" dirty="0"/>
+              <a:t>Ventricular phase: </a:t>
+            </a:r>
+            <a:r>
+              <a:rPr lang="en-US" sz="1050" dirty="0">
+                <a:solidFill>
+                  <a:srgbClr val="7030A0"/>
+                </a:solidFill>
+              </a:rPr>
+              <a:t>abs</a:t>
+            </a:r>
+            <a:r>
+              <a:rPr lang="en-US" sz="1050" dirty="0"/>
+              <a:t>(</a:t>
+            </a:r>
+            <a:r>
+              <a:rPr lang="en-US" sz="1050" dirty="0">
+                <a:solidFill>
+                  <a:srgbClr val="00B0F0"/>
+                </a:solidFill>
+              </a:rPr>
+              <a:t>record</a:t>
+            </a:r>
+            <a:r>
+              <a:rPr lang="en-US" sz="1050" dirty="0"/>
+              <a:t>[t=</a:t>
+            </a:r>
+            <a:r>
+              <a:rPr lang="en-US" sz="1050" dirty="0">
+                <a:solidFill>
+                  <a:schemeClr val="accent6">
+                    <a:lumMod val="75000"/>
+                  </a:schemeClr>
+                </a:solidFill>
+              </a:rPr>
+              <a:t>0.45</a:t>
+            </a:r>
+            <a:r>
+              <a:rPr lang="en-US" sz="1050" dirty="0"/>
+              <a:t> : t=</a:t>
+            </a:r>
+            <a:r>
+              <a:rPr lang="en-US" sz="1050" dirty="0" err="1"/>
+              <a:t>t_end</a:t>
+            </a:r>
+            <a:r>
+              <a:rPr lang="en-US" sz="1050" dirty="0"/>
+              <a:t>])</a:t>
+            </a:r>
+          </a:p>
+          <a:p>
+            <a:pPr marL="800100" lvl="1" indent="-342900">
+              <a:buFont typeface="+mj-lt"/>
+              <a:buAutoNum type="arabicPeriod"/>
+            </a:pPr>
+            <a:r>
+              <a:rPr lang="en-US" sz="1050" dirty="0"/>
+              <a:t>His phase: </a:t>
+            </a:r>
+            <a:r>
+              <a:rPr lang="en-US" sz="1050" dirty="0">
+                <a:solidFill>
+                  <a:srgbClr val="7030A0"/>
+                </a:solidFill>
+              </a:rPr>
+              <a:t>abs</a:t>
+            </a:r>
+            <a:r>
+              <a:rPr lang="en-US" sz="1050" dirty="0"/>
+              <a:t>(</a:t>
+            </a:r>
+            <a:r>
+              <a:rPr lang="en-US" sz="1050" dirty="0">
+                <a:solidFill>
+                  <a:srgbClr val="00B0F0"/>
+                </a:solidFill>
+              </a:rPr>
+              <a:t>record</a:t>
+            </a:r>
+            <a:r>
+              <a:rPr lang="en-US" sz="1050" dirty="0"/>
+              <a:t>[t=</a:t>
+            </a:r>
+            <a:r>
+              <a:rPr lang="en-US" sz="1050" dirty="0">
+                <a:solidFill>
+                  <a:srgbClr val="0070C0"/>
+                </a:solidFill>
+              </a:rPr>
+              <a:t>0.35</a:t>
+            </a:r>
+            <a:r>
+              <a:rPr lang="en-US" sz="1050" dirty="0"/>
+              <a:t> : t=</a:t>
+            </a:r>
+            <a:r>
+              <a:rPr lang="en-US" sz="1050" dirty="0">
+                <a:solidFill>
+                  <a:schemeClr val="accent6">
+                    <a:lumMod val="75000"/>
+                  </a:schemeClr>
+                </a:solidFill>
+              </a:rPr>
+              <a:t>0.45</a:t>
+            </a:r>
+            <a:r>
+              <a:rPr lang="en-US" sz="1050" dirty="0"/>
+              <a:t>])</a:t>
+            </a:r>
+          </a:p>
+          <a:p>
+            <a:pPr marL="342900" indent="-342900">
+              <a:buFont typeface="+mj-lt"/>
+              <a:buAutoNum type="arabicPeriod"/>
+            </a:pPr>
+            <a:r>
+              <a:rPr lang="en-US" sz="1200" dirty="0"/>
+              <a:t>Then the </a:t>
+            </a:r>
+            <a:r>
+              <a:rPr lang="en-US" sz="1200" dirty="0">
+                <a:solidFill>
+                  <a:schemeClr val="accent2"/>
+                </a:solidFill>
+              </a:rPr>
+              <a:t>prominence</a:t>
+            </a:r>
+            <a:r>
+              <a:rPr lang="en-US" sz="1200" dirty="0"/>
+              <a:t> is evaluated as </a:t>
+            </a:r>
+            <a:r>
+              <a:rPr lang="en-US" sz="1200" dirty="0" err="1"/>
+              <a:t>mult_factor</a:t>
+            </a:r>
+            <a:r>
+              <a:rPr lang="en-US" sz="1200" dirty="0"/>
+              <a:t> times (5) the SD of the segment (plot on the right: tuning of </a:t>
+            </a:r>
+            <a:r>
+              <a:rPr lang="en-US" sz="1200" dirty="0" err="1"/>
+              <a:t>mult_factor</a:t>
+            </a:r>
+            <a:r>
+              <a:rPr lang="en-US" sz="1200" dirty="0"/>
+              <a:t> on the training set)</a:t>
+            </a:r>
+          </a:p>
+          <a:p>
+            <a:pPr marL="800100" lvl="1" indent="-342900">
+              <a:buFont typeface="+mj-lt"/>
+              <a:buAutoNum type="arabicPeriod"/>
+            </a:pPr>
+            <a:r>
+              <a:rPr lang="en-US" sz="1050" dirty="0"/>
+              <a:t>E.g., </a:t>
+            </a:r>
+            <a:r>
+              <a:rPr lang="en-US" sz="1050" dirty="0" err="1">
+                <a:solidFill>
+                  <a:schemeClr val="accent2"/>
+                </a:solidFill>
+              </a:rPr>
+              <a:t>prominence_value</a:t>
+            </a:r>
+            <a:r>
+              <a:rPr lang="en-US" sz="1050" dirty="0"/>
+              <a:t>=</a:t>
+            </a:r>
+            <a:r>
+              <a:rPr lang="en-US" sz="1050" dirty="0" err="1"/>
+              <a:t>mult_factor</a:t>
+            </a:r>
+            <a:r>
+              <a:rPr lang="en-US" sz="1050" dirty="0"/>
+              <a:t>*</a:t>
+            </a:r>
+            <a:r>
+              <a:rPr lang="en-US" sz="1050" dirty="0" err="1"/>
+              <a:t>sd</a:t>
+            </a:r>
+            <a:r>
+              <a:rPr lang="en-US" sz="1050" dirty="0"/>
+              <a:t>(</a:t>
+            </a:r>
+            <a:r>
+              <a:rPr lang="en-US" sz="1050" dirty="0" err="1"/>
+              <a:t>atrial_phase</a:t>
+            </a:r>
+            <a:r>
+              <a:rPr lang="en-US" sz="1050" dirty="0"/>
+              <a:t>)</a:t>
+            </a:r>
+          </a:p>
+          <a:p>
+            <a:pPr marL="800100" lvl="1" indent="-342900">
+              <a:buFont typeface="+mj-lt"/>
+              <a:buAutoNum type="arabicPeriod"/>
+            </a:pPr>
+            <a:endParaRPr lang="en-US" sz="1050" dirty="0"/>
+          </a:p>
+          <a:p>
+            <a:pPr marL="342900" indent="-342900">
+              <a:buFont typeface="+mj-lt"/>
+              <a:buAutoNum type="arabicPeriod"/>
+            </a:pPr>
+            <a:r>
+              <a:rPr lang="en-US" sz="1200" dirty="0"/>
+              <a:t>Function</a:t>
+            </a:r>
+            <a:r>
+              <a:rPr lang="en-US" sz="1200" i="1" dirty="0">
+                <a:solidFill>
+                  <a:srgbClr val="0070C0"/>
+                </a:solidFill>
+              </a:rPr>
+              <a:t> </a:t>
+            </a:r>
+            <a:r>
+              <a:rPr lang="en-US" sz="1200" i="1" dirty="0" err="1">
+                <a:solidFill>
+                  <a:srgbClr val="0070C0"/>
+                </a:solidFill>
+              </a:rPr>
+              <a:t>find_peaks</a:t>
+            </a:r>
+            <a:r>
+              <a:rPr lang="en-US" sz="1200" i="1" dirty="0">
+                <a:solidFill>
+                  <a:srgbClr val="0070C0"/>
+                </a:solidFill>
+              </a:rPr>
+              <a:t> </a:t>
+            </a:r>
+            <a:r>
+              <a:rPr lang="en-US" sz="1200" dirty="0"/>
+              <a:t>is used to find peaks inside each segment. If multiple peaks are found, the highest one is chosen:</a:t>
+            </a:r>
+          </a:p>
+          <a:p>
+            <a:pPr marL="800100" lvl="1" indent="-342900">
+              <a:buFont typeface="+mj-lt"/>
+              <a:buAutoNum type="arabicPeriod"/>
+            </a:pPr>
+            <a:r>
+              <a:rPr lang="en-US" sz="1050" dirty="0"/>
+              <a:t>E.g., </a:t>
+            </a:r>
+            <a:r>
+              <a:rPr lang="en-US" sz="1050" dirty="0" err="1"/>
+              <a:t>atrial_peaks</a:t>
+            </a:r>
+            <a:r>
+              <a:rPr lang="en-US" sz="1050" dirty="0"/>
+              <a:t>=</a:t>
+            </a:r>
+            <a:r>
+              <a:rPr lang="en-US" sz="1050" dirty="0" err="1">
+                <a:solidFill>
+                  <a:srgbClr val="0070C0"/>
+                </a:solidFill>
+              </a:rPr>
+              <a:t>find_peaks</a:t>
+            </a:r>
+            <a:r>
+              <a:rPr lang="en-US" sz="1050" dirty="0"/>
+              <a:t>(</a:t>
+            </a:r>
+            <a:r>
+              <a:rPr lang="en-US" sz="1050" dirty="0" err="1"/>
+              <a:t>atrial_phase</a:t>
+            </a:r>
+            <a:r>
+              <a:rPr lang="en-US" sz="1050" dirty="0"/>
+              <a:t>, </a:t>
+            </a:r>
+            <a:r>
+              <a:rPr lang="en-US" sz="1050" dirty="0" err="1">
+                <a:solidFill>
+                  <a:schemeClr val="accent2"/>
+                </a:solidFill>
+              </a:rPr>
+              <a:t>prominence_value</a:t>
+            </a:r>
+            <a:r>
+              <a:rPr lang="en-US" sz="1050" dirty="0"/>
+              <a:t>)</a:t>
+            </a:r>
+          </a:p>
+          <a:p>
+            <a:pPr marL="800100" lvl="1" indent="-342900">
+              <a:buFont typeface="+mj-lt"/>
+              <a:buAutoNum type="arabicPeriod"/>
+            </a:pPr>
+            <a:r>
+              <a:rPr lang="en-US" sz="1050" dirty="0"/>
+              <a:t>If the list of peaks is empty, the peak value is set to </a:t>
+            </a:r>
+            <a:r>
+              <a:rPr lang="en-US" sz="1050" dirty="0" err="1">
+                <a:solidFill>
+                  <a:srgbClr val="7030A0"/>
+                </a:solidFill>
+              </a:rPr>
+              <a:t>NaN</a:t>
+            </a:r>
+            <a:endParaRPr lang="en-US" sz="1050" dirty="0">
+              <a:solidFill>
+                <a:srgbClr val="7030A0"/>
+              </a:solidFill>
+            </a:endParaRPr>
+          </a:p>
+          <a:p>
+            <a:pPr marL="800100" lvl="1" indent="-342900">
+              <a:buFont typeface="+mj-lt"/>
+              <a:buAutoNum type="arabicPeriod"/>
+            </a:pPr>
+            <a:endParaRPr lang="en-US" sz="1050" dirty="0"/>
+          </a:p>
+          <a:p>
+            <a:pPr marL="342900" indent="-342900">
+              <a:buFont typeface="+mj-lt"/>
+              <a:buAutoNum type="arabicPeriod"/>
+            </a:pPr>
+            <a:r>
+              <a:rPr lang="en-US" sz="1200" dirty="0"/>
+              <a:t>Finally, the three peaks are compared:</a:t>
+            </a:r>
+          </a:p>
+          <a:p>
+            <a:pPr marL="800100" lvl="1" indent="-342900">
+              <a:buFont typeface="+mj-lt"/>
+              <a:buAutoNum type="arabicPeriod"/>
+            </a:pPr>
+            <a:r>
+              <a:rPr lang="en-US" sz="1050" dirty="0">
+                <a:solidFill>
+                  <a:srgbClr val="7030A0"/>
+                </a:solidFill>
+              </a:rPr>
+              <a:t>If</a:t>
+            </a:r>
+            <a:r>
+              <a:rPr lang="en-US" sz="1050" dirty="0"/>
+              <a:t> not(</a:t>
+            </a:r>
+            <a:r>
+              <a:rPr lang="en-US" sz="1050" dirty="0" err="1">
+                <a:solidFill>
+                  <a:srgbClr val="7030A0"/>
+                </a:solidFill>
+              </a:rPr>
+              <a:t>isnan</a:t>
+            </a:r>
+            <a:r>
+              <a:rPr lang="en-US" sz="1050" dirty="0"/>
+              <a:t>(</a:t>
+            </a:r>
+            <a:r>
+              <a:rPr lang="en-US" sz="1050" dirty="0" err="1"/>
+              <a:t>his_peak</a:t>
+            </a:r>
+            <a:r>
+              <a:rPr lang="en-US" sz="1050" dirty="0"/>
+              <a:t>)) </a:t>
+            </a:r>
+            <a:r>
+              <a:rPr lang="en-US" sz="1050" dirty="0">
+                <a:sym typeface="Wingdings" panose="05000000000000000000" pitchFamily="2" charset="2"/>
+              </a:rPr>
+              <a:t> </a:t>
+            </a:r>
+            <a:r>
+              <a:rPr lang="en-US" sz="1050" dirty="0">
+                <a:solidFill>
+                  <a:schemeClr val="accent1"/>
+                </a:solidFill>
+                <a:sym typeface="Wingdings" panose="05000000000000000000" pitchFamily="2" charset="2"/>
+              </a:rPr>
+              <a:t>MAP_C</a:t>
+            </a:r>
+          </a:p>
+          <a:p>
+            <a:pPr marL="800100" lvl="1" indent="-342900">
+              <a:buFont typeface="+mj-lt"/>
+              <a:buAutoNum type="arabicPeriod"/>
+            </a:pPr>
+            <a:r>
+              <a:rPr lang="en-US" sz="1050" dirty="0" err="1">
+                <a:solidFill>
+                  <a:srgbClr val="7030A0"/>
+                </a:solidFill>
+                <a:sym typeface="Wingdings" panose="05000000000000000000" pitchFamily="2" charset="2"/>
+              </a:rPr>
+              <a:t>Elif</a:t>
+            </a:r>
+            <a:r>
+              <a:rPr lang="en-US" sz="1050" dirty="0">
+                <a:solidFill>
+                  <a:srgbClr val="7030A0"/>
+                </a:solidFill>
+                <a:sym typeface="Wingdings" panose="05000000000000000000" pitchFamily="2" charset="2"/>
+              </a:rPr>
+              <a:t> </a:t>
+            </a:r>
+            <a:r>
+              <a:rPr lang="en-US" sz="1050" dirty="0">
+                <a:sym typeface="Wingdings" panose="05000000000000000000" pitchFamily="2" charset="2"/>
+              </a:rPr>
+              <a:t>[</a:t>
+            </a:r>
+            <a:r>
+              <a:rPr lang="en-US" sz="1050" dirty="0" err="1">
+                <a:sym typeface="Wingdings" panose="05000000000000000000" pitchFamily="2" charset="2"/>
+              </a:rPr>
+              <a:t>atrial_peak</a:t>
+            </a:r>
+            <a:r>
+              <a:rPr lang="en-US" sz="1050" dirty="0">
+                <a:sym typeface="Wingdings" panose="05000000000000000000" pitchFamily="2" charset="2"/>
+              </a:rPr>
+              <a:t>&gt;</a:t>
+            </a:r>
+            <a:r>
+              <a:rPr lang="en-US" sz="1050" dirty="0" err="1">
+                <a:sym typeface="Wingdings" panose="05000000000000000000" pitchFamily="2" charset="2"/>
+              </a:rPr>
+              <a:t>vent_peak</a:t>
+            </a:r>
+            <a:r>
+              <a:rPr lang="en-US" sz="1050" dirty="0">
+                <a:sym typeface="Wingdings" panose="05000000000000000000" pitchFamily="2" charset="2"/>
+              </a:rPr>
+              <a:t> </a:t>
+            </a:r>
+            <a:r>
+              <a:rPr lang="en-US" sz="1050" dirty="0">
+                <a:solidFill>
+                  <a:srgbClr val="7030A0"/>
+                </a:solidFill>
+                <a:sym typeface="Wingdings" panose="05000000000000000000" pitchFamily="2" charset="2"/>
+              </a:rPr>
+              <a:t>OR</a:t>
+            </a:r>
+            <a:r>
+              <a:rPr lang="en-US" sz="1050" dirty="0">
+                <a:sym typeface="Wingdings" panose="05000000000000000000" pitchFamily="2" charset="2"/>
+              </a:rPr>
+              <a:t> </a:t>
+            </a:r>
+            <a:r>
+              <a:rPr lang="en-US" sz="1050" dirty="0" err="1">
+                <a:solidFill>
+                  <a:srgbClr val="7030A0"/>
+                </a:solidFill>
+                <a:sym typeface="Wingdings" panose="05000000000000000000" pitchFamily="2" charset="2"/>
+              </a:rPr>
+              <a:t>isnan</a:t>
+            </a:r>
+            <a:r>
+              <a:rPr lang="en-US" sz="1050" dirty="0">
+                <a:sym typeface="Wingdings" panose="05000000000000000000" pitchFamily="2" charset="2"/>
+              </a:rPr>
+              <a:t>(</a:t>
+            </a:r>
+            <a:r>
+              <a:rPr lang="en-US" sz="1050" dirty="0" err="1">
+                <a:sym typeface="Wingdings" panose="05000000000000000000" pitchFamily="2" charset="2"/>
+              </a:rPr>
+              <a:t>vent_peak</a:t>
+            </a:r>
+            <a:r>
+              <a:rPr lang="en-US" sz="1050" dirty="0">
+                <a:sym typeface="Wingdings" panose="05000000000000000000" pitchFamily="2" charset="2"/>
+              </a:rPr>
+              <a:t>)]  </a:t>
+            </a:r>
+            <a:r>
+              <a:rPr lang="en-US" sz="1050" dirty="0">
+                <a:solidFill>
+                  <a:srgbClr val="0070C0"/>
+                </a:solidFill>
+                <a:sym typeface="Wingdings" panose="05000000000000000000" pitchFamily="2" charset="2"/>
+              </a:rPr>
+              <a:t>MAP_A</a:t>
+            </a:r>
+          </a:p>
+          <a:p>
+            <a:pPr marL="800100" lvl="1" indent="-342900">
+              <a:buFont typeface="+mj-lt"/>
+              <a:buAutoNum type="arabicPeriod"/>
+            </a:pPr>
+            <a:r>
+              <a:rPr lang="en-US" sz="1050" dirty="0">
+                <a:solidFill>
+                  <a:srgbClr val="7030A0"/>
+                </a:solidFill>
+                <a:sym typeface="Wingdings" panose="05000000000000000000" pitchFamily="2" charset="2"/>
+              </a:rPr>
+              <a:t>Else </a:t>
+            </a:r>
+            <a:r>
+              <a:rPr lang="en-US" sz="1050" dirty="0">
+                <a:sym typeface="Wingdings" panose="05000000000000000000" pitchFamily="2" charset="2"/>
+              </a:rPr>
+              <a:t> </a:t>
+            </a:r>
+            <a:r>
+              <a:rPr lang="en-US" sz="1050" dirty="0">
+                <a:solidFill>
+                  <a:srgbClr val="00B050"/>
+                </a:solidFill>
+                <a:sym typeface="Wingdings" panose="05000000000000000000" pitchFamily="2" charset="2"/>
+              </a:rPr>
+              <a:t>MAP_B</a:t>
+            </a:r>
+            <a:endParaRPr lang="en-US" sz="1050" dirty="0">
+              <a:solidFill>
+                <a:srgbClr val="00B050"/>
+              </a:solidFill>
+            </a:endParaRPr>
+          </a:p>
+        </p:txBody>
+      </p:sp>
+      <p:pic>
+        <p:nvPicPr>
+          <p:cNvPr id="21" name="Immagine 20">
+            <a:extLst>
+              <a:ext uri="{FF2B5EF4-FFF2-40B4-BE49-F238E27FC236}">
+                <a16:creationId xmlns:a16="http://schemas.microsoft.com/office/drawing/2014/main" id="{4DAE0984-AE0E-18BA-0304-968AD6707320}"/>
+              </a:ext>
+            </a:extLst>
+          </p:cNvPr>
+          <p:cNvPicPr>
+            <a:picLocks noChangeAspect="1"/>
+          </p:cNvPicPr>
+          <p:nvPr/>
+        </p:nvPicPr>
+        <p:blipFill>
+          <a:blip r:embed="rId4"/>
+          <a:stretch>
+            <a:fillRect/>
+          </a:stretch>
+        </p:blipFill>
+        <p:spPr>
+          <a:xfrm>
+            <a:off x="118872" y="1812745"/>
+            <a:ext cx="2790390" cy="4496414"/>
+          </a:xfrm>
+          <a:prstGeom prst="rect">
+            <a:avLst/>
+          </a:prstGeom>
+        </p:spPr>
+      </p:pic>
+      <p:pic>
+        <p:nvPicPr>
+          <p:cNvPr id="22" name="Immagine 21" descr="Immagine che contiene testo, diagramma, linea, Diagramma&#10;&#10;Descrizione generata automaticamente">
+            <a:extLst>
+              <a:ext uri="{FF2B5EF4-FFF2-40B4-BE49-F238E27FC236}">
+                <a16:creationId xmlns:a16="http://schemas.microsoft.com/office/drawing/2014/main" id="{ECFCD019-F578-3BB9-E056-863FBF50733E}"/>
+              </a:ext>
+            </a:extLst>
+          </p:cNvPr>
+          <p:cNvPicPr>
+            <a:picLocks noChangeAspect="1"/>
+          </p:cNvPicPr>
+          <p:nvPr/>
+        </p:nvPicPr>
+        <p:blipFill>
+          <a:blip r:embed="rId5">
+            <a:extLst>
+              <a:ext uri="{28A0092B-C50C-407E-A947-70E740481C1C}">
+                <a14:useLocalDpi xmlns:a14="http://schemas.microsoft.com/office/drawing/2010/main" val="0"/>
+              </a:ext>
+            </a:extLst>
+          </a:blip>
+          <a:stretch>
+            <a:fillRect/>
+          </a:stretch>
+        </p:blipFill>
+        <p:spPr>
+          <a:xfrm>
+            <a:off x="8161230" y="1534702"/>
+            <a:ext cx="3856431" cy="2570954"/>
+          </a:xfrm>
+          <a:prstGeom prst="rect">
+            <a:avLst/>
+          </a:prstGeom>
+        </p:spPr>
+      </p:pic>
+      <p:cxnSp>
+        <p:nvCxnSpPr>
+          <p:cNvPr id="24" name="Connettore diritto 23">
+            <a:extLst>
+              <a:ext uri="{FF2B5EF4-FFF2-40B4-BE49-F238E27FC236}">
+                <a16:creationId xmlns:a16="http://schemas.microsoft.com/office/drawing/2014/main" id="{C1F6FDCB-056F-2FA1-4B99-55F5DD555E54}"/>
+              </a:ext>
+            </a:extLst>
+          </p:cNvPr>
+          <p:cNvCxnSpPr/>
+          <p:nvPr/>
+        </p:nvCxnSpPr>
+        <p:spPr>
+          <a:xfrm flipV="1">
+            <a:off x="9616440" y="1891632"/>
+            <a:ext cx="0" cy="1931269"/>
+          </a:xfrm>
+          <a:prstGeom prst="line">
+            <a:avLst/>
+          </a:prstGeom>
+          <a:ln w="19050" cap="flat" cmpd="sng" algn="ctr">
+            <a:solidFill>
+              <a:schemeClr val="dk1"/>
+            </a:solidFill>
+            <a:prstDash val="dash"/>
+            <a:round/>
+            <a:headEnd type="none" w="med" len="med"/>
+            <a:tailEnd type="none" w="med" len="med"/>
+          </a:ln>
+        </p:spPr>
+        <p:style>
+          <a:lnRef idx="0">
+            <a:scrgbClr r="0" g="0" b="0"/>
+          </a:lnRef>
+          <a:fillRef idx="0">
+            <a:scrgbClr r="0" g="0" b="0"/>
+          </a:fillRef>
+          <a:effectRef idx="0">
+            <a:scrgbClr r="0" g="0" b="0"/>
+          </a:effectRef>
+          <a:fontRef idx="minor">
+            <a:schemeClr val="tx1"/>
+          </a:fontRef>
+        </p:style>
+      </p:cxnSp>
+    </p:spTree>
+    <p:extLst>
+      <p:ext uri="{BB962C8B-B14F-4D97-AF65-F5344CB8AC3E}">
+        <p14:creationId xmlns:p14="http://schemas.microsoft.com/office/powerpoint/2010/main" val="3415613353"/>
+      </p:ext>
+    </p:extLst>
+  </p:cSld>
+  <p:clrMapOvr>
+    <a:masterClrMapping/>
+  </p:clrMapOvr>
+</p:sld>
+</file>
+
+<file path=ppt/slides/slide15.xml><?xml version="1.0" encoding="utf-8"?>
+<p:sld xmlns:a="http://schemas.openxmlformats.org/drawingml/2006/main" xmlns:r="http://schemas.openxmlformats.org/officeDocument/2006/relationships" xmlns:p="http://schemas.openxmlformats.org/presentationml/2006/main">
+  <p:cSld>
+    <p:spTree>
+      <p:nvGrpSpPr>
+        <p:cNvPr id="1" name="">
+          <a:extLst>
+            <a:ext uri="{FF2B5EF4-FFF2-40B4-BE49-F238E27FC236}">
               <a16:creationId xmlns:a16="http://schemas.microsoft.com/office/drawing/2014/main" id="{308903F5-76B3-3691-6161-D7CE94B28A6A}"/>
             </a:ext>
           </a:extLst>
@@ -9689,7 +10796,7 @@
           <a:p>
             <a:fld id="{2FA0223F-D95A-431D-9A71-EDA7FA0C2F5B}" type="slidenum">
               <a:rPr lang="en-US" smtClean="0"/>
-              <a:t>14</a:t>
+              <a:t>15</a:t>
             </a:fld>
             <a:endParaRPr lang="en-US" dirty="0"/>
           </a:p>
@@ -9708,7 +10815,7 @@
 </p:sld>
 </file>
 
-<file path=ppt/slides/slide15.xml><?xml version="1.0" encoding="utf-8"?>
+<file path=ppt/slides/slide16.xml><?xml version="1.0" encoding="utf-8"?>
 <p:sld xmlns:a="http://schemas.openxmlformats.org/drawingml/2006/main" xmlns:r="http://schemas.openxmlformats.org/officeDocument/2006/relationships" xmlns:p="http://schemas.openxmlformats.org/presentationml/2006/main">
   <p:cSld>
     <p:spTree>
@@ -9789,7 +10896,7 @@
           <a:p>
             <a:fld id="{2FA0223F-D95A-431D-9A71-EDA7FA0C2F5B}" type="slidenum">
               <a:rPr lang="en-US" smtClean="0"/>
-              <a:t>15</a:t>
+              <a:t>16</a:t>
             </a:fld>
             <a:endParaRPr lang="en-US"/>
           </a:p>
@@ -10027,10 +11134,10 @@
       </p:sp>
       <p:pic>
         <p:nvPicPr>
-          <p:cNvPr id="5" name="Immagine 4" descr="Immagine che contiene testo, schermata, linea, Diagramma&#10;&#10;Descrizione generata automaticamente">
-            <a:extLst>
-              <a:ext uri="{FF2B5EF4-FFF2-40B4-BE49-F238E27FC236}">
-                <a16:creationId xmlns:a16="http://schemas.microsoft.com/office/drawing/2014/main" id="{D511BEDE-337F-55D2-2778-FA142F4B4A98}"/>
+          <p:cNvPr id="10" name="Immagine 9">
+            <a:extLst>
+              <a:ext uri="{FF2B5EF4-FFF2-40B4-BE49-F238E27FC236}">
+                <a16:creationId xmlns:a16="http://schemas.microsoft.com/office/drawing/2014/main" id="{93BCDDF5-0249-F9FF-E65F-A6A353EFB0F6}"/>
               </a:ext>
             </a:extLst>
           </p:cNvPr>
@@ -10053,8 +11160,8 @@
         </p:blipFill>
         <p:spPr>
           <a:xfrm>
-            <a:off x="4830874" y="1615302"/>
-            <a:ext cx="6522926" cy="4348617"/>
+            <a:off x="5537200" y="1615302"/>
+            <a:ext cx="6045482" cy="4030321"/>
           </a:xfrm>
           <a:prstGeom prst="rect">
             <a:avLst/>
@@ -10074,7 +11181,7 @@
 </p:sld>
 </file>
 
-<file path=ppt/slides/slide16.xml><?xml version="1.0" encoding="utf-8"?>
+<file path=ppt/slides/slide17.xml><?xml version="1.0" encoding="utf-8"?>
 <p:sld xmlns:a="http://schemas.openxmlformats.org/drawingml/2006/main" xmlns:r="http://schemas.openxmlformats.org/officeDocument/2006/relationships" xmlns:p="http://schemas.openxmlformats.org/presentationml/2006/main">
   <p:cSld>
     <p:spTree>
@@ -10155,7 +11262,7 @@
           <a:p>
             <a:fld id="{2FA0223F-D95A-431D-9A71-EDA7FA0C2F5B}" type="slidenum">
               <a:rPr lang="en-US" smtClean="0"/>
-              <a:t>16</a:t>
+              <a:t>17</a:t>
             </a:fld>
             <a:endParaRPr lang="en-US"/>
           </a:p>
@@ -10373,38 +11480,16 @@
             </a:r>
           </a:p>
           <a:p>
-            <a:r>
-              <a:rPr lang="en-US" sz="1600" dirty="0"/>
-              <a:t>It should be noted that this signal has the atrial peak </a:t>
-            </a:r>
-            <a:r>
-              <a:rPr lang="en-US" sz="1600" i="1" dirty="0"/>
-              <a:t>after 0.35.</a:t>
-            </a:r>
-            <a:r>
-              <a:rPr lang="en-US" sz="1600" dirty="0"/>
-              <a:t> Probably this is a fortuitous case.</a:t>
-            </a:r>
-            <a:endParaRPr lang="en-US" sz="1600" dirty="0">
-              <a:solidFill>
-                <a:schemeClr val="tx2">
-                  <a:lumMod val="60000"/>
-                  <a:lumOff val="40000"/>
-                </a:schemeClr>
-              </a:solidFill>
-            </a:endParaRPr>
-          </a:p>
-          <a:p>
             <a:endParaRPr lang="en-US" sz="1600" dirty="0"/>
           </a:p>
         </p:txBody>
       </p:sp>
       <p:pic>
         <p:nvPicPr>
-          <p:cNvPr id="6" name="Immagine 5" descr="Immagine che contiene testo, schermata, linea, Diagramma&#10;&#10;Descrizione generata automaticamente">
-            <a:extLst>
-              <a:ext uri="{FF2B5EF4-FFF2-40B4-BE49-F238E27FC236}">
-                <a16:creationId xmlns:a16="http://schemas.microsoft.com/office/drawing/2014/main" id="{038880C0-4F0E-799F-BAB3-23F1265E4DB0}"/>
+          <p:cNvPr id="8" name="Immagine 7" descr="Immagine che contiene testo, linea, schermata, Diagramma&#10;&#10;Descrizione generata automaticamente">
+            <a:extLst>
+              <a:ext uri="{FF2B5EF4-FFF2-40B4-BE49-F238E27FC236}">
+                <a16:creationId xmlns:a16="http://schemas.microsoft.com/office/drawing/2014/main" id="{810E1CFF-CAAC-EE21-4DB0-4A585EF887DD}"/>
               </a:ext>
             </a:extLst>
           </p:cNvPr>
@@ -10427,8 +11512,8 @@
         </p:blipFill>
         <p:spPr>
           <a:xfrm>
-            <a:off x="5105195" y="1615303"/>
-            <a:ext cx="6248606" cy="4165737"/>
+            <a:off x="5433136" y="1615302"/>
+            <a:ext cx="6149546" cy="4099697"/>
           </a:xfrm>
           <a:prstGeom prst="rect">
             <a:avLst/>
@@ -10448,7 +11533,7 @@
 </p:sld>
 </file>
 
-<file path=ppt/slides/slide17.xml><?xml version="1.0" encoding="utf-8"?>
+<file path=ppt/slides/slide18.xml><?xml version="1.0" encoding="utf-8"?>
 <p:sld xmlns:a="http://schemas.openxmlformats.org/drawingml/2006/main" xmlns:r="http://schemas.openxmlformats.org/officeDocument/2006/relationships" xmlns:p="http://schemas.openxmlformats.org/presentationml/2006/main">
   <p:cSld>
     <p:spTree>
@@ -10529,7 +11614,7 @@
           <a:p>
             <a:fld id="{2FA0223F-D95A-431D-9A71-EDA7FA0C2F5B}" type="slidenum">
               <a:rPr lang="en-US" smtClean="0"/>
-              <a:t>17</a:t>
+              <a:t>18</a:t>
             </a:fld>
             <a:endParaRPr lang="en-US"/>
           </a:p>
@@ -10770,10 +11855,10 @@
       </p:sp>
       <p:pic>
         <p:nvPicPr>
-          <p:cNvPr id="6" name="Immagine 5" descr="Immagine che contiene testo, linea, diagramma, Diagramma&#10;&#10;Descrizione generata automaticamente">
-            <a:extLst>
-              <a:ext uri="{FF2B5EF4-FFF2-40B4-BE49-F238E27FC236}">
-                <a16:creationId xmlns:a16="http://schemas.microsoft.com/office/drawing/2014/main" id="{7E5DCCF8-E74D-CC53-978B-8412BFCD4DF9}"/>
+          <p:cNvPr id="5" name="Immagine 4" descr="Immagine che contiene testo, linea, schermata, Diagramma&#10;&#10;Descrizione generata automaticamente">
+            <a:extLst>
+              <a:ext uri="{FF2B5EF4-FFF2-40B4-BE49-F238E27FC236}">
+                <a16:creationId xmlns:a16="http://schemas.microsoft.com/office/drawing/2014/main" id="{2BAF94B2-4583-5820-EC9A-0578D66B48D9}"/>
               </a:ext>
             </a:extLst>
           </p:cNvPr>
@@ -10796,8 +11881,8 @@
         </p:blipFill>
         <p:spPr>
           <a:xfrm>
-            <a:off x="5059680" y="1615302"/>
-            <a:ext cx="6294261" cy="4196174"/>
+            <a:off x="5541263" y="1615303"/>
+            <a:ext cx="6242445" cy="4161630"/>
           </a:xfrm>
           <a:prstGeom prst="rect">
             <a:avLst/>
@@ -10817,7 +11902,7 @@
 </p:sld>
 </file>
 
-<file path=ppt/slides/slide18.xml><?xml version="1.0" encoding="utf-8"?>
+<file path=ppt/slides/slide19.xml><?xml version="1.0" encoding="utf-8"?>
 <p:sld xmlns:a="http://schemas.openxmlformats.org/drawingml/2006/main" xmlns:r="http://schemas.openxmlformats.org/officeDocument/2006/relationships" xmlns:p="http://schemas.openxmlformats.org/presentationml/2006/main">
   <p:cSld>
     <p:spTree>
@@ -10898,7 +11983,7 @@
           <a:p>
             <a:fld id="{2FA0223F-D95A-431D-9A71-EDA7FA0C2F5B}" type="slidenum">
               <a:rPr lang="en-US" smtClean="0"/>
-              <a:t>18</a:t>
+              <a:t>19</a:t>
             </a:fld>
             <a:endParaRPr lang="en-US"/>
           </a:p>
@@ -11136,10 +12221,10 @@
       </p:sp>
       <p:pic>
         <p:nvPicPr>
-          <p:cNvPr id="17" name="Immagine 16" descr="Immagine che contiene testo, linea, Diagramma, schermata&#10;&#10;Descrizione generata automaticamente">
-            <a:extLst>
-              <a:ext uri="{FF2B5EF4-FFF2-40B4-BE49-F238E27FC236}">
-                <a16:creationId xmlns:a16="http://schemas.microsoft.com/office/drawing/2014/main" id="{DF208CF5-C6D9-FA73-AA15-8D871D005C92}"/>
+          <p:cNvPr id="5" name="Immagine 4" descr="Immagine che contiene testo, linea, diagramma, Diagramma&#10;&#10;Descrizione generata automaticamente">
+            <a:extLst>
+              <a:ext uri="{FF2B5EF4-FFF2-40B4-BE49-F238E27FC236}">
+                <a16:creationId xmlns:a16="http://schemas.microsoft.com/office/drawing/2014/main" id="{18CB5C79-D145-14EE-2887-1C1A27D274D9}"/>
               </a:ext>
             </a:extLst>
           </p:cNvPr>
@@ -11162,8 +12247,8 @@
         </p:blipFill>
         <p:spPr>
           <a:xfrm>
-            <a:off x="4724400" y="1608802"/>
-            <a:ext cx="6543181" cy="4362121"/>
+            <a:off x="5110480" y="1615302"/>
+            <a:ext cx="6167132" cy="4111421"/>
           </a:xfrm>
           <a:prstGeom prst="rect">
             <a:avLst/>
@@ -11183,7 +12268,160 @@
 </p:sld>
 </file>
 
-<file path=ppt/slides/slide19.xml><?xml version="1.0" encoding="utf-8"?>
+<file path=ppt/slides/slide2.xml><?xml version="1.0" encoding="utf-8"?>
+<p:sld xmlns:a="http://schemas.openxmlformats.org/drawingml/2006/main" xmlns:r="http://schemas.openxmlformats.org/officeDocument/2006/relationships" xmlns:p="http://schemas.openxmlformats.org/presentationml/2006/main">
+  <p:cSld>
+    <p:spTree>
+      <p:nvGrpSpPr>
+        <p:cNvPr id="1" name=""/>
+        <p:cNvGrpSpPr/>
+        <p:nvPr/>
+      </p:nvGrpSpPr>
+      <p:grpSpPr>
+        <a:xfrm>
+          <a:off x="0" y="0"/>
+          <a:ext cx="0" cy="0"/>
+          <a:chOff x="0" y="0"/>
+          <a:chExt cx="0" cy="0"/>
+        </a:xfrm>
+      </p:grpSpPr>
+      <p:sp>
+        <p:nvSpPr>
+          <p:cNvPr id="2" name="Titolo 1">
+            <a:extLst>
+              <a:ext uri="{FF2B5EF4-FFF2-40B4-BE49-F238E27FC236}">
+                <a16:creationId xmlns:a16="http://schemas.microsoft.com/office/drawing/2014/main" id="{90F52EA4-9809-985C-8A8C-85AEDD39AF3B}"/>
+              </a:ext>
+            </a:extLst>
+          </p:cNvPr>
+          <p:cNvSpPr>
+            <a:spLocks noGrp="1"/>
+          </p:cNvSpPr>
+          <p:nvPr>
+            <p:ph type="title"/>
+          </p:nvPr>
+        </p:nvSpPr>
+        <p:spPr/>
+        <p:txBody>
+          <a:bodyPr/>
+          <a:lstStyle/>
+          <a:p>
+            <a:r>
+              <a:rPr lang="en-US" dirty="0"/>
+              <a:t>Outline </a:t>
+            </a:r>
+          </a:p>
+        </p:txBody>
+      </p:sp>
+      <p:sp>
+        <p:nvSpPr>
+          <p:cNvPr id="3" name="Segnaposto contenuto 2">
+            <a:extLst>
+              <a:ext uri="{FF2B5EF4-FFF2-40B4-BE49-F238E27FC236}">
+                <a16:creationId xmlns:a16="http://schemas.microsoft.com/office/drawing/2014/main" id="{B080D17D-5CB5-7A4C-86CF-032C6E6BEB1F}"/>
+              </a:ext>
+            </a:extLst>
+          </p:cNvPr>
+          <p:cNvSpPr>
+            <a:spLocks noGrp="1"/>
+          </p:cNvSpPr>
+          <p:nvPr>
+            <p:ph idx="1"/>
+          </p:nvPr>
+        </p:nvSpPr>
+        <p:spPr>
+          <a:xfrm>
+            <a:off x="664464" y="2041497"/>
+            <a:ext cx="10098024" cy="2613436"/>
+          </a:xfrm>
+        </p:spPr>
+        <p:txBody>
+          <a:bodyPr>
+            <a:noAutofit/>
+          </a:bodyPr>
+          <a:lstStyle/>
+          <a:p>
+            <a:r>
+              <a:rPr lang="en-US" sz="2000" dirty="0"/>
+              <a:t>Why building a heuristic classifier</a:t>
+            </a:r>
+          </a:p>
+          <a:p>
+            <a:r>
+              <a:rPr lang="en-US" sz="2000" dirty="0"/>
+              <a:t>Knowledge on roving signals: recap</a:t>
+            </a:r>
+          </a:p>
+          <a:p>
+            <a:r>
+              <a:rPr lang="en-US" sz="2000" dirty="0"/>
+              <a:t>Heuristic classifier: pseudo code</a:t>
+            </a:r>
+          </a:p>
+          <a:p>
+            <a:r>
+              <a:rPr lang="en-US" sz="2000" dirty="0"/>
+              <a:t>Performance</a:t>
+            </a:r>
+          </a:p>
+          <a:p>
+            <a:r>
+              <a:rPr lang="en-US" sz="2000" dirty="0"/>
+              <a:t>Conclusions </a:t>
+            </a:r>
+            <a:endParaRPr lang="en-US" sz="1600" dirty="0"/>
+          </a:p>
+          <a:p>
+            <a:pPr marL="0" indent="0">
+              <a:buNone/>
+            </a:pPr>
+            <a:endParaRPr lang="en-US" sz="1600" dirty="0"/>
+          </a:p>
+        </p:txBody>
+      </p:sp>
+      <p:sp>
+        <p:nvSpPr>
+          <p:cNvPr id="4" name="Segnaposto numero diapositiva 3">
+            <a:extLst>
+              <a:ext uri="{FF2B5EF4-FFF2-40B4-BE49-F238E27FC236}">
+                <a16:creationId xmlns:a16="http://schemas.microsoft.com/office/drawing/2014/main" id="{8B351BE6-1815-C162-224E-864AC8EF79D2}"/>
+              </a:ext>
+            </a:extLst>
+          </p:cNvPr>
+          <p:cNvSpPr>
+            <a:spLocks noGrp="1"/>
+          </p:cNvSpPr>
+          <p:nvPr>
+            <p:ph type="sldNum" sz="quarter" idx="12"/>
+          </p:nvPr>
+        </p:nvSpPr>
+        <p:spPr/>
+        <p:txBody>
+          <a:bodyPr/>
+          <a:lstStyle/>
+          <a:p>
+            <a:fld id="{2FA0223F-D95A-431D-9A71-EDA7FA0C2F5B}" type="slidenum">
+              <a:rPr lang="en-US" smtClean="0"/>
+              <a:t>2</a:t>
+            </a:fld>
+            <a:endParaRPr lang="en-US" dirty="0"/>
+          </a:p>
+        </p:txBody>
+      </p:sp>
+    </p:spTree>
+    <p:extLst>
+      <p:ext uri="{BB962C8B-B14F-4D97-AF65-F5344CB8AC3E}">
+        <p14:creationId xmlns:p14="http://schemas.microsoft.com/office/powerpoint/2010/main" val="1561499463"/>
+      </p:ext>
+    </p:extLst>
+  </p:cSld>
+  <p:clrMapOvr>
+    <a:masterClrMapping/>
+  </p:clrMapOvr>
+</p:sld>
+</file>
+
+<file path=ppt/slides/slide20.xml><?xml version="1.0" encoding="utf-8"?>
 <p:sld xmlns:a="http://schemas.openxmlformats.org/drawingml/2006/main" xmlns:r="http://schemas.openxmlformats.org/officeDocument/2006/relationships" xmlns:p="http://schemas.openxmlformats.org/presentationml/2006/main">
   <p:cSld>
     <p:spTree>
@@ -11264,7 +12502,7 @@
           <a:p>
             <a:fld id="{2FA0223F-D95A-431D-9A71-EDA7FA0C2F5B}" type="slidenum">
               <a:rPr lang="en-US" smtClean="0"/>
-              <a:t>19</a:t>
+              <a:t>20</a:t>
             </a:fld>
             <a:endParaRPr lang="en-US"/>
           </a:p>
@@ -11478,7 +12716,7 @@
           <a:p>
             <a:r>
               <a:rPr lang="en-US" sz="1600" dirty="0"/>
-              <a:t>Probably prominence values does not allow to distinguish the peak from noisy oscillations</a:t>
+              <a:t>The algorithm cannot recognize the His peak, which isn’t even clearly visible by visual inspection</a:t>
             </a:r>
           </a:p>
           <a:p>
@@ -11505,10 +12743,10 @@
       </p:sp>
       <p:pic>
         <p:nvPicPr>
-          <p:cNvPr id="5" name="Immagine 4" descr="Immagine che contiene testo, linea, Diagramma, diagramma&#10;&#10;Descrizione generata automaticamente">
-            <a:extLst>
-              <a:ext uri="{FF2B5EF4-FFF2-40B4-BE49-F238E27FC236}">
-                <a16:creationId xmlns:a16="http://schemas.microsoft.com/office/drawing/2014/main" id="{B74C8319-F5AB-3AAD-66ED-8D91D7935C6E}"/>
+          <p:cNvPr id="6" name="Immagine 5" descr="Immagine che contiene testo, linea, Diagramma, diagramma&#10;&#10;Descrizione generata automaticamente">
+            <a:extLst>
+              <a:ext uri="{FF2B5EF4-FFF2-40B4-BE49-F238E27FC236}">
+                <a16:creationId xmlns:a16="http://schemas.microsoft.com/office/drawing/2014/main" id="{EC9F7AB9-94CD-963D-DBB9-43C6DEE4ADB3}"/>
               </a:ext>
             </a:extLst>
           </p:cNvPr>
@@ -11531,8 +12769,8 @@
         </p:blipFill>
         <p:spPr>
           <a:xfrm>
-            <a:off x="4724400" y="1615303"/>
-            <a:ext cx="6515099" cy="4343399"/>
+            <a:off x="5090236" y="1615302"/>
+            <a:ext cx="6492446" cy="4328297"/>
           </a:xfrm>
           <a:prstGeom prst="rect">
             <a:avLst/>
@@ -11552,160 +12790,7 @@
 </p:sld>
 </file>
 
-<file path=ppt/slides/slide2.xml><?xml version="1.0" encoding="utf-8"?>
-<p:sld xmlns:a="http://schemas.openxmlformats.org/drawingml/2006/main" xmlns:r="http://schemas.openxmlformats.org/officeDocument/2006/relationships" xmlns:p="http://schemas.openxmlformats.org/presentationml/2006/main">
-  <p:cSld>
-    <p:spTree>
-      <p:nvGrpSpPr>
-        <p:cNvPr id="1" name=""/>
-        <p:cNvGrpSpPr/>
-        <p:nvPr/>
-      </p:nvGrpSpPr>
-      <p:grpSpPr>
-        <a:xfrm>
-          <a:off x="0" y="0"/>
-          <a:ext cx="0" cy="0"/>
-          <a:chOff x="0" y="0"/>
-          <a:chExt cx="0" cy="0"/>
-        </a:xfrm>
-      </p:grpSpPr>
-      <p:sp>
-        <p:nvSpPr>
-          <p:cNvPr id="2" name="Titolo 1">
-            <a:extLst>
-              <a:ext uri="{FF2B5EF4-FFF2-40B4-BE49-F238E27FC236}">
-                <a16:creationId xmlns:a16="http://schemas.microsoft.com/office/drawing/2014/main" id="{90F52EA4-9809-985C-8A8C-85AEDD39AF3B}"/>
-              </a:ext>
-            </a:extLst>
-          </p:cNvPr>
-          <p:cNvSpPr>
-            <a:spLocks noGrp="1"/>
-          </p:cNvSpPr>
-          <p:nvPr>
-            <p:ph type="title"/>
-          </p:nvPr>
-        </p:nvSpPr>
-        <p:spPr/>
-        <p:txBody>
-          <a:bodyPr/>
-          <a:lstStyle/>
-          <a:p>
-            <a:r>
-              <a:rPr lang="en-US" dirty="0"/>
-              <a:t>Outline </a:t>
-            </a:r>
-          </a:p>
-        </p:txBody>
-      </p:sp>
-      <p:sp>
-        <p:nvSpPr>
-          <p:cNvPr id="3" name="Segnaposto contenuto 2">
-            <a:extLst>
-              <a:ext uri="{FF2B5EF4-FFF2-40B4-BE49-F238E27FC236}">
-                <a16:creationId xmlns:a16="http://schemas.microsoft.com/office/drawing/2014/main" id="{B080D17D-5CB5-7A4C-86CF-032C6E6BEB1F}"/>
-              </a:ext>
-            </a:extLst>
-          </p:cNvPr>
-          <p:cNvSpPr>
-            <a:spLocks noGrp="1"/>
-          </p:cNvSpPr>
-          <p:nvPr>
-            <p:ph idx="1"/>
-          </p:nvPr>
-        </p:nvSpPr>
-        <p:spPr>
-          <a:xfrm>
-            <a:off x="664464" y="2041497"/>
-            <a:ext cx="10098024" cy="2613436"/>
-          </a:xfrm>
-        </p:spPr>
-        <p:txBody>
-          <a:bodyPr>
-            <a:noAutofit/>
-          </a:bodyPr>
-          <a:lstStyle/>
-          <a:p>
-            <a:r>
-              <a:rPr lang="en-US" sz="2000" dirty="0"/>
-              <a:t>Why building a heuristic classifier</a:t>
-            </a:r>
-          </a:p>
-          <a:p>
-            <a:r>
-              <a:rPr lang="en-US" sz="2000" dirty="0"/>
-              <a:t>Knowledge on roving signals: recap</a:t>
-            </a:r>
-          </a:p>
-          <a:p>
-            <a:r>
-              <a:rPr lang="en-US" sz="2000" dirty="0"/>
-              <a:t>Heuristic classifier: pseudo code</a:t>
-            </a:r>
-          </a:p>
-          <a:p>
-            <a:r>
-              <a:rPr lang="en-US" sz="2000" dirty="0"/>
-              <a:t>Performance</a:t>
-            </a:r>
-          </a:p>
-          <a:p>
-            <a:r>
-              <a:rPr lang="en-US" sz="2000" dirty="0"/>
-              <a:t>Conclusions </a:t>
-            </a:r>
-            <a:endParaRPr lang="en-US" sz="1600" dirty="0"/>
-          </a:p>
-          <a:p>
-            <a:pPr marL="0" indent="0">
-              <a:buNone/>
-            </a:pPr>
-            <a:endParaRPr lang="en-US" sz="1600" dirty="0"/>
-          </a:p>
-        </p:txBody>
-      </p:sp>
-      <p:sp>
-        <p:nvSpPr>
-          <p:cNvPr id="4" name="Segnaposto numero diapositiva 3">
-            <a:extLst>
-              <a:ext uri="{FF2B5EF4-FFF2-40B4-BE49-F238E27FC236}">
-                <a16:creationId xmlns:a16="http://schemas.microsoft.com/office/drawing/2014/main" id="{8B351BE6-1815-C162-224E-864AC8EF79D2}"/>
-              </a:ext>
-            </a:extLst>
-          </p:cNvPr>
-          <p:cNvSpPr>
-            <a:spLocks noGrp="1"/>
-          </p:cNvSpPr>
-          <p:nvPr>
-            <p:ph type="sldNum" sz="quarter" idx="12"/>
-          </p:nvPr>
-        </p:nvSpPr>
-        <p:spPr/>
-        <p:txBody>
-          <a:bodyPr/>
-          <a:lstStyle/>
-          <a:p>
-            <a:fld id="{2FA0223F-D95A-431D-9A71-EDA7FA0C2F5B}" type="slidenum">
-              <a:rPr lang="en-US" smtClean="0"/>
-              <a:t>2</a:t>
-            </a:fld>
-            <a:endParaRPr lang="en-US" dirty="0"/>
-          </a:p>
-        </p:txBody>
-      </p:sp>
-    </p:spTree>
-    <p:extLst>
-      <p:ext uri="{BB962C8B-B14F-4D97-AF65-F5344CB8AC3E}">
-        <p14:creationId xmlns:p14="http://schemas.microsoft.com/office/powerpoint/2010/main" val="1561499463"/>
-      </p:ext>
-    </p:extLst>
-  </p:cSld>
-  <p:clrMapOvr>
-    <a:masterClrMapping/>
-  </p:clrMapOvr>
-</p:sld>
-</file>
-
-<file path=ppt/slides/slide20.xml><?xml version="1.0" encoding="utf-8"?>
+<file path=ppt/slides/slide21.xml><?xml version="1.0" encoding="utf-8"?>
 <p:sld xmlns:a="http://schemas.openxmlformats.org/drawingml/2006/main" xmlns:r="http://schemas.openxmlformats.org/officeDocument/2006/relationships" xmlns:p="http://schemas.openxmlformats.org/presentationml/2006/main">
   <p:cSld>
     <p:spTree>
@@ -11786,7 +12871,7 @@
           <a:p>
             <a:fld id="{2FA0223F-D95A-431D-9A71-EDA7FA0C2F5B}" type="slidenum">
               <a:rPr lang="en-US" smtClean="0"/>
-              <a:t>20</a:t>
+              <a:t>21</a:t>
             </a:fld>
             <a:endParaRPr lang="en-US"/>
           </a:p>
@@ -12027,10 +13112,10 @@
       </p:sp>
       <p:pic>
         <p:nvPicPr>
-          <p:cNvPr id="5" name="Immagine 4" descr="Immagine che contiene testo, linea, diagramma, Diagramma&#10;&#10;Descrizione generata automaticamente">
-            <a:extLst>
-              <a:ext uri="{FF2B5EF4-FFF2-40B4-BE49-F238E27FC236}">
-                <a16:creationId xmlns:a16="http://schemas.microsoft.com/office/drawing/2014/main" id="{73E9F2F1-B40C-9EF6-9734-F402D85011D2}"/>
+          <p:cNvPr id="6" name="Immagine 5" descr="Immagine che contiene testo, schermata, linea, Diagramma&#10;&#10;Descrizione generata automaticamente">
+            <a:extLst>
+              <a:ext uri="{FF2B5EF4-FFF2-40B4-BE49-F238E27FC236}">
+                <a16:creationId xmlns:a16="http://schemas.microsoft.com/office/drawing/2014/main" id="{A0BEAE0A-D181-A136-985E-32EBA2520687}"/>
               </a:ext>
             </a:extLst>
           </p:cNvPr>
@@ -12053,8 +13138,8 @@
         </p:blipFill>
         <p:spPr>
           <a:xfrm>
-            <a:off x="4724400" y="1629797"/>
-            <a:ext cx="6480608" cy="4320405"/>
+            <a:off x="5303326" y="1615302"/>
+            <a:ext cx="5974286" cy="3982857"/>
           </a:xfrm>
           <a:prstGeom prst="rect">
             <a:avLst/>
@@ -12074,7 +13159,7 @@
 </p:sld>
 </file>
 
-<file path=ppt/slides/slide21.xml><?xml version="1.0" encoding="utf-8"?>
+<file path=ppt/slides/slide22.xml><?xml version="1.0" encoding="utf-8"?>
 <p:sld xmlns:a="http://schemas.openxmlformats.org/drawingml/2006/main" xmlns:r="http://schemas.openxmlformats.org/officeDocument/2006/relationships" xmlns:p="http://schemas.openxmlformats.org/presentationml/2006/main">
   <p:cSld>
     <p:spTree>
@@ -12155,7 +13240,7 @@
           <a:p>
             <a:fld id="{2FA0223F-D95A-431D-9A71-EDA7FA0C2F5B}" type="slidenum">
               <a:rPr lang="en-US" smtClean="0"/>
-              <a:t>21</a:t>
+              <a:t>22</a:t>
             </a:fld>
             <a:endParaRPr lang="en-US"/>
           </a:p>
@@ -12321,10 +13406,10 @@
       </p:sp>
       <p:pic>
         <p:nvPicPr>
-          <p:cNvPr id="21" name="Immagine 20" descr="Immagine che contiene testo, schermata, numero, diagramma&#10;&#10;Descrizione generata automaticamente">
-            <a:extLst>
-              <a:ext uri="{FF2B5EF4-FFF2-40B4-BE49-F238E27FC236}">
-                <a16:creationId xmlns:a16="http://schemas.microsoft.com/office/drawing/2014/main" id="{DB9D648C-F8E4-DE53-434E-BC2F81DE270D}"/>
+          <p:cNvPr id="5" name="Immagine 4" descr="Immagine che contiene testo, schermata, numero, diagramma&#10;&#10;Descrizione generata automaticamente">
+            <a:extLst>
+              <a:ext uri="{FF2B5EF4-FFF2-40B4-BE49-F238E27FC236}">
+                <a16:creationId xmlns:a16="http://schemas.microsoft.com/office/drawing/2014/main" id="{241D2F86-3B53-95CA-C014-D8D2D93E5A17}"/>
               </a:ext>
             </a:extLst>
           </p:cNvPr>
@@ -12347,7 +13432,7 @@
         </p:blipFill>
         <p:spPr>
           <a:xfrm>
-            <a:off x="607277" y="1989983"/>
+            <a:off x="304248" y="1980839"/>
             <a:ext cx="5486682" cy="3657788"/>
           </a:xfrm>
           <a:prstGeom prst="rect">
@@ -12357,10 +13442,10 @@
       </p:pic>
       <p:pic>
         <p:nvPicPr>
-          <p:cNvPr id="23" name="Immagine 22" descr="Immagine che contiene testo, schermata, numero, diagramma&#10;&#10;Descrizione generata automaticamente">
-            <a:extLst>
-              <a:ext uri="{FF2B5EF4-FFF2-40B4-BE49-F238E27FC236}">
-                <a16:creationId xmlns:a16="http://schemas.microsoft.com/office/drawing/2014/main" id="{C0FF7DE7-B881-FC87-CCDF-B28AAF9AD164}"/>
+          <p:cNvPr id="7" name="Immagine 6" descr="Immagine che contiene testo, schermata, numero, diagramma&#10;&#10;Descrizione generata automaticamente">
+            <a:extLst>
+              <a:ext uri="{FF2B5EF4-FFF2-40B4-BE49-F238E27FC236}">
+                <a16:creationId xmlns:a16="http://schemas.microsoft.com/office/drawing/2014/main" id="{0E02AFDB-2021-5D85-92C6-821E4D1A2777}"/>
               </a:ext>
             </a:extLst>
           </p:cNvPr>
@@ -12383,7 +13468,7 @@
         </p:blipFill>
         <p:spPr>
           <a:xfrm>
-            <a:off x="6098041" y="1980839"/>
+            <a:off x="5790930" y="1980839"/>
             <a:ext cx="5486682" cy="3657788"/>
           </a:xfrm>
           <a:prstGeom prst="rect">
@@ -12404,7 +13489,7 @@
 </p:sld>
 </file>
 
-<file path=ppt/slides/slide22.xml><?xml version="1.0" encoding="utf-8"?>
+<file path=ppt/slides/slide23.xml><?xml version="1.0" encoding="utf-8"?>
 <p:sld xmlns:a="http://schemas.openxmlformats.org/drawingml/2006/main" xmlns:r="http://schemas.openxmlformats.org/officeDocument/2006/relationships" xmlns:p="http://schemas.openxmlformats.org/presentationml/2006/main">
   <p:cSld>
     <p:spTree>
@@ -12485,7 +13570,7 @@
           <a:p>
             <a:fld id="{2FA0223F-D95A-431D-9A71-EDA7FA0C2F5B}" type="slidenum">
               <a:rPr lang="en-US" smtClean="0"/>
-              <a:t>22</a:t>
+              <a:t>23</a:t>
             </a:fld>
             <a:endParaRPr lang="en-US"/>
           </a:p>
@@ -12651,10 +13736,10 @@
       </p:sp>
       <p:pic>
         <p:nvPicPr>
-          <p:cNvPr id="17" name="Immagine 16" descr="Immagine che contiene testo, schermata, numero, diagramma&#10;&#10;Descrizione generata automaticamente">
-            <a:extLst>
-              <a:ext uri="{FF2B5EF4-FFF2-40B4-BE49-F238E27FC236}">
-                <a16:creationId xmlns:a16="http://schemas.microsoft.com/office/drawing/2014/main" id="{BA9A3060-6CF1-9AF4-4BB9-34F73FFE3477}"/>
+          <p:cNvPr id="5" name="Immagine 4" descr="Immagine che contiene testo, schermata, numero, diagramma&#10;&#10;Descrizione generata automaticamente">
+            <a:extLst>
+              <a:ext uri="{FF2B5EF4-FFF2-40B4-BE49-F238E27FC236}">
+                <a16:creationId xmlns:a16="http://schemas.microsoft.com/office/drawing/2014/main" id="{C96802C5-6EB2-FC84-1B2A-E570CFA54D91}"/>
               </a:ext>
             </a:extLst>
           </p:cNvPr>
@@ -12677,7 +13762,7 @@
         </p:blipFill>
         <p:spPr>
           <a:xfrm>
-            <a:off x="607277" y="1980839"/>
+            <a:off x="607278" y="1980839"/>
             <a:ext cx="5486682" cy="3657788"/>
           </a:xfrm>
           <a:prstGeom prst="rect">
@@ -12687,10 +13772,10 @@
       </p:pic>
       <p:pic>
         <p:nvPicPr>
-          <p:cNvPr id="19" name="Immagine 18" descr="Immagine che contiene testo, schermata, numero, diagramma&#10;&#10;Descrizione generata automaticamente">
-            <a:extLst>
-              <a:ext uri="{FF2B5EF4-FFF2-40B4-BE49-F238E27FC236}">
-                <a16:creationId xmlns:a16="http://schemas.microsoft.com/office/drawing/2014/main" id="{2D0E16B5-DEB8-9344-A377-1A858FB2CF56}"/>
+          <p:cNvPr id="10" name="Immagine 9" descr="Immagine che contiene testo, schermata, numero, diagramma&#10;&#10;Descrizione generata automaticamente">
+            <a:extLst>
+              <a:ext uri="{FF2B5EF4-FFF2-40B4-BE49-F238E27FC236}">
+                <a16:creationId xmlns:a16="http://schemas.microsoft.com/office/drawing/2014/main" id="{6C3DB975-B585-79D4-371B-354AAB1161FB}"/>
               </a:ext>
             </a:extLst>
           </p:cNvPr>
@@ -12713,7 +13798,7 @@
         </p:blipFill>
         <p:spPr>
           <a:xfrm>
-            <a:off x="6098041" y="1980839"/>
+            <a:off x="6093960" y="1980839"/>
             <a:ext cx="5486682" cy="3657788"/>
           </a:xfrm>
           <a:prstGeom prst="rect">
@@ -12734,7 +13819,7 @@
 </p:sld>
 </file>
 
-<file path=ppt/slides/slide23.xml><?xml version="1.0" encoding="utf-8"?>
+<file path=ppt/slides/slide24.xml><?xml version="1.0" encoding="utf-8"?>
 <p:sld xmlns:a="http://schemas.openxmlformats.org/drawingml/2006/main" xmlns:r="http://schemas.openxmlformats.org/officeDocument/2006/relationships" xmlns:p="http://schemas.openxmlformats.org/presentationml/2006/main">
   <p:cSld>
     <p:spTree>
@@ -12815,7 +13900,7 @@
           <a:p>
             <a:fld id="{2FA0223F-D95A-431D-9A71-EDA7FA0C2F5B}" type="slidenum">
               <a:rPr lang="en-US" smtClean="0"/>
-              <a:t>23</a:t>
+              <a:t>24</a:t>
             </a:fld>
             <a:endParaRPr lang="en-US"/>
           </a:p>
@@ -12944,7 +14029,7 @@
           <p:nvPr>
             <p:extLst>
               <p:ext uri="{D42A27DB-BD31-4B8C-83A1-F6EECF244321}">
-                <p14:modId xmlns:p14="http://schemas.microsoft.com/office/powerpoint/2010/main" val="4143508878"/>
+                <p14:modId xmlns:p14="http://schemas.microsoft.com/office/powerpoint/2010/main" val="3543610624"/>
               </p:ext>
             </p:extLst>
           </p:nvPr>
@@ -13102,7 +14187,7 @@
                       <a:pPr algn="ctr"/>
                       <a:r>
                         <a:rPr lang="en-GB" sz="1400" noProof="0" dirty="0"/>
-                        <a:t>0.91</a:t>
+                        <a:t>0.94</a:t>
                       </a:r>
                     </a:p>
                   </a:txBody>
@@ -13116,7 +14201,7 @@
                       <a:pPr algn="ctr"/>
                       <a:r>
                         <a:rPr lang="en-GB" sz="1400" noProof="0" dirty="0"/>
-                        <a:t>0.40</a:t>
+                        <a:t>0.36</a:t>
                       </a:r>
                     </a:p>
                   </a:txBody>
@@ -13130,7 +14215,7 @@
                       <a:pPr algn="ctr"/>
                       <a:r>
                         <a:rPr lang="en-GB" sz="1400" noProof="0" dirty="0"/>
-                        <a:t>0.56</a:t>
+                        <a:t>0.53</a:t>
                       </a:r>
                     </a:p>
                   </a:txBody>
@@ -13186,7 +14271,7 @@
                       <a:pPr algn="ctr"/>
                       <a:r>
                         <a:rPr lang="en-GB" sz="1400" noProof="0" dirty="0"/>
-                        <a:t>0.17</a:t>
+                        <a:t>0.20</a:t>
                       </a:r>
                     </a:p>
                   </a:txBody>
@@ -13200,7 +14285,7 @@
                       <a:pPr algn="ctr"/>
                       <a:r>
                         <a:rPr lang="en-GB" sz="1400" noProof="0" dirty="0"/>
-                        <a:t>0.92</a:t>
+                        <a:t>0.87</a:t>
                       </a:r>
                     </a:p>
                   </a:txBody>
@@ -13214,7 +14299,7 @@
                       <a:pPr algn="ctr"/>
                       <a:r>
                         <a:rPr lang="en-GB" sz="1400" noProof="0" dirty="0"/>
-                        <a:t>0.29</a:t>
+                        <a:t>0.32</a:t>
                       </a:r>
                     </a:p>
                   </a:txBody>
@@ -13270,7 +14355,7 @@
                       <a:pPr algn="ctr"/>
                       <a:r>
                         <a:rPr lang="en-GB" sz="1400" noProof="0" dirty="0"/>
-                        <a:t>0.46</a:t>
+                        <a:t>0.30</a:t>
                       </a:r>
                     </a:p>
                   </a:txBody>
@@ -13284,7 +14369,7 @@
                       <a:pPr algn="ctr"/>
                       <a:r>
                         <a:rPr lang="en-GB" sz="1400" noProof="0" dirty="0"/>
-                        <a:t>0.21</a:t>
+                        <a:t>0.49</a:t>
                       </a:r>
                     </a:p>
                   </a:txBody>
@@ -13298,7 +14383,7 @@
                       <a:pPr algn="ctr"/>
                       <a:r>
                         <a:rPr lang="en-GB" sz="1400" noProof="0" dirty="0"/>
-                        <a:t>0.29</a:t>
+                        <a:t>0.38</a:t>
                       </a:r>
                     </a:p>
                   </a:txBody>
@@ -13481,7 +14566,7 @@
                       <a:pPr algn="ctr"/>
                       <a:r>
                         <a:rPr lang="en-GB" sz="1400" noProof="0" dirty="0"/>
-                        <a:t>0.52</a:t>
+                        <a:t>0.48</a:t>
                       </a:r>
                     </a:p>
                   </a:txBody>
@@ -13495,7 +14580,7 @@
                       <a:pPr algn="ctr"/>
                       <a:r>
                         <a:rPr lang="en-GB" sz="1400" noProof="0" dirty="0"/>
-                        <a:t>0.51</a:t>
+                        <a:t>0.58</a:t>
                       </a:r>
                     </a:p>
                   </a:txBody>
@@ -13509,7 +14594,7 @@
                       <a:pPr algn="ctr"/>
                       <a:r>
                         <a:rPr lang="en-GB" sz="1400" noProof="0" dirty="0"/>
-                        <a:t>0.38</a:t>
+                        <a:t>0.41</a:t>
                       </a:r>
                     </a:p>
                   </a:txBody>
@@ -13579,7 +14664,7 @@
                       <a:pPr algn="ctr"/>
                       <a:r>
                         <a:rPr lang="en-GB" sz="1400" noProof="0" dirty="0"/>
-                        <a:t>0.77</a:t>
+                        <a:t>0.78</a:t>
                       </a:r>
                     </a:p>
                   </a:txBody>
@@ -13607,7 +14692,7 @@
                       <a:pPr algn="ctr"/>
                       <a:r>
                         <a:rPr lang="en-GB" sz="1400" noProof="0" dirty="0"/>
-                        <a:t>0.50</a:t>
+                        <a:t>0.48</a:t>
                       </a:r>
                     </a:p>
                   </a:txBody>
@@ -14295,7 +15380,7 @@
 </p:sld>
 </file>
 
-<file path=ppt/slides/slide24.xml><?xml version="1.0" encoding="utf-8"?>
+<file path=ppt/slides/slide25.xml><?xml version="1.0" encoding="utf-8"?>
 <p:sld xmlns:a="http://schemas.openxmlformats.org/drawingml/2006/main" xmlns:r="http://schemas.openxmlformats.org/officeDocument/2006/relationships" xmlns:p="http://schemas.openxmlformats.org/presentationml/2006/main">
   <p:cSld>
     <p:spTree>
@@ -14376,7 +15461,7 @@
           <a:p>
             <a:fld id="{2FA0223F-D95A-431D-9A71-EDA7FA0C2F5B}" type="slidenum">
               <a:rPr lang="en-US" smtClean="0"/>
-              <a:t>24</a:t>
+              <a:t>25</a:t>
             </a:fld>
             <a:endParaRPr lang="en-US"/>
           </a:p>
@@ -14505,7 +15590,7 @@
           <p:nvPr>
             <p:extLst>
               <p:ext uri="{D42A27DB-BD31-4B8C-83A1-F6EECF244321}">
-                <p14:modId xmlns:p14="http://schemas.microsoft.com/office/powerpoint/2010/main" val="1411411083"/>
+                <p14:modId xmlns:p14="http://schemas.microsoft.com/office/powerpoint/2010/main" val="839147914"/>
               </p:ext>
             </p:extLst>
           </p:nvPr>
@@ -14663,7 +15748,7 @@
                       <a:pPr algn="ctr"/>
                       <a:r>
                         <a:rPr lang="en-GB" sz="1400" noProof="0" dirty="0"/>
-                        <a:t>0.93</a:t>
+                        <a:t>0.96</a:t>
                       </a:r>
                     </a:p>
                   </a:txBody>
@@ -14677,7 +15762,7 @@
                       <a:pPr algn="ctr"/>
                       <a:r>
                         <a:rPr lang="en-GB" sz="1400" noProof="0" dirty="0"/>
-                        <a:t>0.33</a:t>
+                        <a:t>0.27</a:t>
                       </a:r>
                     </a:p>
                   </a:txBody>
@@ -14691,7 +15776,7 @@
                       <a:pPr algn="ctr"/>
                       <a:r>
                         <a:rPr lang="en-GB" sz="1400" noProof="0" dirty="0"/>
-                        <a:t>0.49</a:t>
+                        <a:t>0.42</a:t>
                       </a:r>
                     </a:p>
                   </a:txBody>
@@ -14747,7 +15832,7 @@
                       <a:pPr algn="ctr"/>
                       <a:r>
                         <a:rPr lang="en-GB" sz="1400" noProof="0" dirty="0"/>
-                        <a:t>0.17</a:t>
+                        <a:t>0.16</a:t>
                       </a:r>
                     </a:p>
                   </a:txBody>
@@ -14761,7 +15846,7 @@
                       <a:pPr algn="ctr"/>
                       <a:r>
                         <a:rPr lang="en-GB" sz="1400" noProof="0" dirty="0"/>
-                        <a:t>0.97</a:t>
+                        <a:t>0.86</a:t>
                       </a:r>
                     </a:p>
                   </a:txBody>
@@ -14775,7 +15860,7 @@
                       <a:pPr algn="ctr"/>
                       <a:r>
                         <a:rPr lang="en-GB" sz="1400" noProof="0" dirty="0"/>
-                        <a:t>0.28</a:t>
+                        <a:t>0.27</a:t>
                       </a:r>
                     </a:p>
                   </a:txBody>
@@ -14831,7 +15916,7 @@
                       <a:pPr algn="ctr"/>
                       <a:r>
                         <a:rPr lang="en-GB" sz="1400" noProof="0" dirty="0"/>
-                        <a:t>0.86</a:t>
+                        <a:t>0.39</a:t>
                       </a:r>
                     </a:p>
                   </a:txBody>
@@ -14845,7 +15930,7 @@
                       <a:pPr algn="ctr"/>
                       <a:r>
                         <a:rPr lang="en-GB" sz="1400" noProof="0" dirty="0"/>
-                        <a:t>0.32</a:t>
+                        <a:t>0.57</a:t>
                       </a:r>
                     </a:p>
                   </a:txBody>
@@ -14859,7 +15944,7 @@
                       <a:pPr algn="ctr"/>
                       <a:r>
                         <a:rPr lang="en-GB" sz="1400" noProof="0" dirty="0"/>
-                        <a:t>0.47</a:t>
+                        <a:t>0.46</a:t>
                       </a:r>
                     </a:p>
                   </a:txBody>
@@ -14988,7 +16073,7 @@
                       <a:pPr algn="ctr"/>
                       <a:r>
                         <a:rPr lang="en-GB" sz="1400" noProof="0" dirty="0"/>
-                        <a:t>0.41</a:t>
+                        <a:t>0.37</a:t>
                       </a:r>
                     </a:p>
                   </a:txBody>
@@ -15042,7 +16127,7 @@
                       <a:pPr algn="ctr"/>
                       <a:r>
                         <a:rPr lang="en-GB" sz="1400" noProof="0" dirty="0"/>
-                        <a:t>0.65</a:t>
+                        <a:t>0.50</a:t>
                       </a:r>
                     </a:p>
                   </a:txBody>
@@ -15056,7 +16141,7 @@
                       <a:pPr algn="ctr"/>
                       <a:r>
                         <a:rPr lang="en-GB" sz="1400" noProof="0" dirty="0"/>
-                        <a:t>0.54</a:t>
+                        <a:t>0.57</a:t>
                       </a:r>
                     </a:p>
                   </a:txBody>
@@ -15070,7 +16155,7 @@
                       <a:pPr algn="ctr"/>
                       <a:r>
                         <a:rPr lang="en-GB" sz="1400" noProof="0" dirty="0"/>
-                        <a:t>0.42</a:t>
+                        <a:t>0.38</a:t>
                       </a:r>
                     </a:p>
                   </a:txBody>
@@ -15124,7 +16209,21 @@
                       <a:pPr algn="ctr"/>
                       <a:r>
                         <a:rPr lang="en-GB" sz="1400" noProof="0" dirty="0"/>
-                        <a:t>0.83</a:t>
+                        <a:t>0.80</a:t>
+                      </a:r>
+                    </a:p>
+                  </a:txBody>
+                  <a:tcPr anchor="ctr"/>
+                </a:tc>
+                <a:tc>
+                  <a:txBody>
+                    <a:bodyPr/>
+                    <a:lstStyle/>
+                    <a:p>
+                      <a:pPr algn="ctr"/>
+                      <a:r>
+                        <a:rPr lang="en-GB" sz="1400" noProof="0" dirty="0"/>
+                        <a:t>0.37</a:t>
                       </a:r>
                     </a:p>
                   </a:txBody>
@@ -15139,20 +16238,6 @@
                       <a:r>
                         <a:rPr lang="en-GB" sz="1400" noProof="0" dirty="0"/>
                         <a:t>0.41</a:t>
-                      </a:r>
-                    </a:p>
-                  </a:txBody>
-                  <a:tcPr anchor="ctr"/>
-                </a:tc>
-                <a:tc>
-                  <a:txBody>
-                    <a:bodyPr/>
-                    <a:lstStyle/>
-                    <a:p>
-                      <a:pPr algn="ctr"/>
-                      <a:r>
-                        <a:rPr lang="en-GB" sz="1400" noProof="0" dirty="0"/>
-                        <a:t>0.47</a:t>
                       </a:r>
                     </a:p>
                   </a:txBody>
@@ -15824,7 +16909,7 @@
 </p:sld>
 </file>
 
-<file path=ppt/slides/slide25.xml><?xml version="1.0" encoding="utf-8"?>
+<file path=ppt/slides/slide26.xml><?xml version="1.0" encoding="utf-8"?>
 <p:sld xmlns:a="http://schemas.openxmlformats.org/drawingml/2006/main" xmlns:r="http://schemas.openxmlformats.org/officeDocument/2006/relationships" xmlns:p="http://schemas.openxmlformats.org/presentationml/2006/main">
   <p:cSld>
     <p:spTree>
@@ -15994,7 +17079,7 @@
           <a:p>
             <a:fld id="{2FA0223F-D95A-431D-9A71-EDA7FA0C2F5B}" type="slidenum">
               <a:rPr lang="en-US" smtClean="0"/>
-              <a:t>25</a:t>
+              <a:t>26</a:t>
             </a:fld>
             <a:endParaRPr lang="en-US" dirty="0"/>
           </a:p>
@@ -16013,7 +17098,7 @@
 </p:sld>
 </file>
 
-<file path=ppt/slides/slide26.xml><?xml version="1.0" encoding="utf-8"?>
+<file path=ppt/slides/slide27.xml><?xml version="1.0" encoding="utf-8"?>
 <p:sld xmlns:a="http://schemas.openxmlformats.org/drawingml/2006/main" xmlns:r="http://schemas.openxmlformats.org/officeDocument/2006/relationships" xmlns:p="http://schemas.openxmlformats.org/presentationml/2006/main">
   <p:cSld>
     <p:spTree>
@@ -16094,7 +17179,7 @@
           <a:p>
             <a:fld id="{2FA0223F-D95A-431D-9A71-EDA7FA0C2F5B}" type="slidenum">
               <a:rPr lang="en-US" smtClean="0"/>
-              <a:t>26</a:t>
+              <a:t>27</a:t>
             </a:fld>
             <a:endParaRPr lang="en-US"/>
           </a:p>

--- a/Documentation/5. Heuristic classifier.pptx
+++ b/Documentation/5. Heuristic classifier.pptx
@@ -8089,7 +8089,7 @@
                   <a:schemeClr val="accent6"/>
                 </a:solidFill>
               </a:rPr>
-              <a:t>Ventricular: after t&gt;0.5</a:t>
+              <a:t>Ventricular: after t&gt;0.45</a:t>
             </a:r>
           </a:p>
           <a:p>
@@ -8103,7 +8103,7 @@
                   <a:srgbClr val="C00000"/>
                 </a:solidFill>
               </a:rPr>
-              <a:t>His bundle: 0.35&lt;t&lt;0.5</a:t>
+              <a:t>His bundle: 0.35&lt;t&lt;0.45</a:t>
             </a:r>
           </a:p>
           <a:p>
@@ -13406,10 +13406,10 @@
       </p:sp>
       <p:pic>
         <p:nvPicPr>
-          <p:cNvPr id="5" name="Immagine 4" descr="Immagine che contiene testo, schermata, numero, diagramma&#10;&#10;Descrizione generata automaticamente">
-            <a:extLst>
-              <a:ext uri="{FF2B5EF4-FFF2-40B4-BE49-F238E27FC236}">
-                <a16:creationId xmlns:a16="http://schemas.microsoft.com/office/drawing/2014/main" id="{241D2F86-3B53-95CA-C014-D8D2D93E5A17}"/>
+          <p:cNvPr id="6" name="Immagine 5" descr="Immagine che contiene testo, schermata, numero, diagramma&#10;&#10;Descrizione generata automaticamente">
+            <a:extLst>
+              <a:ext uri="{FF2B5EF4-FFF2-40B4-BE49-F238E27FC236}">
+                <a16:creationId xmlns:a16="http://schemas.microsoft.com/office/drawing/2014/main" id="{FE365A8B-5607-5406-9E12-59847109268E}"/>
               </a:ext>
             </a:extLst>
           </p:cNvPr>
@@ -13442,10 +13442,10 @@
       </p:pic>
       <p:pic>
         <p:nvPicPr>
-          <p:cNvPr id="7" name="Immagine 6" descr="Immagine che contiene testo, schermata, numero, diagramma&#10;&#10;Descrizione generata automaticamente">
-            <a:extLst>
-              <a:ext uri="{FF2B5EF4-FFF2-40B4-BE49-F238E27FC236}">
-                <a16:creationId xmlns:a16="http://schemas.microsoft.com/office/drawing/2014/main" id="{0E02AFDB-2021-5D85-92C6-821E4D1A2777}"/>
+          <p:cNvPr id="10" name="Immagine 9" descr="Immagine che contiene testo, schermata, numero, diagramma&#10;&#10;Descrizione generata automaticamente">
+            <a:extLst>
+              <a:ext uri="{FF2B5EF4-FFF2-40B4-BE49-F238E27FC236}">
+                <a16:creationId xmlns:a16="http://schemas.microsoft.com/office/drawing/2014/main" id="{2140EA74-B4DA-1989-E59A-0EEA0C470AF4}"/>
               </a:ext>
             </a:extLst>
           </p:cNvPr>
@@ -13736,10 +13736,10 @@
       </p:sp>
       <p:pic>
         <p:nvPicPr>
-          <p:cNvPr id="5" name="Immagine 4" descr="Immagine che contiene testo, schermata, numero, diagramma&#10;&#10;Descrizione generata automaticamente">
-            <a:extLst>
-              <a:ext uri="{FF2B5EF4-FFF2-40B4-BE49-F238E27FC236}">
-                <a16:creationId xmlns:a16="http://schemas.microsoft.com/office/drawing/2014/main" id="{C96802C5-6EB2-FC84-1B2A-E570CFA54D91}"/>
+          <p:cNvPr id="6" name="Immagine 5" descr="Immagine che contiene testo, schermata, numero, diagramma&#10;&#10;Descrizione generata automaticamente">
+            <a:extLst>
+              <a:ext uri="{FF2B5EF4-FFF2-40B4-BE49-F238E27FC236}">
+                <a16:creationId xmlns:a16="http://schemas.microsoft.com/office/drawing/2014/main" id="{27B101E2-0C76-CA04-3E15-991A0836083E}"/>
               </a:ext>
             </a:extLst>
           </p:cNvPr>
@@ -13762,7 +13762,7 @@
         </p:blipFill>
         <p:spPr>
           <a:xfrm>
-            <a:off x="607278" y="1980839"/>
+            <a:off x="304248" y="1980839"/>
             <a:ext cx="5486682" cy="3657788"/>
           </a:xfrm>
           <a:prstGeom prst="rect">
@@ -13772,10 +13772,10 @@
       </p:pic>
       <p:pic>
         <p:nvPicPr>
-          <p:cNvPr id="10" name="Immagine 9" descr="Immagine che contiene testo, schermata, numero, diagramma&#10;&#10;Descrizione generata automaticamente">
-            <a:extLst>
-              <a:ext uri="{FF2B5EF4-FFF2-40B4-BE49-F238E27FC236}">
-                <a16:creationId xmlns:a16="http://schemas.microsoft.com/office/drawing/2014/main" id="{6C3DB975-B585-79D4-371B-354AAB1161FB}"/>
+          <p:cNvPr id="8" name="Immagine 7" descr="Immagine che contiene testo, schermata, numero, diagramma&#10;&#10;Descrizione generata automaticamente">
+            <a:extLst>
+              <a:ext uri="{FF2B5EF4-FFF2-40B4-BE49-F238E27FC236}">
+                <a16:creationId xmlns:a16="http://schemas.microsoft.com/office/drawing/2014/main" id="{19DA7006-84D3-7903-9EB1-69403120C733}"/>
               </a:ext>
             </a:extLst>
           </p:cNvPr>
@@ -13798,7 +13798,7 @@
         </p:blipFill>
         <p:spPr>
           <a:xfrm>
-            <a:off x="6093960" y="1980839"/>
+            <a:off x="5790930" y="1980839"/>
             <a:ext cx="5486682" cy="3657788"/>
           </a:xfrm>
           <a:prstGeom prst="rect">

--- a/Documentation/5. Heuristic classifier.pptx
+++ b/Documentation/5. Heuristic classifier.pptx
@@ -223,7 +223,7 @@
           <a:p>
             <a:fld id="{1A21894F-B278-4D96-9594-A030EA633187}" type="datetimeFigureOut">
               <a:rPr lang="it-IT" smtClean="0"/>
-              <a:t>28/10/2024</a:t>
+              <a:t>29/10/2024</a:t>
             </a:fld>
             <a:endParaRPr lang="it-IT"/>
           </a:p>
@@ -3663,7 +3663,7 @@
           <a:p>
             <a:fld id="{58E4D78B-0F35-4E3B-A0B9-554BA787D8A4}" type="datetime1">
               <a:rPr lang="en-US" smtClean="0"/>
-              <a:t>10/28/2024</a:t>
+              <a:t>10/29/2024</a:t>
             </a:fld>
             <a:endParaRPr lang="en-US"/>
           </a:p>
@@ -3873,7 +3873,7 @@
           <a:p>
             <a:fld id="{604487E5-BE79-4BAC-AEB7-0CE0533B5E5C}" type="datetime1">
               <a:rPr lang="en-US" smtClean="0"/>
-              <a:t>10/28/2024</a:t>
+              <a:t>10/29/2024</a:t>
             </a:fld>
             <a:endParaRPr lang="en-US"/>
           </a:p>
@@ -4073,7 +4073,7 @@
           <a:p>
             <a:fld id="{DDA7E0CB-9E21-49FD-99A0-0CD75BBC45F4}" type="datetime1">
               <a:rPr lang="en-US" smtClean="0"/>
-              <a:t>10/28/2024</a:t>
+              <a:t>10/29/2024</a:t>
             </a:fld>
             <a:endParaRPr lang="en-US"/>
           </a:p>
@@ -4349,7 +4349,7 @@
           <a:p>
             <a:fld id="{661D7149-FE96-419A-8F67-9BD351842985}" type="datetime1">
               <a:rPr lang="en-US" smtClean="0"/>
-              <a:t>10/28/2024</a:t>
+              <a:t>10/29/2024</a:t>
             </a:fld>
             <a:endParaRPr lang="en-US"/>
           </a:p>
@@ -4617,7 +4617,7 @@
           <a:p>
             <a:fld id="{6CA97CEF-DD94-4A20-85BC-5094F3EA8887}" type="datetime1">
               <a:rPr lang="en-US" smtClean="0"/>
-              <a:t>10/28/2024</a:t>
+              <a:t>10/29/2024</a:t>
             </a:fld>
             <a:endParaRPr lang="en-US"/>
           </a:p>
@@ -5032,7 +5032,7 @@
           <a:p>
             <a:fld id="{9862EB4C-45F8-47BA-B435-B6097D61B684}" type="datetime1">
               <a:rPr lang="en-US" smtClean="0"/>
-              <a:t>10/28/2024</a:t>
+              <a:t>10/29/2024</a:t>
             </a:fld>
             <a:endParaRPr lang="en-US"/>
           </a:p>
@@ -5174,7 +5174,7 @@
           <a:p>
             <a:fld id="{FA7CD0E2-B7EC-4D81-9389-8F889EE865AB}" type="datetime1">
               <a:rPr lang="en-US" smtClean="0"/>
-              <a:t>10/28/2024</a:t>
+              <a:t>10/29/2024</a:t>
             </a:fld>
             <a:endParaRPr lang="en-US"/>
           </a:p>
@@ -5287,7 +5287,7 @@
           <a:p>
             <a:fld id="{18B47F5C-7FA0-44DA-BF82-413AB90208B7}" type="datetime1">
               <a:rPr lang="en-US" smtClean="0"/>
-              <a:t>10/28/2024</a:t>
+              <a:t>10/29/2024</a:t>
             </a:fld>
             <a:endParaRPr lang="en-US"/>
           </a:p>
@@ -5600,7 +5600,7 @@
           <a:p>
             <a:fld id="{403415A8-F8BD-47CC-8D20-53798396961D}" type="datetime1">
               <a:rPr lang="en-US" smtClean="0"/>
-              <a:t>10/28/2024</a:t>
+              <a:t>10/29/2024</a:t>
             </a:fld>
             <a:endParaRPr lang="en-US"/>
           </a:p>
@@ -5889,7 +5889,7 @@
           <a:p>
             <a:fld id="{6A12F5A1-6669-4CDD-B1B4-04FFE5C41ADE}" type="datetime1">
               <a:rPr lang="en-US" smtClean="0"/>
-              <a:t>10/28/2024</a:t>
+              <a:t>10/29/2024</a:t>
             </a:fld>
             <a:endParaRPr lang="en-US"/>
           </a:p>
@@ -6093,7 +6093,7 @@
           <a:p>
             <a:fld id="{63421662-C242-4258-8799-9F32C0D7CC75}" type="datetime1">
               <a:rPr lang="en-US" smtClean="0"/>
-              <a:t>10/28/2024</a:t>
+              <a:t>10/29/2024</a:t>
             </a:fld>
             <a:endParaRPr lang="en-US"/>
           </a:p>
@@ -11154,14 +11154,13 @@
               </a:ext>
             </a:extLst>
           </a:blip>
-          <a:stretch>
-            <a:fillRect/>
-          </a:stretch>
+          <a:srcRect/>
+          <a:stretch/>
         </p:blipFill>
         <p:spPr>
           <a:xfrm>
             <a:off x="5537200" y="1615302"/>
-            <a:ext cx="6045482" cy="4030321"/>
+            <a:ext cx="6045481" cy="4030321"/>
           </a:xfrm>
           <a:prstGeom prst="rect">
             <a:avLst/>
@@ -11486,7 +11485,7 @@
       </p:sp>
       <p:pic>
         <p:nvPicPr>
-          <p:cNvPr id="8" name="Immagine 7" descr="Immagine che contiene testo, linea, schermata, Diagramma&#10;&#10;Descrizione generata automaticamente">
+          <p:cNvPr id="8" name="Immagine 7">
             <a:extLst>
               <a:ext uri="{FF2B5EF4-FFF2-40B4-BE49-F238E27FC236}">
                 <a16:creationId xmlns:a16="http://schemas.microsoft.com/office/drawing/2014/main" id="{810E1CFF-CAAC-EE21-4DB0-4A585EF887DD}"/>
@@ -11506,14 +11505,13 @@
               </a:ext>
             </a:extLst>
           </a:blip>
-          <a:stretch>
-            <a:fillRect/>
-          </a:stretch>
+          <a:srcRect/>
+          <a:stretch/>
         </p:blipFill>
         <p:spPr>
           <a:xfrm>
             <a:off x="5433136" y="1615302"/>
-            <a:ext cx="6149546" cy="4099697"/>
+            <a:ext cx="6149545" cy="4099697"/>
           </a:xfrm>
           <a:prstGeom prst="rect">
             <a:avLst/>
@@ -11855,7 +11853,7 @@
       </p:sp>
       <p:pic>
         <p:nvPicPr>
-          <p:cNvPr id="5" name="Immagine 4" descr="Immagine che contiene testo, linea, schermata, Diagramma&#10;&#10;Descrizione generata automaticamente">
+          <p:cNvPr id="5" name="Immagine 4">
             <a:extLst>
               <a:ext uri="{FF2B5EF4-FFF2-40B4-BE49-F238E27FC236}">
                 <a16:creationId xmlns:a16="http://schemas.microsoft.com/office/drawing/2014/main" id="{2BAF94B2-4583-5820-EC9A-0578D66B48D9}"/>
@@ -11875,9 +11873,8 @@
               </a:ext>
             </a:extLst>
           </a:blip>
-          <a:stretch>
-            <a:fillRect/>
-          </a:stretch>
+          <a:srcRect/>
+          <a:stretch/>
         </p:blipFill>
         <p:spPr>
           <a:xfrm>
@@ -12221,7 +12218,7 @@
       </p:sp>
       <p:pic>
         <p:nvPicPr>
-          <p:cNvPr id="5" name="Immagine 4" descr="Immagine che contiene testo, linea, diagramma, Diagramma&#10;&#10;Descrizione generata automaticamente">
+          <p:cNvPr id="5" name="Immagine 4">
             <a:extLst>
               <a:ext uri="{FF2B5EF4-FFF2-40B4-BE49-F238E27FC236}">
                 <a16:creationId xmlns:a16="http://schemas.microsoft.com/office/drawing/2014/main" id="{18CB5C79-D145-14EE-2887-1C1A27D274D9}"/>
@@ -12241,14 +12238,13 @@
               </a:ext>
             </a:extLst>
           </a:blip>
-          <a:stretch>
-            <a:fillRect/>
-          </a:stretch>
+          <a:srcRect/>
+          <a:stretch/>
         </p:blipFill>
         <p:spPr>
           <a:xfrm>
             <a:off x="5110480" y="1615302"/>
-            <a:ext cx="6167132" cy="4111421"/>
+            <a:ext cx="6167131" cy="4111421"/>
           </a:xfrm>
           <a:prstGeom prst="rect">
             <a:avLst/>
@@ -12743,7 +12739,7 @@
       </p:sp>
       <p:pic>
         <p:nvPicPr>
-          <p:cNvPr id="6" name="Immagine 5" descr="Immagine che contiene testo, linea, Diagramma, diagramma&#10;&#10;Descrizione generata automaticamente">
+          <p:cNvPr id="6" name="Immagine 5">
             <a:extLst>
               <a:ext uri="{FF2B5EF4-FFF2-40B4-BE49-F238E27FC236}">
                 <a16:creationId xmlns:a16="http://schemas.microsoft.com/office/drawing/2014/main" id="{EC9F7AB9-94CD-963D-DBB9-43C6DEE4ADB3}"/>
@@ -12763,14 +12759,13 @@
               </a:ext>
             </a:extLst>
           </a:blip>
-          <a:stretch>
-            <a:fillRect/>
-          </a:stretch>
+          <a:srcRect/>
+          <a:stretch/>
         </p:blipFill>
         <p:spPr>
           <a:xfrm>
             <a:off x="5090236" y="1615302"/>
-            <a:ext cx="6492446" cy="4328297"/>
+            <a:ext cx="6492445" cy="4328297"/>
           </a:xfrm>
           <a:prstGeom prst="rect">
             <a:avLst/>
@@ -13112,7 +13107,7 @@
       </p:sp>
       <p:pic>
         <p:nvPicPr>
-          <p:cNvPr id="6" name="Immagine 5" descr="Immagine che contiene testo, schermata, linea, Diagramma&#10;&#10;Descrizione generata automaticamente">
+          <p:cNvPr id="6" name="Immagine 5">
             <a:extLst>
               <a:ext uri="{FF2B5EF4-FFF2-40B4-BE49-F238E27FC236}">
                 <a16:creationId xmlns:a16="http://schemas.microsoft.com/office/drawing/2014/main" id="{A0BEAE0A-D181-A136-985E-32EBA2520687}"/>
@@ -13132,14 +13127,13 @@
               </a:ext>
             </a:extLst>
           </a:blip>
-          <a:stretch>
-            <a:fillRect/>
-          </a:stretch>
+          <a:srcRect/>
+          <a:stretch/>
         </p:blipFill>
         <p:spPr>
           <a:xfrm>
             <a:off x="5303326" y="1615302"/>
-            <a:ext cx="5974286" cy="3982857"/>
+            <a:ext cx="5974285" cy="3982857"/>
           </a:xfrm>
           <a:prstGeom prst="rect">
             <a:avLst/>

--- a/Documentation/5. Heuristic classifier.pptx
+++ b/Documentation/5. Heuristic classifier.pptx
@@ -20,8 +20,8 @@
     <p:sldId id="644" r:id="rId11"/>
     <p:sldId id="641" r:id="rId12"/>
     <p:sldId id="635" r:id="rId13"/>
-    <p:sldId id="650" r:id="rId14"/>
-    <p:sldId id="654" r:id="rId15"/>
+    <p:sldId id="654" r:id="rId14"/>
+    <p:sldId id="650" r:id="rId15"/>
     <p:sldId id="642" r:id="rId16"/>
     <p:sldId id="651" r:id="rId17"/>
     <p:sldId id="652" r:id="rId18"/>
@@ -798,7 +798,7 @@
         <p:cNvPr id="1" name="">
           <a:extLst>
             <a:ext uri="{FF2B5EF4-FFF2-40B4-BE49-F238E27FC236}">
-              <a16:creationId xmlns:a16="http://schemas.microsoft.com/office/drawing/2014/main" id="{0D77B7DA-0ACF-A5F8-79C4-0FB556D97F56}"/>
+              <a16:creationId xmlns:a16="http://schemas.microsoft.com/office/drawing/2014/main" id="{8AF4A77A-6C6B-1D3A-60D1-EEF9166664E1}"/>
             </a:ext>
           </a:extLst>
         </p:cNvPr>
@@ -818,7 +818,7 @@
           <p:cNvPr id="2" name="Segnaposto immagine diapositiva 1">
             <a:extLst>
               <a:ext uri="{FF2B5EF4-FFF2-40B4-BE49-F238E27FC236}">
-                <a16:creationId xmlns:a16="http://schemas.microsoft.com/office/drawing/2014/main" id="{3B4A0DA4-6F09-A9F0-88D1-00804A7E30E2}"/>
+                <a16:creationId xmlns:a16="http://schemas.microsoft.com/office/drawing/2014/main" id="{236653BE-2550-D784-1C7C-898E6671D031}"/>
               </a:ext>
             </a:extLst>
           </p:cNvPr>
@@ -836,7 +836,7 @@
           <p:cNvPr id="3" name="Segnaposto note 2">
             <a:extLst>
               <a:ext uri="{FF2B5EF4-FFF2-40B4-BE49-F238E27FC236}">
-                <a16:creationId xmlns:a16="http://schemas.microsoft.com/office/drawing/2014/main" id="{4BB23A41-852C-84DA-3AEB-2AD5F65149F0}"/>
+                <a16:creationId xmlns:a16="http://schemas.microsoft.com/office/drawing/2014/main" id="{31008133-79E2-7080-8A1C-0E8360903B41}"/>
               </a:ext>
             </a:extLst>
           </p:cNvPr>
@@ -861,7 +861,7 @@
           <p:cNvPr id="4" name="Segnaposto numero diapositiva 3">
             <a:extLst>
               <a:ext uri="{FF2B5EF4-FFF2-40B4-BE49-F238E27FC236}">
-                <a16:creationId xmlns:a16="http://schemas.microsoft.com/office/drawing/2014/main" id="{DC9C8460-5BE8-C080-7808-06A84A84C2C7}"/>
+                <a16:creationId xmlns:a16="http://schemas.microsoft.com/office/drawing/2014/main" id="{C018B108-90B4-A15D-3F72-ACA926132CC1}"/>
               </a:ext>
             </a:extLst>
           </p:cNvPr>
@@ -888,7 +888,7 @@
     </p:spTree>
     <p:extLst>
       <p:ext uri="{BB962C8B-B14F-4D97-AF65-F5344CB8AC3E}">
-        <p14:creationId xmlns:p14="http://schemas.microsoft.com/office/powerpoint/2010/main" val="1094532318"/>
+        <p14:creationId xmlns:p14="http://schemas.microsoft.com/office/powerpoint/2010/main" val="579123036"/>
       </p:ext>
     </p:extLst>
   </p:cSld>
@@ -906,7 +906,7 @@
         <p:cNvPr id="1" name="">
           <a:extLst>
             <a:ext uri="{FF2B5EF4-FFF2-40B4-BE49-F238E27FC236}">
-              <a16:creationId xmlns:a16="http://schemas.microsoft.com/office/drawing/2014/main" id="{8AF4A77A-6C6B-1D3A-60D1-EEF9166664E1}"/>
+              <a16:creationId xmlns:a16="http://schemas.microsoft.com/office/drawing/2014/main" id="{0D77B7DA-0ACF-A5F8-79C4-0FB556D97F56}"/>
             </a:ext>
           </a:extLst>
         </p:cNvPr>
@@ -926,7 +926,7 @@
           <p:cNvPr id="2" name="Segnaposto immagine diapositiva 1">
             <a:extLst>
               <a:ext uri="{FF2B5EF4-FFF2-40B4-BE49-F238E27FC236}">
-                <a16:creationId xmlns:a16="http://schemas.microsoft.com/office/drawing/2014/main" id="{236653BE-2550-D784-1C7C-898E6671D031}"/>
+                <a16:creationId xmlns:a16="http://schemas.microsoft.com/office/drawing/2014/main" id="{3B4A0DA4-6F09-A9F0-88D1-00804A7E30E2}"/>
               </a:ext>
             </a:extLst>
           </p:cNvPr>
@@ -944,7 +944,7 @@
           <p:cNvPr id="3" name="Segnaposto note 2">
             <a:extLst>
               <a:ext uri="{FF2B5EF4-FFF2-40B4-BE49-F238E27FC236}">
-                <a16:creationId xmlns:a16="http://schemas.microsoft.com/office/drawing/2014/main" id="{31008133-79E2-7080-8A1C-0E8360903B41}"/>
+                <a16:creationId xmlns:a16="http://schemas.microsoft.com/office/drawing/2014/main" id="{4BB23A41-852C-84DA-3AEB-2AD5F65149F0}"/>
               </a:ext>
             </a:extLst>
           </p:cNvPr>
@@ -969,7 +969,7 @@
           <p:cNvPr id="4" name="Segnaposto numero diapositiva 3">
             <a:extLst>
               <a:ext uri="{FF2B5EF4-FFF2-40B4-BE49-F238E27FC236}">
-                <a16:creationId xmlns:a16="http://schemas.microsoft.com/office/drawing/2014/main" id="{C018B108-90B4-A15D-3F72-ACA926132CC1}"/>
+                <a16:creationId xmlns:a16="http://schemas.microsoft.com/office/drawing/2014/main" id="{DC9C8460-5BE8-C080-7808-06A84A84C2C7}"/>
               </a:ext>
             </a:extLst>
           </p:cNvPr>
@@ -996,7 +996,7 @@
     </p:spTree>
     <p:extLst>
       <p:ext uri="{BB962C8B-B14F-4D97-AF65-F5344CB8AC3E}">
-        <p14:creationId xmlns:p14="http://schemas.microsoft.com/office/powerpoint/2010/main" val="579123036"/>
+        <p14:creationId xmlns:p14="http://schemas.microsoft.com/office/powerpoint/2010/main" val="1094532318"/>
       </p:ext>
     </p:extLst>
   </p:cSld>
@@ -8159,7 +8159,7 @@
             </a:r>
             <a:r>
               <a:rPr lang="en-US" sz="1400" dirty="0"/>
-              <a:t> set as a multiple of the SD of the segment, by trial and errors fixed at 5 times SD</a:t>
+              <a:t> set as a multiple of the SD of the segment, tuned and fixed at 5 times SD</a:t>
             </a:r>
           </a:p>
           <a:p>
@@ -9227,421 +9227,6 @@
         <p:cNvPr id="1" name="">
           <a:extLst>
             <a:ext uri="{FF2B5EF4-FFF2-40B4-BE49-F238E27FC236}">
-              <a16:creationId xmlns:a16="http://schemas.microsoft.com/office/drawing/2014/main" id="{E6C73941-4408-5253-0DB3-AA36D7BE61C4}"/>
-            </a:ext>
-          </a:extLst>
-        </p:cNvPr>
-        <p:cNvGrpSpPr/>
-        <p:nvPr/>
-      </p:nvGrpSpPr>
-      <p:grpSpPr>
-        <a:xfrm>
-          <a:off x="0" y="0"/>
-          <a:ext cx="0" cy="0"/>
-          <a:chOff x="0" y="0"/>
-          <a:chExt cx="0" cy="0"/>
-        </a:xfrm>
-      </p:grpSpPr>
-      <p:sp>
-        <p:nvSpPr>
-          <p:cNvPr id="2" name="Titolo 1">
-            <a:extLst>
-              <a:ext uri="{FF2B5EF4-FFF2-40B4-BE49-F238E27FC236}">
-                <a16:creationId xmlns:a16="http://schemas.microsoft.com/office/drawing/2014/main" id="{69224F11-8509-2CDF-AB9A-C45DEB9D1E58}"/>
-              </a:ext>
-            </a:extLst>
-          </p:cNvPr>
-          <p:cNvSpPr>
-            <a:spLocks noGrp="1"/>
-          </p:cNvSpPr>
-          <p:nvPr>
-            <p:ph type="title"/>
-          </p:nvPr>
-        </p:nvSpPr>
-        <p:spPr>
-          <a:xfrm>
-            <a:off x="838200" y="209292"/>
-            <a:ext cx="9905460" cy="971551"/>
-          </a:xfrm>
-        </p:spPr>
-        <p:txBody>
-          <a:bodyPr>
-            <a:normAutofit/>
-          </a:bodyPr>
-          <a:lstStyle/>
-          <a:p>
-            <a:r>
-              <a:rPr lang="en-US" sz="3600" dirty="0"/>
-              <a:t>Find peaks function documentation</a:t>
-            </a:r>
-          </a:p>
-        </p:txBody>
-      </p:sp>
-      <p:sp>
-        <p:nvSpPr>
-          <p:cNvPr id="4" name="Segnaposto numero diapositiva 3">
-            <a:extLst>
-              <a:ext uri="{FF2B5EF4-FFF2-40B4-BE49-F238E27FC236}">
-                <a16:creationId xmlns:a16="http://schemas.microsoft.com/office/drawing/2014/main" id="{2F6B30D3-0568-AC50-E4D5-B50B9B275D2C}"/>
-              </a:ext>
-            </a:extLst>
-          </p:cNvPr>
-          <p:cNvSpPr>
-            <a:spLocks noGrp="1"/>
-          </p:cNvSpPr>
-          <p:nvPr>
-            <p:ph type="sldNum" sz="quarter" idx="12"/>
-          </p:nvPr>
-        </p:nvSpPr>
-        <p:spPr/>
-        <p:txBody>
-          <a:bodyPr/>
-          <a:lstStyle/>
-          <a:p>
-            <a:fld id="{2FA0223F-D95A-431D-9A71-EDA7FA0C2F5B}" type="slidenum">
-              <a:rPr lang="en-US" smtClean="0"/>
-              <a:t>13</a:t>
-            </a:fld>
-            <a:endParaRPr lang="en-US"/>
-          </a:p>
-        </p:txBody>
-      </p:sp>
-      <p:sp>
-        <p:nvSpPr>
-          <p:cNvPr id="27" name="Rettangolo 26">
-            <a:extLst>
-              <a:ext uri="{FF2B5EF4-FFF2-40B4-BE49-F238E27FC236}">
-                <a16:creationId xmlns:a16="http://schemas.microsoft.com/office/drawing/2014/main" id="{A6BB5279-3CCD-B0B7-6A8E-70E82471908E}"/>
-              </a:ext>
-            </a:extLst>
-          </p:cNvPr>
-          <p:cNvSpPr/>
-          <p:nvPr/>
-        </p:nvSpPr>
-        <p:spPr>
-          <a:xfrm>
-            <a:off x="6723157" y="1812745"/>
-            <a:ext cx="206547" cy="168094"/>
-          </a:xfrm>
-          <a:prstGeom prst="rect">
-            <a:avLst/>
-          </a:prstGeom>
-          <a:solidFill>
-            <a:schemeClr val="bg1"/>
-          </a:solidFill>
-          <a:ln>
-            <a:solidFill>
-              <a:schemeClr val="bg1"/>
-            </a:solidFill>
-          </a:ln>
-        </p:spPr>
-        <p:style>
-          <a:lnRef idx="2">
-            <a:schemeClr val="accent1">
-              <a:shade val="15000"/>
-            </a:schemeClr>
-          </a:lnRef>
-          <a:fillRef idx="1">
-            <a:schemeClr val="accent1"/>
-          </a:fillRef>
-          <a:effectRef idx="0">
-            <a:schemeClr val="accent1"/>
-          </a:effectRef>
-          <a:fontRef idx="minor">
-            <a:schemeClr val="lt1"/>
-          </a:fontRef>
-        </p:style>
-        <p:txBody>
-          <a:bodyPr rtlCol="0" anchor="ctr"/>
-          <a:lstStyle/>
-          <a:p>
-            <a:pPr algn="ctr"/>
-            <a:endParaRPr lang="it-IT"/>
-          </a:p>
-        </p:txBody>
-      </p:sp>
-      <p:sp>
-        <p:nvSpPr>
-          <p:cNvPr id="12" name="Rettangolo 11">
-            <a:extLst>
-              <a:ext uri="{FF2B5EF4-FFF2-40B4-BE49-F238E27FC236}">
-                <a16:creationId xmlns:a16="http://schemas.microsoft.com/office/drawing/2014/main" id="{D62B20FF-0949-D2FD-4C51-9FD930CA107D}"/>
-              </a:ext>
-            </a:extLst>
-          </p:cNvPr>
-          <p:cNvSpPr/>
-          <p:nvPr/>
-        </p:nvSpPr>
-        <p:spPr>
-          <a:xfrm>
-            <a:off x="5468844" y="2179320"/>
-            <a:ext cx="223296" cy="160020"/>
-          </a:xfrm>
-          <a:prstGeom prst="rect">
-            <a:avLst/>
-          </a:prstGeom>
-          <a:solidFill>
-            <a:schemeClr val="bg1"/>
-          </a:solidFill>
-          <a:ln>
-            <a:solidFill>
-              <a:schemeClr val="bg1"/>
-            </a:solidFill>
-          </a:ln>
-        </p:spPr>
-        <p:style>
-          <a:lnRef idx="2">
-            <a:schemeClr val="accent1">
-              <a:shade val="15000"/>
-            </a:schemeClr>
-          </a:lnRef>
-          <a:fillRef idx="1">
-            <a:schemeClr val="accent1"/>
-          </a:fillRef>
-          <a:effectRef idx="0">
-            <a:schemeClr val="accent1"/>
-          </a:effectRef>
-          <a:fontRef idx="minor">
-            <a:schemeClr val="lt1"/>
-          </a:fontRef>
-        </p:style>
-        <p:txBody>
-          <a:bodyPr rtlCol="0" anchor="ctr"/>
-          <a:lstStyle/>
-          <a:p>
-            <a:pPr algn="ctr"/>
-            <a:endParaRPr lang="it-IT"/>
-          </a:p>
-        </p:txBody>
-      </p:sp>
-      <p:pic>
-        <p:nvPicPr>
-          <p:cNvPr id="7" name="Immagine 6">
-            <a:extLst>
-              <a:ext uri="{FF2B5EF4-FFF2-40B4-BE49-F238E27FC236}">
-                <a16:creationId xmlns:a16="http://schemas.microsoft.com/office/drawing/2014/main" id="{16335DA7-C092-25E0-35C0-280B06B6AF74}"/>
-              </a:ext>
-            </a:extLst>
-          </p:cNvPr>
-          <p:cNvPicPr>
-            <a:picLocks noChangeAspect="1"/>
-          </p:cNvPicPr>
-          <p:nvPr/>
-        </p:nvPicPr>
-        <p:blipFill>
-          <a:blip r:embed="rId3"/>
-          <a:stretch>
-            <a:fillRect/>
-          </a:stretch>
-        </p:blipFill>
-        <p:spPr>
-          <a:xfrm>
-            <a:off x="578871" y="1481990"/>
-            <a:ext cx="5876793" cy="2367910"/>
-          </a:xfrm>
-          <a:prstGeom prst="rect">
-            <a:avLst/>
-          </a:prstGeom>
-        </p:spPr>
-      </p:pic>
-      <p:pic>
-        <p:nvPicPr>
-          <p:cNvPr id="10" name="Immagine 9">
-            <a:extLst>
-              <a:ext uri="{FF2B5EF4-FFF2-40B4-BE49-F238E27FC236}">
-                <a16:creationId xmlns:a16="http://schemas.microsoft.com/office/drawing/2014/main" id="{DCFEEDB5-378C-A075-EC1D-2CD28163E06E}"/>
-              </a:ext>
-            </a:extLst>
-          </p:cNvPr>
-          <p:cNvPicPr>
-            <a:picLocks noChangeAspect="1"/>
-          </p:cNvPicPr>
-          <p:nvPr/>
-        </p:nvPicPr>
-        <p:blipFill>
-          <a:blip r:embed="rId4"/>
-          <a:srcRect b="83095"/>
-          <a:stretch/>
-        </p:blipFill>
-        <p:spPr>
-          <a:xfrm>
-            <a:off x="1342395" y="3942695"/>
-            <a:ext cx="5113269" cy="724000"/>
-          </a:xfrm>
-          <a:prstGeom prst="rect">
-            <a:avLst/>
-          </a:prstGeom>
-        </p:spPr>
-      </p:pic>
-      <p:pic>
-        <p:nvPicPr>
-          <p:cNvPr id="11" name="Immagine 10">
-            <a:extLst>
-              <a:ext uri="{FF2B5EF4-FFF2-40B4-BE49-F238E27FC236}">
-                <a16:creationId xmlns:a16="http://schemas.microsoft.com/office/drawing/2014/main" id="{E0735398-8102-017F-E358-36134F8FC22A}"/>
-              </a:ext>
-            </a:extLst>
-          </p:cNvPr>
-          <p:cNvPicPr>
-            <a:picLocks noChangeAspect="1"/>
-          </p:cNvPicPr>
-          <p:nvPr/>
-        </p:nvPicPr>
-        <p:blipFill>
-          <a:blip r:embed="rId4"/>
-          <a:srcRect l="157" t="80385" r="262" b="-226"/>
-          <a:stretch/>
-        </p:blipFill>
-        <p:spPr>
-          <a:xfrm>
-            <a:off x="1342146" y="4666694"/>
-            <a:ext cx="5113269" cy="849731"/>
-          </a:xfrm>
-          <a:prstGeom prst="rect">
-            <a:avLst/>
-          </a:prstGeom>
-        </p:spPr>
-      </p:pic>
-      <p:pic>
-        <p:nvPicPr>
-          <p:cNvPr id="14" name="Immagine 13">
-            <a:extLst>
-              <a:ext uri="{FF2B5EF4-FFF2-40B4-BE49-F238E27FC236}">
-                <a16:creationId xmlns:a16="http://schemas.microsoft.com/office/drawing/2014/main" id="{C3549561-A02C-7E89-B6B9-8B004DA5D63B}"/>
-              </a:ext>
-            </a:extLst>
-          </p:cNvPr>
-          <p:cNvPicPr>
-            <a:picLocks noChangeAspect="1"/>
-          </p:cNvPicPr>
-          <p:nvPr/>
-        </p:nvPicPr>
-        <p:blipFill>
-          <a:blip r:embed="rId5"/>
-          <a:stretch>
-            <a:fillRect/>
-          </a:stretch>
-        </p:blipFill>
-        <p:spPr>
-          <a:xfrm>
-            <a:off x="1342145" y="5580433"/>
-            <a:ext cx="5113269" cy="708721"/>
-          </a:xfrm>
-          <a:prstGeom prst="rect">
-            <a:avLst/>
-          </a:prstGeom>
-        </p:spPr>
-      </p:pic>
-      <p:sp>
-        <p:nvSpPr>
-          <p:cNvPr id="15" name="Rettangolo con angoli arrotondati 14">
-            <a:extLst>
-              <a:ext uri="{FF2B5EF4-FFF2-40B4-BE49-F238E27FC236}">
-                <a16:creationId xmlns:a16="http://schemas.microsoft.com/office/drawing/2014/main" id="{B4638033-655B-01D1-B639-93EADE11148E}"/>
-              </a:ext>
-            </a:extLst>
-          </p:cNvPr>
-          <p:cNvSpPr/>
-          <p:nvPr/>
-        </p:nvSpPr>
-        <p:spPr>
-          <a:xfrm>
-            <a:off x="6576090" y="5702580"/>
-            <a:ext cx="2864580" cy="464426"/>
-          </a:xfrm>
-          <a:prstGeom prst="roundRect">
-            <a:avLst/>
-          </a:prstGeom>
-        </p:spPr>
-        <p:style>
-          <a:lnRef idx="1">
-            <a:schemeClr val="accent3"/>
-          </a:lnRef>
-          <a:fillRef idx="2">
-            <a:schemeClr val="accent3"/>
-          </a:fillRef>
-          <a:effectRef idx="1">
-            <a:schemeClr val="accent3"/>
-          </a:effectRef>
-          <a:fontRef idx="minor">
-            <a:schemeClr val="dk1"/>
-          </a:fontRef>
-        </p:style>
-        <p:txBody>
-          <a:bodyPr rtlCol="0" anchor="ctr"/>
-          <a:lstStyle/>
-          <a:p>
-            <a:r>
-              <a:rPr lang="en-GB" sz="1200" dirty="0"/>
-              <a:t>NB: if </a:t>
-            </a:r>
-            <a:r>
-              <a:rPr lang="en-GB" sz="1200" dirty="0" err="1"/>
-              <a:t>find_peaks</a:t>
-            </a:r>
-            <a:r>
-              <a:rPr lang="en-GB" sz="1200" dirty="0"/>
-              <a:t> return [], the algorithm will assign nan value to the peak</a:t>
-            </a:r>
-          </a:p>
-        </p:txBody>
-      </p:sp>
-      <p:pic>
-        <p:nvPicPr>
-          <p:cNvPr id="6" name="Immagine 5" descr="Immagine che contiene testo, diagramma, linea, design&#10;&#10;Descrizione generata automaticamente">
-            <a:extLst>
-              <a:ext uri="{FF2B5EF4-FFF2-40B4-BE49-F238E27FC236}">
-                <a16:creationId xmlns:a16="http://schemas.microsoft.com/office/drawing/2014/main" id="{37B04CF1-8C66-FE67-352B-2190203AD22C}"/>
-              </a:ext>
-            </a:extLst>
-          </p:cNvPr>
-          <p:cNvPicPr>
-            <a:picLocks noChangeAspect="1"/>
-          </p:cNvPicPr>
-          <p:nvPr/>
-        </p:nvPicPr>
-        <p:blipFill>
-          <a:blip r:embed="rId6">
-            <a:extLst>
-              <a:ext uri="{28A0092B-C50C-407E-A947-70E740481C1C}">
-                <a14:useLocalDpi xmlns:a14="http://schemas.microsoft.com/office/drawing/2010/main" val="0"/>
-              </a:ext>
-            </a:extLst>
-          </a:blip>
-          <a:srcRect t="31734" r="62273"/>
-          <a:stretch/>
-        </p:blipFill>
-        <p:spPr>
-          <a:xfrm>
-            <a:off x="9249515" y="1581945"/>
-            <a:ext cx="2665196" cy="2683646"/>
-          </a:xfrm>
-          <a:prstGeom prst="rect">
-            <a:avLst/>
-          </a:prstGeom>
-        </p:spPr>
-      </p:pic>
-    </p:spTree>
-    <p:extLst>
-      <p:ext uri="{BB962C8B-B14F-4D97-AF65-F5344CB8AC3E}">
-        <p14:creationId xmlns:p14="http://schemas.microsoft.com/office/powerpoint/2010/main" val="190187654"/>
-      </p:ext>
-    </p:extLst>
-  </p:cSld>
-  <p:clrMapOvr>
-    <a:masterClrMapping/>
-  </p:clrMapOvr>
-</p:sld>
-</file>
-
-<file path=ppt/slides/slide14.xml><?xml version="1.0" encoding="utf-8"?>
-<p:sld xmlns:a="http://schemas.openxmlformats.org/drawingml/2006/main" xmlns:r="http://schemas.openxmlformats.org/officeDocument/2006/relationships" xmlns:p="http://schemas.openxmlformats.org/presentationml/2006/main">
-  <p:cSld>
-    <p:spTree>
-      <p:nvGrpSpPr>
-        <p:cNvPr id="1" name="">
-          <a:extLst>
-            <a:ext uri="{FF2B5EF4-FFF2-40B4-BE49-F238E27FC236}">
               <a16:creationId xmlns:a16="http://schemas.microsoft.com/office/drawing/2014/main" id="{77E1989D-2F0E-98E7-D9D4-6E2B119EB4AD}"/>
             </a:ext>
           </a:extLst>
@@ -9715,7 +9300,7 @@
           <a:p>
             <a:fld id="{2FA0223F-D95A-431D-9A71-EDA7FA0C2F5B}" type="slidenum">
               <a:rPr lang="en-US" smtClean="0"/>
-              <a:t>14</a:t>
+              <a:t>13</a:t>
             </a:fld>
             <a:endParaRPr lang="en-US"/>
           </a:p>
@@ -10611,6 +10196,421 @@
     <p:extLst>
       <p:ext uri="{BB962C8B-B14F-4D97-AF65-F5344CB8AC3E}">
         <p14:creationId xmlns:p14="http://schemas.microsoft.com/office/powerpoint/2010/main" val="3415613353"/>
+      </p:ext>
+    </p:extLst>
+  </p:cSld>
+  <p:clrMapOvr>
+    <a:masterClrMapping/>
+  </p:clrMapOvr>
+</p:sld>
+</file>
+
+<file path=ppt/slides/slide14.xml><?xml version="1.0" encoding="utf-8"?>
+<p:sld xmlns:a="http://schemas.openxmlformats.org/drawingml/2006/main" xmlns:r="http://schemas.openxmlformats.org/officeDocument/2006/relationships" xmlns:p="http://schemas.openxmlformats.org/presentationml/2006/main">
+  <p:cSld>
+    <p:spTree>
+      <p:nvGrpSpPr>
+        <p:cNvPr id="1" name="">
+          <a:extLst>
+            <a:ext uri="{FF2B5EF4-FFF2-40B4-BE49-F238E27FC236}">
+              <a16:creationId xmlns:a16="http://schemas.microsoft.com/office/drawing/2014/main" id="{E6C73941-4408-5253-0DB3-AA36D7BE61C4}"/>
+            </a:ext>
+          </a:extLst>
+        </p:cNvPr>
+        <p:cNvGrpSpPr/>
+        <p:nvPr/>
+      </p:nvGrpSpPr>
+      <p:grpSpPr>
+        <a:xfrm>
+          <a:off x="0" y="0"/>
+          <a:ext cx="0" cy="0"/>
+          <a:chOff x="0" y="0"/>
+          <a:chExt cx="0" cy="0"/>
+        </a:xfrm>
+      </p:grpSpPr>
+      <p:sp>
+        <p:nvSpPr>
+          <p:cNvPr id="2" name="Titolo 1">
+            <a:extLst>
+              <a:ext uri="{FF2B5EF4-FFF2-40B4-BE49-F238E27FC236}">
+                <a16:creationId xmlns:a16="http://schemas.microsoft.com/office/drawing/2014/main" id="{69224F11-8509-2CDF-AB9A-C45DEB9D1E58}"/>
+              </a:ext>
+            </a:extLst>
+          </p:cNvPr>
+          <p:cNvSpPr>
+            <a:spLocks noGrp="1"/>
+          </p:cNvSpPr>
+          <p:nvPr>
+            <p:ph type="title"/>
+          </p:nvPr>
+        </p:nvSpPr>
+        <p:spPr>
+          <a:xfrm>
+            <a:off x="838200" y="209292"/>
+            <a:ext cx="9905460" cy="971551"/>
+          </a:xfrm>
+        </p:spPr>
+        <p:txBody>
+          <a:bodyPr>
+            <a:normAutofit/>
+          </a:bodyPr>
+          <a:lstStyle/>
+          <a:p>
+            <a:r>
+              <a:rPr lang="en-US" sz="3600" dirty="0"/>
+              <a:t>Find peaks function documentation</a:t>
+            </a:r>
+          </a:p>
+        </p:txBody>
+      </p:sp>
+      <p:sp>
+        <p:nvSpPr>
+          <p:cNvPr id="4" name="Segnaposto numero diapositiva 3">
+            <a:extLst>
+              <a:ext uri="{FF2B5EF4-FFF2-40B4-BE49-F238E27FC236}">
+                <a16:creationId xmlns:a16="http://schemas.microsoft.com/office/drawing/2014/main" id="{2F6B30D3-0568-AC50-E4D5-B50B9B275D2C}"/>
+              </a:ext>
+            </a:extLst>
+          </p:cNvPr>
+          <p:cNvSpPr>
+            <a:spLocks noGrp="1"/>
+          </p:cNvSpPr>
+          <p:nvPr>
+            <p:ph type="sldNum" sz="quarter" idx="12"/>
+          </p:nvPr>
+        </p:nvSpPr>
+        <p:spPr/>
+        <p:txBody>
+          <a:bodyPr/>
+          <a:lstStyle/>
+          <a:p>
+            <a:fld id="{2FA0223F-D95A-431D-9A71-EDA7FA0C2F5B}" type="slidenum">
+              <a:rPr lang="en-US" smtClean="0"/>
+              <a:t>14</a:t>
+            </a:fld>
+            <a:endParaRPr lang="en-US"/>
+          </a:p>
+        </p:txBody>
+      </p:sp>
+      <p:sp>
+        <p:nvSpPr>
+          <p:cNvPr id="27" name="Rettangolo 26">
+            <a:extLst>
+              <a:ext uri="{FF2B5EF4-FFF2-40B4-BE49-F238E27FC236}">
+                <a16:creationId xmlns:a16="http://schemas.microsoft.com/office/drawing/2014/main" id="{A6BB5279-3CCD-B0B7-6A8E-70E82471908E}"/>
+              </a:ext>
+            </a:extLst>
+          </p:cNvPr>
+          <p:cNvSpPr/>
+          <p:nvPr/>
+        </p:nvSpPr>
+        <p:spPr>
+          <a:xfrm>
+            <a:off x="6723157" y="1812745"/>
+            <a:ext cx="206547" cy="168094"/>
+          </a:xfrm>
+          <a:prstGeom prst="rect">
+            <a:avLst/>
+          </a:prstGeom>
+          <a:solidFill>
+            <a:schemeClr val="bg1"/>
+          </a:solidFill>
+          <a:ln>
+            <a:solidFill>
+              <a:schemeClr val="bg1"/>
+            </a:solidFill>
+          </a:ln>
+        </p:spPr>
+        <p:style>
+          <a:lnRef idx="2">
+            <a:schemeClr val="accent1">
+              <a:shade val="15000"/>
+            </a:schemeClr>
+          </a:lnRef>
+          <a:fillRef idx="1">
+            <a:schemeClr val="accent1"/>
+          </a:fillRef>
+          <a:effectRef idx="0">
+            <a:schemeClr val="accent1"/>
+          </a:effectRef>
+          <a:fontRef idx="minor">
+            <a:schemeClr val="lt1"/>
+          </a:fontRef>
+        </p:style>
+        <p:txBody>
+          <a:bodyPr rtlCol="0" anchor="ctr"/>
+          <a:lstStyle/>
+          <a:p>
+            <a:pPr algn="ctr"/>
+            <a:endParaRPr lang="it-IT"/>
+          </a:p>
+        </p:txBody>
+      </p:sp>
+      <p:sp>
+        <p:nvSpPr>
+          <p:cNvPr id="12" name="Rettangolo 11">
+            <a:extLst>
+              <a:ext uri="{FF2B5EF4-FFF2-40B4-BE49-F238E27FC236}">
+                <a16:creationId xmlns:a16="http://schemas.microsoft.com/office/drawing/2014/main" id="{D62B20FF-0949-D2FD-4C51-9FD930CA107D}"/>
+              </a:ext>
+            </a:extLst>
+          </p:cNvPr>
+          <p:cNvSpPr/>
+          <p:nvPr/>
+        </p:nvSpPr>
+        <p:spPr>
+          <a:xfrm>
+            <a:off x="5468844" y="2179320"/>
+            <a:ext cx="223296" cy="160020"/>
+          </a:xfrm>
+          <a:prstGeom prst="rect">
+            <a:avLst/>
+          </a:prstGeom>
+          <a:solidFill>
+            <a:schemeClr val="bg1"/>
+          </a:solidFill>
+          <a:ln>
+            <a:solidFill>
+              <a:schemeClr val="bg1"/>
+            </a:solidFill>
+          </a:ln>
+        </p:spPr>
+        <p:style>
+          <a:lnRef idx="2">
+            <a:schemeClr val="accent1">
+              <a:shade val="15000"/>
+            </a:schemeClr>
+          </a:lnRef>
+          <a:fillRef idx="1">
+            <a:schemeClr val="accent1"/>
+          </a:fillRef>
+          <a:effectRef idx="0">
+            <a:schemeClr val="accent1"/>
+          </a:effectRef>
+          <a:fontRef idx="minor">
+            <a:schemeClr val="lt1"/>
+          </a:fontRef>
+        </p:style>
+        <p:txBody>
+          <a:bodyPr rtlCol="0" anchor="ctr"/>
+          <a:lstStyle/>
+          <a:p>
+            <a:pPr algn="ctr"/>
+            <a:endParaRPr lang="it-IT"/>
+          </a:p>
+        </p:txBody>
+      </p:sp>
+      <p:pic>
+        <p:nvPicPr>
+          <p:cNvPr id="7" name="Immagine 6">
+            <a:extLst>
+              <a:ext uri="{FF2B5EF4-FFF2-40B4-BE49-F238E27FC236}">
+                <a16:creationId xmlns:a16="http://schemas.microsoft.com/office/drawing/2014/main" id="{16335DA7-C092-25E0-35C0-280B06B6AF74}"/>
+              </a:ext>
+            </a:extLst>
+          </p:cNvPr>
+          <p:cNvPicPr>
+            <a:picLocks noChangeAspect="1"/>
+          </p:cNvPicPr>
+          <p:nvPr/>
+        </p:nvPicPr>
+        <p:blipFill>
+          <a:blip r:embed="rId3"/>
+          <a:stretch>
+            <a:fillRect/>
+          </a:stretch>
+        </p:blipFill>
+        <p:spPr>
+          <a:xfrm>
+            <a:off x="578871" y="1481990"/>
+            <a:ext cx="5876793" cy="2367910"/>
+          </a:xfrm>
+          <a:prstGeom prst="rect">
+            <a:avLst/>
+          </a:prstGeom>
+        </p:spPr>
+      </p:pic>
+      <p:pic>
+        <p:nvPicPr>
+          <p:cNvPr id="10" name="Immagine 9">
+            <a:extLst>
+              <a:ext uri="{FF2B5EF4-FFF2-40B4-BE49-F238E27FC236}">
+                <a16:creationId xmlns:a16="http://schemas.microsoft.com/office/drawing/2014/main" id="{DCFEEDB5-378C-A075-EC1D-2CD28163E06E}"/>
+              </a:ext>
+            </a:extLst>
+          </p:cNvPr>
+          <p:cNvPicPr>
+            <a:picLocks noChangeAspect="1"/>
+          </p:cNvPicPr>
+          <p:nvPr/>
+        </p:nvPicPr>
+        <p:blipFill>
+          <a:blip r:embed="rId4"/>
+          <a:srcRect b="83095"/>
+          <a:stretch/>
+        </p:blipFill>
+        <p:spPr>
+          <a:xfrm>
+            <a:off x="1342395" y="3942695"/>
+            <a:ext cx="5113269" cy="724000"/>
+          </a:xfrm>
+          <a:prstGeom prst="rect">
+            <a:avLst/>
+          </a:prstGeom>
+        </p:spPr>
+      </p:pic>
+      <p:pic>
+        <p:nvPicPr>
+          <p:cNvPr id="11" name="Immagine 10">
+            <a:extLst>
+              <a:ext uri="{FF2B5EF4-FFF2-40B4-BE49-F238E27FC236}">
+                <a16:creationId xmlns:a16="http://schemas.microsoft.com/office/drawing/2014/main" id="{E0735398-8102-017F-E358-36134F8FC22A}"/>
+              </a:ext>
+            </a:extLst>
+          </p:cNvPr>
+          <p:cNvPicPr>
+            <a:picLocks noChangeAspect="1"/>
+          </p:cNvPicPr>
+          <p:nvPr/>
+        </p:nvPicPr>
+        <p:blipFill>
+          <a:blip r:embed="rId4"/>
+          <a:srcRect l="157" t="80385" r="262" b="-226"/>
+          <a:stretch/>
+        </p:blipFill>
+        <p:spPr>
+          <a:xfrm>
+            <a:off x="1342146" y="4666694"/>
+            <a:ext cx="5113269" cy="849731"/>
+          </a:xfrm>
+          <a:prstGeom prst="rect">
+            <a:avLst/>
+          </a:prstGeom>
+        </p:spPr>
+      </p:pic>
+      <p:pic>
+        <p:nvPicPr>
+          <p:cNvPr id="14" name="Immagine 13">
+            <a:extLst>
+              <a:ext uri="{FF2B5EF4-FFF2-40B4-BE49-F238E27FC236}">
+                <a16:creationId xmlns:a16="http://schemas.microsoft.com/office/drawing/2014/main" id="{C3549561-A02C-7E89-B6B9-8B004DA5D63B}"/>
+              </a:ext>
+            </a:extLst>
+          </p:cNvPr>
+          <p:cNvPicPr>
+            <a:picLocks noChangeAspect="1"/>
+          </p:cNvPicPr>
+          <p:nvPr/>
+        </p:nvPicPr>
+        <p:blipFill>
+          <a:blip r:embed="rId5"/>
+          <a:stretch>
+            <a:fillRect/>
+          </a:stretch>
+        </p:blipFill>
+        <p:spPr>
+          <a:xfrm>
+            <a:off x="1342145" y="5580433"/>
+            <a:ext cx="5113269" cy="708721"/>
+          </a:xfrm>
+          <a:prstGeom prst="rect">
+            <a:avLst/>
+          </a:prstGeom>
+        </p:spPr>
+      </p:pic>
+      <p:sp>
+        <p:nvSpPr>
+          <p:cNvPr id="15" name="Rettangolo con angoli arrotondati 14">
+            <a:extLst>
+              <a:ext uri="{FF2B5EF4-FFF2-40B4-BE49-F238E27FC236}">
+                <a16:creationId xmlns:a16="http://schemas.microsoft.com/office/drawing/2014/main" id="{B4638033-655B-01D1-B639-93EADE11148E}"/>
+              </a:ext>
+            </a:extLst>
+          </p:cNvPr>
+          <p:cNvSpPr/>
+          <p:nvPr/>
+        </p:nvSpPr>
+        <p:spPr>
+          <a:xfrm>
+            <a:off x="6576090" y="5702580"/>
+            <a:ext cx="2864580" cy="464426"/>
+          </a:xfrm>
+          <a:prstGeom prst="roundRect">
+            <a:avLst/>
+          </a:prstGeom>
+        </p:spPr>
+        <p:style>
+          <a:lnRef idx="1">
+            <a:schemeClr val="accent3"/>
+          </a:lnRef>
+          <a:fillRef idx="2">
+            <a:schemeClr val="accent3"/>
+          </a:fillRef>
+          <a:effectRef idx="1">
+            <a:schemeClr val="accent3"/>
+          </a:effectRef>
+          <a:fontRef idx="minor">
+            <a:schemeClr val="dk1"/>
+          </a:fontRef>
+        </p:style>
+        <p:txBody>
+          <a:bodyPr rtlCol="0" anchor="ctr"/>
+          <a:lstStyle/>
+          <a:p>
+            <a:r>
+              <a:rPr lang="en-GB" sz="1200" dirty="0"/>
+              <a:t>NB: if </a:t>
+            </a:r>
+            <a:r>
+              <a:rPr lang="en-GB" sz="1200" dirty="0" err="1"/>
+              <a:t>find_peaks</a:t>
+            </a:r>
+            <a:r>
+              <a:rPr lang="en-GB" sz="1200" dirty="0"/>
+              <a:t> return [], the algorithm will assign nan value to the peak</a:t>
+            </a:r>
+          </a:p>
+        </p:txBody>
+      </p:sp>
+      <p:pic>
+        <p:nvPicPr>
+          <p:cNvPr id="6" name="Immagine 5" descr="Immagine che contiene testo, diagramma, linea, design&#10;&#10;Descrizione generata automaticamente">
+            <a:extLst>
+              <a:ext uri="{FF2B5EF4-FFF2-40B4-BE49-F238E27FC236}">
+                <a16:creationId xmlns:a16="http://schemas.microsoft.com/office/drawing/2014/main" id="{37B04CF1-8C66-FE67-352B-2190203AD22C}"/>
+              </a:ext>
+            </a:extLst>
+          </p:cNvPr>
+          <p:cNvPicPr>
+            <a:picLocks noChangeAspect="1"/>
+          </p:cNvPicPr>
+          <p:nvPr/>
+        </p:nvPicPr>
+        <p:blipFill>
+          <a:blip r:embed="rId6">
+            <a:extLst>
+              <a:ext uri="{28A0092B-C50C-407E-A947-70E740481C1C}">
+                <a14:useLocalDpi xmlns:a14="http://schemas.microsoft.com/office/drawing/2010/main" val="0"/>
+              </a:ext>
+            </a:extLst>
+          </a:blip>
+          <a:srcRect t="31734" r="62273"/>
+          <a:stretch/>
+        </p:blipFill>
+        <p:spPr>
+          <a:xfrm>
+            <a:off x="9249515" y="1581945"/>
+            <a:ext cx="2665196" cy="2683646"/>
+          </a:xfrm>
+          <a:prstGeom prst="rect">
+            <a:avLst/>
+          </a:prstGeom>
+        </p:spPr>
+      </p:pic>
+    </p:spTree>
+    <p:extLst>
+      <p:ext uri="{BB962C8B-B14F-4D97-AF65-F5344CB8AC3E}">
+        <p14:creationId xmlns:p14="http://schemas.microsoft.com/office/powerpoint/2010/main" val="190187654"/>
       </p:ext>
     </p:extLst>
   </p:cSld>
@@ -11167,6 +11167,53 @@
           </a:prstGeom>
         </p:spPr>
       </p:pic>
+      <p:sp>
+        <p:nvSpPr>
+          <p:cNvPr id="3" name="Rettangolo con angoli arrotondati 2">
+            <a:extLst>
+              <a:ext uri="{FF2B5EF4-FFF2-40B4-BE49-F238E27FC236}">
+                <a16:creationId xmlns:a16="http://schemas.microsoft.com/office/drawing/2014/main" id="{D5C6981D-0C15-6DDD-7335-824185AE1A19}"/>
+              </a:ext>
+            </a:extLst>
+          </p:cNvPr>
+          <p:cNvSpPr/>
+          <p:nvPr/>
+        </p:nvSpPr>
+        <p:spPr>
+          <a:xfrm>
+            <a:off x="838200" y="5852160"/>
+            <a:ext cx="2057400" cy="374904"/>
+          </a:xfrm>
+          <a:prstGeom prst="roundRect">
+            <a:avLst/>
+          </a:prstGeom>
+        </p:spPr>
+        <p:style>
+          <a:lnRef idx="1">
+            <a:schemeClr val="accent3"/>
+          </a:lnRef>
+          <a:fillRef idx="2">
+            <a:schemeClr val="accent3"/>
+          </a:fillRef>
+          <a:effectRef idx="1">
+            <a:schemeClr val="accent3"/>
+          </a:effectRef>
+          <a:fontRef idx="minor">
+            <a:schemeClr val="dk1"/>
+          </a:fontRef>
+        </p:style>
+        <p:txBody>
+          <a:bodyPr rtlCol="0" anchor="ctr"/>
+          <a:lstStyle/>
+          <a:p>
+            <a:pPr algn="ctr"/>
+            <a:r>
+              <a:rPr lang="en-GB" sz="1200" dirty="0"/>
+              <a:t>Grey dashed lines: his bundle peak searching area </a:t>
+            </a:r>
+          </a:p>
+        </p:txBody>
+      </p:sp>
     </p:spTree>
     <p:extLst>
       <p:ext uri="{BB962C8B-B14F-4D97-AF65-F5344CB8AC3E}">
@@ -11518,6 +11565,53 @@
           </a:prstGeom>
         </p:spPr>
       </p:pic>
+      <p:sp>
+        <p:nvSpPr>
+          <p:cNvPr id="3" name="Rettangolo con angoli arrotondati 2">
+            <a:extLst>
+              <a:ext uri="{FF2B5EF4-FFF2-40B4-BE49-F238E27FC236}">
+                <a16:creationId xmlns:a16="http://schemas.microsoft.com/office/drawing/2014/main" id="{4C269B3D-0730-0794-9928-0163AB414586}"/>
+              </a:ext>
+            </a:extLst>
+          </p:cNvPr>
+          <p:cNvSpPr/>
+          <p:nvPr/>
+        </p:nvSpPr>
+        <p:spPr>
+          <a:xfrm>
+            <a:off x="838200" y="5852160"/>
+            <a:ext cx="2057400" cy="374904"/>
+          </a:xfrm>
+          <a:prstGeom prst="roundRect">
+            <a:avLst/>
+          </a:prstGeom>
+        </p:spPr>
+        <p:style>
+          <a:lnRef idx="1">
+            <a:schemeClr val="accent3"/>
+          </a:lnRef>
+          <a:fillRef idx="2">
+            <a:schemeClr val="accent3"/>
+          </a:fillRef>
+          <a:effectRef idx="1">
+            <a:schemeClr val="accent3"/>
+          </a:effectRef>
+          <a:fontRef idx="minor">
+            <a:schemeClr val="dk1"/>
+          </a:fontRef>
+        </p:style>
+        <p:txBody>
+          <a:bodyPr rtlCol="0" anchor="ctr"/>
+          <a:lstStyle/>
+          <a:p>
+            <a:pPr algn="ctr"/>
+            <a:r>
+              <a:rPr lang="en-GB" sz="1200" dirty="0"/>
+              <a:t>Grey dashed lines: his bundle peak searching area </a:t>
+            </a:r>
+          </a:p>
+        </p:txBody>
+      </p:sp>
     </p:spTree>
     <p:extLst>
       <p:ext uri="{BB962C8B-B14F-4D97-AF65-F5344CB8AC3E}">
@@ -11886,6 +11980,53 @@
           </a:prstGeom>
         </p:spPr>
       </p:pic>
+      <p:sp>
+        <p:nvSpPr>
+          <p:cNvPr id="3" name="Rettangolo con angoli arrotondati 2">
+            <a:extLst>
+              <a:ext uri="{FF2B5EF4-FFF2-40B4-BE49-F238E27FC236}">
+                <a16:creationId xmlns:a16="http://schemas.microsoft.com/office/drawing/2014/main" id="{482A60DD-91DA-A59B-87D8-70872070612B}"/>
+              </a:ext>
+            </a:extLst>
+          </p:cNvPr>
+          <p:cNvSpPr/>
+          <p:nvPr/>
+        </p:nvSpPr>
+        <p:spPr>
+          <a:xfrm>
+            <a:off x="838200" y="5852160"/>
+            <a:ext cx="2057400" cy="374904"/>
+          </a:xfrm>
+          <a:prstGeom prst="roundRect">
+            <a:avLst/>
+          </a:prstGeom>
+        </p:spPr>
+        <p:style>
+          <a:lnRef idx="1">
+            <a:schemeClr val="accent3"/>
+          </a:lnRef>
+          <a:fillRef idx="2">
+            <a:schemeClr val="accent3"/>
+          </a:fillRef>
+          <a:effectRef idx="1">
+            <a:schemeClr val="accent3"/>
+          </a:effectRef>
+          <a:fontRef idx="minor">
+            <a:schemeClr val="dk1"/>
+          </a:fontRef>
+        </p:style>
+        <p:txBody>
+          <a:bodyPr rtlCol="0" anchor="ctr"/>
+          <a:lstStyle/>
+          <a:p>
+            <a:pPr algn="ctr"/>
+            <a:r>
+              <a:rPr lang="en-GB" sz="1200" dirty="0"/>
+              <a:t>Grey dashed lines: his bundle peak searching area </a:t>
+            </a:r>
+          </a:p>
+        </p:txBody>
+      </p:sp>
     </p:spTree>
     <p:extLst>
       <p:ext uri="{BB962C8B-B14F-4D97-AF65-F5344CB8AC3E}">
@@ -12251,6 +12392,53 @@
           </a:prstGeom>
         </p:spPr>
       </p:pic>
+      <p:sp>
+        <p:nvSpPr>
+          <p:cNvPr id="3" name="Rettangolo con angoli arrotondati 2">
+            <a:extLst>
+              <a:ext uri="{FF2B5EF4-FFF2-40B4-BE49-F238E27FC236}">
+                <a16:creationId xmlns:a16="http://schemas.microsoft.com/office/drawing/2014/main" id="{26924B5C-6B8E-FE9E-E431-B511E3934CD4}"/>
+              </a:ext>
+            </a:extLst>
+          </p:cNvPr>
+          <p:cNvSpPr/>
+          <p:nvPr/>
+        </p:nvSpPr>
+        <p:spPr>
+          <a:xfrm>
+            <a:off x="838200" y="5852160"/>
+            <a:ext cx="2057400" cy="374904"/>
+          </a:xfrm>
+          <a:prstGeom prst="roundRect">
+            <a:avLst/>
+          </a:prstGeom>
+        </p:spPr>
+        <p:style>
+          <a:lnRef idx="1">
+            <a:schemeClr val="accent3"/>
+          </a:lnRef>
+          <a:fillRef idx="2">
+            <a:schemeClr val="accent3"/>
+          </a:fillRef>
+          <a:effectRef idx="1">
+            <a:schemeClr val="accent3"/>
+          </a:effectRef>
+          <a:fontRef idx="minor">
+            <a:schemeClr val="dk1"/>
+          </a:fontRef>
+        </p:style>
+        <p:txBody>
+          <a:bodyPr rtlCol="0" anchor="ctr"/>
+          <a:lstStyle/>
+          <a:p>
+            <a:pPr algn="ctr"/>
+            <a:r>
+              <a:rPr lang="en-GB" sz="1200" dirty="0"/>
+              <a:t>Grey dashed lines: his bundle peak searching area </a:t>
+            </a:r>
+          </a:p>
+        </p:txBody>
+      </p:sp>
     </p:spTree>
     <p:extLst>
       <p:ext uri="{BB962C8B-B14F-4D97-AF65-F5344CB8AC3E}">
@@ -12772,6 +12960,53 @@
           </a:prstGeom>
         </p:spPr>
       </p:pic>
+      <p:sp>
+        <p:nvSpPr>
+          <p:cNvPr id="3" name="Rettangolo con angoli arrotondati 2">
+            <a:extLst>
+              <a:ext uri="{FF2B5EF4-FFF2-40B4-BE49-F238E27FC236}">
+                <a16:creationId xmlns:a16="http://schemas.microsoft.com/office/drawing/2014/main" id="{0C4190BF-F069-516E-C799-BEF54746C805}"/>
+              </a:ext>
+            </a:extLst>
+          </p:cNvPr>
+          <p:cNvSpPr/>
+          <p:nvPr/>
+        </p:nvSpPr>
+        <p:spPr>
+          <a:xfrm>
+            <a:off x="838200" y="5852160"/>
+            <a:ext cx="2057400" cy="374904"/>
+          </a:xfrm>
+          <a:prstGeom prst="roundRect">
+            <a:avLst/>
+          </a:prstGeom>
+        </p:spPr>
+        <p:style>
+          <a:lnRef idx="1">
+            <a:schemeClr val="accent3"/>
+          </a:lnRef>
+          <a:fillRef idx="2">
+            <a:schemeClr val="accent3"/>
+          </a:fillRef>
+          <a:effectRef idx="1">
+            <a:schemeClr val="accent3"/>
+          </a:effectRef>
+          <a:fontRef idx="minor">
+            <a:schemeClr val="dk1"/>
+          </a:fontRef>
+        </p:style>
+        <p:txBody>
+          <a:bodyPr rtlCol="0" anchor="ctr"/>
+          <a:lstStyle/>
+          <a:p>
+            <a:pPr algn="ctr"/>
+            <a:r>
+              <a:rPr lang="en-GB" sz="1200" dirty="0"/>
+              <a:t>Grey dashed lines: his bundle peak searching area </a:t>
+            </a:r>
+          </a:p>
+        </p:txBody>
+      </p:sp>
     </p:spTree>
     <p:extLst>
       <p:ext uri="{BB962C8B-B14F-4D97-AF65-F5344CB8AC3E}">
@@ -13140,6 +13375,53 @@
           </a:prstGeom>
         </p:spPr>
       </p:pic>
+      <p:sp>
+        <p:nvSpPr>
+          <p:cNvPr id="3" name="Rettangolo con angoli arrotondati 2">
+            <a:extLst>
+              <a:ext uri="{FF2B5EF4-FFF2-40B4-BE49-F238E27FC236}">
+                <a16:creationId xmlns:a16="http://schemas.microsoft.com/office/drawing/2014/main" id="{CD544B33-E831-9F95-9AC3-DE903E9DCEC1}"/>
+              </a:ext>
+            </a:extLst>
+          </p:cNvPr>
+          <p:cNvSpPr/>
+          <p:nvPr/>
+        </p:nvSpPr>
+        <p:spPr>
+          <a:xfrm>
+            <a:off x="838200" y="5852160"/>
+            <a:ext cx="2057400" cy="374904"/>
+          </a:xfrm>
+          <a:prstGeom prst="roundRect">
+            <a:avLst/>
+          </a:prstGeom>
+        </p:spPr>
+        <p:style>
+          <a:lnRef idx="1">
+            <a:schemeClr val="accent3"/>
+          </a:lnRef>
+          <a:fillRef idx="2">
+            <a:schemeClr val="accent3"/>
+          </a:fillRef>
+          <a:effectRef idx="1">
+            <a:schemeClr val="accent3"/>
+          </a:effectRef>
+          <a:fontRef idx="minor">
+            <a:schemeClr val="dk1"/>
+          </a:fontRef>
+        </p:style>
+        <p:txBody>
+          <a:bodyPr rtlCol="0" anchor="ctr"/>
+          <a:lstStyle/>
+          <a:p>
+            <a:pPr algn="ctr"/>
+            <a:r>
+              <a:rPr lang="en-GB" sz="1200" dirty="0"/>
+              <a:t>Grey dashed lines: his bundle peak searching area </a:t>
+            </a:r>
+          </a:p>
+        </p:txBody>
+      </p:sp>
     </p:spTree>
     <p:extLst>
       <p:ext uri="{BB962C8B-B14F-4D97-AF65-F5344CB8AC3E}">
@@ -17972,13 +18254,13 @@
               <a:buNone/>
             </a:pPr>
             <a:r>
-              <a:rPr lang="en-US" sz="1800" dirty="0"/>
+              <a:rPr lang="en-US" sz="1800" i="1" dirty="0"/>
               <a:t>Which model could act as baseline for building and comparing any other one?</a:t>
             </a:r>
           </a:p>
           <a:p>
             <a:r>
-              <a:rPr lang="en-US" sz="1800" dirty="0"/>
+              <a:rPr lang="en-US" sz="1600" dirty="0"/>
               <a:t>In literature there’s no evidence of AVNRT roving signals classification</a:t>
             </a:r>
           </a:p>
@@ -18007,7 +18289,11 @@
             </a:pPr>
             <a:r>
               <a:rPr lang="en-US" sz="1800" dirty="0"/>
-              <a:t>So, a first classifier, which could cover this role, could be a heuristic one based on prior information on these signals</a:t>
+              <a:t>So, a first classifier, which could cover this role, could be a </a:t>
+            </a:r>
+            <a:r>
+              <a:rPr lang="en-US" sz="1800" i="1" dirty="0"/>
+              <a:t>heuristic one based on prior information on these signals</a:t>
             </a:r>
           </a:p>
           <a:p>
@@ -18035,7 +18321,15 @@
             </a:pPr>
             <a:r>
               <a:rPr lang="en-US" sz="1800" dirty="0"/>
-              <a:t>Building a logical set of rules to classify roving signals exploiting the prior on them</a:t>
+              <a:t>Building </a:t>
+            </a:r>
+            <a:r>
+              <a:rPr lang="en-US" sz="1800" i="1" dirty="0"/>
+              <a:t>a logical set of rules to classify roving signals </a:t>
+            </a:r>
+            <a:r>
+              <a:rPr lang="en-US" sz="1800" dirty="0"/>
+              <a:t>exploiting the prior on them</a:t>
             </a:r>
           </a:p>
           <a:p>
@@ -22116,7 +22410,7 @@
         <p:spPr>
           <a:xfrm>
             <a:off x="529651" y="1615303"/>
-            <a:ext cx="3491915" cy="1822841"/>
+            <a:ext cx="3599467" cy="1822841"/>
           </a:xfrm>
           <a:prstGeom prst="rect">
             <a:avLst/>
@@ -22307,6 +22601,12 @@
           <a:p>
             <a:r>
               <a:rPr lang="en-US" sz="1600" dirty="0"/>
+              <a:t>Clear and biphasic atrial component</a:t>
+            </a:r>
+          </a:p>
+          <a:p>
+            <a:r>
+              <a:rPr lang="en-US" sz="1600" dirty="0"/>
               <a:t>3 components: atrial activity, ventricular activity and His Bundle passage</a:t>
             </a:r>
           </a:p>
@@ -22314,12 +22614,6 @@
             <a:r>
               <a:rPr lang="en-US" sz="1600" dirty="0"/>
               <a:t>Not fixed proportions between atrial and ventricular components</a:t>
-            </a:r>
-          </a:p>
-          <a:p>
-            <a:r>
-              <a:rPr lang="en-US" sz="1600" dirty="0"/>
-              <a:t>Clear and biphasic atrial component</a:t>
             </a:r>
           </a:p>
           <a:p>
@@ -22673,10 +22967,10 @@
         </p:nvGrpSpPr>
         <p:grpSpPr>
           <a:xfrm>
-            <a:off x="731520" y="1980839"/>
-            <a:ext cx="3030390" cy="779887"/>
-            <a:chOff x="731520" y="1980839"/>
-            <a:chExt cx="3030390" cy="779887"/>
+            <a:off x="758951" y="2222050"/>
+            <a:ext cx="3195619" cy="1948781"/>
+            <a:chOff x="828574" y="1980839"/>
+            <a:chExt cx="3195619" cy="1049489"/>
           </a:xfrm>
         </p:grpSpPr>
         <p:sp>
@@ -22693,8 +22987,8 @@
           </p:nvSpPr>
           <p:spPr>
             <a:xfrm>
-              <a:off x="731520" y="1980839"/>
-              <a:ext cx="3030390" cy="722737"/>
+              <a:off x="828574" y="1980839"/>
+              <a:ext cx="3195619" cy="782944"/>
             </a:xfrm>
             <a:prstGeom prst="roundRect">
               <a:avLst/>
@@ -22749,8 +23043,8 @@
           </p:nvSpPr>
           <p:spPr>
             <a:xfrm>
-              <a:off x="1786806" y="2494181"/>
-              <a:ext cx="1975104" cy="266545"/>
+              <a:off x="1650281" y="2763783"/>
+              <a:ext cx="2212847" cy="266545"/>
             </a:xfrm>
             <a:prstGeom prst="rect">
               <a:avLst/>
@@ -22930,24 +23224,24 @@
                 <a:buNone/>
               </a:pPr>
               <a:r>
-                <a:rPr lang="en-US" sz="1100" b="1" i="1" dirty="0">
+                <a:rPr lang="en-US" sz="1200" b="1" i="1" dirty="0">
                   <a:solidFill>
                     <a:srgbClr val="C00000"/>
                   </a:solidFill>
                 </a:rPr>
                 <a:t>Used for building the classifier</a:t>
               </a:r>
-              <a:endParaRPr lang="en-US" sz="1100" dirty="0"/>
+              <a:endParaRPr lang="en-US" sz="1200" dirty="0"/>
             </a:p>
             <a:p>
-              <a:endParaRPr lang="en-US" sz="1100" dirty="0"/>
+              <a:endParaRPr lang="en-US" sz="1200" dirty="0"/>
             </a:p>
             <a:p>
               <a:pPr marL="0" indent="0">
                 <a:buFont typeface="Arial" panose="020B0604020202020204" pitchFamily="34" charset="0"/>
                 <a:buNone/>
               </a:pPr>
-              <a:endParaRPr lang="en-US" sz="1100" dirty="0">
+              <a:endParaRPr lang="en-US" sz="1200" dirty="0">
                 <a:solidFill>
                   <a:schemeClr val="tx2">
                     <a:lumMod val="60000"/>
@@ -22957,7 +23251,7 @@
               </a:endParaRPr>
             </a:p>
             <a:p>
-              <a:endParaRPr lang="en-US" sz="1100" dirty="0"/>
+              <a:endParaRPr lang="en-US" sz="1200" dirty="0"/>
             </a:p>
           </p:txBody>
         </p:sp>

--- a/Documentation/5. Heuristic classifier.pptx
+++ b/Documentation/5. Heuristic classifier.pptx
@@ -5,7 +5,7 @@
     <p:sldMasterId id="2147483661" r:id="rId1"/>
   </p:sldMasterIdLst>
   <p:notesMasterIdLst>
-    <p:notesMasterId r:id="rId29"/>
+    <p:notesMasterId r:id="rId33"/>
   </p:notesMasterIdLst>
   <p:sldIdLst>
     <p:sldId id="573" r:id="rId2"/>
@@ -20,21 +20,25 @@
     <p:sldId id="644" r:id="rId11"/>
     <p:sldId id="641" r:id="rId12"/>
     <p:sldId id="635" r:id="rId13"/>
-    <p:sldId id="654" r:id="rId14"/>
-    <p:sldId id="650" r:id="rId15"/>
-    <p:sldId id="642" r:id="rId16"/>
-    <p:sldId id="651" r:id="rId17"/>
-    <p:sldId id="652" r:id="rId18"/>
-    <p:sldId id="653" r:id="rId19"/>
-    <p:sldId id="647" r:id="rId20"/>
-    <p:sldId id="648" r:id="rId21"/>
-    <p:sldId id="649" r:id="rId22"/>
-    <p:sldId id="636" r:id="rId23"/>
-    <p:sldId id="645" r:id="rId24"/>
-    <p:sldId id="637" r:id="rId25"/>
-    <p:sldId id="646" r:id="rId26"/>
-    <p:sldId id="643" r:id="rId27"/>
-    <p:sldId id="638" r:id="rId28"/>
+    <p:sldId id="655" r:id="rId14"/>
+    <p:sldId id="654" r:id="rId15"/>
+    <p:sldId id="650" r:id="rId16"/>
+    <p:sldId id="642" r:id="rId17"/>
+    <p:sldId id="651" r:id="rId18"/>
+    <p:sldId id="652" r:id="rId19"/>
+    <p:sldId id="653" r:id="rId20"/>
+    <p:sldId id="647" r:id="rId21"/>
+    <p:sldId id="648" r:id="rId22"/>
+    <p:sldId id="649" r:id="rId23"/>
+    <p:sldId id="636" r:id="rId24"/>
+    <p:sldId id="645" r:id="rId25"/>
+    <p:sldId id="637" r:id="rId26"/>
+    <p:sldId id="646" r:id="rId27"/>
+    <p:sldId id="643" r:id="rId28"/>
+    <p:sldId id="638" r:id="rId29"/>
+    <p:sldId id="657" r:id="rId30"/>
+    <p:sldId id="658" r:id="rId31"/>
+    <p:sldId id="659" r:id="rId32"/>
   </p:sldIdLst>
   <p:sldSz cx="12192000" cy="6858000"/>
   <p:notesSz cx="6858000" cy="9144000"/>
@@ -223,7 +227,7 @@
           <a:p>
             <a:fld id="{1A21894F-B278-4D96-9594-A030EA633187}" type="datetimeFigureOut">
               <a:rPr lang="it-IT" smtClean="0"/>
-              <a:t>29/10/2024</a:t>
+              <a:t>01/11/2024</a:t>
             </a:fld>
             <a:endParaRPr lang="it-IT"/>
           </a:p>
@@ -798,6 +802,114 @@
         <p:cNvPr id="1" name="">
           <a:extLst>
             <a:ext uri="{FF2B5EF4-FFF2-40B4-BE49-F238E27FC236}">
+              <a16:creationId xmlns:a16="http://schemas.microsoft.com/office/drawing/2014/main" id="{A60998B1-82C8-3F4E-45FB-369A680A8527}"/>
+            </a:ext>
+          </a:extLst>
+        </p:cNvPr>
+        <p:cNvGrpSpPr/>
+        <p:nvPr/>
+      </p:nvGrpSpPr>
+      <p:grpSpPr>
+        <a:xfrm>
+          <a:off x="0" y="0"/>
+          <a:ext cx="0" cy="0"/>
+          <a:chOff x="0" y="0"/>
+          <a:chExt cx="0" cy="0"/>
+        </a:xfrm>
+      </p:grpSpPr>
+      <p:sp>
+        <p:nvSpPr>
+          <p:cNvPr id="2" name="Segnaposto immagine diapositiva 1">
+            <a:extLst>
+              <a:ext uri="{FF2B5EF4-FFF2-40B4-BE49-F238E27FC236}">
+                <a16:creationId xmlns:a16="http://schemas.microsoft.com/office/drawing/2014/main" id="{8A61D7BB-F46C-B64A-D0CA-9156E7C66BF4}"/>
+              </a:ext>
+            </a:extLst>
+          </p:cNvPr>
+          <p:cNvSpPr>
+            <a:spLocks noGrp="1" noRot="1" noChangeAspect="1"/>
+          </p:cNvSpPr>
+          <p:nvPr>
+            <p:ph type="sldImg"/>
+          </p:nvPr>
+        </p:nvSpPr>
+        <p:spPr/>
+      </p:sp>
+      <p:sp>
+        <p:nvSpPr>
+          <p:cNvPr id="3" name="Segnaposto note 2">
+            <a:extLst>
+              <a:ext uri="{FF2B5EF4-FFF2-40B4-BE49-F238E27FC236}">
+                <a16:creationId xmlns:a16="http://schemas.microsoft.com/office/drawing/2014/main" id="{04E48761-216B-AB37-08AC-50361A13708B}"/>
+              </a:ext>
+            </a:extLst>
+          </p:cNvPr>
+          <p:cNvSpPr>
+            <a:spLocks noGrp="1"/>
+          </p:cNvSpPr>
+          <p:nvPr>
+            <p:ph type="body" idx="1"/>
+          </p:nvPr>
+        </p:nvSpPr>
+        <p:spPr/>
+        <p:txBody>
+          <a:bodyPr/>
+          <a:lstStyle/>
+          <a:p>
+            <a:endParaRPr lang="en-US" dirty="0"/>
+          </a:p>
+        </p:txBody>
+      </p:sp>
+      <p:sp>
+        <p:nvSpPr>
+          <p:cNvPr id="4" name="Segnaposto numero diapositiva 3">
+            <a:extLst>
+              <a:ext uri="{FF2B5EF4-FFF2-40B4-BE49-F238E27FC236}">
+                <a16:creationId xmlns:a16="http://schemas.microsoft.com/office/drawing/2014/main" id="{02534198-FE07-1888-E2FE-F78B57526932}"/>
+              </a:ext>
+            </a:extLst>
+          </p:cNvPr>
+          <p:cNvSpPr>
+            <a:spLocks noGrp="1"/>
+          </p:cNvSpPr>
+          <p:nvPr>
+            <p:ph type="sldNum" sz="quarter" idx="5"/>
+          </p:nvPr>
+        </p:nvSpPr>
+        <p:spPr/>
+        <p:txBody>
+          <a:bodyPr/>
+          <a:lstStyle/>
+          <a:p>
+            <a:fld id="{802E5CB9-2BE2-4860-85EE-BBFABBF2603A}" type="slidenum">
+              <a:rPr lang="en-US" smtClean="0"/>
+              <a:t>13</a:t>
+            </a:fld>
+            <a:endParaRPr lang="en-US"/>
+          </a:p>
+        </p:txBody>
+      </p:sp>
+    </p:spTree>
+    <p:extLst>
+      <p:ext uri="{BB962C8B-B14F-4D97-AF65-F5344CB8AC3E}">
+        <p14:creationId xmlns:p14="http://schemas.microsoft.com/office/powerpoint/2010/main" val="1833219666"/>
+      </p:ext>
+    </p:extLst>
+  </p:cSld>
+  <p:clrMapOvr>
+    <a:masterClrMapping/>
+  </p:clrMapOvr>
+</p:notes>
+</file>
+
+<file path=ppt/notesSlides/notesSlide13.xml><?xml version="1.0" encoding="utf-8"?>
+<p:notes xmlns:a="http://schemas.openxmlformats.org/drawingml/2006/main" xmlns:r="http://schemas.openxmlformats.org/officeDocument/2006/relationships" xmlns:p="http://schemas.openxmlformats.org/presentationml/2006/main">
+  <p:cSld>
+    <p:spTree>
+      <p:nvGrpSpPr>
+        <p:cNvPr id="1" name="">
+          <a:extLst>
+            <a:ext uri="{FF2B5EF4-FFF2-40B4-BE49-F238E27FC236}">
               <a16:creationId xmlns:a16="http://schemas.microsoft.com/office/drawing/2014/main" id="{8AF4A77A-6C6B-1D3A-60D1-EEF9166664E1}"/>
             </a:ext>
           </a:extLst>
@@ -879,7 +991,7 @@
           <a:p>
             <a:fld id="{802E5CB9-2BE2-4860-85EE-BBFABBF2603A}" type="slidenum">
               <a:rPr lang="en-US" smtClean="0"/>
-              <a:t>13</a:t>
+              <a:t>14</a:t>
             </a:fld>
             <a:endParaRPr lang="en-US"/>
           </a:p>
@@ -898,7 +1010,7 @@
 </p:notes>
 </file>
 
-<file path=ppt/notesSlides/notesSlide13.xml><?xml version="1.0" encoding="utf-8"?>
+<file path=ppt/notesSlides/notesSlide14.xml><?xml version="1.0" encoding="utf-8"?>
 <p:notes xmlns:a="http://schemas.openxmlformats.org/drawingml/2006/main" xmlns:r="http://schemas.openxmlformats.org/officeDocument/2006/relationships" xmlns:p="http://schemas.openxmlformats.org/presentationml/2006/main">
   <p:cSld>
     <p:spTree>
@@ -987,7 +1099,7 @@
           <a:p>
             <a:fld id="{802E5CB9-2BE2-4860-85EE-BBFABBF2603A}" type="slidenum">
               <a:rPr lang="en-US" smtClean="0"/>
-              <a:t>14</a:t>
+              <a:t>15</a:t>
             </a:fld>
             <a:endParaRPr lang="en-US"/>
           </a:p>
@@ -1006,7 +1118,7 @@
 </p:notes>
 </file>
 
-<file path=ppt/notesSlides/notesSlide14.xml><?xml version="1.0" encoding="utf-8"?>
+<file path=ppt/notesSlides/notesSlide15.xml><?xml version="1.0" encoding="utf-8"?>
 <p:notes xmlns:a="http://schemas.openxmlformats.org/drawingml/2006/main" xmlns:r="http://schemas.openxmlformats.org/officeDocument/2006/relationships" xmlns:p="http://schemas.openxmlformats.org/presentationml/2006/main">
   <p:cSld>
     <p:spTree>
@@ -1095,7 +1207,7 @@
           <a:p>
             <a:fld id="{802E5CB9-2BE2-4860-85EE-BBFABBF2603A}" type="slidenum">
               <a:rPr lang="en-US" smtClean="0"/>
-              <a:t>15</a:t>
+              <a:t>16</a:t>
             </a:fld>
             <a:endParaRPr lang="en-US" dirty="0"/>
           </a:p>
@@ -1114,7 +1226,7 @@
 </p:notes>
 </file>
 
-<file path=ppt/notesSlides/notesSlide15.xml><?xml version="1.0" encoding="utf-8"?>
+<file path=ppt/notesSlides/notesSlide16.xml><?xml version="1.0" encoding="utf-8"?>
 <p:notes xmlns:a="http://schemas.openxmlformats.org/drawingml/2006/main" xmlns:r="http://schemas.openxmlformats.org/officeDocument/2006/relationships" xmlns:p="http://schemas.openxmlformats.org/presentationml/2006/main">
   <p:cSld>
     <p:spTree>
@@ -1203,7 +1315,7 @@
           <a:p>
             <a:fld id="{802E5CB9-2BE2-4860-85EE-BBFABBF2603A}" type="slidenum">
               <a:rPr lang="en-US" smtClean="0"/>
-              <a:t>16</a:t>
+              <a:t>17</a:t>
             </a:fld>
             <a:endParaRPr lang="en-US"/>
           </a:p>
@@ -1222,7 +1334,7 @@
 </p:notes>
 </file>
 
-<file path=ppt/notesSlides/notesSlide16.xml><?xml version="1.0" encoding="utf-8"?>
+<file path=ppt/notesSlides/notesSlide17.xml><?xml version="1.0" encoding="utf-8"?>
 <p:notes xmlns:a="http://schemas.openxmlformats.org/drawingml/2006/main" xmlns:r="http://schemas.openxmlformats.org/officeDocument/2006/relationships" xmlns:p="http://schemas.openxmlformats.org/presentationml/2006/main">
   <p:cSld>
     <p:spTree>
@@ -1311,7 +1423,7 @@
           <a:p>
             <a:fld id="{802E5CB9-2BE2-4860-85EE-BBFABBF2603A}" type="slidenum">
               <a:rPr lang="en-US" smtClean="0"/>
-              <a:t>17</a:t>
+              <a:t>18</a:t>
             </a:fld>
             <a:endParaRPr lang="en-US"/>
           </a:p>
@@ -1330,7 +1442,7 @@
 </p:notes>
 </file>
 
-<file path=ppt/notesSlides/notesSlide17.xml><?xml version="1.0" encoding="utf-8"?>
+<file path=ppt/notesSlides/notesSlide18.xml><?xml version="1.0" encoding="utf-8"?>
 <p:notes xmlns:a="http://schemas.openxmlformats.org/drawingml/2006/main" xmlns:r="http://schemas.openxmlformats.org/officeDocument/2006/relationships" xmlns:p="http://schemas.openxmlformats.org/presentationml/2006/main">
   <p:cSld>
     <p:spTree>
@@ -1419,7 +1531,7 @@
           <a:p>
             <a:fld id="{802E5CB9-2BE2-4860-85EE-BBFABBF2603A}" type="slidenum">
               <a:rPr lang="en-US" smtClean="0"/>
-              <a:t>18</a:t>
+              <a:t>19</a:t>
             </a:fld>
             <a:endParaRPr lang="en-US"/>
           </a:p>
@@ -1438,7 +1550,7 @@
 </p:notes>
 </file>
 
-<file path=ppt/notesSlides/notesSlide18.xml><?xml version="1.0" encoding="utf-8"?>
+<file path=ppt/notesSlides/notesSlide19.xml><?xml version="1.0" encoding="utf-8"?>
 <p:notes xmlns:a="http://schemas.openxmlformats.org/drawingml/2006/main" xmlns:r="http://schemas.openxmlformats.org/officeDocument/2006/relationships" xmlns:p="http://schemas.openxmlformats.org/presentationml/2006/main">
   <p:cSld>
     <p:spTree>
@@ -1527,7 +1639,7 @@
           <a:p>
             <a:fld id="{802E5CB9-2BE2-4860-85EE-BBFABBF2603A}" type="slidenum">
               <a:rPr lang="en-US" smtClean="0"/>
-              <a:t>19</a:t>
+              <a:t>20</a:t>
             </a:fld>
             <a:endParaRPr lang="en-US"/>
           </a:p>
@@ -1537,114 +1649,6 @@
     <p:extLst>
       <p:ext uri="{BB962C8B-B14F-4D97-AF65-F5344CB8AC3E}">
         <p14:creationId xmlns:p14="http://schemas.microsoft.com/office/powerpoint/2010/main" val="2747683349"/>
-      </p:ext>
-    </p:extLst>
-  </p:cSld>
-  <p:clrMapOvr>
-    <a:masterClrMapping/>
-  </p:clrMapOvr>
-</p:notes>
-</file>
-
-<file path=ppt/notesSlides/notesSlide19.xml><?xml version="1.0" encoding="utf-8"?>
-<p:notes xmlns:a="http://schemas.openxmlformats.org/drawingml/2006/main" xmlns:r="http://schemas.openxmlformats.org/officeDocument/2006/relationships" xmlns:p="http://schemas.openxmlformats.org/presentationml/2006/main">
-  <p:cSld>
-    <p:spTree>
-      <p:nvGrpSpPr>
-        <p:cNvPr id="1" name="">
-          <a:extLst>
-            <a:ext uri="{FF2B5EF4-FFF2-40B4-BE49-F238E27FC236}">
-              <a16:creationId xmlns:a16="http://schemas.microsoft.com/office/drawing/2014/main" id="{627480E0-B886-E974-EF3B-7CB357F99069}"/>
-            </a:ext>
-          </a:extLst>
-        </p:cNvPr>
-        <p:cNvGrpSpPr/>
-        <p:nvPr/>
-      </p:nvGrpSpPr>
-      <p:grpSpPr>
-        <a:xfrm>
-          <a:off x="0" y="0"/>
-          <a:ext cx="0" cy="0"/>
-          <a:chOff x="0" y="0"/>
-          <a:chExt cx="0" cy="0"/>
-        </a:xfrm>
-      </p:grpSpPr>
-      <p:sp>
-        <p:nvSpPr>
-          <p:cNvPr id="2" name="Segnaposto immagine diapositiva 1">
-            <a:extLst>
-              <a:ext uri="{FF2B5EF4-FFF2-40B4-BE49-F238E27FC236}">
-                <a16:creationId xmlns:a16="http://schemas.microsoft.com/office/drawing/2014/main" id="{9235C26E-6A83-4B46-6C32-D76EA23AEC7D}"/>
-              </a:ext>
-            </a:extLst>
-          </p:cNvPr>
-          <p:cNvSpPr>
-            <a:spLocks noGrp="1" noRot="1" noChangeAspect="1"/>
-          </p:cNvSpPr>
-          <p:nvPr>
-            <p:ph type="sldImg"/>
-          </p:nvPr>
-        </p:nvSpPr>
-        <p:spPr/>
-      </p:sp>
-      <p:sp>
-        <p:nvSpPr>
-          <p:cNvPr id="3" name="Segnaposto note 2">
-            <a:extLst>
-              <a:ext uri="{FF2B5EF4-FFF2-40B4-BE49-F238E27FC236}">
-                <a16:creationId xmlns:a16="http://schemas.microsoft.com/office/drawing/2014/main" id="{5B4079D3-F4E6-D73F-1516-C89A120EFE94}"/>
-              </a:ext>
-            </a:extLst>
-          </p:cNvPr>
-          <p:cNvSpPr>
-            <a:spLocks noGrp="1"/>
-          </p:cNvSpPr>
-          <p:nvPr>
-            <p:ph type="body" idx="1"/>
-          </p:nvPr>
-        </p:nvSpPr>
-        <p:spPr/>
-        <p:txBody>
-          <a:bodyPr/>
-          <a:lstStyle/>
-          <a:p>
-            <a:endParaRPr lang="en-US" dirty="0"/>
-          </a:p>
-        </p:txBody>
-      </p:sp>
-      <p:sp>
-        <p:nvSpPr>
-          <p:cNvPr id="4" name="Segnaposto numero diapositiva 3">
-            <a:extLst>
-              <a:ext uri="{FF2B5EF4-FFF2-40B4-BE49-F238E27FC236}">
-                <a16:creationId xmlns:a16="http://schemas.microsoft.com/office/drawing/2014/main" id="{6021FF03-BB85-2DB2-09B7-13AC2715E43C}"/>
-              </a:ext>
-            </a:extLst>
-          </p:cNvPr>
-          <p:cNvSpPr>
-            <a:spLocks noGrp="1"/>
-          </p:cNvSpPr>
-          <p:nvPr>
-            <p:ph type="sldNum" sz="quarter" idx="5"/>
-          </p:nvPr>
-        </p:nvSpPr>
-        <p:spPr/>
-        <p:txBody>
-          <a:bodyPr/>
-          <a:lstStyle/>
-          <a:p>
-            <a:fld id="{802E5CB9-2BE2-4860-85EE-BBFABBF2603A}" type="slidenum">
-              <a:rPr lang="en-US" smtClean="0"/>
-              <a:t>20</a:t>
-            </a:fld>
-            <a:endParaRPr lang="en-US"/>
-          </a:p>
-        </p:txBody>
-      </p:sp>
-    </p:spTree>
-    <p:extLst>
-      <p:ext uri="{BB962C8B-B14F-4D97-AF65-F5344CB8AC3E}">
-        <p14:creationId xmlns:p14="http://schemas.microsoft.com/office/powerpoint/2010/main" val="3625022151"/>
       </p:ext>
     </p:extLst>
   </p:cSld>
@@ -1770,6 +1774,114 @@
         <p:cNvPr id="1" name="">
           <a:extLst>
             <a:ext uri="{FF2B5EF4-FFF2-40B4-BE49-F238E27FC236}">
+              <a16:creationId xmlns:a16="http://schemas.microsoft.com/office/drawing/2014/main" id="{627480E0-B886-E974-EF3B-7CB357F99069}"/>
+            </a:ext>
+          </a:extLst>
+        </p:cNvPr>
+        <p:cNvGrpSpPr/>
+        <p:nvPr/>
+      </p:nvGrpSpPr>
+      <p:grpSpPr>
+        <a:xfrm>
+          <a:off x="0" y="0"/>
+          <a:ext cx="0" cy="0"/>
+          <a:chOff x="0" y="0"/>
+          <a:chExt cx="0" cy="0"/>
+        </a:xfrm>
+      </p:grpSpPr>
+      <p:sp>
+        <p:nvSpPr>
+          <p:cNvPr id="2" name="Segnaposto immagine diapositiva 1">
+            <a:extLst>
+              <a:ext uri="{FF2B5EF4-FFF2-40B4-BE49-F238E27FC236}">
+                <a16:creationId xmlns:a16="http://schemas.microsoft.com/office/drawing/2014/main" id="{9235C26E-6A83-4B46-6C32-D76EA23AEC7D}"/>
+              </a:ext>
+            </a:extLst>
+          </p:cNvPr>
+          <p:cNvSpPr>
+            <a:spLocks noGrp="1" noRot="1" noChangeAspect="1"/>
+          </p:cNvSpPr>
+          <p:nvPr>
+            <p:ph type="sldImg"/>
+          </p:nvPr>
+        </p:nvSpPr>
+        <p:spPr/>
+      </p:sp>
+      <p:sp>
+        <p:nvSpPr>
+          <p:cNvPr id="3" name="Segnaposto note 2">
+            <a:extLst>
+              <a:ext uri="{FF2B5EF4-FFF2-40B4-BE49-F238E27FC236}">
+                <a16:creationId xmlns:a16="http://schemas.microsoft.com/office/drawing/2014/main" id="{5B4079D3-F4E6-D73F-1516-C89A120EFE94}"/>
+              </a:ext>
+            </a:extLst>
+          </p:cNvPr>
+          <p:cNvSpPr>
+            <a:spLocks noGrp="1"/>
+          </p:cNvSpPr>
+          <p:nvPr>
+            <p:ph type="body" idx="1"/>
+          </p:nvPr>
+        </p:nvSpPr>
+        <p:spPr/>
+        <p:txBody>
+          <a:bodyPr/>
+          <a:lstStyle/>
+          <a:p>
+            <a:endParaRPr lang="en-US" dirty="0"/>
+          </a:p>
+        </p:txBody>
+      </p:sp>
+      <p:sp>
+        <p:nvSpPr>
+          <p:cNvPr id="4" name="Segnaposto numero diapositiva 3">
+            <a:extLst>
+              <a:ext uri="{FF2B5EF4-FFF2-40B4-BE49-F238E27FC236}">
+                <a16:creationId xmlns:a16="http://schemas.microsoft.com/office/drawing/2014/main" id="{6021FF03-BB85-2DB2-09B7-13AC2715E43C}"/>
+              </a:ext>
+            </a:extLst>
+          </p:cNvPr>
+          <p:cNvSpPr>
+            <a:spLocks noGrp="1"/>
+          </p:cNvSpPr>
+          <p:nvPr>
+            <p:ph type="sldNum" sz="quarter" idx="5"/>
+          </p:nvPr>
+        </p:nvSpPr>
+        <p:spPr/>
+        <p:txBody>
+          <a:bodyPr/>
+          <a:lstStyle/>
+          <a:p>
+            <a:fld id="{802E5CB9-2BE2-4860-85EE-BBFABBF2603A}" type="slidenum">
+              <a:rPr lang="en-US" smtClean="0"/>
+              <a:t>21</a:t>
+            </a:fld>
+            <a:endParaRPr lang="en-US"/>
+          </a:p>
+        </p:txBody>
+      </p:sp>
+    </p:spTree>
+    <p:extLst>
+      <p:ext uri="{BB962C8B-B14F-4D97-AF65-F5344CB8AC3E}">
+        <p14:creationId xmlns:p14="http://schemas.microsoft.com/office/powerpoint/2010/main" val="3625022151"/>
+      </p:ext>
+    </p:extLst>
+  </p:cSld>
+  <p:clrMapOvr>
+    <a:masterClrMapping/>
+  </p:clrMapOvr>
+</p:notes>
+</file>
+
+<file path=ppt/notesSlides/notesSlide21.xml><?xml version="1.0" encoding="utf-8"?>
+<p:notes xmlns:a="http://schemas.openxmlformats.org/drawingml/2006/main" xmlns:r="http://schemas.openxmlformats.org/officeDocument/2006/relationships" xmlns:p="http://schemas.openxmlformats.org/presentationml/2006/main">
+  <p:cSld>
+    <p:spTree>
+      <p:nvGrpSpPr>
+        <p:cNvPr id="1" name="">
+          <a:extLst>
+            <a:ext uri="{FF2B5EF4-FFF2-40B4-BE49-F238E27FC236}">
               <a16:creationId xmlns:a16="http://schemas.microsoft.com/office/drawing/2014/main" id="{5F8E2A9A-3EBF-8357-7310-33D60FB5B5F9}"/>
             </a:ext>
           </a:extLst>
@@ -1851,7 +1963,7 @@
           <a:p>
             <a:fld id="{802E5CB9-2BE2-4860-85EE-BBFABBF2603A}" type="slidenum">
               <a:rPr lang="en-US" smtClean="0"/>
-              <a:t>21</a:t>
+              <a:t>22</a:t>
             </a:fld>
             <a:endParaRPr lang="en-US"/>
           </a:p>
@@ -1870,7 +1982,7 @@
 </p:notes>
 </file>
 
-<file path=ppt/notesSlides/notesSlide21.xml><?xml version="1.0" encoding="utf-8"?>
+<file path=ppt/notesSlides/notesSlide22.xml><?xml version="1.0" encoding="utf-8"?>
 <p:notes xmlns:a="http://schemas.openxmlformats.org/drawingml/2006/main" xmlns:r="http://schemas.openxmlformats.org/officeDocument/2006/relationships" xmlns:p="http://schemas.openxmlformats.org/presentationml/2006/main">
   <p:cSld>
     <p:spTree>
@@ -1959,7 +2071,7 @@
           <a:p>
             <a:fld id="{802E5CB9-2BE2-4860-85EE-BBFABBF2603A}" type="slidenum">
               <a:rPr lang="en-US" smtClean="0"/>
-              <a:t>22</a:t>
+              <a:t>23</a:t>
             </a:fld>
             <a:endParaRPr lang="en-US"/>
           </a:p>
@@ -1978,7 +2090,7 @@
 </p:notes>
 </file>
 
-<file path=ppt/notesSlides/notesSlide22.xml><?xml version="1.0" encoding="utf-8"?>
+<file path=ppt/notesSlides/notesSlide23.xml><?xml version="1.0" encoding="utf-8"?>
 <p:notes xmlns:a="http://schemas.openxmlformats.org/drawingml/2006/main" xmlns:r="http://schemas.openxmlformats.org/officeDocument/2006/relationships" xmlns:p="http://schemas.openxmlformats.org/presentationml/2006/main">
   <p:cSld>
     <p:spTree>
@@ -2067,7 +2179,7 @@
           <a:p>
             <a:fld id="{802E5CB9-2BE2-4860-85EE-BBFABBF2603A}" type="slidenum">
               <a:rPr lang="en-US" smtClean="0"/>
-              <a:t>23</a:t>
+              <a:t>24</a:t>
             </a:fld>
             <a:endParaRPr lang="en-US"/>
           </a:p>
@@ -2086,7 +2198,7 @@
 </p:notes>
 </file>
 
-<file path=ppt/notesSlides/notesSlide23.xml><?xml version="1.0" encoding="utf-8"?>
+<file path=ppt/notesSlides/notesSlide24.xml><?xml version="1.0" encoding="utf-8"?>
 <p:notes xmlns:a="http://schemas.openxmlformats.org/drawingml/2006/main" xmlns:r="http://schemas.openxmlformats.org/officeDocument/2006/relationships" xmlns:p="http://schemas.openxmlformats.org/presentationml/2006/main">
   <p:cSld>
     <p:spTree>
@@ -2175,7 +2287,7 @@
           <a:p>
             <a:fld id="{802E5CB9-2BE2-4860-85EE-BBFABBF2603A}" type="slidenum">
               <a:rPr lang="en-US" smtClean="0"/>
-              <a:t>24</a:t>
+              <a:t>25</a:t>
             </a:fld>
             <a:endParaRPr lang="en-US"/>
           </a:p>
@@ -2194,7 +2306,7 @@
 </p:notes>
 </file>
 
-<file path=ppt/notesSlides/notesSlide24.xml><?xml version="1.0" encoding="utf-8"?>
+<file path=ppt/notesSlides/notesSlide25.xml><?xml version="1.0" encoding="utf-8"?>
 <p:notes xmlns:a="http://schemas.openxmlformats.org/drawingml/2006/main" xmlns:r="http://schemas.openxmlformats.org/officeDocument/2006/relationships" xmlns:p="http://schemas.openxmlformats.org/presentationml/2006/main">
   <p:cSld>
     <p:spTree>
@@ -2283,7 +2395,7 @@
           <a:p>
             <a:fld id="{802E5CB9-2BE2-4860-85EE-BBFABBF2603A}" type="slidenum">
               <a:rPr lang="en-US" smtClean="0"/>
-              <a:t>25</a:t>
+              <a:t>26</a:t>
             </a:fld>
             <a:endParaRPr lang="en-US"/>
           </a:p>
@@ -2302,7 +2414,7 @@
 </p:notes>
 </file>
 
-<file path=ppt/notesSlides/notesSlide25.xml><?xml version="1.0" encoding="utf-8"?>
+<file path=ppt/notesSlides/notesSlide26.xml><?xml version="1.0" encoding="utf-8"?>
 <p:notes xmlns:a="http://schemas.openxmlformats.org/drawingml/2006/main" xmlns:r="http://schemas.openxmlformats.org/officeDocument/2006/relationships" xmlns:p="http://schemas.openxmlformats.org/presentationml/2006/main">
   <p:cSld>
     <p:spTree>
@@ -2391,7 +2503,7 @@
           <a:p>
             <a:fld id="{802E5CB9-2BE2-4860-85EE-BBFABBF2603A}" type="slidenum">
               <a:rPr lang="en-US" smtClean="0"/>
-              <a:t>26</a:t>
+              <a:t>27</a:t>
             </a:fld>
             <a:endParaRPr lang="en-US" dirty="0"/>
           </a:p>
@@ -2410,7 +2522,7 @@
 </p:notes>
 </file>
 
-<file path=ppt/notesSlides/notesSlide26.xml><?xml version="1.0" encoding="utf-8"?>
+<file path=ppt/notesSlides/notesSlide27.xml><?xml version="1.0" encoding="utf-8"?>
 <p:notes xmlns:a="http://schemas.openxmlformats.org/drawingml/2006/main" xmlns:r="http://schemas.openxmlformats.org/officeDocument/2006/relationships" xmlns:p="http://schemas.openxmlformats.org/presentationml/2006/main">
   <p:cSld>
     <p:spTree>
@@ -2499,7 +2611,7 @@
           <a:p>
             <a:fld id="{802E5CB9-2BE2-4860-85EE-BBFABBF2603A}" type="slidenum">
               <a:rPr lang="en-US" smtClean="0"/>
-              <a:t>27</a:t>
+              <a:t>28</a:t>
             </a:fld>
             <a:endParaRPr lang="en-US"/>
           </a:p>
@@ -2509,6 +2621,222 @@
     <p:extLst>
       <p:ext uri="{BB962C8B-B14F-4D97-AF65-F5344CB8AC3E}">
         <p14:creationId xmlns:p14="http://schemas.microsoft.com/office/powerpoint/2010/main" val="1525967442"/>
+      </p:ext>
+    </p:extLst>
+  </p:cSld>
+  <p:clrMapOvr>
+    <a:masterClrMapping/>
+  </p:clrMapOvr>
+</p:notes>
+</file>
+
+<file path=ppt/notesSlides/notesSlide28.xml><?xml version="1.0" encoding="utf-8"?>
+<p:notes xmlns:a="http://schemas.openxmlformats.org/drawingml/2006/main" xmlns:r="http://schemas.openxmlformats.org/officeDocument/2006/relationships" xmlns:p="http://schemas.openxmlformats.org/presentationml/2006/main">
+  <p:cSld>
+    <p:spTree>
+      <p:nvGrpSpPr>
+        <p:cNvPr id="1" name="">
+          <a:extLst>
+            <a:ext uri="{FF2B5EF4-FFF2-40B4-BE49-F238E27FC236}">
+              <a16:creationId xmlns:a16="http://schemas.microsoft.com/office/drawing/2014/main" id="{38AFDC9A-468D-A62B-8AB9-ED47C8126E44}"/>
+            </a:ext>
+          </a:extLst>
+        </p:cNvPr>
+        <p:cNvGrpSpPr/>
+        <p:nvPr/>
+      </p:nvGrpSpPr>
+      <p:grpSpPr>
+        <a:xfrm>
+          <a:off x="0" y="0"/>
+          <a:ext cx="0" cy="0"/>
+          <a:chOff x="0" y="0"/>
+          <a:chExt cx="0" cy="0"/>
+        </a:xfrm>
+      </p:grpSpPr>
+      <p:sp>
+        <p:nvSpPr>
+          <p:cNvPr id="2" name="Segnaposto immagine diapositiva 1">
+            <a:extLst>
+              <a:ext uri="{FF2B5EF4-FFF2-40B4-BE49-F238E27FC236}">
+                <a16:creationId xmlns:a16="http://schemas.microsoft.com/office/drawing/2014/main" id="{AED08D33-1D48-87AD-4991-D11221DFCB56}"/>
+              </a:ext>
+            </a:extLst>
+          </p:cNvPr>
+          <p:cNvSpPr>
+            <a:spLocks noGrp="1" noRot="1" noChangeAspect="1"/>
+          </p:cNvSpPr>
+          <p:nvPr>
+            <p:ph type="sldImg"/>
+          </p:nvPr>
+        </p:nvSpPr>
+        <p:spPr/>
+      </p:sp>
+      <p:sp>
+        <p:nvSpPr>
+          <p:cNvPr id="3" name="Segnaposto note 2">
+            <a:extLst>
+              <a:ext uri="{FF2B5EF4-FFF2-40B4-BE49-F238E27FC236}">
+                <a16:creationId xmlns:a16="http://schemas.microsoft.com/office/drawing/2014/main" id="{D1505EF0-8C03-4341-E09C-28EEC308F3EA}"/>
+              </a:ext>
+            </a:extLst>
+          </p:cNvPr>
+          <p:cNvSpPr>
+            <a:spLocks noGrp="1"/>
+          </p:cNvSpPr>
+          <p:nvPr>
+            <p:ph type="body" idx="1"/>
+          </p:nvPr>
+        </p:nvSpPr>
+        <p:spPr/>
+        <p:txBody>
+          <a:bodyPr/>
+          <a:lstStyle/>
+          <a:p>
+            <a:endParaRPr lang="en-US" dirty="0"/>
+          </a:p>
+        </p:txBody>
+      </p:sp>
+      <p:sp>
+        <p:nvSpPr>
+          <p:cNvPr id="4" name="Segnaposto numero diapositiva 3">
+            <a:extLst>
+              <a:ext uri="{FF2B5EF4-FFF2-40B4-BE49-F238E27FC236}">
+                <a16:creationId xmlns:a16="http://schemas.microsoft.com/office/drawing/2014/main" id="{7DF74430-9EDE-069B-CAAF-7CAFF20B25BD}"/>
+              </a:ext>
+            </a:extLst>
+          </p:cNvPr>
+          <p:cNvSpPr>
+            <a:spLocks noGrp="1"/>
+          </p:cNvSpPr>
+          <p:nvPr>
+            <p:ph type="sldNum" sz="quarter" idx="5"/>
+          </p:nvPr>
+        </p:nvSpPr>
+        <p:spPr/>
+        <p:txBody>
+          <a:bodyPr/>
+          <a:lstStyle/>
+          <a:p>
+            <a:fld id="{802E5CB9-2BE2-4860-85EE-BBFABBF2603A}" type="slidenum">
+              <a:rPr lang="en-US" smtClean="0"/>
+              <a:t>29</a:t>
+            </a:fld>
+            <a:endParaRPr lang="en-US"/>
+          </a:p>
+        </p:txBody>
+      </p:sp>
+    </p:spTree>
+    <p:extLst>
+      <p:ext uri="{BB962C8B-B14F-4D97-AF65-F5344CB8AC3E}">
+        <p14:creationId xmlns:p14="http://schemas.microsoft.com/office/powerpoint/2010/main" val="3630781153"/>
+      </p:ext>
+    </p:extLst>
+  </p:cSld>
+  <p:clrMapOvr>
+    <a:masterClrMapping/>
+  </p:clrMapOvr>
+</p:notes>
+</file>
+
+<file path=ppt/notesSlides/notesSlide29.xml><?xml version="1.0" encoding="utf-8"?>
+<p:notes xmlns:a="http://schemas.openxmlformats.org/drawingml/2006/main" xmlns:r="http://schemas.openxmlformats.org/officeDocument/2006/relationships" xmlns:p="http://schemas.openxmlformats.org/presentationml/2006/main">
+  <p:cSld>
+    <p:spTree>
+      <p:nvGrpSpPr>
+        <p:cNvPr id="1" name="">
+          <a:extLst>
+            <a:ext uri="{FF2B5EF4-FFF2-40B4-BE49-F238E27FC236}">
+              <a16:creationId xmlns:a16="http://schemas.microsoft.com/office/drawing/2014/main" id="{61B247B7-33D3-62F1-F61E-D733C399E33D}"/>
+            </a:ext>
+          </a:extLst>
+        </p:cNvPr>
+        <p:cNvGrpSpPr/>
+        <p:nvPr/>
+      </p:nvGrpSpPr>
+      <p:grpSpPr>
+        <a:xfrm>
+          <a:off x="0" y="0"/>
+          <a:ext cx="0" cy="0"/>
+          <a:chOff x="0" y="0"/>
+          <a:chExt cx="0" cy="0"/>
+        </a:xfrm>
+      </p:grpSpPr>
+      <p:sp>
+        <p:nvSpPr>
+          <p:cNvPr id="2" name="Segnaposto immagine diapositiva 1">
+            <a:extLst>
+              <a:ext uri="{FF2B5EF4-FFF2-40B4-BE49-F238E27FC236}">
+                <a16:creationId xmlns:a16="http://schemas.microsoft.com/office/drawing/2014/main" id="{95D34FDB-D121-8823-8D29-1E35D06F21CE}"/>
+              </a:ext>
+            </a:extLst>
+          </p:cNvPr>
+          <p:cNvSpPr>
+            <a:spLocks noGrp="1" noRot="1" noChangeAspect="1"/>
+          </p:cNvSpPr>
+          <p:nvPr>
+            <p:ph type="sldImg"/>
+          </p:nvPr>
+        </p:nvSpPr>
+        <p:spPr/>
+      </p:sp>
+      <p:sp>
+        <p:nvSpPr>
+          <p:cNvPr id="3" name="Segnaposto note 2">
+            <a:extLst>
+              <a:ext uri="{FF2B5EF4-FFF2-40B4-BE49-F238E27FC236}">
+                <a16:creationId xmlns:a16="http://schemas.microsoft.com/office/drawing/2014/main" id="{60F6C1B5-1CE5-C2FC-1FB8-7E6376508ED2}"/>
+              </a:ext>
+            </a:extLst>
+          </p:cNvPr>
+          <p:cNvSpPr>
+            <a:spLocks noGrp="1"/>
+          </p:cNvSpPr>
+          <p:nvPr>
+            <p:ph type="body" idx="1"/>
+          </p:nvPr>
+        </p:nvSpPr>
+        <p:spPr/>
+        <p:txBody>
+          <a:bodyPr/>
+          <a:lstStyle/>
+          <a:p>
+            <a:endParaRPr lang="en-US" dirty="0"/>
+          </a:p>
+        </p:txBody>
+      </p:sp>
+      <p:sp>
+        <p:nvSpPr>
+          <p:cNvPr id="4" name="Segnaposto numero diapositiva 3">
+            <a:extLst>
+              <a:ext uri="{FF2B5EF4-FFF2-40B4-BE49-F238E27FC236}">
+                <a16:creationId xmlns:a16="http://schemas.microsoft.com/office/drawing/2014/main" id="{9FFD9F94-761C-3F7A-FE7D-4608FD6AFE1C}"/>
+              </a:ext>
+            </a:extLst>
+          </p:cNvPr>
+          <p:cNvSpPr>
+            <a:spLocks noGrp="1"/>
+          </p:cNvSpPr>
+          <p:nvPr>
+            <p:ph type="sldNum" sz="quarter" idx="5"/>
+          </p:nvPr>
+        </p:nvSpPr>
+        <p:spPr/>
+        <p:txBody>
+          <a:bodyPr/>
+          <a:lstStyle/>
+          <a:p>
+            <a:fld id="{802E5CB9-2BE2-4860-85EE-BBFABBF2603A}" type="slidenum">
+              <a:rPr lang="en-US" smtClean="0"/>
+              <a:t>30</a:t>
+            </a:fld>
+            <a:endParaRPr lang="en-US"/>
+          </a:p>
+        </p:txBody>
+      </p:sp>
+    </p:spTree>
+    <p:extLst>
+      <p:ext uri="{BB962C8B-B14F-4D97-AF65-F5344CB8AC3E}">
+        <p14:creationId xmlns:p14="http://schemas.microsoft.com/office/powerpoint/2010/main" val="4242444859"/>
       </p:ext>
     </p:extLst>
   </p:cSld>
@@ -2593,6 +2921,114 @@
     <p:extLst>
       <p:ext uri="{BB962C8B-B14F-4D97-AF65-F5344CB8AC3E}">
         <p14:creationId xmlns:p14="http://schemas.microsoft.com/office/powerpoint/2010/main" val="2070191439"/>
+      </p:ext>
+    </p:extLst>
+  </p:cSld>
+  <p:clrMapOvr>
+    <a:masterClrMapping/>
+  </p:clrMapOvr>
+</p:notes>
+</file>
+
+<file path=ppt/notesSlides/notesSlide30.xml><?xml version="1.0" encoding="utf-8"?>
+<p:notes xmlns:a="http://schemas.openxmlformats.org/drawingml/2006/main" xmlns:r="http://schemas.openxmlformats.org/officeDocument/2006/relationships" xmlns:p="http://schemas.openxmlformats.org/presentationml/2006/main">
+  <p:cSld>
+    <p:spTree>
+      <p:nvGrpSpPr>
+        <p:cNvPr id="1" name="">
+          <a:extLst>
+            <a:ext uri="{FF2B5EF4-FFF2-40B4-BE49-F238E27FC236}">
+              <a16:creationId xmlns:a16="http://schemas.microsoft.com/office/drawing/2014/main" id="{044A9405-ACC6-5E94-030D-67B7A62CE20D}"/>
+            </a:ext>
+          </a:extLst>
+        </p:cNvPr>
+        <p:cNvGrpSpPr/>
+        <p:nvPr/>
+      </p:nvGrpSpPr>
+      <p:grpSpPr>
+        <a:xfrm>
+          <a:off x="0" y="0"/>
+          <a:ext cx="0" cy="0"/>
+          <a:chOff x="0" y="0"/>
+          <a:chExt cx="0" cy="0"/>
+        </a:xfrm>
+      </p:grpSpPr>
+      <p:sp>
+        <p:nvSpPr>
+          <p:cNvPr id="2" name="Segnaposto immagine diapositiva 1">
+            <a:extLst>
+              <a:ext uri="{FF2B5EF4-FFF2-40B4-BE49-F238E27FC236}">
+                <a16:creationId xmlns:a16="http://schemas.microsoft.com/office/drawing/2014/main" id="{F6D51973-A18E-1A0E-5944-5D74202DD822}"/>
+              </a:ext>
+            </a:extLst>
+          </p:cNvPr>
+          <p:cNvSpPr>
+            <a:spLocks noGrp="1" noRot="1" noChangeAspect="1"/>
+          </p:cNvSpPr>
+          <p:nvPr>
+            <p:ph type="sldImg"/>
+          </p:nvPr>
+        </p:nvSpPr>
+        <p:spPr/>
+      </p:sp>
+      <p:sp>
+        <p:nvSpPr>
+          <p:cNvPr id="3" name="Segnaposto note 2">
+            <a:extLst>
+              <a:ext uri="{FF2B5EF4-FFF2-40B4-BE49-F238E27FC236}">
+                <a16:creationId xmlns:a16="http://schemas.microsoft.com/office/drawing/2014/main" id="{16458907-D94E-5EDF-4EF2-AFAF1F6BCE7C}"/>
+              </a:ext>
+            </a:extLst>
+          </p:cNvPr>
+          <p:cNvSpPr>
+            <a:spLocks noGrp="1"/>
+          </p:cNvSpPr>
+          <p:nvPr>
+            <p:ph type="body" idx="1"/>
+          </p:nvPr>
+        </p:nvSpPr>
+        <p:spPr/>
+        <p:txBody>
+          <a:bodyPr/>
+          <a:lstStyle/>
+          <a:p>
+            <a:endParaRPr lang="en-US" dirty="0"/>
+          </a:p>
+        </p:txBody>
+      </p:sp>
+      <p:sp>
+        <p:nvSpPr>
+          <p:cNvPr id="4" name="Segnaposto numero diapositiva 3">
+            <a:extLst>
+              <a:ext uri="{FF2B5EF4-FFF2-40B4-BE49-F238E27FC236}">
+                <a16:creationId xmlns:a16="http://schemas.microsoft.com/office/drawing/2014/main" id="{FE4AE664-C3A3-53E5-6458-506D6DC4B5B4}"/>
+              </a:ext>
+            </a:extLst>
+          </p:cNvPr>
+          <p:cNvSpPr>
+            <a:spLocks noGrp="1"/>
+          </p:cNvSpPr>
+          <p:nvPr>
+            <p:ph type="sldNum" sz="quarter" idx="5"/>
+          </p:nvPr>
+        </p:nvSpPr>
+        <p:spPr/>
+        <p:txBody>
+          <a:bodyPr/>
+          <a:lstStyle/>
+          <a:p>
+            <a:fld id="{802E5CB9-2BE2-4860-85EE-BBFABBF2603A}" type="slidenum">
+              <a:rPr lang="en-US" smtClean="0"/>
+              <a:t>31</a:t>
+            </a:fld>
+            <a:endParaRPr lang="en-US"/>
+          </a:p>
+        </p:txBody>
+      </p:sp>
+    </p:spTree>
+    <p:extLst>
+      <p:ext uri="{BB962C8B-B14F-4D97-AF65-F5344CB8AC3E}">
+        <p14:creationId xmlns:p14="http://schemas.microsoft.com/office/powerpoint/2010/main" val="2002192801"/>
       </p:ext>
     </p:extLst>
   </p:cSld>
@@ -3663,7 +4099,7 @@
           <a:p>
             <a:fld id="{58E4D78B-0F35-4E3B-A0B9-554BA787D8A4}" type="datetime1">
               <a:rPr lang="en-US" smtClean="0"/>
-              <a:t>10/29/2024</a:t>
+              <a:t>11/1/2024</a:t>
             </a:fld>
             <a:endParaRPr lang="en-US"/>
           </a:p>
@@ -3873,7 +4309,7 @@
           <a:p>
             <a:fld id="{604487E5-BE79-4BAC-AEB7-0CE0533B5E5C}" type="datetime1">
               <a:rPr lang="en-US" smtClean="0"/>
-              <a:t>10/29/2024</a:t>
+              <a:t>11/1/2024</a:t>
             </a:fld>
             <a:endParaRPr lang="en-US"/>
           </a:p>
@@ -4073,7 +4509,7 @@
           <a:p>
             <a:fld id="{DDA7E0CB-9E21-49FD-99A0-0CD75BBC45F4}" type="datetime1">
               <a:rPr lang="en-US" smtClean="0"/>
-              <a:t>10/29/2024</a:t>
+              <a:t>11/1/2024</a:t>
             </a:fld>
             <a:endParaRPr lang="en-US"/>
           </a:p>
@@ -4349,7 +4785,7 @@
           <a:p>
             <a:fld id="{661D7149-FE96-419A-8F67-9BD351842985}" type="datetime1">
               <a:rPr lang="en-US" smtClean="0"/>
-              <a:t>10/29/2024</a:t>
+              <a:t>11/1/2024</a:t>
             </a:fld>
             <a:endParaRPr lang="en-US"/>
           </a:p>
@@ -4617,7 +5053,7 @@
           <a:p>
             <a:fld id="{6CA97CEF-DD94-4A20-85BC-5094F3EA8887}" type="datetime1">
               <a:rPr lang="en-US" smtClean="0"/>
-              <a:t>10/29/2024</a:t>
+              <a:t>11/1/2024</a:t>
             </a:fld>
             <a:endParaRPr lang="en-US"/>
           </a:p>
@@ -5032,7 +5468,7 @@
           <a:p>
             <a:fld id="{9862EB4C-45F8-47BA-B435-B6097D61B684}" type="datetime1">
               <a:rPr lang="en-US" smtClean="0"/>
-              <a:t>10/29/2024</a:t>
+              <a:t>11/1/2024</a:t>
             </a:fld>
             <a:endParaRPr lang="en-US"/>
           </a:p>
@@ -5174,7 +5610,7 @@
           <a:p>
             <a:fld id="{FA7CD0E2-B7EC-4D81-9389-8F889EE865AB}" type="datetime1">
               <a:rPr lang="en-US" smtClean="0"/>
-              <a:t>10/29/2024</a:t>
+              <a:t>11/1/2024</a:t>
             </a:fld>
             <a:endParaRPr lang="en-US"/>
           </a:p>
@@ -5287,7 +5723,7 @@
           <a:p>
             <a:fld id="{18B47F5C-7FA0-44DA-BF82-413AB90208B7}" type="datetime1">
               <a:rPr lang="en-US" smtClean="0"/>
-              <a:t>10/29/2024</a:t>
+              <a:t>11/1/2024</a:t>
             </a:fld>
             <a:endParaRPr lang="en-US"/>
           </a:p>
@@ -5600,7 +6036,7 @@
           <a:p>
             <a:fld id="{403415A8-F8BD-47CC-8D20-53798396961D}" type="datetime1">
               <a:rPr lang="en-US" smtClean="0"/>
-              <a:t>10/29/2024</a:t>
+              <a:t>11/1/2024</a:t>
             </a:fld>
             <a:endParaRPr lang="en-US"/>
           </a:p>
@@ -5889,7 +6325,7 @@
           <a:p>
             <a:fld id="{6A12F5A1-6669-4CDD-B1B4-04FFE5C41ADE}" type="datetime1">
               <a:rPr lang="en-US" smtClean="0"/>
-              <a:t>10/29/2024</a:t>
+              <a:t>11/1/2024</a:t>
             </a:fld>
             <a:endParaRPr lang="en-US"/>
           </a:p>
@@ -6093,7 +6529,7 @@
           <a:p>
             <a:fld id="{63421662-C242-4258-8799-9F32C0D7CC75}" type="datetime1">
               <a:rPr lang="en-US" smtClean="0"/>
-              <a:t>10/29/2024</a:t>
+              <a:t>11/1/2024</a:t>
             </a:fld>
             <a:endParaRPr lang="en-US"/>
           </a:p>
@@ -7822,7 +8258,7 @@
 </file>
 
 <file path=ppt/slides/slide12.xml><?xml version="1.0" encoding="utf-8"?>
-<p:sld xmlns:a="http://schemas.openxmlformats.org/drawingml/2006/main" xmlns:r="http://schemas.openxmlformats.org/officeDocument/2006/relationships" xmlns:p="http://schemas.openxmlformats.org/presentationml/2006/main">
+<p:sld xmlns:a="http://schemas.openxmlformats.org/drawingml/2006/main" xmlns:r="http://schemas.openxmlformats.org/officeDocument/2006/relationships" xmlns:p="http://schemas.openxmlformats.org/presentationml/2006/main" show="0">
   <p:cSld>
     <p:spTree>
       <p:nvGrpSpPr>
@@ -9227,6 +9663,1357 @@
         <p:cNvPr id="1" name="">
           <a:extLst>
             <a:ext uri="{FF2B5EF4-FFF2-40B4-BE49-F238E27FC236}">
+              <a16:creationId xmlns:a16="http://schemas.microsoft.com/office/drawing/2014/main" id="{900B9206-8084-0C22-A45C-A91040E3AF4E}"/>
+            </a:ext>
+          </a:extLst>
+        </p:cNvPr>
+        <p:cNvGrpSpPr/>
+        <p:nvPr/>
+      </p:nvGrpSpPr>
+      <p:grpSpPr>
+        <a:xfrm>
+          <a:off x="0" y="0"/>
+          <a:ext cx="0" cy="0"/>
+          <a:chOff x="0" y="0"/>
+          <a:chExt cx="0" cy="0"/>
+        </a:xfrm>
+      </p:grpSpPr>
+      <p:sp>
+        <p:nvSpPr>
+          <p:cNvPr id="2" name="Titolo 1">
+            <a:extLst>
+              <a:ext uri="{FF2B5EF4-FFF2-40B4-BE49-F238E27FC236}">
+                <a16:creationId xmlns:a16="http://schemas.microsoft.com/office/drawing/2014/main" id="{78868A38-8BAE-7921-E459-DA482EB5F0A9}"/>
+              </a:ext>
+            </a:extLst>
+          </p:cNvPr>
+          <p:cNvSpPr>
+            <a:spLocks noGrp="1"/>
+          </p:cNvSpPr>
+          <p:nvPr>
+            <p:ph type="title"/>
+          </p:nvPr>
+        </p:nvSpPr>
+        <p:spPr>
+          <a:xfrm>
+            <a:off x="838200" y="209292"/>
+            <a:ext cx="9905460" cy="971551"/>
+          </a:xfrm>
+        </p:spPr>
+        <p:txBody>
+          <a:bodyPr>
+            <a:normAutofit/>
+          </a:bodyPr>
+          <a:lstStyle/>
+          <a:p>
+            <a:r>
+              <a:rPr lang="en-US" sz="3600" dirty="0"/>
+              <a:t>Heuristic classifier: pseudo code</a:t>
+            </a:r>
+          </a:p>
+        </p:txBody>
+      </p:sp>
+      <p:sp>
+        <p:nvSpPr>
+          <p:cNvPr id="4" name="Segnaposto numero diapositiva 3">
+            <a:extLst>
+              <a:ext uri="{FF2B5EF4-FFF2-40B4-BE49-F238E27FC236}">
+                <a16:creationId xmlns:a16="http://schemas.microsoft.com/office/drawing/2014/main" id="{DC92ADA8-65AC-5E00-B2F1-44BE0A7AEAF2}"/>
+              </a:ext>
+            </a:extLst>
+          </p:cNvPr>
+          <p:cNvSpPr>
+            <a:spLocks noGrp="1"/>
+          </p:cNvSpPr>
+          <p:nvPr>
+            <p:ph type="sldNum" sz="quarter" idx="12"/>
+          </p:nvPr>
+        </p:nvSpPr>
+        <p:spPr/>
+        <p:txBody>
+          <a:bodyPr/>
+          <a:lstStyle/>
+          <a:p>
+            <a:fld id="{2FA0223F-D95A-431D-9A71-EDA7FA0C2F5B}" type="slidenum">
+              <a:rPr lang="en-US" smtClean="0"/>
+              <a:t>13</a:t>
+            </a:fld>
+            <a:endParaRPr lang="en-US"/>
+          </a:p>
+        </p:txBody>
+      </p:sp>
+      <p:sp>
+        <p:nvSpPr>
+          <p:cNvPr id="27" name="Rettangolo 26">
+            <a:extLst>
+              <a:ext uri="{FF2B5EF4-FFF2-40B4-BE49-F238E27FC236}">
+                <a16:creationId xmlns:a16="http://schemas.microsoft.com/office/drawing/2014/main" id="{1CD68A3A-0DC4-4A91-6E79-22EACBF0A4E6}"/>
+              </a:ext>
+            </a:extLst>
+          </p:cNvPr>
+          <p:cNvSpPr/>
+          <p:nvPr/>
+        </p:nvSpPr>
+        <p:spPr>
+          <a:xfrm>
+            <a:off x="6723157" y="1812745"/>
+            <a:ext cx="206547" cy="168094"/>
+          </a:xfrm>
+          <a:prstGeom prst="rect">
+            <a:avLst/>
+          </a:prstGeom>
+          <a:solidFill>
+            <a:schemeClr val="bg1"/>
+          </a:solidFill>
+          <a:ln>
+            <a:solidFill>
+              <a:schemeClr val="bg1"/>
+            </a:solidFill>
+          </a:ln>
+        </p:spPr>
+        <p:style>
+          <a:lnRef idx="2">
+            <a:schemeClr val="accent1">
+              <a:shade val="15000"/>
+            </a:schemeClr>
+          </a:lnRef>
+          <a:fillRef idx="1">
+            <a:schemeClr val="accent1"/>
+          </a:fillRef>
+          <a:effectRef idx="0">
+            <a:schemeClr val="accent1"/>
+          </a:effectRef>
+          <a:fontRef idx="minor">
+            <a:schemeClr val="lt1"/>
+          </a:fontRef>
+        </p:style>
+        <p:txBody>
+          <a:bodyPr rtlCol="0" anchor="ctr"/>
+          <a:lstStyle/>
+          <a:p>
+            <a:pPr algn="ctr"/>
+            <a:endParaRPr lang="it-IT"/>
+          </a:p>
+        </p:txBody>
+      </p:sp>
+      <p:sp>
+        <p:nvSpPr>
+          <p:cNvPr id="12" name="Rettangolo 11">
+            <a:extLst>
+              <a:ext uri="{FF2B5EF4-FFF2-40B4-BE49-F238E27FC236}">
+                <a16:creationId xmlns:a16="http://schemas.microsoft.com/office/drawing/2014/main" id="{1CA7190E-7322-A477-B43D-3F8716B2F437}"/>
+              </a:ext>
+            </a:extLst>
+          </p:cNvPr>
+          <p:cNvSpPr/>
+          <p:nvPr/>
+        </p:nvSpPr>
+        <p:spPr>
+          <a:xfrm>
+            <a:off x="5468844" y="2179320"/>
+            <a:ext cx="223296" cy="160020"/>
+          </a:xfrm>
+          <a:prstGeom prst="rect">
+            <a:avLst/>
+          </a:prstGeom>
+          <a:solidFill>
+            <a:schemeClr val="bg1"/>
+          </a:solidFill>
+          <a:ln>
+            <a:solidFill>
+              <a:schemeClr val="bg1"/>
+            </a:solidFill>
+          </a:ln>
+        </p:spPr>
+        <p:style>
+          <a:lnRef idx="2">
+            <a:schemeClr val="accent1">
+              <a:shade val="15000"/>
+            </a:schemeClr>
+          </a:lnRef>
+          <a:fillRef idx="1">
+            <a:schemeClr val="accent1"/>
+          </a:fillRef>
+          <a:effectRef idx="0">
+            <a:schemeClr val="accent1"/>
+          </a:effectRef>
+          <a:fontRef idx="minor">
+            <a:schemeClr val="lt1"/>
+          </a:fontRef>
+        </p:style>
+        <p:txBody>
+          <a:bodyPr rtlCol="0" anchor="ctr"/>
+          <a:lstStyle/>
+          <a:p>
+            <a:pPr algn="ctr"/>
+            <a:endParaRPr lang="it-IT"/>
+          </a:p>
+        </p:txBody>
+      </p:sp>
+      <p:sp>
+        <p:nvSpPr>
+          <p:cNvPr id="9" name="Segnaposto contenuto 2">
+            <a:extLst>
+              <a:ext uri="{FF2B5EF4-FFF2-40B4-BE49-F238E27FC236}">
+                <a16:creationId xmlns:a16="http://schemas.microsoft.com/office/drawing/2014/main" id="{4583FBFF-426A-ED4C-E8E6-82C8438F0CA1}"/>
+              </a:ext>
+            </a:extLst>
+          </p:cNvPr>
+          <p:cNvSpPr>
+            <a:spLocks noGrp="1"/>
+          </p:cNvSpPr>
+          <p:nvPr>
+            <p:ph idx="1"/>
+          </p:nvPr>
+        </p:nvSpPr>
+        <p:spPr>
+          <a:xfrm>
+            <a:off x="218694" y="1483770"/>
+            <a:ext cx="9743731" cy="4127129"/>
+          </a:xfrm>
+        </p:spPr>
+        <p:txBody>
+          <a:bodyPr>
+            <a:noAutofit/>
+          </a:bodyPr>
+          <a:lstStyle/>
+          <a:p>
+            <a:pPr marL="0" indent="0">
+              <a:buNone/>
+            </a:pPr>
+            <a:r>
+              <a:rPr lang="en-US" sz="1600" dirty="0"/>
+              <a:t>For each roving trace (post-alignment):</a:t>
+            </a:r>
+          </a:p>
+          <a:p>
+            <a:pPr marL="342900" indent="-342900">
+              <a:buFont typeface="+mj-lt"/>
+              <a:buAutoNum type="arabicPeriod"/>
+            </a:pPr>
+            <a:r>
+              <a:rPr lang="en-US" sz="1600" dirty="0"/>
+              <a:t>Divide the trace in three segments:</a:t>
+            </a:r>
+          </a:p>
+          <a:p>
+            <a:pPr marL="800100" lvl="1" indent="-342900">
+              <a:buFont typeface="+mj-lt"/>
+              <a:buAutoNum type="arabicPeriod"/>
+            </a:pPr>
+            <a:r>
+              <a:rPr lang="en-US" sz="1400" dirty="0">
+                <a:solidFill>
+                  <a:schemeClr val="accent5">
+                    <a:lumMod val="75000"/>
+                  </a:schemeClr>
+                </a:solidFill>
+              </a:rPr>
+              <a:t>Atrial: t&lt;0.35s</a:t>
+            </a:r>
+          </a:p>
+          <a:p>
+            <a:pPr marL="800100" lvl="1" indent="-342900">
+              <a:buFont typeface="+mj-lt"/>
+              <a:buAutoNum type="arabicPeriod"/>
+            </a:pPr>
+            <a:r>
+              <a:rPr lang="en-US" sz="1400" dirty="0">
+                <a:solidFill>
+                  <a:schemeClr val="accent6"/>
+                </a:solidFill>
+              </a:rPr>
+              <a:t>Ventricular: after t&gt;0.45</a:t>
+            </a:r>
+          </a:p>
+          <a:p>
+            <a:pPr marL="800100" lvl="1" indent="-342900">
+              <a:buFont typeface="+mj-lt"/>
+              <a:buAutoNum type="arabicPeriod"/>
+            </a:pPr>
+            <a:r>
+              <a:rPr lang="en-US" sz="1400" dirty="0">
+                <a:solidFill>
+                  <a:srgbClr val="C00000"/>
+                </a:solidFill>
+              </a:rPr>
+              <a:t>His bundle: 0.35&lt;t&lt;0.45</a:t>
+            </a:r>
+          </a:p>
+          <a:p>
+            <a:pPr marL="342900" indent="-342900">
+              <a:buFont typeface="+mj-lt"/>
+              <a:buAutoNum type="arabicPeriod"/>
+            </a:pPr>
+            <a:r>
+              <a:rPr lang="en-US" sz="1600" dirty="0"/>
+              <a:t>Compute the absolute value of the segment, then find, if there is, the main peak</a:t>
+            </a:r>
+          </a:p>
+          <a:p>
+            <a:pPr marL="800100" lvl="1" indent="-342900">
+              <a:buFont typeface="+mj-lt"/>
+              <a:buAutoNum type="arabicPeriod"/>
+            </a:pPr>
+            <a:r>
+              <a:rPr lang="en-US" sz="1400" dirty="0"/>
+              <a:t>Usage of </a:t>
+            </a:r>
+            <a:r>
+              <a:rPr lang="en-US" sz="1400" i="1" dirty="0" err="1">
+                <a:solidFill>
+                  <a:srgbClr val="0070C0"/>
+                </a:solidFill>
+              </a:rPr>
+              <a:t>find_peaks</a:t>
+            </a:r>
+            <a:r>
+              <a:rPr lang="en-US" sz="1400" i="1" dirty="0">
+                <a:solidFill>
+                  <a:srgbClr val="0070C0"/>
+                </a:solidFill>
+              </a:rPr>
+              <a:t> </a:t>
+            </a:r>
+            <a:r>
+              <a:rPr lang="en-US" sz="1400" dirty="0"/>
+              <a:t>(python, </a:t>
+            </a:r>
+            <a:r>
+              <a:rPr lang="en-US" sz="1400" dirty="0" err="1"/>
+              <a:t>Scy.Py</a:t>
+            </a:r>
+            <a:r>
+              <a:rPr lang="en-US" sz="1400" dirty="0"/>
+              <a:t> library) with </a:t>
+            </a:r>
+            <a:r>
+              <a:rPr lang="en-US" sz="1400" i="1" dirty="0"/>
+              <a:t>prominence</a:t>
+            </a:r>
+            <a:r>
+              <a:rPr lang="en-US" sz="1400" dirty="0"/>
+              <a:t> set as a multiple of the SD of the segment, tuned and fixed at 5 times SD</a:t>
+            </a:r>
+          </a:p>
+          <a:p>
+            <a:pPr marL="342900" indent="-342900">
+              <a:buFont typeface="+mj-lt"/>
+              <a:buAutoNum type="arabicPeriod"/>
+            </a:pPr>
+            <a:r>
+              <a:rPr lang="en-US" sz="1600" dirty="0"/>
+              <a:t>Then apply the following set of rules:</a:t>
+            </a:r>
+          </a:p>
+          <a:p>
+            <a:pPr marL="800100" lvl="1" indent="-342900">
+              <a:buFont typeface="+mj-lt"/>
+              <a:buAutoNum type="arabicPeriod"/>
+            </a:pPr>
+            <a:endParaRPr lang="en-US" sz="1200" dirty="0">
+              <a:solidFill>
+                <a:schemeClr val="tx2">
+                  <a:lumMod val="60000"/>
+                  <a:lumOff val="40000"/>
+                </a:schemeClr>
+              </a:solidFill>
+            </a:endParaRPr>
+          </a:p>
+          <a:p>
+            <a:endParaRPr lang="en-US" sz="1600" dirty="0"/>
+          </a:p>
+        </p:txBody>
+      </p:sp>
+      <p:sp>
+        <p:nvSpPr>
+          <p:cNvPr id="3" name="Rettangolo con angoli arrotondati 2">
+            <a:extLst>
+              <a:ext uri="{FF2B5EF4-FFF2-40B4-BE49-F238E27FC236}">
+                <a16:creationId xmlns:a16="http://schemas.microsoft.com/office/drawing/2014/main" id="{BF26E19C-4901-29DE-8E49-54383FBEC146}"/>
+              </a:ext>
+            </a:extLst>
+          </p:cNvPr>
+          <p:cNvSpPr/>
+          <p:nvPr/>
+        </p:nvSpPr>
+        <p:spPr>
+          <a:xfrm>
+            <a:off x="745236" y="4296525"/>
+            <a:ext cx="1591056" cy="585216"/>
+          </a:xfrm>
+          <a:prstGeom prst="roundRect">
+            <a:avLst/>
+          </a:prstGeom>
+          <a:noFill/>
+          <a:ln w="28575">
+            <a:solidFill>
+              <a:srgbClr val="0070C0"/>
+            </a:solidFill>
+          </a:ln>
+        </p:spPr>
+        <p:style>
+          <a:lnRef idx="2">
+            <a:schemeClr val="accent1">
+              <a:shade val="15000"/>
+            </a:schemeClr>
+          </a:lnRef>
+          <a:fillRef idx="1">
+            <a:schemeClr val="accent1"/>
+          </a:fillRef>
+          <a:effectRef idx="0">
+            <a:schemeClr val="accent1"/>
+          </a:effectRef>
+          <a:fontRef idx="minor">
+            <a:schemeClr val="lt1"/>
+          </a:fontRef>
+        </p:style>
+        <p:txBody>
+          <a:bodyPr rtlCol="0" anchor="ctr"/>
+          <a:lstStyle/>
+          <a:p>
+            <a:pPr algn="ctr"/>
+            <a:r>
+              <a:rPr lang="en-GB" sz="1400" dirty="0">
+                <a:solidFill>
+                  <a:schemeClr val="tx1"/>
+                </a:solidFill>
+              </a:rPr>
+              <a:t>Does the signal have an His peak? </a:t>
+            </a:r>
+          </a:p>
+        </p:txBody>
+      </p:sp>
+      <p:sp>
+        <p:nvSpPr>
+          <p:cNvPr id="6" name="Rettangolo 5">
+            <a:extLst>
+              <a:ext uri="{FF2B5EF4-FFF2-40B4-BE49-F238E27FC236}">
+                <a16:creationId xmlns:a16="http://schemas.microsoft.com/office/drawing/2014/main" id="{EFA8EB00-6A8A-02E7-F296-D6DF7474EFDB}"/>
+              </a:ext>
+            </a:extLst>
+          </p:cNvPr>
+          <p:cNvSpPr/>
+          <p:nvPr/>
+        </p:nvSpPr>
+        <p:spPr>
+          <a:xfrm>
+            <a:off x="1175004" y="5975145"/>
+            <a:ext cx="731520" cy="247018"/>
+          </a:xfrm>
+          <a:prstGeom prst="rect">
+            <a:avLst/>
+          </a:prstGeom>
+        </p:spPr>
+        <p:style>
+          <a:lnRef idx="1">
+            <a:schemeClr val="accent1"/>
+          </a:lnRef>
+          <a:fillRef idx="2">
+            <a:schemeClr val="accent1"/>
+          </a:fillRef>
+          <a:effectRef idx="1">
+            <a:schemeClr val="accent1"/>
+          </a:effectRef>
+          <a:fontRef idx="minor">
+            <a:schemeClr val="dk1"/>
+          </a:fontRef>
+        </p:style>
+        <p:txBody>
+          <a:bodyPr rtlCol="0" anchor="ctr"/>
+          <a:lstStyle/>
+          <a:p>
+            <a:pPr algn="ctr"/>
+            <a:r>
+              <a:rPr lang="it-IT" sz="1400" b="1" dirty="0">
+                <a:solidFill>
+                  <a:schemeClr val="bg1"/>
+                </a:solidFill>
+              </a:rPr>
+              <a:t>MAP C</a:t>
+            </a:r>
+          </a:p>
+        </p:txBody>
+      </p:sp>
+      <p:sp>
+        <p:nvSpPr>
+          <p:cNvPr id="7" name="Rettangolo 6">
+            <a:extLst>
+              <a:ext uri="{FF2B5EF4-FFF2-40B4-BE49-F238E27FC236}">
+                <a16:creationId xmlns:a16="http://schemas.microsoft.com/office/drawing/2014/main" id="{68DB117F-6890-45E5-308B-44D7BFC69CEB}"/>
+              </a:ext>
+            </a:extLst>
+          </p:cNvPr>
+          <p:cNvSpPr/>
+          <p:nvPr/>
+        </p:nvSpPr>
+        <p:spPr>
+          <a:xfrm>
+            <a:off x="4435957" y="5979973"/>
+            <a:ext cx="731520" cy="247018"/>
+          </a:xfrm>
+          <a:prstGeom prst="rect">
+            <a:avLst/>
+          </a:prstGeom>
+        </p:spPr>
+        <p:style>
+          <a:lnRef idx="1">
+            <a:schemeClr val="accent5"/>
+          </a:lnRef>
+          <a:fillRef idx="2">
+            <a:schemeClr val="accent5"/>
+          </a:fillRef>
+          <a:effectRef idx="1">
+            <a:schemeClr val="accent5"/>
+          </a:effectRef>
+          <a:fontRef idx="minor">
+            <a:schemeClr val="dk1"/>
+          </a:fontRef>
+        </p:style>
+        <p:txBody>
+          <a:bodyPr rtlCol="0" anchor="ctr"/>
+          <a:lstStyle/>
+          <a:p>
+            <a:pPr algn="ctr"/>
+            <a:r>
+              <a:rPr lang="it-IT" sz="1400" b="1" dirty="0">
+                <a:solidFill>
+                  <a:schemeClr val="bg1"/>
+                </a:solidFill>
+              </a:rPr>
+              <a:t>MAP A</a:t>
+            </a:r>
+          </a:p>
+        </p:txBody>
+      </p:sp>
+      <p:sp>
+        <p:nvSpPr>
+          <p:cNvPr id="8" name="Rettangolo 7">
+            <a:extLst>
+              <a:ext uri="{FF2B5EF4-FFF2-40B4-BE49-F238E27FC236}">
+                <a16:creationId xmlns:a16="http://schemas.microsoft.com/office/drawing/2014/main" id="{0CCF5960-2638-3CC7-C0AF-B90DD0732BBF}"/>
+              </a:ext>
+            </a:extLst>
+          </p:cNvPr>
+          <p:cNvSpPr/>
+          <p:nvPr/>
+        </p:nvSpPr>
+        <p:spPr>
+          <a:xfrm>
+            <a:off x="7246508" y="4461596"/>
+            <a:ext cx="731520" cy="247018"/>
+          </a:xfrm>
+          <a:prstGeom prst="rect">
+            <a:avLst/>
+          </a:prstGeom>
+        </p:spPr>
+        <p:style>
+          <a:lnRef idx="1">
+            <a:schemeClr val="accent6"/>
+          </a:lnRef>
+          <a:fillRef idx="2">
+            <a:schemeClr val="accent6"/>
+          </a:fillRef>
+          <a:effectRef idx="1">
+            <a:schemeClr val="accent6"/>
+          </a:effectRef>
+          <a:fontRef idx="minor">
+            <a:schemeClr val="dk1"/>
+          </a:fontRef>
+        </p:style>
+        <p:txBody>
+          <a:bodyPr rtlCol="0" anchor="ctr"/>
+          <a:lstStyle/>
+          <a:p>
+            <a:pPr algn="ctr"/>
+            <a:r>
+              <a:rPr lang="it-IT" sz="1400" b="1" dirty="0">
+                <a:solidFill>
+                  <a:schemeClr val="bg1"/>
+                </a:solidFill>
+              </a:rPr>
+              <a:t>MAP B</a:t>
+            </a:r>
+          </a:p>
+        </p:txBody>
+      </p:sp>
+      <p:cxnSp>
+        <p:nvCxnSpPr>
+          <p:cNvPr id="14" name="Connettore 2 13">
+            <a:extLst>
+              <a:ext uri="{FF2B5EF4-FFF2-40B4-BE49-F238E27FC236}">
+                <a16:creationId xmlns:a16="http://schemas.microsoft.com/office/drawing/2014/main" id="{405C90B1-3D93-04DF-E29F-2F57B7BC473A}"/>
+              </a:ext>
+            </a:extLst>
+          </p:cNvPr>
+          <p:cNvCxnSpPr>
+            <a:stCxn id="3" idx="2"/>
+            <a:endCxn id="6" idx="0"/>
+          </p:cNvCxnSpPr>
+          <p:nvPr/>
+        </p:nvCxnSpPr>
+        <p:spPr>
+          <a:xfrm>
+            <a:off x="1540764" y="4881741"/>
+            <a:ext cx="0" cy="1093404"/>
+          </a:xfrm>
+          <a:prstGeom prst="straightConnector1">
+            <a:avLst/>
+          </a:prstGeom>
+          <a:ln>
+            <a:tailEnd type="triangle"/>
+          </a:ln>
+        </p:spPr>
+        <p:style>
+          <a:lnRef idx="1">
+            <a:schemeClr val="dk1"/>
+          </a:lnRef>
+          <a:fillRef idx="0">
+            <a:schemeClr val="dk1"/>
+          </a:fillRef>
+          <a:effectRef idx="0">
+            <a:schemeClr val="dk1"/>
+          </a:effectRef>
+          <a:fontRef idx="minor">
+            <a:schemeClr val="tx1"/>
+          </a:fontRef>
+        </p:style>
+      </p:cxnSp>
+      <p:cxnSp>
+        <p:nvCxnSpPr>
+          <p:cNvPr id="16" name="Connettore 2 15">
+            <a:extLst>
+              <a:ext uri="{FF2B5EF4-FFF2-40B4-BE49-F238E27FC236}">
+                <a16:creationId xmlns:a16="http://schemas.microsoft.com/office/drawing/2014/main" id="{FD228D79-47A0-46F6-3891-D47BA7872D1B}"/>
+              </a:ext>
+            </a:extLst>
+          </p:cNvPr>
+          <p:cNvCxnSpPr>
+            <a:cxnSpLocks/>
+            <a:stCxn id="3" idx="3"/>
+            <a:endCxn id="5" idx="1"/>
+          </p:cNvCxnSpPr>
+          <p:nvPr/>
+        </p:nvCxnSpPr>
+        <p:spPr>
+          <a:xfrm>
+            <a:off x="2336292" y="4589133"/>
+            <a:ext cx="802812" cy="0"/>
+          </a:xfrm>
+          <a:prstGeom prst="straightConnector1">
+            <a:avLst/>
+          </a:prstGeom>
+          <a:ln>
+            <a:tailEnd type="triangle"/>
+          </a:ln>
+        </p:spPr>
+        <p:style>
+          <a:lnRef idx="1">
+            <a:schemeClr val="dk1"/>
+          </a:lnRef>
+          <a:fillRef idx="0">
+            <a:schemeClr val="dk1"/>
+          </a:fillRef>
+          <a:effectRef idx="0">
+            <a:schemeClr val="dk1"/>
+          </a:effectRef>
+          <a:fontRef idx="minor">
+            <a:schemeClr val="tx1"/>
+          </a:fontRef>
+        </p:style>
+      </p:cxnSp>
+      <p:cxnSp>
+        <p:nvCxnSpPr>
+          <p:cNvPr id="25" name="Connettore 2 24">
+            <a:extLst>
+              <a:ext uri="{FF2B5EF4-FFF2-40B4-BE49-F238E27FC236}">
+                <a16:creationId xmlns:a16="http://schemas.microsoft.com/office/drawing/2014/main" id="{02671A92-9A95-4610-DF31-D3C3DD11F7ED}"/>
+              </a:ext>
+            </a:extLst>
+          </p:cNvPr>
+          <p:cNvCxnSpPr>
+            <a:cxnSpLocks/>
+            <a:stCxn id="5" idx="3"/>
+            <a:endCxn id="8" idx="1"/>
+          </p:cNvCxnSpPr>
+          <p:nvPr/>
+        </p:nvCxnSpPr>
+        <p:spPr>
+          <a:xfrm flipV="1">
+            <a:off x="6464330" y="4585105"/>
+            <a:ext cx="782178" cy="4028"/>
+          </a:xfrm>
+          <a:prstGeom prst="straightConnector1">
+            <a:avLst/>
+          </a:prstGeom>
+          <a:ln>
+            <a:tailEnd type="triangle"/>
+          </a:ln>
+        </p:spPr>
+        <p:style>
+          <a:lnRef idx="1">
+            <a:schemeClr val="dk1"/>
+          </a:lnRef>
+          <a:fillRef idx="0">
+            <a:schemeClr val="dk1"/>
+          </a:fillRef>
+          <a:effectRef idx="0">
+            <a:schemeClr val="dk1"/>
+          </a:effectRef>
+          <a:fontRef idx="minor">
+            <a:schemeClr val="tx1"/>
+          </a:fontRef>
+        </p:style>
+      </p:cxnSp>
+      <p:cxnSp>
+        <p:nvCxnSpPr>
+          <p:cNvPr id="30" name="Connettore 2 29">
+            <a:extLst>
+              <a:ext uri="{FF2B5EF4-FFF2-40B4-BE49-F238E27FC236}">
+                <a16:creationId xmlns:a16="http://schemas.microsoft.com/office/drawing/2014/main" id="{88B36468-0065-ACF1-4CB2-C2C70F9850B7}"/>
+              </a:ext>
+            </a:extLst>
+          </p:cNvPr>
+          <p:cNvCxnSpPr>
+            <a:cxnSpLocks/>
+            <a:stCxn id="5" idx="2"/>
+            <a:endCxn id="7" idx="0"/>
+          </p:cNvCxnSpPr>
+          <p:nvPr/>
+        </p:nvCxnSpPr>
+        <p:spPr>
+          <a:xfrm>
+            <a:off x="4801717" y="4962259"/>
+            <a:ext cx="0" cy="1017714"/>
+          </a:xfrm>
+          <a:prstGeom prst="straightConnector1">
+            <a:avLst/>
+          </a:prstGeom>
+          <a:ln>
+            <a:tailEnd type="triangle"/>
+          </a:ln>
+        </p:spPr>
+        <p:style>
+          <a:lnRef idx="1">
+            <a:schemeClr val="dk1"/>
+          </a:lnRef>
+          <a:fillRef idx="0">
+            <a:schemeClr val="dk1"/>
+          </a:fillRef>
+          <a:effectRef idx="0">
+            <a:schemeClr val="dk1"/>
+          </a:effectRef>
+          <a:fontRef idx="minor">
+            <a:schemeClr val="tx1"/>
+          </a:fontRef>
+        </p:style>
+      </p:cxnSp>
+      <p:sp>
+        <p:nvSpPr>
+          <p:cNvPr id="32" name="CasellaDiTesto 31">
+            <a:extLst>
+              <a:ext uri="{FF2B5EF4-FFF2-40B4-BE49-F238E27FC236}">
+                <a16:creationId xmlns:a16="http://schemas.microsoft.com/office/drawing/2014/main" id="{9DCF0007-AEAA-7750-1DC1-3875DDD13E62}"/>
+              </a:ext>
+            </a:extLst>
+          </p:cNvPr>
+          <p:cNvSpPr txBox="1"/>
+          <p:nvPr/>
+        </p:nvSpPr>
+        <p:spPr>
+          <a:xfrm>
+            <a:off x="2421348" y="4216006"/>
+            <a:ext cx="505968" cy="307777"/>
+          </a:xfrm>
+          <a:prstGeom prst="rect">
+            <a:avLst/>
+          </a:prstGeom>
+          <a:noFill/>
+        </p:spPr>
+        <p:txBody>
+          <a:bodyPr wrap="square" rtlCol="0">
+            <a:spAutoFit/>
+          </a:bodyPr>
+          <a:lstStyle/>
+          <a:p>
+            <a:r>
+              <a:rPr lang="it-IT" sz="1400" dirty="0"/>
+              <a:t>No</a:t>
+            </a:r>
+          </a:p>
+        </p:txBody>
+      </p:sp>
+      <p:sp>
+        <p:nvSpPr>
+          <p:cNvPr id="33" name="CasellaDiTesto 32">
+            <a:extLst>
+              <a:ext uri="{FF2B5EF4-FFF2-40B4-BE49-F238E27FC236}">
+                <a16:creationId xmlns:a16="http://schemas.microsoft.com/office/drawing/2014/main" id="{39853126-D1B9-D882-8174-E3F0DBEA4E9B}"/>
+              </a:ext>
+            </a:extLst>
+          </p:cNvPr>
+          <p:cNvSpPr txBox="1"/>
+          <p:nvPr/>
+        </p:nvSpPr>
+        <p:spPr>
+          <a:xfrm>
+            <a:off x="6541407" y="4244277"/>
+            <a:ext cx="505968" cy="307777"/>
+          </a:xfrm>
+          <a:prstGeom prst="rect">
+            <a:avLst/>
+          </a:prstGeom>
+          <a:noFill/>
+        </p:spPr>
+        <p:txBody>
+          <a:bodyPr wrap="square" rtlCol="0">
+            <a:spAutoFit/>
+          </a:bodyPr>
+          <a:lstStyle/>
+          <a:p>
+            <a:r>
+              <a:rPr lang="it-IT" sz="1400" dirty="0"/>
+              <a:t>No</a:t>
+            </a:r>
+          </a:p>
+        </p:txBody>
+      </p:sp>
+      <p:sp>
+        <p:nvSpPr>
+          <p:cNvPr id="34" name="CasellaDiTesto 33">
+            <a:extLst>
+              <a:ext uri="{FF2B5EF4-FFF2-40B4-BE49-F238E27FC236}">
+                <a16:creationId xmlns:a16="http://schemas.microsoft.com/office/drawing/2014/main" id="{CB902BD7-F03C-B18E-1304-48AA76FF8AA5}"/>
+              </a:ext>
+            </a:extLst>
+          </p:cNvPr>
+          <p:cNvSpPr txBox="1"/>
+          <p:nvPr/>
+        </p:nvSpPr>
+        <p:spPr>
+          <a:xfrm>
+            <a:off x="4811978" y="5333719"/>
+            <a:ext cx="505968" cy="307777"/>
+          </a:xfrm>
+          <a:prstGeom prst="rect">
+            <a:avLst/>
+          </a:prstGeom>
+          <a:noFill/>
+        </p:spPr>
+        <p:txBody>
+          <a:bodyPr wrap="square" rtlCol="0">
+            <a:spAutoFit/>
+          </a:bodyPr>
+          <a:lstStyle/>
+          <a:p>
+            <a:r>
+              <a:rPr lang="en-GB" sz="1400" dirty="0"/>
+              <a:t>Yes</a:t>
+            </a:r>
+          </a:p>
+        </p:txBody>
+      </p:sp>
+      <p:sp>
+        <p:nvSpPr>
+          <p:cNvPr id="35" name="CasellaDiTesto 34">
+            <a:extLst>
+              <a:ext uri="{FF2B5EF4-FFF2-40B4-BE49-F238E27FC236}">
+                <a16:creationId xmlns:a16="http://schemas.microsoft.com/office/drawing/2014/main" id="{D2E891A9-015C-F3B5-8918-225E38BBF288}"/>
+              </a:ext>
+            </a:extLst>
+          </p:cNvPr>
+          <p:cNvSpPr txBox="1"/>
+          <p:nvPr/>
+        </p:nvSpPr>
+        <p:spPr>
+          <a:xfrm>
+            <a:off x="1527613" y="5364317"/>
+            <a:ext cx="505968" cy="307777"/>
+          </a:xfrm>
+          <a:prstGeom prst="rect">
+            <a:avLst/>
+          </a:prstGeom>
+          <a:noFill/>
+        </p:spPr>
+        <p:txBody>
+          <a:bodyPr wrap="square" rtlCol="0">
+            <a:spAutoFit/>
+          </a:bodyPr>
+          <a:lstStyle/>
+          <a:p>
+            <a:r>
+              <a:rPr lang="en-GB" sz="1400" dirty="0"/>
+              <a:t>Yes</a:t>
+            </a:r>
+          </a:p>
+        </p:txBody>
+      </p:sp>
+      <p:sp>
+        <p:nvSpPr>
+          <p:cNvPr id="45" name="Rettangolo con angoli arrotondati 44">
+            <a:extLst>
+              <a:ext uri="{FF2B5EF4-FFF2-40B4-BE49-F238E27FC236}">
+                <a16:creationId xmlns:a16="http://schemas.microsoft.com/office/drawing/2014/main" id="{6E467D8D-873F-0184-BF98-1006B0C7AE6F}"/>
+              </a:ext>
+            </a:extLst>
+          </p:cNvPr>
+          <p:cNvSpPr/>
+          <p:nvPr/>
+        </p:nvSpPr>
+        <p:spPr>
+          <a:xfrm>
+            <a:off x="8107832" y="4282679"/>
+            <a:ext cx="3863339" cy="1692465"/>
+          </a:xfrm>
+          <a:prstGeom prst="roundRect">
+            <a:avLst/>
+          </a:prstGeom>
+        </p:spPr>
+        <p:style>
+          <a:lnRef idx="1">
+            <a:schemeClr val="accent4"/>
+          </a:lnRef>
+          <a:fillRef idx="2">
+            <a:schemeClr val="accent4"/>
+          </a:fillRef>
+          <a:effectRef idx="1">
+            <a:schemeClr val="accent4"/>
+          </a:effectRef>
+          <a:fontRef idx="minor">
+            <a:schemeClr val="dk1"/>
+          </a:fontRef>
+        </p:style>
+        <p:txBody>
+          <a:bodyPr rtlCol="0" anchor="ctr"/>
+          <a:lstStyle/>
+          <a:p>
+            <a:r>
+              <a:rPr lang="en-GB" sz="1200" dirty="0"/>
+              <a:t>NB: in this way MAP B, </a:t>
+            </a:r>
+            <a:r>
+              <a:rPr lang="en-GB" sz="1200" b="1" dirty="0"/>
+              <a:t>effective</a:t>
+            </a:r>
+            <a:r>
+              <a:rPr lang="en-GB" sz="1200" dirty="0"/>
+              <a:t>, is </a:t>
+            </a:r>
+            <a:r>
+              <a:rPr lang="en-GB" sz="1200" b="1" dirty="0"/>
+              <a:t>harder</a:t>
+            </a:r>
+            <a:r>
+              <a:rPr lang="en-GB" sz="1200" dirty="0"/>
+              <a:t> to </a:t>
+            </a:r>
+            <a:r>
+              <a:rPr lang="en-GB" sz="1200" b="1" dirty="0"/>
+              <a:t>be</a:t>
+            </a:r>
+            <a:r>
+              <a:rPr lang="en-GB" sz="1200" dirty="0"/>
+              <a:t> </a:t>
+            </a:r>
+            <a:r>
+              <a:rPr lang="en-GB" sz="1200" b="1" dirty="0"/>
+              <a:t>chosen</a:t>
+            </a:r>
+            <a:r>
+              <a:rPr lang="en-GB" sz="1200" dirty="0"/>
+              <a:t>, leading to a more </a:t>
+            </a:r>
+            <a:r>
+              <a:rPr lang="en-GB" sz="1200" b="1" dirty="0"/>
+              <a:t>“conservative”</a:t>
+            </a:r>
+            <a:r>
+              <a:rPr lang="en-GB" sz="1200" dirty="0"/>
+              <a:t> </a:t>
+            </a:r>
+            <a:r>
+              <a:rPr lang="en-GB" sz="1200" b="1" dirty="0"/>
+              <a:t>algorithm</a:t>
+            </a:r>
+            <a:r>
+              <a:rPr lang="en-GB" sz="1200" dirty="0"/>
+              <a:t>, as is should be the surgeon. </a:t>
+            </a:r>
+          </a:p>
+          <a:p>
+            <a:r>
+              <a:rPr lang="en-GB" sz="1200" dirty="0"/>
+              <a:t>MAP A, </a:t>
+            </a:r>
+            <a:r>
+              <a:rPr lang="en-GB" sz="1200" b="1" dirty="0"/>
+              <a:t>indifferent</a:t>
+            </a:r>
+            <a:r>
+              <a:rPr lang="en-GB" sz="1200" dirty="0"/>
+              <a:t>, is chosen </a:t>
+            </a:r>
+            <a:r>
+              <a:rPr lang="en-GB" sz="1200" b="1" dirty="0"/>
+              <a:t>even</a:t>
+            </a:r>
+            <a:r>
+              <a:rPr lang="en-GB" sz="1200" dirty="0"/>
+              <a:t> </a:t>
+            </a:r>
+            <a:r>
+              <a:rPr lang="en-GB" sz="1200" b="1" dirty="0"/>
+              <a:t>if</a:t>
+            </a:r>
+            <a:r>
+              <a:rPr lang="en-GB" sz="1200" dirty="0"/>
+              <a:t> the </a:t>
+            </a:r>
+            <a:r>
+              <a:rPr lang="en-GB" sz="1200" b="1" dirty="0"/>
+              <a:t>rules</a:t>
+            </a:r>
+            <a:r>
+              <a:rPr lang="en-GB" sz="1200" dirty="0"/>
+              <a:t> are </a:t>
+            </a:r>
+            <a:r>
+              <a:rPr lang="en-GB" sz="1200" b="1" dirty="0"/>
+              <a:t>not</a:t>
+            </a:r>
+            <a:r>
+              <a:rPr lang="en-GB" sz="1200" dirty="0"/>
+              <a:t> fully </a:t>
+            </a:r>
+            <a:r>
+              <a:rPr lang="en-GB" sz="1200" b="1" dirty="0"/>
+              <a:t>satisfied</a:t>
+            </a:r>
+            <a:r>
+              <a:rPr lang="en-GB" sz="1200" dirty="0"/>
+              <a:t> (e.g. noisy record), because the condition “</a:t>
+            </a:r>
+            <a:r>
+              <a:rPr lang="en-GB" sz="1200" dirty="0">
+                <a:solidFill>
+                  <a:schemeClr val="tx1"/>
+                </a:solidFill>
+              </a:rPr>
+              <a:t>Is the ventricular peak absent (nan)? </a:t>
+            </a:r>
+            <a:r>
+              <a:rPr lang="en-GB" sz="1200" dirty="0"/>
+              <a:t>”.</a:t>
+            </a:r>
+          </a:p>
+          <a:p>
+            <a:r>
+              <a:rPr lang="en-GB" sz="1200" dirty="0"/>
+              <a:t>Finally, MAP C, </a:t>
+            </a:r>
+            <a:r>
+              <a:rPr lang="en-GB" sz="1200" b="1" dirty="0"/>
+              <a:t>dangerous</a:t>
+            </a:r>
+            <a:r>
+              <a:rPr lang="en-GB" sz="1200" dirty="0"/>
+              <a:t>, is chosen as </a:t>
+            </a:r>
+            <a:r>
+              <a:rPr lang="en-GB" sz="1200" b="1" dirty="0"/>
+              <a:t>first</a:t>
+            </a:r>
+            <a:r>
+              <a:rPr lang="en-GB" sz="1200" dirty="0"/>
+              <a:t> </a:t>
+            </a:r>
+            <a:r>
+              <a:rPr lang="en-GB" sz="1200" b="1" dirty="0"/>
+              <a:t>one</a:t>
+            </a:r>
+            <a:r>
+              <a:rPr lang="en-GB" sz="1200" dirty="0"/>
+              <a:t> if there’s a </a:t>
+            </a:r>
+            <a:r>
+              <a:rPr lang="en-GB" sz="1200" b="1" dirty="0"/>
+              <a:t>peak</a:t>
+            </a:r>
+            <a:r>
+              <a:rPr lang="en-GB" sz="1200" dirty="0"/>
+              <a:t> into the </a:t>
+            </a:r>
+            <a:r>
+              <a:rPr lang="en-GB" sz="1200" b="1" dirty="0"/>
+              <a:t>His</a:t>
+            </a:r>
+            <a:r>
+              <a:rPr lang="en-GB" sz="1200" dirty="0"/>
+              <a:t> bundle.</a:t>
+            </a:r>
+          </a:p>
+        </p:txBody>
+      </p:sp>
+      <p:grpSp>
+        <p:nvGrpSpPr>
+          <p:cNvPr id="37" name="Gruppo 36">
+            <a:extLst>
+              <a:ext uri="{FF2B5EF4-FFF2-40B4-BE49-F238E27FC236}">
+                <a16:creationId xmlns:a16="http://schemas.microsoft.com/office/drawing/2014/main" id="{B82C2FD6-C241-7F77-C876-1DC42D2415A8}"/>
+              </a:ext>
+            </a:extLst>
+          </p:cNvPr>
+          <p:cNvGrpSpPr/>
+          <p:nvPr/>
+        </p:nvGrpSpPr>
+        <p:grpSpPr>
+          <a:xfrm>
+            <a:off x="3139104" y="4216006"/>
+            <a:ext cx="3325226" cy="746253"/>
+            <a:chOff x="3625596" y="3904489"/>
+            <a:chExt cx="1591056" cy="746253"/>
+          </a:xfrm>
+        </p:grpSpPr>
+        <p:sp>
+          <p:nvSpPr>
+            <p:cNvPr id="5" name="Rettangolo con angoli arrotondati 4">
+              <a:extLst>
+                <a:ext uri="{FF2B5EF4-FFF2-40B4-BE49-F238E27FC236}">
+                  <a16:creationId xmlns:a16="http://schemas.microsoft.com/office/drawing/2014/main" id="{1FD5DE93-5FD3-BEF2-5014-1012128964A3}"/>
+                </a:ext>
+              </a:extLst>
+            </p:cNvPr>
+            <p:cNvSpPr/>
+            <p:nvPr/>
+          </p:nvSpPr>
+          <p:spPr>
+            <a:xfrm>
+              <a:off x="3625596" y="3904489"/>
+              <a:ext cx="1591056" cy="746253"/>
+            </a:xfrm>
+            <a:prstGeom prst="roundRect">
+              <a:avLst>
+                <a:gd name="adj" fmla="val 6370"/>
+              </a:avLst>
+            </a:prstGeom>
+            <a:noFill/>
+            <a:ln w="28575">
+              <a:solidFill>
+                <a:schemeClr val="accent5">
+                  <a:lumMod val="40000"/>
+                  <a:lumOff val="60000"/>
+                </a:schemeClr>
+              </a:solidFill>
+            </a:ln>
+          </p:spPr>
+          <p:style>
+            <a:lnRef idx="2">
+              <a:schemeClr val="accent1">
+                <a:shade val="15000"/>
+              </a:schemeClr>
+            </a:lnRef>
+            <a:fillRef idx="1">
+              <a:schemeClr val="accent1"/>
+            </a:fillRef>
+            <a:effectRef idx="0">
+              <a:schemeClr val="accent1"/>
+            </a:effectRef>
+            <a:fontRef idx="minor">
+              <a:schemeClr val="lt1"/>
+            </a:fontRef>
+          </p:style>
+          <p:txBody>
+            <a:bodyPr rtlCol="0" anchor="ctr"/>
+            <a:lstStyle/>
+            <a:p>
+              <a:pPr algn="ctr"/>
+              <a:endParaRPr lang="en-GB" sz="1400" dirty="0">
+                <a:solidFill>
+                  <a:schemeClr val="tx1"/>
+                </a:solidFill>
+              </a:endParaRPr>
+            </a:p>
+          </p:txBody>
+        </p:sp>
+        <p:sp>
+          <p:nvSpPr>
+            <p:cNvPr id="24" name="Rettangolo con angoli arrotondati 23">
+              <a:extLst>
+                <a:ext uri="{FF2B5EF4-FFF2-40B4-BE49-F238E27FC236}">
+                  <a16:creationId xmlns:a16="http://schemas.microsoft.com/office/drawing/2014/main" id="{E8CD3A67-41E5-EAF7-7C39-0DC98B2A81BD}"/>
+                </a:ext>
+              </a:extLst>
+            </p:cNvPr>
+            <p:cNvSpPr/>
+            <p:nvPr/>
+          </p:nvSpPr>
+          <p:spPr>
+            <a:xfrm>
+              <a:off x="4509138" y="3979672"/>
+              <a:ext cx="670344" cy="605565"/>
+            </a:xfrm>
+            <a:prstGeom prst="roundRect">
+              <a:avLst/>
+            </a:prstGeom>
+            <a:noFill/>
+            <a:ln w="28575">
+              <a:solidFill>
+                <a:srgbClr val="0070C0"/>
+              </a:solidFill>
+            </a:ln>
+          </p:spPr>
+          <p:style>
+            <a:lnRef idx="2">
+              <a:schemeClr val="accent1">
+                <a:shade val="15000"/>
+              </a:schemeClr>
+            </a:lnRef>
+            <a:fillRef idx="1">
+              <a:schemeClr val="accent1"/>
+            </a:fillRef>
+            <a:effectRef idx="0">
+              <a:schemeClr val="accent1"/>
+            </a:effectRef>
+            <a:fontRef idx="minor">
+              <a:schemeClr val="lt1"/>
+            </a:fontRef>
+          </p:style>
+          <p:txBody>
+            <a:bodyPr rtlCol="0" anchor="ctr"/>
+            <a:lstStyle/>
+            <a:p>
+              <a:pPr algn="ctr"/>
+              <a:r>
+                <a:rPr lang="en-GB" sz="1200" dirty="0">
+                  <a:solidFill>
+                    <a:schemeClr val="tx1"/>
+                  </a:solidFill>
+                </a:rPr>
+                <a:t>Is the ventricular peak absent (nan)? </a:t>
+              </a:r>
+            </a:p>
+          </p:txBody>
+        </p:sp>
+        <p:sp>
+          <p:nvSpPr>
+            <p:cNvPr id="26" name="Rettangolo con angoli arrotondati 25">
+              <a:extLst>
+                <a:ext uri="{FF2B5EF4-FFF2-40B4-BE49-F238E27FC236}">
+                  <a16:creationId xmlns:a16="http://schemas.microsoft.com/office/drawing/2014/main" id="{33BD869E-8C25-A581-748A-516C09BEDF03}"/>
+                </a:ext>
+              </a:extLst>
+            </p:cNvPr>
+            <p:cNvSpPr/>
+            <p:nvPr/>
+          </p:nvSpPr>
+          <p:spPr>
+            <a:xfrm>
+              <a:off x="3662476" y="3987557"/>
+              <a:ext cx="670344" cy="597680"/>
+            </a:xfrm>
+            <a:prstGeom prst="roundRect">
+              <a:avLst/>
+            </a:prstGeom>
+            <a:noFill/>
+            <a:ln w="28575">
+              <a:solidFill>
+                <a:srgbClr val="0070C0"/>
+              </a:solidFill>
+            </a:ln>
+          </p:spPr>
+          <p:style>
+            <a:lnRef idx="2">
+              <a:schemeClr val="accent1">
+                <a:shade val="15000"/>
+              </a:schemeClr>
+            </a:lnRef>
+            <a:fillRef idx="1">
+              <a:schemeClr val="accent1"/>
+            </a:fillRef>
+            <a:effectRef idx="0">
+              <a:schemeClr val="accent1"/>
+            </a:effectRef>
+            <a:fontRef idx="minor">
+              <a:schemeClr val="lt1"/>
+            </a:fontRef>
+          </p:style>
+          <p:txBody>
+            <a:bodyPr rtlCol="0" anchor="ctr"/>
+            <a:lstStyle/>
+            <a:p>
+              <a:pPr algn="ctr"/>
+              <a:r>
+                <a:rPr lang="en-GB" sz="1200" dirty="0">
+                  <a:solidFill>
+                    <a:schemeClr val="tx1"/>
+                  </a:solidFill>
+                </a:rPr>
+                <a:t>Is the ventricular peak lower than atrial one?</a:t>
+              </a:r>
+            </a:p>
+          </p:txBody>
+        </p:sp>
+        <p:sp>
+          <p:nvSpPr>
+            <p:cNvPr id="31" name="CasellaDiTesto 30">
+              <a:extLst>
+                <a:ext uri="{FF2B5EF4-FFF2-40B4-BE49-F238E27FC236}">
+                  <a16:creationId xmlns:a16="http://schemas.microsoft.com/office/drawing/2014/main" id="{454EDE92-AF28-CC93-EDE4-023BD9494DF3}"/>
+                </a:ext>
+              </a:extLst>
+            </p:cNvPr>
+            <p:cNvSpPr txBox="1"/>
+            <p:nvPr/>
+          </p:nvSpPr>
+          <p:spPr>
+            <a:xfrm>
+              <a:off x="4315215" y="4128565"/>
+              <a:ext cx="217044" cy="307777"/>
+            </a:xfrm>
+            <a:prstGeom prst="rect">
+              <a:avLst/>
+            </a:prstGeom>
+            <a:noFill/>
+          </p:spPr>
+          <p:txBody>
+            <a:bodyPr wrap="square" rtlCol="0">
+              <a:spAutoFit/>
+            </a:bodyPr>
+            <a:lstStyle/>
+            <a:p>
+              <a:r>
+                <a:rPr lang="it-IT" sz="1400" b="1" dirty="0">
+                  <a:solidFill>
+                    <a:srgbClr val="0070C0"/>
+                  </a:solidFill>
+                </a:rPr>
+                <a:t>OR</a:t>
+              </a:r>
+            </a:p>
+          </p:txBody>
+        </p:sp>
+      </p:grpSp>
+    </p:spTree>
+    <p:extLst>
+      <p:ext uri="{BB962C8B-B14F-4D97-AF65-F5344CB8AC3E}">
+        <p14:creationId xmlns:p14="http://schemas.microsoft.com/office/powerpoint/2010/main" val="3476021176"/>
+      </p:ext>
+    </p:extLst>
+  </p:cSld>
+  <p:clrMapOvr>
+    <a:masterClrMapping/>
+  </p:clrMapOvr>
+</p:sld>
+</file>
+
+<file path=ppt/slides/slide14.xml><?xml version="1.0" encoding="utf-8"?>
+<p:sld xmlns:a="http://schemas.openxmlformats.org/drawingml/2006/main" xmlns:r="http://schemas.openxmlformats.org/officeDocument/2006/relationships" xmlns:p="http://schemas.openxmlformats.org/presentationml/2006/main">
+  <p:cSld>
+    <p:spTree>
+      <p:nvGrpSpPr>
+        <p:cNvPr id="1" name="">
+          <a:extLst>
+            <a:ext uri="{FF2B5EF4-FFF2-40B4-BE49-F238E27FC236}">
               <a16:creationId xmlns:a16="http://schemas.microsoft.com/office/drawing/2014/main" id="{77E1989D-2F0E-98E7-D9D4-6E2B119EB4AD}"/>
             </a:ext>
           </a:extLst>
@@ -9300,7 +11087,7 @@
           <a:p>
             <a:fld id="{2FA0223F-D95A-431D-9A71-EDA7FA0C2F5B}" type="slidenum">
               <a:rPr lang="en-US" smtClean="0"/>
-              <a:t>13</a:t>
+              <a:t>14</a:t>
             </a:fld>
             <a:endParaRPr lang="en-US"/>
           </a:p>
@@ -10205,7 +11992,7 @@
 </p:sld>
 </file>
 
-<file path=ppt/slides/slide14.xml><?xml version="1.0" encoding="utf-8"?>
+<file path=ppt/slides/slide15.xml><?xml version="1.0" encoding="utf-8"?>
 <p:sld xmlns:a="http://schemas.openxmlformats.org/drawingml/2006/main" xmlns:r="http://schemas.openxmlformats.org/officeDocument/2006/relationships" xmlns:p="http://schemas.openxmlformats.org/presentationml/2006/main">
   <p:cSld>
     <p:spTree>
@@ -10286,7 +12073,7 @@
           <a:p>
             <a:fld id="{2FA0223F-D95A-431D-9A71-EDA7FA0C2F5B}" type="slidenum">
               <a:rPr lang="en-US" smtClean="0"/>
-              <a:t>14</a:t>
+              <a:t>15</a:t>
             </a:fld>
             <a:endParaRPr lang="en-US"/>
           </a:p>
@@ -10620,7 +12407,7 @@
 </p:sld>
 </file>
 
-<file path=ppt/slides/slide15.xml><?xml version="1.0" encoding="utf-8"?>
+<file path=ppt/slides/slide16.xml><?xml version="1.0" encoding="utf-8"?>
 <p:sld xmlns:a="http://schemas.openxmlformats.org/drawingml/2006/main" xmlns:r="http://schemas.openxmlformats.org/officeDocument/2006/relationships" xmlns:p="http://schemas.openxmlformats.org/presentationml/2006/main">
   <p:cSld>
     <p:spTree>
@@ -10796,7 +12583,7 @@
           <a:p>
             <a:fld id="{2FA0223F-D95A-431D-9A71-EDA7FA0C2F5B}" type="slidenum">
               <a:rPr lang="en-US" smtClean="0"/>
-              <a:t>15</a:t>
+              <a:t>16</a:t>
             </a:fld>
             <a:endParaRPr lang="en-US" dirty="0"/>
           </a:p>
@@ -10815,7 +12602,7 @@
 </p:sld>
 </file>
 
-<file path=ppt/slides/slide16.xml><?xml version="1.0" encoding="utf-8"?>
+<file path=ppt/slides/slide17.xml><?xml version="1.0" encoding="utf-8"?>
 <p:sld xmlns:a="http://schemas.openxmlformats.org/drawingml/2006/main" xmlns:r="http://schemas.openxmlformats.org/officeDocument/2006/relationships" xmlns:p="http://schemas.openxmlformats.org/presentationml/2006/main">
   <p:cSld>
     <p:spTree>
@@ -10896,7 +12683,7 @@
           <a:p>
             <a:fld id="{2FA0223F-D95A-431D-9A71-EDA7FA0C2F5B}" type="slidenum">
               <a:rPr lang="en-US" smtClean="0"/>
-              <a:t>16</a:t>
+              <a:t>17</a:t>
             </a:fld>
             <a:endParaRPr lang="en-US"/>
           </a:p>
@@ -11227,7 +13014,7 @@
 </p:sld>
 </file>
 
-<file path=ppt/slides/slide17.xml><?xml version="1.0" encoding="utf-8"?>
+<file path=ppt/slides/slide18.xml><?xml version="1.0" encoding="utf-8"?>
 <p:sld xmlns:a="http://schemas.openxmlformats.org/drawingml/2006/main" xmlns:r="http://schemas.openxmlformats.org/officeDocument/2006/relationships" xmlns:p="http://schemas.openxmlformats.org/presentationml/2006/main">
   <p:cSld>
     <p:spTree>
@@ -11308,7 +13095,7 @@
           <a:p>
             <a:fld id="{2FA0223F-D95A-431D-9A71-EDA7FA0C2F5B}" type="slidenum">
               <a:rPr lang="en-US" smtClean="0"/>
-              <a:t>17</a:t>
+              <a:t>18</a:t>
             </a:fld>
             <a:endParaRPr lang="en-US"/>
           </a:p>
@@ -11625,7 +13412,7 @@
 </p:sld>
 </file>
 
-<file path=ppt/slides/slide18.xml><?xml version="1.0" encoding="utf-8"?>
+<file path=ppt/slides/slide19.xml><?xml version="1.0" encoding="utf-8"?>
 <p:sld xmlns:a="http://schemas.openxmlformats.org/drawingml/2006/main" xmlns:r="http://schemas.openxmlformats.org/officeDocument/2006/relationships" xmlns:p="http://schemas.openxmlformats.org/presentationml/2006/main">
   <p:cSld>
     <p:spTree>
@@ -11706,7 +13493,7 @@
           <a:p>
             <a:fld id="{2FA0223F-D95A-431D-9A71-EDA7FA0C2F5B}" type="slidenum">
               <a:rPr lang="en-US" smtClean="0"/>
-              <a:t>18</a:t>
+              <a:t>19</a:t>
             </a:fld>
             <a:endParaRPr lang="en-US"/>
           </a:p>
@@ -12040,7 +13827,160 @@
 </p:sld>
 </file>
 
-<file path=ppt/slides/slide19.xml><?xml version="1.0" encoding="utf-8"?>
+<file path=ppt/slides/slide2.xml><?xml version="1.0" encoding="utf-8"?>
+<p:sld xmlns:a="http://schemas.openxmlformats.org/drawingml/2006/main" xmlns:r="http://schemas.openxmlformats.org/officeDocument/2006/relationships" xmlns:p="http://schemas.openxmlformats.org/presentationml/2006/main">
+  <p:cSld>
+    <p:spTree>
+      <p:nvGrpSpPr>
+        <p:cNvPr id="1" name=""/>
+        <p:cNvGrpSpPr/>
+        <p:nvPr/>
+      </p:nvGrpSpPr>
+      <p:grpSpPr>
+        <a:xfrm>
+          <a:off x="0" y="0"/>
+          <a:ext cx="0" cy="0"/>
+          <a:chOff x="0" y="0"/>
+          <a:chExt cx="0" cy="0"/>
+        </a:xfrm>
+      </p:grpSpPr>
+      <p:sp>
+        <p:nvSpPr>
+          <p:cNvPr id="2" name="Titolo 1">
+            <a:extLst>
+              <a:ext uri="{FF2B5EF4-FFF2-40B4-BE49-F238E27FC236}">
+                <a16:creationId xmlns:a16="http://schemas.microsoft.com/office/drawing/2014/main" id="{90F52EA4-9809-985C-8A8C-85AEDD39AF3B}"/>
+              </a:ext>
+            </a:extLst>
+          </p:cNvPr>
+          <p:cNvSpPr>
+            <a:spLocks noGrp="1"/>
+          </p:cNvSpPr>
+          <p:nvPr>
+            <p:ph type="title"/>
+          </p:nvPr>
+        </p:nvSpPr>
+        <p:spPr/>
+        <p:txBody>
+          <a:bodyPr/>
+          <a:lstStyle/>
+          <a:p>
+            <a:r>
+              <a:rPr lang="en-US" dirty="0"/>
+              <a:t>Outline </a:t>
+            </a:r>
+          </a:p>
+        </p:txBody>
+      </p:sp>
+      <p:sp>
+        <p:nvSpPr>
+          <p:cNvPr id="3" name="Segnaposto contenuto 2">
+            <a:extLst>
+              <a:ext uri="{FF2B5EF4-FFF2-40B4-BE49-F238E27FC236}">
+                <a16:creationId xmlns:a16="http://schemas.microsoft.com/office/drawing/2014/main" id="{B080D17D-5CB5-7A4C-86CF-032C6E6BEB1F}"/>
+              </a:ext>
+            </a:extLst>
+          </p:cNvPr>
+          <p:cNvSpPr>
+            <a:spLocks noGrp="1"/>
+          </p:cNvSpPr>
+          <p:nvPr>
+            <p:ph idx="1"/>
+          </p:nvPr>
+        </p:nvSpPr>
+        <p:spPr>
+          <a:xfrm>
+            <a:off x="664464" y="2041497"/>
+            <a:ext cx="10098024" cy="2613436"/>
+          </a:xfrm>
+        </p:spPr>
+        <p:txBody>
+          <a:bodyPr>
+            <a:noAutofit/>
+          </a:bodyPr>
+          <a:lstStyle/>
+          <a:p>
+            <a:r>
+              <a:rPr lang="en-US" sz="2000" dirty="0"/>
+              <a:t>Why building a heuristic classifier</a:t>
+            </a:r>
+          </a:p>
+          <a:p>
+            <a:r>
+              <a:rPr lang="en-US" sz="2000" dirty="0"/>
+              <a:t>Knowledge on roving signals: recap</a:t>
+            </a:r>
+          </a:p>
+          <a:p>
+            <a:r>
+              <a:rPr lang="en-US" sz="2000" dirty="0"/>
+              <a:t>Heuristic classifier: pseudo code</a:t>
+            </a:r>
+          </a:p>
+          <a:p>
+            <a:r>
+              <a:rPr lang="en-US" sz="2000" dirty="0"/>
+              <a:t>Performance</a:t>
+            </a:r>
+          </a:p>
+          <a:p>
+            <a:r>
+              <a:rPr lang="en-US" sz="2000" dirty="0"/>
+              <a:t>Conclusions </a:t>
+            </a:r>
+            <a:endParaRPr lang="en-US" sz="1600" dirty="0"/>
+          </a:p>
+          <a:p>
+            <a:pPr marL="0" indent="0">
+              <a:buNone/>
+            </a:pPr>
+            <a:endParaRPr lang="en-US" sz="1600" dirty="0"/>
+          </a:p>
+        </p:txBody>
+      </p:sp>
+      <p:sp>
+        <p:nvSpPr>
+          <p:cNvPr id="4" name="Segnaposto numero diapositiva 3">
+            <a:extLst>
+              <a:ext uri="{FF2B5EF4-FFF2-40B4-BE49-F238E27FC236}">
+                <a16:creationId xmlns:a16="http://schemas.microsoft.com/office/drawing/2014/main" id="{8B351BE6-1815-C162-224E-864AC8EF79D2}"/>
+              </a:ext>
+            </a:extLst>
+          </p:cNvPr>
+          <p:cNvSpPr>
+            <a:spLocks noGrp="1"/>
+          </p:cNvSpPr>
+          <p:nvPr>
+            <p:ph type="sldNum" sz="quarter" idx="12"/>
+          </p:nvPr>
+        </p:nvSpPr>
+        <p:spPr/>
+        <p:txBody>
+          <a:bodyPr/>
+          <a:lstStyle/>
+          <a:p>
+            <a:fld id="{2FA0223F-D95A-431D-9A71-EDA7FA0C2F5B}" type="slidenum">
+              <a:rPr lang="en-US" smtClean="0"/>
+              <a:t>2</a:t>
+            </a:fld>
+            <a:endParaRPr lang="en-US" dirty="0"/>
+          </a:p>
+        </p:txBody>
+      </p:sp>
+    </p:spTree>
+    <p:extLst>
+      <p:ext uri="{BB962C8B-B14F-4D97-AF65-F5344CB8AC3E}">
+        <p14:creationId xmlns:p14="http://schemas.microsoft.com/office/powerpoint/2010/main" val="1561499463"/>
+      </p:ext>
+    </p:extLst>
+  </p:cSld>
+  <p:clrMapOvr>
+    <a:masterClrMapping/>
+  </p:clrMapOvr>
+</p:sld>
+</file>
+
+<file path=ppt/slides/slide20.xml><?xml version="1.0" encoding="utf-8"?>
 <p:sld xmlns:a="http://schemas.openxmlformats.org/drawingml/2006/main" xmlns:r="http://schemas.openxmlformats.org/officeDocument/2006/relationships" xmlns:p="http://schemas.openxmlformats.org/presentationml/2006/main">
   <p:cSld>
     <p:spTree>
@@ -12121,7 +14061,7 @@
           <a:p>
             <a:fld id="{2FA0223F-D95A-431D-9A71-EDA7FA0C2F5B}" type="slidenum">
               <a:rPr lang="en-US" smtClean="0"/>
-              <a:t>19</a:t>
+              <a:t>20</a:t>
             </a:fld>
             <a:endParaRPr lang="en-US"/>
           </a:p>
@@ -12452,160 +14392,7 @@
 </p:sld>
 </file>
 
-<file path=ppt/slides/slide2.xml><?xml version="1.0" encoding="utf-8"?>
-<p:sld xmlns:a="http://schemas.openxmlformats.org/drawingml/2006/main" xmlns:r="http://schemas.openxmlformats.org/officeDocument/2006/relationships" xmlns:p="http://schemas.openxmlformats.org/presentationml/2006/main">
-  <p:cSld>
-    <p:spTree>
-      <p:nvGrpSpPr>
-        <p:cNvPr id="1" name=""/>
-        <p:cNvGrpSpPr/>
-        <p:nvPr/>
-      </p:nvGrpSpPr>
-      <p:grpSpPr>
-        <a:xfrm>
-          <a:off x="0" y="0"/>
-          <a:ext cx="0" cy="0"/>
-          <a:chOff x="0" y="0"/>
-          <a:chExt cx="0" cy="0"/>
-        </a:xfrm>
-      </p:grpSpPr>
-      <p:sp>
-        <p:nvSpPr>
-          <p:cNvPr id="2" name="Titolo 1">
-            <a:extLst>
-              <a:ext uri="{FF2B5EF4-FFF2-40B4-BE49-F238E27FC236}">
-                <a16:creationId xmlns:a16="http://schemas.microsoft.com/office/drawing/2014/main" id="{90F52EA4-9809-985C-8A8C-85AEDD39AF3B}"/>
-              </a:ext>
-            </a:extLst>
-          </p:cNvPr>
-          <p:cNvSpPr>
-            <a:spLocks noGrp="1"/>
-          </p:cNvSpPr>
-          <p:nvPr>
-            <p:ph type="title"/>
-          </p:nvPr>
-        </p:nvSpPr>
-        <p:spPr/>
-        <p:txBody>
-          <a:bodyPr/>
-          <a:lstStyle/>
-          <a:p>
-            <a:r>
-              <a:rPr lang="en-US" dirty="0"/>
-              <a:t>Outline </a:t>
-            </a:r>
-          </a:p>
-        </p:txBody>
-      </p:sp>
-      <p:sp>
-        <p:nvSpPr>
-          <p:cNvPr id="3" name="Segnaposto contenuto 2">
-            <a:extLst>
-              <a:ext uri="{FF2B5EF4-FFF2-40B4-BE49-F238E27FC236}">
-                <a16:creationId xmlns:a16="http://schemas.microsoft.com/office/drawing/2014/main" id="{B080D17D-5CB5-7A4C-86CF-032C6E6BEB1F}"/>
-              </a:ext>
-            </a:extLst>
-          </p:cNvPr>
-          <p:cNvSpPr>
-            <a:spLocks noGrp="1"/>
-          </p:cNvSpPr>
-          <p:nvPr>
-            <p:ph idx="1"/>
-          </p:nvPr>
-        </p:nvSpPr>
-        <p:spPr>
-          <a:xfrm>
-            <a:off x="664464" y="2041497"/>
-            <a:ext cx="10098024" cy="2613436"/>
-          </a:xfrm>
-        </p:spPr>
-        <p:txBody>
-          <a:bodyPr>
-            <a:noAutofit/>
-          </a:bodyPr>
-          <a:lstStyle/>
-          <a:p>
-            <a:r>
-              <a:rPr lang="en-US" sz="2000" dirty="0"/>
-              <a:t>Why building a heuristic classifier</a:t>
-            </a:r>
-          </a:p>
-          <a:p>
-            <a:r>
-              <a:rPr lang="en-US" sz="2000" dirty="0"/>
-              <a:t>Knowledge on roving signals: recap</a:t>
-            </a:r>
-          </a:p>
-          <a:p>
-            <a:r>
-              <a:rPr lang="en-US" sz="2000" dirty="0"/>
-              <a:t>Heuristic classifier: pseudo code</a:t>
-            </a:r>
-          </a:p>
-          <a:p>
-            <a:r>
-              <a:rPr lang="en-US" sz="2000" dirty="0"/>
-              <a:t>Performance</a:t>
-            </a:r>
-          </a:p>
-          <a:p>
-            <a:r>
-              <a:rPr lang="en-US" sz="2000" dirty="0"/>
-              <a:t>Conclusions </a:t>
-            </a:r>
-            <a:endParaRPr lang="en-US" sz="1600" dirty="0"/>
-          </a:p>
-          <a:p>
-            <a:pPr marL="0" indent="0">
-              <a:buNone/>
-            </a:pPr>
-            <a:endParaRPr lang="en-US" sz="1600" dirty="0"/>
-          </a:p>
-        </p:txBody>
-      </p:sp>
-      <p:sp>
-        <p:nvSpPr>
-          <p:cNvPr id="4" name="Segnaposto numero diapositiva 3">
-            <a:extLst>
-              <a:ext uri="{FF2B5EF4-FFF2-40B4-BE49-F238E27FC236}">
-                <a16:creationId xmlns:a16="http://schemas.microsoft.com/office/drawing/2014/main" id="{8B351BE6-1815-C162-224E-864AC8EF79D2}"/>
-              </a:ext>
-            </a:extLst>
-          </p:cNvPr>
-          <p:cNvSpPr>
-            <a:spLocks noGrp="1"/>
-          </p:cNvSpPr>
-          <p:nvPr>
-            <p:ph type="sldNum" sz="quarter" idx="12"/>
-          </p:nvPr>
-        </p:nvSpPr>
-        <p:spPr/>
-        <p:txBody>
-          <a:bodyPr/>
-          <a:lstStyle/>
-          <a:p>
-            <a:fld id="{2FA0223F-D95A-431D-9A71-EDA7FA0C2F5B}" type="slidenum">
-              <a:rPr lang="en-US" smtClean="0"/>
-              <a:t>2</a:t>
-            </a:fld>
-            <a:endParaRPr lang="en-US" dirty="0"/>
-          </a:p>
-        </p:txBody>
-      </p:sp>
-    </p:spTree>
-    <p:extLst>
-      <p:ext uri="{BB962C8B-B14F-4D97-AF65-F5344CB8AC3E}">
-        <p14:creationId xmlns:p14="http://schemas.microsoft.com/office/powerpoint/2010/main" val="1561499463"/>
-      </p:ext>
-    </p:extLst>
-  </p:cSld>
-  <p:clrMapOvr>
-    <a:masterClrMapping/>
-  </p:clrMapOvr>
-</p:sld>
-</file>
-
-<file path=ppt/slides/slide20.xml><?xml version="1.0" encoding="utf-8"?>
+<file path=ppt/slides/slide21.xml><?xml version="1.0" encoding="utf-8"?>
 <p:sld xmlns:a="http://schemas.openxmlformats.org/drawingml/2006/main" xmlns:r="http://schemas.openxmlformats.org/officeDocument/2006/relationships" xmlns:p="http://schemas.openxmlformats.org/presentationml/2006/main">
   <p:cSld>
     <p:spTree>
@@ -12686,7 +14473,7 @@
           <a:p>
             <a:fld id="{2FA0223F-D95A-431D-9A71-EDA7FA0C2F5B}" type="slidenum">
               <a:rPr lang="en-US" smtClean="0"/>
-              <a:t>20</a:t>
+              <a:t>21</a:t>
             </a:fld>
             <a:endParaRPr lang="en-US"/>
           </a:p>
@@ -13020,7 +14807,7 @@
 </p:sld>
 </file>
 
-<file path=ppt/slides/slide21.xml><?xml version="1.0" encoding="utf-8"?>
+<file path=ppt/slides/slide22.xml><?xml version="1.0" encoding="utf-8"?>
 <p:sld xmlns:a="http://schemas.openxmlformats.org/drawingml/2006/main" xmlns:r="http://schemas.openxmlformats.org/officeDocument/2006/relationships" xmlns:p="http://schemas.openxmlformats.org/presentationml/2006/main">
   <p:cSld>
     <p:spTree>
@@ -13101,7 +14888,7 @@
           <a:p>
             <a:fld id="{2FA0223F-D95A-431D-9A71-EDA7FA0C2F5B}" type="slidenum">
               <a:rPr lang="en-US" smtClean="0"/>
-              <a:t>21</a:t>
+              <a:t>22</a:t>
             </a:fld>
             <a:endParaRPr lang="en-US"/>
           </a:p>
@@ -13435,7 +15222,7 @@
 </p:sld>
 </file>
 
-<file path=ppt/slides/slide22.xml><?xml version="1.0" encoding="utf-8"?>
+<file path=ppt/slides/slide23.xml><?xml version="1.0" encoding="utf-8"?>
 <p:sld xmlns:a="http://schemas.openxmlformats.org/drawingml/2006/main" xmlns:r="http://schemas.openxmlformats.org/officeDocument/2006/relationships" xmlns:p="http://schemas.openxmlformats.org/presentationml/2006/main">
   <p:cSld>
     <p:spTree>
@@ -13516,7 +15303,7 @@
           <a:p>
             <a:fld id="{2FA0223F-D95A-431D-9A71-EDA7FA0C2F5B}" type="slidenum">
               <a:rPr lang="en-US" smtClean="0"/>
-              <a:t>22</a:t>
+              <a:t>23</a:t>
             </a:fld>
             <a:endParaRPr lang="en-US"/>
           </a:p>
@@ -13765,8 +15552,8 @@
 </p:sld>
 </file>
 
-<file path=ppt/slides/slide23.xml><?xml version="1.0" encoding="utf-8"?>
-<p:sld xmlns:a="http://schemas.openxmlformats.org/drawingml/2006/main" xmlns:r="http://schemas.openxmlformats.org/officeDocument/2006/relationships" xmlns:p="http://schemas.openxmlformats.org/presentationml/2006/main">
+<file path=ppt/slides/slide24.xml><?xml version="1.0" encoding="utf-8"?>
+<p:sld xmlns:a="http://schemas.openxmlformats.org/drawingml/2006/main" xmlns:r="http://schemas.openxmlformats.org/officeDocument/2006/relationships" xmlns:p="http://schemas.openxmlformats.org/presentationml/2006/main" show="0">
   <p:cSld>
     <p:spTree>
       <p:nvGrpSpPr>
@@ -13846,7 +15633,7 @@
           <a:p>
             <a:fld id="{2FA0223F-D95A-431D-9A71-EDA7FA0C2F5B}" type="slidenum">
               <a:rPr lang="en-US" smtClean="0"/>
-              <a:t>23</a:t>
+              <a:t>24</a:t>
             </a:fld>
             <a:endParaRPr lang="en-US"/>
           </a:p>
@@ -14095,7 +15882,7 @@
 </p:sld>
 </file>
 
-<file path=ppt/slides/slide24.xml><?xml version="1.0" encoding="utf-8"?>
+<file path=ppt/slides/slide25.xml><?xml version="1.0" encoding="utf-8"?>
 <p:sld xmlns:a="http://schemas.openxmlformats.org/drawingml/2006/main" xmlns:r="http://schemas.openxmlformats.org/officeDocument/2006/relationships" xmlns:p="http://schemas.openxmlformats.org/presentationml/2006/main">
   <p:cSld>
     <p:spTree>
@@ -14176,7 +15963,7 @@
           <a:p>
             <a:fld id="{2FA0223F-D95A-431D-9A71-EDA7FA0C2F5B}" type="slidenum">
               <a:rPr lang="en-US" smtClean="0"/>
-              <a:t>24</a:t>
+              <a:t>25</a:t>
             </a:fld>
             <a:endParaRPr lang="en-US"/>
           </a:p>
@@ -15656,7 +17443,7 @@
 </p:sld>
 </file>
 
-<file path=ppt/slides/slide25.xml><?xml version="1.0" encoding="utf-8"?>
+<file path=ppt/slides/slide26.xml><?xml version="1.0" encoding="utf-8"?>
 <p:sld xmlns:a="http://schemas.openxmlformats.org/drawingml/2006/main" xmlns:r="http://schemas.openxmlformats.org/officeDocument/2006/relationships" xmlns:p="http://schemas.openxmlformats.org/presentationml/2006/main">
   <p:cSld>
     <p:spTree>
@@ -15737,7 +17524,7 @@
           <a:p>
             <a:fld id="{2FA0223F-D95A-431D-9A71-EDA7FA0C2F5B}" type="slidenum">
               <a:rPr lang="en-US" smtClean="0"/>
-              <a:t>25</a:t>
+              <a:t>26</a:t>
             </a:fld>
             <a:endParaRPr lang="en-US"/>
           </a:p>
@@ -17185,7 +18972,7 @@
 </p:sld>
 </file>
 
-<file path=ppt/slides/slide26.xml><?xml version="1.0" encoding="utf-8"?>
+<file path=ppt/slides/slide27.xml><?xml version="1.0" encoding="utf-8"?>
 <p:sld xmlns:a="http://schemas.openxmlformats.org/drawingml/2006/main" xmlns:r="http://schemas.openxmlformats.org/officeDocument/2006/relationships" xmlns:p="http://schemas.openxmlformats.org/presentationml/2006/main">
   <p:cSld>
     <p:spTree>
@@ -17355,7 +19142,7 @@
           <a:p>
             <a:fld id="{2FA0223F-D95A-431D-9A71-EDA7FA0C2F5B}" type="slidenum">
               <a:rPr lang="en-US" smtClean="0"/>
-              <a:t>26</a:t>
+              <a:t>27</a:t>
             </a:fld>
             <a:endParaRPr lang="en-US" dirty="0"/>
           </a:p>
@@ -17374,7 +19161,7 @@
 </p:sld>
 </file>
 
-<file path=ppt/slides/slide27.xml><?xml version="1.0" encoding="utf-8"?>
+<file path=ppt/slides/slide28.xml><?xml version="1.0" encoding="utf-8"?>
 <p:sld xmlns:a="http://schemas.openxmlformats.org/drawingml/2006/main" xmlns:r="http://schemas.openxmlformats.org/officeDocument/2006/relationships" xmlns:p="http://schemas.openxmlformats.org/presentationml/2006/main">
   <p:cSld>
     <p:spTree>
@@ -17455,7 +19242,7 @@
           <a:p>
             <a:fld id="{2FA0223F-D95A-431D-9A71-EDA7FA0C2F5B}" type="slidenum">
               <a:rPr lang="en-US" smtClean="0"/>
-              <a:t>27</a:t>
+              <a:t>28</a:t>
             </a:fld>
             <a:endParaRPr lang="en-US"/>
           </a:p>
@@ -17858,82 +19645,6 @@
             </a:r>
           </a:p>
           <a:p>
-            <a:endParaRPr lang="en-US" sz="1600" b="1" dirty="0"/>
-          </a:p>
-          <a:p>
-            <a:pPr marL="0" indent="0">
-              <a:buNone/>
-            </a:pPr>
-            <a:r>
-              <a:rPr lang="en-US" sz="1600" dirty="0"/>
-              <a:t>Moreover, </a:t>
-            </a:r>
-            <a:r>
-              <a:rPr lang="en-US" sz="1600" b="1" dirty="0"/>
-              <a:t>filtered</a:t>
-            </a:r>
-            <a:r>
-              <a:rPr lang="en-US" sz="1600" dirty="0"/>
-              <a:t> </a:t>
-            </a:r>
-            <a:r>
-              <a:rPr lang="en-US" sz="1600" b="1" dirty="0"/>
-              <a:t>data</a:t>
-            </a:r>
-            <a:r>
-              <a:rPr lang="en-US" sz="1600" dirty="0"/>
-              <a:t> does </a:t>
-            </a:r>
-            <a:r>
-              <a:rPr lang="en-US" sz="1600" b="1" dirty="0"/>
-              <a:t>not</a:t>
-            </a:r>
-            <a:r>
-              <a:rPr lang="en-US" sz="1600" dirty="0"/>
-              <a:t> have </a:t>
-            </a:r>
-            <a:r>
-              <a:rPr lang="en-US" sz="1600" b="1" dirty="0"/>
-              <a:t>difference</a:t>
-            </a:r>
-            <a:r>
-              <a:rPr lang="en-US" sz="1600" dirty="0"/>
-              <a:t> </a:t>
-            </a:r>
-            <a:r>
-              <a:rPr lang="en-US" sz="1600" b="1" dirty="0"/>
-              <a:t>with</a:t>
-            </a:r>
-            <a:r>
-              <a:rPr lang="en-US" sz="1600" dirty="0"/>
-              <a:t> </a:t>
-            </a:r>
-            <a:r>
-              <a:rPr lang="en-US" sz="1600" b="1" dirty="0"/>
-              <a:t>not</a:t>
-            </a:r>
-            <a:r>
-              <a:rPr lang="en-US" sz="1600" dirty="0"/>
-              <a:t> </a:t>
-            </a:r>
-            <a:r>
-              <a:rPr lang="en-US" sz="1600" b="1" dirty="0"/>
-              <a:t>filtered</a:t>
-            </a:r>
-            <a:r>
-              <a:rPr lang="en-US" sz="1600" dirty="0"/>
-              <a:t> ones in terms of </a:t>
-            </a:r>
-            <a:r>
-              <a:rPr lang="en-US" sz="1600" b="1" dirty="0"/>
-              <a:t>performances</a:t>
-            </a:r>
-            <a:r>
-              <a:rPr lang="en-US" sz="1600" dirty="0"/>
-              <a:t>.</a:t>
-            </a:r>
-          </a:p>
-          <a:p>
             <a:pPr marL="0" indent="0">
               <a:buNone/>
             </a:pPr>
@@ -17966,6 +19677,1336 @@
   <p:clrMapOvr>
     <a:masterClrMapping/>
   </p:clrMapOvr>
+</p:sld>
+</file>
+
+<file path=ppt/slides/slide29.xml><?xml version="1.0" encoding="utf-8"?>
+<p:sld xmlns:a="http://schemas.openxmlformats.org/drawingml/2006/main" xmlns:r="http://schemas.openxmlformats.org/officeDocument/2006/relationships" xmlns:p="http://schemas.openxmlformats.org/presentationml/2006/main">
+  <p:cSld>
+    <p:spTree>
+      <p:nvGrpSpPr>
+        <p:cNvPr id="1" name="">
+          <a:extLst>
+            <a:ext uri="{FF2B5EF4-FFF2-40B4-BE49-F238E27FC236}">
+              <a16:creationId xmlns:a16="http://schemas.microsoft.com/office/drawing/2014/main" id="{F50A20E1-A2EE-3BA2-E20F-42F77DA2CD52}"/>
+            </a:ext>
+          </a:extLst>
+        </p:cNvPr>
+        <p:cNvGrpSpPr/>
+        <p:nvPr/>
+      </p:nvGrpSpPr>
+      <p:grpSpPr>
+        <a:xfrm>
+          <a:off x="0" y="0"/>
+          <a:ext cx="0" cy="0"/>
+          <a:chOff x="0" y="0"/>
+          <a:chExt cx="0" cy="0"/>
+        </a:xfrm>
+      </p:grpSpPr>
+      <p:sp>
+        <p:nvSpPr>
+          <p:cNvPr id="2" name="Titolo 1">
+            <a:extLst>
+              <a:ext uri="{FF2B5EF4-FFF2-40B4-BE49-F238E27FC236}">
+                <a16:creationId xmlns:a16="http://schemas.microsoft.com/office/drawing/2014/main" id="{F3E01017-BD9B-E506-CC30-CE028338F79F}"/>
+              </a:ext>
+            </a:extLst>
+          </p:cNvPr>
+          <p:cNvSpPr>
+            <a:spLocks noGrp="1"/>
+          </p:cNvSpPr>
+          <p:nvPr>
+            <p:ph type="title"/>
+          </p:nvPr>
+        </p:nvSpPr>
+        <p:spPr>
+          <a:xfrm>
+            <a:off x="838200" y="209292"/>
+            <a:ext cx="9905460" cy="971551"/>
+          </a:xfrm>
+        </p:spPr>
+        <p:txBody>
+          <a:bodyPr>
+            <a:normAutofit/>
+          </a:bodyPr>
+          <a:lstStyle/>
+          <a:p>
+            <a:r>
+              <a:rPr lang="en-US" sz="3600" dirty="0"/>
+              <a:t>Appendix 1: what if LOPOCV is performed?</a:t>
+            </a:r>
+          </a:p>
+        </p:txBody>
+      </p:sp>
+      <p:sp>
+        <p:nvSpPr>
+          <p:cNvPr id="4" name="Segnaposto numero diapositiva 3">
+            <a:extLst>
+              <a:ext uri="{FF2B5EF4-FFF2-40B4-BE49-F238E27FC236}">
+                <a16:creationId xmlns:a16="http://schemas.microsoft.com/office/drawing/2014/main" id="{98D60FC1-2F35-C277-6BBE-785E73CD0F5F}"/>
+              </a:ext>
+            </a:extLst>
+          </p:cNvPr>
+          <p:cNvSpPr>
+            <a:spLocks noGrp="1"/>
+          </p:cNvSpPr>
+          <p:nvPr>
+            <p:ph type="sldNum" sz="quarter" idx="12"/>
+          </p:nvPr>
+        </p:nvSpPr>
+        <p:spPr/>
+        <p:txBody>
+          <a:bodyPr/>
+          <a:lstStyle/>
+          <a:p>
+            <a:fld id="{2FA0223F-D95A-431D-9A71-EDA7FA0C2F5B}" type="slidenum">
+              <a:rPr lang="en-US" smtClean="0"/>
+              <a:t>29</a:t>
+            </a:fld>
+            <a:endParaRPr lang="en-US"/>
+          </a:p>
+        </p:txBody>
+      </p:sp>
+      <p:pic>
+        <p:nvPicPr>
+          <p:cNvPr id="11" name="Immagine 10" descr="Immagine che contiene schermata, testo, quadrato, Rettangolo&#10;&#10;Descrizione generata automaticamente">
+            <a:extLst>
+              <a:ext uri="{FF2B5EF4-FFF2-40B4-BE49-F238E27FC236}">
+                <a16:creationId xmlns:a16="http://schemas.microsoft.com/office/drawing/2014/main" id="{7D5F2744-75C6-CA09-199C-CDE6C134C628}"/>
+              </a:ext>
+            </a:extLst>
+          </p:cNvPr>
+          <p:cNvPicPr>
+            <a:picLocks noChangeAspect="1"/>
+          </p:cNvPicPr>
+          <p:nvPr/>
+        </p:nvPicPr>
+        <p:blipFill>
+          <a:blip r:embed="rId3">
+            <a:extLst>
+              <a:ext uri="{28A0092B-C50C-407E-A947-70E740481C1C}">
+                <a14:useLocalDpi xmlns:a14="http://schemas.microsoft.com/office/drawing/2010/main" val="0"/>
+              </a:ext>
+            </a:extLst>
+          </a:blip>
+          <a:srcRect t="19896"/>
+          <a:stretch/>
+        </p:blipFill>
+        <p:spPr>
+          <a:xfrm>
+            <a:off x="4882238" y="1860460"/>
+            <a:ext cx="6071514" cy="2918092"/>
+          </a:xfrm>
+          <a:prstGeom prst="rect">
+            <a:avLst/>
+          </a:prstGeom>
+        </p:spPr>
+      </p:pic>
+      <p:sp>
+        <p:nvSpPr>
+          <p:cNvPr id="27" name="Rettangolo 26">
+            <a:extLst>
+              <a:ext uri="{FF2B5EF4-FFF2-40B4-BE49-F238E27FC236}">
+                <a16:creationId xmlns:a16="http://schemas.microsoft.com/office/drawing/2014/main" id="{EC6BDD00-C8B6-0A5A-43EE-8538A5CC49BC}"/>
+              </a:ext>
+            </a:extLst>
+          </p:cNvPr>
+          <p:cNvSpPr/>
+          <p:nvPr/>
+        </p:nvSpPr>
+        <p:spPr>
+          <a:xfrm>
+            <a:off x="6723157" y="1812745"/>
+            <a:ext cx="206547" cy="168094"/>
+          </a:xfrm>
+          <a:prstGeom prst="rect">
+            <a:avLst/>
+          </a:prstGeom>
+          <a:solidFill>
+            <a:schemeClr val="bg1"/>
+          </a:solidFill>
+          <a:ln>
+            <a:solidFill>
+              <a:schemeClr val="bg1"/>
+            </a:solidFill>
+          </a:ln>
+        </p:spPr>
+        <p:style>
+          <a:lnRef idx="2">
+            <a:schemeClr val="accent1">
+              <a:shade val="15000"/>
+            </a:schemeClr>
+          </a:lnRef>
+          <a:fillRef idx="1">
+            <a:schemeClr val="accent1"/>
+          </a:fillRef>
+          <a:effectRef idx="0">
+            <a:schemeClr val="accent1"/>
+          </a:effectRef>
+          <a:fontRef idx="minor">
+            <a:schemeClr val="lt1"/>
+          </a:fontRef>
+        </p:style>
+        <p:txBody>
+          <a:bodyPr rtlCol="0" anchor="ctr"/>
+          <a:lstStyle/>
+          <a:p>
+            <a:pPr algn="ctr"/>
+            <a:endParaRPr lang="it-IT"/>
+          </a:p>
+        </p:txBody>
+      </p:sp>
+      <p:sp>
+        <p:nvSpPr>
+          <p:cNvPr id="9" name="Segnaposto contenuto 2">
+            <a:extLst>
+              <a:ext uri="{FF2B5EF4-FFF2-40B4-BE49-F238E27FC236}">
+                <a16:creationId xmlns:a16="http://schemas.microsoft.com/office/drawing/2014/main" id="{34281787-DE27-39D9-7D98-2990E5070ED2}"/>
+              </a:ext>
+            </a:extLst>
+          </p:cNvPr>
+          <p:cNvSpPr>
+            <a:spLocks noGrp="1"/>
+          </p:cNvSpPr>
+          <p:nvPr>
+            <p:ph idx="1"/>
+          </p:nvPr>
+        </p:nvSpPr>
+        <p:spPr>
+          <a:xfrm>
+            <a:off x="395465" y="1504120"/>
+            <a:ext cx="3866529" cy="4154560"/>
+          </a:xfrm>
+        </p:spPr>
+        <p:txBody>
+          <a:bodyPr>
+            <a:noAutofit/>
+          </a:bodyPr>
+          <a:lstStyle/>
+          <a:p>
+            <a:pPr marL="0" indent="0">
+              <a:buNone/>
+            </a:pPr>
+            <a:r>
+              <a:rPr lang="en-US" sz="1200" dirty="0"/>
+              <a:t>Instead of using a train/test split, one could try to match the inter-subject variability by using a </a:t>
+            </a:r>
+            <a:r>
+              <a:rPr lang="en-US" sz="1200" b="1" dirty="0"/>
+              <a:t>Leave One Patient Out Cross Validation </a:t>
+            </a:r>
+            <a:r>
+              <a:rPr lang="en-US" sz="1200" dirty="0"/>
+              <a:t>technique.</a:t>
+            </a:r>
+          </a:p>
+          <a:p>
+            <a:r>
+              <a:rPr lang="en-US" sz="1200" dirty="0"/>
+              <a:t>Iteratively, each patient is the test set while the others act as train set</a:t>
+            </a:r>
+          </a:p>
+          <a:p>
+            <a:pPr marL="0" indent="0">
+              <a:buNone/>
+            </a:pPr>
+            <a:endParaRPr lang="en-US" sz="1400" dirty="0"/>
+          </a:p>
+          <a:p>
+            <a:pPr marL="0" indent="0">
+              <a:buNone/>
+            </a:pPr>
+            <a:r>
+              <a:rPr lang="en-US" sz="1200" dirty="0"/>
+              <a:t>The CM and the metrics summary are reported on the right.</a:t>
+            </a:r>
+          </a:p>
+          <a:p>
+            <a:r>
+              <a:rPr lang="en-US" sz="1200" dirty="0"/>
+              <a:t>Metrics are comparable with the ones obtained with train/test split</a:t>
+            </a:r>
+          </a:p>
+          <a:p>
+            <a:pPr marL="0" indent="0">
+              <a:buNone/>
+            </a:pPr>
+            <a:r>
+              <a:rPr lang="en-US" sz="1200" dirty="0"/>
+              <a:t>In addition, respect to train/test split, this strategy allow to check the number of </a:t>
+            </a:r>
+            <a:r>
+              <a:rPr lang="en-US" sz="1200" b="1" dirty="0"/>
+              <a:t>misclassified</a:t>
+            </a:r>
+            <a:r>
+              <a:rPr lang="en-US" sz="1200" dirty="0"/>
+              <a:t> </a:t>
+            </a:r>
+            <a:r>
+              <a:rPr lang="en-US" sz="1200" b="1" dirty="0"/>
+              <a:t>signals</a:t>
+            </a:r>
+            <a:r>
+              <a:rPr lang="en-US" sz="1200" dirty="0"/>
+              <a:t> </a:t>
+            </a:r>
+            <a:r>
+              <a:rPr lang="en-US" sz="1200" b="1" dirty="0"/>
+              <a:t>for</a:t>
+            </a:r>
+            <a:r>
+              <a:rPr lang="en-US" sz="1200" dirty="0"/>
+              <a:t> </a:t>
+            </a:r>
+            <a:r>
+              <a:rPr lang="en-US" sz="1200" b="1" dirty="0"/>
+              <a:t>each</a:t>
+            </a:r>
+            <a:r>
+              <a:rPr lang="en-US" sz="1200" dirty="0"/>
+              <a:t> </a:t>
+            </a:r>
+            <a:r>
+              <a:rPr lang="en-US" sz="1200" b="1" dirty="0"/>
+              <a:t>subject</a:t>
+            </a:r>
+            <a:r>
+              <a:rPr lang="en-US" sz="1200" dirty="0"/>
+              <a:t> and for each class.</a:t>
+            </a:r>
+          </a:p>
+          <a:p>
+            <a:r>
+              <a:rPr lang="en-US" sz="1200" dirty="0"/>
+              <a:t>Seems that some subjects carry the greatest number of misclassifications (1,2,3,4,6)</a:t>
+            </a:r>
+          </a:p>
+          <a:p>
+            <a:r>
+              <a:rPr lang="en-US" sz="1200" dirty="0"/>
+              <a:t>Sub 2 has the highest number of misclassified signals relatively to the number of MAP A signals (61 on 78). </a:t>
+            </a:r>
+          </a:p>
+          <a:p>
+            <a:endParaRPr lang="en-US" sz="1400" dirty="0"/>
+          </a:p>
+          <a:p>
+            <a:endParaRPr lang="en-US" sz="1400" dirty="0"/>
+          </a:p>
+          <a:p>
+            <a:endParaRPr lang="en-US" sz="1400" b="1" dirty="0"/>
+          </a:p>
+        </p:txBody>
+      </p:sp>
+      <p:pic>
+        <p:nvPicPr>
+          <p:cNvPr id="5" name="Immagine 4" descr="Immagine che contiene testo, schermata, numero, Carattere&#10;&#10;Descrizione generata automaticamente">
+            <a:extLst>
+              <a:ext uri="{FF2B5EF4-FFF2-40B4-BE49-F238E27FC236}">
+                <a16:creationId xmlns:a16="http://schemas.microsoft.com/office/drawing/2014/main" id="{AC298227-2F28-8C10-128F-0C787E351ACD}"/>
+              </a:ext>
+            </a:extLst>
+          </p:cNvPr>
+          <p:cNvPicPr>
+            <a:picLocks noChangeAspect="1"/>
+          </p:cNvPicPr>
+          <p:nvPr/>
+        </p:nvPicPr>
+        <p:blipFill>
+          <a:blip r:embed="rId4">
+            <a:extLst>
+              <a:ext uri="{28A0092B-C50C-407E-A947-70E740481C1C}">
+                <a14:useLocalDpi xmlns:a14="http://schemas.microsoft.com/office/drawing/2010/main" val="0"/>
+              </a:ext>
+            </a:extLst>
+          </a:blip>
+          <a:stretch>
+            <a:fillRect/>
+          </a:stretch>
+        </p:blipFill>
+        <p:spPr>
+          <a:xfrm>
+            <a:off x="4573469" y="1606160"/>
+            <a:ext cx="3398525" cy="2918093"/>
+          </a:xfrm>
+          <a:prstGeom prst="rect">
+            <a:avLst/>
+          </a:prstGeom>
+        </p:spPr>
+      </p:pic>
+      <p:pic>
+        <p:nvPicPr>
+          <p:cNvPr id="10" name="Immagine 9" descr="Immagine che contiene testo, numero, schermata, Carattere&#10;&#10;Descrizione generata automaticamente">
+            <a:extLst>
+              <a:ext uri="{FF2B5EF4-FFF2-40B4-BE49-F238E27FC236}">
+                <a16:creationId xmlns:a16="http://schemas.microsoft.com/office/drawing/2014/main" id="{6C893A85-1B95-B1F2-83DB-7B181F369663}"/>
+              </a:ext>
+            </a:extLst>
+          </p:cNvPr>
+          <p:cNvPicPr>
+            <a:picLocks noChangeAspect="1"/>
+          </p:cNvPicPr>
+          <p:nvPr/>
+        </p:nvPicPr>
+        <p:blipFill>
+          <a:blip r:embed="rId5">
+            <a:extLst>
+              <a:ext uri="{28A0092B-C50C-407E-A947-70E740481C1C}">
+                <a14:useLocalDpi xmlns:a14="http://schemas.microsoft.com/office/drawing/2010/main" val="0"/>
+              </a:ext>
+            </a:extLst>
+          </a:blip>
+          <a:stretch>
+            <a:fillRect/>
+          </a:stretch>
+        </p:blipFill>
+        <p:spPr>
+          <a:xfrm>
+            <a:off x="7971994" y="1879771"/>
+            <a:ext cx="3525738" cy="2931036"/>
+          </a:xfrm>
+          <a:prstGeom prst="rect">
+            <a:avLst/>
+          </a:prstGeom>
+        </p:spPr>
+      </p:pic>
+      <p:pic>
+        <p:nvPicPr>
+          <p:cNvPr id="6" name="Immagine 5" descr="Immagine che contiene testo, numero, schermata, linea&#10;&#10;Descrizione generata automaticamente">
+            <a:extLst>
+              <a:ext uri="{FF2B5EF4-FFF2-40B4-BE49-F238E27FC236}">
+                <a16:creationId xmlns:a16="http://schemas.microsoft.com/office/drawing/2014/main" id="{85C61896-0155-0E52-054E-72F8007858D0}"/>
+              </a:ext>
+            </a:extLst>
+          </p:cNvPr>
+          <p:cNvPicPr>
+            <a:picLocks noChangeAspect="1"/>
+          </p:cNvPicPr>
+          <p:nvPr/>
+        </p:nvPicPr>
+        <p:blipFill>
+          <a:blip r:embed="rId6">
+            <a:extLst>
+              <a:ext uri="{28A0092B-C50C-407E-A947-70E740481C1C}">
+                <a14:useLocalDpi xmlns:a14="http://schemas.microsoft.com/office/drawing/2010/main" val="0"/>
+              </a:ext>
+            </a:extLst>
+          </a:blip>
+          <a:stretch>
+            <a:fillRect/>
+          </a:stretch>
+        </p:blipFill>
+        <p:spPr>
+          <a:xfrm>
+            <a:off x="4571895" y="1590530"/>
+            <a:ext cx="7332256" cy="3106309"/>
+          </a:xfrm>
+          <a:prstGeom prst="rect">
+            <a:avLst/>
+          </a:prstGeom>
+        </p:spPr>
+      </p:pic>
+      <p:sp>
+        <p:nvSpPr>
+          <p:cNvPr id="7" name="AutoShape 2">
+            <a:extLst>
+              <a:ext uri="{FF2B5EF4-FFF2-40B4-BE49-F238E27FC236}">
+                <a16:creationId xmlns:a16="http://schemas.microsoft.com/office/drawing/2014/main" id="{440CA05B-5B14-C4A9-0834-B62FF40E0B02}"/>
+              </a:ext>
+            </a:extLst>
+          </p:cNvPr>
+          <p:cNvSpPr>
+            <a:spLocks noChangeAspect="1" noChangeArrowheads="1"/>
+          </p:cNvSpPr>
+          <p:nvPr/>
+        </p:nvSpPr>
+        <p:spPr bwMode="auto">
+          <a:xfrm>
+            <a:off x="5943600" y="3276600"/>
+            <a:ext cx="304800" cy="304800"/>
+          </a:xfrm>
+          <a:prstGeom prst="rect">
+            <a:avLst/>
+          </a:prstGeom>
+          <a:noFill/>
+          <a:extLst>
+            <a:ext uri="{909E8E84-426E-40DD-AFC4-6F175D3DCCD1}">
+              <a14:hiddenFill xmlns:a14="http://schemas.microsoft.com/office/drawing/2010/main">
+                <a:solidFill>
+                  <a:srgbClr val="FFFFFF"/>
+                </a:solidFill>
+              </a14:hiddenFill>
+            </a:ext>
+          </a:extLst>
+        </p:spPr>
+        <p:txBody>
+          <a:bodyPr vert="horz" wrap="square" lIns="91440" tIns="45720" rIns="91440" bIns="45720" numCol="1" anchor="t" anchorCtr="0" compatLnSpc="1">
+            <a:prstTxWarp prst="textNoShape">
+              <a:avLst/>
+            </a:prstTxWarp>
+          </a:bodyPr>
+          <a:lstStyle/>
+          <a:p>
+            <a:endParaRPr lang="it-IT"/>
+          </a:p>
+        </p:txBody>
+      </p:sp>
+      <p:sp>
+        <p:nvSpPr>
+          <p:cNvPr id="13" name="Rettangolo 12">
+            <a:extLst>
+              <a:ext uri="{FF2B5EF4-FFF2-40B4-BE49-F238E27FC236}">
+                <a16:creationId xmlns:a16="http://schemas.microsoft.com/office/drawing/2014/main" id="{9E04A8B2-8E32-A486-CAEE-0FC7E7B15AF8}"/>
+              </a:ext>
+            </a:extLst>
+          </p:cNvPr>
+          <p:cNvSpPr/>
+          <p:nvPr/>
+        </p:nvSpPr>
+        <p:spPr>
+          <a:xfrm>
+            <a:off x="5680867" y="2322576"/>
+            <a:ext cx="975965" cy="1009904"/>
+          </a:xfrm>
+          <a:prstGeom prst="rect">
+            <a:avLst/>
+          </a:prstGeom>
+          <a:noFill/>
+          <a:ln w="38100">
+            <a:solidFill>
+              <a:srgbClr val="C00000"/>
+            </a:solidFill>
+          </a:ln>
+        </p:spPr>
+        <p:style>
+          <a:lnRef idx="2">
+            <a:schemeClr val="accent1">
+              <a:shade val="15000"/>
+            </a:schemeClr>
+          </a:lnRef>
+          <a:fillRef idx="1">
+            <a:schemeClr val="accent1"/>
+          </a:fillRef>
+          <a:effectRef idx="0">
+            <a:schemeClr val="accent1"/>
+          </a:effectRef>
+          <a:fontRef idx="minor">
+            <a:schemeClr val="lt1"/>
+          </a:fontRef>
+        </p:style>
+        <p:txBody>
+          <a:bodyPr rtlCol="0" anchor="ctr"/>
+          <a:lstStyle/>
+          <a:p>
+            <a:pPr algn="ctr"/>
+            <a:endParaRPr lang="it-IT"/>
+          </a:p>
+        </p:txBody>
+      </p:sp>
+    </p:spTree>
+    <p:extLst>
+      <p:ext uri="{BB962C8B-B14F-4D97-AF65-F5344CB8AC3E}">
+        <p14:creationId xmlns:p14="http://schemas.microsoft.com/office/powerpoint/2010/main" val="180107327"/>
+      </p:ext>
+    </p:extLst>
+  </p:cSld>
+  <p:clrMapOvr>
+    <a:masterClrMapping/>
+  </p:clrMapOvr>
+  <p:timing>
+    <p:tnLst>
+      <p:par>
+        <p:cTn id="1" dur="indefinite" restart="never" nodeType="tmRoot">
+          <p:childTnLst>
+            <p:seq concurrent="1" nextAc="seek">
+              <p:cTn id="2" dur="indefinite" nodeType="mainSeq">
+                <p:childTnLst>
+                  <p:par>
+                    <p:cTn id="3" fill="hold">
+                      <p:stCondLst>
+                        <p:cond delay="indefinite"/>
+                      </p:stCondLst>
+                      <p:childTnLst>
+                        <p:par>
+                          <p:cTn id="4" fill="hold">
+                            <p:stCondLst>
+                              <p:cond delay="0"/>
+                            </p:stCondLst>
+                            <p:childTnLst>
+                              <p:par>
+                                <p:cTn id="5" presetID="2" presetClass="entr" presetSubtype="4" fill="hold" nodeType="clickEffect">
+                                  <p:stCondLst>
+                                    <p:cond delay="0"/>
+                                  </p:stCondLst>
+                                  <p:childTnLst>
+                                    <p:set>
+                                      <p:cBhvr>
+                                        <p:cTn id="6" dur="1" fill="hold">
+                                          <p:stCondLst>
+                                            <p:cond delay="0"/>
+                                          </p:stCondLst>
+                                        </p:cTn>
+                                        <p:tgtEl>
+                                          <p:spTgt spid="9">
+                                            <p:txEl>
+                                              <p:pRg st="3" end="3"/>
+                                            </p:txEl>
+                                          </p:spTgt>
+                                        </p:tgtEl>
+                                        <p:attrNameLst>
+                                          <p:attrName>style.visibility</p:attrName>
+                                        </p:attrNameLst>
+                                      </p:cBhvr>
+                                      <p:to>
+                                        <p:strVal val="visible"/>
+                                      </p:to>
+                                    </p:set>
+                                    <p:anim calcmode="lin" valueType="num">
+                                      <p:cBhvr additive="base">
+                                        <p:cTn id="7" dur="500" fill="hold"/>
+                                        <p:tgtEl>
+                                          <p:spTgt spid="9">
+                                            <p:txEl>
+                                              <p:pRg st="3" end="3"/>
+                                            </p:txEl>
+                                          </p:spTgt>
+                                        </p:tgtEl>
+                                        <p:attrNameLst>
+                                          <p:attrName>ppt_x</p:attrName>
+                                        </p:attrNameLst>
+                                      </p:cBhvr>
+                                      <p:tavLst>
+                                        <p:tav tm="0">
+                                          <p:val>
+                                            <p:strVal val="#ppt_x"/>
+                                          </p:val>
+                                        </p:tav>
+                                        <p:tav tm="100000">
+                                          <p:val>
+                                            <p:strVal val="#ppt_x"/>
+                                          </p:val>
+                                        </p:tav>
+                                      </p:tavLst>
+                                    </p:anim>
+                                    <p:anim calcmode="lin" valueType="num">
+                                      <p:cBhvr additive="base">
+                                        <p:cTn id="8" dur="500" fill="hold"/>
+                                        <p:tgtEl>
+                                          <p:spTgt spid="9">
+                                            <p:txEl>
+                                              <p:pRg st="3" end="3"/>
+                                            </p:txEl>
+                                          </p:spTgt>
+                                        </p:tgtEl>
+                                        <p:attrNameLst>
+                                          <p:attrName>ppt_y</p:attrName>
+                                        </p:attrNameLst>
+                                      </p:cBhvr>
+                                      <p:tavLst>
+                                        <p:tav tm="0">
+                                          <p:val>
+                                            <p:strVal val="1+#ppt_h/2"/>
+                                          </p:val>
+                                        </p:tav>
+                                        <p:tav tm="100000">
+                                          <p:val>
+                                            <p:strVal val="#ppt_y"/>
+                                          </p:val>
+                                        </p:tav>
+                                      </p:tavLst>
+                                    </p:anim>
+                                  </p:childTnLst>
+                                </p:cTn>
+                              </p:par>
+                              <p:par>
+                                <p:cTn id="9" presetID="2" presetClass="entr" presetSubtype="4" fill="hold" nodeType="withEffect">
+                                  <p:stCondLst>
+                                    <p:cond delay="0"/>
+                                  </p:stCondLst>
+                                  <p:childTnLst>
+                                    <p:set>
+                                      <p:cBhvr>
+                                        <p:cTn id="10" dur="1" fill="hold">
+                                          <p:stCondLst>
+                                            <p:cond delay="0"/>
+                                          </p:stCondLst>
+                                        </p:cTn>
+                                        <p:tgtEl>
+                                          <p:spTgt spid="9">
+                                            <p:txEl>
+                                              <p:pRg st="4" end="4"/>
+                                            </p:txEl>
+                                          </p:spTgt>
+                                        </p:tgtEl>
+                                        <p:attrNameLst>
+                                          <p:attrName>style.visibility</p:attrName>
+                                        </p:attrNameLst>
+                                      </p:cBhvr>
+                                      <p:to>
+                                        <p:strVal val="visible"/>
+                                      </p:to>
+                                    </p:set>
+                                    <p:anim calcmode="lin" valueType="num">
+                                      <p:cBhvr additive="base">
+                                        <p:cTn id="11" dur="500" fill="hold"/>
+                                        <p:tgtEl>
+                                          <p:spTgt spid="9">
+                                            <p:txEl>
+                                              <p:pRg st="4" end="4"/>
+                                            </p:txEl>
+                                          </p:spTgt>
+                                        </p:tgtEl>
+                                        <p:attrNameLst>
+                                          <p:attrName>ppt_x</p:attrName>
+                                        </p:attrNameLst>
+                                      </p:cBhvr>
+                                      <p:tavLst>
+                                        <p:tav tm="0">
+                                          <p:val>
+                                            <p:strVal val="#ppt_x"/>
+                                          </p:val>
+                                        </p:tav>
+                                        <p:tav tm="100000">
+                                          <p:val>
+                                            <p:strVal val="#ppt_x"/>
+                                          </p:val>
+                                        </p:tav>
+                                      </p:tavLst>
+                                    </p:anim>
+                                    <p:anim calcmode="lin" valueType="num">
+                                      <p:cBhvr additive="base">
+                                        <p:cTn id="12" dur="500" fill="hold"/>
+                                        <p:tgtEl>
+                                          <p:spTgt spid="9">
+                                            <p:txEl>
+                                              <p:pRg st="4" end="4"/>
+                                            </p:txEl>
+                                          </p:spTgt>
+                                        </p:tgtEl>
+                                        <p:attrNameLst>
+                                          <p:attrName>ppt_y</p:attrName>
+                                        </p:attrNameLst>
+                                      </p:cBhvr>
+                                      <p:tavLst>
+                                        <p:tav tm="0">
+                                          <p:val>
+                                            <p:strVal val="1+#ppt_h/2"/>
+                                          </p:val>
+                                        </p:tav>
+                                        <p:tav tm="100000">
+                                          <p:val>
+                                            <p:strVal val="#ppt_y"/>
+                                          </p:val>
+                                        </p:tav>
+                                      </p:tavLst>
+                                    </p:anim>
+                                  </p:childTnLst>
+                                </p:cTn>
+                              </p:par>
+                              <p:par>
+                                <p:cTn id="13" presetID="10" presetClass="exit" presetSubtype="0" fill="hold" nodeType="withEffect">
+                                  <p:stCondLst>
+                                    <p:cond delay="0"/>
+                                  </p:stCondLst>
+                                  <p:childTnLst>
+                                    <p:animEffect transition="out" filter="fade">
+                                      <p:cBhvr>
+                                        <p:cTn id="14" dur="500"/>
+                                        <p:tgtEl>
+                                          <p:spTgt spid="11"/>
+                                        </p:tgtEl>
+                                      </p:cBhvr>
+                                    </p:animEffect>
+                                    <p:set>
+                                      <p:cBhvr>
+                                        <p:cTn id="15" dur="1" fill="hold">
+                                          <p:stCondLst>
+                                            <p:cond delay="499"/>
+                                          </p:stCondLst>
+                                        </p:cTn>
+                                        <p:tgtEl>
+                                          <p:spTgt spid="11"/>
+                                        </p:tgtEl>
+                                        <p:attrNameLst>
+                                          <p:attrName>style.visibility</p:attrName>
+                                        </p:attrNameLst>
+                                      </p:cBhvr>
+                                      <p:to>
+                                        <p:strVal val="hidden"/>
+                                      </p:to>
+                                    </p:set>
+                                  </p:childTnLst>
+                                </p:cTn>
+                              </p:par>
+                            </p:childTnLst>
+                          </p:cTn>
+                        </p:par>
+                        <p:par>
+                          <p:cTn id="16" fill="hold">
+                            <p:stCondLst>
+                              <p:cond delay="500"/>
+                            </p:stCondLst>
+                            <p:childTnLst>
+                              <p:par>
+                                <p:cTn id="17" presetID="6" presetClass="entr" presetSubtype="32" fill="hold" nodeType="afterEffect">
+                                  <p:stCondLst>
+                                    <p:cond delay="0"/>
+                                  </p:stCondLst>
+                                  <p:childTnLst>
+                                    <p:set>
+                                      <p:cBhvr>
+                                        <p:cTn id="18" dur="1" fill="hold">
+                                          <p:stCondLst>
+                                            <p:cond delay="0"/>
+                                          </p:stCondLst>
+                                        </p:cTn>
+                                        <p:tgtEl>
+                                          <p:spTgt spid="5"/>
+                                        </p:tgtEl>
+                                        <p:attrNameLst>
+                                          <p:attrName>style.visibility</p:attrName>
+                                        </p:attrNameLst>
+                                      </p:cBhvr>
+                                      <p:to>
+                                        <p:strVal val="visible"/>
+                                      </p:to>
+                                    </p:set>
+                                    <p:animEffect transition="in" filter="circle(out)">
+                                      <p:cBhvr>
+                                        <p:cTn id="19" dur="500"/>
+                                        <p:tgtEl>
+                                          <p:spTgt spid="5"/>
+                                        </p:tgtEl>
+                                      </p:cBhvr>
+                                    </p:animEffect>
+                                  </p:childTnLst>
+                                </p:cTn>
+                              </p:par>
+                              <p:par>
+                                <p:cTn id="20" presetID="6" presetClass="entr" presetSubtype="32" fill="hold" nodeType="withEffect">
+                                  <p:stCondLst>
+                                    <p:cond delay="0"/>
+                                  </p:stCondLst>
+                                  <p:childTnLst>
+                                    <p:set>
+                                      <p:cBhvr>
+                                        <p:cTn id="21" dur="1" fill="hold">
+                                          <p:stCondLst>
+                                            <p:cond delay="0"/>
+                                          </p:stCondLst>
+                                        </p:cTn>
+                                        <p:tgtEl>
+                                          <p:spTgt spid="10"/>
+                                        </p:tgtEl>
+                                        <p:attrNameLst>
+                                          <p:attrName>style.visibility</p:attrName>
+                                        </p:attrNameLst>
+                                      </p:cBhvr>
+                                      <p:to>
+                                        <p:strVal val="visible"/>
+                                      </p:to>
+                                    </p:set>
+                                    <p:animEffect transition="in" filter="circle(out)">
+                                      <p:cBhvr>
+                                        <p:cTn id="22" dur="500"/>
+                                        <p:tgtEl>
+                                          <p:spTgt spid="10"/>
+                                        </p:tgtEl>
+                                      </p:cBhvr>
+                                    </p:animEffect>
+                                  </p:childTnLst>
+                                </p:cTn>
+                              </p:par>
+                            </p:childTnLst>
+                          </p:cTn>
+                        </p:par>
+                      </p:childTnLst>
+                    </p:cTn>
+                  </p:par>
+                  <p:par>
+                    <p:cTn id="23" fill="hold">
+                      <p:stCondLst>
+                        <p:cond delay="indefinite"/>
+                      </p:stCondLst>
+                      <p:childTnLst>
+                        <p:par>
+                          <p:cTn id="24" fill="hold">
+                            <p:stCondLst>
+                              <p:cond delay="0"/>
+                            </p:stCondLst>
+                            <p:childTnLst>
+                              <p:par>
+                                <p:cTn id="25" presetID="2" presetClass="entr" presetSubtype="4" fill="hold" nodeType="clickEffect">
+                                  <p:stCondLst>
+                                    <p:cond delay="0"/>
+                                  </p:stCondLst>
+                                  <p:childTnLst>
+                                    <p:set>
+                                      <p:cBhvr>
+                                        <p:cTn id="26" dur="1" fill="hold">
+                                          <p:stCondLst>
+                                            <p:cond delay="0"/>
+                                          </p:stCondLst>
+                                        </p:cTn>
+                                        <p:tgtEl>
+                                          <p:spTgt spid="9">
+                                            <p:txEl>
+                                              <p:pRg st="5" end="5"/>
+                                            </p:txEl>
+                                          </p:spTgt>
+                                        </p:tgtEl>
+                                        <p:attrNameLst>
+                                          <p:attrName>style.visibility</p:attrName>
+                                        </p:attrNameLst>
+                                      </p:cBhvr>
+                                      <p:to>
+                                        <p:strVal val="visible"/>
+                                      </p:to>
+                                    </p:set>
+                                    <p:anim calcmode="lin" valueType="num">
+                                      <p:cBhvr additive="base">
+                                        <p:cTn id="27" dur="500" fill="hold"/>
+                                        <p:tgtEl>
+                                          <p:spTgt spid="9">
+                                            <p:txEl>
+                                              <p:pRg st="5" end="5"/>
+                                            </p:txEl>
+                                          </p:spTgt>
+                                        </p:tgtEl>
+                                        <p:attrNameLst>
+                                          <p:attrName>ppt_x</p:attrName>
+                                        </p:attrNameLst>
+                                      </p:cBhvr>
+                                      <p:tavLst>
+                                        <p:tav tm="0">
+                                          <p:val>
+                                            <p:strVal val="#ppt_x"/>
+                                          </p:val>
+                                        </p:tav>
+                                        <p:tav tm="100000">
+                                          <p:val>
+                                            <p:strVal val="#ppt_x"/>
+                                          </p:val>
+                                        </p:tav>
+                                      </p:tavLst>
+                                    </p:anim>
+                                    <p:anim calcmode="lin" valueType="num">
+                                      <p:cBhvr additive="base">
+                                        <p:cTn id="28" dur="500" fill="hold"/>
+                                        <p:tgtEl>
+                                          <p:spTgt spid="9">
+                                            <p:txEl>
+                                              <p:pRg st="5" end="5"/>
+                                            </p:txEl>
+                                          </p:spTgt>
+                                        </p:tgtEl>
+                                        <p:attrNameLst>
+                                          <p:attrName>ppt_y</p:attrName>
+                                        </p:attrNameLst>
+                                      </p:cBhvr>
+                                      <p:tavLst>
+                                        <p:tav tm="0">
+                                          <p:val>
+                                            <p:strVal val="1+#ppt_h/2"/>
+                                          </p:val>
+                                        </p:tav>
+                                        <p:tav tm="100000">
+                                          <p:val>
+                                            <p:strVal val="#ppt_y"/>
+                                          </p:val>
+                                        </p:tav>
+                                      </p:tavLst>
+                                    </p:anim>
+                                  </p:childTnLst>
+                                </p:cTn>
+                              </p:par>
+                              <p:par>
+                                <p:cTn id="29" presetID="10" presetClass="exit" presetSubtype="0" fill="hold" nodeType="withEffect">
+                                  <p:stCondLst>
+                                    <p:cond delay="0"/>
+                                  </p:stCondLst>
+                                  <p:childTnLst>
+                                    <p:animEffect transition="out" filter="fade">
+                                      <p:cBhvr>
+                                        <p:cTn id="30" dur="500"/>
+                                        <p:tgtEl>
+                                          <p:spTgt spid="5"/>
+                                        </p:tgtEl>
+                                      </p:cBhvr>
+                                    </p:animEffect>
+                                    <p:set>
+                                      <p:cBhvr>
+                                        <p:cTn id="31" dur="1" fill="hold">
+                                          <p:stCondLst>
+                                            <p:cond delay="499"/>
+                                          </p:stCondLst>
+                                        </p:cTn>
+                                        <p:tgtEl>
+                                          <p:spTgt spid="5"/>
+                                        </p:tgtEl>
+                                        <p:attrNameLst>
+                                          <p:attrName>style.visibility</p:attrName>
+                                        </p:attrNameLst>
+                                      </p:cBhvr>
+                                      <p:to>
+                                        <p:strVal val="hidden"/>
+                                      </p:to>
+                                    </p:set>
+                                  </p:childTnLst>
+                                </p:cTn>
+                              </p:par>
+                              <p:par>
+                                <p:cTn id="32" presetID="10" presetClass="exit" presetSubtype="0" fill="hold" nodeType="withEffect">
+                                  <p:stCondLst>
+                                    <p:cond delay="0"/>
+                                  </p:stCondLst>
+                                  <p:childTnLst>
+                                    <p:animEffect transition="out" filter="fade">
+                                      <p:cBhvr>
+                                        <p:cTn id="33" dur="500"/>
+                                        <p:tgtEl>
+                                          <p:spTgt spid="10"/>
+                                        </p:tgtEl>
+                                      </p:cBhvr>
+                                    </p:animEffect>
+                                    <p:set>
+                                      <p:cBhvr>
+                                        <p:cTn id="34" dur="1" fill="hold">
+                                          <p:stCondLst>
+                                            <p:cond delay="499"/>
+                                          </p:stCondLst>
+                                        </p:cTn>
+                                        <p:tgtEl>
+                                          <p:spTgt spid="10"/>
+                                        </p:tgtEl>
+                                        <p:attrNameLst>
+                                          <p:attrName>style.visibility</p:attrName>
+                                        </p:attrNameLst>
+                                      </p:cBhvr>
+                                      <p:to>
+                                        <p:strVal val="hidden"/>
+                                      </p:to>
+                                    </p:set>
+                                  </p:childTnLst>
+                                </p:cTn>
+                              </p:par>
+                            </p:childTnLst>
+                          </p:cTn>
+                        </p:par>
+                        <p:par>
+                          <p:cTn id="35" fill="hold">
+                            <p:stCondLst>
+                              <p:cond delay="500"/>
+                            </p:stCondLst>
+                            <p:childTnLst>
+                              <p:par>
+                                <p:cTn id="36" presetID="6" presetClass="entr" presetSubtype="32" fill="hold" nodeType="afterEffect">
+                                  <p:stCondLst>
+                                    <p:cond delay="0"/>
+                                  </p:stCondLst>
+                                  <p:childTnLst>
+                                    <p:set>
+                                      <p:cBhvr>
+                                        <p:cTn id="37" dur="1" fill="hold">
+                                          <p:stCondLst>
+                                            <p:cond delay="0"/>
+                                          </p:stCondLst>
+                                        </p:cTn>
+                                        <p:tgtEl>
+                                          <p:spTgt spid="6"/>
+                                        </p:tgtEl>
+                                        <p:attrNameLst>
+                                          <p:attrName>style.visibility</p:attrName>
+                                        </p:attrNameLst>
+                                      </p:cBhvr>
+                                      <p:to>
+                                        <p:strVal val="visible"/>
+                                      </p:to>
+                                    </p:set>
+                                    <p:animEffect transition="in" filter="circle(out)">
+                                      <p:cBhvr>
+                                        <p:cTn id="38" dur="500"/>
+                                        <p:tgtEl>
+                                          <p:spTgt spid="6"/>
+                                        </p:tgtEl>
+                                      </p:cBhvr>
+                                    </p:animEffect>
+                                  </p:childTnLst>
+                                </p:cTn>
+                              </p:par>
+                            </p:childTnLst>
+                          </p:cTn>
+                        </p:par>
+                      </p:childTnLst>
+                    </p:cTn>
+                  </p:par>
+                  <p:par>
+                    <p:cTn id="39" fill="hold">
+                      <p:stCondLst>
+                        <p:cond delay="indefinite"/>
+                      </p:stCondLst>
+                      <p:childTnLst>
+                        <p:par>
+                          <p:cTn id="40" fill="hold">
+                            <p:stCondLst>
+                              <p:cond delay="0"/>
+                            </p:stCondLst>
+                            <p:childTnLst>
+                              <p:par>
+                                <p:cTn id="41" presetID="2" presetClass="entr" presetSubtype="4" fill="hold" nodeType="clickEffect">
+                                  <p:stCondLst>
+                                    <p:cond delay="0"/>
+                                  </p:stCondLst>
+                                  <p:childTnLst>
+                                    <p:set>
+                                      <p:cBhvr>
+                                        <p:cTn id="42" dur="1" fill="hold">
+                                          <p:stCondLst>
+                                            <p:cond delay="0"/>
+                                          </p:stCondLst>
+                                        </p:cTn>
+                                        <p:tgtEl>
+                                          <p:spTgt spid="9">
+                                            <p:txEl>
+                                              <p:pRg st="6" end="6"/>
+                                            </p:txEl>
+                                          </p:spTgt>
+                                        </p:tgtEl>
+                                        <p:attrNameLst>
+                                          <p:attrName>style.visibility</p:attrName>
+                                        </p:attrNameLst>
+                                      </p:cBhvr>
+                                      <p:to>
+                                        <p:strVal val="visible"/>
+                                      </p:to>
+                                    </p:set>
+                                    <p:anim calcmode="lin" valueType="num">
+                                      <p:cBhvr additive="base">
+                                        <p:cTn id="43" dur="500" fill="hold"/>
+                                        <p:tgtEl>
+                                          <p:spTgt spid="9">
+                                            <p:txEl>
+                                              <p:pRg st="6" end="6"/>
+                                            </p:txEl>
+                                          </p:spTgt>
+                                        </p:tgtEl>
+                                        <p:attrNameLst>
+                                          <p:attrName>ppt_x</p:attrName>
+                                        </p:attrNameLst>
+                                      </p:cBhvr>
+                                      <p:tavLst>
+                                        <p:tav tm="0">
+                                          <p:val>
+                                            <p:strVal val="#ppt_x"/>
+                                          </p:val>
+                                        </p:tav>
+                                        <p:tav tm="100000">
+                                          <p:val>
+                                            <p:strVal val="#ppt_x"/>
+                                          </p:val>
+                                        </p:tav>
+                                      </p:tavLst>
+                                    </p:anim>
+                                    <p:anim calcmode="lin" valueType="num">
+                                      <p:cBhvr additive="base">
+                                        <p:cTn id="44" dur="500" fill="hold"/>
+                                        <p:tgtEl>
+                                          <p:spTgt spid="9">
+                                            <p:txEl>
+                                              <p:pRg st="6" end="6"/>
+                                            </p:txEl>
+                                          </p:spTgt>
+                                        </p:tgtEl>
+                                        <p:attrNameLst>
+                                          <p:attrName>ppt_y</p:attrName>
+                                        </p:attrNameLst>
+                                      </p:cBhvr>
+                                      <p:tavLst>
+                                        <p:tav tm="0">
+                                          <p:val>
+                                            <p:strVal val="1+#ppt_h/2"/>
+                                          </p:val>
+                                        </p:tav>
+                                        <p:tav tm="100000">
+                                          <p:val>
+                                            <p:strVal val="#ppt_y"/>
+                                          </p:val>
+                                        </p:tav>
+                                      </p:tavLst>
+                                    </p:anim>
+                                  </p:childTnLst>
+                                </p:cTn>
+                              </p:par>
+                              <p:par>
+                                <p:cTn id="45" presetID="6" presetClass="entr" presetSubtype="32" fill="hold" grpId="0" nodeType="withEffect">
+                                  <p:stCondLst>
+                                    <p:cond delay="0"/>
+                                  </p:stCondLst>
+                                  <p:childTnLst>
+                                    <p:set>
+                                      <p:cBhvr>
+                                        <p:cTn id="46" dur="1" fill="hold">
+                                          <p:stCondLst>
+                                            <p:cond delay="0"/>
+                                          </p:stCondLst>
+                                        </p:cTn>
+                                        <p:tgtEl>
+                                          <p:spTgt spid="13"/>
+                                        </p:tgtEl>
+                                        <p:attrNameLst>
+                                          <p:attrName>style.visibility</p:attrName>
+                                        </p:attrNameLst>
+                                      </p:cBhvr>
+                                      <p:to>
+                                        <p:strVal val="visible"/>
+                                      </p:to>
+                                    </p:set>
+                                    <p:animEffect transition="in" filter="circle(out)">
+                                      <p:cBhvr>
+                                        <p:cTn id="47" dur="500"/>
+                                        <p:tgtEl>
+                                          <p:spTgt spid="13"/>
+                                        </p:tgtEl>
+                                      </p:cBhvr>
+                                    </p:animEffect>
+                                  </p:childTnLst>
+                                </p:cTn>
+                              </p:par>
+                            </p:childTnLst>
+                          </p:cTn>
+                        </p:par>
+                      </p:childTnLst>
+                    </p:cTn>
+                  </p:par>
+                  <p:par>
+                    <p:cTn id="48" fill="hold">
+                      <p:stCondLst>
+                        <p:cond delay="indefinite"/>
+                      </p:stCondLst>
+                      <p:childTnLst>
+                        <p:par>
+                          <p:cTn id="49" fill="hold">
+                            <p:stCondLst>
+                              <p:cond delay="0"/>
+                            </p:stCondLst>
+                            <p:childTnLst>
+                              <p:par>
+                                <p:cTn id="50" presetID="2" presetClass="entr" presetSubtype="4" fill="hold" nodeType="clickEffect">
+                                  <p:stCondLst>
+                                    <p:cond delay="0"/>
+                                  </p:stCondLst>
+                                  <p:childTnLst>
+                                    <p:set>
+                                      <p:cBhvr>
+                                        <p:cTn id="51" dur="1" fill="hold">
+                                          <p:stCondLst>
+                                            <p:cond delay="0"/>
+                                          </p:stCondLst>
+                                        </p:cTn>
+                                        <p:tgtEl>
+                                          <p:spTgt spid="9">
+                                            <p:txEl>
+                                              <p:pRg st="7" end="7"/>
+                                            </p:txEl>
+                                          </p:spTgt>
+                                        </p:tgtEl>
+                                        <p:attrNameLst>
+                                          <p:attrName>style.visibility</p:attrName>
+                                        </p:attrNameLst>
+                                      </p:cBhvr>
+                                      <p:to>
+                                        <p:strVal val="visible"/>
+                                      </p:to>
+                                    </p:set>
+                                    <p:anim calcmode="lin" valueType="num">
+                                      <p:cBhvr additive="base">
+                                        <p:cTn id="52" dur="500" fill="hold"/>
+                                        <p:tgtEl>
+                                          <p:spTgt spid="9">
+                                            <p:txEl>
+                                              <p:pRg st="7" end="7"/>
+                                            </p:txEl>
+                                          </p:spTgt>
+                                        </p:tgtEl>
+                                        <p:attrNameLst>
+                                          <p:attrName>ppt_x</p:attrName>
+                                        </p:attrNameLst>
+                                      </p:cBhvr>
+                                      <p:tavLst>
+                                        <p:tav tm="0">
+                                          <p:val>
+                                            <p:strVal val="#ppt_x"/>
+                                          </p:val>
+                                        </p:tav>
+                                        <p:tav tm="100000">
+                                          <p:val>
+                                            <p:strVal val="#ppt_x"/>
+                                          </p:val>
+                                        </p:tav>
+                                      </p:tavLst>
+                                    </p:anim>
+                                    <p:anim calcmode="lin" valueType="num">
+                                      <p:cBhvr additive="base">
+                                        <p:cTn id="53" dur="500" fill="hold"/>
+                                        <p:tgtEl>
+                                          <p:spTgt spid="9">
+                                            <p:txEl>
+                                              <p:pRg st="7" end="7"/>
+                                            </p:txEl>
+                                          </p:spTgt>
+                                        </p:tgtEl>
+                                        <p:attrNameLst>
+                                          <p:attrName>ppt_y</p:attrName>
+                                        </p:attrNameLst>
+                                      </p:cBhvr>
+                                      <p:tavLst>
+                                        <p:tav tm="0">
+                                          <p:val>
+                                            <p:strVal val="1+#ppt_h/2"/>
+                                          </p:val>
+                                        </p:tav>
+                                        <p:tav tm="100000">
+                                          <p:val>
+                                            <p:strVal val="#ppt_y"/>
+                                          </p:val>
+                                        </p:tav>
+                                      </p:tavLst>
+                                    </p:anim>
+                                  </p:childTnLst>
+                                </p:cTn>
+                              </p:par>
+                            </p:childTnLst>
+                          </p:cTn>
+                        </p:par>
+                      </p:childTnLst>
+                    </p:cTn>
+                  </p:par>
+                </p:childTnLst>
+              </p:cTn>
+              <p:prevCondLst>
+                <p:cond evt="onPrev" delay="0">
+                  <p:tgtEl>
+                    <p:sldTgt/>
+                  </p:tgtEl>
+                </p:cond>
+              </p:prevCondLst>
+              <p:nextCondLst>
+                <p:cond evt="onNext" delay="0">
+                  <p:tgtEl>
+                    <p:sldTgt/>
+                  </p:tgtEl>
+                </p:cond>
+              </p:nextCondLst>
+            </p:seq>
+          </p:childTnLst>
+        </p:cTn>
+      </p:par>
+    </p:tnLst>
+    <p:bldLst>
+      <p:bldP spid="13" grpId="0" animBg="1"/>
+    </p:bldLst>
+  </p:timing>
 </p:sld>
 </file>
 
@@ -18161,6 +21202,2877 @@
   <p:clrMapOvr>
     <a:masterClrMapping/>
   </p:clrMapOvr>
+</p:sld>
+</file>
+
+<file path=ppt/slides/slide30.xml><?xml version="1.0" encoding="utf-8"?>
+<p:sld xmlns:a="http://schemas.openxmlformats.org/drawingml/2006/main" xmlns:r="http://schemas.openxmlformats.org/officeDocument/2006/relationships" xmlns:p="http://schemas.openxmlformats.org/presentationml/2006/main">
+  <p:cSld>
+    <p:spTree>
+      <p:nvGrpSpPr>
+        <p:cNvPr id="1" name="">
+          <a:extLst>
+            <a:ext uri="{FF2B5EF4-FFF2-40B4-BE49-F238E27FC236}">
+              <a16:creationId xmlns:a16="http://schemas.microsoft.com/office/drawing/2014/main" id="{AF4FA5D9-8833-B744-0F01-BE1BBD128E1B}"/>
+            </a:ext>
+          </a:extLst>
+        </p:cNvPr>
+        <p:cNvGrpSpPr/>
+        <p:nvPr/>
+      </p:nvGrpSpPr>
+      <p:grpSpPr>
+        <a:xfrm>
+          <a:off x="0" y="0"/>
+          <a:ext cx="0" cy="0"/>
+          <a:chOff x="0" y="0"/>
+          <a:chExt cx="0" cy="0"/>
+        </a:xfrm>
+      </p:grpSpPr>
+      <p:sp>
+        <p:nvSpPr>
+          <p:cNvPr id="2" name="Titolo 1">
+            <a:extLst>
+              <a:ext uri="{FF2B5EF4-FFF2-40B4-BE49-F238E27FC236}">
+                <a16:creationId xmlns:a16="http://schemas.microsoft.com/office/drawing/2014/main" id="{6338A356-FF2F-6D29-6F7E-9F5681C2CD19}"/>
+              </a:ext>
+            </a:extLst>
+          </p:cNvPr>
+          <p:cNvSpPr>
+            <a:spLocks noGrp="1"/>
+          </p:cNvSpPr>
+          <p:nvPr>
+            <p:ph type="title"/>
+          </p:nvPr>
+        </p:nvSpPr>
+        <p:spPr>
+          <a:xfrm>
+            <a:off x="838200" y="209292"/>
+            <a:ext cx="9905460" cy="971551"/>
+          </a:xfrm>
+        </p:spPr>
+        <p:txBody>
+          <a:bodyPr>
+            <a:normAutofit/>
+          </a:bodyPr>
+          <a:lstStyle/>
+          <a:p>
+            <a:r>
+              <a:rPr lang="en-US" sz="3600" dirty="0"/>
+              <a:t>Appendix 2: what if subject 2 is left out?</a:t>
+            </a:r>
+          </a:p>
+        </p:txBody>
+      </p:sp>
+      <p:sp>
+        <p:nvSpPr>
+          <p:cNvPr id="4" name="Segnaposto numero diapositiva 3">
+            <a:extLst>
+              <a:ext uri="{FF2B5EF4-FFF2-40B4-BE49-F238E27FC236}">
+                <a16:creationId xmlns:a16="http://schemas.microsoft.com/office/drawing/2014/main" id="{7A94120B-9669-B1EB-F411-8357711A26E9}"/>
+              </a:ext>
+            </a:extLst>
+          </p:cNvPr>
+          <p:cNvSpPr>
+            <a:spLocks noGrp="1"/>
+          </p:cNvSpPr>
+          <p:nvPr>
+            <p:ph type="sldNum" sz="quarter" idx="12"/>
+          </p:nvPr>
+        </p:nvSpPr>
+        <p:spPr/>
+        <p:txBody>
+          <a:bodyPr/>
+          <a:lstStyle/>
+          <a:p>
+            <a:fld id="{2FA0223F-D95A-431D-9A71-EDA7FA0C2F5B}" type="slidenum">
+              <a:rPr lang="en-US" smtClean="0"/>
+              <a:t>30</a:t>
+            </a:fld>
+            <a:endParaRPr lang="en-US"/>
+          </a:p>
+        </p:txBody>
+      </p:sp>
+      <p:sp>
+        <p:nvSpPr>
+          <p:cNvPr id="27" name="Rettangolo 26">
+            <a:extLst>
+              <a:ext uri="{FF2B5EF4-FFF2-40B4-BE49-F238E27FC236}">
+                <a16:creationId xmlns:a16="http://schemas.microsoft.com/office/drawing/2014/main" id="{F3E13CEB-C456-C6E3-02EB-6DF965C8947A}"/>
+              </a:ext>
+            </a:extLst>
+          </p:cNvPr>
+          <p:cNvSpPr/>
+          <p:nvPr/>
+        </p:nvSpPr>
+        <p:spPr>
+          <a:xfrm>
+            <a:off x="6723157" y="1812745"/>
+            <a:ext cx="206547" cy="168094"/>
+          </a:xfrm>
+          <a:prstGeom prst="rect">
+            <a:avLst/>
+          </a:prstGeom>
+          <a:solidFill>
+            <a:schemeClr val="bg1"/>
+          </a:solidFill>
+          <a:ln>
+            <a:solidFill>
+              <a:schemeClr val="bg1"/>
+            </a:solidFill>
+          </a:ln>
+        </p:spPr>
+        <p:style>
+          <a:lnRef idx="2">
+            <a:schemeClr val="accent1">
+              <a:shade val="15000"/>
+            </a:schemeClr>
+          </a:lnRef>
+          <a:fillRef idx="1">
+            <a:schemeClr val="accent1"/>
+          </a:fillRef>
+          <a:effectRef idx="0">
+            <a:schemeClr val="accent1"/>
+          </a:effectRef>
+          <a:fontRef idx="minor">
+            <a:schemeClr val="lt1"/>
+          </a:fontRef>
+        </p:style>
+        <p:txBody>
+          <a:bodyPr rtlCol="0" anchor="ctr"/>
+          <a:lstStyle/>
+          <a:p>
+            <a:pPr algn="ctr"/>
+            <a:endParaRPr lang="it-IT"/>
+          </a:p>
+        </p:txBody>
+      </p:sp>
+      <p:sp>
+        <p:nvSpPr>
+          <p:cNvPr id="7" name="AutoShape 2">
+            <a:extLst>
+              <a:ext uri="{FF2B5EF4-FFF2-40B4-BE49-F238E27FC236}">
+                <a16:creationId xmlns:a16="http://schemas.microsoft.com/office/drawing/2014/main" id="{827F740D-183C-3256-809F-27EC846C740F}"/>
+              </a:ext>
+            </a:extLst>
+          </p:cNvPr>
+          <p:cNvSpPr>
+            <a:spLocks noChangeAspect="1" noChangeArrowheads="1"/>
+          </p:cNvSpPr>
+          <p:nvPr/>
+        </p:nvSpPr>
+        <p:spPr bwMode="auto">
+          <a:xfrm>
+            <a:off x="5943600" y="3276600"/>
+            <a:ext cx="304800" cy="304800"/>
+          </a:xfrm>
+          <a:prstGeom prst="rect">
+            <a:avLst/>
+          </a:prstGeom>
+          <a:noFill/>
+          <a:extLst>
+            <a:ext uri="{909E8E84-426E-40DD-AFC4-6F175D3DCCD1}">
+              <a14:hiddenFill xmlns:a14="http://schemas.microsoft.com/office/drawing/2010/main">
+                <a:solidFill>
+                  <a:srgbClr val="FFFFFF"/>
+                </a:solidFill>
+              </a14:hiddenFill>
+            </a:ext>
+          </a:extLst>
+        </p:spPr>
+        <p:txBody>
+          <a:bodyPr vert="horz" wrap="square" lIns="91440" tIns="45720" rIns="91440" bIns="45720" numCol="1" anchor="t" anchorCtr="0" compatLnSpc="1">
+            <a:prstTxWarp prst="textNoShape">
+              <a:avLst/>
+            </a:prstTxWarp>
+          </a:bodyPr>
+          <a:lstStyle/>
+          <a:p>
+            <a:endParaRPr lang="it-IT"/>
+          </a:p>
+        </p:txBody>
+      </p:sp>
+      <p:pic>
+        <p:nvPicPr>
+          <p:cNvPr id="16" name="Immagine 15" descr="Immagine che contiene linea, diagramma, Parallelo, Diagramma&#10;&#10;Descrizione generata automaticamente">
+            <a:extLst>
+              <a:ext uri="{FF2B5EF4-FFF2-40B4-BE49-F238E27FC236}">
+                <a16:creationId xmlns:a16="http://schemas.microsoft.com/office/drawing/2014/main" id="{2E2777E6-8DCE-ADC6-2CF7-396FC9361CAC}"/>
+              </a:ext>
+            </a:extLst>
+          </p:cNvPr>
+          <p:cNvPicPr>
+            <a:picLocks noChangeAspect="1"/>
+          </p:cNvPicPr>
+          <p:nvPr/>
+        </p:nvPicPr>
+        <p:blipFill>
+          <a:blip r:embed="rId3">
+            <a:extLst>
+              <a:ext uri="{28A0092B-C50C-407E-A947-70E740481C1C}">
+                <a14:useLocalDpi xmlns:a14="http://schemas.microsoft.com/office/drawing/2010/main" val="0"/>
+              </a:ext>
+            </a:extLst>
+          </a:blip>
+          <a:srcRect l="9600" t="4562" r="8199" b="5438"/>
+          <a:stretch/>
+        </p:blipFill>
+        <p:spPr>
+          <a:xfrm>
+            <a:off x="5066446" y="1680986"/>
+            <a:ext cx="6762509" cy="3800827"/>
+          </a:xfrm>
+          <a:prstGeom prst="rect">
+            <a:avLst/>
+          </a:prstGeom>
+        </p:spPr>
+      </p:pic>
+      <p:sp>
+        <p:nvSpPr>
+          <p:cNvPr id="15" name="Segnaposto contenuto 2">
+            <a:extLst>
+              <a:ext uri="{FF2B5EF4-FFF2-40B4-BE49-F238E27FC236}">
+                <a16:creationId xmlns:a16="http://schemas.microsoft.com/office/drawing/2014/main" id="{73077180-3631-9F2F-E915-76248D2AE42C}"/>
+              </a:ext>
+            </a:extLst>
+          </p:cNvPr>
+          <p:cNvSpPr txBox="1">
+            <a:spLocks/>
+          </p:cNvSpPr>
+          <p:nvPr/>
+        </p:nvSpPr>
+        <p:spPr>
+          <a:xfrm>
+            <a:off x="309129" y="1504120"/>
+            <a:ext cx="3650223" cy="4154560"/>
+          </a:xfrm>
+          <a:prstGeom prst="rect">
+            <a:avLst/>
+          </a:prstGeom>
+        </p:spPr>
+        <p:txBody>
+          <a:bodyPr vert="horz" lIns="91440" tIns="45720" rIns="91440" bIns="45720" rtlCol="0">
+            <a:noAutofit/>
+          </a:bodyPr>
+          <a:lstStyle>
+            <a:lvl1pPr marL="228600" indent="-228600" algn="l" defTabSz="914400" rtl="0" eaLnBrk="1" latinLnBrk="0" hangingPunct="1">
+              <a:lnSpc>
+                <a:spcPct val="90000"/>
+              </a:lnSpc>
+              <a:spcBef>
+                <a:spcPts val="1000"/>
+              </a:spcBef>
+              <a:buFont typeface="Arial" panose="020B0604020202020204" pitchFamily="34" charset="0"/>
+              <a:buChar char="•"/>
+              <a:defRPr sz="2800" kern="1200">
+                <a:solidFill>
+                  <a:schemeClr val="tx1"/>
+                </a:solidFill>
+                <a:latin typeface="+mn-lt"/>
+                <a:ea typeface="+mn-ea"/>
+                <a:cs typeface="+mn-cs"/>
+              </a:defRPr>
+            </a:lvl1pPr>
+            <a:lvl2pPr marL="685800" indent="-228600" algn="l" defTabSz="914400" rtl="0" eaLnBrk="1" latinLnBrk="0" hangingPunct="1">
+              <a:lnSpc>
+                <a:spcPct val="90000"/>
+              </a:lnSpc>
+              <a:spcBef>
+                <a:spcPts val="500"/>
+              </a:spcBef>
+              <a:buFont typeface="Arial" panose="020B0604020202020204" pitchFamily="34" charset="0"/>
+              <a:buChar char="•"/>
+              <a:defRPr sz="2400" kern="1200">
+                <a:solidFill>
+                  <a:schemeClr val="tx1"/>
+                </a:solidFill>
+                <a:latin typeface="+mn-lt"/>
+                <a:ea typeface="+mn-ea"/>
+                <a:cs typeface="+mn-cs"/>
+              </a:defRPr>
+            </a:lvl2pPr>
+            <a:lvl3pPr marL="1143000" indent="-228600" algn="l" defTabSz="914400" rtl="0" eaLnBrk="1" latinLnBrk="0" hangingPunct="1">
+              <a:lnSpc>
+                <a:spcPct val="90000"/>
+              </a:lnSpc>
+              <a:spcBef>
+                <a:spcPts val="500"/>
+              </a:spcBef>
+              <a:buFont typeface="Arial" panose="020B0604020202020204" pitchFamily="34" charset="0"/>
+              <a:buChar char="•"/>
+              <a:defRPr sz="2000" kern="1200">
+                <a:solidFill>
+                  <a:schemeClr val="tx1"/>
+                </a:solidFill>
+                <a:latin typeface="+mn-lt"/>
+                <a:ea typeface="+mn-ea"/>
+                <a:cs typeface="+mn-cs"/>
+              </a:defRPr>
+            </a:lvl3pPr>
+            <a:lvl4pPr marL="1600200" indent="-228600" algn="l" defTabSz="914400" rtl="0" eaLnBrk="1" latinLnBrk="0" hangingPunct="1">
+              <a:lnSpc>
+                <a:spcPct val="90000"/>
+              </a:lnSpc>
+              <a:spcBef>
+                <a:spcPts val="500"/>
+              </a:spcBef>
+              <a:buFont typeface="Arial" panose="020B0604020202020204" pitchFamily="34" charset="0"/>
+              <a:buChar char="•"/>
+              <a:defRPr sz="1800" kern="1200">
+                <a:solidFill>
+                  <a:schemeClr val="tx1"/>
+                </a:solidFill>
+                <a:latin typeface="+mn-lt"/>
+                <a:ea typeface="+mn-ea"/>
+                <a:cs typeface="+mn-cs"/>
+              </a:defRPr>
+            </a:lvl4pPr>
+            <a:lvl5pPr marL="2057400" indent="-228600" algn="l" defTabSz="914400" rtl="0" eaLnBrk="1" latinLnBrk="0" hangingPunct="1">
+              <a:lnSpc>
+                <a:spcPct val="90000"/>
+              </a:lnSpc>
+              <a:spcBef>
+                <a:spcPts val="500"/>
+              </a:spcBef>
+              <a:buFont typeface="Arial" panose="020B0604020202020204" pitchFamily="34" charset="0"/>
+              <a:buChar char="•"/>
+              <a:defRPr sz="1800" kern="1200">
+                <a:solidFill>
+                  <a:schemeClr val="tx1"/>
+                </a:solidFill>
+                <a:latin typeface="+mn-lt"/>
+                <a:ea typeface="+mn-ea"/>
+                <a:cs typeface="+mn-cs"/>
+              </a:defRPr>
+            </a:lvl5pPr>
+            <a:lvl6pPr marL="2514600" indent="-228600" algn="l" defTabSz="914400" rtl="0" eaLnBrk="1" latinLnBrk="0" hangingPunct="1">
+              <a:lnSpc>
+                <a:spcPct val="90000"/>
+              </a:lnSpc>
+              <a:spcBef>
+                <a:spcPts val="500"/>
+              </a:spcBef>
+              <a:buFont typeface="Arial" panose="020B0604020202020204" pitchFamily="34" charset="0"/>
+              <a:buChar char="•"/>
+              <a:defRPr sz="1800" kern="1200">
+                <a:solidFill>
+                  <a:schemeClr val="tx1"/>
+                </a:solidFill>
+                <a:latin typeface="+mn-lt"/>
+                <a:ea typeface="+mn-ea"/>
+                <a:cs typeface="+mn-cs"/>
+              </a:defRPr>
+            </a:lvl6pPr>
+            <a:lvl7pPr marL="2971800" indent="-228600" algn="l" defTabSz="914400" rtl="0" eaLnBrk="1" latinLnBrk="0" hangingPunct="1">
+              <a:lnSpc>
+                <a:spcPct val="90000"/>
+              </a:lnSpc>
+              <a:spcBef>
+                <a:spcPts val="500"/>
+              </a:spcBef>
+              <a:buFont typeface="Arial" panose="020B0604020202020204" pitchFamily="34" charset="0"/>
+              <a:buChar char="•"/>
+              <a:defRPr sz="1800" kern="1200">
+                <a:solidFill>
+                  <a:schemeClr val="tx1"/>
+                </a:solidFill>
+                <a:latin typeface="+mn-lt"/>
+                <a:ea typeface="+mn-ea"/>
+                <a:cs typeface="+mn-cs"/>
+              </a:defRPr>
+            </a:lvl7pPr>
+            <a:lvl8pPr marL="3429000" indent="-228600" algn="l" defTabSz="914400" rtl="0" eaLnBrk="1" latinLnBrk="0" hangingPunct="1">
+              <a:lnSpc>
+                <a:spcPct val="90000"/>
+              </a:lnSpc>
+              <a:spcBef>
+                <a:spcPts val="500"/>
+              </a:spcBef>
+              <a:buFont typeface="Arial" panose="020B0604020202020204" pitchFamily="34" charset="0"/>
+              <a:buChar char="•"/>
+              <a:defRPr sz="1800" kern="1200">
+                <a:solidFill>
+                  <a:schemeClr val="tx1"/>
+                </a:solidFill>
+                <a:latin typeface="+mn-lt"/>
+                <a:ea typeface="+mn-ea"/>
+                <a:cs typeface="+mn-cs"/>
+              </a:defRPr>
+            </a:lvl8pPr>
+            <a:lvl9pPr marL="3886200" indent="-228600" algn="l" defTabSz="914400" rtl="0" eaLnBrk="1" latinLnBrk="0" hangingPunct="1">
+              <a:lnSpc>
+                <a:spcPct val="90000"/>
+              </a:lnSpc>
+              <a:spcBef>
+                <a:spcPts val="500"/>
+              </a:spcBef>
+              <a:buFont typeface="Arial" panose="020B0604020202020204" pitchFamily="34" charset="0"/>
+              <a:buChar char="•"/>
+              <a:defRPr sz="1800" kern="1200">
+                <a:solidFill>
+                  <a:schemeClr val="tx1"/>
+                </a:solidFill>
+                <a:latin typeface="+mn-lt"/>
+                <a:ea typeface="+mn-ea"/>
+                <a:cs typeface="+mn-cs"/>
+              </a:defRPr>
+            </a:lvl9pPr>
+          </a:lstStyle>
+          <a:p>
+            <a:pPr marL="0" indent="0">
+              <a:buFont typeface="Arial" panose="020B0604020202020204" pitchFamily="34" charset="0"/>
+              <a:buNone/>
+            </a:pPr>
+            <a:r>
+              <a:rPr lang="en-US" sz="1200" dirty="0"/>
+              <a:t>Subject 2 has a problematic peculiarity: almost all signals classified as MAP A have MAP B characteristics.</a:t>
+            </a:r>
+          </a:p>
+          <a:p>
+            <a:pPr marL="0" indent="0" algn="ctr">
+              <a:buFont typeface="Arial" panose="020B0604020202020204" pitchFamily="34" charset="0"/>
+              <a:buNone/>
+            </a:pPr>
+            <a:r>
+              <a:rPr lang="en-US" sz="1600" b="1" dirty="0">
+                <a:solidFill>
+                  <a:srgbClr val="0070C0"/>
+                </a:solidFill>
+              </a:rPr>
+              <a:t>What if subject 2 is left out?</a:t>
+            </a:r>
+          </a:p>
+          <a:p>
+            <a:pPr marL="0" indent="0" algn="ctr">
+              <a:buFont typeface="Arial" panose="020B0604020202020204" pitchFamily="34" charset="0"/>
+              <a:buNone/>
+            </a:pPr>
+            <a:endParaRPr lang="en-US" sz="1600" dirty="0"/>
+          </a:p>
+          <a:p>
+            <a:pPr marL="0" indent="0">
+              <a:buFont typeface="Arial" panose="020B0604020202020204" pitchFamily="34" charset="0"/>
+              <a:buNone/>
+            </a:pPr>
+            <a:r>
+              <a:rPr lang="en-US" sz="1200" dirty="0"/>
+              <a:t>In both train/test and LOPOCV strategies: </a:t>
+            </a:r>
+          </a:p>
+          <a:p>
+            <a:r>
+              <a:rPr lang="en-US" sz="1200" dirty="0"/>
+              <a:t>Accuracy slightly improves</a:t>
+            </a:r>
+          </a:p>
+          <a:p>
+            <a:r>
+              <a:rPr lang="en-US" sz="1200" dirty="0"/>
+              <a:t>F1-score of MAP A increase and, although minor, the same can be said for MAP B and C</a:t>
+            </a:r>
+          </a:p>
+          <a:p>
+            <a:pPr marL="0" indent="0">
+              <a:buNone/>
+            </a:pPr>
+            <a:endParaRPr lang="en-US" sz="1400" dirty="0"/>
+          </a:p>
+          <a:p>
+            <a:pPr marL="0" indent="0">
+              <a:buNone/>
+            </a:pPr>
+            <a:r>
+              <a:rPr lang="en-US" sz="1400" i="1" dirty="0">
+                <a:solidFill>
+                  <a:schemeClr val="tx2"/>
+                </a:solidFill>
+              </a:rPr>
+              <a:t>Remains an open question: how should we interpretate these observations?</a:t>
+            </a:r>
+          </a:p>
+          <a:p>
+            <a:pPr marL="0" indent="0">
+              <a:buNone/>
+            </a:pPr>
+            <a:endParaRPr lang="en-US" sz="1400" dirty="0"/>
+          </a:p>
+          <a:p>
+            <a:endParaRPr lang="en-US" sz="1400" dirty="0"/>
+          </a:p>
+          <a:p>
+            <a:endParaRPr lang="en-US" sz="1400" b="1" dirty="0"/>
+          </a:p>
+        </p:txBody>
+      </p:sp>
+      <p:grpSp>
+        <p:nvGrpSpPr>
+          <p:cNvPr id="28" name="Gruppo 27">
+            <a:extLst>
+              <a:ext uri="{FF2B5EF4-FFF2-40B4-BE49-F238E27FC236}">
+                <a16:creationId xmlns:a16="http://schemas.microsoft.com/office/drawing/2014/main" id="{81A7CA7F-F929-AA67-59E8-083FD6D188C8}"/>
+              </a:ext>
+            </a:extLst>
+          </p:cNvPr>
+          <p:cNvGrpSpPr/>
+          <p:nvPr/>
+        </p:nvGrpSpPr>
+        <p:grpSpPr>
+          <a:xfrm>
+            <a:off x="4745736" y="1504120"/>
+            <a:ext cx="6437376" cy="4776043"/>
+            <a:chOff x="4745736" y="1504120"/>
+            <a:chExt cx="6437376" cy="4776043"/>
+          </a:xfrm>
+        </p:grpSpPr>
+        <p:pic>
+          <p:nvPicPr>
+            <p:cNvPr id="18" name="Immagine 17" descr="Immagine che contiene testo, schermata, diagramma, numero&#10;&#10;Descrizione generata automaticamente">
+              <a:extLst>
+                <a:ext uri="{FF2B5EF4-FFF2-40B4-BE49-F238E27FC236}">
+                  <a16:creationId xmlns:a16="http://schemas.microsoft.com/office/drawing/2014/main" id="{35B2A573-B25C-2048-D508-AC0450FB9CA8}"/>
+                </a:ext>
+              </a:extLst>
+            </p:cNvPr>
+            <p:cNvPicPr>
+              <a:picLocks noChangeAspect="1"/>
+            </p:cNvPicPr>
+            <p:nvPr/>
+          </p:nvPicPr>
+          <p:blipFill>
+            <a:blip r:embed="rId4">
+              <a:extLst>
+                <a:ext uri="{28A0092B-C50C-407E-A947-70E740481C1C}">
+                  <a14:useLocalDpi xmlns:a14="http://schemas.microsoft.com/office/drawing/2010/main" val="0"/>
+                </a:ext>
+              </a:extLst>
+            </a:blip>
+            <a:stretch>
+              <a:fillRect/>
+            </a:stretch>
+          </p:blipFill>
+          <p:spPr>
+            <a:xfrm>
+              <a:off x="4857809" y="1504120"/>
+              <a:ext cx="2781183" cy="2388022"/>
+            </a:xfrm>
+            <a:prstGeom prst="rect">
+              <a:avLst/>
+            </a:prstGeom>
+          </p:spPr>
+        </p:pic>
+        <p:pic>
+          <p:nvPicPr>
+            <p:cNvPr id="20" name="Immagine 19" descr="Immagine che contiene testo, numero, Carattere, schermata&#10;&#10;Descrizione generata automaticamente">
+              <a:extLst>
+                <a:ext uri="{FF2B5EF4-FFF2-40B4-BE49-F238E27FC236}">
+                  <a16:creationId xmlns:a16="http://schemas.microsoft.com/office/drawing/2014/main" id="{2C129016-0544-751B-B877-16CDC85A1AC4}"/>
+                </a:ext>
+              </a:extLst>
+            </p:cNvPr>
+            <p:cNvPicPr>
+              <a:picLocks noChangeAspect="1"/>
+            </p:cNvPicPr>
+            <p:nvPr/>
+          </p:nvPicPr>
+          <p:blipFill>
+            <a:blip r:embed="rId5">
+              <a:extLst>
+                <a:ext uri="{28A0092B-C50C-407E-A947-70E740481C1C}">
+                  <a14:useLocalDpi xmlns:a14="http://schemas.microsoft.com/office/drawing/2010/main" val="0"/>
+                </a:ext>
+              </a:extLst>
+            </a:blip>
+            <a:srcRect b="20079"/>
+            <a:stretch/>
+          </p:blipFill>
+          <p:spPr>
+            <a:xfrm>
+              <a:off x="7905111" y="1504121"/>
+              <a:ext cx="3204221" cy="2077280"/>
+            </a:xfrm>
+            <a:prstGeom prst="rect">
+              <a:avLst/>
+            </a:prstGeom>
+          </p:spPr>
+        </p:pic>
+        <p:pic>
+          <p:nvPicPr>
+            <p:cNvPr id="22" name="Immagine 21" descr="Immagine che contiene testo, schermata, numero, Carattere&#10;&#10;Descrizione generata automaticamente">
+              <a:extLst>
+                <a:ext uri="{FF2B5EF4-FFF2-40B4-BE49-F238E27FC236}">
+                  <a16:creationId xmlns:a16="http://schemas.microsoft.com/office/drawing/2014/main" id="{869C90C1-39BE-26F4-E450-6DB4E58E2C1F}"/>
+                </a:ext>
+              </a:extLst>
+            </p:cNvPr>
+            <p:cNvPicPr>
+              <a:picLocks noChangeAspect="1"/>
+            </p:cNvPicPr>
+            <p:nvPr/>
+          </p:nvPicPr>
+          <p:blipFill>
+            <a:blip r:embed="rId6">
+              <a:extLst>
+                <a:ext uri="{28A0092B-C50C-407E-A947-70E740481C1C}">
+                  <a14:useLocalDpi xmlns:a14="http://schemas.microsoft.com/office/drawing/2010/main" val="0"/>
+                </a:ext>
+              </a:extLst>
+            </a:blip>
+            <a:stretch>
+              <a:fillRect/>
+            </a:stretch>
+          </p:blipFill>
+          <p:spPr>
+            <a:xfrm>
+              <a:off x="4857809" y="3892142"/>
+              <a:ext cx="2781182" cy="2388021"/>
+            </a:xfrm>
+            <a:prstGeom prst="rect">
+              <a:avLst/>
+            </a:prstGeom>
+          </p:spPr>
+        </p:pic>
+        <p:pic>
+          <p:nvPicPr>
+            <p:cNvPr id="24" name="Immagine 23" descr="Immagine che contiene testo, numero, Carattere, schermata&#10;&#10;Descrizione generata automaticamente">
+              <a:extLst>
+                <a:ext uri="{FF2B5EF4-FFF2-40B4-BE49-F238E27FC236}">
+                  <a16:creationId xmlns:a16="http://schemas.microsoft.com/office/drawing/2014/main" id="{16863D94-375D-8AE9-9D64-BD74B72041B6}"/>
+                </a:ext>
+              </a:extLst>
+            </p:cNvPr>
+            <p:cNvPicPr>
+              <a:picLocks noChangeAspect="1"/>
+            </p:cNvPicPr>
+            <p:nvPr/>
+          </p:nvPicPr>
+          <p:blipFill>
+            <a:blip r:embed="rId7">
+              <a:extLst>
+                <a:ext uri="{28A0092B-C50C-407E-A947-70E740481C1C}">
+                  <a14:useLocalDpi xmlns:a14="http://schemas.microsoft.com/office/drawing/2010/main" val="0"/>
+                </a:ext>
+              </a:extLst>
+            </a:blip>
+            <a:srcRect b="19294"/>
+            <a:stretch/>
+          </p:blipFill>
+          <p:spPr>
+            <a:xfrm>
+              <a:off x="7905111" y="3892142"/>
+              <a:ext cx="3204221" cy="2077280"/>
+            </a:xfrm>
+            <a:prstGeom prst="rect">
+              <a:avLst/>
+            </a:prstGeom>
+          </p:spPr>
+        </p:pic>
+        <p:cxnSp>
+          <p:nvCxnSpPr>
+            <p:cNvPr id="26" name="Connettore diritto 25">
+              <a:extLst>
+                <a:ext uri="{FF2B5EF4-FFF2-40B4-BE49-F238E27FC236}">
+                  <a16:creationId xmlns:a16="http://schemas.microsoft.com/office/drawing/2014/main" id="{A0804D31-0D42-E141-0F10-9A02BF6D3EE0}"/>
+                </a:ext>
+              </a:extLst>
+            </p:cNvPr>
+            <p:cNvCxnSpPr/>
+            <p:nvPr/>
+          </p:nvCxnSpPr>
+          <p:spPr>
+            <a:xfrm>
+              <a:off x="4745736" y="3892142"/>
+              <a:ext cx="6437376" cy="0"/>
+            </a:xfrm>
+            <a:prstGeom prst="line">
+              <a:avLst/>
+            </a:prstGeom>
+          </p:spPr>
+          <p:style>
+            <a:lnRef idx="3">
+              <a:schemeClr val="dk1"/>
+            </a:lnRef>
+            <a:fillRef idx="0">
+              <a:schemeClr val="dk1"/>
+            </a:fillRef>
+            <a:effectRef idx="2">
+              <a:schemeClr val="dk1"/>
+            </a:effectRef>
+            <a:fontRef idx="minor">
+              <a:schemeClr val="tx1"/>
+            </a:fontRef>
+          </p:style>
+        </p:cxnSp>
+      </p:grpSp>
+    </p:spTree>
+    <p:extLst>
+      <p:ext uri="{BB962C8B-B14F-4D97-AF65-F5344CB8AC3E}">
+        <p14:creationId xmlns:p14="http://schemas.microsoft.com/office/powerpoint/2010/main" val="1133731973"/>
+      </p:ext>
+    </p:extLst>
+  </p:cSld>
+  <p:clrMapOvr>
+    <a:masterClrMapping/>
+  </p:clrMapOvr>
+  <p:timing>
+    <p:tnLst>
+      <p:par>
+        <p:cTn id="1" dur="indefinite" restart="never" nodeType="tmRoot">
+          <p:childTnLst>
+            <p:seq concurrent="1" nextAc="seek">
+              <p:cTn id="2" dur="indefinite" nodeType="mainSeq">
+                <p:childTnLst>
+                  <p:par>
+                    <p:cTn id="3" fill="hold">
+                      <p:stCondLst>
+                        <p:cond delay="indefinite"/>
+                      </p:stCondLst>
+                      <p:childTnLst>
+                        <p:par>
+                          <p:cTn id="4" fill="hold">
+                            <p:stCondLst>
+                              <p:cond delay="0"/>
+                            </p:stCondLst>
+                            <p:childTnLst>
+                              <p:par>
+                                <p:cTn id="5" presetID="16" presetClass="entr" presetSubtype="21" fill="hold" nodeType="clickEffect">
+                                  <p:stCondLst>
+                                    <p:cond delay="0"/>
+                                  </p:stCondLst>
+                                  <p:childTnLst>
+                                    <p:set>
+                                      <p:cBhvr>
+                                        <p:cTn id="6" dur="1" fill="hold">
+                                          <p:stCondLst>
+                                            <p:cond delay="0"/>
+                                          </p:stCondLst>
+                                        </p:cTn>
+                                        <p:tgtEl>
+                                          <p:spTgt spid="15">
+                                            <p:txEl>
+                                              <p:pRg st="1" end="1"/>
+                                            </p:txEl>
+                                          </p:spTgt>
+                                        </p:tgtEl>
+                                        <p:attrNameLst>
+                                          <p:attrName>style.visibility</p:attrName>
+                                        </p:attrNameLst>
+                                      </p:cBhvr>
+                                      <p:to>
+                                        <p:strVal val="visible"/>
+                                      </p:to>
+                                    </p:set>
+                                    <p:animEffect transition="in" filter="barn(inVertical)">
+                                      <p:cBhvr>
+                                        <p:cTn id="7" dur="500"/>
+                                        <p:tgtEl>
+                                          <p:spTgt spid="15">
+                                            <p:txEl>
+                                              <p:pRg st="1" end="1"/>
+                                            </p:txEl>
+                                          </p:spTgt>
+                                        </p:tgtEl>
+                                      </p:cBhvr>
+                                    </p:animEffect>
+                                  </p:childTnLst>
+                                </p:cTn>
+                              </p:par>
+                              <p:par>
+                                <p:cTn id="8" presetID="10" presetClass="exit" presetSubtype="0" fill="hold" nodeType="withEffect">
+                                  <p:stCondLst>
+                                    <p:cond delay="0"/>
+                                  </p:stCondLst>
+                                  <p:childTnLst>
+                                    <p:animEffect transition="out" filter="fade">
+                                      <p:cBhvr>
+                                        <p:cTn id="9" dur="500"/>
+                                        <p:tgtEl>
+                                          <p:spTgt spid="16"/>
+                                        </p:tgtEl>
+                                      </p:cBhvr>
+                                    </p:animEffect>
+                                    <p:set>
+                                      <p:cBhvr>
+                                        <p:cTn id="10" dur="1" fill="hold">
+                                          <p:stCondLst>
+                                            <p:cond delay="499"/>
+                                          </p:stCondLst>
+                                        </p:cTn>
+                                        <p:tgtEl>
+                                          <p:spTgt spid="16"/>
+                                        </p:tgtEl>
+                                        <p:attrNameLst>
+                                          <p:attrName>style.visibility</p:attrName>
+                                        </p:attrNameLst>
+                                      </p:cBhvr>
+                                      <p:to>
+                                        <p:strVal val="hidden"/>
+                                      </p:to>
+                                    </p:set>
+                                  </p:childTnLst>
+                                </p:cTn>
+                              </p:par>
+                            </p:childTnLst>
+                          </p:cTn>
+                        </p:par>
+                      </p:childTnLst>
+                    </p:cTn>
+                  </p:par>
+                  <p:par>
+                    <p:cTn id="11" fill="hold">
+                      <p:stCondLst>
+                        <p:cond delay="indefinite"/>
+                      </p:stCondLst>
+                      <p:childTnLst>
+                        <p:par>
+                          <p:cTn id="12" fill="hold">
+                            <p:stCondLst>
+                              <p:cond delay="0"/>
+                            </p:stCondLst>
+                            <p:childTnLst>
+                              <p:par>
+                                <p:cTn id="13" presetID="2" presetClass="entr" presetSubtype="4" fill="hold" nodeType="clickEffect">
+                                  <p:stCondLst>
+                                    <p:cond delay="0"/>
+                                  </p:stCondLst>
+                                  <p:childTnLst>
+                                    <p:set>
+                                      <p:cBhvr>
+                                        <p:cTn id="14" dur="1" fill="hold">
+                                          <p:stCondLst>
+                                            <p:cond delay="0"/>
+                                          </p:stCondLst>
+                                        </p:cTn>
+                                        <p:tgtEl>
+                                          <p:spTgt spid="15">
+                                            <p:txEl>
+                                              <p:pRg st="3" end="3"/>
+                                            </p:txEl>
+                                          </p:spTgt>
+                                        </p:tgtEl>
+                                        <p:attrNameLst>
+                                          <p:attrName>style.visibility</p:attrName>
+                                        </p:attrNameLst>
+                                      </p:cBhvr>
+                                      <p:to>
+                                        <p:strVal val="visible"/>
+                                      </p:to>
+                                    </p:set>
+                                    <p:anim calcmode="lin" valueType="num">
+                                      <p:cBhvr additive="base">
+                                        <p:cTn id="15" dur="500" fill="hold"/>
+                                        <p:tgtEl>
+                                          <p:spTgt spid="15">
+                                            <p:txEl>
+                                              <p:pRg st="3" end="3"/>
+                                            </p:txEl>
+                                          </p:spTgt>
+                                        </p:tgtEl>
+                                        <p:attrNameLst>
+                                          <p:attrName>ppt_x</p:attrName>
+                                        </p:attrNameLst>
+                                      </p:cBhvr>
+                                      <p:tavLst>
+                                        <p:tav tm="0">
+                                          <p:val>
+                                            <p:strVal val="#ppt_x"/>
+                                          </p:val>
+                                        </p:tav>
+                                        <p:tav tm="100000">
+                                          <p:val>
+                                            <p:strVal val="#ppt_x"/>
+                                          </p:val>
+                                        </p:tav>
+                                      </p:tavLst>
+                                    </p:anim>
+                                    <p:anim calcmode="lin" valueType="num">
+                                      <p:cBhvr additive="base">
+                                        <p:cTn id="16" dur="500" fill="hold"/>
+                                        <p:tgtEl>
+                                          <p:spTgt spid="15">
+                                            <p:txEl>
+                                              <p:pRg st="3" end="3"/>
+                                            </p:txEl>
+                                          </p:spTgt>
+                                        </p:tgtEl>
+                                        <p:attrNameLst>
+                                          <p:attrName>ppt_y</p:attrName>
+                                        </p:attrNameLst>
+                                      </p:cBhvr>
+                                      <p:tavLst>
+                                        <p:tav tm="0">
+                                          <p:val>
+                                            <p:strVal val="1+#ppt_h/2"/>
+                                          </p:val>
+                                        </p:tav>
+                                        <p:tav tm="100000">
+                                          <p:val>
+                                            <p:strVal val="#ppt_y"/>
+                                          </p:val>
+                                        </p:tav>
+                                      </p:tavLst>
+                                    </p:anim>
+                                  </p:childTnLst>
+                                </p:cTn>
+                              </p:par>
+                              <p:par>
+                                <p:cTn id="17" presetID="6" presetClass="entr" presetSubtype="32" fill="hold" nodeType="withEffect">
+                                  <p:stCondLst>
+                                    <p:cond delay="0"/>
+                                  </p:stCondLst>
+                                  <p:childTnLst>
+                                    <p:set>
+                                      <p:cBhvr>
+                                        <p:cTn id="18" dur="1" fill="hold">
+                                          <p:stCondLst>
+                                            <p:cond delay="0"/>
+                                          </p:stCondLst>
+                                        </p:cTn>
+                                        <p:tgtEl>
+                                          <p:spTgt spid="28"/>
+                                        </p:tgtEl>
+                                        <p:attrNameLst>
+                                          <p:attrName>style.visibility</p:attrName>
+                                        </p:attrNameLst>
+                                      </p:cBhvr>
+                                      <p:to>
+                                        <p:strVal val="visible"/>
+                                      </p:to>
+                                    </p:set>
+                                    <p:animEffect transition="in" filter="circle(out)">
+                                      <p:cBhvr>
+                                        <p:cTn id="19" dur="500"/>
+                                        <p:tgtEl>
+                                          <p:spTgt spid="28"/>
+                                        </p:tgtEl>
+                                      </p:cBhvr>
+                                    </p:animEffect>
+                                  </p:childTnLst>
+                                </p:cTn>
+                              </p:par>
+                              <p:par>
+                                <p:cTn id="20" presetID="2" presetClass="entr" presetSubtype="4" fill="hold" nodeType="withEffect">
+                                  <p:stCondLst>
+                                    <p:cond delay="0"/>
+                                  </p:stCondLst>
+                                  <p:childTnLst>
+                                    <p:set>
+                                      <p:cBhvr>
+                                        <p:cTn id="21" dur="1" fill="hold">
+                                          <p:stCondLst>
+                                            <p:cond delay="0"/>
+                                          </p:stCondLst>
+                                        </p:cTn>
+                                        <p:tgtEl>
+                                          <p:spTgt spid="15">
+                                            <p:txEl>
+                                              <p:pRg st="4" end="4"/>
+                                            </p:txEl>
+                                          </p:spTgt>
+                                        </p:tgtEl>
+                                        <p:attrNameLst>
+                                          <p:attrName>style.visibility</p:attrName>
+                                        </p:attrNameLst>
+                                      </p:cBhvr>
+                                      <p:to>
+                                        <p:strVal val="visible"/>
+                                      </p:to>
+                                    </p:set>
+                                    <p:anim calcmode="lin" valueType="num">
+                                      <p:cBhvr additive="base">
+                                        <p:cTn id="22" dur="500" fill="hold"/>
+                                        <p:tgtEl>
+                                          <p:spTgt spid="15">
+                                            <p:txEl>
+                                              <p:pRg st="4" end="4"/>
+                                            </p:txEl>
+                                          </p:spTgt>
+                                        </p:tgtEl>
+                                        <p:attrNameLst>
+                                          <p:attrName>ppt_x</p:attrName>
+                                        </p:attrNameLst>
+                                      </p:cBhvr>
+                                      <p:tavLst>
+                                        <p:tav tm="0">
+                                          <p:val>
+                                            <p:strVal val="#ppt_x"/>
+                                          </p:val>
+                                        </p:tav>
+                                        <p:tav tm="100000">
+                                          <p:val>
+                                            <p:strVal val="#ppt_x"/>
+                                          </p:val>
+                                        </p:tav>
+                                      </p:tavLst>
+                                    </p:anim>
+                                    <p:anim calcmode="lin" valueType="num">
+                                      <p:cBhvr additive="base">
+                                        <p:cTn id="23" dur="500" fill="hold"/>
+                                        <p:tgtEl>
+                                          <p:spTgt spid="15">
+                                            <p:txEl>
+                                              <p:pRg st="4" end="4"/>
+                                            </p:txEl>
+                                          </p:spTgt>
+                                        </p:tgtEl>
+                                        <p:attrNameLst>
+                                          <p:attrName>ppt_y</p:attrName>
+                                        </p:attrNameLst>
+                                      </p:cBhvr>
+                                      <p:tavLst>
+                                        <p:tav tm="0">
+                                          <p:val>
+                                            <p:strVal val="1+#ppt_h/2"/>
+                                          </p:val>
+                                        </p:tav>
+                                        <p:tav tm="100000">
+                                          <p:val>
+                                            <p:strVal val="#ppt_y"/>
+                                          </p:val>
+                                        </p:tav>
+                                      </p:tavLst>
+                                    </p:anim>
+                                  </p:childTnLst>
+                                </p:cTn>
+                              </p:par>
+                            </p:childTnLst>
+                          </p:cTn>
+                        </p:par>
+                      </p:childTnLst>
+                    </p:cTn>
+                  </p:par>
+                  <p:par>
+                    <p:cTn id="24" fill="hold">
+                      <p:stCondLst>
+                        <p:cond delay="indefinite"/>
+                      </p:stCondLst>
+                      <p:childTnLst>
+                        <p:par>
+                          <p:cTn id="25" fill="hold">
+                            <p:stCondLst>
+                              <p:cond delay="0"/>
+                            </p:stCondLst>
+                            <p:childTnLst>
+                              <p:par>
+                                <p:cTn id="26" presetID="2" presetClass="entr" presetSubtype="4" fill="hold" nodeType="clickEffect">
+                                  <p:stCondLst>
+                                    <p:cond delay="0"/>
+                                  </p:stCondLst>
+                                  <p:childTnLst>
+                                    <p:set>
+                                      <p:cBhvr>
+                                        <p:cTn id="27" dur="1" fill="hold">
+                                          <p:stCondLst>
+                                            <p:cond delay="0"/>
+                                          </p:stCondLst>
+                                        </p:cTn>
+                                        <p:tgtEl>
+                                          <p:spTgt spid="15">
+                                            <p:txEl>
+                                              <p:pRg st="7" end="7"/>
+                                            </p:txEl>
+                                          </p:spTgt>
+                                        </p:tgtEl>
+                                        <p:attrNameLst>
+                                          <p:attrName>style.visibility</p:attrName>
+                                        </p:attrNameLst>
+                                      </p:cBhvr>
+                                      <p:to>
+                                        <p:strVal val="visible"/>
+                                      </p:to>
+                                    </p:set>
+                                    <p:anim calcmode="lin" valueType="num">
+                                      <p:cBhvr additive="base">
+                                        <p:cTn id="28" dur="500" fill="hold"/>
+                                        <p:tgtEl>
+                                          <p:spTgt spid="15">
+                                            <p:txEl>
+                                              <p:pRg st="7" end="7"/>
+                                            </p:txEl>
+                                          </p:spTgt>
+                                        </p:tgtEl>
+                                        <p:attrNameLst>
+                                          <p:attrName>ppt_x</p:attrName>
+                                        </p:attrNameLst>
+                                      </p:cBhvr>
+                                      <p:tavLst>
+                                        <p:tav tm="0">
+                                          <p:val>
+                                            <p:strVal val="#ppt_x"/>
+                                          </p:val>
+                                        </p:tav>
+                                        <p:tav tm="100000">
+                                          <p:val>
+                                            <p:strVal val="#ppt_x"/>
+                                          </p:val>
+                                        </p:tav>
+                                      </p:tavLst>
+                                    </p:anim>
+                                    <p:anim calcmode="lin" valueType="num">
+                                      <p:cBhvr additive="base">
+                                        <p:cTn id="29" dur="500" fill="hold"/>
+                                        <p:tgtEl>
+                                          <p:spTgt spid="15">
+                                            <p:txEl>
+                                              <p:pRg st="7" end="7"/>
+                                            </p:txEl>
+                                          </p:spTgt>
+                                        </p:tgtEl>
+                                        <p:attrNameLst>
+                                          <p:attrName>ppt_y</p:attrName>
+                                        </p:attrNameLst>
+                                      </p:cBhvr>
+                                      <p:tavLst>
+                                        <p:tav tm="0">
+                                          <p:val>
+                                            <p:strVal val="1+#ppt_h/2"/>
+                                          </p:val>
+                                        </p:tav>
+                                        <p:tav tm="100000">
+                                          <p:val>
+                                            <p:strVal val="#ppt_y"/>
+                                          </p:val>
+                                        </p:tav>
+                                      </p:tavLst>
+                                    </p:anim>
+                                  </p:childTnLst>
+                                </p:cTn>
+                              </p:par>
+                            </p:childTnLst>
+                          </p:cTn>
+                        </p:par>
+                      </p:childTnLst>
+                    </p:cTn>
+                  </p:par>
+                </p:childTnLst>
+              </p:cTn>
+              <p:prevCondLst>
+                <p:cond evt="onPrev" delay="0">
+                  <p:tgtEl>
+                    <p:sldTgt/>
+                  </p:tgtEl>
+                </p:cond>
+              </p:prevCondLst>
+              <p:nextCondLst>
+                <p:cond evt="onNext" delay="0">
+                  <p:tgtEl>
+                    <p:sldTgt/>
+                  </p:tgtEl>
+                </p:cond>
+              </p:nextCondLst>
+            </p:seq>
+          </p:childTnLst>
+        </p:cTn>
+      </p:par>
+    </p:tnLst>
+  </p:timing>
+</p:sld>
+</file>
+
+<file path=ppt/slides/slide31.xml><?xml version="1.0" encoding="utf-8"?>
+<p:sld xmlns:a="http://schemas.openxmlformats.org/drawingml/2006/main" xmlns:r="http://schemas.openxmlformats.org/officeDocument/2006/relationships" xmlns:p="http://schemas.openxmlformats.org/presentationml/2006/main">
+  <p:cSld>
+    <p:spTree>
+      <p:nvGrpSpPr>
+        <p:cNvPr id="1" name="">
+          <a:extLst>
+            <a:ext uri="{FF2B5EF4-FFF2-40B4-BE49-F238E27FC236}">
+              <a16:creationId xmlns:a16="http://schemas.microsoft.com/office/drawing/2014/main" id="{225CE315-4A50-9370-7F61-52724DF8E93B}"/>
+            </a:ext>
+          </a:extLst>
+        </p:cNvPr>
+        <p:cNvGrpSpPr/>
+        <p:nvPr/>
+      </p:nvGrpSpPr>
+      <p:grpSpPr>
+        <a:xfrm>
+          <a:off x="0" y="0"/>
+          <a:ext cx="0" cy="0"/>
+          <a:chOff x="0" y="0"/>
+          <a:chExt cx="0" cy="0"/>
+        </a:xfrm>
+      </p:grpSpPr>
+      <p:sp>
+        <p:nvSpPr>
+          <p:cNvPr id="2" name="Titolo 1">
+            <a:extLst>
+              <a:ext uri="{FF2B5EF4-FFF2-40B4-BE49-F238E27FC236}">
+                <a16:creationId xmlns:a16="http://schemas.microsoft.com/office/drawing/2014/main" id="{566067C0-72A5-2594-5026-D16591DF5FEA}"/>
+              </a:ext>
+            </a:extLst>
+          </p:cNvPr>
+          <p:cNvSpPr>
+            <a:spLocks noGrp="1"/>
+          </p:cNvSpPr>
+          <p:nvPr>
+            <p:ph type="title"/>
+          </p:nvPr>
+        </p:nvSpPr>
+        <p:spPr>
+          <a:xfrm>
+            <a:off x="838200" y="209292"/>
+            <a:ext cx="9905460" cy="971551"/>
+          </a:xfrm>
+        </p:spPr>
+        <p:txBody>
+          <a:bodyPr>
+            <a:normAutofit/>
+          </a:bodyPr>
+          <a:lstStyle/>
+          <a:p>
+            <a:r>
+              <a:rPr lang="en-US" sz="3600" dirty="0"/>
+              <a:t>Appendix 3: does have sense filtering?</a:t>
+            </a:r>
+          </a:p>
+        </p:txBody>
+      </p:sp>
+      <p:sp>
+        <p:nvSpPr>
+          <p:cNvPr id="4" name="Segnaposto numero diapositiva 3">
+            <a:extLst>
+              <a:ext uri="{FF2B5EF4-FFF2-40B4-BE49-F238E27FC236}">
+                <a16:creationId xmlns:a16="http://schemas.microsoft.com/office/drawing/2014/main" id="{F388C05E-4891-1164-6204-D4C77F589256}"/>
+              </a:ext>
+            </a:extLst>
+          </p:cNvPr>
+          <p:cNvSpPr>
+            <a:spLocks noGrp="1"/>
+          </p:cNvSpPr>
+          <p:nvPr>
+            <p:ph type="sldNum" sz="quarter" idx="12"/>
+          </p:nvPr>
+        </p:nvSpPr>
+        <p:spPr/>
+        <p:txBody>
+          <a:bodyPr/>
+          <a:lstStyle/>
+          <a:p>
+            <a:fld id="{2FA0223F-D95A-431D-9A71-EDA7FA0C2F5B}" type="slidenum">
+              <a:rPr lang="en-US" smtClean="0"/>
+              <a:t>31</a:t>
+            </a:fld>
+            <a:endParaRPr lang="en-US"/>
+          </a:p>
+        </p:txBody>
+      </p:sp>
+      <p:sp>
+        <p:nvSpPr>
+          <p:cNvPr id="27" name="Rettangolo 26">
+            <a:extLst>
+              <a:ext uri="{FF2B5EF4-FFF2-40B4-BE49-F238E27FC236}">
+                <a16:creationId xmlns:a16="http://schemas.microsoft.com/office/drawing/2014/main" id="{0A65ED4C-17CC-51FD-DF43-2C900B34E494}"/>
+              </a:ext>
+            </a:extLst>
+          </p:cNvPr>
+          <p:cNvSpPr/>
+          <p:nvPr/>
+        </p:nvSpPr>
+        <p:spPr>
+          <a:xfrm>
+            <a:off x="6723157" y="1812745"/>
+            <a:ext cx="206547" cy="168094"/>
+          </a:xfrm>
+          <a:prstGeom prst="rect">
+            <a:avLst/>
+          </a:prstGeom>
+          <a:solidFill>
+            <a:schemeClr val="bg1"/>
+          </a:solidFill>
+          <a:ln>
+            <a:solidFill>
+              <a:schemeClr val="bg1"/>
+            </a:solidFill>
+          </a:ln>
+        </p:spPr>
+        <p:style>
+          <a:lnRef idx="2">
+            <a:schemeClr val="accent1">
+              <a:shade val="15000"/>
+            </a:schemeClr>
+          </a:lnRef>
+          <a:fillRef idx="1">
+            <a:schemeClr val="accent1"/>
+          </a:fillRef>
+          <a:effectRef idx="0">
+            <a:schemeClr val="accent1"/>
+          </a:effectRef>
+          <a:fontRef idx="minor">
+            <a:schemeClr val="lt1"/>
+          </a:fontRef>
+        </p:style>
+        <p:txBody>
+          <a:bodyPr rtlCol="0" anchor="ctr"/>
+          <a:lstStyle/>
+          <a:p>
+            <a:pPr algn="ctr"/>
+            <a:endParaRPr lang="it-IT"/>
+          </a:p>
+        </p:txBody>
+      </p:sp>
+      <p:sp>
+        <p:nvSpPr>
+          <p:cNvPr id="7" name="AutoShape 2">
+            <a:extLst>
+              <a:ext uri="{FF2B5EF4-FFF2-40B4-BE49-F238E27FC236}">
+                <a16:creationId xmlns:a16="http://schemas.microsoft.com/office/drawing/2014/main" id="{BFEADA4B-DE54-30C8-A878-291ADE3BDC89}"/>
+              </a:ext>
+            </a:extLst>
+          </p:cNvPr>
+          <p:cNvSpPr>
+            <a:spLocks noChangeAspect="1" noChangeArrowheads="1"/>
+          </p:cNvSpPr>
+          <p:nvPr/>
+        </p:nvSpPr>
+        <p:spPr bwMode="auto">
+          <a:xfrm>
+            <a:off x="5943600" y="3276600"/>
+            <a:ext cx="304800" cy="304800"/>
+          </a:xfrm>
+          <a:prstGeom prst="rect">
+            <a:avLst/>
+          </a:prstGeom>
+          <a:noFill/>
+          <a:extLst>
+            <a:ext uri="{909E8E84-426E-40DD-AFC4-6F175D3DCCD1}">
+              <a14:hiddenFill xmlns:a14="http://schemas.microsoft.com/office/drawing/2010/main">
+                <a:solidFill>
+                  <a:srgbClr val="FFFFFF"/>
+                </a:solidFill>
+              </a14:hiddenFill>
+            </a:ext>
+          </a:extLst>
+        </p:spPr>
+        <p:txBody>
+          <a:bodyPr vert="horz" wrap="square" lIns="91440" tIns="45720" rIns="91440" bIns="45720" numCol="1" anchor="t" anchorCtr="0" compatLnSpc="1">
+            <a:prstTxWarp prst="textNoShape">
+              <a:avLst/>
+            </a:prstTxWarp>
+          </a:bodyPr>
+          <a:lstStyle/>
+          <a:p>
+            <a:endParaRPr lang="it-IT"/>
+          </a:p>
+        </p:txBody>
+      </p:sp>
+      <p:sp>
+        <p:nvSpPr>
+          <p:cNvPr id="15" name="Segnaposto contenuto 2">
+            <a:extLst>
+              <a:ext uri="{FF2B5EF4-FFF2-40B4-BE49-F238E27FC236}">
+                <a16:creationId xmlns:a16="http://schemas.microsoft.com/office/drawing/2014/main" id="{CEA6579C-DC91-D0EC-2BDA-52DFB13594A6}"/>
+              </a:ext>
+            </a:extLst>
+          </p:cNvPr>
+          <p:cNvSpPr txBox="1">
+            <a:spLocks/>
+          </p:cNvSpPr>
+          <p:nvPr/>
+        </p:nvSpPr>
+        <p:spPr>
+          <a:xfrm>
+            <a:off x="309129" y="1504120"/>
+            <a:ext cx="3650223" cy="4154560"/>
+          </a:xfrm>
+          <a:prstGeom prst="rect">
+            <a:avLst/>
+          </a:prstGeom>
+        </p:spPr>
+        <p:txBody>
+          <a:bodyPr vert="horz" lIns="91440" tIns="45720" rIns="91440" bIns="45720" rtlCol="0">
+            <a:noAutofit/>
+          </a:bodyPr>
+          <a:lstStyle>
+            <a:lvl1pPr marL="228600" indent="-228600" algn="l" defTabSz="914400" rtl="0" eaLnBrk="1" latinLnBrk="0" hangingPunct="1">
+              <a:lnSpc>
+                <a:spcPct val="90000"/>
+              </a:lnSpc>
+              <a:spcBef>
+                <a:spcPts val="1000"/>
+              </a:spcBef>
+              <a:buFont typeface="Arial" panose="020B0604020202020204" pitchFamily="34" charset="0"/>
+              <a:buChar char="•"/>
+              <a:defRPr sz="2800" kern="1200">
+                <a:solidFill>
+                  <a:schemeClr val="tx1"/>
+                </a:solidFill>
+                <a:latin typeface="+mn-lt"/>
+                <a:ea typeface="+mn-ea"/>
+                <a:cs typeface="+mn-cs"/>
+              </a:defRPr>
+            </a:lvl1pPr>
+            <a:lvl2pPr marL="685800" indent="-228600" algn="l" defTabSz="914400" rtl="0" eaLnBrk="1" latinLnBrk="0" hangingPunct="1">
+              <a:lnSpc>
+                <a:spcPct val="90000"/>
+              </a:lnSpc>
+              <a:spcBef>
+                <a:spcPts val="500"/>
+              </a:spcBef>
+              <a:buFont typeface="Arial" panose="020B0604020202020204" pitchFamily="34" charset="0"/>
+              <a:buChar char="•"/>
+              <a:defRPr sz="2400" kern="1200">
+                <a:solidFill>
+                  <a:schemeClr val="tx1"/>
+                </a:solidFill>
+                <a:latin typeface="+mn-lt"/>
+                <a:ea typeface="+mn-ea"/>
+                <a:cs typeface="+mn-cs"/>
+              </a:defRPr>
+            </a:lvl2pPr>
+            <a:lvl3pPr marL="1143000" indent="-228600" algn="l" defTabSz="914400" rtl="0" eaLnBrk="1" latinLnBrk="0" hangingPunct="1">
+              <a:lnSpc>
+                <a:spcPct val="90000"/>
+              </a:lnSpc>
+              <a:spcBef>
+                <a:spcPts val="500"/>
+              </a:spcBef>
+              <a:buFont typeface="Arial" panose="020B0604020202020204" pitchFamily="34" charset="0"/>
+              <a:buChar char="•"/>
+              <a:defRPr sz="2000" kern="1200">
+                <a:solidFill>
+                  <a:schemeClr val="tx1"/>
+                </a:solidFill>
+                <a:latin typeface="+mn-lt"/>
+                <a:ea typeface="+mn-ea"/>
+                <a:cs typeface="+mn-cs"/>
+              </a:defRPr>
+            </a:lvl3pPr>
+            <a:lvl4pPr marL="1600200" indent="-228600" algn="l" defTabSz="914400" rtl="0" eaLnBrk="1" latinLnBrk="0" hangingPunct="1">
+              <a:lnSpc>
+                <a:spcPct val="90000"/>
+              </a:lnSpc>
+              <a:spcBef>
+                <a:spcPts val="500"/>
+              </a:spcBef>
+              <a:buFont typeface="Arial" panose="020B0604020202020204" pitchFamily="34" charset="0"/>
+              <a:buChar char="•"/>
+              <a:defRPr sz="1800" kern="1200">
+                <a:solidFill>
+                  <a:schemeClr val="tx1"/>
+                </a:solidFill>
+                <a:latin typeface="+mn-lt"/>
+                <a:ea typeface="+mn-ea"/>
+                <a:cs typeface="+mn-cs"/>
+              </a:defRPr>
+            </a:lvl4pPr>
+            <a:lvl5pPr marL="2057400" indent="-228600" algn="l" defTabSz="914400" rtl="0" eaLnBrk="1" latinLnBrk="0" hangingPunct="1">
+              <a:lnSpc>
+                <a:spcPct val="90000"/>
+              </a:lnSpc>
+              <a:spcBef>
+                <a:spcPts val="500"/>
+              </a:spcBef>
+              <a:buFont typeface="Arial" panose="020B0604020202020204" pitchFamily="34" charset="0"/>
+              <a:buChar char="•"/>
+              <a:defRPr sz="1800" kern="1200">
+                <a:solidFill>
+                  <a:schemeClr val="tx1"/>
+                </a:solidFill>
+                <a:latin typeface="+mn-lt"/>
+                <a:ea typeface="+mn-ea"/>
+                <a:cs typeface="+mn-cs"/>
+              </a:defRPr>
+            </a:lvl5pPr>
+            <a:lvl6pPr marL="2514600" indent="-228600" algn="l" defTabSz="914400" rtl="0" eaLnBrk="1" latinLnBrk="0" hangingPunct="1">
+              <a:lnSpc>
+                <a:spcPct val="90000"/>
+              </a:lnSpc>
+              <a:spcBef>
+                <a:spcPts val="500"/>
+              </a:spcBef>
+              <a:buFont typeface="Arial" panose="020B0604020202020204" pitchFamily="34" charset="0"/>
+              <a:buChar char="•"/>
+              <a:defRPr sz="1800" kern="1200">
+                <a:solidFill>
+                  <a:schemeClr val="tx1"/>
+                </a:solidFill>
+                <a:latin typeface="+mn-lt"/>
+                <a:ea typeface="+mn-ea"/>
+                <a:cs typeface="+mn-cs"/>
+              </a:defRPr>
+            </a:lvl6pPr>
+            <a:lvl7pPr marL="2971800" indent="-228600" algn="l" defTabSz="914400" rtl="0" eaLnBrk="1" latinLnBrk="0" hangingPunct="1">
+              <a:lnSpc>
+                <a:spcPct val="90000"/>
+              </a:lnSpc>
+              <a:spcBef>
+                <a:spcPts val="500"/>
+              </a:spcBef>
+              <a:buFont typeface="Arial" panose="020B0604020202020204" pitchFamily="34" charset="0"/>
+              <a:buChar char="•"/>
+              <a:defRPr sz="1800" kern="1200">
+                <a:solidFill>
+                  <a:schemeClr val="tx1"/>
+                </a:solidFill>
+                <a:latin typeface="+mn-lt"/>
+                <a:ea typeface="+mn-ea"/>
+                <a:cs typeface="+mn-cs"/>
+              </a:defRPr>
+            </a:lvl7pPr>
+            <a:lvl8pPr marL="3429000" indent="-228600" algn="l" defTabSz="914400" rtl="0" eaLnBrk="1" latinLnBrk="0" hangingPunct="1">
+              <a:lnSpc>
+                <a:spcPct val="90000"/>
+              </a:lnSpc>
+              <a:spcBef>
+                <a:spcPts val="500"/>
+              </a:spcBef>
+              <a:buFont typeface="Arial" panose="020B0604020202020204" pitchFamily="34" charset="0"/>
+              <a:buChar char="•"/>
+              <a:defRPr sz="1800" kern="1200">
+                <a:solidFill>
+                  <a:schemeClr val="tx1"/>
+                </a:solidFill>
+                <a:latin typeface="+mn-lt"/>
+                <a:ea typeface="+mn-ea"/>
+                <a:cs typeface="+mn-cs"/>
+              </a:defRPr>
+            </a:lvl8pPr>
+            <a:lvl9pPr marL="3886200" indent="-228600" algn="l" defTabSz="914400" rtl="0" eaLnBrk="1" latinLnBrk="0" hangingPunct="1">
+              <a:lnSpc>
+                <a:spcPct val="90000"/>
+              </a:lnSpc>
+              <a:spcBef>
+                <a:spcPts val="500"/>
+              </a:spcBef>
+              <a:buFont typeface="Arial" panose="020B0604020202020204" pitchFamily="34" charset="0"/>
+              <a:buChar char="•"/>
+              <a:defRPr sz="1800" kern="1200">
+                <a:solidFill>
+                  <a:schemeClr val="tx1"/>
+                </a:solidFill>
+                <a:latin typeface="+mn-lt"/>
+                <a:ea typeface="+mn-ea"/>
+                <a:cs typeface="+mn-cs"/>
+              </a:defRPr>
+            </a:lvl9pPr>
+          </a:lstStyle>
+          <a:p>
+            <a:pPr marL="0" indent="0">
+              <a:buNone/>
+            </a:pPr>
+            <a:r>
+              <a:rPr lang="en-US" sz="1200" dirty="0"/>
+              <a:t>Even if a filtering pipeline is ready to be used, does have sense using it?</a:t>
+            </a:r>
+          </a:p>
+          <a:p>
+            <a:pPr marL="0" indent="0">
+              <a:buNone/>
+            </a:pPr>
+            <a:r>
+              <a:rPr lang="en-US" sz="1200" dirty="0"/>
+              <a:t>To answer, some observations should be done:</a:t>
+            </a:r>
+          </a:p>
+          <a:p>
+            <a:pPr marL="342900" indent="-342900">
+              <a:buFont typeface="+mj-lt"/>
+              <a:buAutoNum type="arabicPeriod"/>
+            </a:pPr>
+            <a:r>
+              <a:rPr lang="en-US" sz="1200" dirty="0"/>
+              <a:t>Filter pipeline has been built on ECG signals only, not on EGM.</a:t>
+            </a:r>
+          </a:p>
+          <a:p>
+            <a:pPr marL="342900" indent="-342900">
+              <a:buFont typeface="+mj-lt"/>
+              <a:buAutoNum type="arabicPeriod"/>
+            </a:pPr>
+            <a:r>
+              <a:rPr lang="en-US" sz="1200" dirty="0"/>
+              <a:t>Due to the low cut-off, high frequency peaks are killed.</a:t>
+            </a:r>
+          </a:p>
+          <a:p>
+            <a:pPr marL="342900" indent="-342900">
+              <a:buFont typeface="+mj-lt"/>
+              <a:buAutoNum type="arabicPeriod"/>
+            </a:pPr>
+            <a:r>
+              <a:rPr lang="en-US" sz="1200" dirty="0"/>
+              <a:t>Low-pass filter introduce a low frequency distortion unexpectedly. </a:t>
+            </a:r>
+          </a:p>
+          <a:p>
+            <a:pPr marL="0" indent="0">
+              <a:buNone/>
+            </a:pPr>
+            <a:endParaRPr lang="en-US" sz="1200" dirty="0"/>
+          </a:p>
+          <a:p>
+            <a:pPr marL="0" indent="0">
+              <a:buNone/>
+            </a:pPr>
+            <a:r>
+              <a:rPr lang="en-US" sz="1400" b="1" dirty="0">
+                <a:solidFill>
+                  <a:schemeClr val="accent1"/>
+                </a:solidFill>
+              </a:rPr>
+              <a:t>And because of these aspects, performance drops.</a:t>
+            </a:r>
+          </a:p>
+          <a:p>
+            <a:pPr marL="0" indent="0">
+              <a:buNone/>
+            </a:pPr>
+            <a:r>
+              <a:rPr lang="en-US" sz="1400" i="1" dirty="0"/>
+              <a:t>In addition, one should consider that the a priori known information about the signals is valid about the signals as such, without considering additional processing steps. These, would render all the information used in vain.</a:t>
+            </a:r>
+            <a:endParaRPr lang="en-US" sz="1200" b="1" i="1" dirty="0"/>
+          </a:p>
+        </p:txBody>
+      </p:sp>
+      <p:pic>
+        <p:nvPicPr>
+          <p:cNvPr id="14" name="Immagine 13" descr="Immagine che contiene testo, diagramma, linea, Diagramma&#10;&#10;Descrizione generata automaticamente">
+            <a:extLst>
+              <a:ext uri="{FF2B5EF4-FFF2-40B4-BE49-F238E27FC236}">
+                <a16:creationId xmlns:a16="http://schemas.microsoft.com/office/drawing/2014/main" id="{FD87A3C8-4D75-BE7A-178A-9106C03FDE9F}"/>
+              </a:ext>
+            </a:extLst>
+          </p:cNvPr>
+          <p:cNvPicPr>
+            <a:picLocks noChangeAspect="1"/>
+          </p:cNvPicPr>
+          <p:nvPr/>
+        </p:nvPicPr>
+        <p:blipFill>
+          <a:blip r:embed="rId3">
+            <a:extLst>
+              <a:ext uri="{28A0092B-C50C-407E-A947-70E740481C1C}">
+                <a14:useLocalDpi xmlns:a14="http://schemas.microsoft.com/office/drawing/2010/main" val="0"/>
+              </a:ext>
+            </a:extLst>
+          </a:blip>
+          <a:srcRect l="6875" t="2390" r="2536" b="4288"/>
+          <a:stretch/>
+        </p:blipFill>
+        <p:spPr>
+          <a:xfrm>
+            <a:off x="5133105" y="1981434"/>
+            <a:ext cx="6199089" cy="3279534"/>
+          </a:xfrm>
+          <a:prstGeom prst="rect">
+            <a:avLst/>
+          </a:prstGeom>
+        </p:spPr>
+      </p:pic>
+      <p:grpSp>
+        <p:nvGrpSpPr>
+          <p:cNvPr id="12" name="Gruppo 11">
+            <a:extLst>
+              <a:ext uri="{FF2B5EF4-FFF2-40B4-BE49-F238E27FC236}">
+                <a16:creationId xmlns:a16="http://schemas.microsoft.com/office/drawing/2014/main" id="{17A5C7B5-7645-E13A-6CD1-0863183F166C}"/>
+              </a:ext>
+            </a:extLst>
+          </p:cNvPr>
+          <p:cNvGrpSpPr/>
+          <p:nvPr/>
+        </p:nvGrpSpPr>
+        <p:grpSpPr>
+          <a:xfrm>
+            <a:off x="4047735" y="1678534"/>
+            <a:ext cx="8144265" cy="2753145"/>
+            <a:chOff x="4047735" y="1678534"/>
+            <a:chExt cx="8144265" cy="2753145"/>
+          </a:xfrm>
+        </p:grpSpPr>
+        <p:pic>
+          <p:nvPicPr>
+            <p:cNvPr id="5" name="Immagine 4" descr="Immagine che contiene testo, linea, schermata, diagramma&#10;&#10;Descrizione generata automaticamente">
+              <a:extLst>
+                <a:ext uri="{FF2B5EF4-FFF2-40B4-BE49-F238E27FC236}">
+                  <a16:creationId xmlns:a16="http://schemas.microsoft.com/office/drawing/2014/main" id="{0FCCCEB9-AA4D-3BAC-BF2F-84392B61288D}"/>
+                </a:ext>
+              </a:extLst>
+            </p:cNvPr>
+            <p:cNvPicPr>
+              <a:picLocks noChangeAspect="1"/>
+            </p:cNvPicPr>
+            <p:nvPr/>
+          </p:nvPicPr>
+          <p:blipFill>
+            <a:blip r:embed="rId4">
+              <a:extLst>
+                <a:ext uri="{28A0092B-C50C-407E-A947-70E740481C1C}">
+                  <a14:useLocalDpi xmlns:a14="http://schemas.microsoft.com/office/drawing/2010/main" val="0"/>
+                </a:ext>
+              </a:extLst>
+            </a:blip>
+            <a:srcRect t="6661"/>
+            <a:stretch/>
+          </p:blipFill>
+          <p:spPr>
+            <a:xfrm>
+              <a:off x="4047735" y="1678535"/>
+              <a:ext cx="3956310" cy="2444518"/>
+            </a:xfrm>
+            <a:prstGeom prst="rect">
+              <a:avLst/>
+            </a:prstGeom>
+          </p:spPr>
+        </p:pic>
+        <p:pic>
+          <p:nvPicPr>
+            <p:cNvPr id="8" name="Immagine 7" descr="Immagine che contiene testo, diagramma, schermata, linea&#10;&#10;Descrizione generata automaticamente">
+              <a:extLst>
+                <a:ext uri="{FF2B5EF4-FFF2-40B4-BE49-F238E27FC236}">
+                  <a16:creationId xmlns:a16="http://schemas.microsoft.com/office/drawing/2014/main" id="{B98B2949-AA61-DCB7-B149-B51760E5C9F5}"/>
+                </a:ext>
+              </a:extLst>
+            </p:cNvPr>
+            <p:cNvPicPr>
+              <a:picLocks noChangeAspect="1"/>
+            </p:cNvPicPr>
+            <p:nvPr/>
+          </p:nvPicPr>
+          <p:blipFill>
+            <a:blip r:embed="rId5">
+              <a:extLst>
+                <a:ext uri="{28A0092B-C50C-407E-A947-70E740481C1C}">
+                  <a14:useLocalDpi xmlns:a14="http://schemas.microsoft.com/office/drawing/2010/main" val="0"/>
+                </a:ext>
+              </a:extLst>
+            </a:blip>
+            <a:srcRect t="6659"/>
+            <a:stretch/>
+          </p:blipFill>
+          <p:spPr>
+            <a:xfrm>
+              <a:off x="8235690" y="1678534"/>
+              <a:ext cx="3956310" cy="2444519"/>
+            </a:xfrm>
+            <a:prstGeom prst="rect">
+              <a:avLst/>
+            </a:prstGeom>
+          </p:spPr>
+        </p:pic>
+        <p:sp>
+          <p:nvSpPr>
+            <p:cNvPr id="9" name="Rettangolo con angoli arrotondati 8">
+              <a:extLst>
+                <a:ext uri="{FF2B5EF4-FFF2-40B4-BE49-F238E27FC236}">
+                  <a16:creationId xmlns:a16="http://schemas.microsoft.com/office/drawing/2014/main" id="{982E79E5-D403-9FEA-E5E9-C7EADCDC4D3C}"/>
+                </a:ext>
+              </a:extLst>
+            </p:cNvPr>
+            <p:cNvSpPr/>
+            <p:nvPr/>
+          </p:nvSpPr>
+          <p:spPr>
+            <a:xfrm>
+              <a:off x="7037289" y="4066554"/>
+              <a:ext cx="2390722" cy="365125"/>
+            </a:xfrm>
+            <a:prstGeom prst="roundRect">
+              <a:avLst/>
+            </a:prstGeom>
+          </p:spPr>
+          <p:style>
+            <a:lnRef idx="1">
+              <a:schemeClr val="accent4"/>
+            </a:lnRef>
+            <a:fillRef idx="2">
+              <a:schemeClr val="accent4"/>
+            </a:fillRef>
+            <a:effectRef idx="1">
+              <a:schemeClr val="accent4"/>
+            </a:effectRef>
+            <a:fontRef idx="minor">
+              <a:schemeClr val="dk1"/>
+            </a:fontRef>
+          </p:style>
+          <p:txBody>
+            <a:bodyPr rtlCol="0" anchor="ctr"/>
+            <a:lstStyle/>
+            <a:p>
+              <a:pPr algn="ctr"/>
+              <a:r>
+                <a:rPr lang="en-GB" dirty="0"/>
+                <a:t>Same signal</a:t>
+              </a:r>
+            </a:p>
+          </p:txBody>
+        </p:sp>
+        <p:sp>
+          <p:nvSpPr>
+            <p:cNvPr id="10" name="Rettangolo con angoli arrotondati 9">
+              <a:extLst>
+                <a:ext uri="{FF2B5EF4-FFF2-40B4-BE49-F238E27FC236}">
+                  <a16:creationId xmlns:a16="http://schemas.microsoft.com/office/drawing/2014/main" id="{B445BD98-5425-5425-5F4C-C2EE341D2C5D}"/>
+                </a:ext>
+              </a:extLst>
+            </p:cNvPr>
+            <p:cNvSpPr/>
+            <p:nvPr/>
+          </p:nvSpPr>
+          <p:spPr>
+            <a:xfrm>
+              <a:off x="6826430" y="1812745"/>
+              <a:ext cx="989373" cy="254258"/>
+            </a:xfrm>
+            <a:prstGeom prst="roundRect">
+              <a:avLst/>
+            </a:prstGeom>
+          </p:spPr>
+          <p:style>
+            <a:lnRef idx="1">
+              <a:schemeClr val="accent4"/>
+            </a:lnRef>
+            <a:fillRef idx="2">
+              <a:schemeClr val="accent4"/>
+            </a:fillRef>
+            <a:effectRef idx="1">
+              <a:schemeClr val="accent4"/>
+            </a:effectRef>
+            <a:fontRef idx="minor">
+              <a:schemeClr val="dk1"/>
+            </a:fontRef>
+          </p:style>
+          <p:txBody>
+            <a:bodyPr rtlCol="0" anchor="ctr"/>
+            <a:lstStyle/>
+            <a:p>
+              <a:pPr algn="ctr"/>
+              <a:r>
+                <a:rPr lang="en-GB" sz="1400" dirty="0"/>
+                <a:t>Original</a:t>
+              </a:r>
+            </a:p>
+          </p:txBody>
+        </p:sp>
+        <p:sp>
+          <p:nvSpPr>
+            <p:cNvPr id="11" name="Rettangolo con angoli arrotondati 10">
+              <a:extLst>
+                <a:ext uri="{FF2B5EF4-FFF2-40B4-BE49-F238E27FC236}">
+                  <a16:creationId xmlns:a16="http://schemas.microsoft.com/office/drawing/2014/main" id="{9DF5F9D8-50B0-FE48-A1AE-BE98DCDEF230}"/>
+                </a:ext>
+              </a:extLst>
+            </p:cNvPr>
+            <p:cNvSpPr/>
+            <p:nvPr/>
+          </p:nvSpPr>
+          <p:spPr>
+            <a:xfrm>
+              <a:off x="11021514" y="1812745"/>
+              <a:ext cx="989373" cy="254258"/>
+            </a:xfrm>
+            <a:prstGeom prst="roundRect">
+              <a:avLst/>
+            </a:prstGeom>
+          </p:spPr>
+          <p:style>
+            <a:lnRef idx="1">
+              <a:schemeClr val="accent4"/>
+            </a:lnRef>
+            <a:fillRef idx="2">
+              <a:schemeClr val="accent4"/>
+            </a:fillRef>
+            <a:effectRef idx="1">
+              <a:schemeClr val="accent4"/>
+            </a:effectRef>
+            <a:fontRef idx="minor">
+              <a:schemeClr val="dk1"/>
+            </a:fontRef>
+          </p:style>
+          <p:txBody>
+            <a:bodyPr rtlCol="0" anchor="ctr"/>
+            <a:lstStyle/>
+            <a:p>
+              <a:pPr algn="ctr"/>
+              <a:r>
+                <a:rPr lang="en-GB" sz="1400" dirty="0"/>
+                <a:t>Filtered</a:t>
+              </a:r>
+            </a:p>
+          </p:txBody>
+        </p:sp>
+      </p:grpSp>
+      <p:pic>
+        <p:nvPicPr>
+          <p:cNvPr id="19" name="Immagine 18" descr="Immagine che contiene testo, diagramma, linea, Diagramma&#10;&#10;Descrizione generata automaticamente">
+            <a:extLst>
+              <a:ext uri="{FF2B5EF4-FFF2-40B4-BE49-F238E27FC236}">
+                <a16:creationId xmlns:a16="http://schemas.microsoft.com/office/drawing/2014/main" id="{40B79C91-62E5-0C5B-CE4A-606545212492}"/>
+              </a:ext>
+            </a:extLst>
+          </p:cNvPr>
+          <p:cNvPicPr>
+            <a:picLocks noChangeAspect="1"/>
+          </p:cNvPicPr>
+          <p:nvPr/>
+        </p:nvPicPr>
+        <p:blipFill>
+          <a:blip r:embed="rId6">
+            <a:extLst>
+              <a:ext uri="{28A0092B-C50C-407E-A947-70E740481C1C}">
+                <a14:useLocalDpi xmlns:a14="http://schemas.microsoft.com/office/drawing/2010/main" val="0"/>
+              </a:ext>
+            </a:extLst>
+          </a:blip>
+          <a:stretch>
+            <a:fillRect/>
+          </a:stretch>
+        </p:blipFill>
+        <p:spPr>
+          <a:xfrm>
+            <a:off x="5303511" y="1778569"/>
+            <a:ext cx="5401067" cy="3575311"/>
+          </a:xfrm>
+          <a:prstGeom prst="rect">
+            <a:avLst/>
+          </a:prstGeom>
+        </p:spPr>
+      </p:pic>
+      <p:grpSp>
+        <p:nvGrpSpPr>
+          <p:cNvPr id="25" name="Gruppo 24">
+            <a:extLst>
+              <a:ext uri="{FF2B5EF4-FFF2-40B4-BE49-F238E27FC236}">
+                <a16:creationId xmlns:a16="http://schemas.microsoft.com/office/drawing/2014/main" id="{531B6AB0-2816-C257-C709-83DAB1F6D169}"/>
+              </a:ext>
+            </a:extLst>
+          </p:cNvPr>
+          <p:cNvGrpSpPr/>
+          <p:nvPr/>
+        </p:nvGrpSpPr>
+        <p:grpSpPr>
+          <a:xfrm>
+            <a:off x="5102293" y="1440112"/>
+            <a:ext cx="6437376" cy="4776042"/>
+            <a:chOff x="4745736" y="1504120"/>
+            <a:chExt cx="6437376" cy="4776042"/>
+          </a:xfrm>
+        </p:grpSpPr>
+        <p:pic>
+          <p:nvPicPr>
+            <p:cNvPr id="29" name="Immagine 28">
+              <a:extLst>
+                <a:ext uri="{FF2B5EF4-FFF2-40B4-BE49-F238E27FC236}">
+                  <a16:creationId xmlns:a16="http://schemas.microsoft.com/office/drawing/2014/main" id="{BD7FFBA4-1A7F-2234-6E0C-C3488CCF5BE3}"/>
+                </a:ext>
+              </a:extLst>
+            </p:cNvPr>
+            <p:cNvPicPr>
+              <a:picLocks noChangeAspect="1"/>
+            </p:cNvPicPr>
+            <p:nvPr/>
+          </p:nvPicPr>
+          <p:blipFill>
+            <a:blip r:embed="rId7">
+              <a:extLst>
+                <a:ext uri="{28A0092B-C50C-407E-A947-70E740481C1C}">
+                  <a14:useLocalDpi xmlns:a14="http://schemas.microsoft.com/office/drawing/2010/main" val="0"/>
+                </a:ext>
+              </a:extLst>
+            </a:blip>
+            <a:srcRect/>
+            <a:stretch/>
+          </p:blipFill>
+          <p:spPr>
+            <a:xfrm>
+              <a:off x="4857809" y="1504120"/>
+              <a:ext cx="2781183" cy="2388021"/>
+            </a:xfrm>
+            <a:prstGeom prst="rect">
+              <a:avLst/>
+            </a:prstGeom>
+          </p:spPr>
+        </p:pic>
+        <p:pic>
+          <p:nvPicPr>
+            <p:cNvPr id="30" name="Immagine 29">
+              <a:extLst>
+                <a:ext uri="{FF2B5EF4-FFF2-40B4-BE49-F238E27FC236}">
+                  <a16:creationId xmlns:a16="http://schemas.microsoft.com/office/drawing/2014/main" id="{C4C3F84E-00A4-E6C7-09AA-E11BD7797205}"/>
+                </a:ext>
+              </a:extLst>
+            </p:cNvPr>
+            <p:cNvPicPr>
+              <a:picLocks noChangeAspect="1"/>
+            </p:cNvPicPr>
+            <p:nvPr/>
+          </p:nvPicPr>
+          <p:blipFill>
+            <a:blip r:embed="rId8">
+              <a:extLst>
+                <a:ext uri="{28A0092B-C50C-407E-A947-70E740481C1C}">
+                  <a14:useLocalDpi xmlns:a14="http://schemas.microsoft.com/office/drawing/2010/main" val="0"/>
+                </a:ext>
+              </a:extLst>
+            </a:blip>
+            <a:srcRect l="189" t="1681" r="-189" b="20335"/>
+            <a:stretch/>
+          </p:blipFill>
+          <p:spPr>
+            <a:xfrm>
+              <a:off x="7905111" y="1504121"/>
+              <a:ext cx="3204221" cy="2077280"/>
+            </a:xfrm>
+            <a:prstGeom prst="rect">
+              <a:avLst/>
+            </a:prstGeom>
+          </p:spPr>
+        </p:pic>
+        <p:pic>
+          <p:nvPicPr>
+            <p:cNvPr id="31" name="Immagine 30">
+              <a:extLst>
+                <a:ext uri="{FF2B5EF4-FFF2-40B4-BE49-F238E27FC236}">
+                  <a16:creationId xmlns:a16="http://schemas.microsoft.com/office/drawing/2014/main" id="{B3D667F9-B884-005F-7900-E3F233666A6B}"/>
+                </a:ext>
+              </a:extLst>
+            </p:cNvPr>
+            <p:cNvPicPr>
+              <a:picLocks noChangeAspect="1"/>
+            </p:cNvPicPr>
+            <p:nvPr/>
+          </p:nvPicPr>
+          <p:blipFill>
+            <a:blip r:embed="rId9">
+              <a:extLst>
+                <a:ext uri="{28A0092B-C50C-407E-A947-70E740481C1C}">
+                  <a14:useLocalDpi xmlns:a14="http://schemas.microsoft.com/office/drawing/2010/main" val="0"/>
+                </a:ext>
+              </a:extLst>
+            </a:blip>
+            <a:srcRect/>
+            <a:stretch/>
+          </p:blipFill>
+          <p:spPr>
+            <a:xfrm>
+              <a:off x="4857809" y="3892142"/>
+              <a:ext cx="2781182" cy="2388020"/>
+            </a:xfrm>
+            <a:prstGeom prst="rect">
+              <a:avLst/>
+            </a:prstGeom>
+          </p:spPr>
+        </p:pic>
+        <p:pic>
+          <p:nvPicPr>
+            <p:cNvPr id="32" name="Immagine 31">
+              <a:extLst>
+                <a:ext uri="{FF2B5EF4-FFF2-40B4-BE49-F238E27FC236}">
+                  <a16:creationId xmlns:a16="http://schemas.microsoft.com/office/drawing/2014/main" id="{EFD418C5-28B3-A0EB-ECA7-CA6C78D6C9AA}"/>
+                </a:ext>
+              </a:extLst>
+            </p:cNvPr>
+            <p:cNvPicPr>
+              <a:picLocks noChangeAspect="1"/>
+            </p:cNvPicPr>
+            <p:nvPr/>
+          </p:nvPicPr>
+          <p:blipFill>
+            <a:blip r:embed="rId10">
+              <a:extLst>
+                <a:ext uri="{28A0092B-C50C-407E-A947-70E740481C1C}">
+                  <a14:useLocalDpi xmlns:a14="http://schemas.microsoft.com/office/drawing/2010/main" val="0"/>
+                </a:ext>
+              </a:extLst>
+            </a:blip>
+            <a:srcRect l="-609" t="-3551" r="609" b="17347"/>
+            <a:stretch/>
+          </p:blipFill>
+          <p:spPr>
+            <a:xfrm>
+              <a:off x="7905111" y="3892142"/>
+              <a:ext cx="3204221" cy="2077280"/>
+            </a:xfrm>
+            <a:prstGeom prst="rect">
+              <a:avLst/>
+            </a:prstGeom>
+          </p:spPr>
+        </p:pic>
+        <p:cxnSp>
+          <p:nvCxnSpPr>
+            <p:cNvPr id="33" name="Connettore diritto 32">
+              <a:extLst>
+                <a:ext uri="{FF2B5EF4-FFF2-40B4-BE49-F238E27FC236}">
+                  <a16:creationId xmlns:a16="http://schemas.microsoft.com/office/drawing/2014/main" id="{72696466-D313-C1A2-A39E-7BD5821B728A}"/>
+                </a:ext>
+              </a:extLst>
+            </p:cNvPr>
+            <p:cNvCxnSpPr/>
+            <p:nvPr/>
+          </p:nvCxnSpPr>
+          <p:spPr>
+            <a:xfrm>
+              <a:off x="4745736" y="3892142"/>
+              <a:ext cx="6437376" cy="0"/>
+            </a:xfrm>
+            <a:prstGeom prst="line">
+              <a:avLst/>
+            </a:prstGeom>
+          </p:spPr>
+          <p:style>
+            <a:lnRef idx="3">
+              <a:schemeClr val="dk1"/>
+            </a:lnRef>
+            <a:fillRef idx="0">
+              <a:schemeClr val="dk1"/>
+            </a:fillRef>
+            <a:effectRef idx="2">
+              <a:schemeClr val="dk1"/>
+            </a:effectRef>
+            <a:fontRef idx="minor">
+              <a:schemeClr val="tx1"/>
+            </a:fontRef>
+          </p:style>
+        </p:cxnSp>
+      </p:grpSp>
+    </p:spTree>
+    <p:extLst>
+      <p:ext uri="{BB962C8B-B14F-4D97-AF65-F5344CB8AC3E}">
+        <p14:creationId xmlns:p14="http://schemas.microsoft.com/office/powerpoint/2010/main" val="3905085748"/>
+      </p:ext>
+    </p:extLst>
+  </p:cSld>
+  <p:clrMapOvr>
+    <a:masterClrMapping/>
+  </p:clrMapOvr>
+  <p:timing>
+    <p:tnLst>
+      <p:par>
+        <p:cTn id="1" dur="indefinite" restart="never" nodeType="tmRoot">
+          <p:childTnLst>
+            <p:seq concurrent="1" nextAc="seek">
+              <p:cTn id="2" dur="indefinite" nodeType="mainSeq">
+                <p:childTnLst>
+                  <p:par>
+                    <p:cTn id="3" fill="hold">
+                      <p:stCondLst>
+                        <p:cond delay="indefinite"/>
+                      </p:stCondLst>
+                      <p:childTnLst>
+                        <p:par>
+                          <p:cTn id="4" fill="hold">
+                            <p:stCondLst>
+                              <p:cond delay="0"/>
+                            </p:stCondLst>
+                            <p:childTnLst>
+                              <p:par>
+                                <p:cTn id="5" presetID="2" presetClass="entr" presetSubtype="4" fill="hold" nodeType="clickEffect">
+                                  <p:stCondLst>
+                                    <p:cond delay="0"/>
+                                  </p:stCondLst>
+                                  <p:childTnLst>
+                                    <p:set>
+                                      <p:cBhvr>
+                                        <p:cTn id="6" dur="1" fill="hold">
+                                          <p:stCondLst>
+                                            <p:cond delay="0"/>
+                                          </p:stCondLst>
+                                        </p:cTn>
+                                        <p:tgtEl>
+                                          <p:spTgt spid="15">
+                                            <p:txEl>
+                                              <p:pRg st="2" end="2"/>
+                                            </p:txEl>
+                                          </p:spTgt>
+                                        </p:tgtEl>
+                                        <p:attrNameLst>
+                                          <p:attrName>style.visibility</p:attrName>
+                                        </p:attrNameLst>
+                                      </p:cBhvr>
+                                      <p:to>
+                                        <p:strVal val="visible"/>
+                                      </p:to>
+                                    </p:set>
+                                    <p:anim calcmode="lin" valueType="num">
+                                      <p:cBhvr additive="base">
+                                        <p:cTn id="7" dur="500" fill="hold"/>
+                                        <p:tgtEl>
+                                          <p:spTgt spid="15">
+                                            <p:txEl>
+                                              <p:pRg st="2" end="2"/>
+                                            </p:txEl>
+                                          </p:spTgt>
+                                        </p:tgtEl>
+                                        <p:attrNameLst>
+                                          <p:attrName>ppt_x</p:attrName>
+                                        </p:attrNameLst>
+                                      </p:cBhvr>
+                                      <p:tavLst>
+                                        <p:tav tm="0">
+                                          <p:val>
+                                            <p:strVal val="#ppt_x"/>
+                                          </p:val>
+                                        </p:tav>
+                                        <p:tav tm="100000">
+                                          <p:val>
+                                            <p:strVal val="#ppt_x"/>
+                                          </p:val>
+                                        </p:tav>
+                                      </p:tavLst>
+                                    </p:anim>
+                                    <p:anim calcmode="lin" valueType="num">
+                                      <p:cBhvr additive="base">
+                                        <p:cTn id="8" dur="500" fill="hold"/>
+                                        <p:tgtEl>
+                                          <p:spTgt spid="15">
+                                            <p:txEl>
+                                              <p:pRg st="2" end="2"/>
+                                            </p:txEl>
+                                          </p:spTgt>
+                                        </p:tgtEl>
+                                        <p:attrNameLst>
+                                          <p:attrName>ppt_y</p:attrName>
+                                        </p:attrNameLst>
+                                      </p:cBhvr>
+                                      <p:tavLst>
+                                        <p:tav tm="0">
+                                          <p:val>
+                                            <p:strVal val="1+#ppt_h/2"/>
+                                          </p:val>
+                                        </p:tav>
+                                        <p:tav tm="100000">
+                                          <p:val>
+                                            <p:strVal val="#ppt_y"/>
+                                          </p:val>
+                                        </p:tav>
+                                      </p:tavLst>
+                                    </p:anim>
+                                  </p:childTnLst>
+                                </p:cTn>
+                              </p:par>
+                              <p:par>
+                                <p:cTn id="9" presetID="6" presetClass="entr" presetSubtype="32" fill="hold" nodeType="withEffect">
+                                  <p:stCondLst>
+                                    <p:cond delay="0"/>
+                                  </p:stCondLst>
+                                  <p:childTnLst>
+                                    <p:set>
+                                      <p:cBhvr>
+                                        <p:cTn id="10" dur="1" fill="hold">
+                                          <p:stCondLst>
+                                            <p:cond delay="0"/>
+                                          </p:stCondLst>
+                                        </p:cTn>
+                                        <p:tgtEl>
+                                          <p:spTgt spid="14"/>
+                                        </p:tgtEl>
+                                        <p:attrNameLst>
+                                          <p:attrName>style.visibility</p:attrName>
+                                        </p:attrNameLst>
+                                      </p:cBhvr>
+                                      <p:to>
+                                        <p:strVal val="visible"/>
+                                      </p:to>
+                                    </p:set>
+                                    <p:animEffect transition="in" filter="circle(out)">
+                                      <p:cBhvr>
+                                        <p:cTn id="11" dur="500"/>
+                                        <p:tgtEl>
+                                          <p:spTgt spid="14"/>
+                                        </p:tgtEl>
+                                      </p:cBhvr>
+                                    </p:animEffect>
+                                  </p:childTnLst>
+                                </p:cTn>
+                              </p:par>
+                            </p:childTnLst>
+                          </p:cTn>
+                        </p:par>
+                      </p:childTnLst>
+                    </p:cTn>
+                  </p:par>
+                  <p:par>
+                    <p:cTn id="12" fill="hold">
+                      <p:stCondLst>
+                        <p:cond delay="indefinite"/>
+                      </p:stCondLst>
+                      <p:childTnLst>
+                        <p:par>
+                          <p:cTn id="13" fill="hold">
+                            <p:stCondLst>
+                              <p:cond delay="0"/>
+                            </p:stCondLst>
+                            <p:childTnLst>
+                              <p:par>
+                                <p:cTn id="14" presetID="2" presetClass="entr" presetSubtype="4" fill="hold" nodeType="clickEffect">
+                                  <p:stCondLst>
+                                    <p:cond delay="0"/>
+                                  </p:stCondLst>
+                                  <p:childTnLst>
+                                    <p:set>
+                                      <p:cBhvr>
+                                        <p:cTn id="15" dur="1" fill="hold">
+                                          <p:stCondLst>
+                                            <p:cond delay="0"/>
+                                          </p:stCondLst>
+                                        </p:cTn>
+                                        <p:tgtEl>
+                                          <p:spTgt spid="15">
+                                            <p:txEl>
+                                              <p:pRg st="3" end="3"/>
+                                            </p:txEl>
+                                          </p:spTgt>
+                                        </p:tgtEl>
+                                        <p:attrNameLst>
+                                          <p:attrName>style.visibility</p:attrName>
+                                        </p:attrNameLst>
+                                      </p:cBhvr>
+                                      <p:to>
+                                        <p:strVal val="visible"/>
+                                      </p:to>
+                                    </p:set>
+                                    <p:anim calcmode="lin" valueType="num">
+                                      <p:cBhvr additive="base">
+                                        <p:cTn id="16" dur="500" fill="hold"/>
+                                        <p:tgtEl>
+                                          <p:spTgt spid="15">
+                                            <p:txEl>
+                                              <p:pRg st="3" end="3"/>
+                                            </p:txEl>
+                                          </p:spTgt>
+                                        </p:tgtEl>
+                                        <p:attrNameLst>
+                                          <p:attrName>ppt_x</p:attrName>
+                                        </p:attrNameLst>
+                                      </p:cBhvr>
+                                      <p:tavLst>
+                                        <p:tav tm="0">
+                                          <p:val>
+                                            <p:strVal val="#ppt_x"/>
+                                          </p:val>
+                                        </p:tav>
+                                        <p:tav tm="100000">
+                                          <p:val>
+                                            <p:strVal val="#ppt_x"/>
+                                          </p:val>
+                                        </p:tav>
+                                      </p:tavLst>
+                                    </p:anim>
+                                    <p:anim calcmode="lin" valueType="num">
+                                      <p:cBhvr additive="base">
+                                        <p:cTn id="17" dur="500" fill="hold"/>
+                                        <p:tgtEl>
+                                          <p:spTgt spid="15">
+                                            <p:txEl>
+                                              <p:pRg st="3" end="3"/>
+                                            </p:txEl>
+                                          </p:spTgt>
+                                        </p:tgtEl>
+                                        <p:attrNameLst>
+                                          <p:attrName>ppt_y</p:attrName>
+                                        </p:attrNameLst>
+                                      </p:cBhvr>
+                                      <p:tavLst>
+                                        <p:tav tm="0">
+                                          <p:val>
+                                            <p:strVal val="1+#ppt_h/2"/>
+                                          </p:val>
+                                        </p:tav>
+                                        <p:tav tm="100000">
+                                          <p:val>
+                                            <p:strVal val="#ppt_y"/>
+                                          </p:val>
+                                        </p:tav>
+                                      </p:tavLst>
+                                    </p:anim>
+                                  </p:childTnLst>
+                                </p:cTn>
+                              </p:par>
+                            </p:childTnLst>
+                          </p:cTn>
+                        </p:par>
+                        <p:par>
+                          <p:cTn id="18" fill="hold">
+                            <p:stCondLst>
+                              <p:cond delay="500"/>
+                            </p:stCondLst>
+                            <p:childTnLst>
+                              <p:par>
+                                <p:cTn id="19" presetID="10" presetClass="exit" presetSubtype="0" fill="hold" nodeType="afterEffect">
+                                  <p:stCondLst>
+                                    <p:cond delay="0"/>
+                                  </p:stCondLst>
+                                  <p:childTnLst>
+                                    <p:animEffect transition="out" filter="fade">
+                                      <p:cBhvr>
+                                        <p:cTn id="20" dur="500"/>
+                                        <p:tgtEl>
+                                          <p:spTgt spid="14"/>
+                                        </p:tgtEl>
+                                      </p:cBhvr>
+                                    </p:animEffect>
+                                    <p:set>
+                                      <p:cBhvr>
+                                        <p:cTn id="21" dur="1" fill="hold">
+                                          <p:stCondLst>
+                                            <p:cond delay="499"/>
+                                          </p:stCondLst>
+                                        </p:cTn>
+                                        <p:tgtEl>
+                                          <p:spTgt spid="14"/>
+                                        </p:tgtEl>
+                                        <p:attrNameLst>
+                                          <p:attrName>style.visibility</p:attrName>
+                                        </p:attrNameLst>
+                                      </p:cBhvr>
+                                      <p:to>
+                                        <p:strVal val="hidden"/>
+                                      </p:to>
+                                    </p:set>
+                                  </p:childTnLst>
+                                </p:cTn>
+                              </p:par>
+                            </p:childTnLst>
+                          </p:cTn>
+                        </p:par>
+                        <p:par>
+                          <p:cTn id="22" fill="hold">
+                            <p:stCondLst>
+                              <p:cond delay="1000"/>
+                            </p:stCondLst>
+                            <p:childTnLst>
+                              <p:par>
+                                <p:cTn id="23" presetID="6" presetClass="entr" presetSubtype="32" fill="hold" nodeType="afterEffect">
+                                  <p:stCondLst>
+                                    <p:cond delay="0"/>
+                                  </p:stCondLst>
+                                  <p:childTnLst>
+                                    <p:set>
+                                      <p:cBhvr>
+                                        <p:cTn id="24" dur="1" fill="hold">
+                                          <p:stCondLst>
+                                            <p:cond delay="0"/>
+                                          </p:stCondLst>
+                                        </p:cTn>
+                                        <p:tgtEl>
+                                          <p:spTgt spid="12"/>
+                                        </p:tgtEl>
+                                        <p:attrNameLst>
+                                          <p:attrName>style.visibility</p:attrName>
+                                        </p:attrNameLst>
+                                      </p:cBhvr>
+                                      <p:to>
+                                        <p:strVal val="visible"/>
+                                      </p:to>
+                                    </p:set>
+                                    <p:animEffect transition="in" filter="circle(out)">
+                                      <p:cBhvr>
+                                        <p:cTn id="25" dur="500"/>
+                                        <p:tgtEl>
+                                          <p:spTgt spid="12"/>
+                                        </p:tgtEl>
+                                      </p:cBhvr>
+                                    </p:animEffect>
+                                  </p:childTnLst>
+                                </p:cTn>
+                              </p:par>
+                            </p:childTnLst>
+                          </p:cTn>
+                        </p:par>
+                      </p:childTnLst>
+                    </p:cTn>
+                  </p:par>
+                  <p:par>
+                    <p:cTn id="26" fill="hold">
+                      <p:stCondLst>
+                        <p:cond delay="indefinite"/>
+                      </p:stCondLst>
+                      <p:childTnLst>
+                        <p:par>
+                          <p:cTn id="27" fill="hold">
+                            <p:stCondLst>
+                              <p:cond delay="0"/>
+                            </p:stCondLst>
+                            <p:childTnLst>
+                              <p:par>
+                                <p:cTn id="28" presetID="2" presetClass="entr" presetSubtype="4" fill="hold" nodeType="clickEffect">
+                                  <p:stCondLst>
+                                    <p:cond delay="0"/>
+                                  </p:stCondLst>
+                                  <p:childTnLst>
+                                    <p:set>
+                                      <p:cBhvr>
+                                        <p:cTn id="29" dur="1" fill="hold">
+                                          <p:stCondLst>
+                                            <p:cond delay="0"/>
+                                          </p:stCondLst>
+                                        </p:cTn>
+                                        <p:tgtEl>
+                                          <p:spTgt spid="15">
+                                            <p:txEl>
+                                              <p:pRg st="4" end="4"/>
+                                            </p:txEl>
+                                          </p:spTgt>
+                                        </p:tgtEl>
+                                        <p:attrNameLst>
+                                          <p:attrName>style.visibility</p:attrName>
+                                        </p:attrNameLst>
+                                      </p:cBhvr>
+                                      <p:to>
+                                        <p:strVal val="visible"/>
+                                      </p:to>
+                                    </p:set>
+                                    <p:anim calcmode="lin" valueType="num">
+                                      <p:cBhvr additive="base">
+                                        <p:cTn id="30" dur="500" fill="hold"/>
+                                        <p:tgtEl>
+                                          <p:spTgt spid="15">
+                                            <p:txEl>
+                                              <p:pRg st="4" end="4"/>
+                                            </p:txEl>
+                                          </p:spTgt>
+                                        </p:tgtEl>
+                                        <p:attrNameLst>
+                                          <p:attrName>ppt_x</p:attrName>
+                                        </p:attrNameLst>
+                                      </p:cBhvr>
+                                      <p:tavLst>
+                                        <p:tav tm="0">
+                                          <p:val>
+                                            <p:strVal val="#ppt_x"/>
+                                          </p:val>
+                                        </p:tav>
+                                        <p:tav tm="100000">
+                                          <p:val>
+                                            <p:strVal val="#ppt_x"/>
+                                          </p:val>
+                                        </p:tav>
+                                      </p:tavLst>
+                                    </p:anim>
+                                    <p:anim calcmode="lin" valueType="num">
+                                      <p:cBhvr additive="base">
+                                        <p:cTn id="31" dur="500" fill="hold"/>
+                                        <p:tgtEl>
+                                          <p:spTgt spid="15">
+                                            <p:txEl>
+                                              <p:pRg st="4" end="4"/>
+                                            </p:txEl>
+                                          </p:spTgt>
+                                        </p:tgtEl>
+                                        <p:attrNameLst>
+                                          <p:attrName>ppt_y</p:attrName>
+                                        </p:attrNameLst>
+                                      </p:cBhvr>
+                                      <p:tavLst>
+                                        <p:tav tm="0">
+                                          <p:val>
+                                            <p:strVal val="1+#ppt_h/2"/>
+                                          </p:val>
+                                        </p:tav>
+                                        <p:tav tm="100000">
+                                          <p:val>
+                                            <p:strVal val="#ppt_y"/>
+                                          </p:val>
+                                        </p:tav>
+                                      </p:tavLst>
+                                    </p:anim>
+                                  </p:childTnLst>
+                                </p:cTn>
+                              </p:par>
+                            </p:childTnLst>
+                          </p:cTn>
+                        </p:par>
+                      </p:childTnLst>
+                    </p:cTn>
+                  </p:par>
+                  <p:par>
+                    <p:cTn id="32" fill="hold">
+                      <p:stCondLst>
+                        <p:cond delay="indefinite"/>
+                      </p:stCondLst>
+                      <p:childTnLst>
+                        <p:par>
+                          <p:cTn id="33" fill="hold">
+                            <p:stCondLst>
+                              <p:cond delay="0"/>
+                            </p:stCondLst>
+                            <p:childTnLst>
+                              <p:par>
+                                <p:cTn id="34" presetID="2" presetClass="entr" presetSubtype="4" fill="hold" nodeType="clickEffect">
+                                  <p:stCondLst>
+                                    <p:cond delay="0"/>
+                                  </p:stCondLst>
+                                  <p:childTnLst>
+                                    <p:set>
+                                      <p:cBhvr>
+                                        <p:cTn id="35" dur="1" fill="hold">
+                                          <p:stCondLst>
+                                            <p:cond delay="0"/>
+                                          </p:stCondLst>
+                                        </p:cTn>
+                                        <p:tgtEl>
+                                          <p:spTgt spid="15">
+                                            <p:txEl>
+                                              <p:pRg st="6" end="6"/>
+                                            </p:txEl>
+                                          </p:spTgt>
+                                        </p:tgtEl>
+                                        <p:attrNameLst>
+                                          <p:attrName>style.visibility</p:attrName>
+                                        </p:attrNameLst>
+                                      </p:cBhvr>
+                                      <p:to>
+                                        <p:strVal val="visible"/>
+                                      </p:to>
+                                    </p:set>
+                                    <p:anim calcmode="lin" valueType="num">
+                                      <p:cBhvr additive="base">
+                                        <p:cTn id="36" dur="500" fill="hold"/>
+                                        <p:tgtEl>
+                                          <p:spTgt spid="15">
+                                            <p:txEl>
+                                              <p:pRg st="6" end="6"/>
+                                            </p:txEl>
+                                          </p:spTgt>
+                                        </p:tgtEl>
+                                        <p:attrNameLst>
+                                          <p:attrName>ppt_x</p:attrName>
+                                        </p:attrNameLst>
+                                      </p:cBhvr>
+                                      <p:tavLst>
+                                        <p:tav tm="0">
+                                          <p:val>
+                                            <p:strVal val="#ppt_x"/>
+                                          </p:val>
+                                        </p:tav>
+                                        <p:tav tm="100000">
+                                          <p:val>
+                                            <p:strVal val="#ppt_x"/>
+                                          </p:val>
+                                        </p:tav>
+                                      </p:tavLst>
+                                    </p:anim>
+                                    <p:anim calcmode="lin" valueType="num">
+                                      <p:cBhvr additive="base">
+                                        <p:cTn id="37" dur="500" fill="hold"/>
+                                        <p:tgtEl>
+                                          <p:spTgt spid="15">
+                                            <p:txEl>
+                                              <p:pRg st="6" end="6"/>
+                                            </p:txEl>
+                                          </p:spTgt>
+                                        </p:tgtEl>
+                                        <p:attrNameLst>
+                                          <p:attrName>ppt_y</p:attrName>
+                                        </p:attrNameLst>
+                                      </p:cBhvr>
+                                      <p:tavLst>
+                                        <p:tav tm="0">
+                                          <p:val>
+                                            <p:strVal val="1+#ppt_h/2"/>
+                                          </p:val>
+                                        </p:tav>
+                                        <p:tav tm="100000">
+                                          <p:val>
+                                            <p:strVal val="#ppt_y"/>
+                                          </p:val>
+                                        </p:tav>
+                                      </p:tavLst>
+                                    </p:anim>
+                                  </p:childTnLst>
+                                </p:cTn>
+                              </p:par>
+                              <p:par>
+                                <p:cTn id="38" presetID="10" presetClass="exit" presetSubtype="0" fill="hold" nodeType="withEffect">
+                                  <p:stCondLst>
+                                    <p:cond delay="0"/>
+                                  </p:stCondLst>
+                                  <p:childTnLst>
+                                    <p:animEffect transition="out" filter="fade">
+                                      <p:cBhvr>
+                                        <p:cTn id="39" dur="500"/>
+                                        <p:tgtEl>
+                                          <p:spTgt spid="12"/>
+                                        </p:tgtEl>
+                                      </p:cBhvr>
+                                    </p:animEffect>
+                                    <p:set>
+                                      <p:cBhvr>
+                                        <p:cTn id="40" dur="1" fill="hold">
+                                          <p:stCondLst>
+                                            <p:cond delay="499"/>
+                                          </p:stCondLst>
+                                        </p:cTn>
+                                        <p:tgtEl>
+                                          <p:spTgt spid="12"/>
+                                        </p:tgtEl>
+                                        <p:attrNameLst>
+                                          <p:attrName>style.visibility</p:attrName>
+                                        </p:attrNameLst>
+                                      </p:cBhvr>
+                                      <p:to>
+                                        <p:strVal val="hidden"/>
+                                      </p:to>
+                                    </p:set>
+                                  </p:childTnLst>
+                                </p:cTn>
+                              </p:par>
+                            </p:childTnLst>
+                          </p:cTn>
+                        </p:par>
+                        <p:par>
+                          <p:cTn id="41" fill="hold">
+                            <p:stCondLst>
+                              <p:cond delay="500"/>
+                            </p:stCondLst>
+                            <p:childTnLst>
+                              <p:par>
+                                <p:cTn id="42" presetID="6" presetClass="entr" presetSubtype="32" fill="hold" nodeType="afterEffect">
+                                  <p:stCondLst>
+                                    <p:cond delay="0"/>
+                                  </p:stCondLst>
+                                  <p:childTnLst>
+                                    <p:set>
+                                      <p:cBhvr>
+                                        <p:cTn id="43" dur="1" fill="hold">
+                                          <p:stCondLst>
+                                            <p:cond delay="0"/>
+                                          </p:stCondLst>
+                                        </p:cTn>
+                                        <p:tgtEl>
+                                          <p:spTgt spid="19"/>
+                                        </p:tgtEl>
+                                        <p:attrNameLst>
+                                          <p:attrName>style.visibility</p:attrName>
+                                        </p:attrNameLst>
+                                      </p:cBhvr>
+                                      <p:to>
+                                        <p:strVal val="visible"/>
+                                      </p:to>
+                                    </p:set>
+                                    <p:animEffect transition="in" filter="circle(out)">
+                                      <p:cBhvr>
+                                        <p:cTn id="44" dur="500"/>
+                                        <p:tgtEl>
+                                          <p:spTgt spid="19"/>
+                                        </p:tgtEl>
+                                      </p:cBhvr>
+                                    </p:animEffect>
+                                  </p:childTnLst>
+                                </p:cTn>
+                              </p:par>
+                              <p:par>
+                                <p:cTn id="45" presetID="6" presetClass="entr" presetSubtype="32" fill="hold" nodeType="withEffect">
+                                  <p:stCondLst>
+                                    <p:cond delay="0"/>
+                                  </p:stCondLst>
+                                  <p:childTnLst>
+                                    <p:set>
+                                      <p:cBhvr>
+                                        <p:cTn id="46" dur="1" fill="hold">
+                                          <p:stCondLst>
+                                            <p:cond delay="0"/>
+                                          </p:stCondLst>
+                                        </p:cTn>
+                                        <p:tgtEl>
+                                          <p:spTgt spid="25"/>
+                                        </p:tgtEl>
+                                        <p:attrNameLst>
+                                          <p:attrName>style.visibility</p:attrName>
+                                        </p:attrNameLst>
+                                      </p:cBhvr>
+                                      <p:to>
+                                        <p:strVal val="visible"/>
+                                      </p:to>
+                                    </p:set>
+                                    <p:animEffect transition="in" filter="circle(out)">
+                                      <p:cBhvr>
+                                        <p:cTn id="47" dur="500"/>
+                                        <p:tgtEl>
+                                          <p:spTgt spid="25"/>
+                                        </p:tgtEl>
+                                      </p:cBhvr>
+                                    </p:animEffect>
+                                  </p:childTnLst>
+                                </p:cTn>
+                              </p:par>
+                            </p:childTnLst>
+                          </p:cTn>
+                        </p:par>
+                      </p:childTnLst>
+                    </p:cTn>
+                  </p:par>
+                  <p:par>
+                    <p:cTn id="48" fill="hold">
+                      <p:stCondLst>
+                        <p:cond delay="indefinite"/>
+                      </p:stCondLst>
+                      <p:childTnLst>
+                        <p:par>
+                          <p:cTn id="49" fill="hold">
+                            <p:stCondLst>
+                              <p:cond delay="0"/>
+                            </p:stCondLst>
+                            <p:childTnLst>
+                              <p:par>
+                                <p:cTn id="50" presetID="10" presetClass="entr" presetSubtype="0" fill="hold" nodeType="clickEffect">
+                                  <p:stCondLst>
+                                    <p:cond delay="0"/>
+                                  </p:stCondLst>
+                                  <p:childTnLst>
+                                    <p:set>
+                                      <p:cBhvr>
+                                        <p:cTn id="51" dur="1" fill="hold">
+                                          <p:stCondLst>
+                                            <p:cond delay="0"/>
+                                          </p:stCondLst>
+                                        </p:cTn>
+                                        <p:tgtEl>
+                                          <p:spTgt spid="15">
+                                            <p:txEl>
+                                              <p:pRg st="7" end="7"/>
+                                            </p:txEl>
+                                          </p:spTgt>
+                                        </p:tgtEl>
+                                        <p:attrNameLst>
+                                          <p:attrName>style.visibility</p:attrName>
+                                        </p:attrNameLst>
+                                      </p:cBhvr>
+                                      <p:to>
+                                        <p:strVal val="visible"/>
+                                      </p:to>
+                                    </p:set>
+                                    <p:animEffect transition="in" filter="fade">
+                                      <p:cBhvr>
+                                        <p:cTn id="52" dur="500"/>
+                                        <p:tgtEl>
+                                          <p:spTgt spid="15">
+                                            <p:txEl>
+                                              <p:pRg st="7" end="7"/>
+                                            </p:txEl>
+                                          </p:spTgt>
+                                        </p:tgtEl>
+                                      </p:cBhvr>
+                                    </p:animEffect>
+                                  </p:childTnLst>
+                                </p:cTn>
+                              </p:par>
+                            </p:childTnLst>
+                          </p:cTn>
+                        </p:par>
+                      </p:childTnLst>
+                    </p:cTn>
+                  </p:par>
+                </p:childTnLst>
+              </p:cTn>
+              <p:prevCondLst>
+                <p:cond evt="onPrev" delay="0">
+                  <p:tgtEl>
+                    <p:sldTgt/>
+                  </p:tgtEl>
+                </p:cond>
+              </p:prevCondLst>
+              <p:nextCondLst>
+                <p:cond evt="onNext" delay="0">
+                  <p:tgtEl>
+                    <p:sldTgt/>
+                  </p:tgtEl>
+                </p:cond>
+              </p:nextCondLst>
+            </p:seq>
+          </p:childTnLst>
+        </p:cTn>
+      </p:par>
+    </p:tnLst>
+  </p:timing>
 </p:sld>
 </file>
 

--- a/Documentation/5. Heuristic classifier.pptx
+++ b/Documentation/5. Heuristic classifier.pptx
@@ -227,7 +227,7 @@
           <a:p>
             <a:fld id="{1A21894F-B278-4D96-9594-A030EA633187}" type="datetimeFigureOut">
               <a:rPr lang="it-IT" smtClean="0"/>
-              <a:t>01/11/2024</a:t>
+              <a:t>02/11/2024</a:t>
             </a:fld>
             <a:endParaRPr lang="it-IT"/>
           </a:p>
@@ -4099,7 +4099,7 @@
           <a:p>
             <a:fld id="{58E4D78B-0F35-4E3B-A0B9-554BA787D8A4}" type="datetime1">
               <a:rPr lang="en-US" smtClean="0"/>
-              <a:t>11/1/2024</a:t>
+              <a:t>11/2/2024</a:t>
             </a:fld>
             <a:endParaRPr lang="en-US"/>
           </a:p>
@@ -4309,7 +4309,7 @@
           <a:p>
             <a:fld id="{604487E5-BE79-4BAC-AEB7-0CE0533B5E5C}" type="datetime1">
               <a:rPr lang="en-US" smtClean="0"/>
-              <a:t>11/1/2024</a:t>
+              <a:t>11/2/2024</a:t>
             </a:fld>
             <a:endParaRPr lang="en-US"/>
           </a:p>
@@ -4509,7 +4509,7 @@
           <a:p>
             <a:fld id="{DDA7E0CB-9E21-49FD-99A0-0CD75BBC45F4}" type="datetime1">
               <a:rPr lang="en-US" smtClean="0"/>
-              <a:t>11/1/2024</a:t>
+              <a:t>11/2/2024</a:t>
             </a:fld>
             <a:endParaRPr lang="en-US"/>
           </a:p>
@@ -4785,7 +4785,7 @@
           <a:p>
             <a:fld id="{661D7149-FE96-419A-8F67-9BD351842985}" type="datetime1">
               <a:rPr lang="en-US" smtClean="0"/>
-              <a:t>11/1/2024</a:t>
+              <a:t>11/2/2024</a:t>
             </a:fld>
             <a:endParaRPr lang="en-US"/>
           </a:p>
@@ -5053,7 +5053,7 @@
           <a:p>
             <a:fld id="{6CA97CEF-DD94-4A20-85BC-5094F3EA8887}" type="datetime1">
               <a:rPr lang="en-US" smtClean="0"/>
-              <a:t>11/1/2024</a:t>
+              <a:t>11/2/2024</a:t>
             </a:fld>
             <a:endParaRPr lang="en-US"/>
           </a:p>
@@ -5468,7 +5468,7 @@
           <a:p>
             <a:fld id="{9862EB4C-45F8-47BA-B435-B6097D61B684}" type="datetime1">
               <a:rPr lang="en-US" smtClean="0"/>
-              <a:t>11/1/2024</a:t>
+              <a:t>11/2/2024</a:t>
             </a:fld>
             <a:endParaRPr lang="en-US"/>
           </a:p>
@@ -5610,7 +5610,7 @@
           <a:p>
             <a:fld id="{FA7CD0E2-B7EC-4D81-9389-8F889EE865AB}" type="datetime1">
               <a:rPr lang="en-US" smtClean="0"/>
-              <a:t>11/1/2024</a:t>
+              <a:t>11/2/2024</a:t>
             </a:fld>
             <a:endParaRPr lang="en-US"/>
           </a:p>
@@ -5723,7 +5723,7 @@
           <a:p>
             <a:fld id="{18B47F5C-7FA0-44DA-BF82-413AB90208B7}" type="datetime1">
               <a:rPr lang="en-US" smtClean="0"/>
-              <a:t>11/1/2024</a:t>
+              <a:t>11/2/2024</a:t>
             </a:fld>
             <a:endParaRPr lang="en-US"/>
           </a:p>
@@ -6036,7 +6036,7 @@
           <a:p>
             <a:fld id="{403415A8-F8BD-47CC-8D20-53798396961D}" type="datetime1">
               <a:rPr lang="en-US" smtClean="0"/>
-              <a:t>11/1/2024</a:t>
+              <a:t>11/2/2024</a:t>
             </a:fld>
             <a:endParaRPr lang="en-US"/>
           </a:p>
@@ -6325,7 +6325,7 @@
           <a:p>
             <a:fld id="{6A12F5A1-6669-4CDD-B1B4-04FFE5C41ADE}" type="datetime1">
               <a:rPr lang="en-US" smtClean="0"/>
-              <a:t>11/1/2024</a:t>
+              <a:t>11/2/2024</a:t>
             </a:fld>
             <a:endParaRPr lang="en-US"/>
           </a:p>
@@ -6529,7 +6529,7 @@
           <a:p>
             <a:fld id="{63421662-C242-4258-8799-9F32C0D7CC75}" type="datetime1">
               <a:rPr lang="en-US" smtClean="0"/>
-              <a:t>11/1/2024</a:t>
+              <a:t>11/2/2024</a:t>
             </a:fld>
             <a:endParaRPr lang="en-US"/>
           </a:p>
@@ -7242,7 +7242,7 @@
           <a:p>
             <a:r>
               <a:rPr lang="en-US" sz="4400" dirty="0"/>
-              <a:t>Heuristic classifier</a:t>
+              <a:t>Heuristic classifier, strategy A</a:t>
             </a:r>
           </a:p>
           <a:p>
@@ -11979,6 +11979,98 @@
           </a:fontRef>
         </p:style>
       </p:cxnSp>
+      <p:sp>
+        <p:nvSpPr>
+          <p:cNvPr id="3" name="Rettangolo con angoli arrotondati 2">
+            <a:extLst>
+              <a:ext uri="{FF2B5EF4-FFF2-40B4-BE49-F238E27FC236}">
+                <a16:creationId xmlns:a16="http://schemas.microsoft.com/office/drawing/2014/main" id="{6A0EBE4B-648D-F1F7-A901-937D9AC3BA5D}"/>
+              </a:ext>
+            </a:extLst>
+          </p:cNvPr>
+          <p:cNvSpPr/>
+          <p:nvPr/>
+        </p:nvSpPr>
+        <p:spPr>
+          <a:xfrm>
+            <a:off x="8616660" y="5307523"/>
+            <a:ext cx="2945569" cy="950976"/>
+          </a:xfrm>
+          <a:prstGeom prst="roundRect">
+            <a:avLst/>
+          </a:prstGeom>
+        </p:spPr>
+        <p:style>
+          <a:lnRef idx="1">
+            <a:schemeClr val="accent3"/>
+          </a:lnRef>
+          <a:fillRef idx="2">
+            <a:schemeClr val="accent3"/>
+          </a:fillRef>
+          <a:effectRef idx="1">
+            <a:schemeClr val="accent3"/>
+          </a:effectRef>
+          <a:fontRef idx="minor">
+            <a:schemeClr val="dk1"/>
+          </a:fontRef>
+        </p:style>
+        <p:txBody>
+          <a:bodyPr rtlCol="0" anchor="ctr"/>
+          <a:lstStyle/>
+          <a:p>
+            <a:r>
+              <a:rPr lang="en-GB" sz="1100" dirty="0">
+                <a:solidFill>
+                  <a:schemeClr val="bg1">
+                    <a:lumMod val="50000"/>
+                  </a:schemeClr>
+                </a:solidFill>
+              </a:rPr>
+              <a:t>If train/test split is done, the </a:t>
+            </a:r>
+            <a:r>
+              <a:rPr lang="en-GB" sz="1100" dirty="0" err="1">
+                <a:solidFill>
+                  <a:schemeClr val="bg1">
+                    <a:lumMod val="50000"/>
+                  </a:schemeClr>
+                </a:solidFill>
+              </a:rPr>
+              <a:t>mult_factor</a:t>
+            </a:r>
+            <a:r>
+              <a:rPr lang="en-GB" sz="1100" dirty="0">
+                <a:solidFill>
+                  <a:schemeClr val="bg1">
+                    <a:lumMod val="50000"/>
+                  </a:schemeClr>
+                </a:solidFill>
+              </a:rPr>
+              <a:t> is evaluated one time for all. On the other hand, in case of LOPO CV, </a:t>
+            </a:r>
+            <a:r>
+              <a:rPr lang="en-GB" sz="1100" dirty="0" err="1">
+                <a:solidFill>
+                  <a:schemeClr val="bg1">
+                    <a:lumMod val="50000"/>
+                  </a:schemeClr>
+                </a:solidFill>
+              </a:rPr>
+              <a:t>mult_factor</a:t>
+            </a:r>
+            <a:r>
+              <a:rPr lang="en-GB" sz="1100" dirty="0">
+                <a:solidFill>
+                  <a:schemeClr val="bg1">
+                    <a:lumMod val="50000"/>
+                  </a:schemeClr>
+                </a:solidFill>
+              </a:rPr>
+              <a:t> is evaluated iteratively on the train set of the current iteration. See appendix 1.</a:t>
+            </a:r>
+          </a:p>
+        </p:txBody>
+      </p:sp>
     </p:spTree>
     <p:extLst>
       <p:ext uri="{BB962C8B-B14F-4D97-AF65-F5344CB8AC3E}">
@@ -15539,6 +15631,58 @@
           </a:prstGeom>
         </p:spPr>
       </p:pic>
+      <p:sp>
+        <p:nvSpPr>
+          <p:cNvPr id="3" name="Rettangolo con angoli arrotondati 2">
+            <a:extLst>
+              <a:ext uri="{FF2B5EF4-FFF2-40B4-BE49-F238E27FC236}">
+                <a16:creationId xmlns:a16="http://schemas.microsoft.com/office/drawing/2014/main" id="{5228C8E4-2247-9754-B9D0-CBAD12D7DE14}"/>
+              </a:ext>
+            </a:extLst>
+          </p:cNvPr>
+          <p:cNvSpPr/>
+          <p:nvPr/>
+        </p:nvSpPr>
+        <p:spPr>
+          <a:xfrm>
+            <a:off x="8431414" y="5705527"/>
+            <a:ext cx="2945569" cy="577939"/>
+          </a:xfrm>
+          <a:prstGeom prst="roundRect">
+            <a:avLst/>
+          </a:prstGeom>
+        </p:spPr>
+        <p:style>
+          <a:lnRef idx="1">
+            <a:schemeClr val="accent3"/>
+          </a:lnRef>
+          <a:fillRef idx="2">
+            <a:schemeClr val="accent3"/>
+          </a:fillRef>
+          <a:effectRef idx="1">
+            <a:schemeClr val="accent3"/>
+          </a:effectRef>
+          <a:fontRef idx="minor">
+            <a:schemeClr val="dk1"/>
+          </a:fontRef>
+        </p:style>
+        <p:txBody>
+          <a:bodyPr rtlCol="0" anchor="ctr"/>
+          <a:lstStyle/>
+          <a:p>
+            <a:r>
+              <a:rPr lang="en-GB" sz="1100" dirty="0">
+                <a:solidFill>
+                  <a:schemeClr val="bg1">
+                    <a:lumMod val="50000"/>
+                  </a:schemeClr>
+                </a:solidFill>
+              </a:rPr>
+              <a:t>The high number of misclassified MAP A signals into MAP B can be explained by looking directly at signals. See Appendix 2 for more details</a:t>
+            </a:r>
+          </a:p>
+        </p:txBody>
+      </p:sp>
     </p:spTree>
     <p:extLst>
       <p:ext uri="{BB962C8B-B14F-4D97-AF65-F5344CB8AC3E}">
@@ -21703,6 +21847,53 @@
           </a:p>
         </p:txBody>
       </p:sp>
+      <p:sp>
+        <p:nvSpPr>
+          <p:cNvPr id="3" name="Rettangolo con angoli arrotondati 2">
+            <a:extLst>
+              <a:ext uri="{FF2B5EF4-FFF2-40B4-BE49-F238E27FC236}">
+                <a16:creationId xmlns:a16="http://schemas.microsoft.com/office/drawing/2014/main" id="{1EE48F58-B442-1DD3-AB35-B8A7DC58DEDE}"/>
+              </a:ext>
+            </a:extLst>
+          </p:cNvPr>
+          <p:cNvSpPr/>
+          <p:nvPr/>
+        </p:nvSpPr>
+        <p:spPr>
+          <a:xfrm>
+            <a:off x="9810972" y="4431674"/>
+            <a:ext cx="1865376" cy="510608"/>
+          </a:xfrm>
+          <a:prstGeom prst="roundRect">
+            <a:avLst/>
+          </a:prstGeom>
+        </p:spPr>
+        <p:style>
+          <a:lnRef idx="1">
+            <a:schemeClr val="accent4"/>
+          </a:lnRef>
+          <a:fillRef idx="2">
+            <a:schemeClr val="accent4"/>
+          </a:fillRef>
+          <a:effectRef idx="1">
+            <a:schemeClr val="accent4"/>
+          </a:effectRef>
+          <a:fontRef idx="minor">
+            <a:schemeClr val="dk1"/>
+          </a:fontRef>
+        </p:style>
+        <p:txBody>
+          <a:bodyPr rtlCol="0" anchor="ctr"/>
+          <a:lstStyle/>
+          <a:p>
+            <a:pPr algn="ctr"/>
+            <a:r>
+              <a:rPr lang="en-GB" sz="1200" dirty="0"/>
+              <a:t>Ref trace: ECG L1 with R peak on 0.5s</a:t>
+            </a:r>
+          </a:p>
+        </p:txBody>
+      </p:sp>
       <p:grpSp>
         <p:nvGrpSpPr>
           <p:cNvPr id="28" name="Gruppo 27">
@@ -22010,6 +22201,41 @@
                                   </p:childTnLst>
                                 </p:cTn>
                               </p:par>
+                              <p:par>
+                                <p:cTn id="11" presetID="10" presetClass="exit" presetSubtype="0" fill="hold" grpId="0" nodeType="withEffect">
+                                  <p:stCondLst>
+                                    <p:cond delay="0"/>
+                                  </p:stCondLst>
+                                  <p:childTnLst>
+                                    <p:animEffect transition="out" filter="fade">
+                                      <p:cBhvr>
+                                        <p:cTn id="12" dur="500"/>
+                                        <p:tgtEl>
+                                          <p:spTgt spid="3"/>
+                                        </p:tgtEl>
+                                      </p:cBhvr>
+                                    </p:animEffect>
+                                    <p:set>
+                                      <p:cBhvr>
+                                        <p:cTn id="13" dur="1" fill="hold">
+                                          <p:stCondLst>
+                                            <p:cond delay="499"/>
+                                          </p:stCondLst>
+                                        </p:cTn>
+                                        <p:tgtEl>
+                                          <p:spTgt spid="3"/>
+                                        </p:tgtEl>
+                                        <p:attrNameLst>
+                                          <p:attrName>style.visibility</p:attrName>
+                                        </p:attrNameLst>
+                                      </p:cBhvr>
+                                      <p:to>
+                                        <p:strVal val="hidden"/>
+                                      </p:to>
+                                    </p:set>
+                                  </p:childTnLst>
+                                </p:cTn>
+                              </p:par>
                             </p:childTnLst>
                           </p:cTn>
                         </p:par>
@@ -22017,26 +22243,26 @@
                     </p:cTn>
                   </p:par>
                   <p:par>
-                    <p:cTn id="11" fill="hold">
+                    <p:cTn id="14" fill="hold">
                       <p:stCondLst>
                         <p:cond delay="indefinite"/>
                       </p:stCondLst>
                       <p:childTnLst>
                         <p:par>
-                          <p:cTn id="12" fill="hold">
+                          <p:cTn id="15" fill="hold">
                             <p:stCondLst>
                               <p:cond delay="0"/>
                             </p:stCondLst>
                             <p:childTnLst>
                               <p:par>
-                                <p:cTn id="13" presetID="2" presetClass="entr" presetSubtype="4" fill="hold" nodeType="clickEffect">
+                                <p:cTn id="16" presetID="2" presetClass="entr" presetSubtype="4" fill="hold" nodeType="clickEffect">
                                   <p:stCondLst>
                                     <p:cond delay="0"/>
                                   </p:stCondLst>
                                   <p:childTnLst>
                                     <p:set>
                                       <p:cBhvr>
-                                        <p:cTn id="14" dur="1" fill="hold">
+                                        <p:cTn id="17" dur="1" fill="hold">
                                           <p:stCondLst>
                                             <p:cond delay="0"/>
                                           </p:stCondLst>
@@ -22058,7 +22284,7 @@
                                     </p:set>
                                     <p:anim calcmode="lin" valueType="num">
                                       <p:cBhvr additive="base">
-                                        <p:cTn id="15" dur="500" fill="hold"/>
+                                        <p:cTn id="18" dur="500" fill="hold"/>
                                         <p:tgtEl>
                                           <p:spTgt spid="15">
                                             <p:txEl>
@@ -22085,7 +22311,7 @@
                                     </p:anim>
                                     <p:anim calcmode="lin" valueType="num">
                                       <p:cBhvr additive="base">
-                                        <p:cTn id="16" dur="500" fill="hold"/>
+                                        <p:cTn id="19" dur="500" fill="hold"/>
                                         <p:tgtEl>
                                           <p:spTgt spid="15">
                                             <p:txEl>
@@ -22114,14 +22340,14 @@
                                 </p:cTn>
                               </p:par>
                               <p:par>
-                                <p:cTn id="17" presetID="6" presetClass="entr" presetSubtype="32" fill="hold" nodeType="withEffect">
+                                <p:cTn id="20" presetID="6" presetClass="entr" presetSubtype="32" fill="hold" nodeType="withEffect">
                                   <p:stCondLst>
                                     <p:cond delay="0"/>
                                   </p:stCondLst>
                                   <p:childTnLst>
                                     <p:set>
                                       <p:cBhvr>
-                                        <p:cTn id="18" dur="1" fill="hold">
+                                        <p:cTn id="21" dur="1" fill="hold">
                                           <p:stCondLst>
                                             <p:cond delay="0"/>
                                           </p:stCondLst>
@@ -22139,7 +22365,7 @@
                                     </p:set>
                                     <p:animEffect transition="in" filter="circle(out)">
                                       <p:cBhvr>
-                                        <p:cTn id="19" dur="500"/>
+                                        <p:cTn id="22" dur="500"/>
                                         <p:tgtEl>
                                           <p:spTgt spid="28"/>
                                         </p:tgtEl>
@@ -22149,14 +22375,14 @@
                                 </p:cTn>
                               </p:par>
                               <p:par>
-                                <p:cTn id="20" presetID="2" presetClass="entr" presetSubtype="4" fill="hold" nodeType="withEffect">
+                                <p:cTn id="23" presetID="2" presetClass="entr" presetSubtype="4" fill="hold" nodeType="withEffect">
                                   <p:stCondLst>
                                     <p:cond delay="0"/>
                                   </p:stCondLst>
                                   <p:childTnLst>
                                     <p:set>
                                       <p:cBhvr>
-                                        <p:cTn id="21" dur="1" fill="hold">
+                                        <p:cTn id="24" dur="1" fill="hold">
                                           <p:stCondLst>
                                             <p:cond delay="0"/>
                                           </p:stCondLst>
@@ -22178,7 +22404,7 @@
                                     </p:set>
                                     <p:anim calcmode="lin" valueType="num">
                                       <p:cBhvr additive="base">
-                                        <p:cTn id="22" dur="500" fill="hold"/>
+                                        <p:cTn id="25" dur="500" fill="hold"/>
                                         <p:tgtEl>
                                           <p:spTgt spid="15">
                                             <p:txEl>
@@ -22205,11 +22431,96 @@
                                     </p:anim>
                                     <p:anim calcmode="lin" valueType="num">
                                       <p:cBhvr additive="base">
-                                        <p:cTn id="23" dur="500" fill="hold"/>
+                                        <p:cTn id="26" dur="500" fill="hold"/>
                                         <p:tgtEl>
                                           <p:spTgt spid="15">
                                             <p:txEl>
                                               <p:pRg st="4" end="4"/>
+                                            </p:txEl>
+                                          </p:spTgt>
+                                        </p:tgtEl>
+                                        <p:attrNameLst>
+                                          <p:attrName>ppt_y</p:attrName>
+                                        </p:attrNameLst>
+                                      </p:cBhvr>
+                                      <p:tavLst>
+                                        <p:tav tm="0">
+                                          <p:val>
+                                            <p:strVal val="1+#ppt_h/2"/>
+                                          </p:val>
+                                        </p:tav>
+                                        <p:tav tm="100000">
+                                          <p:val>
+                                            <p:strVal val="#ppt_y"/>
+                                          </p:val>
+                                        </p:tav>
+                                      </p:tavLst>
+                                    </p:anim>
+                                  </p:childTnLst>
+                                </p:cTn>
+                              </p:par>
+                              <p:par>
+                                <p:cTn id="27" presetID="2" presetClass="entr" presetSubtype="4" fill="hold" nodeType="withEffect">
+                                  <p:stCondLst>
+                                    <p:cond delay="0"/>
+                                  </p:stCondLst>
+                                  <p:childTnLst>
+                                    <p:set>
+                                      <p:cBhvr>
+                                        <p:cTn id="28" dur="1" fill="hold">
+                                          <p:stCondLst>
+                                            <p:cond delay="0"/>
+                                          </p:stCondLst>
+                                        </p:cTn>
+                                        <p:tgtEl>
+                                          <p:spTgt spid="15">
+                                            <p:txEl>
+                                              <p:pRg st="5" end="5"/>
+                                            </p:txEl>
+                                          </p:spTgt>
+                                        </p:tgtEl>
+                                        <p:attrNameLst>
+                                          <p:attrName>style.visibility</p:attrName>
+                                        </p:attrNameLst>
+                                      </p:cBhvr>
+                                      <p:to>
+                                        <p:strVal val="visible"/>
+                                      </p:to>
+                                    </p:set>
+                                    <p:anim calcmode="lin" valueType="num">
+                                      <p:cBhvr additive="base">
+                                        <p:cTn id="29" dur="500" fill="hold"/>
+                                        <p:tgtEl>
+                                          <p:spTgt spid="15">
+                                            <p:txEl>
+                                              <p:pRg st="5" end="5"/>
+                                            </p:txEl>
+                                          </p:spTgt>
+                                        </p:tgtEl>
+                                        <p:attrNameLst>
+                                          <p:attrName>ppt_x</p:attrName>
+                                        </p:attrNameLst>
+                                      </p:cBhvr>
+                                      <p:tavLst>
+                                        <p:tav tm="0">
+                                          <p:val>
+                                            <p:strVal val="#ppt_x"/>
+                                          </p:val>
+                                        </p:tav>
+                                        <p:tav tm="100000">
+                                          <p:val>
+                                            <p:strVal val="#ppt_x"/>
+                                          </p:val>
+                                        </p:tav>
+                                      </p:tavLst>
+                                    </p:anim>
+                                    <p:anim calcmode="lin" valueType="num">
+                                      <p:cBhvr additive="base">
+                                        <p:cTn id="30" dur="500" fill="hold"/>
+                                        <p:tgtEl>
+                                          <p:spTgt spid="15">
+                                            <p:txEl>
+                                              <p:pRg st="5" end="5"/>
                                             </p:txEl>
                                           </p:spTgt>
                                         </p:tgtEl>
@@ -22240,26 +22551,26 @@
                     </p:cTn>
                   </p:par>
                   <p:par>
-                    <p:cTn id="24" fill="hold">
+                    <p:cTn id="31" fill="hold">
                       <p:stCondLst>
                         <p:cond delay="indefinite"/>
                       </p:stCondLst>
                       <p:childTnLst>
                         <p:par>
-                          <p:cTn id="25" fill="hold">
+                          <p:cTn id="32" fill="hold">
                             <p:stCondLst>
                               <p:cond delay="0"/>
                             </p:stCondLst>
                             <p:childTnLst>
                               <p:par>
-                                <p:cTn id="26" presetID="2" presetClass="entr" presetSubtype="4" fill="hold" nodeType="clickEffect">
+                                <p:cTn id="33" presetID="2" presetClass="entr" presetSubtype="4" fill="hold" nodeType="clickEffect">
                                   <p:stCondLst>
                                     <p:cond delay="0"/>
                                   </p:stCondLst>
                                   <p:childTnLst>
                                     <p:set>
                                       <p:cBhvr>
-                                        <p:cTn id="27" dur="1" fill="hold">
+                                        <p:cTn id="34" dur="1" fill="hold">
                                           <p:stCondLst>
                                             <p:cond delay="0"/>
                                           </p:stCondLst>
@@ -22281,7 +22592,7 @@
                                     </p:set>
                                     <p:anim calcmode="lin" valueType="num">
                                       <p:cBhvr additive="base">
-                                        <p:cTn id="28" dur="500" fill="hold"/>
+                                        <p:cTn id="35" dur="500" fill="hold"/>
                                         <p:tgtEl>
                                           <p:spTgt spid="15">
                                             <p:txEl>
@@ -22308,7 +22619,7 @@
                                     </p:anim>
                                     <p:anim calcmode="lin" valueType="num">
                                       <p:cBhvr additive="base">
-                                        <p:cTn id="29" dur="500" fill="hold"/>
+                                        <p:cTn id="36" dur="500" fill="hold"/>
                                         <p:tgtEl>
                                           <p:spTgt spid="15">
                                             <p:txEl>
@@ -22363,6 +22674,9 @@
         </p:cTn>
       </p:par>
     </p:tnLst>
+    <p:bldLst>
+      <p:bldP spid="3" grpId="0" animBg="1"/>
+    </p:bldLst>
   </p:timing>
 </p:sld>
 </file>
@@ -23140,7 +23454,7 @@
         </p:nvGrpSpPr>
         <p:grpSpPr>
           <a:xfrm>
-            <a:off x="5102293" y="1440112"/>
+            <a:off x="4785356" y="1504120"/>
             <a:ext cx="6437376" cy="4776042"/>
             <a:chOff x="4745736" y="1504120"/>
             <a:chExt cx="6437376" cy="4776042"/>
@@ -23576,24 +23890,15 @@
                                   </p:childTnLst>
                                 </p:cTn>
                               </p:par>
-                            </p:childTnLst>
-                          </p:cTn>
-                        </p:par>
-                        <p:par>
-                          <p:cTn id="18" fill="hold">
-                            <p:stCondLst>
-                              <p:cond delay="500"/>
-                            </p:stCondLst>
-                            <p:childTnLst>
                               <p:par>
-                                <p:cTn id="19" presetID="10" presetClass="exit" presetSubtype="0" fill="hold" nodeType="afterEffect">
+                                <p:cTn id="18" presetID="10" presetClass="exit" presetSubtype="0" fill="hold" nodeType="withEffect">
                                   <p:stCondLst>
                                     <p:cond delay="0"/>
                                   </p:stCondLst>
                                   <p:childTnLst>
                                     <p:animEffect transition="out" filter="fade">
                                       <p:cBhvr>
-                                        <p:cTn id="20" dur="500"/>
+                                        <p:cTn id="19" dur="500"/>
                                         <p:tgtEl>
                                           <p:spTgt spid="14"/>
                                         </p:tgtEl>
@@ -23601,7 +23906,7 @@
                                     </p:animEffect>
                                     <p:set>
                                       <p:cBhvr>
-                                        <p:cTn id="21" dur="1" fill="hold">
+                                        <p:cTn id="20" dur="1" fill="hold">
                                           <p:stCondLst>
                                             <p:cond delay="499"/>
                                           </p:stCondLst>
@@ -23620,24 +23925,15 @@
                                   </p:childTnLst>
                                 </p:cTn>
                               </p:par>
-                            </p:childTnLst>
-                          </p:cTn>
-                        </p:par>
-                        <p:par>
-                          <p:cTn id="22" fill="hold">
-                            <p:stCondLst>
-                              <p:cond delay="1000"/>
-                            </p:stCondLst>
-                            <p:childTnLst>
                               <p:par>
-                                <p:cTn id="23" presetID="6" presetClass="entr" presetSubtype="32" fill="hold" nodeType="afterEffect">
+                                <p:cTn id="21" presetID="6" presetClass="entr" presetSubtype="32" fill="hold" nodeType="withEffect">
                                   <p:stCondLst>
                                     <p:cond delay="0"/>
                                   </p:stCondLst>
                                   <p:childTnLst>
                                     <p:set>
                                       <p:cBhvr>
-                                        <p:cTn id="24" dur="1" fill="hold">
+                                        <p:cTn id="22" dur="1" fill="hold">
                                           <p:stCondLst>
                                             <p:cond delay="0"/>
                                           </p:stCondLst>
@@ -23655,7 +23951,7 @@
                                     </p:set>
                                     <p:animEffect transition="in" filter="circle(out)">
                                       <p:cBhvr>
-                                        <p:cTn id="25" dur="500"/>
+                                        <p:cTn id="23" dur="500"/>
                                         <p:tgtEl>
                                           <p:spTgt spid="12"/>
                                         </p:tgtEl>
@@ -23671,26 +23967,26 @@
                     </p:cTn>
                   </p:par>
                   <p:par>
-                    <p:cTn id="26" fill="hold">
+                    <p:cTn id="24" fill="hold">
                       <p:stCondLst>
                         <p:cond delay="indefinite"/>
                       </p:stCondLst>
                       <p:childTnLst>
                         <p:par>
-                          <p:cTn id="27" fill="hold">
+                          <p:cTn id="25" fill="hold">
                             <p:stCondLst>
                               <p:cond delay="0"/>
                             </p:stCondLst>
                             <p:childTnLst>
                               <p:par>
-                                <p:cTn id="28" presetID="2" presetClass="entr" presetSubtype="4" fill="hold" nodeType="clickEffect">
+                                <p:cTn id="26" presetID="2" presetClass="entr" presetSubtype="4" fill="hold" nodeType="clickEffect">
                                   <p:stCondLst>
                                     <p:cond delay="0"/>
                                   </p:stCondLst>
                                   <p:childTnLst>
                                     <p:set>
                                       <p:cBhvr>
-                                        <p:cTn id="29" dur="1" fill="hold">
+                                        <p:cTn id="27" dur="1" fill="hold">
                                           <p:stCondLst>
                                             <p:cond delay="0"/>
                                           </p:stCondLst>
@@ -23712,7 +24008,7 @@
                                     </p:set>
                                     <p:anim calcmode="lin" valueType="num">
                                       <p:cBhvr additive="base">
-                                        <p:cTn id="30" dur="500" fill="hold"/>
+                                        <p:cTn id="28" dur="500" fill="hold"/>
                                         <p:tgtEl>
                                           <p:spTgt spid="15">
                                             <p:txEl>
@@ -23739,7 +24035,7 @@
                                     </p:anim>
                                     <p:anim calcmode="lin" valueType="num">
                                       <p:cBhvr additive="base">
-                                        <p:cTn id="31" dur="500" fill="hold"/>
+                                        <p:cTn id="29" dur="500" fill="hold"/>
                                         <p:tgtEl>
                                           <p:spTgt spid="15">
                                             <p:txEl>
@@ -23767,6 +24063,76 @@
                                   </p:childTnLst>
                                 </p:cTn>
                               </p:par>
+                              <p:par>
+                                <p:cTn id="30" presetID="10" presetClass="exit" presetSubtype="0" fill="hold" nodeType="withEffect">
+                                  <p:stCondLst>
+                                    <p:cond delay="0"/>
+                                  </p:stCondLst>
+                                  <p:childTnLst>
+                                    <p:animEffect transition="out" filter="fade">
+                                      <p:cBhvr>
+                                        <p:cTn id="31" dur="500"/>
+                                        <p:tgtEl>
+                                          <p:spTgt spid="12"/>
+                                        </p:tgtEl>
+                                      </p:cBhvr>
+                                    </p:animEffect>
+                                    <p:set>
+                                      <p:cBhvr>
+                                        <p:cTn id="32" dur="1" fill="hold">
+                                          <p:stCondLst>
+                                            <p:cond delay="499"/>
+                                          </p:stCondLst>
+                                        </p:cTn>
+                                        <p:tgtEl>
+                                          <p:spTgt spid="12"/>
+                                        </p:tgtEl>
+                                        <p:attrNameLst>
+                                          <p:attrName>style.visibility</p:attrName>
+                                        </p:attrNameLst>
+                                      </p:cBhvr>
+                                      <p:to>
+                                        <p:strVal val="hidden"/>
+                                      </p:to>
+                                    </p:set>
+                                  </p:childTnLst>
+                                </p:cTn>
+                              </p:par>
+                              <p:par>
+                                <p:cTn id="33" presetID="6" presetClass="entr" presetSubtype="32" fill="hold" nodeType="withEffect">
+                                  <p:stCondLst>
+                                    <p:cond delay="0"/>
+                                  </p:stCondLst>
+                                  <p:childTnLst>
+                                    <p:set>
+                                      <p:cBhvr>
+                                        <p:cTn id="34" dur="1" fill="hold">
+                                          <p:stCondLst>
+                                            <p:cond delay="0"/>
+                                          </p:stCondLst>
+                                        </p:cTn>
+                                        <p:tgtEl>
+                                          <p:spTgt spid="19"/>
+                                        </p:tgtEl>
+                                        <p:attrNameLst>
+                                          <p:attrName>style.visibility</p:attrName>
+                                        </p:attrNameLst>
+                                      </p:cBhvr>
+                                      <p:to>
+                                        <p:strVal val="visible"/>
+                                      </p:to>
+                                    </p:set>
+                                    <p:animEffect transition="in" filter="circle(out)">
+                                      <p:cBhvr>
+                                        <p:cTn id="35" dur="500"/>
+                                        <p:tgtEl>
+                                          <p:spTgt spid="19"/>
+                                        </p:tgtEl>
+                                      </p:cBhvr>
+                                    </p:animEffect>
+                                  </p:childTnLst>
+                                </p:cTn>
+                              </p:par>
                             </p:childTnLst>
                           </p:cTn>
                         </p:par>
@@ -23774,26 +24140,26 @@
                     </p:cTn>
                   </p:par>
                   <p:par>
-                    <p:cTn id="32" fill="hold">
+                    <p:cTn id="36" fill="hold">
                       <p:stCondLst>
                         <p:cond delay="indefinite"/>
                       </p:stCondLst>
                       <p:childTnLst>
                         <p:par>
-                          <p:cTn id="33" fill="hold">
+                          <p:cTn id="37" fill="hold">
                             <p:stCondLst>
                               <p:cond delay="0"/>
                             </p:stCondLst>
                             <p:childTnLst>
                               <p:par>
-                                <p:cTn id="34" presetID="2" presetClass="entr" presetSubtype="4" fill="hold" nodeType="clickEffect">
+                                <p:cTn id="38" presetID="2" presetClass="entr" presetSubtype="4" fill="hold" nodeType="clickEffect">
                                   <p:stCondLst>
                                     <p:cond delay="0"/>
                                   </p:stCondLst>
                                   <p:childTnLst>
                                     <p:set>
                                       <p:cBhvr>
-                                        <p:cTn id="35" dur="1" fill="hold">
+                                        <p:cTn id="39" dur="1" fill="hold">
                                           <p:stCondLst>
                                             <p:cond delay="0"/>
                                           </p:stCondLst>
@@ -23815,7 +24181,7 @@
                                     </p:set>
                                     <p:anim calcmode="lin" valueType="num">
                                       <p:cBhvr additive="base">
-                                        <p:cTn id="36" dur="500" fill="hold"/>
+                                        <p:cTn id="40" dur="500" fill="hold"/>
                                         <p:tgtEl>
                                           <p:spTgt spid="15">
                                             <p:txEl>
@@ -23842,7 +24208,7 @@
                                     </p:anim>
                                     <p:anim calcmode="lin" valueType="num">
                                       <p:cBhvr additive="base">
-                                        <p:cTn id="37" dur="500" fill="hold"/>
+                                        <p:cTn id="41" dur="500" fill="hold"/>
                                         <p:tgtEl>
                                           <p:spTgt spid="15">
                                             <p:txEl>
@@ -23871,60 +24237,24 @@
                                 </p:cTn>
                               </p:par>
                               <p:par>
-                                <p:cTn id="38" presetID="10" presetClass="exit" presetSubtype="0" fill="hold" nodeType="withEffect">
+                                <p:cTn id="42" presetID="10" presetClass="exit" presetSubtype="0" fill="hold" nodeType="withEffect">
                                   <p:stCondLst>
                                     <p:cond delay="0"/>
                                   </p:stCondLst>
                                   <p:childTnLst>
                                     <p:animEffect transition="out" filter="fade">
                                       <p:cBhvr>
-                                        <p:cTn id="39" dur="500"/>
+                                        <p:cTn id="43" dur="500"/>
                                         <p:tgtEl>
-                                          <p:spTgt spid="12"/>
+                                          <p:spTgt spid="19"/>
                                         </p:tgtEl>
                                       </p:cBhvr>
                                     </p:animEffect>
                                     <p:set>
                                       <p:cBhvr>
-                                        <p:cTn id="40" dur="1" fill="hold">
+                                        <p:cTn id="44" dur="1" fill="hold">
                                           <p:stCondLst>
                                             <p:cond delay="499"/>
-                                          </p:stCondLst>
-                                        </p:cTn>
-                                        <p:tgtEl>
-                                          <p:spTgt spid="12"/>
-                                        </p:tgtEl>
-                                        <p:attrNameLst>
-                                          <p:attrName>style.visibility</p:attrName>
-                                        </p:attrNameLst>
-                                      </p:cBhvr>
-                                      <p:to>
-                                        <p:strVal val="hidden"/>
-                                      </p:to>
-                                    </p:set>
-                                  </p:childTnLst>
-                                </p:cTn>
-                              </p:par>
-                            </p:childTnLst>
-                          </p:cTn>
-                        </p:par>
-                        <p:par>
-                          <p:cTn id="41" fill="hold">
-                            <p:stCondLst>
-                              <p:cond delay="500"/>
-                            </p:stCondLst>
-                            <p:childTnLst>
-                              <p:par>
-                                <p:cTn id="42" presetID="6" presetClass="entr" presetSubtype="32" fill="hold" nodeType="afterEffect">
-                                  <p:stCondLst>
-                                    <p:cond delay="0"/>
-                                  </p:stCondLst>
-                                  <p:childTnLst>
-                                    <p:set>
-                                      <p:cBhvr>
-                                        <p:cTn id="43" dur="1" fill="hold">
-                                          <p:stCondLst>
-                                            <p:cond delay="0"/>
                                           </p:stCondLst>
                                         </p:cTn>
                                         <p:tgtEl>
@@ -23935,17 +24265,9 @@
                                         </p:attrNameLst>
                                       </p:cBhvr>
                                       <p:to>
-                                        <p:strVal val="visible"/>
+                                        <p:strVal val="hidden"/>
                                       </p:to>
                                     </p:set>
-                                    <p:animEffect transition="in" filter="circle(out)">
-                                      <p:cBhvr>
-                                        <p:cTn id="44" dur="500"/>
-                                        <p:tgtEl>
-                                          <p:spTgt spid="19"/>
-                                        </p:tgtEl>
-                                      </p:cBhvr>
-                                    </p:animEffect>
                                   </p:childTnLst>
                                 </p:cTn>
                               </p:par>
@@ -25930,6 +26252,58 @@
           </a:p>
           <a:p>
             <a:endParaRPr lang="en-US" sz="1600" dirty="0"/>
+          </a:p>
+        </p:txBody>
+      </p:sp>
+      <p:sp>
+        <p:nvSpPr>
+          <p:cNvPr id="3" name="Rettangolo con angoli arrotondati 2">
+            <a:extLst>
+              <a:ext uri="{FF2B5EF4-FFF2-40B4-BE49-F238E27FC236}">
+                <a16:creationId xmlns:a16="http://schemas.microsoft.com/office/drawing/2014/main" id="{4AEA8C1A-EC8F-D31E-D7D8-961B0B0A78B4}"/>
+              </a:ext>
+            </a:extLst>
+          </p:cNvPr>
+          <p:cNvSpPr/>
+          <p:nvPr/>
+        </p:nvSpPr>
+        <p:spPr>
+          <a:xfrm>
+            <a:off x="8498037" y="5705527"/>
+            <a:ext cx="2945569" cy="577939"/>
+          </a:xfrm>
+          <a:prstGeom prst="roundRect">
+            <a:avLst/>
+          </a:prstGeom>
+        </p:spPr>
+        <p:style>
+          <a:lnRef idx="1">
+            <a:schemeClr val="accent3"/>
+          </a:lnRef>
+          <a:fillRef idx="2">
+            <a:schemeClr val="accent3"/>
+          </a:fillRef>
+          <a:effectRef idx="1">
+            <a:schemeClr val="accent3"/>
+          </a:effectRef>
+          <a:fontRef idx="minor">
+            <a:schemeClr val="dk1"/>
+          </a:fontRef>
+        </p:style>
+        <p:txBody>
+          <a:bodyPr rtlCol="0" anchor="ctr"/>
+          <a:lstStyle/>
+          <a:p>
+            <a:r>
+              <a:rPr lang="en-GB" sz="1100" dirty="0">
+                <a:solidFill>
+                  <a:schemeClr val="bg1">
+                    <a:lumMod val="50000"/>
+                  </a:schemeClr>
+                </a:solidFill>
+              </a:rPr>
+              <a:t>These priors have been defined on the bases of experience: what if a preprocessing step proceeded the classification? See Appendix 3.</a:t>
+            </a:r>
           </a:p>
         </p:txBody>
       </p:sp>
